--- a/Slides.pptx
+++ b/Slides.pptx
@@ -5,7 +5,7 @@
     <p:sldMasterId id="2147483648" r:id="rId1"/>
   </p:sldMasterIdLst>
   <p:notesMasterIdLst>
-    <p:notesMasterId r:id="rId18"/>
+    <p:notesMasterId r:id="rId19"/>
   </p:notesMasterIdLst>
   <p:sldIdLst>
     <p:sldId id="256" r:id="rId2"/>
@@ -20,10 +20,11 @@
     <p:sldId id="270" r:id="rId11"/>
     <p:sldId id="272" r:id="rId12"/>
     <p:sldId id="271" r:id="rId13"/>
-    <p:sldId id="273" r:id="rId14"/>
-    <p:sldId id="274" r:id="rId15"/>
-    <p:sldId id="275" r:id="rId16"/>
-    <p:sldId id="276" r:id="rId17"/>
+    <p:sldId id="277" r:id="rId14"/>
+    <p:sldId id="273" r:id="rId15"/>
+    <p:sldId id="274" r:id="rId16"/>
+    <p:sldId id="275" r:id="rId17"/>
+    <p:sldId id="276" r:id="rId18"/>
   </p:sldIdLst>
   <p:sldSz cx="12192000" cy="6858000"/>
   <p:notesSz cx="6858000" cy="9144000"/>
@@ -139,6 +140,7 @@
             <p14:sldId id="270"/>
             <p14:sldId id="272"/>
             <p14:sldId id="271"/>
+            <p14:sldId id="277"/>
             <p14:sldId id="273"/>
             <p14:sldId id="274"/>
             <p14:sldId id="275"/>
@@ -146,6 +148,9 @@
           </p14:sldIdLst>
         </p14:section>
       </p14:sectionLst>
+    </p:ext>
+    <p:ext uri="{EFAFB233-063F-42B5-8137-9DF3F51BA10A}">
+      <p15:sldGuideLst xmlns:p15="http://schemas.microsoft.com/office/powerpoint/2012/main"/>
     </p:ext>
   </p:extLst>
 </p:presentation>
@@ -4571,8 +4576,8 @@
           </a:p>
         </p:txBody>
       </p:sp>
-      <mc:AlternateContent xmlns:mc="http://schemas.openxmlformats.org/markup-compatibility/2006">
-        <mc:Choice xmlns:a14="http://schemas.microsoft.com/office/drawing/2010/main" Requires="a14">
+      <mc:AlternateContent xmlns:mc="http://schemas.openxmlformats.org/markup-compatibility/2006" xmlns:a14="http://schemas.microsoft.com/office/drawing/2010/main">
+        <mc:Choice Requires="a14">
           <p:sp>
             <p:nvSpPr>
               <p:cNvPr id="5" name="TextBox 4">
@@ -4687,7 +4692,7 @@
             </p:txBody>
           </p:sp>
         </mc:Choice>
-        <mc:Fallback>
+        <mc:Fallback xmlns="">
           <p:sp>
             <p:nvSpPr>
               <p:cNvPr id="5" name="TextBox 4">
@@ -4854,6 +4859,11 @@
                 </a:pPr>
                 <a:r>
                   <a:rPr lang="en-GB" sz="1800" dirty="0">
+                    <a:solidFill>
+                      <a:schemeClr val="bg1">
+                        <a:lumMod val="50000"/>
+                      </a:schemeClr>
+                    </a:solidFill>
                     <a:latin typeface="Palatino" pitchFamily="2" charset="77"/>
                     <a:ea typeface="Palatino" pitchFamily="2" charset="77"/>
                   </a:rPr>
@@ -4868,6 +4878,11 @@
                 </a:pPr>
                 <a:r>
                   <a:rPr lang="en-GB" sz="1800" dirty="0">
+                    <a:solidFill>
+                      <a:schemeClr val="bg1">
+                        <a:lumMod val="50000"/>
+                      </a:schemeClr>
+                    </a:solidFill>
                     <a:latin typeface="Palatino" pitchFamily="2" charset="77"/>
                     <a:ea typeface="Palatino" pitchFamily="2" charset="77"/>
                   </a:rPr>
@@ -4907,6 +4922,11 @@
                 </a:pPr>
                 <a:r>
                   <a:rPr lang="en-GB" sz="1800" dirty="0">
+                    <a:solidFill>
+                      <a:schemeClr val="bg1">
+                        <a:lumMod val="50000"/>
+                      </a:schemeClr>
+                    </a:solidFill>
                     <a:latin typeface="Palatino" pitchFamily="2" charset="77"/>
                     <a:ea typeface="Palatino" pitchFamily="2" charset="77"/>
                   </a:rPr>
@@ -4914,6 +4934,11 @@
                 </a:r>
                 <a:r>
                   <a:rPr lang="el-GR" sz="1800" dirty="0">
+                    <a:solidFill>
+                      <a:schemeClr val="bg1">
+                        <a:lumMod val="50000"/>
+                      </a:schemeClr>
+                    </a:solidFill>
                     <a:latin typeface="Palatino" pitchFamily="2" charset="77"/>
                     <a:ea typeface="Palatino" pitchFamily="2" charset="77"/>
                   </a:rPr>
@@ -4921,6 +4946,11 @@
                 </a:r>
                 <a:r>
                   <a:rPr lang="en-GB" sz="1800" dirty="0">
+                    <a:solidFill>
+                      <a:schemeClr val="bg1">
+                        <a:lumMod val="50000"/>
+                      </a:schemeClr>
+                    </a:solidFill>
                     <a:latin typeface="Palatino" pitchFamily="2" charset="77"/>
                     <a:ea typeface="Palatino" pitchFamily="2" charset="77"/>
                   </a:rPr>
@@ -4935,6 +4965,11 @@
                 </a:pPr>
                 <a:r>
                   <a:rPr lang="en-GB" sz="1800" dirty="0">
+                    <a:solidFill>
+                      <a:schemeClr val="bg1">
+                        <a:lumMod val="50000"/>
+                      </a:schemeClr>
+                    </a:solidFill>
                     <a:latin typeface="Palatino" pitchFamily="2" charset="77"/>
                     <a:ea typeface="Palatino" pitchFamily="2" charset="77"/>
                   </a:rPr>
@@ -4942,6 +4977,11 @@
                 </a:r>
                 <a:r>
                   <a:rPr lang="en-GB" sz="1800" i="1" dirty="0">
+                    <a:solidFill>
+                      <a:schemeClr val="bg1">
+                        <a:lumMod val="50000"/>
+                      </a:schemeClr>
+                    </a:solidFill>
                     <a:latin typeface="Palatino" pitchFamily="2" charset="77"/>
                     <a:ea typeface="Palatino" pitchFamily="2" charset="77"/>
                   </a:rPr>
@@ -4949,6 +4989,11 @@
                 </a:r>
                 <a:r>
                   <a:rPr lang="en-GB" sz="1800" dirty="0">
+                    <a:solidFill>
+                      <a:schemeClr val="bg1">
+                        <a:lumMod val="50000"/>
+                      </a:schemeClr>
+                    </a:solidFill>
                     <a:latin typeface="Palatino" pitchFamily="2" charset="77"/>
                     <a:ea typeface="Palatino" pitchFamily="2" charset="77"/>
                   </a:rPr>
@@ -4958,6 +5003,11 @@
                   <m:oMath xmlns:m="http://schemas.openxmlformats.org/officeDocument/2006/math">
                     <m:r>
                       <a:rPr lang="en-GB" sz="1800" i="1" smtClean="0">
+                        <a:solidFill>
+                          <a:schemeClr val="bg1">
+                            <a:lumMod val="50000"/>
+                          </a:schemeClr>
+                        </a:solidFill>
                         <a:latin typeface="Cambria Math" panose="02040503050406030204" pitchFamily="18" charset="0"/>
                         <a:ea typeface="Cambria Math" panose="02040503050406030204" pitchFamily="18" charset="0"/>
                       </a:rPr>
@@ -4967,6 +5017,11 @@
                 </a14:m>
                 <a:r>
                   <a:rPr lang="it-IT" sz="1800" dirty="0">
+                    <a:solidFill>
+                      <a:schemeClr val="bg1">
+                        <a:lumMod val="50000"/>
+                      </a:schemeClr>
+                    </a:solidFill>
                     <a:latin typeface="Palatino" pitchFamily="2" charset="77"/>
                     <a:ea typeface="Palatino" pitchFamily="2" charset="77"/>
                   </a:rPr>
@@ -4974,6 +5029,11 @@
                 </a:r>
                 <a:r>
                   <a:rPr lang="el-GR" sz="1800" dirty="0">
+                    <a:solidFill>
+                      <a:schemeClr val="bg1">
+                        <a:lumMod val="50000"/>
+                      </a:schemeClr>
+                    </a:solidFill>
                     <a:latin typeface="Palatino" pitchFamily="2" charset="77"/>
                     <a:ea typeface="Palatino" pitchFamily="2" charset="77"/>
                   </a:rPr>
@@ -4981,6 +5041,11 @@
                 </a:r>
                 <a:r>
                   <a:rPr lang="en-GB" sz="1800" dirty="0">
+                    <a:solidFill>
+                      <a:schemeClr val="bg1">
+                        <a:lumMod val="50000"/>
+                      </a:schemeClr>
+                    </a:solidFill>
                     <a:latin typeface="Palatino" pitchFamily="2" charset="77"/>
                     <a:ea typeface="Palatino" pitchFamily="2" charset="77"/>
                   </a:rPr>
@@ -4995,6 +5060,11 @@
                 </a:pPr>
                 <a:r>
                   <a:rPr lang="en-GB" sz="1800" dirty="0">
+                    <a:solidFill>
+                      <a:schemeClr val="bg1">
+                        <a:lumMod val="50000"/>
+                      </a:schemeClr>
+                    </a:solidFill>
                     <a:latin typeface="Palatino" pitchFamily="2" charset="77"/>
                     <a:ea typeface="Palatino" pitchFamily="2" charset="77"/>
                   </a:rPr>
@@ -5009,6 +5079,11 @@
                 </a:pPr>
                 <a:r>
                   <a:rPr lang="en-GB" sz="1800" dirty="0">
+                    <a:solidFill>
+                      <a:schemeClr val="bg1">
+                        <a:lumMod val="50000"/>
+                      </a:schemeClr>
+                    </a:solidFill>
                     <a:latin typeface="Palatino" pitchFamily="2" charset="77"/>
                     <a:ea typeface="Palatino" pitchFamily="2" charset="77"/>
                   </a:rPr>
@@ -5103,6 +5178,163 @@
         <p:cNvPr id="1" name="">
           <a:extLst>
             <a:ext uri="{FF2B5EF4-FFF2-40B4-BE49-F238E27FC236}">
+              <a16:creationId xmlns:a16="http://schemas.microsoft.com/office/drawing/2014/main" id="{C8D536DA-EB01-F32B-886A-54945DCA5ACE}"/>
+            </a:ext>
+          </a:extLst>
+        </p:cNvPr>
+        <p:cNvGrpSpPr/>
+        <p:nvPr/>
+      </p:nvGrpSpPr>
+      <p:grpSpPr>
+        <a:xfrm>
+          <a:off x="0" y="0"/>
+          <a:ext cx="0" cy="0"/>
+          <a:chOff x="0" y="0"/>
+          <a:chExt cx="0" cy="0"/>
+        </a:xfrm>
+      </p:grpSpPr>
+      <p:sp>
+        <p:nvSpPr>
+          <p:cNvPr id="2" name="Title 1">
+            <a:extLst>
+              <a:ext uri="{FF2B5EF4-FFF2-40B4-BE49-F238E27FC236}">
+                <a16:creationId xmlns:a16="http://schemas.microsoft.com/office/drawing/2014/main" id="{03192B38-8BAD-F96E-3689-2D991E896A9D}"/>
+              </a:ext>
+            </a:extLst>
+          </p:cNvPr>
+          <p:cNvSpPr>
+            <a:spLocks noGrp="1"/>
+          </p:cNvSpPr>
+          <p:nvPr>
+            <p:ph type="title"/>
+          </p:nvPr>
+        </p:nvSpPr>
+        <p:spPr/>
+        <p:txBody>
+          <a:bodyPr/>
+          <a:lstStyle/>
+          <a:p>
+            <a:r>
+              <a:rPr lang="en-IT" dirty="0">
+                <a:latin typeface="Palatino" pitchFamily="2" charset="77"/>
+                <a:ea typeface="Palatino" pitchFamily="2" charset="77"/>
+              </a:rPr>
+              <a:t>Strategy</a:t>
+            </a:r>
+          </a:p>
+        </p:txBody>
+      </p:sp>
+      <p:sp>
+        <p:nvSpPr>
+          <p:cNvPr id="3" name="Content Placeholder 2">
+            <a:extLst>
+              <a:ext uri="{FF2B5EF4-FFF2-40B4-BE49-F238E27FC236}">
+                <a16:creationId xmlns:a16="http://schemas.microsoft.com/office/drawing/2014/main" id="{3E564E6F-68A6-E584-58A4-875959D8EC9A}"/>
+              </a:ext>
+            </a:extLst>
+          </p:cNvPr>
+          <p:cNvSpPr>
+            <a:spLocks noGrp="1"/>
+          </p:cNvSpPr>
+          <p:nvPr>
+            <p:ph idx="1"/>
+          </p:nvPr>
+        </p:nvSpPr>
+        <p:spPr>
+          <a:xfrm>
+            <a:off x="838200" y="1668322"/>
+            <a:ext cx="8816163" cy="3254552"/>
+          </a:xfrm>
+        </p:spPr>
+        <p:txBody>
+          <a:bodyPr>
+            <a:noAutofit/>
+          </a:bodyPr>
+          <a:lstStyle/>
+          <a:p>
+            <a:pPr marL="0" indent="0">
+              <a:spcBef>
+                <a:spcPts val="0"/>
+              </a:spcBef>
+              <a:spcAft>
+                <a:spcPts val="1200"/>
+              </a:spcAft>
+              <a:buNone/>
+            </a:pPr>
+            <a:r>
+              <a:rPr lang="it-IT" sz="2400" dirty="0">
+                <a:latin typeface="Palatino" pitchFamily="2" charset="77"/>
+                <a:ea typeface="Palatino" pitchFamily="2" charset="77"/>
+              </a:rPr>
+              <a:t>Idea</a:t>
+            </a:r>
+          </a:p>
+          <a:p>
+            <a:pPr marL="0" indent="0">
+              <a:buNone/>
+            </a:pPr>
+            <a:r>
+              <a:rPr lang="en-GB" sz="1800" dirty="0">
+                <a:solidFill>
+                  <a:schemeClr val="bg1">
+                    <a:lumMod val="50000"/>
+                  </a:schemeClr>
+                </a:solidFill>
+                <a:latin typeface="Palatino" pitchFamily="2" charset="77"/>
+                <a:ea typeface="Palatino" pitchFamily="2" charset="77"/>
+              </a:rPr>
+              <a:t>By incorporating lower confidence bounds on consumption, this UCB1 extension ensures that decisions are budget-aware, while being optimistic about overconsumption in order to promote exploration, and to avoid waste of budget.</a:t>
+            </a:r>
+          </a:p>
+          <a:p>
+            <a:pPr marL="0" indent="0">
+              <a:buNone/>
+            </a:pPr>
+            <a:r>
+              <a:rPr lang="en-GB" sz="1800" dirty="0">
+                <a:solidFill>
+                  <a:schemeClr val="bg1">
+                    <a:lumMod val="50000"/>
+                  </a:schemeClr>
+                </a:solidFill>
+                <a:latin typeface="Palatino" pitchFamily="2" charset="77"/>
+                <a:ea typeface="Palatino" pitchFamily="2" charset="77"/>
+              </a:rPr>
+              <a:t>To do that, we allocate probability across arms through a linear programming problem, which avoids overconsumption (optimistically).</a:t>
+            </a:r>
+            <a:endParaRPr lang="en-IT" sz="1800" dirty="0">
+              <a:solidFill>
+                <a:schemeClr val="bg1">
+                  <a:lumMod val="50000"/>
+                </a:schemeClr>
+              </a:solidFill>
+              <a:latin typeface="Palatino" pitchFamily="2" charset="77"/>
+              <a:ea typeface="Palatino" pitchFamily="2" charset="77"/>
+            </a:endParaRPr>
+          </a:p>
+        </p:txBody>
+      </p:sp>
+    </p:spTree>
+    <p:extLst>
+      <p:ext uri="{BB962C8B-B14F-4D97-AF65-F5344CB8AC3E}">
+        <p14:creationId xmlns:p14="http://schemas.microsoft.com/office/powerpoint/2010/main" val="3372545420"/>
+      </p:ext>
+    </p:extLst>
+  </p:cSld>
+  <p:clrMapOvr>
+    <a:masterClrMapping/>
+  </p:clrMapOvr>
+</p:sld>
+</file>
+
+<file path=ppt/slides/slide14.xml><?xml version="1.0" encoding="utf-8"?>
+<p:sld xmlns:a="http://schemas.openxmlformats.org/drawingml/2006/main" xmlns:r="http://schemas.openxmlformats.org/officeDocument/2006/relationships" xmlns:p="http://schemas.openxmlformats.org/presentationml/2006/main">
+  <p:cSld>
+    <p:spTree>
+      <p:nvGrpSpPr>
+        <p:cNvPr id="1" name="">
+          <a:extLst>
+            <a:ext uri="{FF2B5EF4-FFF2-40B4-BE49-F238E27FC236}">
               <a16:creationId xmlns:a16="http://schemas.microsoft.com/office/drawing/2014/main" id="{63E8E159-16E0-2B81-8CEC-5EFA9B357D55}"/>
             </a:ext>
           </a:extLst>
@@ -5214,7 +5446,7 @@
                 <a:latin typeface="Palatino" pitchFamily="2" charset="77"/>
                 <a:ea typeface="Palatino" pitchFamily="2" charset="77"/>
               </a:rPr>
-              <a:t>The algorithm succesfully optimizes the usage per round.</a:t>
+              <a:t>The algorithm successfully optimizes the usage per round.</a:t>
             </a:r>
           </a:p>
         </p:txBody>
@@ -5263,7 +5495,7 @@
 </p:sld>
 </file>
 
-<file path=ppt/slides/slide14.xml><?xml version="1.0" encoding="utf-8"?>
+<file path=ppt/slides/slide15.xml><?xml version="1.0" encoding="utf-8"?>
 <p:sld xmlns:a="http://schemas.openxmlformats.org/drawingml/2006/main" xmlns:r="http://schemas.openxmlformats.org/officeDocument/2006/relationships" xmlns:p="http://schemas.openxmlformats.org/presentationml/2006/main">
   <p:cSld>
     <p:spTree>
@@ -5474,7 +5706,7 @@
 </p:sld>
 </file>
 
-<file path=ppt/slides/slide15.xml><?xml version="1.0" encoding="utf-8"?>
+<file path=ppt/slides/slide16.xml><?xml version="1.0" encoding="utf-8"?>
 <p:sld xmlns:a="http://schemas.openxmlformats.org/drawingml/2006/main" xmlns:r="http://schemas.openxmlformats.org/officeDocument/2006/relationships" xmlns:p="http://schemas.openxmlformats.org/presentationml/2006/main">
   <p:cSld>
     <p:spTree>
@@ -5719,7 +5951,7 @@
 </p:sld>
 </file>
 
-<file path=ppt/slides/slide16.xml><?xml version="1.0" encoding="utf-8"?>
+<file path=ppt/slides/slide17.xml><?xml version="1.0" encoding="utf-8"?>
 <p:sld xmlns:a="http://schemas.openxmlformats.org/drawingml/2006/main" xmlns:r="http://schemas.openxmlformats.org/officeDocument/2006/relationships" xmlns:p="http://schemas.openxmlformats.org/presentationml/2006/main">
   <p:cSld>
     <p:spTree>
@@ -6438,8 +6670,8 @@
           </a:p>
         </p:txBody>
       </p:sp>
-      <mc:AlternateContent xmlns:mc="http://schemas.openxmlformats.org/markup-compatibility/2006">
-        <mc:Choice xmlns:a14="http://schemas.microsoft.com/office/drawing/2010/main" Requires="a14">
+      <mc:AlternateContent xmlns:mc="http://schemas.openxmlformats.org/markup-compatibility/2006" xmlns:a14="http://schemas.microsoft.com/office/drawing/2010/main">
+        <mc:Choice Requires="a14">
           <p:sp>
             <p:nvSpPr>
               <p:cNvPr id="5" name="TextBox 4">
@@ -6929,7 +7161,7 @@
             </p:txBody>
           </p:sp>
         </mc:Choice>
-        <mc:Fallback>
+        <mc:Fallback xmlns="">
           <p:sp>
             <p:nvSpPr>
               <p:cNvPr id="5" name="TextBox 4">
@@ -7144,8 +7376,8 @@
           </a:p>
         </p:txBody>
       </p:sp>
-      <mc:AlternateContent xmlns:mc="http://schemas.openxmlformats.org/markup-compatibility/2006">
-        <mc:Choice xmlns:a14="http://schemas.microsoft.com/office/drawing/2010/main" Requires="a14">
+      <mc:AlternateContent xmlns:mc="http://schemas.openxmlformats.org/markup-compatibility/2006" xmlns:a14="http://schemas.microsoft.com/office/drawing/2010/main">
+        <mc:Choice Requires="a14">
           <p:sp>
             <p:nvSpPr>
               <p:cNvPr id="5" name="TextBox 4">
@@ -8150,7 +8382,7 @@
             </p:txBody>
           </p:sp>
         </mc:Choice>
-        <mc:Fallback>
+        <mc:Fallback xmlns="">
           <p:sp>
             <p:nvSpPr>
               <p:cNvPr id="5" name="TextBox 4">

--- a/Slides.pptx
+++ b/Slides.pptx
@@ -5,7 +5,7 @@
     <p:sldMasterId id="2147483648" r:id="rId1"/>
   </p:sldMasterIdLst>
   <p:notesMasterIdLst>
-    <p:notesMasterId r:id="rId19"/>
+    <p:notesMasterId r:id="rId27"/>
   </p:notesMasterIdLst>
   <p:sldIdLst>
     <p:sldId id="256" r:id="rId2"/>
@@ -25,6 +25,14 @@
     <p:sldId id="274" r:id="rId16"/>
     <p:sldId id="275" r:id="rId17"/>
     <p:sldId id="276" r:id="rId18"/>
+    <p:sldId id="278" r:id="rId19"/>
+    <p:sldId id="279" r:id="rId20"/>
+    <p:sldId id="282" r:id="rId21"/>
+    <p:sldId id="283" r:id="rId22"/>
+    <p:sldId id="280" r:id="rId23"/>
+    <p:sldId id="281" r:id="rId24"/>
+    <p:sldId id="284" r:id="rId25"/>
+    <p:sldId id="285" r:id="rId26"/>
   </p:sldIdLst>
   <p:sldSz cx="12192000" cy="6858000"/>
   <p:notesSz cx="6858000" cy="9144000"/>
@@ -145,6 +153,14 @@
             <p14:sldId id="274"/>
             <p14:sldId id="275"/>
             <p14:sldId id="276"/>
+            <p14:sldId id="278"/>
+            <p14:sldId id="279"/>
+            <p14:sldId id="282"/>
+            <p14:sldId id="283"/>
+            <p14:sldId id="280"/>
+            <p14:sldId id="281"/>
+            <p14:sldId id="284"/>
+            <p14:sldId id="285"/>
           </p14:sldIdLst>
         </p14:section>
       </p14:sectionLst>
@@ -1013,6 +1029,330 @@
     <p:extLst>
       <p:ext uri="{BB962C8B-B14F-4D97-AF65-F5344CB8AC3E}">
         <p14:creationId xmlns:p14="http://schemas.microsoft.com/office/powerpoint/2010/main" val="3429223711"/>
+      </p:ext>
+    </p:extLst>
+  </p:cSld>
+  <p:clrMapOvr>
+    <a:masterClrMapping/>
+  </p:clrMapOvr>
+</p:notes>
+</file>
+
+<file path=ppt/notesSlides/notesSlide6.xml><?xml version="1.0" encoding="utf-8"?>
+<p:notes xmlns:a="http://schemas.openxmlformats.org/drawingml/2006/main" xmlns:r="http://schemas.openxmlformats.org/officeDocument/2006/relationships" xmlns:p="http://schemas.openxmlformats.org/presentationml/2006/main">
+  <p:cSld>
+    <p:spTree>
+      <p:nvGrpSpPr>
+        <p:cNvPr id="1" name="">
+          <a:extLst>
+            <a:ext uri="{FF2B5EF4-FFF2-40B4-BE49-F238E27FC236}">
+              <a16:creationId xmlns:a16="http://schemas.microsoft.com/office/drawing/2014/main" id="{EC3BDF3C-F76D-BC65-3301-4FDC858A0547}"/>
+            </a:ext>
+          </a:extLst>
+        </p:cNvPr>
+        <p:cNvGrpSpPr/>
+        <p:nvPr/>
+      </p:nvGrpSpPr>
+      <p:grpSpPr>
+        <a:xfrm>
+          <a:off x="0" y="0"/>
+          <a:ext cx="0" cy="0"/>
+          <a:chOff x="0" y="0"/>
+          <a:chExt cx="0" cy="0"/>
+        </a:xfrm>
+      </p:grpSpPr>
+      <p:sp>
+        <p:nvSpPr>
+          <p:cNvPr id="2" name="Slide Image Placeholder 1">
+            <a:extLst>
+              <a:ext uri="{FF2B5EF4-FFF2-40B4-BE49-F238E27FC236}">
+                <a16:creationId xmlns:a16="http://schemas.microsoft.com/office/drawing/2014/main" id="{5DB9C22E-331F-7744-7AD5-62E7F951EB05}"/>
+              </a:ext>
+            </a:extLst>
+          </p:cNvPr>
+          <p:cNvSpPr>
+            <a:spLocks noGrp="1" noRot="1" noChangeAspect="1"/>
+          </p:cNvSpPr>
+          <p:nvPr>
+            <p:ph type="sldImg"/>
+          </p:nvPr>
+        </p:nvSpPr>
+        <p:spPr/>
+      </p:sp>
+      <p:sp>
+        <p:nvSpPr>
+          <p:cNvPr id="3" name="Notes Placeholder 2">
+            <a:extLst>
+              <a:ext uri="{FF2B5EF4-FFF2-40B4-BE49-F238E27FC236}">
+                <a16:creationId xmlns:a16="http://schemas.microsoft.com/office/drawing/2014/main" id="{6A381BB2-43E7-6550-70BF-375221070957}"/>
+              </a:ext>
+            </a:extLst>
+          </p:cNvPr>
+          <p:cNvSpPr>
+            <a:spLocks noGrp="1"/>
+          </p:cNvSpPr>
+          <p:nvPr>
+            <p:ph type="body" idx="1"/>
+          </p:nvPr>
+        </p:nvSpPr>
+        <p:spPr/>
+        <p:txBody>
+          <a:bodyPr/>
+          <a:lstStyle/>
+          <a:p>
+            <a:endParaRPr lang="en-IT" dirty="0"/>
+          </a:p>
+        </p:txBody>
+      </p:sp>
+      <p:sp>
+        <p:nvSpPr>
+          <p:cNvPr id="4" name="Slide Number Placeholder 3">
+            <a:extLst>
+              <a:ext uri="{FF2B5EF4-FFF2-40B4-BE49-F238E27FC236}">
+                <a16:creationId xmlns:a16="http://schemas.microsoft.com/office/drawing/2014/main" id="{DD13BF81-4FAA-9147-FA13-C0BA1EE03506}"/>
+              </a:ext>
+            </a:extLst>
+          </p:cNvPr>
+          <p:cNvSpPr>
+            <a:spLocks noGrp="1"/>
+          </p:cNvSpPr>
+          <p:nvPr>
+            <p:ph type="sldNum" sz="quarter" idx="5"/>
+          </p:nvPr>
+        </p:nvSpPr>
+        <p:spPr/>
+        <p:txBody>
+          <a:bodyPr/>
+          <a:lstStyle/>
+          <a:p>
+            <a:fld id="{4CF2BA9C-3F3B-B24C-BD51-7D1F2E3C25B9}" type="slidenum">
+              <a:rPr lang="en-IT" smtClean="0"/>
+              <a:t>19</a:t>
+            </a:fld>
+            <a:endParaRPr lang="en-IT"/>
+          </a:p>
+        </p:txBody>
+      </p:sp>
+    </p:spTree>
+    <p:extLst>
+      <p:ext uri="{BB962C8B-B14F-4D97-AF65-F5344CB8AC3E}">
+        <p14:creationId xmlns:p14="http://schemas.microsoft.com/office/powerpoint/2010/main" val="2472887512"/>
+      </p:ext>
+    </p:extLst>
+  </p:cSld>
+  <p:clrMapOvr>
+    <a:masterClrMapping/>
+  </p:clrMapOvr>
+</p:notes>
+</file>
+
+<file path=ppt/notesSlides/notesSlide7.xml><?xml version="1.0" encoding="utf-8"?>
+<p:notes xmlns:a="http://schemas.openxmlformats.org/drawingml/2006/main" xmlns:r="http://schemas.openxmlformats.org/officeDocument/2006/relationships" xmlns:p="http://schemas.openxmlformats.org/presentationml/2006/main">
+  <p:cSld>
+    <p:spTree>
+      <p:nvGrpSpPr>
+        <p:cNvPr id="1" name="">
+          <a:extLst>
+            <a:ext uri="{FF2B5EF4-FFF2-40B4-BE49-F238E27FC236}">
+              <a16:creationId xmlns:a16="http://schemas.microsoft.com/office/drawing/2014/main" id="{D2B66AF6-45FB-412A-9F54-E39B02400898}"/>
+            </a:ext>
+          </a:extLst>
+        </p:cNvPr>
+        <p:cNvGrpSpPr/>
+        <p:nvPr/>
+      </p:nvGrpSpPr>
+      <p:grpSpPr>
+        <a:xfrm>
+          <a:off x="0" y="0"/>
+          <a:ext cx="0" cy="0"/>
+          <a:chOff x="0" y="0"/>
+          <a:chExt cx="0" cy="0"/>
+        </a:xfrm>
+      </p:grpSpPr>
+      <p:sp>
+        <p:nvSpPr>
+          <p:cNvPr id="2" name="Slide Image Placeholder 1">
+            <a:extLst>
+              <a:ext uri="{FF2B5EF4-FFF2-40B4-BE49-F238E27FC236}">
+                <a16:creationId xmlns:a16="http://schemas.microsoft.com/office/drawing/2014/main" id="{61E1567F-3419-02FE-13CC-19D45ADBB9BA}"/>
+              </a:ext>
+            </a:extLst>
+          </p:cNvPr>
+          <p:cNvSpPr>
+            <a:spLocks noGrp="1" noRot="1" noChangeAspect="1"/>
+          </p:cNvSpPr>
+          <p:nvPr>
+            <p:ph type="sldImg"/>
+          </p:nvPr>
+        </p:nvSpPr>
+        <p:spPr/>
+      </p:sp>
+      <p:sp>
+        <p:nvSpPr>
+          <p:cNvPr id="3" name="Notes Placeholder 2">
+            <a:extLst>
+              <a:ext uri="{FF2B5EF4-FFF2-40B4-BE49-F238E27FC236}">
+                <a16:creationId xmlns:a16="http://schemas.microsoft.com/office/drawing/2014/main" id="{60791DF2-D1CE-5862-5AB3-E105BC22139A}"/>
+              </a:ext>
+            </a:extLst>
+          </p:cNvPr>
+          <p:cNvSpPr>
+            <a:spLocks noGrp="1"/>
+          </p:cNvSpPr>
+          <p:nvPr>
+            <p:ph type="body" idx="1"/>
+          </p:nvPr>
+        </p:nvSpPr>
+        <p:spPr/>
+        <p:txBody>
+          <a:bodyPr/>
+          <a:lstStyle/>
+          <a:p>
+            <a:endParaRPr lang="en-IT" dirty="0"/>
+          </a:p>
+        </p:txBody>
+      </p:sp>
+      <p:sp>
+        <p:nvSpPr>
+          <p:cNvPr id="4" name="Slide Number Placeholder 3">
+            <a:extLst>
+              <a:ext uri="{FF2B5EF4-FFF2-40B4-BE49-F238E27FC236}">
+                <a16:creationId xmlns:a16="http://schemas.microsoft.com/office/drawing/2014/main" id="{DA330CD6-E123-9C6D-4706-5721C55275C6}"/>
+              </a:ext>
+            </a:extLst>
+          </p:cNvPr>
+          <p:cNvSpPr>
+            <a:spLocks noGrp="1"/>
+          </p:cNvSpPr>
+          <p:nvPr>
+            <p:ph type="sldNum" sz="quarter" idx="5"/>
+          </p:nvPr>
+        </p:nvSpPr>
+        <p:spPr/>
+        <p:txBody>
+          <a:bodyPr/>
+          <a:lstStyle/>
+          <a:p>
+            <a:fld id="{4CF2BA9C-3F3B-B24C-BD51-7D1F2E3C25B9}" type="slidenum">
+              <a:rPr lang="en-IT" smtClean="0"/>
+              <a:t>22</a:t>
+            </a:fld>
+            <a:endParaRPr lang="en-IT"/>
+          </a:p>
+        </p:txBody>
+      </p:sp>
+    </p:spTree>
+    <p:extLst>
+      <p:ext uri="{BB962C8B-B14F-4D97-AF65-F5344CB8AC3E}">
+        <p14:creationId xmlns:p14="http://schemas.microsoft.com/office/powerpoint/2010/main" val="519827807"/>
+      </p:ext>
+    </p:extLst>
+  </p:cSld>
+  <p:clrMapOvr>
+    <a:masterClrMapping/>
+  </p:clrMapOvr>
+</p:notes>
+</file>
+
+<file path=ppt/notesSlides/notesSlide8.xml><?xml version="1.0" encoding="utf-8"?>
+<p:notes xmlns:a="http://schemas.openxmlformats.org/drawingml/2006/main" xmlns:r="http://schemas.openxmlformats.org/officeDocument/2006/relationships" xmlns:p="http://schemas.openxmlformats.org/presentationml/2006/main">
+  <p:cSld>
+    <p:spTree>
+      <p:nvGrpSpPr>
+        <p:cNvPr id="1" name="">
+          <a:extLst>
+            <a:ext uri="{FF2B5EF4-FFF2-40B4-BE49-F238E27FC236}">
+              <a16:creationId xmlns:a16="http://schemas.microsoft.com/office/drawing/2014/main" id="{5C1B3CC1-CDFB-ADCD-7B0E-BAA988448808}"/>
+            </a:ext>
+          </a:extLst>
+        </p:cNvPr>
+        <p:cNvGrpSpPr/>
+        <p:nvPr/>
+      </p:nvGrpSpPr>
+      <p:grpSpPr>
+        <a:xfrm>
+          <a:off x="0" y="0"/>
+          <a:ext cx="0" cy="0"/>
+          <a:chOff x="0" y="0"/>
+          <a:chExt cx="0" cy="0"/>
+        </a:xfrm>
+      </p:grpSpPr>
+      <p:sp>
+        <p:nvSpPr>
+          <p:cNvPr id="2" name="Slide Image Placeholder 1">
+            <a:extLst>
+              <a:ext uri="{FF2B5EF4-FFF2-40B4-BE49-F238E27FC236}">
+                <a16:creationId xmlns:a16="http://schemas.microsoft.com/office/drawing/2014/main" id="{7F5CB245-1905-FA31-E3B6-680A7E69D378}"/>
+              </a:ext>
+            </a:extLst>
+          </p:cNvPr>
+          <p:cNvSpPr>
+            <a:spLocks noGrp="1" noRot="1" noChangeAspect="1"/>
+          </p:cNvSpPr>
+          <p:nvPr>
+            <p:ph type="sldImg"/>
+          </p:nvPr>
+        </p:nvSpPr>
+        <p:spPr/>
+      </p:sp>
+      <p:sp>
+        <p:nvSpPr>
+          <p:cNvPr id="3" name="Notes Placeholder 2">
+            <a:extLst>
+              <a:ext uri="{FF2B5EF4-FFF2-40B4-BE49-F238E27FC236}">
+                <a16:creationId xmlns:a16="http://schemas.microsoft.com/office/drawing/2014/main" id="{C641FCFE-420C-14E8-BDAB-2E76D6AA6EFA}"/>
+              </a:ext>
+            </a:extLst>
+          </p:cNvPr>
+          <p:cNvSpPr>
+            <a:spLocks noGrp="1"/>
+          </p:cNvSpPr>
+          <p:nvPr>
+            <p:ph type="body" idx="1"/>
+          </p:nvPr>
+        </p:nvSpPr>
+        <p:spPr/>
+        <p:txBody>
+          <a:bodyPr/>
+          <a:lstStyle/>
+          <a:p>
+            <a:endParaRPr lang="en-IT" dirty="0"/>
+          </a:p>
+        </p:txBody>
+      </p:sp>
+      <p:sp>
+        <p:nvSpPr>
+          <p:cNvPr id="4" name="Slide Number Placeholder 3">
+            <a:extLst>
+              <a:ext uri="{FF2B5EF4-FFF2-40B4-BE49-F238E27FC236}">
+                <a16:creationId xmlns:a16="http://schemas.microsoft.com/office/drawing/2014/main" id="{203CEC38-502C-FCA3-BB6A-E0170283E208}"/>
+              </a:ext>
+            </a:extLst>
+          </p:cNvPr>
+          <p:cNvSpPr>
+            <a:spLocks noGrp="1"/>
+          </p:cNvSpPr>
+          <p:nvPr>
+            <p:ph type="sldNum" sz="quarter" idx="5"/>
+          </p:nvPr>
+        </p:nvSpPr>
+        <p:spPr/>
+        <p:txBody>
+          <a:bodyPr/>
+          <a:lstStyle/>
+          <a:p>
+            <a:fld id="{4CF2BA9C-3F3B-B24C-BD51-7D1F2E3C25B9}" type="slidenum">
+              <a:rPr lang="en-IT" smtClean="0"/>
+              <a:t>23</a:t>
+            </a:fld>
+            <a:endParaRPr lang="en-IT"/>
+          </a:p>
+        </p:txBody>
+      </p:sp>
+    </p:spTree>
+    <p:extLst>
+      <p:ext uri="{BB962C8B-B14F-4D97-AF65-F5344CB8AC3E}">
+        <p14:creationId xmlns:p14="http://schemas.microsoft.com/office/powerpoint/2010/main" val="3156021068"/>
       </p:ext>
     </p:extLst>
   </p:cSld>
@@ -4576,167 +4916,79 @@
           </a:p>
         </p:txBody>
       </p:sp>
-      <mc:AlternateContent xmlns:mc="http://schemas.openxmlformats.org/markup-compatibility/2006" xmlns:a14="http://schemas.microsoft.com/office/drawing/2010/main">
-        <mc:Choice Requires="a14">
-          <p:sp>
-            <p:nvSpPr>
-              <p:cNvPr id="5" name="TextBox 4">
-                <a:extLst>
-                  <a:ext uri="{FF2B5EF4-FFF2-40B4-BE49-F238E27FC236}">
-                    <a16:creationId xmlns:a16="http://schemas.microsoft.com/office/drawing/2014/main" id="{1E2F0BF0-8CA2-AE62-4E9C-DE83174BC147}"/>
-                  </a:ext>
-                </a:extLst>
-              </p:cNvPr>
-              <p:cNvSpPr txBox="1"/>
-              <p:nvPr/>
-            </p:nvSpPr>
-            <p:spPr>
-              <a:xfrm>
-                <a:off x="838200" y="1690688"/>
-                <a:ext cx="10786242" cy="892552"/>
-              </a:xfrm>
-              <a:prstGeom prst="rect">
-                <a:avLst/>
-              </a:prstGeom>
-              <a:noFill/>
-            </p:spPr>
-            <p:txBody>
-              <a:bodyPr wrap="square" rtlCol="0">
-                <a:spAutoFit/>
-              </a:bodyPr>
-              <a:lstStyle/>
-              <a:p>
-                <a:pPr>
-                  <a:spcAft>
-                    <a:spcPts val="1200"/>
-                  </a:spcAft>
-                </a:pPr>
-                <a:r>
-                  <a:rPr lang="en-IT" sz="2400" dirty="0">
-                    <a:latin typeface="Palatino" pitchFamily="2" charset="77"/>
-                    <a:ea typeface="Palatino" pitchFamily="2" charset="77"/>
-                  </a:rPr>
-                  <a:t>Parameters setting</a:t>
-                </a:r>
-                <a:endParaRPr lang="en-IT" sz="2000" dirty="0">
-                  <a:latin typeface="Palatino" pitchFamily="2" charset="77"/>
-                  <a:ea typeface="Palatino" pitchFamily="2" charset="77"/>
-                </a:endParaRPr>
-              </a:p>
-              <a:p>
-                <a:r>
-                  <a:rPr lang="it-IT" i="1" dirty="0">
-                    <a:solidFill>
-                      <a:schemeClr val="bg1">
-                        <a:lumMod val="50000"/>
-                      </a:schemeClr>
-                    </a:solidFill>
-                    <a:latin typeface="Palatino" pitchFamily="2" charset="77"/>
-                    <a:ea typeface="Palatino" pitchFamily="2" charset="77"/>
-                  </a:rPr>
-                  <a:t>B = </a:t>
-                </a:r>
-                <a:r>
-                  <a:rPr lang="en-GB" i="1" dirty="0">
-                    <a:solidFill>
-                      <a:schemeClr val="bg1">
-                        <a:lumMod val="50000"/>
-                      </a:schemeClr>
-                    </a:solidFill>
-                    <a:latin typeface="Palatino" pitchFamily="2" charset="77"/>
-                    <a:ea typeface="Palatino" pitchFamily="2" charset="77"/>
-                  </a:rPr>
-                  <a:t>120000 </a:t>
-                </a:r>
-                <a14:m>
-                  <m:oMath xmlns:m="http://schemas.openxmlformats.org/officeDocument/2006/math">
-                    <m:r>
-                      <a:rPr lang="en-GB" i="1" smtClean="0">
-                        <a:solidFill>
-                          <a:schemeClr val="bg1">
-                            <a:lumMod val="50000"/>
-                          </a:schemeClr>
-                        </a:solidFill>
-                        <a:latin typeface="Cambria Math" panose="02040503050406030204" pitchFamily="18" charset="0"/>
-                        <a:ea typeface="Cambria Math" panose="02040503050406030204" pitchFamily="18" charset="0"/>
-                      </a:rPr>
-                      <m:t>∙</m:t>
-                    </m:r>
-                    <m:r>
-                      <a:rPr lang="it-IT" b="0" i="1" smtClean="0">
-                        <a:solidFill>
-                          <a:schemeClr val="bg1">
-                            <a:lumMod val="50000"/>
-                          </a:schemeClr>
-                        </a:solidFill>
-                        <a:latin typeface="Cambria Math" panose="02040503050406030204" pitchFamily="18" charset="0"/>
-                        <a:ea typeface="Cambria Math" panose="02040503050406030204" pitchFamily="18" charset="0"/>
-                      </a:rPr>
-                      <m:t> </m:t>
-                    </m:r>
-                  </m:oMath>
-                </a14:m>
-                <a:r>
-                  <a:rPr lang="en-GB" i="1" dirty="0">
-                    <a:solidFill>
-                      <a:schemeClr val="bg1">
-                        <a:lumMod val="50000"/>
-                      </a:schemeClr>
-                    </a:solidFill>
-                    <a:latin typeface="Palatino" pitchFamily="2" charset="77"/>
-                    <a:ea typeface="Palatino" pitchFamily="2" charset="77"/>
-                  </a:rPr>
-                  <a:t>N</a:t>
-                </a:r>
-              </a:p>
-            </p:txBody>
-          </p:sp>
-        </mc:Choice>
-        <mc:Fallback xmlns="">
-          <p:sp>
-            <p:nvSpPr>
-              <p:cNvPr id="5" name="TextBox 4">
-                <a:extLst>
-                  <a:ext uri="{FF2B5EF4-FFF2-40B4-BE49-F238E27FC236}">
-                    <a16:creationId xmlns:a16="http://schemas.microsoft.com/office/drawing/2014/main" id="{1E2F0BF0-8CA2-AE62-4E9C-DE83174BC147}"/>
-                  </a:ext>
-                </a:extLst>
-              </p:cNvPr>
-              <p:cNvSpPr txBox="1">
-                <a:spLocks noRot="1" noChangeAspect="1" noMove="1" noResize="1" noEditPoints="1" noAdjustHandles="1" noChangeArrowheads="1" noChangeShapeType="1" noTextEdit="1"/>
-              </p:cNvSpPr>
-              <p:nvPr/>
-            </p:nvSpPr>
-            <p:spPr>
-              <a:xfrm>
-                <a:off x="838200" y="1690688"/>
-                <a:ext cx="10786242" cy="892552"/>
-              </a:xfrm>
-              <a:prstGeom prst="rect">
-                <a:avLst/>
-              </a:prstGeom>
-              <a:blipFill>
-                <a:blip r:embed="rId3"/>
-                <a:stretch>
-                  <a:fillRect l="-941" t="-4167" b="-8333"/>
-                </a:stretch>
-              </a:blipFill>
-            </p:spPr>
-            <p:txBody>
-              <a:bodyPr/>
-              <a:lstStyle/>
-              <a:p>
-                <a:r>
-                  <a:rPr lang="en-IT">
-                    <a:noFill/>
-                  </a:rPr>
-                  <a:t> </a:t>
-                </a:r>
-              </a:p>
-            </p:txBody>
-          </p:sp>
-        </mc:Fallback>
-      </mc:AlternateContent>
+      <p:sp>
+        <p:nvSpPr>
+          <p:cNvPr id="5" name="TextBox 4">
+            <a:extLst>
+              <a:ext uri="{FF2B5EF4-FFF2-40B4-BE49-F238E27FC236}">
+                <a16:creationId xmlns:a16="http://schemas.microsoft.com/office/drawing/2014/main" id="{1E2F0BF0-8CA2-AE62-4E9C-DE83174BC147}"/>
+              </a:ext>
+            </a:extLst>
+          </p:cNvPr>
+          <p:cNvSpPr txBox="1"/>
+          <p:nvPr/>
+        </p:nvSpPr>
+        <p:spPr>
+          <a:xfrm>
+            <a:off x="838200" y="1690688"/>
+            <a:ext cx="10786242" cy="892552"/>
+          </a:xfrm>
+          <a:prstGeom prst="rect">
+            <a:avLst/>
+          </a:prstGeom>
+          <a:noFill/>
+        </p:spPr>
+        <p:txBody>
+          <a:bodyPr wrap="square" rtlCol="0">
+            <a:spAutoFit/>
+          </a:bodyPr>
+          <a:lstStyle/>
+          <a:p>
+            <a:pPr>
+              <a:spcAft>
+                <a:spcPts val="1200"/>
+              </a:spcAft>
+            </a:pPr>
+            <a:r>
+              <a:rPr lang="en-IT" sz="2400" dirty="0">
+                <a:latin typeface="Palatino" pitchFamily="2" charset="77"/>
+                <a:ea typeface="Palatino" pitchFamily="2" charset="77"/>
+              </a:rPr>
+              <a:t>Parameters setting</a:t>
+            </a:r>
+            <a:endParaRPr lang="en-IT" sz="2000" dirty="0">
+              <a:latin typeface="Palatino" pitchFamily="2" charset="77"/>
+              <a:ea typeface="Palatino" pitchFamily="2" charset="77"/>
+            </a:endParaRPr>
+          </a:p>
+          <a:p>
+            <a:r>
+              <a:rPr lang="it-IT" i="1" dirty="0">
+                <a:solidFill>
+                  <a:schemeClr val="bg1">
+                    <a:lumMod val="50000"/>
+                  </a:schemeClr>
+                </a:solidFill>
+                <a:latin typeface="Palatino" pitchFamily="2" charset="77"/>
+                <a:ea typeface="Palatino" pitchFamily="2" charset="77"/>
+              </a:rPr>
+              <a:t>B = </a:t>
+            </a:r>
+            <a:r>
+              <a:rPr lang="en-GB" i="1" dirty="0">
+                <a:solidFill>
+                  <a:schemeClr val="bg1">
+                    <a:lumMod val="50000"/>
+                  </a:schemeClr>
+                </a:solidFill>
+                <a:latin typeface="Palatino" pitchFamily="2" charset="77"/>
+                <a:ea typeface="Palatino" pitchFamily="2" charset="77"/>
+              </a:rPr>
+              <a:t>120000</a:t>
+            </a:r>
+          </a:p>
+        </p:txBody>
+      </p:sp>
     </p:spTree>
     <p:extLst>
       <p:ext uri="{BB962C8B-B14F-4D97-AF65-F5344CB8AC3E}">
@@ -4804,8 +5056,8 @@
           </a:p>
         </p:txBody>
       </p:sp>
-      <mc:AlternateContent xmlns:mc="http://schemas.openxmlformats.org/markup-compatibility/2006">
-        <mc:Choice xmlns:a14="http://schemas.microsoft.com/office/drawing/2010/main" Requires="a14">
+      <mc:AlternateContent xmlns:mc="http://schemas.openxmlformats.org/markup-compatibility/2006" xmlns:a14="http://schemas.microsoft.com/office/drawing/2010/main">
+        <mc:Choice Requires="a14">
           <p:sp>
             <p:nvSpPr>
               <p:cNvPr id="3" name="Content Placeholder 2">
@@ -5113,7 +5365,7 @@
             </p:txBody>
           </p:sp>
         </mc:Choice>
-        <mc:Fallback>
+        <mc:Fallback xmlns="">
           <p:sp>
             <p:nvSpPr>
               <p:cNvPr id="3" name="Content Placeholder 2">
@@ -5283,7 +5535,7 @@
                 <a:latin typeface="Palatino" pitchFamily="2" charset="77"/>
                 <a:ea typeface="Palatino" pitchFamily="2" charset="77"/>
               </a:rPr>
-              <a:t>By incorporating lower confidence bounds on consumption, this UCB1 extension ensures that decisions are budget-aware, while being optimistic about overconsumption in order to promote exploration, and to avoid waste of budget.</a:t>
+              <a:t>By incorporating lower confidence bounds on consumption, this UCB1 extension ensures that decisions are budget-aware, while being optimistic about overconsumption in order to promote exploration, and to avoid waste of budget</a:t>
             </a:r>
           </a:p>
           <a:p>
@@ -5300,7 +5552,7 @@
                 <a:latin typeface="Palatino" pitchFamily="2" charset="77"/>
                 <a:ea typeface="Palatino" pitchFamily="2" charset="77"/>
               </a:rPr>
-              <a:t>To do that, we allocate probability across arms through a linear programming problem, which avoids overconsumption (optimistically).</a:t>
+              <a:t>To do that, we allocate probability across arms through a linear programming problem, which avoids overconsumption (optimistically)</a:t>
             </a:r>
             <a:endParaRPr lang="en-IT" sz="1800" dirty="0">
               <a:solidFill>
@@ -5446,7 +5698,7 @@
                 <a:latin typeface="Palatino" pitchFamily="2" charset="77"/>
                 <a:ea typeface="Palatino" pitchFamily="2" charset="77"/>
               </a:rPr>
-              <a:t>The algorithm successfully optimizes the usage per round.</a:t>
+              <a:t>The algorithm successfully optimizes the usage per round</a:t>
             </a:r>
           </a:p>
         </p:txBody>
@@ -5637,7 +5889,7 @@
                 <a:latin typeface="Palatino" pitchFamily="2" charset="77"/>
                 <a:ea typeface="Palatino" pitchFamily="2" charset="77"/>
               </a:rPr>
-              <a:t>The reason in this case is that we are comparing an algorithm playing with a max capacity against a clairvoyant which can keep selling an unlimited quantity of items.</a:t>
+              <a:t>The reason in this case is that we are comparing an algorithm playing with a max capacity against a clairvoyant which can keep selling an unlimited quantity of items</a:t>
             </a:r>
           </a:p>
           <a:p>
@@ -5871,7 +6123,7 @@
                 <a:latin typeface="Palatino" pitchFamily="2" charset="77"/>
                 <a:ea typeface="Palatino" pitchFamily="2" charset="77"/>
               </a:rPr>
-              <a:t>By playing the optimal arm, it consumes more than it should, turning not actually optimal in this setting. </a:t>
+              <a:t>By playing the optimal arm, it consumes more than it should, turning not actually optimal in this setting</a:t>
             </a:r>
           </a:p>
           <a:p>
@@ -5894,7 +6146,7 @@
                 <a:latin typeface="Palatino" pitchFamily="2" charset="77"/>
                 <a:ea typeface="Palatino" pitchFamily="2" charset="77"/>
               </a:rPr>
-              <a:t>Here, the algorithm "decides to sell less to sell enough” - at better price!.</a:t>
+              <a:t>Here, the algorithm "decides to sell less to sell enough” - at better price!</a:t>
             </a:r>
             <a:endParaRPr lang="en-IT" sz="1800" dirty="0">
               <a:solidFill>
@@ -6193,7 +6445,7 @@
                 <a:latin typeface="Palatino" pitchFamily="2" charset="77"/>
                 <a:ea typeface="Palatino" pitchFamily="2" charset="77"/>
               </a:rPr>
-              <a:t>Notice: our algorithm converges at such policy.</a:t>
+              <a:t>Notice: our algorithm converges at such policy</a:t>
             </a:r>
           </a:p>
         </p:txBody>
@@ -6244,7 +6496,7 @@
         </p:nvSpPr>
         <p:spPr>
           <a:xfrm>
-            <a:off x="838200" y="4802206"/>
+            <a:off x="838200" y="4653990"/>
             <a:ext cx="9495622" cy="1685580"/>
           </a:xfrm>
           <a:prstGeom prst="rect">
@@ -6458,7 +6710,7 @@
                 <a:latin typeface="Palatino" pitchFamily="2" charset="77"/>
                 <a:ea typeface="Palatino" pitchFamily="2" charset="77"/>
               </a:rPr>
-              <a:t>The cumulative regret against the fixed-price clairvoyant ends up negative.</a:t>
+              <a:t>The cumulative regret against the fixed-price clairvoyant ends up negative</a:t>
             </a:r>
           </a:p>
           <a:p>
@@ -6482,7 +6734,7 @@
                 <a:latin typeface="Palatino" pitchFamily="2" charset="77"/>
                 <a:ea typeface="Palatino" pitchFamily="2" charset="77"/>
               </a:rPr>
-              <a:t>Against the mixed-policy clairvoyant, the cumulative regret is slightly negative until the very last rounds, when a better usage leads the clairvoyant to a higher cumulative reward.</a:t>
+              <a:t>Against the mixed-policy clairvoyant, the cumulative regret is slightly negative until the very last rounds, when a better usage leads the clairvoyant to a higher cumulative reward</a:t>
             </a:r>
             <a:br>
               <a:rPr lang="en-GB" sz="1600" dirty="0">
@@ -6511,6 +6763,703 @@
     <p:extLst>
       <p:ext uri="{BB962C8B-B14F-4D97-AF65-F5344CB8AC3E}">
         <p14:creationId xmlns:p14="http://schemas.microsoft.com/office/powerpoint/2010/main" val="2728523084"/>
+      </p:ext>
+    </p:extLst>
+  </p:cSld>
+  <p:clrMapOvr>
+    <a:masterClrMapping/>
+  </p:clrMapOvr>
+</p:sld>
+</file>
+
+<file path=ppt/slides/slide18.xml><?xml version="1.0" encoding="utf-8"?>
+<p:sld xmlns:a="http://schemas.openxmlformats.org/drawingml/2006/main" xmlns:r="http://schemas.openxmlformats.org/officeDocument/2006/relationships" xmlns:p="http://schemas.openxmlformats.org/presentationml/2006/main">
+  <p:cSld>
+    <p:spTree>
+      <p:nvGrpSpPr>
+        <p:cNvPr id="1" name="">
+          <a:extLst>
+            <a:ext uri="{FF2B5EF4-FFF2-40B4-BE49-F238E27FC236}">
+              <a16:creationId xmlns:a16="http://schemas.microsoft.com/office/drawing/2014/main" id="{12A902EE-436C-F0F4-AC17-6E4A8B3C7EE2}"/>
+            </a:ext>
+          </a:extLst>
+        </p:cNvPr>
+        <p:cNvGrpSpPr/>
+        <p:nvPr/>
+      </p:nvGrpSpPr>
+      <p:grpSpPr>
+        <a:xfrm>
+          <a:off x="0" y="0"/>
+          <a:ext cx="0" cy="0"/>
+          <a:chOff x="0" y="0"/>
+          <a:chExt cx="0" cy="0"/>
+        </a:xfrm>
+      </p:grpSpPr>
+      <p:sp>
+        <p:nvSpPr>
+          <p:cNvPr id="2" name="Title 1">
+            <a:extLst>
+              <a:ext uri="{FF2B5EF4-FFF2-40B4-BE49-F238E27FC236}">
+                <a16:creationId xmlns:a16="http://schemas.microsoft.com/office/drawing/2014/main" id="{F2767EC2-6759-7E36-438B-DFABEA2BF2DC}"/>
+              </a:ext>
+            </a:extLst>
+          </p:cNvPr>
+          <p:cNvSpPr>
+            <a:spLocks noGrp="1"/>
+          </p:cNvSpPr>
+          <p:nvPr>
+            <p:ph type="title"/>
+          </p:nvPr>
+        </p:nvSpPr>
+        <p:spPr/>
+        <p:txBody>
+          <a:bodyPr/>
+          <a:lstStyle/>
+          <a:p>
+            <a:r>
+              <a:rPr lang="en-IT" dirty="0">
+                <a:latin typeface="Palatino" pitchFamily="2" charset="77"/>
+                <a:ea typeface="Palatino" pitchFamily="2" charset="77"/>
+              </a:rPr>
+              <a:t>Requirement 2</a:t>
+            </a:r>
+          </a:p>
+        </p:txBody>
+      </p:sp>
+      <p:sp>
+        <p:nvSpPr>
+          <p:cNvPr id="3" name="Text Placeholder 2">
+            <a:extLst>
+              <a:ext uri="{FF2B5EF4-FFF2-40B4-BE49-F238E27FC236}">
+                <a16:creationId xmlns:a16="http://schemas.microsoft.com/office/drawing/2014/main" id="{30D6A194-9AB6-6390-69F9-68764771E808}"/>
+              </a:ext>
+            </a:extLst>
+          </p:cNvPr>
+          <p:cNvSpPr>
+            <a:spLocks noGrp="1"/>
+          </p:cNvSpPr>
+          <p:nvPr>
+            <p:ph type="body" idx="1"/>
+          </p:nvPr>
+        </p:nvSpPr>
+        <p:spPr>
+          <a:xfrm>
+            <a:off x="831850" y="4799670"/>
+            <a:ext cx="10515600" cy="1500187"/>
+          </a:xfrm>
+        </p:spPr>
+        <p:txBody>
+          <a:bodyPr/>
+          <a:lstStyle/>
+          <a:p>
+            <a:r>
+              <a:rPr lang="en-IT" dirty="0">
+                <a:solidFill>
+                  <a:schemeClr val="bg1">
+                    <a:lumMod val="50000"/>
+                  </a:schemeClr>
+                </a:solidFill>
+                <a:latin typeface="Palatino" pitchFamily="2" charset="77"/>
+                <a:ea typeface="Palatino" pitchFamily="2" charset="77"/>
+              </a:rPr>
+              <a:t>With multiple products</a:t>
+            </a:r>
+          </a:p>
+        </p:txBody>
+      </p:sp>
+    </p:spTree>
+    <p:extLst>
+      <p:ext uri="{BB962C8B-B14F-4D97-AF65-F5344CB8AC3E}">
+        <p14:creationId xmlns:p14="http://schemas.microsoft.com/office/powerpoint/2010/main" val="3674136290"/>
+      </p:ext>
+    </p:extLst>
+  </p:cSld>
+  <p:clrMapOvr>
+    <a:masterClrMapping/>
+  </p:clrMapOvr>
+</p:sld>
+</file>
+
+<file path=ppt/slides/slide19.xml><?xml version="1.0" encoding="utf-8"?>
+<p:sld xmlns:a="http://schemas.openxmlformats.org/drawingml/2006/main" xmlns:r="http://schemas.openxmlformats.org/officeDocument/2006/relationships" xmlns:p="http://schemas.openxmlformats.org/presentationml/2006/main">
+  <p:cSld>
+    <p:spTree>
+      <p:nvGrpSpPr>
+        <p:cNvPr id="1" name="">
+          <a:extLst>
+            <a:ext uri="{FF2B5EF4-FFF2-40B4-BE49-F238E27FC236}">
+              <a16:creationId xmlns:a16="http://schemas.microsoft.com/office/drawing/2014/main" id="{FFE1035B-3D6C-9EC2-9443-24E3E6CA7354}"/>
+            </a:ext>
+          </a:extLst>
+        </p:cNvPr>
+        <p:cNvGrpSpPr/>
+        <p:nvPr/>
+      </p:nvGrpSpPr>
+      <p:grpSpPr>
+        <a:xfrm>
+          <a:off x="0" y="0"/>
+          <a:ext cx="0" cy="0"/>
+          <a:chOff x="0" y="0"/>
+          <a:chExt cx="0" cy="0"/>
+        </a:xfrm>
+      </p:grpSpPr>
+      <p:sp>
+        <p:nvSpPr>
+          <p:cNvPr id="2" name="Title 1">
+            <a:extLst>
+              <a:ext uri="{FF2B5EF4-FFF2-40B4-BE49-F238E27FC236}">
+                <a16:creationId xmlns:a16="http://schemas.microsoft.com/office/drawing/2014/main" id="{F8EF3367-7307-89D5-D223-65F250147CA6}"/>
+              </a:ext>
+            </a:extLst>
+          </p:cNvPr>
+          <p:cNvSpPr>
+            <a:spLocks noGrp="1"/>
+          </p:cNvSpPr>
+          <p:nvPr>
+            <p:ph type="title"/>
+          </p:nvPr>
+        </p:nvSpPr>
+        <p:spPr/>
+        <p:txBody>
+          <a:bodyPr/>
+          <a:lstStyle/>
+          <a:p>
+            <a:r>
+              <a:rPr lang="en-IT" dirty="0">
+                <a:latin typeface="Palatino" pitchFamily="2" charset="77"/>
+                <a:ea typeface="Palatino" pitchFamily="2" charset="77"/>
+              </a:rPr>
+              <a:t>Setting</a:t>
+            </a:r>
+          </a:p>
+        </p:txBody>
+      </p:sp>
+      <mc:AlternateContent xmlns:mc="http://schemas.openxmlformats.org/markup-compatibility/2006">
+        <mc:Choice xmlns:a14="http://schemas.microsoft.com/office/drawing/2010/main" Requires="a14">
+          <p:sp>
+            <p:nvSpPr>
+              <p:cNvPr id="5" name="TextBox 4">
+                <a:extLst>
+                  <a:ext uri="{FF2B5EF4-FFF2-40B4-BE49-F238E27FC236}">
+                    <a16:creationId xmlns:a16="http://schemas.microsoft.com/office/drawing/2014/main" id="{BB8CE10B-8EAB-3E1A-0F98-B28CBE842CAD}"/>
+                  </a:ext>
+                </a:extLst>
+              </p:cNvPr>
+              <p:cNvSpPr txBox="1"/>
+              <p:nvPr/>
+            </p:nvSpPr>
+            <p:spPr>
+              <a:xfrm>
+                <a:off x="838200" y="1690688"/>
+                <a:ext cx="10786242" cy="3354765"/>
+              </a:xfrm>
+              <a:prstGeom prst="rect">
+                <a:avLst/>
+              </a:prstGeom>
+              <a:noFill/>
+            </p:spPr>
+            <p:txBody>
+              <a:bodyPr wrap="square" rtlCol="0">
+                <a:spAutoFit/>
+              </a:bodyPr>
+              <a:lstStyle/>
+              <a:p>
+                <a:pPr>
+                  <a:spcAft>
+                    <a:spcPts val="1200"/>
+                  </a:spcAft>
+                </a:pPr>
+                <a:r>
+                  <a:rPr lang="en-IT" sz="2400" dirty="0">
+                    <a:latin typeface="Palatino" pitchFamily="2" charset="77"/>
+                    <a:ea typeface="Palatino" pitchFamily="2" charset="77"/>
+                  </a:rPr>
+                  <a:t>Assumptions</a:t>
+                </a:r>
+                <a:endParaRPr lang="en-IT" sz="2000" dirty="0">
+                  <a:latin typeface="Palatino" pitchFamily="2" charset="77"/>
+                  <a:ea typeface="Palatino" pitchFamily="2" charset="77"/>
+                </a:endParaRPr>
+              </a:p>
+              <a:p>
+                <a:r>
+                  <a:rPr lang="en-IT" dirty="0">
+                    <a:solidFill>
+                      <a:schemeClr val="bg1">
+                        <a:lumMod val="50000"/>
+                      </a:schemeClr>
+                    </a:solidFill>
+                    <a:latin typeface="Palatino" pitchFamily="2" charset="77"/>
+                    <a:ea typeface="Palatino" pitchFamily="2" charset="77"/>
+                  </a:rPr>
+                  <a:t>Average buyer valuation per product </a:t>
+                </a:r>
+                <a:r>
+                  <a:rPr lang="en-IT" i="1" dirty="0">
+                    <a:solidFill>
+                      <a:schemeClr val="bg1">
+                        <a:lumMod val="50000"/>
+                      </a:schemeClr>
+                    </a:solidFill>
+                    <a:latin typeface="Palatino" pitchFamily="2" charset="77"/>
+                    <a:ea typeface="Palatino" pitchFamily="2" charset="77"/>
+                  </a:rPr>
+                  <a:t>values: </a:t>
+                </a:r>
+                <a:r>
+                  <a:rPr lang="en-IT" dirty="0">
+                    <a:solidFill>
+                      <a:schemeClr val="bg1">
+                        <a:lumMod val="50000"/>
+                      </a:schemeClr>
+                    </a:solidFill>
+                    <a:latin typeface="Palatino" pitchFamily="2" charset="77"/>
+                    <a:ea typeface="Palatino" pitchFamily="2" charset="77"/>
+                  </a:rPr>
+                  <a:t>3.00€, 2.50€, 1.50€ and 6.00€</a:t>
+                </a:r>
+                <a:endParaRPr lang="en-IT" i="1" dirty="0">
+                  <a:solidFill>
+                    <a:schemeClr val="bg1">
+                      <a:lumMod val="50000"/>
+                    </a:schemeClr>
+                  </a:solidFill>
+                  <a:latin typeface="Palatino" pitchFamily="2" charset="77"/>
+                  <a:ea typeface="Palatino" pitchFamily="2" charset="77"/>
+                </a:endParaRPr>
+              </a:p>
+              <a:p>
+                <a:r>
+                  <a:rPr lang="en-IT" dirty="0">
+                    <a:solidFill>
+                      <a:schemeClr val="bg1">
+                        <a:lumMod val="50000"/>
+                      </a:schemeClr>
+                    </a:solidFill>
+                    <a:latin typeface="Palatino" pitchFamily="2" charset="77"/>
+                    <a:ea typeface="Palatino" pitchFamily="2" charset="77"/>
+                  </a:rPr>
+                  <a:t>Per product production </a:t>
+                </a:r>
+                <a:r>
+                  <a:rPr lang="en-IT" i="1" dirty="0">
+                    <a:solidFill>
+                      <a:schemeClr val="bg1">
+                        <a:lumMod val="50000"/>
+                      </a:schemeClr>
+                    </a:solidFill>
+                    <a:latin typeface="Palatino" pitchFamily="2" charset="77"/>
+                    <a:ea typeface="Palatino" pitchFamily="2" charset="77"/>
+                  </a:rPr>
+                  <a:t>costs: </a:t>
+                </a:r>
+                <a:r>
+                  <a:rPr lang="en-GB" dirty="0">
+                    <a:solidFill>
+                      <a:schemeClr val="bg1">
+                        <a:lumMod val="50000"/>
+                      </a:schemeClr>
+                    </a:solidFill>
+                    <a:latin typeface="Palatino" pitchFamily="2" charset="77"/>
+                    <a:ea typeface="Palatino" pitchFamily="2" charset="77"/>
+                  </a:rPr>
+                  <a:t>2.00€, 1.50€, 0.50€ and 4.00€</a:t>
+                </a:r>
+              </a:p>
+              <a:p>
+                <a:endParaRPr lang="en-IT" dirty="0">
+                  <a:solidFill>
+                    <a:schemeClr val="bg1">
+                      <a:lumMod val="50000"/>
+                    </a:schemeClr>
+                  </a:solidFill>
+                  <a:latin typeface="Palatino" pitchFamily="2" charset="77"/>
+                  <a:ea typeface="Palatino" pitchFamily="2" charset="77"/>
+                </a:endParaRPr>
+              </a:p>
+              <a:p>
+                <a:pPr>
+                  <a:spcAft>
+                    <a:spcPts val="1200"/>
+                  </a:spcAft>
+                </a:pPr>
+                <a:r>
+                  <a:rPr lang="en-IT" sz="2400" dirty="0">
+                    <a:latin typeface="Palatino" pitchFamily="2" charset="77"/>
+                    <a:ea typeface="Palatino" pitchFamily="2" charset="77"/>
+                  </a:rPr>
+                  <a:t>Parameters setting</a:t>
+                </a:r>
+                <a:endParaRPr lang="en-IT" sz="2000" dirty="0">
+                  <a:latin typeface="Palatino" pitchFamily="2" charset="77"/>
+                  <a:ea typeface="Palatino" pitchFamily="2" charset="77"/>
+                </a:endParaRPr>
+              </a:p>
+              <a:p>
+                <a:r>
+                  <a:rPr lang="en-IT" i="1" dirty="0">
+                    <a:solidFill>
+                      <a:schemeClr val="bg1">
+                        <a:lumMod val="50000"/>
+                      </a:schemeClr>
+                    </a:solidFill>
+                    <a:latin typeface="Palatino" pitchFamily="2" charset="77"/>
+                    <a:ea typeface="Palatino" pitchFamily="2" charset="77"/>
+                  </a:rPr>
+                  <a:t>T = 20000</a:t>
+                </a:r>
+              </a:p>
+              <a:p>
+                <a:r>
+                  <a:rPr lang="en-IT" i="1" dirty="0">
+                    <a:solidFill>
+                      <a:schemeClr val="bg1">
+                        <a:lumMod val="50000"/>
+                      </a:schemeClr>
+                    </a:solidFill>
+                    <a:latin typeface="Palatino" pitchFamily="2" charset="77"/>
+                    <a:ea typeface="Palatino" pitchFamily="2" charset="77"/>
+                  </a:rPr>
+                  <a:t>N = 4</a:t>
+                </a:r>
+              </a:p>
+              <a:p>
+                <a:r>
+                  <a:rPr lang="en-GB" i="1" dirty="0">
+                    <a:solidFill>
+                      <a:schemeClr val="bg1">
+                        <a:lumMod val="50000"/>
+                      </a:schemeClr>
+                    </a:solidFill>
+                    <a:latin typeface="Palatino" pitchFamily="2" charset="77"/>
+                    <a:ea typeface="Palatino" pitchFamily="2" charset="77"/>
+                  </a:rPr>
+                  <a:t>P</a:t>
+                </a:r>
+                <a:r>
+                  <a:rPr lang="en-GB" i="1" baseline="-25000" dirty="0">
+                    <a:solidFill>
+                      <a:schemeClr val="bg1">
+                        <a:lumMod val="50000"/>
+                      </a:schemeClr>
+                    </a:solidFill>
+                    <a:latin typeface="Palatino" pitchFamily="2" charset="77"/>
+                    <a:ea typeface="Palatino" pitchFamily="2" charset="77"/>
+                  </a:rPr>
+                  <a:t>i</a:t>
+                </a:r>
+                <a:r>
+                  <a:rPr lang="en-GB" i="1" dirty="0">
+                    <a:solidFill>
+                      <a:schemeClr val="bg1">
+                        <a:lumMod val="50000"/>
+                      </a:schemeClr>
+                    </a:solidFill>
+                    <a:latin typeface="Palatino" pitchFamily="2" charset="77"/>
+                    <a:ea typeface="Palatino" pitchFamily="2" charset="77"/>
+                  </a:rPr>
+                  <a:t> =</a:t>
+                </a:r>
+                <a:r>
+                  <a:rPr lang="en-GB" dirty="0">
+                    <a:solidFill>
+                      <a:schemeClr val="bg1">
+                        <a:lumMod val="50000"/>
+                      </a:schemeClr>
+                    </a:solidFill>
+                  </a:rPr>
+                  <a:t> { x</a:t>
+                </a:r>
+                <a:r>
+                  <a:rPr lang="en-GB" baseline="-25000" dirty="0">
+                    <a:solidFill>
+                      <a:schemeClr val="bg1">
+                        <a:lumMod val="50000"/>
+                      </a:schemeClr>
+                    </a:solidFill>
+                  </a:rPr>
+                  <a:t>1</a:t>
+                </a:r>
+                <a:r>
+                  <a:rPr lang="en-GB" dirty="0">
+                    <a:solidFill>
+                      <a:schemeClr val="bg1">
+                        <a:lumMod val="50000"/>
+                      </a:schemeClr>
+                    </a:solidFill>
+                  </a:rPr>
+                  <a:t>​, …, x</a:t>
+                </a:r>
+                <a:r>
+                  <a:rPr lang="en-GB" baseline="-25000" dirty="0">
+                    <a:solidFill>
+                      <a:schemeClr val="bg1">
+                        <a:lumMod val="50000"/>
+                      </a:schemeClr>
+                    </a:solidFill>
+                  </a:rPr>
+                  <a:t>k </a:t>
+                </a:r>
+                <a:r>
+                  <a:rPr lang="en-GB" dirty="0">
+                    <a:solidFill>
+                      <a:schemeClr val="bg1">
+                        <a:lumMod val="50000"/>
+                      </a:schemeClr>
+                    </a:solidFill>
+                  </a:rPr>
+                  <a:t>​} ⊂ R set of K equally spaced points in [0, 2 </a:t>
+                </a:r>
+                <a14:m>
+                  <m:oMath xmlns:m="http://schemas.openxmlformats.org/officeDocument/2006/math">
+                    <m:r>
+                      <a:rPr lang="en-GB" i="1" smtClean="0">
+                        <a:solidFill>
+                          <a:schemeClr val="bg1">
+                            <a:lumMod val="50000"/>
+                          </a:schemeClr>
+                        </a:solidFill>
+                        <a:latin typeface="Cambria Math" panose="02040503050406030204" pitchFamily="18" charset="0"/>
+                        <a:ea typeface="Cambria Math" panose="02040503050406030204" pitchFamily="18" charset="0"/>
+                      </a:rPr>
+                      <m:t>∙</m:t>
+                    </m:r>
+                  </m:oMath>
+                </a14:m>
+                <a:r>
+                  <a:rPr lang="en-GB" dirty="0">
+                    <a:solidFill>
+                      <a:schemeClr val="bg1">
+                        <a:lumMod val="50000"/>
+                      </a:schemeClr>
+                    </a:solidFill>
+                  </a:rPr>
+                  <a:t> values</a:t>
+                </a:r>
+                <a:r>
+                  <a:rPr lang="en-GB" baseline="-25000" dirty="0">
+                    <a:solidFill>
+                      <a:schemeClr val="bg1">
+                        <a:lumMod val="50000"/>
+                      </a:schemeClr>
+                    </a:solidFill>
+                  </a:rPr>
+                  <a:t>i</a:t>
+                </a:r>
+                <a:r>
+                  <a:rPr lang="en-GB" dirty="0">
+                    <a:solidFill>
+                      <a:schemeClr val="bg1">
+                        <a:lumMod val="50000"/>
+                      </a:schemeClr>
+                    </a:solidFill>
+                  </a:rPr>
+                  <a:t>] for each product </a:t>
+                </a:r>
+                <a:r>
+                  <a:rPr lang="en-GB" i="1" dirty="0">
+                    <a:solidFill>
+                      <a:schemeClr val="bg1">
+                        <a:lumMod val="50000"/>
+                      </a:schemeClr>
+                    </a:solidFill>
+                  </a:rPr>
+                  <a:t>i = 1, …, N</a:t>
+                </a:r>
+              </a:p>
+              <a:p>
+                <a:r>
+                  <a:rPr lang="en-IT" i="1" dirty="0">
+                    <a:solidFill>
+                      <a:schemeClr val="bg1">
+                        <a:lumMod val="50000"/>
+                      </a:schemeClr>
+                    </a:solidFill>
+                    <a:latin typeface="Palatino" pitchFamily="2" charset="77"/>
+                    <a:ea typeface="Palatino" pitchFamily="2" charset="77"/>
+                  </a:rPr>
+                  <a:t>K = </a:t>
+                </a:r>
+                <a14:m>
+                  <m:oMath xmlns:m="http://schemas.openxmlformats.org/officeDocument/2006/math">
+                    <m:r>
+                      <a:rPr lang="it-IT" b="0" i="1" smtClean="0">
+                        <a:solidFill>
+                          <a:schemeClr val="bg1">
+                            <a:lumMod val="50000"/>
+                          </a:schemeClr>
+                        </a:solidFill>
+                        <a:latin typeface="Cambria Math" panose="02040503050406030204" pitchFamily="18" charset="0"/>
+                        <a:ea typeface="Palatino" pitchFamily="2" charset="77"/>
+                      </a:rPr>
+                      <m:t>| </m:t>
+                    </m:r>
+                    <m:r>
+                      <a:rPr lang="it-IT" b="0" i="1" smtClean="0">
+                        <a:solidFill>
+                          <a:schemeClr val="bg1">
+                            <a:lumMod val="50000"/>
+                          </a:schemeClr>
+                        </a:solidFill>
+                        <a:latin typeface="Cambria Math" panose="02040503050406030204" pitchFamily="18" charset="0"/>
+                        <a:ea typeface="Palatino" pitchFamily="2" charset="77"/>
+                      </a:rPr>
+                      <m:t>𝑃</m:t>
+                    </m:r>
+                    <m:r>
+                      <a:rPr lang="it-IT" b="0" i="1" smtClean="0">
+                        <a:solidFill>
+                          <a:schemeClr val="bg1">
+                            <a:lumMod val="50000"/>
+                          </a:schemeClr>
+                        </a:solidFill>
+                        <a:latin typeface="Cambria Math" panose="02040503050406030204" pitchFamily="18" charset="0"/>
+                        <a:ea typeface="Palatino" pitchFamily="2" charset="77"/>
+                      </a:rPr>
+                      <m:t> |</m:t>
+                    </m:r>
+                  </m:oMath>
+                </a14:m>
+                <a:r>
+                  <a:rPr lang="en-IT" i="1" dirty="0">
+                    <a:solidFill>
+                      <a:schemeClr val="bg1">
+                        <a:lumMod val="50000"/>
+                      </a:schemeClr>
+                    </a:solidFill>
+                    <a:latin typeface="Palatino" pitchFamily="2" charset="77"/>
+                    <a:ea typeface="Palatino" pitchFamily="2" charset="77"/>
+                  </a:rPr>
+                  <a:t> = 5</a:t>
+                </a:r>
+              </a:p>
+              <a:p>
+                <a:r>
+                  <a:rPr lang="it-IT" i="1" dirty="0">
+                    <a:solidFill>
+                      <a:schemeClr val="bg1">
+                        <a:lumMod val="50000"/>
+                      </a:schemeClr>
+                    </a:solidFill>
+                    <a:latin typeface="Palatino" pitchFamily="2" charset="77"/>
+                    <a:ea typeface="Palatino" pitchFamily="2" charset="77"/>
+                  </a:rPr>
+                  <a:t>B = </a:t>
+                </a:r>
+                <a:r>
+                  <a:rPr lang="en-GB" i="1" dirty="0">
+                    <a:solidFill>
+                      <a:schemeClr val="bg1">
+                        <a:lumMod val="50000"/>
+                      </a:schemeClr>
+                    </a:solidFill>
+                    <a:latin typeface="Palatino" pitchFamily="2" charset="77"/>
+                    <a:ea typeface="Palatino" pitchFamily="2" charset="77"/>
+                  </a:rPr>
+                  <a:t>120000 </a:t>
+                </a:r>
+                <a14:m>
+                  <m:oMath xmlns:m="http://schemas.openxmlformats.org/officeDocument/2006/math">
+                    <m:r>
+                      <a:rPr lang="en-GB" i="1">
+                        <a:solidFill>
+                          <a:schemeClr val="bg1">
+                            <a:lumMod val="50000"/>
+                          </a:schemeClr>
+                        </a:solidFill>
+                        <a:latin typeface="Cambria Math" panose="02040503050406030204" pitchFamily="18" charset="0"/>
+                        <a:ea typeface="Cambria Math" panose="02040503050406030204" pitchFamily="18" charset="0"/>
+                      </a:rPr>
+                      <m:t>∙</m:t>
+                    </m:r>
+                    <m:r>
+                      <a:rPr lang="it-IT" i="1">
+                        <a:solidFill>
+                          <a:schemeClr val="bg1">
+                            <a:lumMod val="50000"/>
+                          </a:schemeClr>
+                        </a:solidFill>
+                        <a:latin typeface="Cambria Math" panose="02040503050406030204" pitchFamily="18" charset="0"/>
+                        <a:ea typeface="Cambria Math" panose="02040503050406030204" pitchFamily="18" charset="0"/>
+                      </a:rPr>
+                      <m:t> </m:t>
+                    </m:r>
+                  </m:oMath>
+                </a14:m>
+                <a:r>
+                  <a:rPr lang="en-GB" i="1" dirty="0">
+                    <a:solidFill>
+                      <a:schemeClr val="bg1">
+                        <a:lumMod val="50000"/>
+                      </a:schemeClr>
+                    </a:solidFill>
+                    <a:latin typeface="Palatino" pitchFamily="2" charset="77"/>
+                    <a:ea typeface="Palatino" pitchFamily="2" charset="77"/>
+                  </a:rPr>
+                  <a:t>N</a:t>
+                </a:r>
+                <a:endParaRPr lang="en-IT" i="1" dirty="0">
+                  <a:solidFill>
+                    <a:schemeClr val="bg1">
+                      <a:lumMod val="50000"/>
+                    </a:schemeClr>
+                  </a:solidFill>
+                  <a:latin typeface="Palatino" pitchFamily="2" charset="77"/>
+                  <a:ea typeface="Palatino" pitchFamily="2" charset="77"/>
+                </a:endParaRPr>
+              </a:p>
+            </p:txBody>
+          </p:sp>
+        </mc:Choice>
+        <mc:Fallback>
+          <p:sp>
+            <p:nvSpPr>
+              <p:cNvPr id="5" name="TextBox 4">
+                <a:extLst>
+                  <a:ext uri="{FF2B5EF4-FFF2-40B4-BE49-F238E27FC236}">
+                    <a16:creationId xmlns:a16="http://schemas.microsoft.com/office/drawing/2014/main" id="{BB8CE10B-8EAB-3E1A-0F98-B28CBE842CAD}"/>
+                  </a:ext>
+                </a:extLst>
+              </p:cNvPr>
+              <p:cNvSpPr txBox="1">
+                <a:spLocks noRot="1" noChangeAspect="1" noMove="1" noResize="1" noEditPoints="1" noAdjustHandles="1" noChangeArrowheads="1" noChangeShapeType="1" noTextEdit="1"/>
+              </p:cNvSpPr>
+              <p:nvPr/>
+            </p:nvSpPr>
+            <p:spPr>
+              <a:xfrm>
+                <a:off x="838200" y="1690688"/>
+                <a:ext cx="10786242" cy="3354765"/>
+              </a:xfrm>
+              <a:prstGeom prst="rect">
+                <a:avLst/>
+              </a:prstGeom>
+              <a:blipFill>
+                <a:blip r:embed="rId3"/>
+                <a:stretch>
+                  <a:fillRect l="-941" t="-1128" b="-1504"/>
+                </a:stretch>
+              </a:blipFill>
+            </p:spPr>
+            <p:txBody>
+              <a:bodyPr/>
+              <a:lstStyle/>
+              <a:p>
+                <a:r>
+                  <a:rPr lang="en-IT">
+                    <a:noFill/>
+                  </a:rPr>
+                  <a:t> </a:t>
+                </a:r>
+              </a:p>
+            </p:txBody>
+          </p:sp>
+        </mc:Fallback>
+      </mc:AlternateContent>
+    </p:spTree>
+    <p:extLst>
+      <p:ext uri="{BB962C8B-B14F-4D97-AF65-F5344CB8AC3E}">
+        <p14:creationId xmlns:p14="http://schemas.microsoft.com/office/powerpoint/2010/main" val="3271339014"/>
       </p:ext>
     </p:extLst>
   </p:cSld>
@@ -6613,6 +7562,1040 @@
     <p:extLst>
       <p:ext uri="{BB962C8B-B14F-4D97-AF65-F5344CB8AC3E}">
         <p14:creationId xmlns:p14="http://schemas.microsoft.com/office/powerpoint/2010/main" val="1526035182"/>
+      </p:ext>
+    </p:extLst>
+  </p:cSld>
+  <p:clrMapOvr>
+    <a:masterClrMapping/>
+  </p:clrMapOvr>
+</p:sld>
+</file>
+
+<file path=ppt/slides/slide20.xml><?xml version="1.0" encoding="utf-8"?>
+<p:sld xmlns:a="http://schemas.openxmlformats.org/drawingml/2006/main" xmlns:r="http://schemas.openxmlformats.org/officeDocument/2006/relationships" xmlns:p="http://schemas.openxmlformats.org/presentationml/2006/main">
+  <p:cSld>
+    <p:spTree>
+      <p:nvGrpSpPr>
+        <p:cNvPr id="1" name="">
+          <a:extLst>
+            <a:ext uri="{FF2B5EF4-FFF2-40B4-BE49-F238E27FC236}">
+              <a16:creationId xmlns:a16="http://schemas.microsoft.com/office/drawing/2014/main" id="{92E19380-5071-169E-7D46-42E2649349A3}"/>
+            </a:ext>
+          </a:extLst>
+        </p:cNvPr>
+        <p:cNvGrpSpPr/>
+        <p:nvPr/>
+      </p:nvGrpSpPr>
+      <p:grpSpPr>
+        <a:xfrm>
+          <a:off x="0" y="0"/>
+          <a:ext cx="0" cy="0"/>
+          <a:chOff x="0" y="0"/>
+          <a:chExt cx="0" cy="0"/>
+        </a:xfrm>
+      </p:grpSpPr>
+      <p:sp>
+        <p:nvSpPr>
+          <p:cNvPr id="2" name="Title 1">
+            <a:extLst>
+              <a:ext uri="{FF2B5EF4-FFF2-40B4-BE49-F238E27FC236}">
+                <a16:creationId xmlns:a16="http://schemas.microsoft.com/office/drawing/2014/main" id="{C03C2F0B-D81B-4EA5-6ADC-C10FAADEA653}"/>
+              </a:ext>
+            </a:extLst>
+          </p:cNvPr>
+          <p:cNvSpPr>
+            <a:spLocks noGrp="1"/>
+          </p:cNvSpPr>
+          <p:nvPr>
+            <p:ph type="title"/>
+          </p:nvPr>
+        </p:nvSpPr>
+        <p:spPr>
+          <a:xfrm>
+            <a:off x="838200" y="587633"/>
+            <a:ext cx="10515600" cy="1325563"/>
+          </a:xfrm>
+        </p:spPr>
+        <p:txBody>
+          <a:bodyPr/>
+          <a:lstStyle/>
+          <a:p>
+            <a:pPr algn="ctr"/>
+            <a:r>
+              <a:rPr lang="en-IT" sz="5400" dirty="0">
+                <a:latin typeface="Palatino" pitchFamily="2" charset="77"/>
+                <a:ea typeface="Palatino" pitchFamily="2" charset="77"/>
+              </a:rPr>
+              <a:t>Setting</a:t>
+            </a:r>
+            <a:endParaRPr lang="en-IT" dirty="0">
+              <a:latin typeface="Palatino" pitchFamily="2" charset="77"/>
+              <a:ea typeface="Palatino" pitchFamily="2" charset="77"/>
+            </a:endParaRPr>
+          </a:p>
+        </p:txBody>
+      </p:sp>
+      <p:sp>
+        <p:nvSpPr>
+          <p:cNvPr id="5" name="Content Placeholder 4">
+            <a:extLst>
+              <a:ext uri="{FF2B5EF4-FFF2-40B4-BE49-F238E27FC236}">
+                <a16:creationId xmlns:a16="http://schemas.microsoft.com/office/drawing/2014/main" id="{CEF8A580-B409-C942-DFD9-EB6DC7C44370}"/>
+              </a:ext>
+            </a:extLst>
+          </p:cNvPr>
+          <p:cNvSpPr>
+            <a:spLocks noGrp="1"/>
+          </p:cNvSpPr>
+          <p:nvPr>
+            <p:ph idx="1"/>
+          </p:nvPr>
+        </p:nvSpPr>
+        <p:spPr/>
+        <p:txBody>
+          <a:bodyPr>
+            <a:normAutofit/>
+          </a:bodyPr>
+          <a:lstStyle/>
+          <a:p>
+            <a:pPr marL="0" indent="0">
+              <a:spcBef>
+                <a:spcPts val="0"/>
+              </a:spcBef>
+              <a:spcAft>
+                <a:spcPts val="600"/>
+              </a:spcAft>
+              <a:buNone/>
+            </a:pPr>
+            <a:r>
+              <a:rPr lang="en-GB" sz="2400" dirty="0">
+                <a:latin typeface="Palatino" pitchFamily="2" charset="77"/>
+                <a:ea typeface="Palatino" pitchFamily="2" charset="77"/>
+              </a:rPr>
+              <a:t>Best Expected Prices</a:t>
+            </a:r>
+          </a:p>
+          <a:p>
+            <a:pPr marL="0" indent="0">
+              <a:buNone/>
+            </a:pPr>
+            <a:r>
+              <a:rPr lang="en-GB" sz="1800" dirty="0">
+                <a:solidFill>
+                  <a:schemeClr val="bg1">
+                    <a:lumMod val="50000"/>
+                  </a:schemeClr>
+                </a:solidFill>
+                <a:latin typeface="Palatino" pitchFamily="2" charset="77"/>
+                <a:ea typeface="Palatino" pitchFamily="2" charset="77"/>
+              </a:rPr>
+              <a:t>Product 1: optimal price = €3.50, expected profit = €23.14</a:t>
+            </a:r>
+          </a:p>
+          <a:p>
+            <a:pPr marL="0" indent="0">
+              <a:buNone/>
+            </a:pPr>
+            <a:r>
+              <a:rPr lang="en-GB" sz="1800" dirty="0">
+                <a:solidFill>
+                  <a:schemeClr val="bg1">
+                    <a:lumMod val="50000"/>
+                  </a:schemeClr>
+                </a:solidFill>
+                <a:latin typeface="Palatino" pitchFamily="2" charset="77"/>
+                <a:ea typeface="Palatino" pitchFamily="2" charset="77"/>
+              </a:rPr>
+              <a:t>Product 2: optimal price = €2.88, expected profit = €21.97</a:t>
+            </a:r>
+          </a:p>
+          <a:p>
+            <a:pPr marL="0" indent="0">
+              <a:buNone/>
+            </a:pPr>
+            <a:r>
+              <a:rPr lang="en-GB" sz="1800" dirty="0">
+                <a:solidFill>
+                  <a:schemeClr val="bg1">
+                    <a:lumMod val="50000"/>
+                  </a:schemeClr>
+                </a:solidFill>
+                <a:latin typeface="Palatino" pitchFamily="2" charset="77"/>
+                <a:ea typeface="Palatino" pitchFamily="2" charset="77"/>
+              </a:rPr>
+              <a:t>Product 3: optimal price = €1.62, expected profit = €22.57</a:t>
+            </a:r>
+          </a:p>
+          <a:p>
+            <a:pPr marL="0" indent="0">
+              <a:buNone/>
+            </a:pPr>
+            <a:r>
+              <a:rPr lang="en-GB" sz="1800" dirty="0">
+                <a:solidFill>
+                  <a:schemeClr val="bg1">
+                    <a:lumMod val="50000"/>
+                  </a:schemeClr>
+                </a:solidFill>
+                <a:latin typeface="Palatino" pitchFamily="2" charset="77"/>
+                <a:ea typeface="Palatino" pitchFamily="2" charset="77"/>
+              </a:rPr>
+              <a:t>Product 4: optimal price = €7.00, expected profit = €37.87</a:t>
+            </a:r>
+          </a:p>
+          <a:p>
+            <a:endParaRPr lang="en-GB" sz="2400" dirty="0">
+              <a:latin typeface="Palatino" pitchFamily="2" charset="77"/>
+              <a:ea typeface="Palatino" pitchFamily="2" charset="77"/>
+            </a:endParaRPr>
+          </a:p>
+          <a:p>
+            <a:pPr marL="0" indent="0">
+              <a:spcBef>
+                <a:spcPts val="0"/>
+              </a:spcBef>
+              <a:spcAft>
+                <a:spcPts val="600"/>
+              </a:spcAft>
+              <a:buNone/>
+            </a:pPr>
+            <a:r>
+              <a:rPr lang="en-GB" sz="2400" dirty="0">
+                <a:latin typeface="Palatino" pitchFamily="2" charset="77"/>
+                <a:ea typeface="Palatino" pitchFamily="2" charset="77"/>
+              </a:rPr>
+              <a:t>Best Super Arm - Overall</a:t>
+            </a:r>
+          </a:p>
+          <a:p>
+            <a:pPr marL="0" indent="0">
+              <a:buNone/>
+            </a:pPr>
+            <a:r>
+              <a:rPr lang="en-GB" sz="1800" dirty="0">
+                <a:solidFill>
+                  <a:schemeClr val="bg1">
+                    <a:lumMod val="50000"/>
+                  </a:schemeClr>
+                </a:solidFill>
+                <a:latin typeface="Palatino" pitchFamily="2" charset="77"/>
+                <a:ea typeface="Palatino" pitchFamily="2" charset="77"/>
+              </a:rPr>
+              <a:t>Total expected profit = €105.56</a:t>
+            </a:r>
+          </a:p>
+          <a:p>
+            <a:pPr marL="0" indent="0">
+              <a:buNone/>
+            </a:pPr>
+            <a:r>
+              <a:rPr lang="en-GB" sz="1800" dirty="0">
+                <a:solidFill>
+                  <a:schemeClr val="bg1">
+                    <a:lumMod val="50000"/>
+                  </a:schemeClr>
+                </a:solidFill>
+                <a:latin typeface="Palatino" pitchFamily="2" charset="77"/>
+                <a:ea typeface="Palatino" pitchFamily="2" charset="77"/>
+              </a:rPr>
+              <a:t>Expected total demand: 64.10 units</a:t>
+            </a:r>
+            <a:endParaRPr lang="en-IT" sz="1800" dirty="0">
+              <a:solidFill>
+                <a:schemeClr val="bg1">
+                  <a:lumMod val="50000"/>
+                </a:schemeClr>
+              </a:solidFill>
+              <a:latin typeface="Palatino" pitchFamily="2" charset="77"/>
+              <a:ea typeface="Palatino" pitchFamily="2" charset="77"/>
+            </a:endParaRPr>
+          </a:p>
+        </p:txBody>
+      </p:sp>
+    </p:spTree>
+    <p:extLst>
+      <p:ext uri="{BB962C8B-B14F-4D97-AF65-F5344CB8AC3E}">
+        <p14:creationId xmlns:p14="http://schemas.microsoft.com/office/powerpoint/2010/main" val="2650900473"/>
+      </p:ext>
+    </p:extLst>
+  </p:cSld>
+  <p:clrMapOvr>
+    <a:masterClrMapping/>
+  </p:clrMapOvr>
+</p:sld>
+</file>
+
+<file path=ppt/slides/slide21.xml><?xml version="1.0" encoding="utf-8"?>
+<p:sld xmlns:a="http://schemas.openxmlformats.org/drawingml/2006/main" xmlns:r="http://schemas.openxmlformats.org/officeDocument/2006/relationships" xmlns:p="http://schemas.openxmlformats.org/presentationml/2006/main">
+  <p:cSld>
+    <p:spTree>
+      <p:nvGrpSpPr>
+        <p:cNvPr id="1" name="">
+          <a:extLst>
+            <a:ext uri="{FF2B5EF4-FFF2-40B4-BE49-F238E27FC236}">
+              <a16:creationId xmlns:a16="http://schemas.microsoft.com/office/drawing/2014/main" id="{A6F439DB-897C-5248-0948-7C2D8648D6A4}"/>
+            </a:ext>
+          </a:extLst>
+        </p:cNvPr>
+        <p:cNvGrpSpPr/>
+        <p:nvPr/>
+      </p:nvGrpSpPr>
+      <p:grpSpPr>
+        <a:xfrm>
+          <a:off x="0" y="0"/>
+          <a:ext cx="0" cy="0"/>
+          <a:chOff x="0" y="0"/>
+          <a:chExt cx="0" cy="0"/>
+        </a:xfrm>
+      </p:grpSpPr>
+      <p:sp>
+        <p:nvSpPr>
+          <p:cNvPr id="2" name="Title 1">
+            <a:extLst>
+              <a:ext uri="{FF2B5EF4-FFF2-40B4-BE49-F238E27FC236}">
+                <a16:creationId xmlns:a16="http://schemas.microsoft.com/office/drawing/2014/main" id="{E52ECE08-389C-2924-D274-EDD22D895F31}"/>
+              </a:ext>
+            </a:extLst>
+          </p:cNvPr>
+          <p:cNvSpPr>
+            <a:spLocks noGrp="1"/>
+          </p:cNvSpPr>
+          <p:nvPr>
+            <p:ph type="title"/>
+          </p:nvPr>
+        </p:nvSpPr>
+        <p:spPr>
+          <a:xfrm>
+            <a:off x="838200" y="587633"/>
+            <a:ext cx="10515600" cy="1325563"/>
+          </a:xfrm>
+        </p:spPr>
+        <p:txBody>
+          <a:bodyPr/>
+          <a:lstStyle/>
+          <a:p>
+            <a:pPr algn="ctr"/>
+            <a:r>
+              <a:rPr lang="en-IT" sz="5400" dirty="0">
+                <a:latin typeface="Palatino" pitchFamily="2" charset="77"/>
+                <a:ea typeface="Palatino" pitchFamily="2" charset="77"/>
+              </a:rPr>
+              <a:t>Setting</a:t>
+            </a:r>
+            <a:endParaRPr lang="en-IT" dirty="0">
+              <a:latin typeface="Palatino" pitchFamily="2" charset="77"/>
+              <a:ea typeface="Palatino" pitchFamily="2" charset="77"/>
+            </a:endParaRPr>
+          </a:p>
+        </p:txBody>
+      </p:sp>
+      <p:pic>
+        <p:nvPicPr>
+          <p:cNvPr id="3" name="Content Placeholder 2">
+            <a:extLst>
+              <a:ext uri="{FF2B5EF4-FFF2-40B4-BE49-F238E27FC236}">
+                <a16:creationId xmlns:a16="http://schemas.microsoft.com/office/drawing/2014/main" id="{7ECBC03C-A251-C11D-C479-1B87E977719A}"/>
+              </a:ext>
+            </a:extLst>
+          </p:cNvPr>
+          <p:cNvPicPr>
+            <a:picLocks noGrp="1" noChangeAspect="1"/>
+          </p:cNvPicPr>
+          <p:nvPr>
+            <p:ph idx="1"/>
+          </p:nvPr>
+        </p:nvPicPr>
+        <p:blipFill>
+          <a:blip r:embed="rId2"/>
+          <a:stretch>
+            <a:fillRect/>
+          </a:stretch>
+        </p:blipFill>
+        <p:spPr>
+          <a:xfrm>
+            <a:off x="965200" y="2267744"/>
+            <a:ext cx="10261600" cy="3467100"/>
+          </a:xfrm>
+          <a:prstGeom prst="rect">
+            <a:avLst/>
+          </a:prstGeom>
+        </p:spPr>
+      </p:pic>
+    </p:spTree>
+    <p:extLst>
+      <p:ext uri="{BB962C8B-B14F-4D97-AF65-F5344CB8AC3E}">
+        <p14:creationId xmlns:p14="http://schemas.microsoft.com/office/powerpoint/2010/main" val="2246106138"/>
+      </p:ext>
+    </p:extLst>
+  </p:cSld>
+  <p:clrMapOvr>
+    <a:masterClrMapping/>
+  </p:clrMapOvr>
+</p:sld>
+</file>
+
+<file path=ppt/slides/slide22.xml><?xml version="1.0" encoding="utf-8"?>
+<p:sld xmlns:a="http://schemas.openxmlformats.org/drawingml/2006/main" xmlns:r="http://schemas.openxmlformats.org/officeDocument/2006/relationships" xmlns:p="http://schemas.openxmlformats.org/presentationml/2006/main">
+  <p:cSld>
+    <p:spTree>
+      <p:nvGrpSpPr>
+        <p:cNvPr id="1" name="">
+          <a:extLst>
+            <a:ext uri="{FF2B5EF4-FFF2-40B4-BE49-F238E27FC236}">
+              <a16:creationId xmlns:a16="http://schemas.microsoft.com/office/drawing/2014/main" id="{927D1F0B-9CF8-8F30-54AD-0CCB0CB025C7}"/>
+            </a:ext>
+          </a:extLst>
+        </p:cNvPr>
+        <p:cNvGrpSpPr/>
+        <p:nvPr/>
+      </p:nvGrpSpPr>
+      <p:grpSpPr>
+        <a:xfrm>
+          <a:off x="0" y="0"/>
+          <a:ext cx="0" cy="0"/>
+          <a:chOff x="0" y="0"/>
+          <a:chExt cx="0" cy="0"/>
+        </a:xfrm>
+      </p:grpSpPr>
+      <p:sp>
+        <p:nvSpPr>
+          <p:cNvPr id="2" name="Title 1">
+            <a:extLst>
+              <a:ext uri="{FF2B5EF4-FFF2-40B4-BE49-F238E27FC236}">
+                <a16:creationId xmlns:a16="http://schemas.microsoft.com/office/drawing/2014/main" id="{0B1DCA80-9122-A687-B7DD-B035EE57C256}"/>
+              </a:ext>
+            </a:extLst>
+          </p:cNvPr>
+          <p:cNvSpPr>
+            <a:spLocks noGrp="1"/>
+          </p:cNvSpPr>
+          <p:nvPr>
+            <p:ph type="title"/>
+          </p:nvPr>
+        </p:nvSpPr>
+        <p:spPr/>
+        <p:txBody>
+          <a:bodyPr/>
+          <a:lstStyle/>
+          <a:p>
+            <a:r>
+              <a:rPr lang="en-IT" dirty="0">
+                <a:latin typeface="Palatino" pitchFamily="2" charset="77"/>
+                <a:ea typeface="Palatino" pitchFamily="2" charset="77"/>
+              </a:rPr>
+              <a:t>Environment</a:t>
+            </a:r>
+          </a:p>
+        </p:txBody>
+      </p:sp>
+      <p:sp>
+        <p:nvSpPr>
+          <p:cNvPr id="5" name="TextBox 4">
+            <a:extLst>
+              <a:ext uri="{FF2B5EF4-FFF2-40B4-BE49-F238E27FC236}">
+                <a16:creationId xmlns:a16="http://schemas.microsoft.com/office/drawing/2014/main" id="{246C162F-5731-4FBB-6A7D-9834114705F1}"/>
+              </a:ext>
+            </a:extLst>
+          </p:cNvPr>
+          <p:cNvSpPr txBox="1"/>
+          <p:nvPr/>
+        </p:nvSpPr>
+        <p:spPr>
+          <a:xfrm>
+            <a:off x="838200" y="1690688"/>
+            <a:ext cx="9851571" cy="2862322"/>
+          </a:xfrm>
+          <a:prstGeom prst="rect">
+            <a:avLst/>
+          </a:prstGeom>
+          <a:noFill/>
+        </p:spPr>
+        <p:txBody>
+          <a:bodyPr wrap="square" rtlCol="0">
+            <a:spAutoFit/>
+          </a:bodyPr>
+          <a:lstStyle/>
+          <a:p>
+            <a:pPr>
+              <a:spcAft>
+                <a:spcPts val="1200"/>
+              </a:spcAft>
+            </a:pPr>
+            <a:r>
+              <a:rPr lang="en-IT" sz="2400" dirty="0">
+                <a:latin typeface="Palatino" pitchFamily="2" charset="77"/>
+                <a:ea typeface="Palatino" pitchFamily="2" charset="77"/>
+              </a:rPr>
+              <a:t>Assumptions</a:t>
+            </a:r>
+            <a:endParaRPr lang="en-IT" sz="2000" dirty="0">
+              <a:latin typeface="Palatino" pitchFamily="2" charset="77"/>
+              <a:ea typeface="Palatino" pitchFamily="2" charset="77"/>
+            </a:endParaRPr>
+          </a:p>
+          <a:p>
+            <a:r>
+              <a:rPr lang="en-IT" dirty="0">
+                <a:solidFill>
+                  <a:schemeClr val="bg1">
+                    <a:lumMod val="50000"/>
+                  </a:schemeClr>
+                </a:solidFill>
+                <a:latin typeface="Palatino" pitchFamily="2" charset="77"/>
+                <a:ea typeface="Palatino" pitchFamily="2" charset="77"/>
+              </a:rPr>
+              <a:t>There are </a:t>
+            </a:r>
+            <a:r>
+              <a:rPr lang="en-IT" i="1" dirty="0">
+                <a:solidFill>
+                  <a:schemeClr val="bg1">
+                    <a:lumMod val="50000"/>
+                  </a:schemeClr>
+                </a:solidFill>
+                <a:latin typeface="Palatino" pitchFamily="2" charset="77"/>
+                <a:ea typeface="Palatino" pitchFamily="2" charset="77"/>
+              </a:rPr>
+              <a:t>50 buyers </a:t>
+            </a:r>
+            <a:r>
+              <a:rPr lang="en-IT" dirty="0">
+                <a:solidFill>
+                  <a:schemeClr val="bg1">
+                    <a:lumMod val="50000"/>
+                  </a:schemeClr>
+                </a:solidFill>
+                <a:latin typeface="Palatino" pitchFamily="2" charset="77"/>
+                <a:ea typeface="Palatino" pitchFamily="2" charset="77"/>
+              </a:rPr>
+              <a:t>per each product, each with valuations similarly to R1</a:t>
+            </a:r>
+          </a:p>
+          <a:p>
+            <a:endParaRPr lang="en-IT" sz="2400" dirty="0">
+              <a:latin typeface="Palatino" pitchFamily="2" charset="77"/>
+              <a:ea typeface="Palatino" pitchFamily="2" charset="77"/>
+            </a:endParaRPr>
+          </a:p>
+          <a:p>
+            <a:pPr>
+              <a:spcAft>
+                <a:spcPts val="1200"/>
+              </a:spcAft>
+            </a:pPr>
+            <a:r>
+              <a:rPr lang="en-IT" sz="2400" dirty="0">
+                <a:latin typeface="Palatino" pitchFamily="2" charset="77"/>
+                <a:ea typeface="Palatino" pitchFamily="2" charset="77"/>
+              </a:rPr>
+              <a:t>Changes</a:t>
+            </a:r>
+          </a:p>
+          <a:p>
+            <a:pPr>
+              <a:spcAft>
+                <a:spcPts val="1200"/>
+              </a:spcAft>
+            </a:pPr>
+            <a:r>
+              <a:rPr lang="en-IT" dirty="0">
+                <a:solidFill>
+                  <a:schemeClr val="bg1">
+                    <a:lumMod val="50000"/>
+                  </a:schemeClr>
+                </a:solidFill>
+                <a:latin typeface="Palatino" pitchFamily="2" charset="77"/>
+                <a:ea typeface="Palatino" pitchFamily="2" charset="77"/>
+              </a:rPr>
+              <a:t>We extended the environment to a multi-product environment, that is equivalent to N independent single-product environments</a:t>
+            </a:r>
+          </a:p>
+          <a:p>
+            <a:endParaRPr lang="en-IT" sz="2400" dirty="0">
+              <a:solidFill>
+                <a:schemeClr val="bg1">
+                  <a:lumMod val="50000"/>
+                </a:schemeClr>
+              </a:solidFill>
+              <a:latin typeface="Palatino" pitchFamily="2" charset="77"/>
+              <a:ea typeface="Palatino" pitchFamily="2" charset="77"/>
+            </a:endParaRPr>
+          </a:p>
+        </p:txBody>
+      </p:sp>
+    </p:spTree>
+    <p:extLst>
+      <p:ext uri="{BB962C8B-B14F-4D97-AF65-F5344CB8AC3E}">
+        <p14:creationId xmlns:p14="http://schemas.microsoft.com/office/powerpoint/2010/main" val="3124452071"/>
+      </p:ext>
+    </p:extLst>
+  </p:cSld>
+  <p:clrMapOvr>
+    <a:masterClrMapping/>
+  </p:clrMapOvr>
+</p:sld>
+</file>
+
+<file path=ppt/slides/slide23.xml><?xml version="1.0" encoding="utf-8"?>
+<p:sld xmlns:a="http://schemas.openxmlformats.org/drawingml/2006/main" xmlns:r="http://schemas.openxmlformats.org/officeDocument/2006/relationships" xmlns:p="http://schemas.openxmlformats.org/presentationml/2006/main">
+  <p:cSld>
+    <p:spTree>
+      <p:nvGrpSpPr>
+        <p:cNvPr id="1" name="">
+          <a:extLst>
+            <a:ext uri="{FF2B5EF4-FFF2-40B4-BE49-F238E27FC236}">
+              <a16:creationId xmlns:a16="http://schemas.microsoft.com/office/drawing/2014/main" id="{2FACD19F-D667-1176-B1D3-0A09DEDDAA33}"/>
+            </a:ext>
+          </a:extLst>
+        </p:cNvPr>
+        <p:cNvGrpSpPr/>
+        <p:nvPr/>
+      </p:nvGrpSpPr>
+      <p:grpSpPr>
+        <a:xfrm>
+          <a:off x="0" y="0"/>
+          <a:ext cx="0" cy="0"/>
+          <a:chOff x="0" y="0"/>
+          <a:chExt cx="0" cy="0"/>
+        </a:xfrm>
+      </p:grpSpPr>
+      <p:sp>
+        <p:nvSpPr>
+          <p:cNvPr id="2" name="Title 1">
+            <a:extLst>
+              <a:ext uri="{FF2B5EF4-FFF2-40B4-BE49-F238E27FC236}">
+                <a16:creationId xmlns:a16="http://schemas.microsoft.com/office/drawing/2014/main" id="{83FCFB76-DA18-65E8-EFDD-8C004E464004}"/>
+              </a:ext>
+            </a:extLst>
+          </p:cNvPr>
+          <p:cNvSpPr>
+            <a:spLocks noGrp="1"/>
+          </p:cNvSpPr>
+          <p:nvPr>
+            <p:ph type="title"/>
+          </p:nvPr>
+        </p:nvSpPr>
+        <p:spPr/>
+        <p:txBody>
+          <a:bodyPr/>
+          <a:lstStyle/>
+          <a:p>
+            <a:r>
+              <a:rPr lang="en-IT" dirty="0">
+                <a:latin typeface="Palatino" pitchFamily="2" charset="77"/>
+                <a:ea typeface="Palatino" pitchFamily="2" charset="77"/>
+              </a:rPr>
+              <a:t>Feedback</a:t>
+            </a:r>
+          </a:p>
+        </p:txBody>
+      </p:sp>
+      <p:sp>
+        <p:nvSpPr>
+          <p:cNvPr id="5" name="TextBox 4">
+            <a:extLst>
+              <a:ext uri="{FF2B5EF4-FFF2-40B4-BE49-F238E27FC236}">
+                <a16:creationId xmlns:a16="http://schemas.microsoft.com/office/drawing/2014/main" id="{20FD5E5F-34CB-A231-AD05-0FC956512054}"/>
+              </a:ext>
+            </a:extLst>
+          </p:cNvPr>
+          <p:cNvSpPr txBox="1"/>
+          <p:nvPr/>
+        </p:nvSpPr>
+        <p:spPr>
+          <a:xfrm>
+            <a:off x="838200" y="1690688"/>
+            <a:ext cx="8871857" cy="1169551"/>
+          </a:xfrm>
+          <a:prstGeom prst="rect">
+            <a:avLst/>
+          </a:prstGeom>
+          <a:noFill/>
+        </p:spPr>
+        <p:txBody>
+          <a:bodyPr wrap="square" rtlCol="0">
+            <a:spAutoFit/>
+          </a:bodyPr>
+          <a:lstStyle/>
+          <a:p>
+            <a:pPr>
+              <a:spcAft>
+                <a:spcPts val="1200"/>
+              </a:spcAft>
+            </a:pPr>
+            <a:r>
+              <a:rPr lang="en-IT" sz="2400" dirty="0">
+                <a:latin typeface="Palatino" pitchFamily="2" charset="77"/>
+                <a:ea typeface="Palatino" pitchFamily="2" charset="77"/>
+              </a:rPr>
+              <a:t>Assumptions</a:t>
+            </a:r>
+            <a:endParaRPr lang="en-IT" sz="1600" dirty="0">
+              <a:latin typeface="Palatino" pitchFamily="2" charset="77"/>
+              <a:ea typeface="Palatino" pitchFamily="2" charset="77"/>
+            </a:endParaRPr>
+          </a:p>
+          <a:p>
+            <a:r>
+              <a:rPr lang="en-IT" dirty="0">
+                <a:solidFill>
+                  <a:schemeClr val="bg1">
+                    <a:lumMod val="50000"/>
+                  </a:schemeClr>
+                </a:solidFill>
+                <a:latin typeface="Palatino" pitchFamily="2" charset="77"/>
+                <a:ea typeface="Palatino" pitchFamily="2" charset="77"/>
+              </a:rPr>
+              <a:t>The environment returns the </a:t>
+            </a:r>
+            <a:r>
+              <a:rPr lang="en-IT" i="1" dirty="0">
+                <a:solidFill>
+                  <a:schemeClr val="bg1">
+                    <a:lumMod val="50000"/>
+                  </a:schemeClr>
+                </a:solidFill>
+                <a:latin typeface="Palatino" pitchFamily="2" charset="77"/>
+                <a:ea typeface="Palatino" pitchFamily="2" charset="77"/>
+              </a:rPr>
+              <a:t>number of sales per product </a:t>
+            </a:r>
+            <a:r>
+              <a:rPr lang="en-IT" dirty="0">
+                <a:solidFill>
+                  <a:schemeClr val="bg1">
+                    <a:lumMod val="50000"/>
+                  </a:schemeClr>
+                </a:solidFill>
+                <a:latin typeface="Palatino" pitchFamily="2" charset="77"/>
+                <a:ea typeface="Palatino" pitchFamily="2" charset="77"/>
+              </a:rPr>
+              <a:t>and the </a:t>
+            </a:r>
+            <a:r>
+              <a:rPr lang="en-IT" i="1" dirty="0">
+                <a:solidFill>
+                  <a:schemeClr val="bg1">
+                    <a:lumMod val="50000"/>
+                  </a:schemeClr>
+                </a:solidFill>
+                <a:latin typeface="Palatino" pitchFamily="2" charset="77"/>
+                <a:ea typeface="Palatino" pitchFamily="2" charset="77"/>
+              </a:rPr>
+              <a:t>reward per product</a:t>
+            </a:r>
+            <a:r>
+              <a:rPr lang="en-IT" dirty="0">
+                <a:solidFill>
+                  <a:schemeClr val="bg1">
+                    <a:lumMod val="50000"/>
+                  </a:schemeClr>
+                </a:solidFill>
+                <a:latin typeface="Palatino" pitchFamily="2" charset="77"/>
+                <a:ea typeface="Palatino" pitchFamily="2" charset="77"/>
+              </a:rPr>
+              <a:t>, along with the </a:t>
+            </a:r>
+            <a:r>
+              <a:rPr lang="en-IT" i="1" dirty="0">
+                <a:solidFill>
+                  <a:schemeClr val="bg1">
+                    <a:lumMod val="50000"/>
+                  </a:schemeClr>
+                </a:solidFill>
+                <a:latin typeface="Palatino" pitchFamily="2" charset="77"/>
+                <a:ea typeface="Palatino" pitchFamily="2" charset="77"/>
+              </a:rPr>
+              <a:t>total reward</a:t>
+            </a:r>
+          </a:p>
+        </p:txBody>
+      </p:sp>
+    </p:spTree>
+    <p:extLst>
+      <p:ext uri="{BB962C8B-B14F-4D97-AF65-F5344CB8AC3E}">
+        <p14:creationId xmlns:p14="http://schemas.microsoft.com/office/powerpoint/2010/main" val="682064687"/>
+      </p:ext>
+    </p:extLst>
+  </p:cSld>
+  <p:clrMapOvr>
+    <a:masterClrMapping/>
+  </p:clrMapOvr>
+</p:sld>
+</file>
+
+<file path=ppt/slides/slide24.xml><?xml version="1.0" encoding="utf-8"?>
+<p:sld xmlns:a="http://schemas.openxmlformats.org/drawingml/2006/main" xmlns:r="http://schemas.openxmlformats.org/officeDocument/2006/relationships" xmlns:p="http://schemas.openxmlformats.org/presentationml/2006/main">
+  <p:cSld>
+    <p:spTree>
+      <p:nvGrpSpPr>
+        <p:cNvPr id="1" name="">
+          <a:extLst>
+            <a:ext uri="{FF2B5EF4-FFF2-40B4-BE49-F238E27FC236}">
+              <a16:creationId xmlns:a16="http://schemas.microsoft.com/office/drawing/2014/main" id="{33DF982F-ECEE-8F13-30C3-4DB9A2C0B2F1}"/>
+            </a:ext>
+          </a:extLst>
+        </p:cNvPr>
+        <p:cNvGrpSpPr/>
+        <p:nvPr/>
+      </p:nvGrpSpPr>
+      <p:grpSpPr>
+        <a:xfrm>
+          <a:off x="0" y="0"/>
+          <a:ext cx="0" cy="0"/>
+          <a:chOff x="0" y="0"/>
+          <a:chExt cx="0" cy="0"/>
+        </a:xfrm>
+      </p:grpSpPr>
+      <p:sp>
+        <p:nvSpPr>
+          <p:cNvPr id="2" name="Title 1">
+            <a:extLst>
+              <a:ext uri="{FF2B5EF4-FFF2-40B4-BE49-F238E27FC236}">
+                <a16:creationId xmlns:a16="http://schemas.microsoft.com/office/drawing/2014/main" id="{DF57348D-881D-3E02-703F-0D79E500D06D}"/>
+              </a:ext>
+            </a:extLst>
+          </p:cNvPr>
+          <p:cNvSpPr>
+            <a:spLocks noGrp="1"/>
+          </p:cNvSpPr>
+          <p:nvPr>
+            <p:ph type="title"/>
+          </p:nvPr>
+        </p:nvSpPr>
+        <p:spPr/>
+        <p:txBody>
+          <a:bodyPr/>
+          <a:lstStyle/>
+          <a:p>
+            <a:r>
+              <a:rPr lang="en-IT" dirty="0">
+                <a:latin typeface="Palatino" pitchFamily="2" charset="77"/>
+                <a:ea typeface="Palatino" pitchFamily="2" charset="77"/>
+              </a:rPr>
+              <a:t>Strategy</a:t>
+            </a:r>
+          </a:p>
+        </p:txBody>
+      </p:sp>
+      <p:sp>
+        <p:nvSpPr>
+          <p:cNvPr id="3" name="Content Placeholder 2">
+            <a:extLst>
+              <a:ext uri="{FF2B5EF4-FFF2-40B4-BE49-F238E27FC236}">
+                <a16:creationId xmlns:a16="http://schemas.microsoft.com/office/drawing/2014/main" id="{9AD61C98-A0F3-8623-53B4-B947A5CB0E3D}"/>
+              </a:ext>
+            </a:extLst>
+          </p:cNvPr>
+          <p:cNvSpPr>
+            <a:spLocks noGrp="1"/>
+          </p:cNvSpPr>
+          <p:nvPr>
+            <p:ph idx="1"/>
+          </p:nvPr>
+        </p:nvSpPr>
+        <p:spPr>
+          <a:xfrm>
+            <a:off x="838199" y="1668322"/>
+            <a:ext cx="10850697" cy="4368921"/>
+          </a:xfrm>
+        </p:spPr>
+        <p:txBody>
+          <a:bodyPr>
+            <a:noAutofit/>
+          </a:bodyPr>
+          <a:lstStyle/>
+          <a:p>
+            <a:pPr marL="0" indent="0">
+              <a:spcBef>
+                <a:spcPts val="0"/>
+              </a:spcBef>
+              <a:spcAft>
+                <a:spcPts val="1200"/>
+              </a:spcAft>
+              <a:buNone/>
+            </a:pPr>
+            <a:r>
+              <a:rPr lang="en-GB" sz="2400">
+                <a:latin typeface="Palatino" pitchFamily="2" charset="77"/>
+                <a:ea typeface="Palatino" pitchFamily="2" charset="77"/>
+              </a:rPr>
+              <a:t>Estimation</a:t>
+            </a:r>
+          </a:p>
+          <a:p>
+            <a:pPr marL="0" indent="0">
+              <a:spcBef>
+                <a:spcPts val="0"/>
+              </a:spcBef>
+              <a:spcAft>
+                <a:spcPts val="1200"/>
+              </a:spcAft>
+              <a:buNone/>
+            </a:pPr>
+            <a:endParaRPr lang="en-GB" sz="1600" dirty="0">
+              <a:latin typeface="Palatino" pitchFamily="2" charset="77"/>
+              <a:ea typeface="Palatino" pitchFamily="2" charset="77"/>
+            </a:endParaRPr>
+          </a:p>
+          <a:p>
+            <a:pPr marL="0" indent="0">
+              <a:spcBef>
+                <a:spcPts val="0"/>
+              </a:spcBef>
+              <a:spcAft>
+                <a:spcPts val="1200"/>
+              </a:spcAft>
+              <a:buNone/>
+            </a:pPr>
+            <a:r>
+              <a:rPr lang="en-GB" sz="2400" dirty="0">
+                <a:latin typeface="Palatino" pitchFamily="2" charset="77"/>
+                <a:ea typeface="Palatino" pitchFamily="2" charset="77"/>
+              </a:rPr>
+              <a:t>Decision</a:t>
+            </a:r>
+          </a:p>
+          <a:p>
+            <a:pPr marL="0" indent="0">
+              <a:spcBef>
+                <a:spcPts val="0"/>
+              </a:spcBef>
+              <a:spcAft>
+                <a:spcPts val="1200"/>
+              </a:spcAft>
+              <a:buNone/>
+            </a:pPr>
+            <a:endParaRPr lang="en-IT" sz="1200" dirty="0">
+              <a:solidFill>
+                <a:schemeClr val="bg1">
+                  <a:lumMod val="50000"/>
+                </a:schemeClr>
+              </a:solidFill>
+              <a:latin typeface="Palatino" pitchFamily="2" charset="77"/>
+              <a:ea typeface="Palatino" pitchFamily="2" charset="77"/>
+            </a:endParaRPr>
+          </a:p>
+        </p:txBody>
+      </p:sp>
+    </p:spTree>
+    <p:extLst>
+      <p:ext uri="{BB962C8B-B14F-4D97-AF65-F5344CB8AC3E}">
+        <p14:creationId xmlns:p14="http://schemas.microsoft.com/office/powerpoint/2010/main" val="2316898954"/>
+      </p:ext>
+    </p:extLst>
+  </p:cSld>
+  <p:clrMapOvr>
+    <a:masterClrMapping/>
+  </p:clrMapOvr>
+</p:sld>
+</file>
+
+<file path=ppt/slides/slide25.xml><?xml version="1.0" encoding="utf-8"?>
+<p:sld xmlns:a="http://schemas.openxmlformats.org/drawingml/2006/main" xmlns:r="http://schemas.openxmlformats.org/officeDocument/2006/relationships" xmlns:p="http://schemas.openxmlformats.org/presentationml/2006/main">
+  <p:cSld>
+    <p:spTree>
+      <p:nvGrpSpPr>
+        <p:cNvPr id="1" name="">
+          <a:extLst>
+            <a:ext uri="{FF2B5EF4-FFF2-40B4-BE49-F238E27FC236}">
+              <a16:creationId xmlns:a16="http://schemas.microsoft.com/office/drawing/2014/main" id="{814FD57A-30F1-243E-E03F-E2F6F1D3B304}"/>
+            </a:ext>
+          </a:extLst>
+        </p:cNvPr>
+        <p:cNvGrpSpPr/>
+        <p:nvPr/>
+      </p:nvGrpSpPr>
+      <p:grpSpPr>
+        <a:xfrm>
+          <a:off x="0" y="0"/>
+          <a:ext cx="0" cy="0"/>
+          <a:chOff x="0" y="0"/>
+          <a:chExt cx="0" cy="0"/>
+        </a:xfrm>
+      </p:grpSpPr>
+      <p:sp>
+        <p:nvSpPr>
+          <p:cNvPr id="2" name="Title 1">
+            <a:extLst>
+              <a:ext uri="{FF2B5EF4-FFF2-40B4-BE49-F238E27FC236}">
+                <a16:creationId xmlns:a16="http://schemas.microsoft.com/office/drawing/2014/main" id="{8A70F0DC-94E3-E287-90E3-6ABA304D70B0}"/>
+              </a:ext>
+            </a:extLst>
+          </p:cNvPr>
+          <p:cNvSpPr>
+            <a:spLocks noGrp="1"/>
+          </p:cNvSpPr>
+          <p:nvPr>
+            <p:ph type="title"/>
+          </p:nvPr>
+        </p:nvSpPr>
+        <p:spPr/>
+        <p:txBody>
+          <a:bodyPr/>
+          <a:lstStyle/>
+          <a:p>
+            <a:r>
+              <a:rPr lang="en-IT" dirty="0">
+                <a:latin typeface="Palatino" pitchFamily="2" charset="77"/>
+                <a:ea typeface="Palatino" pitchFamily="2" charset="77"/>
+              </a:rPr>
+              <a:t>Strategy</a:t>
+            </a:r>
+          </a:p>
+        </p:txBody>
+      </p:sp>
+      <p:sp>
+        <p:nvSpPr>
+          <p:cNvPr id="3" name="Content Placeholder 2">
+            <a:extLst>
+              <a:ext uri="{FF2B5EF4-FFF2-40B4-BE49-F238E27FC236}">
+                <a16:creationId xmlns:a16="http://schemas.microsoft.com/office/drawing/2014/main" id="{0EDF4CDC-3BA4-9658-08D2-D583319A135B}"/>
+              </a:ext>
+            </a:extLst>
+          </p:cNvPr>
+          <p:cNvSpPr>
+            <a:spLocks noGrp="1"/>
+          </p:cNvSpPr>
+          <p:nvPr>
+            <p:ph idx="1"/>
+          </p:nvPr>
+        </p:nvSpPr>
+        <p:spPr>
+          <a:xfrm>
+            <a:off x="838200" y="1668322"/>
+            <a:ext cx="8816163" cy="3254552"/>
+          </a:xfrm>
+        </p:spPr>
+        <p:txBody>
+          <a:bodyPr>
+            <a:noAutofit/>
+          </a:bodyPr>
+          <a:lstStyle/>
+          <a:p>
+            <a:pPr marL="0" indent="0">
+              <a:spcBef>
+                <a:spcPts val="0"/>
+              </a:spcBef>
+              <a:spcAft>
+                <a:spcPts val="1200"/>
+              </a:spcAft>
+              <a:buNone/>
+            </a:pPr>
+            <a:r>
+              <a:rPr lang="it-IT" sz="2400" dirty="0">
+                <a:latin typeface="Palatino" pitchFamily="2" charset="77"/>
+                <a:ea typeface="Palatino" pitchFamily="2" charset="77"/>
+              </a:rPr>
+              <a:t>Idea</a:t>
+            </a:r>
+          </a:p>
+        </p:txBody>
+      </p:sp>
+    </p:spTree>
+    <p:extLst>
+      <p:ext uri="{BB962C8B-B14F-4D97-AF65-F5344CB8AC3E}">
+        <p14:creationId xmlns:p14="http://schemas.microsoft.com/office/powerpoint/2010/main" val="2926944955"/>
       </p:ext>
     </p:extLst>
   </p:cSld>
@@ -8509,7 +10492,7 @@
         <p:spPr>
           <a:xfrm>
             <a:off x="838200" y="1690688"/>
-            <a:ext cx="10786242" cy="923330"/>
+            <a:ext cx="10786242" cy="2323713"/>
           </a:xfrm>
           <a:prstGeom prst="rect">
             <a:avLst/>
@@ -8540,6 +10523,11 @@
             </a:endParaRPr>
           </a:p>
           <a:p>
+            <a:pPr>
+              <a:spcAft>
+                <a:spcPts val="600"/>
+              </a:spcAft>
+            </a:pPr>
             <a:r>
               <a:rPr lang="en-IT" dirty="0">
                 <a:solidFill>
@@ -8550,7 +10538,7 @@
                 <a:latin typeface="Palatino" pitchFamily="2" charset="77"/>
                 <a:ea typeface="Palatino" pitchFamily="2" charset="77"/>
               </a:rPr>
-              <a:t>We assume </a:t>
+              <a:t>The environment returns the </a:t>
             </a:r>
             <a:r>
               <a:rPr lang="en-IT" i="1" dirty="0">
@@ -8562,7 +10550,127 @@
                 <a:latin typeface="Palatino" pitchFamily="2" charset="77"/>
                 <a:ea typeface="Palatino" pitchFamily="2" charset="77"/>
               </a:rPr>
-              <a:t>bandit feedback</a:t>
+              <a:t>number of sales </a:t>
+            </a:r>
+            <a:r>
+              <a:rPr lang="en-IT" dirty="0">
+                <a:solidFill>
+                  <a:schemeClr val="bg1">
+                    <a:lumMod val="50000"/>
+                  </a:schemeClr>
+                </a:solidFill>
+                <a:latin typeface="Palatino" pitchFamily="2" charset="77"/>
+                <a:ea typeface="Palatino" pitchFamily="2" charset="77"/>
+              </a:rPr>
+              <a:t>along with the </a:t>
+            </a:r>
+            <a:r>
+              <a:rPr lang="en-IT" i="1" dirty="0">
+                <a:solidFill>
+                  <a:schemeClr val="bg1">
+                    <a:lumMod val="50000"/>
+                  </a:schemeClr>
+                </a:solidFill>
+                <a:latin typeface="Palatino" pitchFamily="2" charset="77"/>
+                <a:ea typeface="Palatino" pitchFamily="2" charset="77"/>
+              </a:rPr>
+              <a:t>reward</a:t>
+            </a:r>
+          </a:p>
+          <a:p>
+            <a:pPr>
+              <a:spcAft>
+                <a:spcPts val="600"/>
+              </a:spcAft>
+            </a:pPr>
+            <a:endParaRPr lang="en-IT" i="1" dirty="0">
+              <a:solidFill>
+                <a:schemeClr val="bg1">
+                  <a:lumMod val="50000"/>
+                </a:schemeClr>
+              </a:solidFill>
+              <a:latin typeface="Palatino" pitchFamily="2" charset="77"/>
+              <a:ea typeface="Palatino" pitchFamily="2" charset="77"/>
+            </a:endParaRPr>
+          </a:p>
+          <a:p>
+            <a:pPr>
+              <a:spcAft>
+                <a:spcPts val="600"/>
+              </a:spcAft>
+            </a:pPr>
+            <a:r>
+              <a:rPr lang="en-IT" sz="2400" dirty="0">
+                <a:latin typeface="Palatino" pitchFamily="2" charset="77"/>
+                <a:ea typeface="Palatino" pitchFamily="2" charset="77"/>
+              </a:rPr>
+              <a:t>Reward range</a:t>
+            </a:r>
+          </a:p>
+          <a:p>
+            <a:pPr>
+              <a:spcAft>
+                <a:spcPts val="600"/>
+              </a:spcAft>
+            </a:pPr>
+            <a:r>
+              <a:rPr lang="en-IT" dirty="0">
+                <a:solidFill>
+                  <a:schemeClr val="bg1">
+                    <a:lumMod val="50000"/>
+                  </a:schemeClr>
+                </a:solidFill>
+                <a:latin typeface="Palatino" pitchFamily="2" charset="77"/>
+                <a:ea typeface="Palatino" pitchFamily="2" charset="77"/>
+              </a:rPr>
+              <a:t>We </a:t>
+            </a:r>
+            <a:r>
+              <a:rPr lang="en-IT" i="1" dirty="0">
+                <a:solidFill>
+                  <a:schemeClr val="bg1">
+                    <a:lumMod val="50000"/>
+                  </a:schemeClr>
+                </a:solidFill>
+                <a:latin typeface="Palatino" pitchFamily="2" charset="77"/>
+                <a:ea typeface="Palatino" pitchFamily="2" charset="77"/>
+              </a:rPr>
+              <a:t>did not normalize the reward</a:t>
+            </a:r>
+            <a:r>
+              <a:rPr lang="en-IT" dirty="0">
+                <a:solidFill>
+                  <a:schemeClr val="bg1">
+                    <a:lumMod val="50000"/>
+                  </a:schemeClr>
+                </a:solidFill>
+                <a:latin typeface="Palatino" pitchFamily="2" charset="77"/>
+                <a:ea typeface="Palatino" pitchFamily="2" charset="77"/>
+              </a:rPr>
+              <a:t> into [0, 1] interval</a:t>
+            </a:r>
+            <a:br>
+              <a:rPr lang="en-IT" dirty="0">
+                <a:solidFill>
+                  <a:schemeClr val="bg1">
+                    <a:lumMod val="50000"/>
+                  </a:schemeClr>
+                </a:solidFill>
+                <a:latin typeface="Palatino" pitchFamily="2" charset="77"/>
+                <a:ea typeface="Palatino" pitchFamily="2" charset="77"/>
+              </a:rPr>
+            </a:br>
+            <a:r>
+              <a:rPr lang="en-IT" sz="1400" dirty="0">
+                <a:solidFill>
+                  <a:schemeClr val="bg1">
+                    <a:lumMod val="50000"/>
+                  </a:schemeClr>
+                </a:solidFill>
+                <a:latin typeface="Palatino" pitchFamily="2" charset="77"/>
+                <a:ea typeface="Palatino" pitchFamily="2" charset="77"/>
+              </a:rPr>
+              <a:t>That implies adjusting the confidence bounds accordingly</a:t>
             </a:r>
             <a:endParaRPr lang="en-IT" dirty="0">
               <a:solidFill>
@@ -8996,18 +11104,15 @@
               </a:rPr>
               <a:t>pseudo-regret</a:t>
             </a:r>
-            <a:r>
-              <a:rPr lang="en-IT" sz="1800" dirty="0">
-                <a:solidFill>
-                  <a:schemeClr val="bg1">
-                    <a:lumMod val="50000"/>
-                  </a:schemeClr>
-                </a:solidFill>
-                <a:latin typeface="Palatino" pitchFamily="2" charset="77"/>
-                <a:ea typeface="Palatino" pitchFamily="2" charset="77"/>
-              </a:rPr>
-              <a:t>.</a:t>
-            </a:r>
+            <a:endParaRPr lang="en-IT" sz="1800" dirty="0">
+              <a:solidFill>
+                <a:schemeClr val="bg1">
+                  <a:lumMod val="50000"/>
+                </a:schemeClr>
+              </a:solidFill>
+              <a:latin typeface="Palatino" pitchFamily="2" charset="77"/>
+              <a:ea typeface="Palatino" pitchFamily="2" charset="77"/>
+            </a:endParaRPr>
           </a:p>
         </p:txBody>
       </p:sp>
@@ -9192,7 +11297,7 @@
                 <a:latin typeface="Palatino" pitchFamily="2" charset="77"/>
                 <a:ea typeface="Palatino" pitchFamily="2" charset="77"/>
               </a:rPr>
-              <a:t>Here we plot instantaneous regret for UCB1 and Follow the Leader. They’re the same… Almost.</a:t>
+              <a:t>Here we plot instantaneous regret for UCB1 and Follow the Leader. They’re the same… Almost</a:t>
             </a:r>
           </a:p>
         </p:txBody>

--- a/Slides.pptx
+++ b/Slides.pptx
@@ -5,7 +5,7 @@
     <p:sldMasterId id="2147483648" r:id="rId1"/>
   </p:sldMasterIdLst>
   <p:notesMasterIdLst>
-    <p:notesMasterId r:id="rId27"/>
+    <p:notesMasterId r:id="rId33"/>
   </p:notesMasterIdLst>
   <p:sldIdLst>
     <p:sldId id="256" r:id="rId2"/>
@@ -33,6 +33,12 @@
     <p:sldId id="281" r:id="rId24"/>
     <p:sldId id="284" r:id="rId25"/>
     <p:sldId id="285" r:id="rId26"/>
+    <p:sldId id="286" r:id="rId27"/>
+    <p:sldId id="289" r:id="rId28"/>
+    <p:sldId id="290" r:id="rId29"/>
+    <p:sldId id="291" r:id="rId30"/>
+    <p:sldId id="293" r:id="rId31"/>
+    <p:sldId id="294" r:id="rId32"/>
   </p:sldIdLst>
   <p:sldSz cx="12192000" cy="6858000"/>
   <p:notesSz cx="6858000" cy="9144000"/>
@@ -161,6 +167,12 @@
             <p14:sldId id="281"/>
             <p14:sldId id="284"/>
             <p14:sldId id="285"/>
+            <p14:sldId id="286"/>
+            <p14:sldId id="289"/>
+            <p14:sldId id="290"/>
+            <p14:sldId id="291"/>
+            <p14:sldId id="293"/>
+            <p14:sldId id="294"/>
           </p14:sldIdLst>
         </p14:section>
       </p14:sectionLst>
@@ -254,7 +266,7 @@
           <a:p>
             <a:fld id="{AC7579C4-827E-8D48-847E-604DD0DCC39D}" type="datetimeFigureOut">
               <a:rPr lang="en-IT" smtClean="0"/>
-              <a:t>07/07/25</a:t>
+              <a:t>08/07/25</a:t>
             </a:fld>
             <a:endParaRPr lang="en-IT"/>
           </a:p>
@@ -1511,7 +1523,7 @@
           <a:p>
             <a:fld id="{BAAB3F1A-52E2-1844-9591-9C5D5672B009}" type="datetimeFigureOut">
               <a:rPr lang="en-IT" smtClean="0"/>
-              <a:t>07/07/25</a:t>
+              <a:t>08/07/25</a:t>
             </a:fld>
             <a:endParaRPr lang="en-IT"/>
           </a:p>
@@ -1711,7 +1723,7 @@
           <a:p>
             <a:fld id="{BAAB3F1A-52E2-1844-9591-9C5D5672B009}" type="datetimeFigureOut">
               <a:rPr lang="en-IT" smtClean="0"/>
-              <a:t>07/07/25</a:t>
+              <a:t>08/07/25</a:t>
             </a:fld>
             <a:endParaRPr lang="en-IT"/>
           </a:p>
@@ -1921,7 +1933,7 @@
           <a:p>
             <a:fld id="{BAAB3F1A-52E2-1844-9591-9C5D5672B009}" type="datetimeFigureOut">
               <a:rPr lang="en-IT" smtClean="0"/>
-              <a:t>07/07/25</a:t>
+              <a:t>08/07/25</a:t>
             </a:fld>
             <a:endParaRPr lang="en-IT"/>
           </a:p>
@@ -2121,7 +2133,7 @@
           <a:p>
             <a:fld id="{BAAB3F1A-52E2-1844-9591-9C5D5672B009}" type="datetimeFigureOut">
               <a:rPr lang="en-IT" smtClean="0"/>
-              <a:t>07/07/25</a:t>
+              <a:t>08/07/25</a:t>
             </a:fld>
             <a:endParaRPr lang="en-IT"/>
           </a:p>
@@ -2397,7 +2409,7 @@
           <a:p>
             <a:fld id="{BAAB3F1A-52E2-1844-9591-9C5D5672B009}" type="datetimeFigureOut">
               <a:rPr lang="en-IT" smtClean="0"/>
-              <a:t>07/07/25</a:t>
+              <a:t>08/07/25</a:t>
             </a:fld>
             <a:endParaRPr lang="en-IT"/>
           </a:p>
@@ -2665,7 +2677,7 @@
           <a:p>
             <a:fld id="{BAAB3F1A-52E2-1844-9591-9C5D5672B009}" type="datetimeFigureOut">
               <a:rPr lang="en-IT" smtClean="0"/>
-              <a:t>07/07/25</a:t>
+              <a:t>08/07/25</a:t>
             </a:fld>
             <a:endParaRPr lang="en-IT"/>
           </a:p>
@@ -3080,7 +3092,7 @@
           <a:p>
             <a:fld id="{BAAB3F1A-52E2-1844-9591-9C5D5672B009}" type="datetimeFigureOut">
               <a:rPr lang="en-IT" smtClean="0"/>
-              <a:t>07/07/25</a:t>
+              <a:t>08/07/25</a:t>
             </a:fld>
             <a:endParaRPr lang="en-IT"/>
           </a:p>
@@ -3222,7 +3234,7 @@
           <a:p>
             <a:fld id="{BAAB3F1A-52E2-1844-9591-9C5D5672B009}" type="datetimeFigureOut">
               <a:rPr lang="en-IT" smtClean="0"/>
-              <a:t>07/07/25</a:t>
+              <a:t>08/07/25</a:t>
             </a:fld>
             <a:endParaRPr lang="en-IT"/>
           </a:p>
@@ -3335,7 +3347,7 @@
           <a:p>
             <a:fld id="{BAAB3F1A-52E2-1844-9591-9C5D5672B009}" type="datetimeFigureOut">
               <a:rPr lang="en-IT" smtClean="0"/>
-              <a:t>07/07/25</a:t>
+              <a:t>08/07/25</a:t>
             </a:fld>
             <a:endParaRPr lang="en-IT"/>
           </a:p>
@@ -3648,7 +3660,7 @@
           <a:p>
             <a:fld id="{BAAB3F1A-52E2-1844-9591-9C5D5672B009}" type="datetimeFigureOut">
               <a:rPr lang="en-IT" smtClean="0"/>
-              <a:t>07/07/25</a:t>
+              <a:t>08/07/25</a:t>
             </a:fld>
             <a:endParaRPr lang="en-IT"/>
           </a:p>
@@ -3937,7 +3949,7 @@
           <a:p>
             <a:fld id="{BAAB3F1A-52E2-1844-9591-9C5D5672B009}" type="datetimeFigureOut">
               <a:rPr lang="en-IT" smtClean="0"/>
-              <a:t>07/07/25</a:t>
+              <a:t>08/07/25</a:t>
             </a:fld>
             <a:endParaRPr lang="en-IT"/>
           </a:p>
@@ -4180,7 +4192,7 @@
           <a:p>
             <a:fld id="{BAAB3F1A-52E2-1844-9591-9C5D5672B009}" type="datetimeFigureOut">
               <a:rPr lang="en-IT" smtClean="0"/>
-              <a:t>07/07/25</a:t>
+              <a:t>08/07/25</a:t>
             </a:fld>
             <a:endParaRPr lang="en-IT"/>
           </a:p>
@@ -5056,8 +5068,8 @@
           </a:p>
         </p:txBody>
       </p:sp>
-      <mc:AlternateContent xmlns:mc="http://schemas.openxmlformats.org/markup-compatibility/2006" xmlns:a14="http://schemas.microsoft.com/office/drawing/2010/main">
-        <mc:Choice Requires="a14">
+      <mc:AlternateContent xmlns:mc="http://schemas.openxmlformats.org/markup-compatibility/2006">
+        <mc:Choice xmlns:a14="http://schemas.microsoft.com/office/drawing/2010/main" Requires="a14">
           <p:sp>
             <p:nvSpPr>
               <p:cNvPr id="3" name="Content Placeholder 2">
@@ -5119,8 +5131,120 @@
                     <a:latin typeface="Palatino" pitchFamily="2" charset="77"/>
                     <a:ea typeface="Palatino" pitchFamily="2" charset="77"/>
                   </a:rPr>
-                  <a:t>Upper confidence bounds (UCB) on the expected rewards</a:t>
+                  <a:t>Upper Confidence Bounds (UCB) on the expected rewards </a:t>
                 </a:r>
+                <a14:m>
+                  <m:oMath xmlns:m="http://schemas.openxmlformats.org/officeDocument/2006/math">
+                    <m:r>
+                      <a:rPr lang="en-GB" sz="1800" i="1">
+                        <a:solidFill>
+                          <a:schemeClr val="bg1">
+                            <a:lumMod val="50000"/>
+                          </a:schemeClr>
+                        </a:solidFill>
+                        <a:latin typeface="Cambria Math" panose="02040503050406030204" pitchFamily="18" charset="0"/>
+                        <a:ea typeface="Cambria Math" panose="02040503050406030204" pitchFamily="18" charset="0"/>
+                      </a:rPr>
+                      <m:t>∀</m:t>
+                    </m:r>
+                    <m:r>
+                      <a:rPr lang="it-IT" sz="1800" i="1">
+                        <a:solidFill>
+                          <a:schemeClr val="bg1">
+                            <a:lumMod val="50000"/>
+                          </a:schemeClr>
+                        </a:solidFill>
+                        <a:latin typeface="Cambria Math" panose="02040503050406030204" pitchFamily="18" charset="0"/>
+                        <a:ea typeface="Cambria Math" panose="02040503050406030204" pitchFamily="18" charset="0"/>
+                      </a:rPr>
+                      <m:t>𝑎</m:t>
+                    </m:r>
+                    <m:r>
+                      <a:rPr lang="it-IT" sz="1800" i="1">
+                        <a:solidFill>
+                          <a:schemeClr val="bg1">
+                            <a:lumMod val="50000"/>
+                          </a:schemeClr>
+                        </a:solidFill>
+                        <a:latin typeface="Cambria Math" panose="02040503050406030204" pitchFamily="18" charset="0"/>
+                        <a:ea typeface="Cambria Math" panose="02040503050406030204" pitchFamily="18" charset="0"/>
+                      </a:rPr>
+                      <m:t>∈</m:t>
+                    </m:r>
+                    <m:r>
+                      <a:rPr lang="it-IT" sz="1800" i="1">
+                        <a:solidFill>
+                          <a:schemeClr val="bg1">
+                            <a:lumMod val="50000"/>
+                          </a:schemeClr>
+                        </a:solidFill>
+                        <a:latin typeface="Cambria Math" panose="02040503050406030204" pitchFamily="18" charset="0"/>
+                        <a:ea typeface="Cambria Math" panose="02040503050406030204" pitchFamily="18" charset="0"/>
+                      </a:rPr>
+                      <m:t>𝐴</m:t>
+                    </m:r>
+                    <m:r>
+                      <a:rPr lang="it-IT" sz="1800">
+                        <a:solidFill>
+                          <a:schemeClr val="bg1">
+                            <a:lumMod val="50000"/>
+                          </a:schemeClr>
+                        </a:solidFill>
+                        <a:latin typeface="Cambria Math" panose="02040503050406030204" pitchFamily="18" charset="0"/>
+                        <a:ea typeface="Cambria Math" panose="02040503050406030204" pitchFamily="18" charset="0"/>
+                      </a:rPr>
+                      <m:t>, </m:t>
+                    </m:r>
+                    <m:r>
+                      <m:rPr>
+                        <m:sty m:val="p"/>
+                      </m:rPr>
+                      <a:rPr lang="it-IT" sz="1800">
+                        <a:solidFill>
+                          <a:schemeClr val="bg1">
+                            <a:lumMod val="50000"/>
+                          </a:schemeClr>
+                        </a:solidFill>
+                        <a:latin typeface="Cambria Math" panose="02040503050406030204" pitchFamily="18" charset="0"/>
+                        <a:ea typeface="Cambria Math" panose="02040503050406030204" pitchFamily="18" charset="0"/>
+                      </a:rPr>
+                      <m:t>p</m:t>
+                    </m:r>
+                    <m:r>
+                      <a:rPr lang="it-IT" sz="1800" i="1">
+                        <a:solidFill>
+                          <a:schemeClr val="bg1">
+                            <a:lumMod val="50000"/>
+                          </a:schemeClr>
+                        </a:solidFill>
+                        <a:latin typeface="Cambria Math" panose="02040503050406030204" pitchFamily="18" charset="0"/>
+                        <a:ea typeface="Cambria Math" panose="02040503050406030204" pitchFamily="18" charset="0"/>
+                      </a:rPr>
+                      <m:t>∈</m:t>
+                    </m:r>
+                    <m:r>
+                      <a:rPr lang="it-IT" sz="1800" i="1">
+                        <a:solidFill>
+                          <a:schemeClr val="bg1">
+                            <a:lumMod val="50000"/>
+                          </a:schemeClr>
+                        </a:solidFill>
+                        <a:latin typeface="Cambria Math" panose="02040503050406030204" pitchFamily="18" charset="0"/>
+                        <a:ea typeface="Cambria Math" panose="02040503050406030204" pitchFamily="18" charset="0"/>
+                      </a:rPr>
+                      <m:t>𝑃𝑖</m:t>
+                    </m:r>
+                  </m:oMath>
+                </a14:m>
+                <a:endParaRPr lang="en-GB" sz="1800" dirty="0">
+                  <a:solidFill>
+                    <a:schemeClr val="bg1">
+                      <a:lumMod val="50000"/>
+                    </a:schemeClr>
+                  </a:solidFill>
+                  <a:latin typeface="Palatino" pitchFamily="2" charset="77"/>
+                  <a:ea typeface="Palatino" pitchFamily="2" charset="77"/>
+                </a:endParaRPr>
               </a:p>
               <a:p>
                 <a:pPr>
@@ -5138,8 +5262,120 @@
                     <a:latin typeface="Palatino" pitchFamily="2" charset="77"/>
                     <a:ea typeface="Palatino" pitchFamily="2" charset="77"/>
                   </a:rPr>
-                  <a:t>Lower confidence bounds (LCB) on the expected consumptions – number of sold units</a:t>
+                  <a:t>Lower Confidence Bounds (LCB) on the expected number of sold units </a:t>
                 </a:r>
+                <a14:m>
+                  <m:oMath xmlns:m="http://schemas.openxmlformats.org/officeDocument/2006/math">
+                    <m:r>
+                      <a:rPr lang="en-GB" sz="1800" i="1">
+                        <a:solidFill>
+                          <a:schemeClr val="bg1">
+                            <a:lumMod val="50000"/>
+                          </a:schemeClr>
+                        </a:solidFill>
+                        <a:latin typeface="Cambria Math" panose="02040503050406030204" pitchFamily="18" charset="0"/>
+                        <a:ea typeface="Cambria Math" panose="02040503050406030204" pitchFamily="18" charset="0"/>
+                      </a:rPr>
+                      <m:t>∀</m:t>
+                    </m:r>
+                    <m:r>
+                      <a:rPr lang="it-IT" sz="1800" i="1">
+                        <a:solidFill>
+                          <a:schemeClr val="bg1">
+                            <a:lumMod val="50000"/>
+                          </a:schemeClr>
+                        </a:solidFill>
+                        <a:latin typeface="Cambria Math" panose="02040503050406030204" pitchFamily="18" charset="0"/>
+                        <a:ea typeface="Cambria Math" panose="02040503050406030204" pitchFamily="18" charset="0"/>
+                      </a:rPr>
+                      <m:t>𝑎</m:t>
+                    </m:r>
+                    <m:r>
+                      <a:rPr lang="it-IT" sz="1800" i="1">
+                        <a:solidFill>
+                          <a:schemeClr val="bg1">
+                            <a:lumMod val="50000"/>
+                          </a:schemeClr>
+                        </a:solidFill>
+                        <a:latin typeface="Cambria Math" panose="02040503050406030204" pitchFamily="18" charset="0"/>
+                        <a:ea typeface="Cambria Math" panose="02040503050406030204" pitchFamily="18" charset="0"/>
+                      </a:rPr>
+                      <m:t>∈</m:t>
+                    </m:r>
+                    <m:r>
+                      <a:rPr lang="it-IT" sz="1800" i="1">
+                        <a:solidFill>
+                          <a:schemeClr val="bg1">
+                            <a:lumMod val="50000"/>
+                          </a:schemeClr>
+                        </a:solidFill>
+                        <a:latin typeface="Cambria Math" panose="02040503050406030204" pitchFamily="18" charset="0"/>
+                        <a:ea typeface="Cambria Math" panose="02040503050406030204" pitchFamily="18" charset="0"/>
+                      </a:rPr>
+                      <m:t>𝐴</m:t>
+                    </m:r>
+                    <m:r>
+                      <a:rPr lang="it-IT" sz="1800">
+                        <a:solidFill>
+                          <a:schemeClr val="bg1">
+                            <a:lumMod val="50000"/>
+                          </a:schemeClr>
+                        </a:solidFill>
+                        <a:latin typeface="Cambria Math" panose="02040503050406030204" pitchFamily="18" charset="0"/>
+                        <a:ea typeface="Cambria Math" panose="02040503050406030204" pitchFamily="18" charset="0"/>
+                      </a:rPr>
+                      <m:t>, </m:t>
+                    </m:r>
+                    <m:r>
+                      <m:rPr>
+                        <m:sty m:val="p"/>
+                      </m:rPr>
+                      <a:rPr lang="it-IT" sz="1800">
+                        <a:solidFill>
+                          <a:schemeClr val="bg1">
+                            <a:lumMod val="50000"/>
+                          </a:schemeClr>
+                        </a:solidFill>
+                        <a:latin typeface="Cambria Math" panose="02040503050406030204" pitchFamily="18" charset="0"/>
+                        <a:ea typeface="Cambria Math" panose="02040503050406030204" pitchFamily="18" charset="0"/>
+                      </a:rPr>
+                      <m:t>p</m:t>
+                    </m:r>
+                    <m:r>
+                      <a:rPr lang="it-IT" sz="1800" i="1">
+                        <a:solidFill>
+                          <a:schemeClr val="bg1">
+                            <a:lumMod val="50000"/>
+                          </a:schemeClr>
+                        </a:solidFill>
+                        <a:latin typeface="Cambria Math" panose="02040503050406030204" pitchFamily="18" charset="0"/>
+                        <a:ea typeface="Cambria Math" panose="02040503050406030204" pitchFamily="18" charset="0"/>
+                      </a:rPr>
+                      <m:t>∈</m:t>
+                    </m:r>
+                    <m:r>
+                      <a:rPr lang="it-IT" sz="1800" i="1">
+                        <a:solidFill>
+                          <a:schemeClr val="bg1">
+                            <a:lumMod val="50000"/>
+                          </a:schemeClr>
+                        </a:solidFill>
+                        <a:latin typeface="Cambria Math" panose="02040503050406030204" pitchFamily="18" charset="0"/>
+                        <a:ea typeface="Cambria Math" panose="02040503050406030204" pitchFamily="18" charset="0"/>
+                      </a:rPr>
+                      <m:t>𝑃𝑖</m:t>
+                    </m:r>
+                  </m:oMath>
+                </a14:m>
+                <a:endParaRPr lang="en-GB" sz="1800" dirty="0">
+                  <a:solidFill>
+                    <a:schemeClr val="bg1">
+                      <a:lumMod val="50000"/>
+                    </a:schemeClr>
+                  </a:solidFill>
+                  <a:latin typeface="Palatino" pitchFamily="2" charset="77"/>
+                  <a:ea typeface="Palatino" pitchFamily="2" charset="77"/>
+                </a:endParaRPr>
               </a:p>
               <a:p>
                 <a:pPr marL="0" indent="0">
@@ -5170,6 +5406,9 @@
               </a:p>
               <a:p>
                 <a:pPr marL="0" indent="0">
+                  <a:spcBef>
+                    <a:spcPts val="0"/>
+                  </a:spcBef>
                   <a:buNone/>
                 </a:pPr>
                 <a:r>
@@ -5365,7 +5604,7 @@
             </p:txBody>
           </p:sp>
         </mc:Choice>
-        <mc:Fallback xmlns="">
+        <mc:Fallback>
           <p:sp>
             <p:nvSpPr>
               <p:cNvPr id="3" name="Content Placeholder 2">
@@ -5523,6 +5762,9 @@
           </a:p>
           <a:p>
             <a:pPr marL="0" indent="0">
+              <a:spcBef>
+                <a:spcPts val="0"/>
+              </a:spcBef>
               <a:buNone/>
             </a:pPr>
             <a:r>
@@ -6381,7 +6623,7 @@
                 <a:latin typeface="Palatino" pitchFamily="2" charset="77"/>
                 <a:ea typeface="Palatino" pitchFamily="2" charset="77"/>
               </a:rPr>
-              <a:t>The “Budget-aware Mixed-Policy Clairvoyant”</a:t>
+              <a:t>The “Per-round Budget-aware Mixed-Policy Clairvoyant”</a:t>
             </a:r>
             <a:br>
               <a:rPr lang="en-GB" sz="1800" dirty="0">
@@ -7167,6 +7409,8 @@
                         <a:lumMod val="50000"/>
                       </a:schemeClr>
                     </a:solidFill>
+                    <a:latin typeface="Palatino" pitchFamily="2" charset="77"/>
+                    <a:ea typeface="Palatino" pitchFamily="2" charset="77"/>
                   </a:rPr>
                   <a:t> { x</a:t>
                 </a:r>
@@ -7177,6 +7421,8 @@
                         <a:lumMod val="50000"/>
                       </a:schemeClr>
                     </a:solidFill>
+                    <a:latin typeface="Palatino" pitchFamily="2" charset="77"/>
+                    <a:ea typeface="Palatino" pitchFamily="2" charset="77"/>
                   </a:rPr>
                   <a:t>1</a:t>
                 </a:r>
@@ -7187,6 +7433,8 @@
                         <a:lumMod val="50000"/>
                       </a:schemeClr>
                     </a:solidFill>
+                    <a:latin typeface="Palatino" pitchFamily="2" charset="77"/>
+                    <a:ea typeface="Palatino" pitchFamily="2" charset="77"/>
                   </a:rPr>
                   <a:t>​, …, x</a:t>
                 </a:r>
@@ -7197,6 +7445,8 @@
                         <a:lumMod val="50000"/>
                       </a:schemeClr>
                     </a:solidFill>
+                    <a:latin typeface="Palatino" pitchFamily="2" charset="77"/>
+                    <a:ea typeface="Palatino" pitchFamily="2" charset="77"/>
                   </a:rPr>
                   <a:t>k </a:t>
                 </a:r>
@@ -7207,8 +7457,38 @@
                         <a:lumMod val="50000"/>
                       </a:schemeClr>
                     </a:solidFill>
+                    <a:latin typeface="Palatino" pitchFamily="2" charset="77"/>
+                    <a:ea typeface="Palatino" pitchFamily="2" charset="77"/>
                   </a:rPr>
-                  <a:t>​} ⊂ R set of K equally spaced points in [0, 2 </a:t>
+                  <a:t>​} ⊂ </a:t>
+                </a:r>
+                <a14:m>
+                  <m:oMath xmlns:m="http://schemas.openxmlformats.org/officeDocument/2006/math">
+                    <m:r>
+                      <a:rPr lang="en-GB" i="1" dirty="0" smtClean="0">
+                        <a:solidFill>
+                          <a:schemeClr val="bg1">
+                            <a:lumMod val="50000"/>
+                          </a:schemeClr>
+                        </a:solidFill>
+                        <a:latin typeface="Cambria Math" panose="02040503050406030204" pitchFamily="18" charset="0"/>
+                        <a:ea typeface="Cambria Math" panose="02040503050406030204" pitchFamily="18" charset="0"/>
+                      </a:rPr>
+                      <m:t>ℝ</m:t>
+                    </m:r>
+                  </m:oMath>
+                </a14:m>
+                <a:r>
+                  <a:rPr lang="en-GB" dirty="0">
+                    <a:solidFill>
+                      <a:schemeClr val="bg1">
+                        <a:lumMod val="50000"/>
+                      </a:schemeClr>
+                    </a:solidFill>
+                    <a:latin typeface="Palatino" pitchFamily="2" charset="77"/>
+                    <a:ea typeface="Palatino" pitchFamily="2" charset="77"/>
+                  </a:rPr>
+                  <a:t> set of K eq. spaced points in [0, 2 </a:t>
                 </a:r>
                 <a14:m>
                   <m:oMath xmlns:m="http://schemas.openxmlformats.org/officeDocument/2006/math">
@@ -7233,16 +7513,32 @@
                         <a:lumMod val="50000"/>
                       </a:schemeClr>
                     </a:solidFill>
+                    <a:latin typeface="Palatino" pitchFamily="2" charset="77"/>
+                    <a:ea typeface="Palatino" pitchFamily="2" charset="77"/>
                   </a:rPr>
-                  <a:t> values</a:t>
+                  <a:t> </a:t>
                 </a:r>
                 <a:r>
-                  <a:rPr lang="en-GB" baseline="-25000" dirty="0">
+                  <a:rPr lang="en-GB" dirty="0" err="1">
                     <a:solidFill>
                       <a:schemeClr val="bg1">
                         <a:lumMod val="50000"/>
                       </a:schemeClr>
                     </a:solidFill>
+                    <a:latin typeface="Palatino" pitchFamily="2" charset="77"/>
+                    <a:ea typeface="Palatino" pitchFamily="2" charset="77"/>
+                  </a:rPr>
+                  <a:t>values</a:t>
+                </a:r>
+                <a:r>
+                  <a:rPr lang="en-GB" baseline="-25000" dirty="0" err="1">
+                    <a:solidFill>
+                      <a:schemeClr val="bg1">
+                        <a:lumMod val="50000"/>
+                      </a:schemeClr>
+                    </a:solidFill>
+                    <a:latin typeface="Palatino" pitchFamily="2" charset="77"/>
+                    <a:ea typeface="Palatino" pitchFamily="2" charset="77"/>
                   </a:rPr>
                   <a:t>i</a:t>
                 </a:r>
@@ -7253,18 +7549,94 @@
                         <a:lumMod val="50000"/>
                       </a:schemeClr>
                     </a:solidFill>
+                    <a:latin typeface="Palatino" pitchFamily="2" charset="77"/>
+                    <a:ea typeface="Palatino" pitchFamily="2" charset="77"/>
                   </a:rPr>
-                  <a:t>] for each product </a:t>
+                  <a:t>] </a:t>
                 </a:r>
                 <a:r>
-                  <a:rPr lang="en-GB" i="1" dirty="0">
+                  <a:rPr lang="en-GB" sz="1400" dirty="0">
                     <a:solidFill>
                       <a:schemeClr val="bg1">
                         <a:lumMod val="50000"/>
                       </a:schemeClr>
                     </a:solidFill>
+                    <a:latin typeface="Palatino" pitchFamily="2" charset="77"/>
+                    <a:ea typeface="Palatino" pitchFamily="2" charset="77"/>
                   </a:rPr>
-                  <a:t>i = 1, …, N</a:t>
+                  <a:t>--&gt;</a:t>
+                </a:r>
+                <a:r>
+                  <a:rPr lang="en-GB" dirty="0">
+                    <a:solidFill>
+                      <a:schemeClr val="bg1">
+                        <a:lumMod val="50000"/>
+                      </a:schemeClr>
+                    </a:solidFill>
+                    <a:latin typeface="Palatino" pitchFamily="2" charset="77"/>
+                    <a:ea typeface="Palatino" pitchFamily="2" charset="77"/>
+                  </a:rPr>
+                  <a:t> </a:t>
+                </a:r>
+                <a:r>
+                  <a:rPr lang="en-GB" sz="1400" i="1" dirty="0">
+                    <a:solidFill>
+                      <a:schemeClr val="bg1">
+                        <a:lumMod val="50000"/>
+                      </a:schemeClr>
+                    </a:solidFill>
+                    <a:latin typeface="Palatino" pitchFamily="2" charset="77"/>
+                    <a:ea typeface="Palatino" pitchFamily="2" charset="77"/>
+                  </a:rPr>
+                  <a:t>arms A</a:t>
+                </a:r>
+                <a:r>
+                  <a:rPr lang="en-GB" sz="1400" i="1" baseline="-25000" dirty="0">
+                    <a:solidFill>
+                      <a:schemeClr val="bg1">
+                        <a:lumMod val="50000"/>
+                      </a:schemeClr>
+                    </a:solidFill>
+                    <a:latin typeface="Palatino" pitchFamily="2" charset="77"/>
+                    <a:ea typeface="Palatino" pitchFamily="2" charset="77"/>
+                  </a:rPr>
+                  <a:t>i</a:t>
+                </a:r>
+                <a:r>
+                  <a:rPr lang="en-GB" sz="1400" i="1" dirty="0">
+                    <a:solidFill>
+                      <a:schemeClr val="bg1">
+                        <a:lumMod val="50000"/>
+                      </a:schemeClr>
+                    </a:solidFill>
+                    <a:latin typeface="Palatino" pitchFamily="2" charset="77"/>
+                    <a:ea typeface="Palatino" pitchFamily="2" charset="77"/>
+                  </a:rPr>
+                  <a:t> for product </a:t>
+                </a:r>
+                <a:r>
+                  <a:rPr lang="en-GB" sz="1400" i="1" dirty="0" err="1">
+                    <a:solidFill>
+                      <a:schemeClr val="bg1">
+                        <a:lumMod val="50000"/>
+                      </a:schemeClr>
+                    </a:solidFill>
+                    <a:latin typeface="Palatino" pitchFamily="2" charset="77"/>
+                    <a:ea typeface="Palatino" pitchFamily="2" charset="77"/>
+                  </a:rPr>
+                  <a:t>i</a:t>
+                </a:r>
+                <a:r>
+                  <a:rPr lang="en-GB" sz="1400" i="1" dirty="0">
+                    <a:solidFill>
+                      <a:schemeClr val="bg1">
+                        <a:lumMod val="50000"/>
+                      </a:schemeClr>
+                    </a:solidFill>
+                    <a:latin typeface="Palatino" pitchFamily="2" charset="77"/>
+                    <a:ea typeface="Palatino" pitchFamily="2" charset="77"/>
+                  </a:rPr>
+                  <a:t> </a:t>
                 </a:r>
               </a:p>
               <a:p>
@@ -7330,7 +7702,7 @@
                     <a:latin typeface="Palatino" pitchFamily="2" charset="77"/>
                     <a:ea typeface="Palatino" pitchFamily="2" charset="77"/>
                   </a:rPr>
-                  <a:t> = 5</a:t>
+                  <a:t> = 4</a:t>
                 </a:r>
               </a:p>
               <a:p>
@@ -7663,7 +8035,7 @@
                 <a:spcPts val="0"/>
               </a:spcBef>
               <a:spcAft>
-                <a:spcPts val="600"/>
+                <a:spcPts val="1200"/>
               </a:spcAft>
               <a:buNone/>
             </a:pPr>
@@ -7677,6 +8049,12 @@
           </a:p>
           <a:p>
             <a:pPr marL="0" indent="0">
+              <a:spcBef>
+                <a:spcPts val="0"/>
+              </a:spcBef>
+              <a:spcAft>
+                <a:spcPts val="1000"/>
+              </a:spcAft>
               <a:buNone/>
             </a:pPr>
             <a:r>
@@ -7689,11 +8067,17 @@
                 <a:latin typeface="Palatino" pitchFamily="2" charset="77"/>
                 <a:ea typeface="Palatino" pitchFamily="2" charset="77"/>
               </a:rPr>
-              <a:t>Product 1: optimal price = €3.50, expected profit = €23.14</a:t>
+              <a:t>Product 1: optimal price = €3.33, expected profit = €24.63</a:t>
             </a:r>
           </a:p>
           <a:p>
             <a:pPr marL="0" indent="0">
+              <a:spcBef>
+                <a:spcPts val="0"/>
+              </a:spcBef>
+              <a:spcAft>
+                <a:spcPts val="1000"/>
+              </a:spcAft>
               <a:buNone/>
             </a:pPr>
             <a:r>
@@ -7706,11 +8090,17 @@
                 <a:latin typeface="Palatino" pitchFamily="2" charset="77"/>
                 <a:ea typeface="Palatino" pitchFamily="2" charset="77"/>
               </a:rPr>
-              <a:t>Product 2: optimal price = €2.88, expected profit = €21.97</a:t>
+              <a:t>Product 2: optimal price = €2.75, expected profit = €23.58</a:t>
             </a:r>
           </a:p>
           <a:p>
             <a:pPr marL="0" indent="0">
+              <a:spcBef>
+                <a:spcPts val="0"/>
+              </a:spcBef>
+              <a:spcAft>
+                <a:spcPts val="1000"/>
+              </a:spcAft>
               <a:buNone/>
             </a:pPr>
             <a:r>
@@ -7723,11 +8113,17 @@
                 <a:latin typeface="Palatino" pitchFamily="2" charset="77"/>
                 <a:ea typeface="Palatino" pitchFamily="2" charset="77"/>
               </a:rPr>
-              <a:t>Product 3: optimal price = €1.62, expected profit = €22.57</a:t>
+              <a:t>Product 3: optimal price = €1.58, expected profit = €23.50</a:t>
             </a:r>
           </a:p>
           <a:p>
             <a:pPr marL="0" indent="0">
+              <a:spcBef>
+                <a:spcPts val="0"/>
+              </a:spcBef>
+              <a:spcAft>
+                <a:spcPts val="1000"/>
+              </a:spcAft>
               <a:buNone/>
             </a:pPr>
             <a:r>
@@ -7740,14 +8136,46 @@
                 <a:latin typeface="Palatino" pitchFamily="2" charset="77"/>
                 <a:ea typeface="Palatino" pitchFamily="2" charset="77"/>
               </a:rPr>
-              <a:t>Product 4: optimal price = €7.00, expected profit = €37.87</a:t>
-            </a:r>
-          </a:p>
-          <a:p>
-            <a:endParaRPr lang="en-GB" sz="2400" dirty="0">
+              <a:t>Product 4: optimal price = €6.67, expected profit = €43.78</a:t>
+            </a:r>
+          </a:p>
+          <a:p>
+            <a:pPr marL="0" indent="0">
+              <a:spcBef>
+                <a:spcPts val="0"/>
+              </a:spcBef>
+              <a:spcAft>
+                <a:spcPts val="400"/>
+              </a:spcAft>
+              <a:buNone/>
+            </a:pPr>
+            <a:endParaRPr lang="en-GB" sz="1800" dirty="0">
+              <a:solidFill>
+                <a:schemeClr val="bg1">
+                  <a:lumMod val="50000"/>
+                </a:schemeClr>
+              </a:solidFill>
               <a:latin typeface="Palatino" pitchFamily="2" charset="77"/>
               <a:ea typeface="Palatino" pitchFamily="2" charset="77"/>
             </a:endParaRPr>
+          </a:p>
+          <a:p>
+            <a:pPr marL="0" indent="0">
+              <a:spcBef>
+                <a:spcPts val="0"/>
+              </a:spcBef>
+              <a:spcAft>
+                <a:spcPts val="1200"/>
+              </a:spcAft>
+              <a:buNone/>
+            </a:pPr>
+            <a:r>
+              <a:rPr lang="en-GB" sz="2400" dirty="0">
+                <a:latin typeface="Palatino" pitchFamily="2" charset="77"/>
+                <a:ea typeface="Palatino" pitchFamily="2" charset="77"/>
+              </a:rPr>
+              <a:t>Best Super Arm – Overall</a:t>
+            </a:r>
           </a:p>
           <a:p>
             <a:pPr marL="0" indent="0">
@@ -7760,18 +8188,6 @@
               <a:buNone/>
             </a:pPr>
             <a:r>
-              <a:rPr lang="en-GB" sz="2400" dirty="0">
-                <a:latin typeface="Palatino" pitchFamily="2" charset="77"/>
-                <a:ea typeface="Palatino" pitchFamily="2" charset="77"/>
-              </a:rPr>
-              <a:t>Best Super Arm - Overall</a:t>
-            </a:r>
-          </a:p>
-          <a:p>
-            <a:pPr marL="0" indent="0">
-              <a:buNone/>
-            </a:pPr>
-            <a:r>
               <a:rPr lang="en-GB" sz="1800" dirty="0">
                 <a:solidFill>
                   <a:schemeClr val="bg1">
@@ -7781,11 +8197,17 @@
                 <a:latin typeface="Palatino" pitchFamily="2" charset="77"/>
                 <a:ea typeface="Palatino" pitchFamily="2" charset="77"/>
               </a:rPr>
-              <a:t>Total expected profit = €105.56</a:t>
+              <a:t>Best expected profit = €115.49</a:t>
             </a:r>
           </a:p>
           <a:p>
             <a:pPr marL="0" indent="0">
+              <a:spcBef>
+                <a:spcPts val="0"/>
+              </a:spcBef>
+              <a:spcAft>
+                <a:spcPts val="600"/>
+              </a:spcAft>
               <a:buNone/>
             </a:pPr>
             <a:r>
@@ -7798,7 +8220,7 @@
                 <a:latin typeface="Palatino" pitchFamily="2" charset="77"/>
                 <a:ea typeface="Palatino" pitchFamily="2" charset="77"/>
               </a:rPr>
-              <a:t>Expected total demand: 64.10 units</a:t>
+              <a:t>Expected total demand: 75.45 units</a:t>
             </a:r>
             <a:endParaRPr lang="en-IT" sz="1800" dirty="0">
               <a:solidFill>
@@ -7876,7 +8298,7 @@
           <a:p>
             <a:pPr algn="ctr"/>
             <a:r>
-              <a:rPr lang="en-IT" sz="5400" dirty="0">
+              <a:rPr lang="en-IT" sz="5400">
                 <a:latin typeface="Palatino" pitchFamily="2" charset="77"/>
                 <a:ea typeface="Palatino" pitchFamily="2" charset="77"/>
               </a:rPr>
@@ -7891,19 +8313,17 @@
       </p:sp>
       <p:pic>
         <p:nvPicPr>
-          <p:cNvPr id="3" name="Content Placeholder 2">
+          <p:cNvPr id="7" name="Picture 6">
             <a:extLst>
               <a:ext uri="{FF2B5EF4-FFF2-40B4-BE49-F238E27FC236}">
-                <a16:creationId xmlns:a16="http://schemas.microsoft.com/office/drawing/2014/main" id="{7ECBC03C-A251-C11D-C479-1B87E977719A}"/>
+                <a16:creationId xmlns:a16="http://schemas.microsoft.com/office/drawing/2014/main" id="{283AA7C5-7190-E0C4-0693-3AFC466CBE9E}"/>
               </a:ext>
             </a:extLst>
           </p:cNvPr>
           <p:cNvPicPr>
-            <a:picLocks noGrp="1" noChangeAspect="1"/>
+            <a:picLocks noChangeAspect="1"/>
           </p:cNvPicPr>
-          <p:nvPr>
-            <p:ph idx="1"/>
-          </p:nvPr>
+          <p:nvPr/>
         </p:nvPicPr>
         <p:blipFill>
           <a:blip r:embed="rId2"/>
@@ -7913,8 +8333,8 @@
         </p:blipFill>
         <p:spPr>
           <a:xfrm>
-            <a:off x="965200" y="2267744"/>
-            <a:ext cx="10261600" cy="3467100"/>
+            <a:off x="872913" y="2314746"/>
+            <a:ext cx="10446173" cy="3529461"/>
           </a:xfrm>
           <a:prstGeom prst="rect">
             <a:avLst/>
@@ -8378,106 +8798,675 @@
           </a:p>
         </p:txBody>
       </p:sp>
-      <p:sp>
-        <p:nvSpPr>
-          <p:cNvPr id="3" name="Content Placeholder 2">
-            <a:extLst>
-              <a:ext uri="{FF2B5EF4-FFF2-40B4-BE49-F238E27FC236}">
-                <a16:creationId xmlns:a16="http://schemas.microsoft.com/office/drawing/2014/main" id="{9AD61C98-A0F3-8623-53B4-B947A5CB0E3D}"/>
-              </a:ext>
-            </a:extLst>
-          </p:cNvPr>
-          <p:cNvSpPr>
-            <a:spLocks noGrp="1"/>
-          </p:cNvSpPr>
-          <p:nvPr>
-            <p:ph idx="1"/>
-          </p:nvPr>
-        </p:nvSpPr>
-        <p:spPr>
-          <a:xfrm>
-            <a:off x="838199" y="1668322"/>
-            <a:ext cx="10850697" cy="4368921"/>
-          </a:xfrm>
-        </p:spPr>
-        <p:txBody>
-          <a:bodyPr>
-            <a:noAutofit/>
-          </a:bodyPr>
-          <a:lstStyle/>
-          <a:p>
-            <a:pPr marL="0" indent="0">
-              <a:spcBef>
-                <a:spcPts val="0"/>
-              </a:spcBef>
-              <a:spcAft>
-                <a:spcPts val="1200"/>
-              </a:spcAft>
-              <a:buNone/>
-            </a:pPr>
-            <a:r>
-              <a:rPr lang="en-GB" sz="2400">
-                <a:latin typeface="Palatino" pitchFamily="2" charset="77"/>
-                <a:ea typeface="Palatino" pitchFamily="2" charset="77"/>
-              </a:rPr>
-              <a:t>Estimation</a:t>
-            </a:r>
-          </a:p>
-          <a:p>
-            <a:pPr marL="0" indent="0">
-              <a:spcBef>
-                <a:spcPts val="0"/>
-              </a:spcBef>
-              <a:spcAft>
-                <a:spcPts val="1200"/>
-              </a:spcAft>
-              <a:buNone/>
-            </a:pPr>
-            <a:endParaRPr lang="en-GB" sz="1600" dirty="0">
-              <a:latin typeface="Palatino" pitchFamily="2" charset="77"/>
-              <a:ea typeface="Palatino" pitchFamily="2" charset="77"/>
-            </a:endParaRPr>
-          </a:p>
-          <a:p>
-            <a:pPr marL="0" indent="0">
-              <a:spcBef>
-                <a:spcPts val="0"/>
-              </a:spcBef>
-              <a:spcAft>
-                <a:spcPts val="1200"/>
-              </a:spcAft>
-              <a:buNone/>
-            </a:pPr>
-            <a:r>
-              <a:rPr lang="en-GB" sz="2400" dirty="0">
-                <a:latin typeface="Palatino" pitchFamily="2" charset="77"/>
-                <a:ea typeface="Palatino" pitchFamily="2" charset="77"/>
-              </a:rPr>
-              <a:t>Decision</a:t>
-            </a:r>
-          </a:p>
-          <a:p>
-            <a:pPr marL="0" indent="0">
-              <a:spcBef>
-                <a:spcPts val="0"/>
-              </a:spcBef>
-              <a:spcAft>
-                <a:spcPts val="1200"/>
-              </a:spcAft>
-              <a:buNone/>
-            </a:pPr>
-            <a:endParaRPr lang="en-IT" sz="1200" dirty="0">
-              <a:solidFill>
-                <a:schemeClr val="bg1">
-                  <a:lumMod val="50000"/>
-                </a:schemeClr>
-              </a:solidFill>
-              <a:latin typeface="Palatino" pitchFamily="2" charset="77"/>
-              <a:ea typeface="Palatino" pitchFamily="2" charset="77"/>
-            </a:endParaRPr>
-          </a:p>
-        </p:txBody>
-      </p:sp>
+      <mc:AlternateContent xmlns:mc="http://schemas.openxmlformats.org/markup-compatibility/2006">
+        <mc:Choice xmlns:a14="http://schemas.microsoft.com/office/drawing/2010/main" Requires="a14">
+          <p:sp>
+            <p:nvSpPr>
+              <p:cNvPr id="3" name="Content Placeholder 2">
+                <a:extLst>
+                  <a:ext uri="{FF2B5EF4-FFF2-40B4-BE49-F238E27FC236}">
+                    <a16:creationId xmlns:a16="http://schemas.microsoft.com/office/drawing/2014/main" id="{9AD61C98-A0F3-8623-53B4-B947A5CB0E3D}"/>
+                  </a:ext>
+                </a:extLst>
+              </p:cNvPr>
+              <p:cNvSpPr>
+                <a:spLocks noGrp="1"/>
+              </p:cNvSpPr>
+              <p:nvPr>
+                <p:ph idx="1"/>
+              </p:nvPr>
+            </p:nvSpPr>
+            <p:spPr>
+              <a:xfrm>
+                <a:off x="838199" y="1668322"/>
+                <a:ext cx="10850697" cy="4368921"/>
+              </a:xfrm>
+            </p:spPr>
+            <p:txBody>
+              <a:bodyPr>
+                <a:noAutofit/>
+              </a:bodyPr>
+              <a:lstStyle/>
+              <a:p>
+                <a:pPr marL="0" indent="0">
+                  <a:spcBef>
+                    <a:spcPts val="0"/>
+                  </a:spcBef>
+                  <a:spcAft>
+                    <a:spcPts val="1200"/>
+                  </a:spcAft>
+                  <a:buNone/>
+                </a:pPr>
+                <a:r>
+                  <a:rPr lang="en-GB" sz="2400" dirty="0">
+                    <a:latin typeface="Palatino" pitchFamily="2" charset="77"/>
+                    <a:ea typeface="Palatino" pitchFamily="2" charset="77"/>
+                  </a:rPr>
+                  <a:t>Estimation</a:t>
+                </a:r>
+              </a:p>
+              <a:p>
+                <a:pPr>
+                  <a:spcBef>
+                    <a:spcPts val="0"/>
+                  </a:spcBef>
+                </a:pPr>
+                <a:r>
+                  <a:rPr lang="en-GB" sz="1800" dirty="0">
+                    <a:solidFill>
+                      <a:schemeClr val="bg1">
+                        <a:lumMod val="50000"/>
+                      </a:schemeClr>
+                    </a:solidFill>
+                    <a:latin typeface="Palatino" pitchFamily="2" charset="77"/>
+                    <a:ea typeface="Palatino" pitchFamily="2" charset="77"/>
+                  </a:rPr>
+                  <a:t>Upper Confidence Bounds (UCB) on expected rewards </a:t>
+                </a:r>
+                <a14:m>
+                  <m:oMath xmlns:m="http://schemas.openxmlformats.org/officeDocument/2006/math">
+                    <m:r>
+                      <a:rPr lang="en-GB" sz="1800" b="0" i="1" smtClean="0">
+                        <a:solidFill>
+                          <a:schemeClr val="bg1">
+                            <a:lumMod val="50000"/>
+                          </a:schemeClr>
+                        </a:solidFill>
+                        <a:latin typeface="Cambria Math" panose="02040503050406030204" pitchFamily="18" charset="0"/>
+                        <a:ea typeface="Cambria Math" panose="02040503050406030204" pitchFamily="18" charset="0"/>
+                      </a:rPr>
+                      <m:t>∀</m:t>
+                    </m:r>
+                    <m:r>
+                      <a:rPr lang="it-IT" sz="1800" b="0" i="1" smtClean="0">
+                        <a:solidFill>
+                          <a:schemeClr val="bg1">
+                            <a:lumMod val="50000"/>
+                          </a:schemeClr>
+                        </a:solidFill>
+                        <a:latin typeface="Cambria Math" panose="02040503050406030204" pitchFamily="18" charset="0"/>
+                        <a:ea typeface="Cambria Math" panose="02040503050406030204" pitchFamily="18" charset="0"/>
+                      </a:rPr>
+                      <m:t>𝑎</m:t>
+                    </m:r>
+                    <m:r>
+                      <a:rPr lang="it-IT" sz="1800" b="0" i="1" smtClean="0">
+                        <a:solidFill>
+                          <a:schemeClr val="bg1">
+                            <a:lumMod val="50000"/>
+                          </a:schemeClr>
+                        </a:solidFill>
+                        <a:latin typeface="Cambria Math" panose="02040503050406030204" pitchFamily="18" charset="0"/>
+                        <a:ea typeface="Cambria Math" panose="02040503050406030204" pitchFamily="18" charset="0"/>
+                      </a:rPr>
+                      <m:t>∈</m:t>
+                    </m:r>
+                    <m:r>
+                      <a:rPr lang="it-IT" sz="1800" b="0" i="1" smtClean="0">
+                        <a:solidFill>
+                          <a:schemeClr val="bg1">
+                            <a:lumMod val="50000"/>
+                          </a:schemeClr>
+                        </a:solidFill>
+                        <a:latin typeface="Cambria Math" panose="02040503050406030204" pitchFamily="18" charset="0"/>
+                        <a:ea typeface="Cambria Math" panose="02040503050406030204" pitchFamily="18" charset="0"/>
+                      </a:rPr>
+                      <m:t>𝐴</m:t>
+                    </m:r>
+                  </m:oMath>
+                </a14:m>
+                <a:r>
+                  <a:rPr lang="it-IT" sz="1800" b="0" dirty="0">
+                    <a:solidFill>
+                      <a:schemeClr val="bg1">
+                        <a:lumMod val="50000"/>
+                      </a:schemeClr>
+                    </a:solidFill>
+                    <a:latin typeface="Palatino" pitchFamily="2" charset="77"/>
+                    <a:ea typeface="Cambria Math" panose="02040503050406030204" pitchFamily="18" charset="0"/>
+                  </a:rPr>
+                  <a:t> </a:t>
+                </a:r>
+              </a:p>
+              <a:p>
+                <a:pPr>
+                  <a:spcBef>
+                    <a:spcPts val="0"/>
+                  </a:spcBef>
+                </a:pPr>
+                <a:r>
+                  <a:rPr lang="en-GB" sz="1800" dirty="0">
+                    <a:solidFill>
+                      <a:schemeClr val="bg1">
+                        <a:lumMod val="50000"/>
+                      </a:schemeClr>
+                    </a:solidFill>
+                    <a:latin typeface="Palatino" pitchFamily="2" charset="77"/>
+                    <a:ea typeface="Palatino" pitchFamily="2" charset="77"/>
+                  </a:rPr>
+                  <a:t>Lower Confidence Bounds (LCB) on expected consumption </a:t>
+                </a:r>
+                <a14:m>
+                  <m:oMath xmlns:m="http://schemas.openxmlformats.org/officeDocument/2006/math">
+                    <m:r>
+                      <a:rPr lang="en-GB" sz="1800" b="0" i="1">
+                        <a:solidFill>
+                          <a:schemeClr val="bg1">
+                            <a:lumMod val="50000"/>
+                          </a:schemeClr>
+                        </a:solidFill>
+                        <a:latin typeface="Cambria Math" panose="02040503050406030204" pitchFamily="18" charset="0"/>
+                        <a:ea typeface="Cambria Math" panose="02040503050406030204" pitchFamily="18" charset="0"/>
+                      </a:rPr>
+                      <m:t>∀</m:t>
+                    </m:r>
+                    <m:r>
+                      <a:rPr lang="it-IT" sz="1800" b="0" i="1">
+                        <a:solidFill>
+                          <a:schemeClr val="bg1">
+                            <a:lumMod val="50000"/>
+                          </a:schemeClr>
+                        </a:solidFill>
+                        <a:latin typeface="Cambria Math" panose="02040503050406030204" pitchFamily="18" charset="0"/>
+                        <a:ea typeface="Cambria Math" panose="02040503050406030204" pitchFamily="18" charset="0"/>
+                      </a:rPr>
+                      <m:t>𝑎</m:t>
+                    </m:r>
+                    <m:r>
+                      <a:rPr lang="it-IT" sz="1800" b="0" i="1">
+                        <a:solidFill>
+                          <a:schemeClr val="bg1">
+                            <a:lumMod val="50000"/>
+                          </a:schemeClr>
+                        </a:solidFill>
+                        <a:latin typeface="Cambria Math" panose="02040503050406030204" pitchFamily="18" charset="0"/>
+                        <a:ea typeface="Cambria Math" panose="02040503050406030204" pitchFamily="18" charset="0"/>
+                      </a:rPr>
+                      <m:t>∈</m:t>
+                    </m:r>
+                    <m:r>
+                      <a:rPr lang="it-IT" sz="1800" b="0" i="1">
+                        <a:solidFill>
+                          <a:schemeClr val="bg1">
+                            <a:lumMod val="50000"/>
+                          </a:schemeClr>
+                        </a:solidFill>
+                        <a:latin typeface="Cambria Math" panose="02040503050406030204" pitchFamily="18" charset="0"/>
+                        <a:ea typeface="Cambria Math" panose="02040503050406030204" pitchFamily="18" charset="0"/>
+                      </a:rPr>
+                      <m:t>𝐴</m:t>
+                    </m:r>
+                  </m:oMath>
+                </a14:m>
+                <a:endParaRPr lang="en-GB" sz="1600" baseline="-25000" dirty="0">
+                  <a:latin typeface="Palatino" pitchFamily="2" charset="77"/>
+                  <a:ea typeface="Palatino" pitchFamily="2" charset="77"/>
+                </a:endParaRPr>
+              </a:p>
+              <a:p>
+                <a:pPr marL="0" indent="0">
+                  <a:spcBef>
+                    <a:spcPts val="0"/>
+                  </a:spcBef>
+                  <a:buNone/>
+                </a:pPr>
+                <a:endParaRPr lang="en-GB" sz="2400" dirty="0">
+                  <a:latin typeface="Palatino" pitchFamily="2" charset="77"/>
+                  <a:ea typeface="Palatino" pitchFamily="2" charset="77"/>
+                </a:endParaRPr>
+              </a:p>
+              <a:p>
+                <a:pPr marL="0" indent="0">
+                  <a:spcBef>
+                    <a:spcPts val="0"/>
+                  </a:spcBef>
+                  <a:spcAft>
+                    <a:spcPts val="1200"/>
+                  </a:spcAft>
+                  <a:buNone/>
+                </a:pPr>
+                <a:r>
+                  <a:rPr lang="en-GB" sz="2400" dirty="0">
+                    <a:latin typeface="Palatino" pitchFamily="2" charset="77"/>
+                    <a:ea typeface="Palatino" pitchFamily="2" charset="77"/>
+                  </a:rPr>
+                  <a:t>Decision</a:t>
+                </a:r>
+              </a:p>
+              <a:p>
+                <a:pPr marL="0" indent="0">
+                  <a:spcBef>
+                    <a:spcPts val="0"/>
+                  </a:spcBef>
+                  <a:spcAft>
+                    <a:spcPts val="600"/>
+                  </a:spcAft>
+                  <a:buNone/>
+                </a:pPr>
+                <a:r>
+                  <a:rPr lang="en-GB" sz="1800" dirty="0">
+                    <a:solidFill>
+                      <a:schemeClr val="bg1">
+                        <a:lumMod val="50000"/>
+                      </a:schemeClr>
+                    </a:solidFill>
+                    <a:latin typeface="Palatino" pitchFamily="2" charset="77"/>
+                    <a:ea typeface="Palatino" pitchFamily="2" charset="77"/>
+                  </a:rPr>
+                  <a:t>The algorithm now considers super-arms (combinations of prices for each product)</a:t>
+                </a:r>
+              </a:p>
+              <a:p>
+                <a:pPr marL="0" indent="0">
+                  <a:spcBef>
+                    <a:spcPts val="0"/>
+                  </a:spcBef>
+                  <a:buNone/>
+                </a:pPr>
+                <a:r>
+                  <a:rPr lang="en-GB" sz="1800" dirty="0">
+                    <a:solidFill>
+                      <a:schemeClr val="bg1">
+                        <a:lumMod val="50000"/>
+                      </a:schemeClr>
+                    </a:solidFill>
+                    <a:latin typeface="Palatino" pitchFamily="2" charset="77"/>
+                    <a:ea typeface="Palatino" pitchFamily="2" charset="77"/>
+                  </a:rPr>
+                  <a:t>At each round, it solves a linear program to find a distribution </a:t>
+                </a:r>
+                <a:r>
+                  <a:rPr lang="el-GR" sz="1800" dirty="0">
+                    <a:solidFill>
+                      <a:schemeClr val="bg1">
+                        <a:lumMod val="50000"/>
+                      </a:schemeClr>
+                    </a:solidFill>
+                    <a:latin typeface="Palatino" pitchFamily="2" charset="77"/>
+                    <a:ea typeface="Palatino" pitchFamily="2" charset="77"/>
+                  </a:rPr>
+                  <a:t>γ</a:t>
+                </a:r>
+                <a:r>
+                  <a:rPr lang="en-GB" sz="1800" baseline="-25000" dirty="0">
+                    <a:solidFill>
+                      <a:schemeClr val="bg1">
+                        <a:lumMod val="50000"/>
+                      </a:schemeClr>
+                    </a:solidFill>
+                    <a:latin typeface="Palatino" pitchFamily="2" charset="77"/>
+                    <a:ea typeface="Palatino" pitchFamily="2" charset="77"/>
+                  </a:rPr>
+                  <a:t>t</a:t>
+                </a:r>
+                <a:r>
+                  <a:rPr lang="en-GB" sz="1800" dirty="0">
+                    <a:solidFill>
+                      <a:schemeClr val="bg1">
+                        <a:lumMod val="50000"/>
+                      </a:schemeClr>
+                    </a:solidFill>
+                    <a:latin typeface="Palatino" pitchFamily="2" charset="77"/>
+                    <a:ea typeface="Palatino" pitchFamily="2" charset="77"/>
+                  </a:rPr>
+                  <a:t> over super-arms that:</a:t>
+                </a:r>
+              </a:p>
+              <a:p>
+                <a:pPr>
+                  <a:spcBef>
+                    <a:spcPts val="0"/>
+                  </a:spcBef>
+                </a:pPr>
+                <a:r>
+                  <a:rPr lang="en-GB" sz="1800" dirty="0">
+                    <a:solidFill>
+                      <a:schemeClr val="bg1">
+                        <a:lumMod val="50000"/>
+                      </a:schemeClr>
+                    </a:solidFill>
+                    <a:latin typeface="Palatino" pitchFamily="2" charset="77"/>
+                    <a:ea typeface="Palatino" pitchFamily="2" charset="77"/>
+                  </a:rPr>
+                  <a:t>Satisfies </a:t>
+                </a:r>
+                <a:r>
+                  <a:rPr lang="en-GB" sz="1800" i="1" dirty="0">
+                    <a:solidFill>
+                      <a:schemeClr val="bg1">
+                        <a:lumMod val="50000"/>
+                      </a:schemeClr>
+                    </a:solidFill>
+                    <a:latin typeface="Palatino" pitchFamily="2" charset="77"/>
+                    <a:ea typeface="Palatino" pitchFamily="2" charset="77"/>
+                  </a:rPr>
+                  <a:t>superarm average consumption constraint </a:t>
+                </a:r>
+                <a14:m>
+                  <m:oMath xmlns:m="http://schemas.openxmlformats.org/officeDocument/2006/math">
+                    <m:nary>
+                      <m:naryPr>
+                        <m:chr m:val="∑"/>
+                        <m:supHide m:val="on"/>
+                        <m:ctrlPr>
+                          <a:rPr lang="el-GR" sz="1800" i="1" dirty="0">
+                            <a:solidFill>
+                              <a:schemeClr val="bg1">
+                                <a:lumMod val="50000"/>
+                              </a:schemeClr>
+                            </a:solidFill>
+                            <a:latin typeface="Cambria Math" panose="02040503050406030204" pitchFamily="18" charset="0"/>
+                            <a:ea typeface="Palatino" pitchFamily="2" charset="77"/>
+                          </a:rPr>
+                        </m:ctrlPr>
+                      </m:naryPr>
+                      <m:sub>
+                        <m:r>
+                          <m:rPr>
+                            <m:brk m:alnAt="7"/>
+                          </m:rPr>
+                          <a:rPr lang="it-IT" sz="1800" i="1" dirty="0">
+                            <a:solidFill>
+                              <a:schemeClr val="bg1">
+                                <a:lumMod val="50000"/>
+                              </a:schemeClr>
+                            </a:solidFill>
+                            <a:latin typeface="Cambria Math" panose="02040503050406030204" pitchFamily="18" charset="0"/>
+                            <a:ea typeface="Palatino" pitchFamily="2" charset="77"/>
+                          </a:rPr>
+                          <m:t>𝑎</m:t>
+                        </m:r>
+                      </m:sub>
+                      <m:sup/>
+                      <m:e>
+                        <m:r>
+                          <a:rPr lang="el-GR" sz="1800" i="1" dirty="0">
+                            <a:solidFill>
+                              <a:schemeClr val="bg1">
+                                <a:lumMod val="50000"/>
+                              </a:schemeClr>
+                            </a:solidFill>
+                            <a:latin typeface="Cambria Math" panose="02040503050406030204" pitchFamily="18" charset="0"/>
+                            <a:ea typeface="Palatino" pitchFamily="2" charset="77"/>
+                          </a:rPr>
+                          <m:t>𝛾</m:t>
+                        </m:r>
+                        <m:r>
+                          <a:rPr lang="it-IT" sz="1800" i="1" baseline="-25000" dirty="0">
+                            <a:solidFill>
+                              <a:schemeClr val="bg1">
+                                <a:lumMod val="50000"/>
+                              </a:schemeClr>
+                            </a:solidFill>
+                            <a:latin typeface="Cambria Math" panose="02040503050406030204" pitchFamily="18" charset="0"/>
+                            <a:ea typeface="Palatino" pitchFamily="2" charset="77"/>
+                          </a:rPr>
+                          <m:t>𝑡</m:t>
+                        </m:r>
+                        <m:r>
+                          <a:rPr lang="en-GB" sz="1800" i="1" dirty="0">
+                            <a:solidFill>
+                              <a:schemeClr val="bg1">
+                                <a:lumMod val="50000"/>
+                              </a:schemeClr>
+                            </a:solidFill>
+                            <a:latin typeface="Cambria Math" panose="02040503050406030204" pitchFamily="18" charset="0"/>
+                            <a:ea typeface="Palatino" pitchFamily="2" charset="77"/>
+                          </a:rPr>
+                          <m:t>(</m:t>
+                        </m:r>
+                        <m:r>
+                          <a:rPr lang="en-GB" sz="1800" i="1" dirty="0">
+                            <a:solidFill>
+                              <a:schemeClr val="bg1">
+                                <a:lumMod val="50000"/>
+                              </a:schemeClr>
+                            </a:solidFill>
+                            <a:latin typeface="Cambria Math" panose="02040503050406030204" pitchFamily="18" charset="0"/>
+                            <a:ea typeface="Palatino" pitchFamily="2" charset="77"/>
+                          </a:rPr>
+                          <m:t>𝑎</m:t>
+                        </m:r>
+                        <m:r>
+                          <a:rPr lang="en-GB" sz="1800" i="1" dirty="0">
+                            <a:solidFill>
+                              <a:schemeClr val="bg1">
+                                <a:lumMod val="50000"/>
+                              </a:schemeClr>
+                            </a:solidFill>
+                            <a:latin typeface="Cambria Math" panose="02040503050406030204" pitchFamily="18" charset="0"/>
+                            <a:ea typeface="Palatino" pitchFamily="2" charset="77"/>
+                          </a:rPr>
+                          <m:t>)⋅</m:t>
+                        </m:r>
+                        <m:r>
+                          <a:rPr lang="en-GB" sz="1800" i="1" dirty="0">
+                            <a:solidFill>
+                              <a:schemeClr val="bg1">
+                                <a:lumMod val="50000"/>
+                              </a:schemeClr>
+                            </a:solidFill>
+                            <a:latin typeface="Cambria Math" panose="02040503050406030204" pitchFamily="18" charset="0"/>
+                            <a:ea typeface="Palatino" pitchFamily="2" charset="77"/>
+                          </a:rPr>
+                          <m:t>𝐿𝐶𝐵</m:t>
+                        </m:r>
+                        <m:r>
+                          <a:rPr lang="en-GB" sz="1800" i="1" dirty="0">
+                            <a:solidFill>
+                              <a:schemeClr val="bg1">
+                                <a:lumMod val="50000"/>
+                              </a:schemeClr>
+                            </a:solidFill>
+                            <a:latin typeface="Cambria Math" panose="02040503050406030204" pitchFamily="18" charset="0"/>
+                            <a:ea typeface="Palatino" pitchFamily="2" charset="77"/>
+                          </a:rPr>
+                          <m:t>(</m:t>
+                        </m:r>
+                        <m:r>
+                          <a:rPr lang="en-GB" sz="1800" i="1" dirty="0">
+                            <a:solidFill>
+                              <a:schemeClr val="bg1">
+                                <a:lumMod val="50000"/>
+                              </a:schemeClr>
+                            </a:solidFill>
+                            <a:latin typeface="Cambria Math" panose="02040503050406030204" pitchFamily="18" charset="0"/>
+                            <a:ea typeface="Palatino" pitchFamily="2" charset="77"/>
+                          </a:rPr>
+                          <m:t>𝑎</m:t>
+                        </m:r>
+                        <m:r>
+                          <a:rPr lang="en-GB" sz="1800" i="1" dirty="0">
+                            <a:solidFill>
+                              <a:schemeClr val="bg1">
+                                <a:lumMod val="50000"/>
+                              </a:schemeClr>
+                            </a:solidFill>
+                            <a:latin typeface="Cambria Math" panose="02040503050406030204" pitchFamily="18" charset="0"/>
+                            <a:ea typeface="Palatino" pitchFamily="2" charset="77"/>
+                          </a:rPr>
+                          <m:t>)</m:t>
+                        </m:r>
+                      </m:e>
+                    </m:nary>
+                    <m:r>
+                      <a:rPr lang="en-GB" sz="1800" i="1" dirty="0">
+                        <a:solidFill>
+                          <a:schemeClr val="bg1">
+                            <a:lumMod val="50000"/>
+                          </a:schemeClr>
+                        </a:solidFill>
+                        <a:latin typeface="Cambria Math" panose="02040503050406030204" pitchFamily="18" charset="0"/>
+                        <a:ea typeface="Palatino" pitchFamily="2" charset="77"/>
+                      </a:rPr>
+                      <m:t>≤</m:t>
+                    </m:r>
+                    <m:r>
+                      <a:rPr lang="el-GR" sz="1800" i="1" dirty="0">
+                        <a:solidFill>
+                          <a:schemeClr val="bg1">
+                            <a:lumMod val="50000"/>
+                          </a:schemeClr>
+                        </a:solidFill>
+                        <a:latin typeface="Cambria Math" panose="02040503050406030204" pitchFamily="18" charset="0"/>
+                        <a:ea typeface="Palatino" pitchFamily="2" charset="77"/>
+                      </a:rPr>
+                      <m:t>𝜌</m:t>
+                    </m:r>
+                    <m:r>
+                      <a:rPr lang="el-GR" sz="1800" i="1" dirty="0">
+                        <a:solidFill>
+                          <a:schemeClr val="bg1">
+                            <a:lumMod val="50000"/>
+                          </a:schemeClr>
+                        </a:solidFill>
+                        <a:latin typeface="Cambria Math" panose="02040503050406030204" pitchFamily="18" charset="0"/>
+                        <a:ea typeface="Palatino" pitchFamily="2" charset="77"/>
+                      </a:rPr>
+                      <m:t>=</m:t>
+                    </m:r>
+                    <m:r>
+                      <a:rPr lang="en-GB" sz="1800" i="1" dirty="0" err="1">
+                        <a:solidFill>
+                          <a:schemeClr val="bg1">
+                            <a:lumMod val="50000"/>
+                          </a:schemeClr>
+                        </a:solidFill>
+                        <a:latin typeface="Cambria Math" panose="02040503050406030204" pitchFamily="18" charset="0"/>
+                        <a:ea typeface="Palatino" pitchFamily="2" charset="77"/>
+                      </a:rPr>
+                      <m:t>𝐵</m:t>
+                    </m:r>
+                    <m:r>
+                      <a:rPr lang="it-IT" sz="1800" i="1" dirty="0">
+                        <a:solidFill>
+                          <a:schemeClr val="bg1">
+                            <a:lumMod val="50000"/>
+                          </a:schemeClr>
+                        </a:solidFill>
+                        <a:latin typeface="Cambria Math" panose="02040503050406030204" pitchFamily="18" charset="0"/>
+                        <a:ea typeface="Palatino" pitchFamily="2" charset="77"/>
+                      </a:rPr>
+                      <m:t>/</m:t>
+                    </m:r>
+                    <m:r>
+                      <a:rPr lang="it-IT" sz="1800" i="1" dirty="0">
+                        <a:solidFill>
+                          <a:schemeClr val="bg1">
+                            <a:lumMod val="50000"/>
+                          </a:schemeClr>
+                        </a:solidFill>
+                        <a:latin typeface="Cambria Math" panose="02040503050406030204" pitchFamily="18" charset="0"/>
+                        <a:ea typeface="Palatino" pitchFamily="2" charset="77"/>
+                      </a:rPr>
+                      <m:t>𝑇</m:t>
+                    </m:r>
+                  </m:oMath>
+                </a14:m>
+                <a:endParaRPr lang="en-GB" sz="1800" dirty="0">
+                  <a:solidFill>
+                    <a:schemeClr val="bg1">
+                      <a:lumMod val="50000"/>
+                    </a:schemeClr>
+                  </a:solidFill>
+                  <a:latin typeface="Palatino" pitchFamily="2" charset="77"/>
+                  <a:ea typeface="Palatino" pitchFamily="2" charset="77"/>
+                </a:endParaRPr>
+              </a:p>
+              <a:p>
+                <a:pPr>
+                  <a:spcBef>
+                    <a:spcPts val="0"/>
+                  </a:spcBef>
+                </a:pPr>
+                <a:r>
+                  <a:rPr lang="en-GB" sz="1800" dirty="0">
+                    <a:solidFill>
+                      <a:schemeClr val="bg1">
+                        <a:lumMod val="50000"/>
+                      </a:schemeClr>
+                    </a:solidFill>
+                    <a:latin typeface="Palatino" pitchFamily="2" charset="77"/>
+                    <a:ea typeface="Palatino" pitchFamily="2" charset="77"/>
+                  </a:rPr>
+                  <a:t>Maximizes expected reward</a:t>
+                </a:r>
+              </a:p>
+              <a:p>
+                <a:pPr>
+                  <a:spcBef>
+                    <a:spcPts val="0"/>
+                  </a:spcBef>
+                </a:pPr>
+                <a:r>
+                  <a:rPr lang="en-GB" sz="1800" dirty="0">
+                    <a:solidFill>
+                      <a:schemeClr val="bg1">
+                        <a:lumMod val="50000"/>
+                      </a:schemeClr>
+                    </a:solidFill>
+                    <a:latin typeface="Palatino" pitchFamily="2" charset="77"/>
+                    <a:ea typeface="Palatino" pitchFamily="2" charset="77"/>
+                  </a:rPr>
+                  <a:t>Is a probability distribution- weights sum to 1</a:t>
+                </a:r>
+                <a:endParaRPr lang="en-IT" sz="1200" dirty="0">
+                  <a:solidFill>
+                    <a:schemeClr val="bg1">
+                      <a:lumMod val="50000"/>
+                    </a:schemeClr>
+                  </a:solidFill>
+                  <a:latin typeface="Palatino" pitchFamily="2" charset="77"/>
+                  <a:ea typeface="Palatino" pitchFamily="2" charset="77"/>
+                </a:endParaRPr>
+              </a:p>
+            </p:txBody>
+          </p:sp>
+        </mc:Choice>
+        <mc:Fallback>
+          <p:sp>
+            <p:nvSpPr>
+              <p:cNvPr id="3" name="Content Placeholder 2">
+                <a:extLst>
+                  <a:ext uri="{FF2B5EF4-FFF2-40B4-BE49-F238E27FC236}">
+                    <a16:creationId xmlns:a16="http://schemas.microsoft.com/office/drawing/2014/main" id="{9AD61C98-A0F3-8623-53B4-B947A5CB0E3D}"/>
+                  </a:ext>
+                </a:extLst>
+              </p:cNvPr>
+              <p:cNvSpPr>
+                <a:spLocks noGrp="1" noRot="1" noChangeAspect="1" noMove="1" noResize="1" noEditPoints="1" noAdjustHandles="1" noChangeArrowheads="1" noChangeShapeType="1" noTextEdit="1"/>
+              </p:cNvSpPr>
+              <p:nvPr>
+                <p:ph idx="1"/>
+              </p:nvPr>
+            </p:nvSpPr>
+            <p:spPr>
+              <a:xfrm>
+                <a:off x="838199" y="1668322"/>
+                <a:ext cx="10850697" cy="4368921"/>
+              </a:xfrm>
+              <a:blipFill>
+                <a:blip r:embed="rId2"/>
+                <a:stretch>
+                  <a:fillRect l="-818" t="-2029"/>
+                </a:stretch>
+              </a:blipFill>
+            </p:spPr>
+            <p:txBody>
+              <a:bodyPr/>
+              <a:lstStyle/>
+              <a:p>
+                <a:r>
+                  <a:rPr lang="en-IT">
+                    <a:noFill/>
+                  </a:rPr>
+                  <a:t> </a:t>
+                </a:r>
+              </a:p>
+            </p:txBody>
+          </p:sp>
+        </mc:Fallback>
+      </mc:AlternateContent>
     </p:spTree>
     <p:extLst>
       <p:ext uri="{BB962C8B-B14F-4D97-AF65-F5344CB8AC3E}">
@@ -8564,7 +9553,7 @@
         <p:spPr>
           <a:xfrm>
             <a:off x="838200" y="1668322"/>
-            <a:ext cx="8816163" cy="3254552"/>
+            <a:ext cx="10108096" cy="4255400"/>
           </a:xfrm>
         </p:spPr>
         <p:txBody>
@@ -8590,12 +9579,2797 @@
               <a:t>Idea</a:t>
             </a:r>
           </a:p>
+          <a:p>
+            <a:pPr marL="0" indent="0">
+              <a:spcBef>
+                <a:spcPts val="0"/>
+              </a:spcBef>
+              <a:spcAft>
+                <a:spcPts val="1200"/>
+              </a:spcAft>
+              <a:buNone/>
+            </a:pPr>
+            <a:r>
+              <a:rPr lang="en-GB" sz="1800" dirty="0">
+                <a:solidFill>
+                  <a:schemeClr val="bg1">
+                    <a:lumMod val="50000"/>
+                  </a:schemeClr>
+                </a:solidFill>
+                <a:latin typeface="Palatino" pitchFamily="2" charset="77"/>
+                <a:ea typeface="Palatino" pitchFamily="2" charset="77"/>
+              </a:rPr>
+              <a:t>We build per-arm statistics for each product-price pair (arm) and use them to estimate the expected reward and consumption of every combination of prices (super-arm)</a:t>
+            </a:r>
+          </a:p>
+          <a:p>
+            <a:pPr marL="0" indent="0">
+              <a:spcBef>
+                <a:spcPts val="0"/>
+              </a:spcBef>
+              <a:spcAft>
+                <a:spcPts val="1200"/>
+              </a:spcAft>
+              <a:buNone/>
+            </a:pPr>
+            <a:r>
+              <a:rPr lang="en-GB" sz="1800" dirty="0">
+                <a:solidFill>
+                  <a:schemeClr val="bg1">
+                    <a:lumMod val="50000"/>
+                  </a:schemeClr>
+                </a:solidFill>
+                <a:latin typeface="Palatino" pitchFamily="2" charset="77"/>
+                <a:ea typeface="Palatino" pitchFamily="2" charset="77"/>
+              </a:rPr>
+              <a:t>Such approach enables better efficiency than estimating the confidence bounds for every possible product mix</a:t>
+            </a:r>
+          </a:p>
+          <a:p>
+            <a:pPr marL="0" indent="0">
+              <a:spcBef>
+                <a:spcPts val="0"/>
+              </a:spcBef>
+              <a:spcAft>
+                <a:spcPts val="1200"/>
+              </a:spcAft>
+              <a:buNone/>
+            </a:pPr>
+            <a:endParaRPr lang="en-GB" sz="1800" dirty="0">
+              <a:solidFill>
+                <a:schemeClr val="bg1">
+                  <a:lumMod val="50000"/>
+                </a:schemeClr>
+              </a:solidFill>
+              <a:latin typeface="Palatino" pitchFamily="2" charset="77"/>
+              <a:ea typeface="Palatino" pitchFamily="2" charset="77"/>
+            </a:endParaRPr>
+          </a:p>
+          <a:p>
+            <a:pPr marL="0" indent="0">
+              <a:spcBef>
+                <a:spcPts val="0"/>
+              </a:spcBef>
+              <a:spcAft>
+                <a:spcPts val="1200"/>
+              </a:spcAft>
+              <a:buNone/>
+            </a:pPr>
+            <a:r>
+              <a:rPr lang="it-IT" sz="2400" dirty="0">
+                <a:latin typeface="Palatino" pitchFamily="2" charset="77"/>
+                <a:ea typeface="Palatino" pitchFamily="2" charset="77"/>
+              </a:rPr>
+              <a:t>To be discussed</a:t>
+            </a:r>
+            <a:endParaRPr lang="it-IT" sz="2000" dirty="0">
+              <a:latin typeface="Palatino" pitchFamily="2" charset="77"/>
+              <a:ea typeface="Palatino" pitchFamily="2" charset="77"/>
+            </a:endParaRPr>
+          </a:p>
+          <a:p>
+            <a:pPr marL="0" indent="0">
+              <a:spcBef>
+                <a:spcPts val="0"/>
+              </a:spcBef>
+              <a:spcAft>
+                <a:spcPts val="1200"/>
+              </a:spcAft>
+              <a:buNone/>
+            </a:pPr>
+            <a:r>
+              <a:rPr lang="it-IT" sz="1800" dirty="0">
+                <a:solidFill>
+                  <a:schemeClr val="bg1">
+                    <a:lumMod val="50000"/>
+                  </a:schemeClr>
+                </a:solidFill>
+                <a:latin typeface="Palatino" pitchFamily="2" charset="77"/>
+                <a:ea typeface="Palatino" pitchFamily="2" charset="77"/>
+              </a:rPr>
+              <a:t>In the </a:t>
+            </a:r>
+            <a:r>
+              <a:rPr lang="it-IT" sz="1800" dirty="0" err="1">
+                <a:solidFill>
+                  <a:schemeClr val="bg1">
+                    <a:lumMod val="50000"/>
+                  </a:schemeClr>
+                </a:solidFill>
+                <a:latin typeface="Palatino" pitchFamily="2" charset="77"/>
+                <a:ea typeface="Palatino" pitchFamily="2" charset="77"/>
+              </a:rPr>
+              <a:t>next</a:t>
+            </a:r>
+            <a:r>
+              <a:rPr lang="it-IT" sz="1800" dirty="0">
+                <a:solidFill>
+                  <a:schemeClr val="bg1">
+                    <a:lumMod val="50000"/>
+                  </a:schemeClr>
+                </a:solidFill>
+                <a:latin typeface="Palatino" pitchFamily="2" charset="77"/>
+                <a:ea typeface="Palatino" pitchFamily="2" charset="77"/>
+              </a:rPr>
+              <a:t> slides </a:t>
+            </a:r>
+            <a:r>
+              <a:rPr lang="it-IT" sz="1800" dirty="0" err="1">
+                <a:solidFill>
+                  <a:schemeClr val="bg1">
+                    <a:lumMod val="50000"/>
+                  </a:schemeClr>
+                </a:solidFill>
+                <a:latin typeface="Palatino" pitchFamily="2" charset="77"/>
+                <a:ea typeface="Palatino" pitchFamily="2" charset="77"/>
+              </a:rPr>
+              <a:t>we</a:t>
+            </a:r>
+            <a:r>
+              <a:rPr lang="it-IT" sz="1800" dirty="0">
+                <a:solidFill>
+                  <a:schemeClr val="bg1">
+                    <a:lumMod val="50000"/>
+                  </a:schemeClr>
+                </a:solidFill>
+                <a:latin typeface="Palatino" pitchFamily="2" charset="77"/>
+                <a:ea typeface="Palatino" pitchFamily="2" charset="77"/>
+              </a:rPr>
+              <a:t> </a:t>
+            </a:r>
+            <a:r>
+              <a:rPr lang="it-IT" sz="1800" dirty="0" err="1">
+                <a:solidFill>
+                  <a:schemeClr val="bg1">
+                    <a:lumMod val="50000"/>
+                  </a:schemeClr>
+                </a:solidFill>
+                <a:latin typeface="Palatino" pitchFamily="2" charset="77"/>
+                <a:ea typeface="Palatino" pitchFamily="2" charset="77"/>
+              </a:rPr>
+              <a:t>will</a:t>
+            </a:r>
+            <a:r>
+              <a:rPr lang="it-IT" sz="1800" dirty="0">
+                <a:solidFill>
+                  <a:schemeClr val="bg1">
+                    <a:lumMod val="50000"/>
+                  </a:schemeClr>
+                </a:solidFill>
+                <a:latin typeface="Palatino" pitchFamily="2" charset="77"/>
+                <a:ea typeface="Palatino" pitchFamily="2" charset="77"/>
+              </a:rPr>
+              <a:t> </a:t>
+            </a:r>
+            <a:r>
+              <a:rPr lang="it-IT" sz="1800" dirty="0" err="1">
+                <a:solidFill>
+                  <a:schemeClr val="bg1">
+                    <a:lumMod val="50000"/>
+                  </a:schemeClr>
+                </a:solidFill>
+                <a:latin typeface="Palatino" pitchFamily="2" charset="77"/>
+                <a:ea typeface="Palatino" pitchFamily="2" charset="77"/>
+              </a:rPr>
+              <a:t>discuss</a:t>
+            </a:r>
+            <a:r>
+              <a:rPr lang="it-IT" sz="1800" dirty="0">
+                <a:solidFill>
+                  <a:schemeClr val="bg1">
+                    <a:lumMod val="50000"/>
+                  </a:schemeClr>
+                </a:solidFill>
+                <a:latin typeface="Palatino" pitchFamily="2" charset="77"/>
+                <a:ea typeface="Palatino" pitchFamily="2" charset="77"/>
+              </a:rPr>
+              <a:t>:</a:t>
+            </a:r>
+          </a:p>
+          <a:p>
+            <a:pPr marL="342900" indent="-342900">
+              <a:spcBef>
+                <a:spcPts val="0"/>
+              </a:spcBef>
+              <a:spcAft>
+                <a:spcPts val="600"/>
+              </a:spcAft>
+              <a:buAutoNum type="arabicPeriod"/>
+            </a:pPr>
+            <a:r>
+              <a:rPr lang="it-IT" sz="1800" dirty="0">
+                <a:solidFill>
+                  <a:schemeClr val="bg1">
+                    <a:lumMod val="50000"/>
+                  </a:schemeClr>
+                </a:solidFill>
+                <a:latin typeface="Palatino" pitchFamily="2" charset="77"/>
+                <a:ea typeface="Palatino" pitchFamily="2" charset="77"/>
+              </a:rPr>
+              <a:t>The </a:t>
+            </a:r>
+            <a:r>
+              <a:rPr lang="it-IT" sz="1800" dirty="0" err="1">
+                <a:solidFill>
+                  <a:schemeClr val="bg1">
+                    <a:lumMod val="50000"/>
+                  </a:schemeClr>
+                </a:solidFill>
+                <a:latin typeface="Palatino" pitchFamily="2" charset="77"/>
+                <a:ea typeface="Palatino" pitchFamily="2" charset="77"/>
+              </a:rPr>
+              <a:t>choice</a:t>
+            </a:r>
+            <a:r>
+              <a:rPr lang="it-IT" sz="1800" dirty="0">
+                <a:solidFill>
+                  <a:schemeClr val="bg1">
+                    <a:lumMod val="50000"/>
+                  </a:schemeClr>
+                </a:solidFill>
+                <a:latin typeface="Palatino" pitchFamily="2" charset="77"/>
+                <a:ea typeface="Palatino" pitchFamily="2" charset="77"/>
+              </a:rPr>
+              <a:t> of the the scaling factor R</a:t>
+            </a:r>
+          </a:p>
+          <a:p>
+            <a:pPr marL="342900" indent="-342900">
+              <a:spcBef>
+                <a:spcPts val="0"/>
+              </a:spcBef>
+              <a:spcAft>
+                <a:spcPts val="600"/>
+              </a:spcAft>
+              <a:buFont typeface="Arial" panose="020B0604020202020204" pitchFamily="34" charset="0"/>
+              <a:buAutoNum type="arabicPeriod"/>
+            </a:pPr>
+            <a:r>
+              <a:rPr lang="it-IT" sz="1800" dirty="0">
+                <a:solidFill>
+                  <a:schemeClr val="bg1">
+                    <a:lumMod val="50000"/>
+                  </a:schemeClr>
+                </a:solidFill>
+                <a:latin typeface="Palatino" pitchFamily="2" charset="77"/>
+                <a:ea typeface="Palatino" pitchFamily="2" charset="77"/>
+              </a:rPr>
+              <a:t>How to </a:t>
+            </a:r>
+            <a:r>
+              <a:rPr lang="it-IT" sz="1800" dirty="0" err="1">
+                <a:solidFill>
+                  <a:schemeClr val="bg1">
+                    <a:lumMod val="50000"/>
+                  </a:schemeClr>
+                </a:solidFill>
+                <a:latin typeface="Palatino" pitchFamily="2" charset="77"/>
+                <a:ea typeface="Palatino" pitchFamily="2" charset="77"/>
+              </a:rPr>
+              <a:t>initialize</a:t>
+            </a:r>
+            <a:r>
+              <a:rPr lang="it-IT" sz="1800" dirty="0">
+                <a:solidFill>
+                  <a:schemeClr val="bg1">
+                    <a:lumMod val="50000"/>
+                  </a:schemeClr>
+                </a:solidFill>
+                <a:latin typeface="Palatino" pitchFamily="2" charset="77"/>
+                <a:ea typeface="Palatino" pitchFamily="2" charset="77"/>
+              </a:rPr>
+              <a:t> the </a:t>
+            </a:r>
+            <a:r>
+              <a:rPr lang="it-IT" sz="1800" dirty="0" err="1">
+                <a:solidFill>
+                  <a:schemeClr val="bg1">
+                    <a:lumMod val="50000"/>
+                  </a:schemeClr>
+                </a:solidFill>
+                <a:latin typeface="Palatino" pitchFamily="2" charset="77"/>
+                <a:ea typeface="Palatino" pitchFamily="2" charset="77"/>
+              </a:rPr>
+              <a:t>algorithm</a:t>
+            </a:r>
+            <a:endParaRPr lang="it-IT" sz="1800" dirty="0">
+              <a:solidFill>
+                <a:schemeClr val="bg1">
+                  <a:lumMod val="50000"/>
+                </a:schemeClr>
+              </a:solidFill>
+              <a:latin typeface="Palatino" pitchFamily="2" charset="77"/>
+              <a:ea typeface="Palatino" pitchFamily="2" charset="77"/>
+            </a:endParaRPr>
+          </a:p>
+          <a:p>
+            <a:pPr marL="342900" indent="-342900">
+              <a:spcBef>
+                <a:spcPts val="0"/>
+              </a:spcBef>
+              <a:spcAft>
+                <a:spcPts val="600"/>
+              </a:spcAft>
+              <a:buFont typeface="Arial" panose="020B0604020202020204" pitchFamily="34" charset="0"/>
+              <a:buAutoNum type="arabicPeriod"/>
+            </a:pPr>
+            <a:r>
+              <a:rPr lang="it-IT" sz="1800" dirty="0">
+                <a:solidFill>
+                  <a:schemeClr val="bg1">
+                    <a:lumMod val="50000"/>
+                  </a:schemeClr>
+                </a:solidFill>
+                <a:latin typeface="Palatino" pitchFamily="2" charset="77"/>
+                <a:ea typeface="Palatino" pitchFamily="2" charset="77"/>
+              </a:rPr>
+              <a:t>How to handle the case of LPP </a:t>
+            </a:r>
+            <a:r>
+              <a:rPr lang="it-IT" sz="1800" dirty="0" err="1">
+                <a:solidFill>
+                  <a:schemeClr val="bg1">
+                    <a:lumMod val="50000"/>
+                  </a:schemeClr>
+                </a:solidFill>
+                <a:latin typeface="Palatino" pitchFamily="2" charset="77"/>
+                <a:ea typeface="Palatino" pitchFamily="2" charset="77"/>
+              </a:rPr>
+              <a:t>failure</a:t>
+            </a:r>
+            <a:endParaRPr lang="it-IT" sz="1800" dirty="0">
+              <a:solidFill>
+                <a:schemeClr val="bg1">
+                  <a:lumMod val="50000"/>
+                </a:schemeClr>
+              </a:solidFill>
+              <a:latin typeface="Palatino" pitchFamily="2" charset="77"/>
+              <a:ea typeface="Palatino" pitchFamily="2" charset="77"/>
+            </a:endParaRPr>
+          </a:p>
+          <a:p>
+            <a:pPr marL="0" indent="0">
+              <a:spcBef>
+                <a:spcPts val="0"/>
+              </a:spcBef>
+              <a:spcAft>
+                <a:spcPts val="600"/>
+              </a:spcAft>
+              <a:buNone/>
+            </a:pPr>
+            <a:endParaRPr lang="it-IT" sz="1800" dirty="0">
+              <a:solidFill>
+                <a:schemeClr val="bg1">
+                  <a:lumMod val="50000"/>
+                </a:schemeClr>
+              </a:solidFill>
+              <a:latin typeface="Palatino" pitchFamily="2" charset="77"/>
+              <a:ea typeface="Palatino" pitchFamily="2" charset="77"/>
+            </a:endParaRPr>
+          </a:p>
         </p:txBody>
       </p:sp>
     </p:spTree>
     <p:extLst>
       <p:ext uri="{BB962C8B-B14F-4D97-AF65-F5344CB8AC3E}">
         <p14:creationId xmlns:p14="http://schemas.microsoft.com/office/powerpoint/2010/main" val="2926944955"/>
+      </p:ext>
+    </p:extLst>
+  </p:cSld>
+  <p:clrMapOvr>
+    <a:masterClrMapping/>
+  </p:clrMapOvr>
+</p:sld>
+</file>
+
+<file path=ppt/slides/slide26.xml><?xml version="1.0" encoding="utf-8"?>
+<p:sld xmlns:a="http://schemas.openxmlformats.org/drawingml/2006/main" xmlns:r="http://schemas.openxmlformats.org/officeDocument/2006/relationships" xmlns:p="http://schemas.openxmlformats.org/presentationml/2006/main">
+  <p:cSld>
+    <p:bg>
+      <p:bgPr>
+        <a:solidFill>
+          <a:schemeClr val="bg1"/>
+        </a:solidFill>
+        <a:effectLst/>
+      </p:bgPr>
+    </p:bg>
+    <p:spTree>
+      <p:nvGrpSpPr>
+        <p:cNvPr id="1" name="">
+          <a:extLst>
+            <a:ext uri="{FF2B5EF4-FFF2-40B4-BE49-F238E27FC236}">
+              <a16:creationId xmlns:a16="http://schemas.microsoft.com/office/drawing/2014/main" id="{72E13794-C80C-A1E9-55B0-995EF961FEA3}"/>
+            </a:ext>
+          </a:extLst>
+        </p:cNvPr>
+        <p:cNvGrpSpPr/>
+        <p:nvPr/>
+      </p:nvGrpSpPr>
+      <p:grpSpPr>
+        <a:xfrm>
+          <a:off x="0" y="0"/>
+          <a:ext cx="0" cy="0"/>
+          <a:chOff x="0" y="0"/>
+          <a:chExt cx="0" cy="0"/>
+        </a:xfrm>
+      </p:grpSpPr>
+      <p:sp useBgFill="1">
+        <p:nvSpPr>
+          <p:cNvPr id="9" name="Rectangle 8">
+            <a:extLst>
+              <a:ext uri="{FF2B5EF4-FFF2-40B4-BE49-F238E27FC236}">
+                <a16:creationId xmlns:a16="http://schemas.microsoft.com/office/drawing/2014/main" id="{CBB0869A-0BE5-B3E9-F73D-2F3691E4D932}"/>
+              </a:ext>
+              <a:ext uri="{C183D7F6-B498-43B3-948B-1728B52AA6E4}">
+                <adec:decorative xmlns:adec="http://schemas.microsoft.com/office/drawing/2017/decorative" val="1"/>
+              </a:ext>
+            </a:extLst>
+          </p:cNvPr>
+          <p:cNvSpPr>
+            <a:spLocks noGrp="1" noRot="1" noChangeAspect="1" noMove="1" noResize="1" noEditPoints="1" noAdjustHandles="1" noChangeArrowheads="1" noChangeShapeType="1" noTextEdit="1"/>
+          </p:cNvSpPr>
+          <p:nvPr>
+            <p:extLst>
+              <p:ext uri="{386F3935-93C4-4BCD-93E2-E3B085C9AB24}">
+                <p16:designElem xmlns:p16="http://schemas.microsoft.com/office/powerpoint/2015/main" val="1"/>
+              </p:ext>
+            </p:extLst>
+          </p:nvPr>
+        </p:nvSpPr>
+        <p:spPr>
+          <a:xfrm>
+            <a:off x="0" y="0"/>
+            <a:ext cx="12192000" cy="6858000"/>
+          </a:xfrm>
+          <a:prstGeom prst="rect">
+            <a:avLst/>
+          </a:prstGeom>
+          <a:ln w="12700" cap="flat" cmpd="sng" algn="ctr">
+            <a:noFill/>
+            <a:prstDash val="solid"/>
+            <a:miter lim="800000"/>
+          </a:ln>
+          <a:effectLst/>
+          <a:extLst>
+            <a:ext uri="{91240B29-F687-4F45-9708-019B960494DF}">
+              <a14:hiddenLine xmlns:a14="http://schemas.microsoft.com/office/drawing/2010/main" w="12700" cap="flat" cmpd="sng" algn="ctr">
+                <a:solidFill>
+                  <a:schemeClr val="accent1">
+                    <a:shade val="15000"/>
+                  </a:schemeClr>
+                </a:solidFill>
+                <a:prstDash val="solid"/>
+                <a:miter lim="800000"/>
+              </a14:hiddenLine>
+            </a:ext>
+          </a:extLst>
+        </p:spPr>
+        <p:style>
+          <a:lnRef idx="2">
+            <a:schemeClr val="accent1">
+              <a:shade val="15000"/>
+            </a:schemeClr>
+          </a:lnRef>
+          <a:fillRef idx="1">
+            <a:schemeClr val="accent1"/>
+          </a:fillRef>
+          <a:effectRef idx="0">
+            <a:schemeClr val="accent1"/>
+          </a:effectRef>
+          <a:fontRef idx="minor">
+            <a:schemeClr val="lt1"/>
+          </a:fontRef>
+        </p:style>
+        <p:txBody>
+          <a:bodyPr rtlCol="0" anchor="ctr"/>
+          <a:lstStyle/>
+          <a:p>
+            <a:pPr algn="ctr"/>
+            <a:endParaRPr lang="en-US"/>
+          </a:p>
+        </p:txBody>
+      </p:sp>
+      <p:sp>
+        <p:nvSpPr>
+          <p:cNvPr id="2" name="Title 1">
+            <a:extLst>
+              <a:ext uri="{FF2B5EF4-FFF2-40B4-BE49-F238E27FC236}">
+                <a16:creationId xmlns:a16="http://schemas.microsoft.com/office/drawing/2014/main" id="{8B343375-17E6-69D8-F5A1-7B14C84AD368}"/>
+              </a:ext>
+            </a:extLst>
+          </p:cNvPr>
+          <p:cNvSpPr>
+            <a:spLocks noGrp="1"/>
+          </p:cNvSpPr>
+          <p:nvPr>
+            <p:ph type="title"/>
+          </p:nvPr>
+        </p:nvSpPr>
+        <p:spPr>
+          <a:xfrm>
+            <a:off x="859734" y="537218"/>
+            <a:ext cx="4621553" cy="878717"/>
+          </a:xfrm>
+        </p:spPr>
+        <p:txBody>
+          <a:bodyPr anchor="b">
+            <a:normAutofit/>
+          </a:bodyPr>
+          <a:lstStyle/>
+          <a:p>
+            <a:pPr>
+              <a:spcBef>
+                <a:spcPts val="0"/>
+              </a:spcBef>
+              <a:spcAft>
+                <a:spcPts val="1200"/>
+              </a:spcAft>
+            </a:pPr>
+            <a:r>
+              <a:rPr lang="it-IT" dirty="0">
+                <a:latin typeface="Palatino" pitchFamily="2" charset="77"/>
+                <a:ea typeface="Palatino" pitchFamily="2" charset="77"/>
+              </a:rPr>
+              <a:t>To be discussed</a:t>
+            </a:r>
+          </a:p>
+        </p:txBody>
+      </p:sp>
+      <p:sp>
+        <p:nvSpPr>
+          <p:cNvPr id="3" name="Content Placeholder 2">
+            <a:extLst>
+              <a:ext uri="{FF2B5EF4-FFF2-40B4-BE49-F238E27FC236}">
+                <a16:creationId xmlns:a16="http://schemas.microsoft.com/office/drawing/2014/main" id="{A9C7BF8F-3CA2-237D-38FF-AD4FA0F84763}"/>
+              </a:ext>
+            </a:extLst>
+          </p:cNvPr>
+          <p:cNvSpPr>
+            <a:spLocks noGrp="1"/>
+          </p:cNvSpPr>
+          <p:nvPr>
+            <p:ph idx="1"/>
+          </p:nvPr>
+        </p:nvSpPr>
+        <p:spPr>
+          <a:xfrm>
+            <a:off x="755562" y="1716877"/>
+            <a:ext cx="4621553" cy="4275955"/>
+          </a:xfrm>
+        </p:spPr>
+        <p:txBody>
+          <a:bodyPr>
+            <a:noAutofit/>
+          </a:bodyPr>
+          <a:lstStyle/>
+          <a:p>
+            <a:pPr marL="0" indent="0">
+              <a:spcBef>
+                <a:spcPts val="0"/>
+              </a:spcBef>
+              <a:spcAft>
+                <a:spcPts val="1200"/>
+              </a:spcAft>
+              <a:buNone/>
+            </a:pPr>
+            <a:r>
+              <a:rPr lang="it-IT" sz="2400" dirty="0">
+                <a:latin typeface="Palatino" pitchFamily="2" charset="77"/>
+                <a:ea typeface="Palatino" pitchFamily="2" charset="77"/>
+              </a:rPr>
+              <a:t>Scaling factor R</a:t>
+            </a:r>
+          </a:p>
+          <a:p>
+            <a:pPr marL="0" indent="0">
+              <a:spcBef>
+                <a:spcPts val="0"/>
+              </a:spcBef>
+              <a:spcAft>
+                <a:spcPts val="600"/>
+              </a:spcAft>
+              <a:buNone/>
+            </a:pPr>
+            <a:r>
+              <a:rPr lang="en-GB" sz="1400" dirty="0">
+                <a:solidFill>
+                  <a:schemeClr val="bg1">
+                    <a:lumMod val="50000"/>
+                  </a:schemeClr>
+                </a:solidFill>
+                <a:latin typeface="Palatino" pitchFamily="2" charset="77"/>
+                <a:ea typeface="Palatino" pitchFamily="2" charset="77"/>
+              </a:rPr>
+              <a:t>Since rewards were not normalized to [0,1], we introduced a scaling factor R to adjust the confidence bounds</a:t>
+            </a:r>
+          </a:p>
+          <a:p>
+            <a:pPr marL="0" indent="0">
+              <a:spcBef>
+                <a:spcPts val="0"/>
+              </a:spcBef>
+              <a:spcAft>
+                <a:spcPts val="600"/>
+              </a:spcAft>
+              <a:buNone/>
+            </a:pPr>
+            <a:r>
+              <a:rPr lang="en-GB" sz="1400" dirty="0">
+                <a:solidFill>
+                  <a:schemeClr val="bg1">
+                    <a:lumMod val="50000"/>
+                  </a:schemeClr>
+                </a:solidFill>
+                <a:latin typeface="Palatino" pitchFamily="2" charset="77"/>
+                <a:ea typeface="Palatino" pitchFamily="2" charset="77"/>
+              </a:rPr>
+              <a:t>In our work, we found that a reasonable choice for the value of R is the maximum possible reward per round</a:t>
+            </a:r>
+          </a:p>
+          <a:p>
+            <a:pPr marL="0" indent="0">
+              <a:spcBef>
+                <a:spcPts val="0"/>
+              </a:spcBef>
+              <a:spcAft>
+                <a:spcPts val="600"/>
+              </a:spcAft>
+              <a:buNone/>
+            </a:pPr>
+            <a:r>
+              <a:rPr lang="en-GB" sz="1400" dirty="0">
+                <a:solidFill>
+                  <a:schemeClr val="bg1">
+                    <a:lumMod val="50000"/>
+                  </a:schemeClr>
+                </a:solidFill>
+                <a:latin typeface="Palatino" pitchFamily="2" charset="77"/>
+                <a:ea typeface="Palatino" pitchFamily="2" charset="77"/>
+              </a:rPr>
+              <a:t>Although, due to the existence of multiple products, the overall bound for the superarms became too large, resulting in overly optimistic decisions and poor budget management</a:t>
+            </a:r>
+          </a:p>
+          <a:p>
+            <a:pPr marL="0" indent="0">
+              <a:spcBef>
+                <a:spcPts val="0"/>
+              </a:spcBef>
+              <a:buNone/>
+            </a:pPr>
+            <a:r>
+              <a:rPr lang="en-GB" sz="1400" dirty="0">
+                <a:solidFill>
+                  <a:schemeClr val="bg1">
+                    <a:lumMod val="50000"/>
+                  </a:schemeClr>
+                </a:solidFill>
+                <a:latin typeface="Palatino" pitchFamily="2" charset="77"/>
+                <a:ea typeface="Palatino" pitchFamily="2" charset="77"/>
+              </a:rPr>
+              <a:t>Thus, we normalized such constant R by dividing it by N, to avoid overly optimistic cost estimates</a:t>
+            </a:r>
+          </a:p>
+          <a:p>
+            <a:pPr marL="0" indent="0">
+              <a:spcBef>
+                <a:spcPts val="0"/>
+              </a:spcBef>
+              <a:buNone/>
+            </a:pPr>
+            <a:r>
+              <a:rPr lang="en-GB" sz="1400" dirty="0">
+                <a:solidFill>
+                  <a:schemeClr val="bg1">
+                    <a:lumMod val="50000"/>
+                  </a:schemeClr>
+                </a:solidFill>
+                <a:latin typeface="Palatino" pitchFamily="2" charset="77"/>
+                <a:ea typeface="Palatino" pitchFamily="2" charset="77"/>
+              </a:rPr>
+              <a:t>__________________________________________</a:t>
+            </a:r>
+          </a:p>
+          <a:p>
+            <a:pPr marL="0" indent="0">
+              <a:spcBef>
+                <a:spcPts val="0"/>
+              </a:spcBef>
+              <a:buNone/>
+            </a:pPr>
+            <a:endParaRPr lang="en-GB" sz="1400" dirty="0">
+              <a:solidFill>
+                <a:schemeClr val="bg1">
+                  <a:lumMod val="50000"/>
+                </a:schemeClr>
+              </a:solidFill>
+              <a:latin typeface="Palatino" pitchFamily="2" charset="77"/>
+              <a:ea typeface="Palatino" pitchFamily="2" charset="77"/>
+            </a:endParaRPr>
+          </a:p>
+          <a:p>
+            <a:pPr marL="0" indent="0">
+              <a:spcBef>
+                <a:spcPts val="0"/>
+              </a:spcBef>
+              <a:spcAft>
+                <a:spcPts val="1200"/>
+              </a:spcAft>
+              <a:buNone/>
+            </a:pPr>
+            <a:r>
+              <a:rPr lang="en-GB" sz="1400" dirty="0">
+                <a:solidFill>
+                  <a:schemeClr val="bg1">
+                    <a:lumMod val="50000"/>
+                  </a:schemeClr>
+                </a:solidFill>
+                <a:latin typeface="Palatino" pitchFamily="2" charset="77"/>
+                <a:ea typeface="Palatino" pitchFamily="2" charset="77"/>
+              </a:rPr>
+              <a:t>Ultimately, since R effectively acts as a parameter controlling the algorithm’s optimism about superarm costs, we chose to explore its impact through tuning, observing that dividing it by N a second time obtains most of the marginal gain one may desire</a:t>
+            </a:r>
+          </a:p>
+        </p:txBody>
+      </p:sp>
+      <p:pic>
+        <p:nvPicPr>
+          <p:cNvPr id="4" name="Picture 3">
+            <a:extLst>
+              <a:ext uri="{FF2B5EF4-FFF2-40B4-BE49-F238E27FC236}">
+                <a16:creationId xmlns:a16="http://schemas.microsoft.com/office/drawing/2014/main" id="{3433102E-2CBB-FF9E-A20D-CA0CD2B8EB6D}"/>
+              </a:ext>
+            </a:extLst>
+          </p:cNvPr>
+          <p:cNvPicPr>
+            <a:picLocks noChangeAspect="1"/>
+          </p:cNvPicPr>
+          <p:nvPr/>
+        </p:nvPicPr>
+        <p:blipFill>
+          <a:blip r:embed="rId2"/>
+          <a:stretch>
+            <a:fillRect/>
+          </a:stretch>
+        </p:blipFill>
+        <p:spPr>
+          <a:xfrm>
+            <a:off x="5819369" y="2002121"/>
+            <a:ext cx="5837780" cy="3196182"/>
+          </a:xfrm>
+          <a:prstGeom prst="rect">
+            <a:avLst/>
+          </a:prstGeom>
+        </p:spPr>
+      </p:pic>
+    </p:spTree>
+    <p:extLst>
+      <p:ext uri="{BB962C8B-B14F-4D97-AF65-F5344CB8AC3E}">
+        <p14:creationId xmlns:p14="http://schemas.microsoft.com/office/powerpoint/2010/main" val="213799968"/>
+      </p:ext>
+    </p:extLst>
+  </p:cSld>
+  <p:clrMapOvr>
+    <a:masterClrMapping/>
+  </p:clrMapOvr>
+</p:sld>
+</file>
+
+<file path=ppt/slides/slide27.xml><?xml version="1.0" encoding="utf-8"?>
+<p:sld xmlns:a="http://schemas.openxmlformats.org/drawingml/2006/main" xmlns:r="http://schemas.openxmlformats.org/officeDocument/2006/relationships" xmlns:p="http://schemas.openxmlformats.org/presentationml/2006/main">
+  <p:cSld>
+    <p:bg>
+      <p:bgPr>
+        <a:solidFill>
+          <a:schemeClr val="bg1"/>
+        </a:solidFill>
+        <a:effectLst/>
+      </p:bgPr>
+    </p:bg>
+    <p:spTree>
+      <p:nvGrpSpPr>
+        <p:cNvPr id="1" name="">
+          <a:extLst>
+            <a:ext uri="{FF2B5EF4-FFF2-40B4-BE49-F238E27FC236}">
+              <a16:creationId xmlns:a16="http://schemas.microsoft.com/office/drawing/2014/main" id="{7B079BF1-252E-556D-FB12-792E851318DF}"/>
+            </a:ext>
+          </a:extLst>
+        </p:cNvPr>
+        <p:cNvGrpSpPr/>
+        <p:nvPr/>
+      </p:nvGrpSpPr>
+      <p:grpSpPr>
+        <a:xfrm>
+          <a:off x="0" y="0"/>
+          <a:ext cx="0" cy="0"/>
+          <a:chOff x="0" y="0"/>
+          <a:chExt cx="0" cy="0"/>
+        </a:xfrm>
+      </p:grpSpPr>
+      <p:sp useBgFill="1">
+        <p:nvSpPr>
+          <p:cNvPr id="9" name="Rectangle 8">
+            <a:extLst>
+              <a:ext uri="{FF2B5EF4-FFF2-40B4-BE49-F238E27FC236}">
+                <a16:creationId xmlns:a16="http://schemas.microsoft.com/office/drawing/2014/main" id="{A944C4B7-DDAE-8ADE-EF2A-35D1E6778224}"/>
+              </a:ext>
+              <a:ext uri="{C183D7F6-B498-43B3-948B-1728B52AA6E4}">
+                <adec:decorative xmlns:adec="http://schemas.microsoft.com/office/drawing/2017/decorative" val="1"/>
+              </a:ext>
+            </a:extLst>
+          </p:cNvPr>
+          <p:cNvSpPr>
+            <a:spLocks noGrp="1" noRot="1" noChangeAspect="1" noMove="1" noResize="1" noEditPoints="1" noAdjustHandles="1" noChangeArrowheads="1" noChangeShapeType="1" noTextEdit="1"/>
+          </p:cNvSpPr>
+          <p:nvPr>
+            <p:extLst>
+              <p:ext uri="{386F3935-93C4-4BCD-93E2-E3B085C9AB24}">
+                <p16:designElem xmlns:p16="http://schemas.microsoft.com/office/powerpoint/2015/main" val="1"/>
+              </p:ext>
+            </p:extLst>
+          </p:nvPr>
+        </p:nvSpPr>
+        <p:spPr>
+          <a:xfrm>
+            <a:off x="0" y="0"/>
+            <a:ext cx="12192000" cy="6858000"/>
+          </a:xfrm>
+          <a:prstGeom prst="rect">
+            <a:avLst/>
+          </a:prstGeom>
+          <a:ln w="12700" cap="flat" cmpd="sng" algn="ctr">
+            <a:noFill/>
+            <a:prstDash val="solid"/>
+            <a:miter lim="800000"/>
+          </a:ln>
+          <a:effectLst/>
+          <a:extLst>
+            <a:ext uri="{91240B29-F687-4F45-9708-019B960494DF}">
+              <a14:hiddenLine xmlns:a14="http://schemas.microsoft.com/office/drawing/2010/main" w="12700" cap="flat" cmpd="sng" algn="ctr">
+                <a:solidFill>
+                  <a:schemeClr val="accent1">
+                    <a:shade val="15000"/>
+                  </a:schemeClr>
+                </a:solidFill>
+                <a:prstDash val="solid"/>
+                <a:miter lim="800000"/>
+              </a14:hiddenLine>
+            </a:ext>
+          </a:extLst>
+        </p:spPr>
+        <p:style>
+          <a:lnRef idx="2">
+            <a:schemeClr val="accent1">
+              <a:shade val="15000"/>
+            </a:schemeClr>
+          </a:lnRef>
+          <a:fillRef idx="1">
+            <a:schemeClr val="accent1"/>
+          </a:fillRef>
+          <a:effectRef idx="0">
+            <a:schemeClr val="accent1"/>
+          </a:effectRef>
+          <a:fontRef idx="minor">
+            <a:schemeClr val="lt1"/>
+          </a:fontRef>
+        </p:style>
+        <p:txBody>
+          <a:bodyPr rtlCol="0" anchor="ctr"/>
+          <a:lstStyle/>
+          <a:p>
+            <a:pPr algn="ctr"/>
+            <a:endParaRPr lang="en-US"/>
+          </a:p>
+        </p:txBody>
+      </p:sp>
+      <p:sp>
+        <p:nvSpPr>
+          <p:cNvPr id="2" name="Title 1">
+            <a:extLst>
+              <a:ext uri="{FF2B5EF4-FFF2-40B4-BE49-F238E27FC236}">
+                <a16:creationId xmlns:a16="http://schemas.microsoft.com/office/drawing/2014/main" id="{FA4C846A-8A7D-2BF0-FEF3-19C687009426}"/>
+              </a:ext>
+            </a:extLst>
+          </p:cNvPr>
+          <p:cNvSpPr>
+            <a:spLocks noGrp="1"/>
+          </p:cNvSpPr>
+          <p:nvPr>
+            <p:ph type="title"/>
+          </p:nvPr>
+        </p:nvSpPr>
+        <p:spPr>
+          <a:xfrm>
+            <a:off x="859734" y="537218"/>
+            <a:ext cx="4621553" cy="878717"/>
+          </a:xfrm>
+        </p:spPr>
+        <p:txBody>
+          <a:bodyPr anchor="b">
+            <a:normAutofit/>
+          </a:bodyPr>
+          <a:lstStyle/>
+          <a:p>
+            <a:pPr>
+              <a:spcBef>
+                <a:spcPts val="0"/>
+              </a:spcBef>
+              <a:spcAft>
+                <a:spcPts val="1200"/>
+              </a:spcAft>
+            </a:pPr>
+            <a:r>
+              <a:rPr lang="it-IT" dirty="0">
+                <a:latin typeface="Palatino" pitchFamily="2" charset="77"/>
+                <a:ea typeface="Palatino" pitchFamily="2" charset="77"/>
+              </a:rPr>
+              <a:t>To be discussed</a:t>
+            </a:r>
+          </a:p>
+        </p:txBody>
+      </p:sp>
+      <mc:AlternateContent xmlns:mc="http://schemas.openxmlformats.org/markup-compatibility/2006">
+        <mc:Choice xmlns:a14="http://schemas.microsoft.com/office/drawing/2010/main" Requires="a14">
+          <p:sp>
+            <p:nvSpPr>
+              <p:cNvPr id="7" name="Content Placeholder 2">
+                <a:extLst>
+                  <a:ext uri="{FF2B5EF4-FFF2-40B4-BE49-F238E27FC236}">
+                    <a16:creationId xmlns:a16="http://schemas.microsoft.com/office/drawing/2014/main" id="{4A9EE967-2E14-03EA-8CF9-76F5523D0481}"/>
+                  </a:ext>
+                </a:extLst>
+              </p:cNvPr>
+              <p:cNvSpPr txBox="1">
+                <a:spLocks/>
+              </p:cNvSpPr>
+              <p:nvPr/>
+            </p:nvSpPr>
+            <p:spPr>
+              <a:xfrm>
+                <a:off x="746782" y="1726196"/>
+                <a:ext cx="5781340" cy="4255400"/>
+              </a:xfrm>
+              <a:prstGeom prst="rect">
+                <a:avLst/>
+              </a:prstGeom>
+            </p:spPr>
+            <p:txBody>
+              <a:bodyPr vert="horz" lIns="91440" tIns="45720" rIns="91440" bIns="45720" rtlCol="0">
+                <a:noAutofit/>
+              </a:bodyPr>
+              <a:lstStyle>
+                <a:lvl1pPr marL="228600" indent="-228600" algn="l" defTabSz="914400" rtl="0" eaLnBrk="1" latinLnBrk="0" hangingPunct="1">
+                  <a:lnSpc>
+                    <a:spcPct val="90000"/>
+                  </a:lnSpc>
+                  <a:spcBef>
+                    <a:spcPts val="1000"/>
+                  </a:spcBef>
+                  <a:buFont typeface="Arial" panose="020B0604020202020204" pitchFamily="34" charset="0"/>
+                  <a:buChar char="•"/>
+                  <a:defRPr sz="2800" kern="1200">
+                    <a:solidFill>
+                      <a:schemeClr val="tx1"/>
+                    </a:solidFill>
+                    <a:latin typeface="+mn-lt"/>
+                    <a:ea typeface="+mn-ea"/>
+                    <a:cs typeface="+mn-cs"/>
+                  </a:defRPr>
+                </a:lvl1pPr>
+                <a:lvl2pPr marL="685800" indent="-228600" algn="l" defTabSz="914400" rtl="0" eaLnBrk="1" latinLnBrk="0" hangingPunct="1">
+                  <a:lnSpc>
+                    <a:spcPct val="90000"/>
+                  </a:lnSpc>
+                  <a:spcBef>
+                    <a:spcPts val="500"/>
+                  </a:spcBef>
+                  <a:buFont typeface="Arial" panose="020B0604020202020204" pitchFamily="34" charset="0"/>
+                  <a:buChar char="•"/>
+                  <a:defRPr sz="2400" kern="1200">
+                    <a:solidFill>
+                      <a:schemeClr val="tx1"/>
+                    </a:solidFill>
+                    <a:latin typeface="+mn-lt"/>
+                    <a:ea typeface="+mn-ea"/>
+                    <a:cs typeface="+mn-cs"/>
+                  </a:defRPr>
+                </a:lvl2pPr>
+                <a:lvl3pPr marL="1143000" indent="-228600" algn="l" defTabSz="914400" rtl="0" eaLnBrk="1" latinLnBrk="0" hangingPunct="1">
+                  <a:lnSpc>
+                    <a:spcPct val="90000"/>
+                  </a:lnSpc>
+                  <a:spcBef>
+                    <a:spcPts val="500"/>
+                  </a:spcBef>
+                  <a:buFont typeface="Arial" panose="020B0604020202020204" pitchFamily="34" charset="0"/>
+                  <a:buChar char="•"/>
+                  <a:defRPr sz="2000" kern="1200">
+                    <a:solidFill>
+                      <a:schemeClr val="tx1"/>
+                    </a:solidFill>
+                    <a:latin typeface="+mn-lt"/>
+                    <a:ea typeface="+mn-ea"/>
+                    <a:cs typeface="+mn-cs"/>
+                  </a:defRPr>
+                </a:lvl3pPr>
+                <a:lvl4pPr marL="1600200" indent="-228600" algn="l" defTabSz="914400" rtl="0" eaLnBrk="1" latinLnBrk="0" hangingPunct="1">
+                  <a:lnSpc>
+                    <a:spcPct val="90000"/>
+                  </a:lnSpc>
+                  <a:spcBef>
+                    <a:spcPts val="500"/>
+                  </a:spcBef>
+                  <a:buFont typeface="Arial" panose="020B0604020202020204" pitchFamily="34" charset="0"/>
+                  <a:buChar char="•"/>
+                  <a:defRPr sz="1800" kern="1200">
+                    <a:solidFill>
+                      <a:schemeClr val="tx1"/>
+                    </a:solidFill>
+                    <a:latin typeface="+mn-lt"/>
+                    <a:ea typeface="+mn-ea"/>
+                    <a:cs typeface="+mn-cs"/>
+                  </a:defRPr>
+                </a:lvl4pPr>
+                <a:lvl5pPr marL="2057400" indent="-228600" algn="l" defTabSz="914400" rtl="0" eaLnBrk="1" latinLnBrk="0" hangingPunct="1">
+                  <a:lnSpc>
+                    <a:spcPct val="90000"/>
+                  </a:lnSpc>
+                  <a:spcBef>
+                    <a:spcPts val="500"/>
+                  </a:spcBef>
+                  <a:buFont typeface="Arial" panose="020B0604020202020204" pitchFamily="34" charset="0"/>
+                  <a:buChar char="•"/>
+                  <a:defRPr sz="1800" kern="1200">
+                    <a:solidFill>
+                      <a:schemeClr val="tx1"/>
+                    </a:solidFill>
+                    <a:latin typeface="+mn-lt"/>
+                    <a:ea typeface="+mn-ea"/>
+                    <a:cs typeface="+mn-cs"/>
+                  </a:defRPr>
+                </a:lvl5pPr>
+                <a:lvl6pPr marL="2514600" indent="-228600" algn="l" defTabSz="914400" rtl="0" eaLnBrk="1" latinLnBrk="0" hangingPunct="1">
+                  <a:lnSpc>
+                    <a:spcPct val="90000"/>
+                  </a:lnSpc>
+                  <a:spcBef>
+                    <a:spcPts val="500"/>
+                  </a:spcBef>
+                  <a:buFont typeface="Arial" panose="020B0604020202020204" pitchFamily="34" charset="0"/>
+                  <a:buChar char="•"/>
+                  <a:defRPr sz="1800" kern="1200">
+                    <a:solidFill>
+                      <a:schemeClr val="tx1"/>
+                    </a:solidFill>
+                    <a:latin typeface="+mn-lt"/>
+                    <a:ea typeface="+mn-ea"/>
+                    <a:cs typeface="+mn-cs"/>
+                  </a:defRPr>
+                </a:lvl6pPr>
+                <a:lvl7pPr marL="2971800" indent="-228600" algn="l" defTabSz="914400" rtl="0" eaLnBrk="1" latinLnBrk="0" hangingPunct="1">
+                  <a:lnSpc>
+                    <a:spcPct val="90000"/>
+                  </a:lnSpc>
+                  <a:spcBef>
+                    <a:spcPts val="500"/>
+                  </a:spcBef>
+                  <a:buFont typeface="Arial" panose="020B0604020202020204" pitchFamily="34" charset="0"/>
+                  <a:buChar char="•"/>
+                  <a:defRPr sz="1800" kern="1200">
+                    <a:solidFill>
+                      <a:schemeClr val="tx1"/>
+                    </a:solidFill>
+                    <a:latin typeface="+mn-lt"/>
+                    <a:ea typeface="+mn-ea"/>
+                    <a:cs typeface="+mn-cs"/>
+                  </a:defRPr>
+                </a:lvl7pPr>
+                <a:lvl8pPr marL="3429000" indent="-228600" algn="l" defTabSz="914400" rtl="0" eaLnBrk="1" latinLnBrk="0" hangingPunct="1">
+                  <a:lnSpc>
+                    <a:spcPct val="90000"/>
+                  </a:lnSpc>
+                  <a:spcBef>
+                    <a:spcPts val="500"/>
+                  </a:spcBef>
+                  <a:buFont typeface="Arial" panose="020B0604020202020204" pitchFamily="34" charset="0"/>
+                  <a:buChar char="•"/>
+                  <a:defRPr sz="1800" kern="1200">
+                    <a:solidFill>
+                      <a:schemeClr val="tx1"/>
+                    </a:solidFill>
+                    <a:latin typeface="+mn-lt"/>
+                    <a:ea typeface="+mn-ea"/>
+                    <a:cs typeface="+mn-cs"/>
+                  </a:defRPr>
+                </a:lvl8pPr>
+                <a:lvl9pPr marL="3886200" indent="-228600" algn="l" defTabSz="914400" rtl="0" eaLnBrk="1" latinLnBrk="0" hangingPunct="1">
+                  <a:lnSpc>
+                    <a:spcPct val="90000"/>
+                  </a:lnSpc>
+                  <a:spcBef>
+                    <a:spcPts val="500"/>
+                  </a:spcBef>
+                  <a:buFont typeface="Arial" panose="020B0604020202020204" pitchFamily="34" charset="0"/>
+                  <a:buChar char="•"/>
+                  <a:defRPr sz="1800" kern="1200">
+                    <a:solidFill>
+                      <a:schemeClr val="tx1"/>
+                    </a:solidFill>
+                    <a:latin typeface="+mn-lt"/>
+                    <a:ea typeface="+mn-ea"/>
+                    <a:cs typeface="+mn-cs"/>
+                  </a:defRPr>
+                </a:lvl9pPr>
+              </a:lstStyle>
+              <a:p>
+                <a:pPr marL="0" indent="0">
+                  <a:spcBef>
+                    <a:spcPts val="0"/>
+                  </a:spcBef>
+                  <a:spcAft>
+                    <a:spcPts val="1200"/>
+                  </a:spcAft>
+                  <a:buFont typeface="Arial" panose="020B0604020202020204" pitchFamily="34" charset="0"/>
+                  <a:buNone/>
+                </a:pPr>
+                <a:r>
+                  <a:rPr lang="it-IT" sz="2400" dirty="0">
+                    <a:latin typeface="Palatino" pitchFamily="2" charset="77"/>
+                    <a:ea typeface="Palatino" pitchFamily="2" charset="77"/>
+                  </a:rPr>
+                  <a:t>Algorithm initialization</a:t>
+                </a:r>
+              </a:p>
+              <a:p>
+                <a:pPr marL="0" indent="0">
+                  <a:spcBef>
+                    <a:spcPts val="0"/>
+                  </a:spcBef>
+                  <a:spcAft>
+                    <a:spcPts val="1200"/>
+                  </a:spcAft>
+                  <a:buFont typeface="Arial" panose="020B0604020202020204" pitchFamily="34" charset="0"/>
+                  <a:buNone/>
+                </a:pPr>
+                <a:r>
+                  <a:rPr lang="en-GB" sz="1400" dirty="0">
+                    <a:solidFill>
+                      <a:schemeClr val="bg1">
+                        <a:lumMod val="50000"/>
+                      </a:schemeClr>
+                    </a:solidFill>
+                    <a:latin typeface="Palatino" pitchFamily="2" charset="77"/>
+                    <a:ea typeface="Palatino" pitchFamily="2" charset="77"/>
+                  </a:rPr>
+                  <a:t>We chose to compare two different strategies: </a:t>
+                </a:r>
+              </a:p>
+              <a:p>
+                <a:pPr marL="342900" indent="-342900">
+                  <a:spcBef>
+                    <a:spcPts val="0"/>
+                  </a:spcBef>
+                  <a:spcAft>
+                    <a:spcPts val="400"/>
+                  </a:spcAft>
+                  <a:buFont typeface="Arial" panose="020B0604020202020204" pitchFamily="34" charset="0"/>
+                  <a:buAutoNum type="arabicPeriod"/>
+                </a:pPr>
+                <a:r>
+                  <a:rPr lang="en-GB" sz="1400" dirty="0">
+                    <a:solidFill>
+                      <a:schemeClr val="bg1">
+                        <a:lumMod val="50000"/>
+                      </a:schemeClr>
+                    </a:solidFill>
+                    <a:latin typeface="Palatino" pitchFamily="2" charset="77"/>
+                    <a:ea typeface="Palatino" pitchFamily="2" charset="77"/>
+                  </a:rPr>
+                  <a:t>Making sure to run each arm at least once in the first </a:t>
+                </a:r>
+                <a14:m>
+                  <m:oMath xmlns:m="http://schemas.openxmlformats.org/officeDocument/2006/math">
+                    <m:r>
+                      <a:rPr lang="en-GB" sz="1400" i="1" dirty="0" smtClean="0">
+                        <a:solidFill>
+                          <a:schemeClr val="bg1">
+                            <a:lumMod val="50000"/>
+                          </a:schemeClr>
+                        </a:solidFill>
+                        <a:latin typeface="Cambria Math" panose="02040503050406030204" pitchFamily="18" charset="0"/>
+                        <a:ea typeface="Palatino" pitchFamily="2" charset="77"/>
+                      </a:rPr>
+                      <m:t>|</m:t>
+                    </m:r>
+                    <m:r>
+                      <a:rPr lang="en-GB" sz="1400" i="1" dirty="0" smtClean="0">
+                        <a:solidFill>
+                          <a:schemeClr val="bg1">
+                            <a:lumMod val="50000"/>
+                          </a:schemeClr>
+                        </a:solidFill>
+                        <a:latin typeface="Cambria Math" panose="02040503050406030204" pitchFamily="18" charset="0"/>
+                        <a:ea typeface="Palatino" pitchFamily="2" charset="77"/>
+                      </a:rPr>
+                      <m:t>𝐴</m:t>
+                    </m:r>
+                    <m:r>
+                      <a:rPr lang="en-GB" sz="1400" i="1" dirty="0" smtClean="0">
+                        <a:solidFill>
+                          <a:schemeClr val="bg1">
+                            <a:lumMod val="50000"/>
+                          </a:schemeClr>
+                        </a:solidFill>
+                        <a:latin typeface="Cambria Math" panose="02040503050406030204" pitchFamily="18" charset="0"/>
+                        <a:ea typeface="Palatino" pitchFamily="2" charset="77"/>
+                      </a:rPr>
+                      <m:t>|</m:t>
+                    </m:r>
+                  </m:oMath>
+                </a14:m>
+                <a:r>
+                  <a:rPr lang="en-GB" sz="1400" dirty="0">
+                    <a:solidFill>
+                      <a:schemeClr val="bg1">
+                        <a:lumMod val="50000"/>
+                      </a:schemeClr>
+                    </a:solidFill>
+                    <a:latin typeface="Palatino" pitchFamily="2" charset="77"/>
+                    <a:ea typeface="Palatino" pitchFamily="2" charset="77"/>
+                  </a:rPr>
+                  <a:t> rounds</a:t>
+                </a:r>
+              </a:p>
+              <a:p>
+                <a:pPr marL="342900" indent="-342900">
+                  <a:spcBef>
+                    <a:spcPts val="0"/>
+                  </a:spcBef>
+                  <a:spcAft>
+                    <a:spcPts val="1200"/>
+                  </a:spcAft>
+                  <a:buFont typeface="Arial" panose="020B0604020202020204" pitchFamily="34" charset="0"/>
+                  <a:buAutoNum type="arabicPeriod"/>
+                </a:pPr>
+                <a:r>
+                  <a:rPr lang="en-GB" sz="1400" dirty="0">
+                    <a:solidFill>
+                      <a:schemeClr val="bg1">
+                        <a:lumMod val="50000"/>
+                      </a:schemeClr>
+                    </a:solidFill>
+                    <a:latin typeface="Palatino" pitchFamily="2" charset="77"/>
+                    <a:ea typeface="Palatino" pitchFamily="2" charset="77"/>
+                  </a:rPr>
+                  <a:t>Making sure to run each superarm at least once in the first </a:t>
+                </a:r>
+                <a14:m>
+                  <m:oMath xmlns:m="http://schemas.openxmlformats.org/officeDocument/2006/math">
+                    <m:r>
+                      <a:rPr lang="en-GB" sz="1400" i="1" dirty="0" smtClean="0">
+                        <a:solidFill>
+                          <a:schemeClr val="bg1">
+                            <a:lumMod val="50000"/>
+                          </a:schemeClr>
+                        </a:solidFill>
+                        <a:latin typeface="Cambria Math" panose="02040503050406030204" pitchFamily="18" charset="0"/>
+                        <a:ea typeface="Palatino" pitchFamily="2" charset="77"/>
+                      </a:rPr>
+                      <m:t>|</m:t>
+                    </m:r>
+                    <m:r>
+                      <a:rPr lang="en-GB" sz="1400" i="1" dirty="0" smtClean="0">
+                        <a:solidFill>
+                          <a:schemeClr val="bg1">
+                            <a:lumMod val="50000"/>
+                          </a:schemeClr>
+                        </a:solidFill>
+                        <a:latin typeface="Cambria Math" panose="02040503050406030204" pitchFamily="18" charset="0"/>
+                        <a:ea typeface="Palatino" pitchFamily="2" charset="77"/>
+                      </a:rPr>
+                      <m:t>𝑆</m:t>
+                    </m:r>
+                    <m:r>
+                      <a:rPr lang="en-GB" sz="1400" i="1" dirty="0" smtClean="0">
+                        <a:solidFill>
+                          <a:schemeClr val="bg1">
+                            <a:lumMod val="50000"/>
+                          </a:schemeClr>
+                        </a:solidFill>
+                        <a:latin typeface="Cambria Math" panose="02040503050406030204" pitchFamily="18" charset="0"/>
+                        <a:ea typeface="Palatino" pitchFamily="2" charset="77"/>
+                      </a:rPr>
+                      <m:t>|</m:t>
+                    </m:r>
+                  </m:oMath>
+                </a14:m>
+                <a:r>
+                  <a:rPr lang="en-GB" sz="1400" dirty="0">
+                    <a:solidFill>
+                      <a:schemeClr val="bg1">
+                        <a:lumMod val="50000"/>
+                      </a:schemeClr>
+                    </a:solidFill>
+                    <a:latin typeface="Palatino" pitchFamily="2" charset="77"/>
+                    <a:ea typeface="Palatino" pitchFamily="2" charset="77"/>
+                  </a:rPr>
+                  <a:t> rounds</a:t>
+                </a:r>
+              </a:p>
+              <a:p>
+                <a:pPr marL="0" indent="0">
+                  <a:spcBef>
+                    <a:spcPts val="0"/>
+                  </a:spcBef>
+                  <a:spcAft>
+                    <a:spcPts val="600"/>
+                  </a:spcAft>
+                  <a:buFont typeface="Arial" panose="020B0604020202020204" pitchFamily="34" charset="0"/>
+                  <a:buNone/>
+                </a:pPr>
+                <a:r>
+                  <a:rPr lang="en-GB" sz="1400" dirty="0">
+                    <a:solidFill>
+                      <a:schemeClr val="bg1">
+                        <a:lumMod val="50000"/>
+                      </a:schemeClr>
+                    </a:solidFill>
+                    <a:latin typeface="Palatino" pitchFamily="2" charset="77"/>
+                    <a:ea typeface="Palatino" pitchFamily="2" charset="77"/>
+                  </a:rPr>
+                  <a:t>While this second option comes at a higher initial cost due to the exponential number of superarms, it provides more informative observations about product interactions and their combined effect on budget consumption and rewards, resulting in a lower regret</a:t>
+                </a:r>
+              </a:p>
+              <a:p>
+                <a:pPr marL="0" indent="0">
+                  <a:spcBef>
+                    <a:spcPts val="0"/>
+                  </a:spcBef>
+                  <a:spcAft>
+                    <a:spcPts val="1200"/>
+                  </a:spcAft>
+                  <a:buFont typeface="Arial" panose="020B0604020202020204" pitchFamily="34" charset="0"/>
+                  <a:buNone/>
+                </a:pPr>
+                <a:r>
+                  <a:rPr lang="en-GB" sz="1100" dirty="0">
+                    <a:solidFill>
+                      <a:schemeClr val="bg1">
+                        <a:lumMod val="50000"/>
+                      </a:schemeClr>
+                    </a:solidFill>
+                    <a:latin typeface="Palatino" pitchFamily="2" charset="77"/>
+                    <a:ea typeface="Palatino" pitchFamily="2" charset="77"/>
+                  </a:rPr>
+                  <a:t>Hint: Notice the y-axis</a:t>
+                </a:r>
+              </a:p>
+            </p:txBody>
+          </p:sp>
+        </mc:Choice>
+        <mc:Fallback>
+          <p:sp>
+            <p:nvSpPr>
+              <p:cNvPr id="7" name="Content Placeholder 2">
+                <a:extLst>
+                  <a:ext uri="{FF2B5EF4-FFF2-40B4-BE49-F238E27FC236}">
+                    <a16:creationId xmlns:a16="http://schemas.microsoft.com/office/drawing/2014/main" id="{4A9EE967-2E14-03EA-8CF9-76F5523D0481}"/>
+                  </a:ext>
+                </a:extLst>
+              </p:cNvPr>
+              <p:cNvSpPr txBox="1">
+                <a:spLocks noRot="1" noChangeAspect="1" noMove="1" noResize="1" noEditPoints="1" noAdjustHandles="1" noChangeArrowheads="1" noChangeShapeType="1" noTextEdit="1"/>
+              </p:cNvSpPr>
+              <p:nvPr/>
+            </p:nvSpPr>
+            <p:spPr>
+              <a:xfrm>
+                <a:off x="746782" y="1726196"/>
+                <a:ext cx="5781340" cy="4255400"/>
+              </a:xfrm>
+              <a:prstGeom prst="rect">
+                <a:avLst/>
+              </a:prstGeom>
+              <a:blipFill>
+                <a:blip r:embed="rId2"/>
+                <a:stretch>
+                  <a:fillRect l="-1754" t="-1786"/>
+                </a:stretch>
+              </a:blipFill>
+            </p:spPr>
+            <p:txBody>
+              <a:bodyPr/>
+              <a:lstStyle/>
+              <a:p>
+                <a:r>
+                  <a:rPr lang="en-IT">
+                    <a:noFill/>
+                  </a:rPr>
+                  <a:t> </a:t>
+                </a:r>
+              </a:p>
+            </p:txBody>
+          </p:sp>
+        </mc:Fallback>
+      </mc:AlternateContent>
+      <p:pic>
+        <p:nvPicPr>
+          <p:cNvPr id="8" name="Picture 7">
+            <a:extLst>
+              <a:ext uri="{FF2B5EF4-FFF2-40B4-BE49-F238E27FC236}">
+                <a16:creationId xmlns:a16="http://schemas.microsoft.com/office/drawing/2014/main" id="{E4806173-A6B7-539D-D4F4-8FC6B728DF56}"/>
+              </a:ext>
+            </a:extLst>
+          </p:cNvPr>
+          <p:cNvPicPr>
+            <a:picLocks noChangeAspect="1"/>
+          </p:cNvPicPr>
+          <p:nvPr/>
+        </p:nvPicPr>
+        <p:blipFill>
+          <a:blip r:embed="rId3"/>
+          <a:srcRect l="363" t="472" r="49637" b="-472"/>
+          <a:stretch>
+            <a:fillRect/>
+          </a:stretch>
+        </p:blipFill>
+        <p:spPr>
+          <a:xfrm>
+            <a:off x="7387856" y="3762030"/>
+            <a:ext cx="3174352" cy="2554701"/>
+          </a:xfrm>
+          <a:prstGeom prst="rect">
+            <a:avLst/>
+          </a:prstGeom>
+        </p:spPr>
+      </p:pic>
+      <p:pic>
+        <p:nvPicPr>
+          <p:cNvPr id="10" name="Picture 9">
+            <a:extLst>
+              <a:ext uri="{FF2B5EF4-FFF2-40B4-BE49-F238E27FC236}">
+                <a16:creationId xmlns:a16="http://schemas.microsoft.com/office/drawing/2014/main" id="{3C0E6596-2B7A-7BBE-D692-59B9CDC02E44}"/>
+              </a:ext>
+            </a:extLst>
+          </p:cNvPr>
+          <p:cNvPicPr>
+            <a:picLocks noChangeAspect="1"/>
+          </p:cNvPicPr>
+          <p:nvPr/>
+        </p:nvPicPr>
+        <p:blipFill>
+          <a:blip r:embed="rId4"/>
+          <a:srcRect r="50000"/>
+          <a:stretch>
+            <a:fillRect/>
+          </a:stretch>
+        </p:blipFill>
+        <p:spPr>
+          <a:xfrm>
+            <a:off x="7387856" y="1049058"/>
+            <a:ext cx="3174352" cy="2554701"/>
+          </a:xfrm>
+          <a:prstGeom prst="rect">
+            <a:avLst/>
+          </a:prstGeom>
+        </p:spPr>
+      </p:pic>
+    </p:spTree>
+    <p:extLst>
+      <p:ext uri="{BB962C8B-B14F-4D97-AF65-F5344CB8AC3E}">
+        <p14:creationId xmlns:p14="http://schemas.microsoft.com/office/powerpoint/2010/main" val="3370669521"/>
+      </p:ext>
+    </p:extLst>
+  </p:cSld>
+  <p:clrMapOvr>
+    <a:masterClrMapping/>
+  </p:clrMapOvr>
+</p:sld>
+</file>
+
+<file path=ppt/slides/slide28.xml><?xml version="1.0" encoding="utf-8"?>
+<p:sld xmlns:a="http://schemas.openxmlformats.org/drawingml/2006/main" xmlns:r="http://schemas.openxmlformats.org/officeDocument/2006/relationships" xmlns:p="http://schemas.openxmlformats.org/presentationml/2006/main">
+  <p:cSld>
+    <p:bg>
+      <p:bgPr>
+        <a:solidFill>
+          <a:schemeClr val="bg1"/>
+        </a:solidFill>
+        <a:effectLst/>
+      </p:bgPr>
+    </p:bg>
+    <p:spTree>
+      <p:nvGrpSpPr>
+        <p:cNvPr id="1" name="">
+          <a:extLst>
+            <a:ext uri="{FF2B5EF4-FFF2-40B4-BE49-F238E27FC236}">
+              <a16:creationId xmlns:a16="http://schemas.microsoft.com/office/drawing/2014/main" id="{FF5F2BE0-563B-5BAD-A5ED-2A192C36A66B}"/>
+            </a:ext>
+          </a:extLst>
+        </p:cNvPr>
+        <p:cNvGrpSpPr/>
+        <p:nvPr/>
+      </p:nvGrpSpPr>
+      <p:grpSpPr>
+        <a:xfrm>
+          <a:off x="0" y="0"/>
+          <a:ext cx="0" cy="0"/>
+          <a:chOff x="0" y="0"/>
+          <a:chExt cx="0" cy="0"/>
+        </a:xfrm>
+      </p:grpSpPr>
+      <p:sp useBgFill="1">
+        <p:nvSpPr>
+          <p:cNvPr id="9" name="Rectangle 8">
+            <a:extLst>
+              <a:ext uri="{FF2B5EF4-FFF2-40B4-BE49-F238E27FC236}">
+                <a16:creationId xmlns:a16="http://schemas.microsoft.com/office/drawing/2014/main" id="{4CF07108-6641-C851-AED9-0E05E6F41809}"/>
+              </a:ext>
+              <a:ext uri="{C183D7F6-B498-43B3-948B-1728B52AA6E4}">
+                <adec:decorative xmlns:adec="http://schemas.microsoft.com/office/drawing/2017/decorative" val="1"/>
+              </a:ext>
+            </a:extLst>
+          </p:cNvPr>
+          <p:cNvSpPr>
+            <a:spLocks noGrp="1" noRot="1" noChangeAspect="1" noMove="1" noResize="1" noEditPoints="1" noAdjustHandles="1" noChangeArrowheads="1" noChangeShapeType="1" noTextEdit="1"/>
+          </p:cNvSpPr>
+          <p:nvPr>
+            <p:extLst>
+              <p:ext uri="{386F3935-93C4-4BCD-93E2-E3B085C9AB24}">
+                <p16:designElem xmlns:p16="http://schemas.microsoft.com/office/powerpoint/2015/main" val="1"/>
+              </p:ext>
+            </p:extLst>
+          </p:nvPr>
+        </p:nvSpPr>
+        <p:spPr>
+          <a:xfrm>
+            <a:off x="0" y="0"/>
+            <a:ext cx="12192000" cy="6858000"/>
+          </a:xfrm>
+          <a:prstGeom prst="rect">
+            <a:avLst/>
+          </a:prstGeom>
+          <a:ln w="12700" cap="flat" cmpd="sng" algn="ctr">
+            <a:noFill/>
+            <a:prstDash val="solid"/>
+            <a:miter lim="800000"/>
+          </a:ln>
+          <a:effectLst/>
+          <a:extLst>
+            <a:ext uri="{91240B29-F687-4F45-9708-019B960494DF}">
+              <a14:hiddenLine xmlns:a14="http://schemas.microsoft.com/office/drawing/2010/main" w="12700" cap="flat" cmpd="sng" algn="ctr">
+                <a:solidFill>
+                  <a:schemeClr val="accent1">
+                    <a:shade val="15000"/>
+                  </a:schemeClr>
+                </a:solidFill>
+                <a:prstDash val="solid"/>
+                <a:miter lim="800000"/>
+              </a14:hiddenLine>
+            </a:ext>
+          </a:extLst>
+        </p:spPr>
+        <p:style>
+          <a:lnRef idx="2">
+            <a:schemeClr val="accent1">
+              <a:shade val="15000"/>
+            </a:schemeClr>
+          </a:lnRef>
+          <a:fillRef idx="1">
+            <a:schemeClr val="accent1"/>
+          </a:fillRef>
+          <a:effectRef idx="0">
+            <a:schemeClr val="accent1"/>
+          </a:effectRef>
+          <a:fontRef idx="minor">
+            <a:schemeClr val="lt1"/>
+          </a:fontRef>
+        </p:style>
+        <p:txBody>
+          <a:bodyPr rtlCol="0" anchor="ctr"/>
+          <a:lstStyle/>
+          <a:p>
+            <a:pPr algn="ctr"/>
+            <a:endParaRPr lang="en-US"/>
+          </a:p>
+        </p:txBody>
+      </p:sp>
+      <p:sp>
+        <p:nvSpPr>
+          <p:cNvPr id="2" name="Title 1">
+            <a:extLst>
+              <a:ext uri="{FF2B5EF4-FFF2-40B4-BE49-F238E27FC236}">
+                <a16:creationId xmlns:a16="http://schemas.microsoft.com/office/drawing/2014/main" id="{BDA3D059-A9ED-77F1-07B2-B71EB4FD9A03}"/>
+              </a:ext>
+            </a:extLst>
+          </p:cNvPr>
+          <p:cNvSpPr>
+            <a:spLocks noGrp="1"/>
+          </p:cNvSpPr>
+          <p:nvPr>
+            <p:ph type="title"/>
+          </p:nvPr>
+        </p:nvSpPr>
+        <p:spPr>
+          <a:xfrm>
+            <a:off x="859734" y="537218"/>
+            <a:ext cx="4621553" cy="878717"/>
+          </a:xfrm>
+        </p:spPr>
+        <p:txBody>
+          <a:bodyPr anchor="b">
+            <a:normAutofit/>
+          </a:bodyPr>
+          <a:lstStyle/>
+          <a:p>
+            <a:pPr>
+              <a:spcBef>
+                <a:spcPts val="0"/>
+              </a:spcBef>
+              <a:spcAft>
+                <a:spcPts val="1200"/>
+              </a:spcAft>
+            </a:pPr>
+            <a:r>
+              <a:rPr lang="it-IT" dirty="0">
+                <a:latin typeface="Palatino" pitchFamily="2" charset="77"/>
+                <a:ea typeface="Palatino" pitchFamily="2" charset="77"/>
+              </a:rPr>
+              <a:t>To be discussed</a:t>
+            </a:r>
+          </a:p>
+        </p:txBody>
+      </p:sp>
+      <p:sp>
+        <p:nvSpPr>
+          <p:cNvPr id="7" name="Content Placeholder 2">
+            <a:extLst>
+              <a:ext uri="{FF2B5EF4-FFF2-40B4-BE49-F238E27FC236}">
+                <a16:creationId xmlns:a16="http://schemas.microsoft.com/office/drawing/2014/main" id="{ACF7F227-F093-FB52-033D-A79052FE2141}"/>
+              </a:ext>
+            </a:extLst>
+          </p:cNvPr>
+          <p:cNvSpPr txBox="1">
+            <a:spLocks/>
+          </p:cNvSpPr>
+          <p:nvPr/>
+        </p:nvSpPr>
+        <p:spPr>
+          <a:xfrm>
+            <a:off x="746782" y="1726196"/>
+            <a:ext cx="5349218" cy="3158320"/>
+          </a:xfrm>
+          <a:prstGeom prst="rect">
+            <a:avLst/>
+          </a:prstGeom>
+        </p:spPr>
+        <p:txBody>
+          <a:bodyPr vert="horz" lIns="91440" tIns="45720" rIns="91440" bIns="45720" rtlCol="0">
+            <a:noAutofit/>
+          </a:bodyPr>
+          <a:lstStyle>
+            <a:lvl1pPr marL="228600" indent="-228600" algn="l" defTabSz="914400" rtl="0" eaLnBrk="1" latinLnBrk="0" hangingPunct="1">
+              <a:lnSpc>
+                <a:spcPct val="90000"/>
+              </a:lnSpc>
+              <a:spcBef>
+                <a:spcPts val="1000"/>
+              </a:spcBef>
+              <a:buFont typeface="Arial" panose="020B0604020202020204" pitchFamily="34" charset="0"/>
+              <a:buChar char="•"/>
+              <a:defRPr sz="2800" kern="1200">
+                <a:solidFill>
+                  <a:schemeClr val="tx1"/>
+                </a:solidFill>
+                <a:latin typeface="+mn-lt"/>
+                <a:ea typeface="+mn-ea"/>
+                <a:cs typeface="+mn-cs"/>
+              </a:defRPr>
+            </a:lvl1pPr>
+            <a:lvl2pPr marL="685800" indent="-228600" algn="l" defTabSz="914400" rtl="0" eaLnBrk="1" latinLnBrk="0" hangingPunct="1">
+              <a:lnSpc>
+                <a:spcPct val="90000"/>
+              </a:lnSpc>
+              <a:spcBef>
+                <a:spcPts val="500"/>
+              </a:spcBef>
+              <a:buFont typeface="Arial" panose="020B0604020202020204" pitchFamily="34" charset="0"/>
+              <a:buChar char="•"/>
+              <a:defRPr sz="2400" kern="1200">
+                <a:solidFill>
+                  <a:schemeClr val="tx1"/>
+                </a:solidFill>
+                <a:latin typeface="+mn-lt"/>
+                <a:ea typeface="+mn-ea"/>
+                <a:cs typeface="+mn-cs"/>
+              </a:defRPr>
+            </a:lvl2pPr>
+            <a:lvl3pPr marL="1143000" indent="-228600" algn="l" defTabSz="914400" rtl="0" eaLnBrk="1" latinLnBrk="0" hangingPunct="1">
+              <a:lnSpc>
+                <a:spcPct val="90000"/>
+              </a:lnSpc>
+              <a:spcBef>
+                <a:spcPts val="500"/>
+              </a:spcBef>
+              <a:buFont typeface="Arial" panose="020B0604020202020204" pitchFamily="34" charset="0"/>
+              <a:buChar char="•"/>
+              <a:defRPr sz="2000" kern="1200">
+                <a:solidFill>
+                  <a:schemeClr val="tx1"/>
+                </a:solidFill>
+                <a:latin typeface="+mn-lt"/>
+                <a:ea typeface="+mn-ea"/>
+                <a:cs typeface="+mn-cs"/>
+              </a:defRPr>
+            </a:lvl3pPr>
+            <a:lvl4pPr marL="1600200" indent="-228600" algn="l" defTabSz="914400" rtl="0" eaLnBrk="1" latinLnBrk="0" hangingPunct="1">
+              <a:lnSpc>
+                <a:spcPct val="90000"/>
+              </a:lnSpc>
+              <a:spcBef>
+                <a:spcPts val="500"/>
+              </a:spcBef>
+              <a:buFont typeface="Arial" panose="020B0604020202020204" pitchFamily="34" charset="0"/>
+              <a:buChar char="•"/>
+              <a:defRPr sz="1800" kern="1200">
+                <a:solidFill>
+                  <a:schemeClr val="tx1"/>
+                </a:solidFill>
+                <a:latin typeface="+mn-lt"/>
+                <a:ea typeface="+mn-ea"/>
+                <a:cs typeface="+mn-cs"/>
+              </a:defRPr>
+            </a:lvl4pPr>
+            <a:lvl5pPr marL="2057400" indent="-228600" algn="l" defTabSz="914400" rtl="0" eaLnBrk="1" latinLnBrk="0" hangingPunct="1">
+              <a:lnSpc>
+                <a:spcPct val="90000"/>
+              </a:lnSpc>
+              <a:spcBef>
+                <a:spcPts val="500"/>
+              </a:spcBef>
+              <a:buFont typeface="Arial" panose="020B0604020202020204" pitchFamily="34" charset="0"/>
+              <a:buChar char="•"/>
+              <a:defRPr sz="1800" kern="1200">
+                <a:solidFill>
+                  <a:schemeClr val="tx1"/>
+                </a:solidFill>
+                <a:latin typeface="+mn-lt"/>
+                <a:ea typeface="+mn-ea"/>
+                <a:cs typeface="+mn-cs"/>
+              </a:defRPr>
+            </a:lvl5pPr>
+            <a:lvl6pPr marL="2514600" indent="-228600" algn="l" defTabSz="914400" rtl="0" eaLnBrk="1" latinLnBrk="0" hangingPunct="1">
+              <a:lnSpc>
+                <a:spcPct val="90000"/>
+              </a:lnSpc>
+              <a:spcBef>
+                <a:spcPts val="500"/>
+              </a:spcBef>
+              <a:buFont typeface="Arial" panose="020B0604020202020204" pitchFamily="34" charset="0"/>
+              <a:buChar char="•"/>
+              <a:defRPr sz="1800" kern="1200">
+                <a:solidFill>
+                  <a:schemeClr val="tx1"/>
+                </a:solidFill>
+                <a:latin typeface="+mn-lt"/>
+                <a:ea typeface="+mn-ea"/>
+                <a:cs typeface="+mn-cs"/>
+              </a:defRPr>
+            </a:lvl6pPr>
+            <a:lvl7pPr marL="2971800" indent="-228600" algn="l" defTabSz="914400" rtl="0" eaLnBrk="1" latinLnBrk="0" hangingPunct="1">
+              <a:lnSpc>
+                <a:spcPct val="90000"/>
+              </a:lnSpc>
+              <a:spcBef>
+                <a:spcPts val="500"/>
+              </a:spcBef>
+              <a:buFont typeface="Arial" panose="020B0604020202020204" pitchFamily="34" charset="0"/>
+              <a:buChar char="•"/>
+              <a:defRPr sz="1800" kern="1200">
+                <a:solidFill>
+                  <a:schemeClr val="tx1"/>
+                </a:solidFill>
+                <a:latin typeface="+mn-lt"/>
+                <a:ea typeface="+mn-ea"/>
+                <a:cs typeface="+mn-cs"/>
+              </a:defRPr>
+            </a:lvl7pPr>
+            <a:lvl8pPr marL="3429000" indent="-228600" algn="l" defTabSz="914400" rtl="0" eaLnBrk="1" latinLnBrk="0" hangingPunct="1">
+              <a:lnSpc>
+                <a:spcPct val="90000"/>
+              </a:lnSpc>
+              <a:spcBef>
+                <a:spcPts val="500"/>
+              </a:spcBef>
+              <a:buFont typeface="Arial" panose="020B0604020202020204" pitchFamily="34" charset="0"/>
+              <a:buChar char="•"/>
+              <a:defRPr sz="1800" kern="1200">
+                <a:solidFill>
+                  <a:schemeClr val="tx1"/>
+                </a:solidFill>
+                <a:latin typeface="+mn-lt"/>
+                <a:ea typeface="+mn-ea"/>
+                <a:cs typeface="+mn-cs"/>
+              </a:defRPr>
+            </a:lvl8pPr>
+            <a:lvl9pPr marL="3886200" indent="-228600" algn="l" defTabSz="914400" rtl="0" eaLnBrk="1" latinLnBrk="0" hangingPunct="1">
+              <a:lnSpc>
+                <a:spcPct val="90000"/>
+              </a:lnSpc>
+              <a:spcBef>
+                <a:spcPts val="500"/>
+              </a:spcBef>
+              <a:buFont typeface="Arial" panose="020B0604020202020204" pitchFamily="34" charset="0"/>
+              <a:buChar char="•"/>
+              <a:defRPr sz="1800" kern="1200">
+                <a:solidFill>
+                  <a:schemeClr val="tx1"/>
+                </a:solidFill>
+                <a:latin typeface="+mn-lt"/>
+                <a:ea typeface="+mn-ea"/>
+                <a:cs typeface="+mn-cs"/>
+              </a:defRPr>
+            </a:lvl9pPr>
+          </a:lstStyle>
+          <a:p>
+            <a:pPr marL="0" indent="0">
+              <a:spcBef>
+                <a:spcPts val="0"/>
+              </a:spcBef>
+              <a:spcAft>
+                <a:spcPts val="1200"/>
+              </a:spcAft>
+              <a:buFont typeface="Arial" panose="020B0604020202020204" pitchFamily="34" charset="0"/>
+              <a:buNone/>
+            </a:pPr>
+            <a:r>
+              <a:rPr lang="it-IT" sz="2400" dirty="0">
+                <a:latin typeface="Palatino" pitchFamily="2" charset="77"/>
+                <a:ea typeface="Palatino" pitchFamily="2" charset="77"/>
+              </a:rPr>
+              <a:t>Linear Program </a:t>
+            </a:r>
+            <a:r>
+              <a:rPr lang="it-IT" sz="2400" dirty="0" err="1">
+                <a:latin typeface="Palatino" pitchFamily="2" charset="77"/>
+                <a:ea typeface="Palatino" pitchFamily="2" charset="77"/>
+              </a:rPr>
+              <a:t>failure</a:t>
+            </a:r>
+            <a:endParaRPr lang="it-IT" sz="2400" dirty="0">
+              <a:latin typeface="Palatino" pitchFamily="2" charset="77"/>
+              <a:ea typeface="Palatino" pitchFamily="2" charset="77"/>
+            </a:endParaRPr>
+          </a:p>
+          <a:p>
+            <a:pPr marL="0" indent="0">
+              <a:spcBef>
+                <a:spcPts val="0"/>
+              </a:spcBef>
+              <a:spcAft>
+                <a:spcPts val="1200"/>
+              </a:spcAft>
+              <a:buNone/>
+            </a:pPr>
+            <a:r>
+              <a:rPr lang="en-GB" sz="1400" dirty="0">
+                <a:solidFill>
+                  <a:schemeClr val="bg1">
+                    <a:lumMod val="50000"/>
+                  </a:schemeClr>
+                </a:solidFill>
+                <a:latin typeface="Palatino" pitchFamily="2" charset="77"/>
+                <a:ea typeface="Palatino" pitchFamily="2" charset="77"/>
+              </a:rPr>
+              <a:t>During the execution of the algorithm, the Linear Programming problem (LPP) used to select the optimal superarms probability distribution may fail to return a feasible solution</a:t>
+            </a:r>
+          </a:p>
+          <a:p>
+            <a:pPr marL="0" indent="0">
+              <a:spcBef>
+                <a:spcPts val="0"/>
+              </a:spcBef>
+              <a:spcAft>
+                <a:spcPts val="1200"/>
+              </a:spcAft>
+              <a:buNone/>
+            </a:pPr>
+            <a:r>
+              <a:rPr lang="en-GB" sz="1400" dirty="0">
+                <a:solidFill>
+                  <a:schemeClr val="bg1">
+                    <a:lumMod val="50000"/>
+                  </a:schemeClr>
+                </a:solidFill>
+                <a:latin typeface="Palatino" pitchFamily="2" charset="77"/>
+                <a:ea typeface="Palatino" pitchFamily="2" charset="77"/>
+              </a:rPr>
+              <a:t>To handle such cases gracefully, we implemented a fallback mechanism that finds an alternative solution when the LPP becomes infeasible</a:t>
+            </a:r>
+          </a:p>
+          <a:p>
+            <a:pPr marL="0" indent="0">
+              <a:spcBef>
+                <a:spcPts val="0"/>
+              </a:spcBef>
+              <a:spcAft>
+                <a:spcPts val="1200"/>
+              </a:spcAft>
+              <a:buNone/>
+            </a:pPr>
+            <a:r>
+              <a:rPr lang="en-GB" sz="1400" dirty="0">
+                <a:solidFill>
+                  <a:schemeClr val="bg1">
+                    <a:lumMod val="50000"/>
+                  </a:schemeClr>
+                </a:solidFill>
+                <a:latin typeface="Palatino" pitchFamily="2" charset="77"/>
+                <a:ea typeface="Palatino" pitchFamily="2" charset="77"/>
+              </a:rPr>
+              <a:t>The idea is simple: among the feasible superarms, we return the one with maximum expected reward; if no feasible superarm is available, we choose the one with minimum cost</a:t>
+            </a:r>
+          </a:p>
+          <a:p>
+            <a:pPr marL="0" indent="0">
+              <a:spcBef>
+                <a:spcPts val="0"/>
+              </a:spcBef>
+              <a:spcAft>
+                <a:spcPts val="1200"/>
+              </a:spcAft>
+              <a:buNone/>
+            </a:pPr>
+            <a:r>
+              <a:rPr lang="en-GB" sz="1400" dirty="0">
+                <a:solidFill>
+                  <a:schemeClr val="bg1">
+                    <a:lumMod val="50000"/>
+                  </a:schemeClr>
+                </a:solidFill>
+                <a:latin typeface="Palatino" pitchFamily="2" charset="77"/>
+                <a:ea typeface="Palatino" pitchFamily="2" charset="77"/>
+              </a:rPr>
+              <a:t>Although, in our work this case never occurred, our algorithm does not need to stop in case of LPP failure</a:t>
+            </a:r>
+          </a:p>
+          <a:p>
+            <a:pPr marL="0" indent="0">
+              <a:spcBef>
+                <a:spcPts val="0"/>
+              </a:spcBef>
+              <a:spcAft>
+                <a:spcPts val="1200"/>
+              </a:spcAft>
+              <a:buNone/>
+            </a:pPr>
+            <a:endParaRPr lang="en-GB" sz="1400" dirty="0">
+              <a:solidFill>
+                <a:schemeClr val="bg1">
+                  <a:lumMod val="50000"/>
+                </a:schemeClr>
+              </a:solidFill>
+              <a:latin typeface="Palatino" pitchFamily="2" charset="77"/>
+              <a:ea typeface="Palatino" pitchFamily="2" charset="77"/>
+            </a:endParaRPr>
+          </a:p>
+          <a:p>
+            <a:pPr marL="0" indent="0">
+              <a:spcBef>
+                <a:spcPts val="0"/>
+              </a:spcBef>
+              <a:spcAft>
+                <a:spcPts val="1200"/>
+              </a:spcAft>
+              <a:buNone/>
+            </a:pPr>
+            <a:endParaRPr lang="en-GB" sz="1400" dirty="0">
+              <a:solidFill>
+                <a:schemeClr val="bg1">
+                  <a:lumMod val="50000"/>
+                </a:schemeClr>
+              </a:solidFill>
+              <a:latin typeface="Palatino" pitchFamily="2" charset="77"/>
+              <a:ea typeface="Palatino" pitchFamily="2" charset="77"/>
+            </a:endParaRPr>
+          </a:p>
+        </p:txBody>
+      </p:sp>
+    </p:spTree>
+    <p:extLst>
+      <p:ext uri="{BB962C8B-B14F-4D97-AF65-F5344CB8AC3E}">
+        <p14:creationId xmlns:p14="http://schemas.microsoft.com/office/powerpoint/2010/main" val="3959804081"/>
+      </p:ext>
+    </p:extLst>
+  </p:cSld>
+  <p:clrMapOvr>
+    <a:masterClrMapping/>
+  </p:clrMapOvr>
+</p:sld>
+</file>
+
+<file path=ppt/slides/slide29.xml><?xml version="1.0" encoding="utf-8"?>
+<p:sld xmlns:a="http://schemas.openxmlformats.org/drawingml/2006/main" xmlns:r="http://schemas.openxmlformats.org/officeDocument/2006/relationships" xmlns:p="http://schemas.openxmlformats.org/presentationml/2006/main">
+  <p:cSld>
+    <p:spTree>
+      <p:nvGrpSpPr>
+        <p:cNvPr id="1" name="">
+          <a:extLst>
+            <a:ext uri="{FF2B5EF4-FFF2-40B4-BE49-F238E27FC236}">
+              <a16:creationId xmlns:a16="http://schemas.microsoft.com/office/drawing/2014/main" id="{C139D4B7-74A8-2174-B9C1-53F1DCD96555}"/>
+            </a:ext>
+          </a:extLst>
+        </p:cNvPr>
+        <p:cNvGrpSpPr/>
+        <p:nvPr/>
+      </p:nvGrpSpPr>
+      <p:grpSpPr>
+        <a:xfrm>
+          <a:off x="0" y="0"/>
+          <a:ext cx="0" cy="0"/>
+          <a:chOff x="0" y="0"/>
+          <a:chExt cx="0" cy="0"/>
+        </a:xfrm>
+      </p:grpSpPr>
+      <p:sp>
+        <p:nvSpPr>
+          <p:cNvPr id="2" name="Title 1">
+            <a:extLst>
+              <a:ext uri="{FF2B5EF4-FFF2-40B4-BE49-F238E27FC236}">
+                <a16:creationId xmlns:a16="http://schemas.microsoft.com/office/drawing/2014/main" id="{F04001FE-5743-F298-E27E-24E154A289C1}"/>
+              </a:ext>
+            </a:extLst>
+          </p:cNvPr>
+          <p:cNvSpPr>
+            <a:spLocks noGrp="1"/>
+          </p:cNvSpPr>
+          <p:nvPr>
+            <p:ph type="title"/>
+          </p:nvPr>
+        </p:nvSpPr>
+        <p:spPr/>
+        <p:txBody>
+          <a:bodyPr/>
+          <a:lstStyle/>
+          <a:p>
+            <a:r>
+              <a:rPr lang="en-IT" dirty="0">
+                <a:latin typeface="Palatino" pitchFamily="2" charset="77"/>
+                <a:ea typeface="Palatino" pitchFamily="2" charset="77"/>
+              </a:rPr>
+              <a:t>Budget</a:t>
+            </a:r>
+          </a:p>
+        </p:txBody>
+      </p:sp>
+      <mc:AlternateContent xmlns:mc="http://schemas.openxmlformats.org/markup-compatibility/2006">
+        <mc:Choice xmlns:a14="http://schemas.microsoft.com/office/drawing/2010/main" Requires="a14">
+          <p:sp>
+            <p:nvSpPr>
+              <p:cNvPr id="3" name="Content Placeholder 2">
+                <a:extLst>
+                  <a:ext uri="{FF2B5EF4-FFF2-40B4-BE49-F238E27FC236}">
+                    <a16:creationId xmlns:a16="http://schemas.microsoft.com/office/drawing/2014/main" id="{BC930411-7A71-5934-249F-C18E0761F837}"/>
+                  </a:ext>
+                </a:extLst>
+              </p:cNvPr>
+              <p:cNvSpPr>
+                <a:spLocks noGrp="1"/>
+              </p:cNvSpPr>
+              <p:nvPr>
+                <p:ph idx="1"/>
+              </p:nvPr>
+            </p:nvSpPr>
+            <p:spPr>
+              <a:xfrm>
+                <a:off x="838201" y="1668322"/>
+                <a:ext cx="5153628" cy="5102868"/>
+              </a:xfrm>
+            </p:spPr>
+            <p:txBody>
+              <a:bodyPr>
+                <a:noAutofit/>
+              </a:bodyPr>
+              <a:lstStyle/>
+              <a:p>
+                <a:pPr marL="0" indent="0">
+                  <a:spcBef>
+                    <a:spcPts val="0"/>
+                  </a:spcBef>
+                  <a:spcAft>
+                    <a:spcPts val="1200"/>
+                  </a:spcAft>
+                  <a:buNone/>
+                </a:pPr>
+                <a:r>
+                  <a:rPr lang="en-IT" sz="2400" dirty="0">
+                    <a:latin typeface="Palatino" pitchFamily="2" charset="77"/>
+                    <a:ea typeface="Palatino" pitchFamily="2" charset="77"/>
+                  </a:rPr>
+                  <a:t>Dynamic version</a:t>
+                </a:r>
+              </a:p>
+              <a:p>
+                <a:pPr marL="0" indent="0">
+                  <a:spcBef>
+                    <a:spcPts val="0"/>
+                  </a:spcBef>
+                  <a:spcAft>
+                    <a:spcPts val="1200"/>
+                  </a:spcAft>
+                  <a:buNone/>
+                </a:pPr>
+                <a:r>
+                  <a:rPr lang="en-IT" sz="1600" dirty="0">
+                    <a:solidFill>
+                      <a:schemeClr val="bg1">
+                        <a:lumMod val="50000"/>
+                      </a:schemeClr>
+                    </a:solidFill>
+                    <a:latin typeface="Palatino" pitchFamily="2" charset="77"/>
+                    <a:ea typeface="Palatino" pitchFamily="2" charset="77"/>
+                  </a:rPr>
+                  <a:t>In the previous plots, it is possible to notice that:</a:t>
+                </a:r>
+              </a:p>
+              <a:p>
+                <a:pPr marL="342900" indent="-342900">
+                  <a:spcBef>
+                    <a:spcPts val="0"/>
+                  </a:spcBef>
+                  <a:spcAft>
+                    <a:spcPts val="600"/>
+                  </a:spcAft>
+                  <a:buAutoNum type="arabicPeriod"/>
+                </a:pPr>
+                <a:r>
+                  <a:rPr lang="en-IT" sz="1600" dirty="0">
+                    <a:solidFill>
+                      <a:schemeClr val="bg1">
+                        <a:lumMod val="50000"/>
+                      </a:schemeClr>
+                    </a:solidFill>
+                    <a:latin typeface="Palatino" pitchFamily="2" charset="77"/>
+                    <a:ea typeface="Palatino" pitchFamily="2" charset="77"/>
+                  </a:rPr>
+                  <a:t>The budget runs out early</a:t>
+                </a:r>
+              </a:p>
+              <a:p>
+                <a:pPr marL="342900" indent="-342900">
+                  <a:spcBef>
+                    <a:spcPts val="0"/>
+                  </a:spcBef>
+                  <a:spcAft>
+                    <a:spcPts val="600"/>
+                  </a:spcAft>
+                  <a:buAutoNum type="arabicPeriod"/>
+                </a:pPr>
+                <a:r>
+                  <a:rPr lang="en-IT" sz="1600" dirty="0">
+                    <a:solidFill>
+                      <a:schemeClr val="bg1">
+                        <a:lumMod val="50000"/>
+                      </a:schemeClr>
+                    </a:solidFill>
+                    <a:latin typeface="Palatino" pitchFamily="2" charset="77"/>
+                    <a:ea typeface="Palatino" pitchFamily="2" charset="77"/>
+                  </a:rPr>
+                  <a:t>The per-round consumption looks appears to be higher than </a:t>
+                </a:r>
+                <a14:m>
+                  <m:oMath xmlns:m="http://schemas.openxmlformats.org/officeDocument/2006/math">
+                    <m:r>
+                      <a:rPr lang="en-IT" sz="1600" i="1" smtClean="0">
+                        <a:solidFill>
+                          <a:schemeClr val="bg1">
+                            <a:lumMod val="50000"/>
+                          </a:schemeClr>
+                        </a:solidFill>
+                        <a:latin typeface="Cambria Math" panose="02040503050406030204" pitchFamily="18" charset="0"/>
+                        <a:ea typeface="Cambria Math" panose="02040503050406030204" pitchFamily="18" charset="0"/>
+                      </a:rPr>
+                      <m:t>𝜌</m:t>
+                    </m:r>
+                  </m:oMath>
+                </a14:m>
+                <a:r>
+                  <a:rPr lang="en-IT" sz="1600" dirty="0">
+                    <a:solidFill>
+                      <a:schemeClr val="bg1">
+                        <a:lumMod val="50000"/>
+                      </a:schemeClr>
+                    </a:solidFill>
+                    <a:latin typeface="Palatino" pitchFamily="2" charset="77"/>
+                    <a:ea typeface="Palatino" pitchFamily="2" charset="77"/>
+                  </a:rPr>
+                  <a:t> on average</a:t>
+                </a:r>
+              </a:p>
+              <a:p>
+                <a:pPr marL="0" indent="0">
+                  <a:spcBef>
+                    <a:spcPts val="0"/>
+                  </a:spcBef>
+                  <a:spcAft>
+                    <a:spcPts val="1200"/>
+                  </a:spcAft>
+                  <a:buNone/>
+                </a:pPr>
+                <a:r>
+                  <a:rPr lang="en-IT" sz="1600" dirty="0">
+                    <a:solidFill>
+                      <a:schemeClr val="bg1">
+                        <a:lumMod val="50000"/>
+                      </a:schemeClr>
+                    </a:solidFill>
+                    <a:latin typeface="Palatino" pitchFamily="2" charset="77"/>
+                    <a:ea typeface="Palatino" pitchFamily="2" charset="77"/>
+                  </a:rPr>
+                  <a:t>______________________________________</a:t>
+                </a:r>
+              </a:p>
+              <a:p>
+                <a:pPr marL="0" indent="0">
+                  <a:spcBef>
+                    <a:spcPts val="0"/>
+                  </a:spcBef>
+                  <a:spcAft>
+                    <a:spcPts val="1200"/>
+                  </a:spcAft>
+                  <a:buNone/>
+                </a:pPr>
+                <a:r>
+                  <a:rPr lang="en-IT" sz="1600" dirty="0">
+                    <a:solidFill>
+                      <a:schemeClr val="bg1">
+                        <a:lumMod val="50000"/>
+                      </a:schemeClr>
+                    </a:solidFill>
+                    <a:latin typeface="Palatino" pitchFamily="2" charset="77"/>
+                    <a:ea typeface="Palatino" pitchFamily="2" charset="77"/>
+                  </a:rPr>
+                  <a:t>Thus, we implemented a version of our algorithm using dynamic per-round budget</a:t>
+                </a:r>
+                <a:r>
+                  <a:rPr lang="en-IT" sz="1600" dirty="0">
+                    <a:solidFill>
+                      <a:schemeClr val="bg1">
+                        <a:lumMod val="50000"/>
+                      </a:schemeClr>
+                    </a:solidFill>
+                    <a:ea typeface="Cambria Math" panose="02040503050406030204" pitchFamily="18" charset="0"/>
+                  </a:rPr>
+                  <a:t> </a:t>
+                </a:r>
+              </a:p>
+              <a:p>
+                <a:pPr marL="0" indent="0">
+                  <a:spcBef>
+                    <a:spcPts val="0"/>
+                  </a:spcBef>
+                  <a:spcAft>
+                    <a:spcPts val="1800"/>
+                  </a:spcAft>
+                  <a:buNone/>
+                </a:pPr>
+                <a14:m>
+                  <m:oMath xmlns:m="http://schemas.openxmlformats.org/officeDocument/2006/math">
+                    <m:r>
+                      <a:rPr lang="en-IT" sz="1600" i="1">
+                        <a:solidFill>
+                          <a:schemeClr val="bg1">
+                            <a:lumMod val="50000"/>
+                          </a:schemeClr>
+                        </a:solidFill>
+                        <a:latin typeface="Cambria Math" panose="02040503050406030204" pitchFamily="18" charset="0"/>
+                        <a:ea typeface="Cambria Math" panose="02040503050406030204" pitchFamily="18" charset="0"/>
+                      </a:rPr>
+                      <m:t>𝜌</m:t>
+                    </m:r>
+                  </m:oMath>
+                </a14:m>
+                <a:r>
+                  <a:rPr lang="en-IT" sz="1600" baseline="-25000" dirty="0">
+                    <a:solidFill>
+                      <a:schemeClr val="bg1">
+                        <a:lumMod val="50000"/>
+                      </a:schemeClr>
+                    </a:solidFill>
+                    <a:latin typeface="Palatino" pitchFamily="2" charset="77"/>
+                    <a:ea typeface="Palatino" pitchFamily="2" charset="77"/>
+                  </a:rPr>
+                  <a:t>d </a:t>
+                </a:r>
+                <a:r>
+                  <a:rPr lang="en-IT" sz="1600" dirty="0">
+                    <a:solidFill>
+                      <a:schemeClr val="bg1">
+                        <a:lumMod val="50000"/>
+                      </a:schemeClr>
+                    </a:solidFill>
+                    <a:latin typeface="Palatino" pitchFamily="2" charset="77"/>
+                    <a:ea typeface="Palatino" pitchFamily="2" charset="77"/>
+                  </a:rPr>
+                  <a:t>= </a:t>
+                </a:r>
+                <a14:m>
+                  <m:oMath xmlns:m="http://schemas.openxmlformats.org/officeDocument/2006/math">
+                    <m:f>
+                      <m:fPr>
+                        <m:ctrlPr>
+                          <a:rPr lang="en-IT" sz="1600" i="1" smtClean="0">
+                            <a:solidFill>
+                              <a:schemeClr val="bg1">
+                                <a:lumMod val="50000"/>
+                              </a:schemeClr>
+                            </a:solidFill>
+                            <a:latin typeface="Cambria Math" panose="02040503050406030204" pitchFamily="18" charset="0"/>
+                            <a:ea typeface="Palatino" pitchFamily="2" charset="77"/>
+                          </a:rPr>
+                        </m:ctrlPr>
+                      </m:fPr>
+                      <m:num>
+                        <m:r>
+                          <a:rPr lang="it-IT" sz="1600" b="0" i="1" smtClean="0">
+                            <a:solidFill>
+                              <a:schemeClr val="bg1">
+                                <a:lumMod val="50000"/>
+                              </a:schemeClr>
+                            </a:solidFill>
+                            <a:latin typeface="Cambria Math" panose="02040503050406030204" pitchFamily="18" charset="0"/>
+                            <a:ea typeface="Palatino" pitchFamily="2" charset="77"/>
+                          </a:rPr>
+                          <m:t>𝑅𝑒𝑚𝑎𝑖𝑛𝑖𝑛𝑔</m:t>
+                        </m:r>
+                        <m:r>
+                          <a:rPr lang="it-IT" sz="1600" b="0" i="1" smtClean="0">
+                            <a:solidFill>
+                              <a:schemeClr val="bg1">
+                                <a:lumMod val="50000"/>
+                              </a:schemeClr>
+                            </a:solidFill>
+                            <a:latin typeface="Cambria Math" panose="02040503050406030204" pitchFamily="18" charset="0"/>
+                            <a:ea typeface="Palatino" pitchFamily="2" charset="77"/>
+                          </a:rPr>
+                          <m:t> </m:t>
+                        </m:r>
+                        <m:r>
+                          <a:rPr lang="it-IT" sz="1600" b="0" i="1" smtClean="0">
+                            <a:solidFill>
+                              <a:schemeClr val="bg1">
+                                <a:lumMod val="50000"/>
+                              </a:schemeClr>
+                            </a:solidFill>
+                            <a:latin typeface="Cambria Math" panose="02040503050406030204" pitchFamily="18" charset="0"/>
+                            <a:ea typeface="Palatino" pitchFamily="2" charset="77"/>
+                          </a:rPr>
+                          <m:t>𝐵𝑢𝑑𝑔𝑒𝑡</m:t>
+                        </m:r>
+                      </m:num>
+                      <m:den>
+                        <m:r>
+                          <a:rPr lang="it-IT" sz="1600" b="0" i="1" smtClean="0">
+                            <a:solidFill>
+                              <a:schemeClr val="bg1">
+                                <a:lumMod val="50000"/>
+                              </a:schemeClr>
+                            </a:solidFill>
+                            <a:latin typeface="Cambria Math" panose="02040503050406030204" pitchFamily="18" charset="0"/>
+                            <a:ea typeface="Palatino" pitchFamily="2" charset="77"/>
+                          </a:rPr>
+                          <m:t>𝑅𝑒𝑚𝑎𝑖𝑛𝑖𝑛𝑔</m:t>
+                        </m:r>
+                        <m:r>
+                          <a:rPr lang="it-IT" sz="1600" b="0" i="1" smtClean="0">
+                            <a:solidFill>
+                              <a:schemeClr val="bg1">
+                                <a:lumMod val="50000"/>
+                              </a:schemeClr>
+                            </a:solidFill>
+                            <a:latin typeface="Cambria Math" panose="02040503050406030204" pitchFamily="18" charset="0"/>
+                            <a:ea typeface="Palatino" pitchFamily="2" charset="77"/>
+                          </a:rPr>
+                          <m:t> </m:t>
+                        </m:r>
+                        <m:r>
+                          <a:rPr lang="it-IT" sz="1600" b="0" i="1" smtClean="0">
+                            <a:solidFill>
+                              <a:schemeClr val="bg1">
+                                <a:lumMod val="50000"/>
+                              </a:schemeClr>
+                            </a:solidFill>
+                            <a:latin typeface="Cambria Math" panose="02040503050406030204" pitchFamily="18" charset="0"/>
+                            <a:ea typeface="Palatino" pitchFamily="2" charset="77"/>
+                          </a:rPr>
+                          <m:t>𝑅𝑜𝑢𝑛𝑑𝑠</m:t>
+                        </m:r>
+                      </m:den>
+                    </m:f>
+                  </m:oMath>
+                </a14:m>
+                <a:endParaRPr lang="en-IT" sz="1600" dirty="0">
+                  <a:solidFill>
+                    <a:schemeClr val="bg1">
+                      <a:lumMod val="50000"/>
+                    </a:schemeClr>
+                  </a:solidFill>
+                  <a:latin typeface="Palatino" pitchFamily="2" charset="77"/>
+                  <a:ea typeface="Palatino" pitchFamily="2" charset="77"/>
+                </a:endParaRPr>
+              </a:p>
+              <a:p>
+                <a:pPr marL="0" indent="0">
+                  <a:spcBef>
+                    <a:spcPts val="0"/>
+                  </a:spcBef>
+                  <a:spcAft>
+                    <a:spcPts val="1200"/>
+                  </a:spcAft>
+                  <a:buNone/>
+                </a:pPr>
+                <a:r>
+                  <a:rPr lang="en-IT" sz="1600" dirty="0">
+                    <a:solidFill>
+                      <a:schemeClr val="bg1">
+                        <a:lumMod val="50000"/>
+                      </a:schemeClr>
+                    </a:solidFill>
+                    <a:latin typeface="Palatino" pitchFamily="2" charset="77"/>
+                    <a:ea typeface="Palatino" pitchFamily="2" charset="77"/>
+                  </a:rPr>
+                  <a:t>Achieving:</a:t>
+                </a:r>
+              </a:p>
+              <a:p>
+                <a:pPr marL="342900" indent="-342900">
+                  <a:spcBef>
+                    <a:spcPts val="0"/>
+                  </a:spcBef>
+                  <a:spcAft>
+                    <a:spcPts val="600"/>
+                  </a:spcAft>
+                  <a:buAutoNum type="arabicPeriod"/>
+                </a:pPr>
+                <a:r>
+                  <a:rPr lang="en-IT" sz="1600" dirty="0">
+                    <a:solidFill>
+                      <a:schemeClr val="bg1">
+                        <a:lumMod val="50000"/>
+                      </a:schemeClr>
+                    </a:solidFill>
+                    <a:latin typeface="Palatino" pitchFamily="2" charset="77"/>
+                    <a:ea typeface="Palatino" pitchFamily="2" charset="77"/>
+                  </a:rPr>
+                  <a:t>Lower absolute value for the regret</a:t>
+                </a:r>
+              </a:p>
+              <a:p>
+                <a:pPr marL="342900" indent="-342900">
+                  <a:spcBef>
+                    <a:spcPts val="0"/>
+                  </a:spcBef>
+                  <a:spcAft>
+                    <a:spcPts val="600"/>
+                  </a:spcAft>
+                  <a:buAutoNum type="arabicPeriod"/>
+                </a:pPr>
+                <a:r>
+                  <a:rPr lang="en-IT" sz="1600" dirty="0">
+                    <a:solidFill>
+                      <a:schemeClr val="bg1">
+                        <a:lumMod val="50000"/>
+                      </a:schemeClr>
+                    </a:solidFill>
+                    <a:latin typeface="Palatino" pitchFamily="2" charset="77"/>
+                    <a:ea typeface="Palatino" pitchFamily="2" charset="77"/>
+                  </a:rPr>
+                  <a:t>Better budget management over time</a:t>
+                </a:r>
+              </a:p>
+              <a:p>
+                <a:pPr marL="0" indent="0">
+                  <a:spcBef>
+                    <a:spcPts val="0"/>
+                  </a:spcBef>
+                  <a:spcAft>
+                    <a:spcPts val="1200"/>
+                  </a:spcAft>
+                  <a:buNone/>
+                </a:pPr>
+                <a:r>
+                  <a:rPr lang="en-IT" sz="1200" dirty="0">
+                    <a:solidFill>
+                      <a:schemeClr val="bg1">
+                        <a:lumMod val="50000"/>
+                      </a:schemeClr>
+                    </a:solidFill>
+                    <a:latin typeface="Palatino" pitchFamily="2" charset="77"/>
+                    <a:ea typeface="Palatino" pitchFamily="2" charset="77"/>
+                  </a:rPr>
+                  <a:t>In this version we also use dynamic bound </a:t>
+                </a:r>
+                <a14:m>
+                  <m:oMath xmlns:m="http://schemas.openxmlformats.org/officeDocument/2006/math">
+                    <m:r>
+                      <a:rPr lang="en-IT" sz="1200" i="1" smtClean="0">
+                        <a:solidFill>
+                          <a:schemeClr val="bg1">
+                            <a:lumMod val="50000"/>
+                          </a:schemeClr>
+                        </a:solidFill>
+                        <a:latin typeface="Cambria Math" panose="02040503050406030204" pitchFamily="18" charset="0"/>
+                        <a:ea typeface="Cambria Math" panose="02040503050406030204" pitchFamily="18" charset="0"/>
+                      </a:rPr>
+                      <m:t>√</m:t>
+                    </m:r>
+                    <m:f>
+                      <m:fPr>
+                        <m:ctrlPr>
+                          <a:rPr lang="en-IT" sz="1200" i="1" smtClean="0">
+                            <a:solidFill>
+                              <a:schemeClr val="bg1">
+                                <a:lumMod val="50000"/>
+                              </a:schemeClr>
+                            </a:solidFill>
+                            <a:latin typeface="Cambria Math" panose="02040503050406030204" pitchFamily="18" charset="0"/>
+                            <a:ea typeface="Cambria Math" panose="02040503050406030204" pitchFamily="18" charset="0"/>
+                          </a:rPr>
+                        </m:ctrlPr>
+                      </m:fPr>
+                      <m:num>
+                        <m:r>
+                          <a:rPr lang="it-IT" sz="1200" i="1">
+                            <a:solidFill>
+                              <a:schemeClr val="bg1">
+                                <a:lumMod val="50000"/>
+                              </a:schemeClr>
+                            </a:solidFill>
+                            <a:latin typeface="Cambria Math" panose="02040503050406030204" pitchFamily="18" charset="0"/>
+                            <a:ea typeface="Cambria Math" panose="02040503050406030204" pitchFamily="18" charset="0"/>
+                          </a:rPr>
+                          <m:t>2</m:t>
+                        </m:r>
+                        <m:r>
+                          <a:rPr lang="it-IT" sz="1200" i="1">
+                            <a:solidFill>
+                              <a:schemeClr val="bg1">
+                                <a:lumMod val="50000"/>
+                              </a:schemeClr>
+                            </a:solidFill>
+                            <a:latin typeface="Cambria Math" panose="02040503050406030204" pitchFamily="18" charset="0"/>
+                            <a:ea typeface="Cambria Math" panose="02040503050406030204" pitchFamily="18" charset="0"/>
+                          </a:rPr>
+                          <m:t>𝑙𝑜𝑔𝑡</m:t>
+                        </m:r>
+                      </m:num>
+                      <m:den>
+                        <m:r>
+                          <a:rPr lang="it-IT" sz="1200" b="0" i="1" smtClean="0">
+                            <a:solidFill>
+                              <a:schemeClr val="bg1">
+                                <a:lumMod val="50000"/>
+                              </a:schemeClr>
+                            </a:solidFill>
+                            <a:latin typeface="Cambria Math" panose="02040503050406030204" pitchFamily="18" charset="0"/>
+                            <a:ea typeface="Cambria Math" panose="02040503050406030204" pitchFamily="18" charset="0"/>
+                          </a:rPr>
+                          <m:t>𝑛</m:t>
+                        </m:r>
+                        <m:r>
+                          <a:rPr lang="it-IT" sz="1200" b="0" i="1" baseline="-25000" smtClean="0">
+                            <a:solidFill>
+                              <a:schemeClr val="bg1">
+                                <a:lumMod val="50000"/>
+                              </a:schemeClr>
+                            </a:solidFill>
+                            <a:latin typeface="Cambria Math" panose="02040503050406030204" pitchFamily="18" charset="0"/>
+                            <a:ea typeface="Cambria Math" panose="02040503050406030204" pitchFamily="18" charset="0"/>
+                          </a:rPr>
+                          <m:t>𝑡</m:t>
+                        </m:r>
+                        <m:r>
+                          <a:rPr lang="it-IT" sz="1200" b="0" i="1" baseline="-25000" smtClean="0">
+                            <a:solidFill>
+                              <a:schemeClr val="bg1">
+                                <a:lumMod val="50000"/>
+                              </a:schemeClr>
+                            </a:solidFill>
+                            <a:latin typeface="Cambria Math" panose="02040503050406030204" pitchFamily="18" charset="0"/>
+                            <a:ea typeface="Cambria Math" panose="02040503050406030204" pitchFamily="18" charset="0"/>
+                          </a:rPr>
+                          <m:t>−1</m:t>
+                        </m:r>
+                      </m:den>
+                    </m:f>
+                  </m:oMath>
+                </a14:m>
+                <a:endParaRPr lang="en-IT" sz="1800" dirty="0">
+                  <a:solidFill>
+                    <a:schemeClr val="bg1">
+                      <a:lumMod val="50000"/>
+                    </a:schemeClr>
+                  </a:solidFill>
+                  <a:latin typeface="Palatino" pitchFamily="2" charset="77"/>
+                  <a:ea typeface="Palatino" pitchFamily="2" charset="77"/>
+                </a:endParaRPr>
+              </a:p>
+              <a:p>
+                <a:pPr marL="0" indent="0">
+                  <a:spcBef>
+                    <a:spcPts val="0"/>
+                  </a:spcBef>
+                  <a:spcAft>
+                    <a:spcPts val="1200"/>
+                  </a:spcAft>
+                  <a:buNone/>
+                </a:pPr>
+                <a:endParaRPr lang="en-IT" sz="2400" dirty="0">
+                  <a:latin typeface="Palatino" pitchFamily="2" charset="77"/>
+                  <a:ea typeface="Palatino" pitchFamily="2" charset="77"/>
+                </a:endParaRPr>
+              </a:p>
+            </p:txBody>
+          </p:sp>
+        </mc:Choice>
+        <mc:Fallback>
+          <p:sp>
+            <p:nvSpPr>
+              <p:cNvPr id="3" name="Content Placeholder 2">
+                <a:extLst>
+                  <a:ext uri="{FF2B5EF4-FFF2-40B4-BE49-F238E27FC236}">
+                    <a16:creationId xmlns:a16="http://schemas.microsoft.com/office/drawing/2014/main" id="{BC930411-7A71-5934-249F-C18E0761F837}"/>
+                  </a:ext>
+                </a:extLst>
+              </p:cNvPr>
+              <p:cNvSpPr>
+                <a:spLocks noGrp="1" noRot="1" noChangeAspect="1" noMove="1" noResize="1" noEditPoints="1" noAdjustHandles="1" noChangeArrowheads="1" noChangeShapeType="1" noTextEdit="1"/>
+              </p:cNvSpPr>
+              <p:nvPr>
+                <p:ph idx="1"/>
+              </p:nvPr>
+            </p:nvSpPr>
+            <p:spPr>
+              <a:xfrm>
+                <a:off x="838201" y="1668322"/>
+                <a:ext cx="5153628" cy="5102868"/>
+              </a:xfrm>
+              <a:blipFill>
+                <a:blip r:embed="rId2"/>
+                <a:stretch>
+                  <a:fillRect l="-1970" t="-1737"/>
+                </a:stretch>
+              </a:blipFill>
+            </p:spPr>
+            <p:txBody>
+              <a:bodyPr/>
+              <a:lstStyle/>
+              <a:p>
+                <a:r>
+                  <a:rPr lang="en-IT">
+                    <a:noFill/>
+                  </a:rPr>
+                  <a:t> </a:t>
+                </a:r>
+              </a:p>
+            </p:txBody>
+          </p:sp>
+        </mc:Fallback>
+      </mc:AlternateContent>
+      <p:pic>
+        <p:nvPicPr>
+          <p:cNvPr id="5" name="Picture 4">
+            <a:extLst>
+              <a:ext uri="{FF2B5EF4-FFF2-40B4-BE49-F238E27FC236}">
+                <a16:creationId xmlns:a16="http://schemas.microsoft.com/office/drawing/2014/main" id="{1403DFBC-B77D-173B-F972-D68432666E93}"/>
+              </a:ext>
+            </a:extLst>
+          </p:cNvPr>
+          <p:cNvPicPr>
+            <a:picLocks noChangeAspect="1"/>
+          </p:cNvPicPr>
+          <p:nvPr/>
+        </p:nvPicPr>
+        <p:blipFill>
+          <a:blip r:embed="rId3"/>
+          <a:srcRect l="363" t="472" r="49637" b="-472"/>
+          <a:stretch>
+            <a:fillRect/>
+          </a:stretch>
+        </p:blipFill>
+        <p:spPr>
+          <a:xfrm>
+            <a:off x="6412376" y="539754"/>
+            <a:ext cx="1502546" cy="1209241"/>
+          </a:xfrm>
+          <a:prstGeom prst="rect">
+            <a:avLst/>
+          </a:prstGeom>
+        </p:spPr>
+      </p:pic>
+      <p:pic>
+        <p:nvPicPr>
+          <p:cNvPr id="7" name="Picture 6">
+            <a:extLst>
+              <a:ext uri="{FF2B5EF4-FFF2-40B4-BE49-F238E27FC236}">
+                <a16:creationId xmlns:a16="http://schemas.microsoft.com/office/drawing/2014/main" id="{7AD95902-E905-BB9D-D7F2-A0EFF5035D3C}"/>
+              </a:ext>
+            </a:extLst>
+          </p:cNvPr>
+          <p:cNvPicPr>
+            <a:picLocks noChangeAspect="1"/>
+          </p:cNvPicPr>
+          <p:nvPr/>
+        </p:nvPicPr>
+        <p:blipFill>
+          <a:blip r:embed="rId4"/>
+          <a:stretch>
+            <a:fillRect/>
+          </a:stretch>
+        </p:blipFill>
+        <p:spPr>
+          <a:xfrm>
+            <a:off x="6200173" y="3633715"/>
+            <a:ext cx="5588640" cy="2248853"/>
+          </a:xfrm>
+          <a:prstGeom prst="rect">
+            <a:avLst/>
+          </a:prstGeom>
+        </p:spPr>
+      </p:pic>
+      <p:pic>
+        <p:nvPicPr>
+          <p:cNvPr id="8" name="Picture 7">
+            <a:extLst>
+              <a:ext uri="{FF2B5EF4-FFF2-40B4-BE49-F238E27FC236}">
+                <a16:creationId xmlns:a16="http://schemas.microsoft.com/office/drawing/2014/main" id="{52D91A03-6B23-69B9-0FD1-50F056F7581D}"/>
+              </a:ext>
+            </a:extLst>
+          </p:cNvPr>
+          <p:cNvPicPr>
+            <a:picLocks noChangeAspect="1"/>
+          </p:cNvPicPr>
+          <p:nvPr/>
+        </p:nvPicPr>
+        <p:blipFill>
+          <a:blip r:embed="rId5"/>
+          <a:stretch>
+            <a:fillRect/>
+          </a:stretch>
+        </p:blipFill>
+        <p:spPr>
+          <a:xfrm>
+            <a:off x="7614911" y="1148347"/>
+            <a:ext cx="2617109" cy="1201296"/>
+          </a:xfrm>
+          <a:prstGeom prst="rect">
+            <a:avLst/>
+          </a:prstGeom>
+        </p:spPr>
+      </p:pic>
+    </p:spTree>
+    <p:extLst>
+      <p:ext uri="{BB962C8B-B14F-4D97-AF65-F5344CB8AC3E}">
+        <p14:creationId xmlns:p14="http://schemas.microsoft.com/office/powerpoint/2010/main" val="589748905"/>
       </p:ext>
     </p:extLst>
   </p:cSld>
@@ -9202,6 +12976,914 @@
 </p:sld>
 </file>
 
+<file path=ppt/slides/slide30.xml><?xml version="1.0" encoding="utf-8"?>
+<p:sld xmlns:a="http://schemas.openxmlformats.org/drawingml/2006/main" xmlns:r="http://schemas.openxmlformats.org/officeDocument/2006/relationships" xmlns:p="http://schemas.openxmlformats.org/presentationml/2006/main">
+  <p:cSld>
+    <p:spTree>
+      <p:nvGrpSpPr>
+        <p:cNvPr id="1" name="">
+          <a:extLst>
+            <a:ext uri="{FF2B5EF4-FFF2-40B4-BE49-F238E27FC236}">
+              <a16:creationId xmlns:a16="http://schemas.microsoft.com/office/drawing/2014/main" id="{0E29301E-4E35-8BD1-A23D-EDF728D48905}"/>
+            </a:ext>
+          </a:extLst>
+        </p:cNvPr>
+        <p:cNvGrpSpPr/>
+        <p:nvPr/>
+      </p:nvGrpSpPr>
+      <p:grpSpPr>
+        <a:xfrm>
+          <a:off x="0" y="0"/>
+          <a:ext cx="0" cy="0"/>
+          <a:chOff x="0" y="0"/>
+          <a:chExt cx="0" cy="0"/>
+        </a:xfrm>
+      </p:grpSpPr>
+      <p:sp>
+        <p:nvSpPr>
+          <p:cNvPr id="2" name="Title 1">
+            <a:extLst>
+              <a:ext uri="{FF2B5EF4-FFF2-40B4-BE49-F238E27FC236}">
+                <a16:creationId xmlns:a16="http://schemas.microsoft.com/office/drawing/2014/main" id="{0A984812-459D-1121-97DF-D8D353B4FD3D}"/>
+              </a:ext>
+            </a:extLst>
+          </p:cNvPr>
+          <p:cNvSpPr>
+            <a:spLocks noGrp="1"/>
+          </p:cNvSpPr>
+          <p:nvPr>
+            <p:ph type="title"/>
+          </p:nvPr>
+        </p:nvSpPr>
+        <p:spPr/>
+        <p:txBody>
+          <a:bodyPr/>
+          <a:lstStyle/>
+          <a:p>
+            <a:r>
+              <a:rPr lang="en-IT" dirty="0">
+                <a:latin typeface="Palatino" pitchFamily="2" charset="77"/>
+                <a:ea typeface="Palatino" pitchFamily="2" charset="77"/>
+              </a:rPr>
+              <a:t>Performance Analysis</a:t>
+            </a:r>
+          </a:p>
+        </p:txBody>
+      </p:sp>
+      <mc:AlternateContent xmlns:mc="http://schemas.openxmlformats.org/markup-compatibility/2006">
+        <mc:Choice xmlns:a14="http://schemas.microsoft.com/office/drawing/2010/main" Requires="a14">
+          <p:sp>
+            <p:nvSpPr>
+              <p:cNvPr id="3" name="Content Placeholder 2">
+                <a:extLst>
+                  <a:ext uri="{FF2B5EF4-FFF2-40B4-BE49-F238E27FC236}">
+                    <a16:creationId xmlns:a16="http://schemas.microsoft.com/office/drawing/2014/main" id="{E58F1A96-CCDA-500A-16D8-D962B05DA196}"/>
+                  </a:ext>
+                </a:extLst>
+              </p:cNvPr>
+              <p:cNvSpPr>
+                <a:spLocks noGrp="1"/>
+              </p:cNvSpPr>
+              <p:nvPr>
+                <p:ph idx="1"/>
+              </p:nvPr>
+            </p:nvSpPr>
+            <p:spPr>
+              <a:xfrm>
+                <a:off x="838200" y="1668323"/>
+                <a:ext cx="10620737" cy="1942978"/>
+              </a:xfrm>
+            </p:spPr>
+            <p:txBody>
+              <a:bodyPr>
+                <a:noAutofit/>
+              </a:bodyPr>
+              <a:lstStyle/>
+              <a:p>
+                <a:pPr marL="0" indent="0">
+                  <a:spcBef>
+                    <a:spcPts val="0"/>
+                  </a:spcBef>
+                  <a:spcAft>
+                    <a:spcPts val="1200"/>
+                  </a:spcAft>
+                  <a:buNone/>
+                </a:pPr>
+                <a:r>
+                  <a:rPr lang="en-IT" sz="2400" dirty="0">
+                    <a:latin typeface="Palatino" pitchFamily="2" charset="77"/>
+                    <a:ea typeface="Palatino" pitchFamily="2" charset="77"/>
+                  </a:rPr>
+                  <a:t>Clairvoyants</a:t>
+                </a:r>
+              </a:p>
+              <a:p>
+                <a:pPr marL="0" indent="0">
+                  <a:spcBef>
+                    <a:spcPts val="0"/>
+                  </a:spcBef>
+                  <a:spcAft>
+                    <a:spcPts val="1200"/>
+                  </a:spcAft>
+                  <a:buNone/>
+                </a:pPr>
+                <a:r>
+                  <a:rPr lang="en-GB" sz="1600" i="1" dirty="0">
+                    <a:latin typeface="Palatino" pitchFamily="2" charset="77"/>
+                    <a:ea typeface="Palatino" pitchFamily="2" charset="77"/>
+                  </a:rPr>
+                  <a:t>The “Budget-unaware Fixed-price Clairvoyant”</a:t>
+                </a:r>
+                <a:br>
+                  <a:rPr lang="en-GB" sz="1600" dirty="0">
+                    <a:solidFill>
+                      <a:schemeClr val="bg1">
+                        <a:lumMod val="50000"/>
+                      </a:schemeClr>
+                    </a:solidFill>
+                    <a:latin typeface="Palatino" pitchFamily="2" charset="77"/>
+                    <a:ea typeface="Palatino" pitchFamily="2" charset="77"/>
+                  </a:rPr>
+                </a:br>
+                <a:r>
+                  <a:rPr lang="en-GB" sz="1600" dirty="0">
+                    <a:solidFill>
+                      <a:schemeClr val="bg1">
+                        <a:lumMod val="50000"/>
+                      </a:schemeClr>
+                    </a:solidFill>
+                    <a:latin typeface="Palatino" pitchFamily="2" charset="77"/>
+                    <a:ea typeface="Palatino" pitchFamily="2" charset="77"/>
+                  </a:rPr>
+                  <a:t>Expected total profit: 2.31M</a:t>
+                </a:r>
+              </a:p>
+              <a:p>
+                <a:pPr marL="0" indent="0">
+                  <a:spcBef>
+                    <a:spcPts val="0"/>
+                  </a:spcBef>
+                  <a:buNone/>
+                </a:pPr>
+                <a:r>
+                  <a:rPr lang="en-GB" sz="1600" i="1" dirty="0">
+                    <a:latin typeface="Palatino" pitchFamily="2" charset="77"/>
+                    <a:ea typeface="Palatino" pitchFamily="2" charset="77"/>
+                  </a:rPr>
+                  <a:t>The “Per-round Budget-aware Mixed-Policy Clairvoyant”</a:t>
+                </a:r>
+                <a:br>
+                  <a:rPr lang="en-GB" sz="1600" dirty="0">
+                    <a:latin typeface="Palatino" pitchFamily="2" charset="77"/>
+                    <a:ea typeface="Palatino" pitchFamily="2" charset="77"/>
+                  </a:rPr>
+                </a:br>
+                <a:r>
+                  <a:rPr lang="en-GB" sz="1600" dirty="0">
+                    <a:solidFill>
+                      <a:schemeClr val="bg1">
+                        <a:lumMod val="50000"/>
+                      </a:schemeClr>
+                    </a:solidFill>
+                    <a:latin typeface="Palatino" pitchFamily="2" charset="77"/>
+                    <a:ea typeface="Palatino" pitchFamily="2" charset="77"/>
+                  </a:rPr>
+                  <a:t>Optimal policy: 0.866 </a:t>
+                </a:r>
+                <a14:m>
+                  <m:oMath xmlns:m="http://schemas.openxmlformats.org/officeDocument/2006/math">
+                    <m:r>
+                      <a:rPr lang="en-GB" sz="1600" i="1" smtClean="0">
+                        <a:solidFill>
+                          <a:schemeClr val="bg1">
+                            <a:lumMod val="50000"/>
+                          </a:schemeClr>
+                        </a:solidFill>
+                        <a:latin typeface="Cambria Math" panose="02040503050406030204" pitchFamily="18" charset="0"/>
+                        <a:ea typeface="Cambria Math" panose="02040503050406030204" pitchFamily="18" charset="0"/>
+                      </a:rPr>
+                      <m:t>∙</m:t>
+                    </m:r>
+                    <m:r>
+                      <a:rPr lang="it-IT" sz="1600" b="0" i="1" smtClean="0">
+                        <a:solidFill>
+                          <a:schemeClr val="bg1">
+                            <a:lumMod val="50000"/>
+                          </a:schemeClr>
+                        </a:solidFill>
+                        <a:latin typeface="Cambria Math" panose="02040503050406030204" pitchFamily="18" charset="0"/>
+                        <a:ea typeface="Cambria Math" panose="02040503050406030204" pitchFamily="18" charset="0"/>
+                      </a:rPr>
+                      <m:t> </m:t>
+                    </m:r>
+                  </m:oMath>
+                </a14:m>
+                <a:r>
+                  <a:rPr lang="en-GB" sz="1600" dirty="0">
+                    <a:solidFill>
+                      <a:schemeClr val="bg1">
+                        <a:lumMod val="50000"/>
+                      </a:schemeClr>
+                    </a:solidFill>
+                    <a:latin typeface="Palatino" pitchFamily="2" charset="77"/>
+                    <a:ea typeface="Palatino" pitchFamily="2" charset="77"/>
+                  </a:rPr>
+                  <a:t>(4</a:t>
+                </a:r>
+                <a:r>
+                  <a:rPr lang="en-GB" sz="1600" baseline="30000" dirty="0">
+                    <a:solidFill>
+                      <a:schemeClr val="bg1">
+                        <a:lumMod val="50000"/>
+                      </a:schemeClr>
+                    </a:solidFill>
+                    <a:latin typeface="Palatino" pitchFamily="2" charset="77"/>
+                    <a:ea typeface="Palatino" pitchFamily="2" charset="77"/>
+                  </a:rPr>
+                  <a:t>th</a:t>
+                </a:r>
+                <a:r>
+                  <a:rPr lang="en-GB" sz="1600" dirty="0">
+                    <a:solidFill>
+                      <a:schemeClr val="bg1">
+                        <a:lumMod val="50000"/>
+                      </a:schemeClr>
+                    </a:solidFill>
+                    <a:latin typeface="Palatino" pitchFamily="2" charset="77"/>
+                    <a:ea typeface="Palatino" pitchFamily="2" charset="77"/>
+                  </a:rPr>
+                  <a:t>, 4</a:t>
+                </a:r>
+                <a:r>
+                  <a:rPr lang="en-GB" sz="1600" baseline="30000" dirty="0">
+                    <a:solidFill>
+                      <a:schemeClr val="bg1">
+                        <a:lumMod val="50000"/>
+                      </a:schemeClr>
+                    </a:solidFill>
+                    <a:latin typeface="Palatino" pitchFamily="2" charset="77"/>
+                    <a:ea typeface="Palatino" pitchFamily="2" charset="77"/>
+                  </a:rPr>
+                  <a:t>th</a:t>
+                </a:r>
+                <a:r>
+                  <a:rPr lang="en-GB" sz="1600" dirty="0">
+                    <a:solidFill>
+                      <a:schemeClr val="bg1">
+                        <a:lumMod val="50000"/>
+                      </a:schemeClr>
+                    </a:solidFill>
+                    <a:latin typeface="Palatino" pitchFamily="2" charset="77"/>
+                    <a:ea typeface="Palatino" pitchFamily="2" charset="77"/>
+                  </a:rPr>
+                  <a:t>, 4</a:t>
+                </a:r>
+                <a:r>
+                  <a:rPr lang="en-GB" sz="1600" baseline="30000" dirty="0">
+                    <a:solidFill>
+                      <a:schemeClr val="bg1">
+                        <a:lumMod val="50000"/>
+                      </a:schemeClr>
+                    </a:solidFill>
+                    <a:latin typeface="Palatino" pitchFamily="2" charset="77"/>
+                    <a:ea typeface="Palatino" pitchFamily="2" charset="77"/>
+                  </a:rPr>
+                  <a:t>th</a:t>
+                </a:r>
+                <a:r>
+                  <a:rPr lang="en-GB" sz="1600" dirty="0">
+                    <a:solidFill>
+                      <a:schemeClr val="bg1">
+                        <a:lumMod val="50000"/>
+                      </a:schemeClr>
+                    </a:solidFill>
+                    <a:latin typeface="Palatino" pitchFamily="2" charset="77"/>
+                    <a:ea typeface="Palatino" pitchFamily="2" charset="77"/>
+                  </a:rPr>
+                  <a:t>, 3</a:t>
+                </a:r>
+                <a:r>
+                  <a:rPr lang="en-GB" sz="1600" baseline="30000" dirty="0">
+                    <a:solidFill>
+                      <a:schemeClr val="bg1">
+                        <a:lumMod val="50000"/>
+                      </a:schemeClr>
+                    </a:solidFill>
+                    <a:latin typeface="Palatino" pitchFamily="2" charset="77"/>
+                    <a:ea typeface="Palatino" pitchFamily="2" charset="77"/>
+                  </a:rPr>
+                  <a:t>rd</a:t>
+                </a:r>
+                <a:r>
+                  <a:rPr lang="en-GB" sz="1600" dirty="0">
+                    <a:solidFill>
+                      <a:schemeClr val="bg1">
+                        <a:lumMod val="50000"/>
+                      </a:schemeClr>
+                    </a:solidFill>
+                    <a:latin typeface="Palatino" pitchFamily="2" charset="77"/>
+                    <a:ea typeface="Palatino" pitchFamily="2" charset="77"/>
+                  </a:rPr>
+                  <a:t>) + 0.134 </a:t>
+                </a:r>
+                <a14:m>
+                  <m:oMath xmlns:m="http://schemas.openxmlformats.org/officeDocument/2006/math">
+                    <m:r>
+                      <a:rPr lang="en-GB" sz="1600" i="1">
+                        <a:solidFill>
+                          <a:schemeClr val="bg1">
+                            <a:lumMod val="50000"/>
+                          </a:schemeClr>
+                        </a:solidFill>
+                        <a:latin typeface="Cambria Math" panose="02040503050406030204" pitchFamily="18" charset="0"/>
+                        <a:ea typeface="Cambria Math" panose="02040503050406030204" pitchFamily="18" charset="0"/>
+                      </a:rPr>
+                      <m:t>∙</m:t>
+                    </m:r>
+                    <m:r>
+                      <a:rPr lang="it-IT" sz="1600" i="1">
+                        <a:solidFill>
+                          <a:schemeClr val="bg1">
+                            <a:lumMod val="50000"/>
+                          </a:schemeClr>
+                        </a:solidFill>
+                        <a:latin typeface="Cambria Math" panose="02040503050406030204" pitchFamily="18" charset="0"/>
+                        <a:ea typeface="Cambria Math" panose="02040503050406030204" pitchFamily="18" charset="0"/>
+                      </a:rPr>
+                      <m:t> </m:t>
+                    </m:r>
+                  </m:oMath>
+                </a14:m>
+                <a:r>
+                  <a:rPr lang="en-GB" sz="1600" dirty="0">
+                    <a:solidFill>
+                      <a:schemeClr val="bg1">
+                        <a:lumMod val="50000"/>
+                      </a:schemeClr>
+                    </a:solidFill>
+                    <a:latin typeface="Palatino" pitchFamily="2" charset="77"/>
+                    <a:ea typeface="Palatino" pitchFamily="2" charset="77"/>
+                  </a:rPr>
+                  <a:t>(4</a:t>
+                </a:r>
+                <a:r>
+                  <a:rPr lang="en-GB" sz="1600" baseline="30000" dirty="0">
+                    <a:solidFill>
+                      <a:schemeClr val="bg1">
+                        <a:lumMod val="50000"/>
+                      </a:schemeClr>
+                    </a:solidFill>
+                    <a:latin typeface="Palatino" pitchFamily="2" charset="77"/>
+                    <a:ea typeface="Palatino" pitchFamily="2" charset="77"/>
+                  </a:rPr>
+                  <a:t>th</a:t>
+                </a:r>
+                <a:r>
+                  <a:rPr lang="en-GB" sz="1600" dirty="0">
+                    <a:solidFill>
+                      <a:schemeClr val="bg1">
+                        <a:lumMod val="50000"/>
+                      </a:schemeClr>
+                    </a:solidFill>
+                    <a:latin typeface="Palatino" pitchFamily="2" charset="77"/>
+                    <a:ea typeface="Palatino" pitchFamily="2" charset="77"/>
+                  </a:rPr>
+                  <a:t> 4</a:t>
+                </a:r>
+                <a:r>
+                  <a:rPr lang="en-GB" sz="1600" baseline="30000" dirty="0">
+                    <a:solidFill>
+                      <a:schemeClr val="bg1">
+                        <a:lumMod val="50000"/>
+                      </a:schemeClr>
+                    </a:solidFill>
+                    <a:latin typeface="Palatino" pitchFamily="2" charset="77"/>
+                    <a:ea typeface="Palatino" pitchFamily="2" charset="77"/>
+                  </a:rPr>
+                  <a:t>th</a:t>
+                </a:r>
+                <a:r>
+                  <a:rPr lang="en-GB" sz="1600" dirty="0">
+                    <a:solidFill>
+                      <a:schemeClr val="bg1">
+                        <a:lumMod val="50000"/>
+                      </a:schemeClr>
+                    </a:solidFill>
+                    <a:latin typeface="Palatino" pitchFamily="2" charset="77"/>
+                    <a:ea typeface="Palatino" pitchFamily="2" charset="77"/>
+                  </a:rPr>
+                  <a:t>, 4</a:t>
+                </a:r>
+                <a:r>
+                  <a:rPr lang="en-GB" sz="1600" baseline="30000" dirty="0">
+                    <a:solidFill>
+                      <a:schemeClr val="bg1">
+                        <a:lumMod val="50000"/>
+                      </a:schemeClr>
+                    </a:solidFill>
+                    <a:latin typeface="Palatino" pitchFamily="2" charset="77"/>
+                    <a:ea typeface="Palatino" pitchFamily="2" charset="77"/>
+                  </a:rPr>
+                  <a:t>th</a:t>
+                </a:r>
+                <a:r>
+                  <a:rPr lang="en-GB" sz="1600" dirty="0">
+                    <a:solidFill>
+                      <a:schemeClr val="bg1">
+                        <a:lumMod val="50000"/>
+                      </a:schemeClr>
+                    </a:solidFill>
+                    <a:latin typeface="Palatino" pitchFamily="2" charset="77"/>
+                    <a:ea typeface="Palatino" pitchFamily="2" charset="77"/>
+                  </a:rPr>
+                  <a:t>, 4</a:t>
+                </a:r>
+                <a:r>
+                  <a:rPr lang="en-GB" sz="1600" baseline="30000" dirty="0">
+                    <a:solidFill>
+                      <a:schemeClr val="bg1">
+                        <a:lumMod val="50000"/>
+                      </a:schemeClr>
+                    </a:solidFill>
+                    <a:latin typeface="Palatino" pitchFamily="2" charset="77"/>
+                    <a:ea typeface="Palatino" pitchFamily="2" charset="77"/>
+                  </a:rPr>
+                  <a:t>th</a:t>
+                </a:r>
+                <a:r>
+                  <a:rPr lang="en-GB" sz="1600" dirty="0">
+                    <a:solidFill>
+                      <a:schemeClr val="bg1">
+                        <a:lumMod val="50000"/>
+                      </a:schemeClr>
+                    </a:solidFill>
+                    <a:latin typeface="Palatino" pitchFamily="2" charset="77"/>
+                    <a:ea typeface="Palatino" pitchFamily="2" charset="77"/>
+                  </a:rPr>
+                  <a:t>)</a:t>
+                </a:r>
+              </a:p>
+              <a:p>
+                <a:pPr marL="0" indent="0">
+                  <a:spcBef>
+                    <a:spcPts val="0"/>
+                  </a:spcBef>
+                  <a:buNone/>
+                </a:pPr>
+                <a:r>
+                  <a:rPr lang="en-GB" sz="1600" dirty="0">
+                    <a:solidFill>
+                      <a:schemeClr val="bg1">
+                        <a:lumMod val="50000"/>
+                      </a:schemeClr>
+                    </a:solidFill>
+                    <a:latin typeface="Palatino" pitchFamily="2" charset="77"/>
+                    <a:ea typeface="Palatino" pitchFamily="2" charset="77"/>
+                  </a:rPr>
+                  <a:t>Expected total reward: 1.19M</a:t>
+                </a:r>
+              </a:p>
+              <a:p>
+                <a:pPr marL="0" indent="0">
+                  <a:spcBef>
+                    <a:spcPts val="0"/>
+                  </a:spcBef>
+                  <a:buNone/>
+                </a:pPr>
+                <a:endParaRPr lang="en-GB" sz="1600" dirty="0">
+                  <a:solidFill>
+                    <a:schemeClr val="bg1">
+                      <a:lumMod val="50000"/>
+                    </a:schemeClr>
+                  </a:solidFill>
+                  <a:latin typeface="Palatino" pitchFamily="2" charset="77"/>
+                  <a:ea typeface="Palatino" pitchFamily="2" charset="77"/>
+                </a:endParaRPr>
+              </a:p>
+            </p:txBody>
+          </p:sp>
+        </mc:Choice>
+        <mc:Fallback>
+          <p:sp>
+            <p:nvSpPr>
+              <p:cNvPr id="3" name="Content Placeholder 2">
+                <a:extLst>
+                  <a:ext uri="{FF2B5EF4-FFF2-40B4-BE49-F238E27FC236}">
+                    <a16:creationId xmlns:a16="http://schemas.microsoft.com/office/drawing/2014/main" id="{E58F1A96-CCDA-500A-16D8-D962B05DA196}"/>
+                  </a:ext>
+                </a:extLst>
+              </p:cNvPr>
+              <p:cNvSpPr>
+                <a:spLocks noGrp="1" noRot="1" noChangeAspect="1" noMove="1" noResize="1" noEditPoints="1" noAdjustHandles="1" noChangeArrowheads="1" noChangeShapeType="1" noTextEdit="1"/>
+              </p:cNvSpPr>
+              <p:nvPr>
+                <p:ph idx="1"/>
+              </p:nvPr>
+            </p:nvSpPr>
+            <p:spPr>
+              <a:xfrm>
+                <a:off x="838200" y="1668323"/>
+                <a:ext cx="10620737" cy="1942978"/>
+              </a:xfrm>
+              <a:blipFill>
+                <a:blip r:embed="rId2"/>
+                <a:stretch>
+                  <a:fillRect l="-956" t="-4545"/>
+                </a:stretch>
+              </a:blipFill>
+            </p:spPr>
+            <p:txBody>
+              <a:bodyPr/>
+              <a:lstStyle/>
+              <a:p>
+                <a:r>
+                  <a:rPr lang="en-IT">
+                    <a:noFill/>
+                  </a:rPr>
+                  <a:t> </a:t>
+                </a:r>
+              </a:p>
+            </p:txBody>
+          </p:sp>
+        </mc:Fallback>
+      </mc:AlternateContent>
+      <p:pic>
+        <p:nvPicPr>
+          <p:cNvPr id="6" name="Picture 5">
+            <a:extLst>
+              <a:ext uri="{FF2B5EF4-FFF2-40B4-BE49-F238E27FC236}">
+                <a16:creationId xmlns:a16="http://schemas.microsoft.com/office/drawing/2014/main" id="{0F8DF7FC-1EA0-6FA3-E7D5-02B4E8693F5C}"/>
+              </a:ext>
+            </a:extLst>
+          </p:cNvPr>
+          <p:cNvPicPr>
+            <a:picLocks noChangeAspect="1"/>
+          </p:cNvPicPr>
+          <p:nvPr/>
+        </p:nvPicPr>
+        <p:blipFill>
+          <a:blip r:embed="rId3"/>
+          <a:stretch>
+            <a:fillRect/>
+          </a:stretch>
+        </p:blipFill>
+        <p:spPr>
+          <a:xfrm>
+            <a:off x="4671855" y="3824125"/>
+            <a:ext cx="6787082" cy="2731103"/>
+          </a:xfrm>
+          <a:prstGeom prst="rect">
+            <a:avLst/>
+          </a:prstGeom>
+        </p:spPr>
+      </p:pic>
+      <p:sp>
+        <p:nvSpPr>
+          <p:cNvPr id="7" name="TextBox 6">
+            <a:extLst>
+              <a:ext uri="{FF2B5EF4-FFF2-40B4-BE49-F238E27FC236}">
+                <a16:creationId xmlns:a16="http://schemas.microsoft.com/office/drawing/2014/main" id="{F797EE72-E930-8FBF-1134-2DA5F19AC91D}"/>
+              </a:ext>
+            </a:extLst>
+          </p:cNvPr>
+          <p:cNvSpPr txBox="1"/>
+          <p:nvPr/>
+        </p:nvSpPr>
+        <p:spPr>
+          <a:xfrm>
+            <a:off x="838200" y="3824125"/>
+            <a:ext cx="3513881" cy="2923877"/>
+          </a:xfrm>
+          <a:prstGeom prst="rect">
+            <a:avLst/>
+          </a:prstGeom>
+          <a:noFill/>
+        </p:spPr>
+        <p:txBody>
+          <a:bodyPr wrap="square" rtlCol="0">
+            <a:spAutoFit/>
+          </a:bodyPr>
+          <a:lstStyle/>
+          <a:p>
+            <a:pPr>
+              <a:spcAft>
+                <a:spcPts val="1200"/>
+              </a:spcAft>
+            </a:pPr>
+            <a:r>
+              <a:rPr lang="en-IT" sz="2400" dirty="0">
+                <a:latin typeface="Palatino" pitchFamily="2" charset="77"/>
+                <a:ea typeface="Palatino" pitchFamily="2" charset="77"/>
+              </a:rPr>
+              <a:t>Regret</a:t>
+            </a:r>
+          </a:p>
+          <a:p>
+            <a:pPr>
+              <a:spcAft>
+                <a:spcPts val="1200"/>
+              </a:spcAft>
+            </a:pPr>
+            <a:r>
+              <a:rPr lang="en-GB" sz="1600" dirty="0">
+                <a:solidFill>
+                  <a:schemeClr val="bg1">
+                    <a:lumMod val="50000"/>
+                  </a:schemeClr>
+                </a:solidFill>
+                <a:latin typeface="Palatino" pitchFamily="2" charset="77"/>
+                <a:ea typeface="Palatino" pitchFamily="2" charset="77"/>
+              </a:rPr>
+              <a:t>The </a:t>
+            </a:r>
+            <a:r>
+              <a:rPr lang="en-GB" sz="1600" i="1" dirty="0">
+                <a:solidFill>
+                  <a:schemeClr val="bg1">
+                    <a:lumMod val="50000"/>
+                  </a:schemeClr>
+                </a:solidFill>
+                <a:latin typeface="Palatino" pitchFamily="2" charset="77"/>
+                <a:ea typeface="Palatino" pitchFamily="2" charset="77"/>
+              </a:rPr>
+              <a:t>regret </a:t>
+            </a:r>
+            <a:r>
+              <a:rPr lang="en-GB" sz="1600" dirty="0">
+                <a:solidFill>
+                  <a:schemeClr val="bg1">
+                    <a:lumMod val="50000"/>
+                  </a:schemeClr>
+                </a:solidFill>
+                <a:latin typeface="Palatino" pitchFamily="2" charset="77"/>
+                <a:ea typeface="Palatino" pitchFamily="2" charset="77"/>
+              </a:rPr>
+              <a:t>against our </a:t>
+            </a:r>
+            <a:r>
+              <a:rPr lang="en-GB" sz="1600" i="1" dirty="0">
+                <a:solidFill>
+                  <a:schemeClr val="bg1">
+                    <a:lumMod val="50000"/>
+                  </a:schemeClr>
+                </a:solidFill>
+                <a:latin typeface="Palatino" pitchFamily="2" charset="77"/>
+                <a:ea typeface="Palatino" pitchFamily="2" charset="77"/>
+              </a:rPr>
+              <a:t>BAMPC </a:t>
+            </a:r>
+            <a:r>
+              <a:rPr lang="en-GB" sz="1600" dirty="0">
+                <a:solidFill>
+                  <a:schemeClr val="bg1">
+                    <a:lumMod val="50000"/>
+                  </a:schemeClr>
+                </a:solidFill>
+                <a:latin typeface="Palatino" pitchFamily="2" charset="77"/>
+                <a:ea typeface="Palatino" pitchFamily="2" charset="77"/>
+              </a:rPr>
+              <a:t>appears super-linear due to the dynamic budget constraint behaviour </a:t>
+            </a:r>
+          </a:p>
+          <a:p>
+            <a:pPr>
+              <a:spcAft>
+                <a:spcPts val="1200"/>
+              </a:spcAft>
+            </a:pPr>
+            <a:r>
+              <a:rPr lang="en-GB" sz="1600" dirty="0">
+                <a:solidFill>
+                  <a:schemeClr val="bg1">
+                    <a:lumMod val="50000"/>
+                  </a:schemeClr>
+                </a:solidFill>
+                <a:latin typeface="Palatino" pitchFamily="2" charset="77"/>
+                <a:ea typeface="Palatino" pitchFamily="2" charset="77"/>
+              </a:rPr>
+              <a:t>Despite its look in the plot, it is</a:t>
+            </a:r>
+            <a:br>
+              <a:rPr lang="en-GB" sz="1600" dirty="0">
+                <a:solidFill>
+                  <a:schemeClr val="bg1">
+                    <a:lumMod val="50000"/>
+                  </a:schemeClr>
+                </a:solidFill>
+                <a:latin typeface="Palatino" pitchFamily="2" charset="77"/>
+                <a:ea typeface="Palatino" pitchFamily="2" charset="77"/>
+              </a:rPr>
+            </a:br>
+            <a:r>
+              <a:rPr lang="en-GB" sz="1600" dirty="0">
+                <a:solidFill>
+                  <a:schemeClr val="bg1">
+                    <a:lumMod val="50000"/>
+                  </a:schemeClr>
+                </a:solidFill>
+                <a:latin typeface="Palatino" pitchFamily="2" charset="77"/>
+                <a:ea typeface="Palatino" pitchFamily="2" charset="77"/>
+              </a:rPr>
+              <a:t>surprisingly low: less than 10% for this instance</a:t>
+            </a:r>
+          </a:p>
+          <a:p>
+            <a:endParaRPr lang="en-IT" dirty="0"/>
+          </a:p>
+        </p:txBody>
+      </p:sp>
+    </p:spTree>
+    <p:extLst>
+      <p:ext uri="{BB962C8B-B14F-4D97-AF65-F5344CB8AC3E}">
+        <p14:creationId xmlns:p14="http://schemas.microsoft.com/office/powerpoint/2010/main" val="1919803310"/>
+      </p:ext>
+    </p:extLst>
+  </p:cSld>
+  <p:clrMapOvr>
+    <a:masterClrMapping/>
+  </p:clrMapOvr>
+</p:sld>
+</file>
+
+<file path=ppt/slides/slide31.xml><?xml version="1.0" encoding="utf-8"?>
+<p:sld xmlns:a="http://schemas.openxmlformats.org/drawingml/2006/main" xmlns:r="http://schemas.openxmlformats.org/officeDocument/2006/relationships" xmlns:p="http://schemas.openxmlformats.org/presentationml/2006/main">
+  <p:cSld>
+    <p:spTree>
+      <p:nvGrpSpPr>
+        <p:cNvPr id="1" name="">
+          <a:extLst>
+            <a:ext uri="{FF2B5EF4-FFF2-40B4-BE49-F238E27FC236}">
+              <a16:creationId xmlns:a16="http://schemas.microsoft.com/office/drawing/2014/main" id="{408AC19B-CCA8-D890-A0A2-0D4F833A93C4}"/>
+            </a:ext>
+          </a:extLst>
+        </p:cNvPr>
+        <p:cNvGrpSpPr/>
+        <p:nvPr/>
+      </p:nvGrpSpPr>
+      <p:grpSpPr>
+        <a:xfrm>
+          <a:off x="0" y="0"/>
+          <a:ext cx="0" cy="0"/>
+          <a:chOff x="0" y="0"/>
+          <a:chExt cx="0" cy="0"/>
+        </a:xfrm>
+      </p:grpSpPr>
+      <p:sp>
+        <p:nvSpPr>
+          <p:cNvPr id="2" name="Title 1">
+            <a:extLst>
+              <a:ext uri="{FF2B5EF4-FFF2-40B4-BE49-F238E27FC236}">
+                <a16:creationId xmlns:a16="http://schemas.microsoft.com/office/drawing/2014/main" id="{A392043B-3804-61AC-F558-E1AC94BDEB01}"/>
+              </a:ext>
+            </a:extLst>
+          </p:cNvPr>
+          <p:cNvSpPr>
+            <a:spLocks noGrp="1"/>
+          </p:cNvSpPr>
+          <p:nvPr>
+            <p:ph type="title"/>
+          </p:nvPr>
+        </p:nvSpPr>
+        <p:spPr/>
+        <p:txBody>
+          <a:bodyPr/>
+          <a:lstStyle/>
+          <a:p>
+            <a:r>
+              <a:rPr lang="en-IT" dirty="0">
+                <a:latin typeface="Palatino" pitchFamily="2" charset="77"/>
+                <a:ea typeface="Palatino" pitchFamily="2" charset="77"/>
+              </a:rPr>
+              <a:t>Performance Analysis</a:t>
+            </a:r>
+          </a:p>
+        </p:txBody>
+      </p:sp>
+      <p:sp>
+        <p:nvSpPr>
+          <p:cNvPr id="3" name="Content Placeholder 2">
+            <a:extLst>
+              <a:ext uri="{FF2B5EF4-FFF2-40B4-BE49-F238E27FC236}">
+                <a16:creationId xmlns:a16="http://schemas.microsoft.com/office/drawing/2014/main" id="{D7070426-0DB2-9AED-7563-6964C7A2B4B1}"/>
+              </a:ext>
+            </a:extLst>
+          </p:cNvPr>
+          <p:cNvSpPr>
+            <a:spLocks noGrp="1"/>
+          </p:cNvSpPr>
+          <p:nvPr>
+            <p:ph idx="1"/>
+          </p:nvPr>
+        </p:nvSpPr>
+        <p:spPr>
+          <a:xfrm>
+            <a:off x="838199" y="1668323"/>
+            <a:ext cx="10146175" cy="1325563"/>
+          </a:xfrm>
+        </p:spPr>
+        <p:txBody>
+          <a:bodyPr>
+            <a:noAutofit/>
+          </a:bodyPr>
+          <a:lstStyle/>
+          <a:p>
+            <a:pPr marL="0" indent="0">
+              <a:spcBef>
+                <a:spcPts val="0"/>
+              </a:spcBef>
+              <a:spcAft>
+                <a:spcPts val="1200"/>
+              </a:spcAft>
+              <a:buNone/>
+            </a:pPr>
+            <a:r>
+              <a:rPr lang="it-IT" sz="2400" dirty="0">
+                <a:latin typeface="Palatino" pitchFamily="2" charset="77"/>
+                <a:ea typeface="Palatino" pitchFamily="2" charset="77"/>
+              </a:rPr>
+              <a:t>Learning Quality</a:t>
+            </a:r>
+          </a:p>
+          <a:p>
+            <a:pPr marL="0" indent="0">
+              <a:spcBef>
+                <a:spcPts val="0"/>
+              </a:spcBef>
+              <a:spcAft>
+                <a:spcPts val="1200"/>
+              </a:spcAft>
+              <a:buNone/>
+            </a:pPr>
+            <a:r>
+              <a:rPr lang="en-GB" sz="1800" i="1" dirty="0">
+                <a:solidFill>
+                  <a:schemeClr val="bg1">
+                    <a:lumMod val="50000"/>
+                  </a:schemeClr>
+                </a:solidFill>
+                <a:latin typeface="Palatino" pitchFamily="2" charset="77"/>
+                <a:ea typeface="Palatino" pitchFamily="2" charset="77"/>
+              </a:rPr>
+              <a:t>Our algorithm successfully converges to our “Per-round Budget-aware Mixed-Policy Clairvoyant” </a:t>
+            </a:r>
+            <a:r>
+              <a:rPr lang="en-GB" sz="1800" dirty="0">
+                <a:solidFill>
+                  <a:schemeClr val="bg1">
+                    <a:lumMod val="50000"/>
+                  </a:schemeClr>
+                </a:solidFill>
+                <a:latin typeface="Palatino" pitchFamily="2" charset="77"/>
+                <a:ea typeface="Palatino" pitchFamily="2" charset="77"/>
+              </a:rPr>
+              <a:t>optimal policy.</a:t>
+            </a:r>
+          </a:p>
+        </p:txBody>
+      </p:sp>
+      <p:pic>
+        <p:nvPicPr>
+          <p:cNvPr id="4" name="Picture 3">
+            <a:extLst>
+              <a:ext uri="{FF2B5EF4-FFF2-40B4-BE49-F238E27FC236}">
+                <a16:creationId xmlns:a16="http://schemas.microsoft.com/office/drawing/2014/main" id="{E6B13B23-2D8A-EE99-2EEA-2F8469EC3813}"/>
+              </a:ext>
+            </a:extLst>
+          </p:cNvPr>
+          <p:cNvPicPr>
+            <a:picLocks noChangeAspect="1"/>
+          </p:cNvPicPr>
+          <p:nvPr/>
+        </p:nvPicPr>
+        <p:blipFill>
+          <a:blip r:embed="rId2"/>
+          <a:stretch>
+            <a:fillRect/>
+          </a:stretch>
+        </p:blipFill>
+        <p:spPr>
+          <a:xfrm>
+            <a:off x="3223061" y="3102015"/>
+            <a:ext cx="5745877" cy="3309837"/>
+          </a:xfrm>
+          <a:prstGeom prst="rect">
+            <a:avLst/>
+          </a:prstGeom>
+        </p:spPr>
+      </p:pic>
+    </p:spTree>
+    <p:extLst>
+      <p:ext uri="{BB962C8B-B14F-4D97-AF65-F5344CB8AC3E}">
+        <p14:creationId xmlns:p14="http://schemas.microsoft.com/office/powerpoint/2010/main" val="2791515396"/>
+      </p:ext>
+    </p:extLst>
+  </p:cSld>
+  <p:clrMapOvr>
+    <a:masterClrMapping/>
+  </p:clrMapOvr>
+</p:sld>
+</file>
+
 <file path=ppt/slides/slide4.xml><?xml version="1.0" encoding="utf-8"?>
 <p:sld xmlns:a="http://schemas.openxmlformats.org/drawingml/2006/main" xmlns:r="http://schemas.openxmlformats.org/officeDocument/2006/relationships" xmlns:p="http://schemas.openxmlformats.org/presentationml/2006/main">
   <p:cSld>
@@ -9359,8 +14041,8 @@
           </a:p>
         </p:txBody>
       </p:sp>
-      <mc:AlternateContent xmlns:mc="http://schemas.openxmlformats.org/markup-compatibility/2006" xmlns:a14="http://schemas.microsoft.com/office/drawing/2010/main">
-        <mc:Choice Requires="a14">
+      <mc:AlternateContent xmlns:mc="http://schemas.openxmlformats.org/markup-compatibility/2006">
+        <mc:Choice xmlns:a14="http://schemas.microsoft.com/office/drawing/2010/main" Requires="a14">
           <p:sp>
             <p:nvSpPr>
               <p:cNvPr id="5" name="TextBox 4">
@@ -9376,7 +14058,7 @@
             <p:spPr>
               <a:xfrm>
                 <a:off x="838200" y="1690688"/>
-                <a:ext cx="10786242" cy="3303212"/>
+                <a:ext cx="10786242" cy="3236527"/>
               </a:xfrm>
               <a:prstGeom prst="rect">
                 <a:avLst/>
@@ -10140,9 +14822,9 @@
               </a:p>
               <a:p>
                 <a:pPr>
-                  <a:spcBef>
+                  <a:spcAft>
                     <a:spcPts val="600"/>
-                  </a:spcBef>
+                  </a:spcAft>
                 </a:pPr>
                 <a:r>
                   <a:rPr lang="it-IT" sz="1400" dirty="0">
@@ -10216,8 +14898,6 @@
                   </a:rPr>
                   <a:t>since it corresponds to a Binomial random variable centered around its mean.</a:t>
                 </a:r>
-              </a:p>
-              <a:p>
                 <a:endParaRPr lang="en-GB" sz="1400" baseline="-25000" dirty="0">
                   <a:solidFill>
                     <a:schemeClr val="bg1">
@@ -10365,7 +15045,7 @@
             </p:txBody>
           </p:sp>
         </mc:Choice>
-        <mc:Fallback xmlns="">
+        <mc:Fallback>
           <p:sp>
             <p:nvSpPr>
               <p:cNvPr id="5" name="TextBox 4">
@@ -10383,7 +15063,7 @@
             <p:spPr>
               <a:xfrm>
                 <a:off x="838200" y="1690688"/>
-                <a:ext cx="10786242" cy="3303212"/>
+                <a:ext cx="10786242" cy="3236527"/>
               </a:xfrm>
               <a:prstGeom prst="rect">
                 <a:avLst/>
@@ -10391,7 +15071,7 @@
               <a:blipFill>
                 <a:blip r:embed="rId3"/>
                 <a:stretch>
-                  <a:fillRect l="-941" t="-1145" b="-1527"/>
+                  <a:fillRect l="-941" t="-1172"/>
                 </a:stretch>
               </a:blipFill>
             </p:spPr>
@@ -10477,213 +15157,464 @@
           </a:p>
         </p:txBody>
       </p:sp>
-      <p:sp>
-        <p:nvSpPr>
-          <p:cNvPr id="5" name="TextBox 4">
-            <a:extLst>
-              <a:ext uri="{FF2B5EF4-FFF2-40B4-BE49-F238E27FC236}">
-                <a16:creationId xmlns:a16="http://schemas.microsoft.com/office/drawing/2014/main" id="{1E69C2C1-5F5F-AE6E-176A-A18875955DBA}"/>
-              </a:ext>
-            </a:extLst>
-          </p:cNvPr>
-          <p:cNvSpPr txBox="1"/>
-          <p:nvPr/>
-        </p:nvSpPr>
-        <p:spPr>
-          <a:xfrm>
-            <a:off x="838200" y="1690688"/>
-            <a:ext cx="10786242" cy="2323713"/>
-          </a:xfrm>
-          <a:prstGeom prst="rect">
-            <a:avLst/>
-          </a:prstGeom>
-          <a:noFill/>
-        </p:spPr>
-        <p:txBody>
-          <a:bodyPr wrap="square" rtlCol="0">
-            <a:spAutoFit/>
-          </a:bodyPr>
-          <a:lstStyle/>
-          <a:p>
-            <a:pPr>
-              <a:spcAft>
-                <a:spcPts val="1200"/>
-              </a:spcAft>
-            </a:pPr>
-            <a:r>
-              <a:rPr lang="en-IT" sz="2400" dirty="0">
-                <a:latin typeface="Palatino" pitchFamily="2" charset="77"/>
-                <a:ea typeface="Palatino" pitchFamily="2" charset="77"/>
-              </a:rPr>
-              <a:t>Assumptions</a:t>
-            </a:r>
-            <a:endParaRPr lang="en-IT" sz="1600" dirty="0">
-              <a:latin typeface="Palatino" pitchFamily="2" charset="77"/>
-              <a:ea typeface="Palatino" pitchFamily="2" charset="77"/>
-            </a:endParaRPr>
-          </a:p>
-          <a:p>
-            <a:pPr>
-              <a:spcAft>
-                <a:spcPts val="600"/>
-              </a:spcAft>
-            </a:pPr>
-            <a:r>
-              <a:rPr lang="en-IT" dirty="0">
-                <a:solidFill>
-                  <a:schemeClr val="bg1">
-                    <a:lumMod val="50000"/>
-                  </a:schemeClr>
-                </a:solidFill>
-                <a:latin typeface="Palatino" pitchFamily="2" charset="77"/>
-                <a:ea typeface="Palatino" pitchFamily="2" charset="77"/>
-              </a:rPr>
-              <a:t>The environment returns the </a:t>
-            </a:r>
-            <a:r>
-              <a:rPr lang="en-IT" i="1" dirty="0">
-                <a:solidFill>
-                  <a:schemeClr val="bg1">
-                    <a:lumMod val="50000"/>
-                  </a:schemeClr>
-                </a:solidFill>
-                <a:latin typeface="Palatino" pitchFamily="2" charset="77"/>
-                <a:ea typeface="Palatino" pitchFamily="2" charset="77"/>
-              </a:rPr>
-              <a:t>number of sales </a:t>
-            </a:r>
-            <a:r>
-              <a:rPr lang="en-IT" dirty="0">
-                <a:solidFill>
-                  <a:schemeClr val="bg1">
-                    <a:lumMod val="50000"/>
-                  </a:schemeClr>
-                </a:solidFill>
-                <a:latin typeface="Palatino" pitchFamily="2" charset="77"/>
-                <a:ea typeface="Palatino" pitchFamily="2" charset="77"/>
-              </a:rPr>
-              <a:t>along with the </a:t>
-            </a:r>
-            <a:r>
-              <a:rPr lang="en-IT" i="1" dirty="0">
-                <a:solidFill>
-                  <a:schemeClr val="bg1">
-                    <a:lumMod val="50000"/>
-                  </a:schemeClr>
-                </a:solidFill>
-                <a:latin typeface="Palatino" pitchFamily="2" charset="77"/>
-                <a:ea typeface="Palatino" pitchFamily="2" charset="77"/>
-              </a:rPr>
-              <a:t>reward</a:t>
-            </a:r>
-          </a:p>
-          <a:p>
-            <a:pPr>
-              <a:spcAft>
-                <a:spcPts val="600"/>
-              </a:spcAft>
-            </a:pPr>
-            <a:endParaRPr lang="en-IT" i="1" dirty="0">
-              <a:solidFill>
-                <a:schemeClr val="bg1">
-                  <a:lumMod val="50000"/>
-                </a:schemeClr>
-              </a:solidFill>
-              <a:latin typeface="Palatino" pitchFamily="2" charset="77"/>
-              <a:ea typeface="Palatino" pitchFamily="2" charset="77"/>
-            </a:endParaRPr>
-          </a:p>
-          <a:p>
-            <a:pPr>
-              <a:spcAft>
-                <a:spcPts val="600"/>
-              </a:spcAft>
-            </a:pPr>
-            <a:r>
-              <a:rPr lang="en-IT" sz="2400" dirty="0">
-                <a:latin typeface="Palatino" pitchFamily="2" charset="77"/>
-                <a:ea typeface="Palatino" pitchFamily="2" charset="77"/>
-              </a:rPr>
-              <a:t>Reward range</a:t>
-            </a:r>
-          </a:p>
-          <a:p>
-            <a:pPr>
-              <a:spcAft>
-                <a:spcPts val="600"/>
-              </a:spcAft>
-            </a:pPr>
-            <a:r>
-              <a:rPr lang="en-IT" dirty="0">
-                <a:solidFill>
-                  <a:schemeClr val="bg1">
-                    <a:lumMod val="50000"/>
-                  </a:schemeClr>
-                </a:solidFill>
-                <a:latin typeface="Palatino" pitchFamily="2" charset="77"/>
-                <a:ea typeface="Palatino" pitchFamily="2" charset="77"/>
-              </a:rPr>
-              <a:t>We </a:t>
-            </a:r>
-            <a:r>
-              <a:rPr lang="en-IT" i="1" dirty="0">
-                <a:solidFill>
-                  <a:schemeClr val="bg1">
-                    <a:lumMod val="50000"/>
-                  </a:schemeClr>
-                </a:solidFill>
-                <a:latin typeface="Palatino" pitchFamily="2" charset="77"/>
-                <a:ea typeface="Palatino" pitchFamily="2" charset="77"/>
-              </a:rPr>
-              <a:t>did not normalize the reward</a:t>
-            </a:r>
-            <a:r>
-              <a:rPr lang="en-IT" dirty="0">
-                <a:solidFill>
-                  <a:schemeClr val="bg1">
-                    <a:lumMod val="50000"/>
-                  </a:schemeClr>
-                </a:solidFill>
-                <a:latin typeface="Palatino" pitchFamily="2" charset="77"/>
-                <a:ea typeface="Palatino" pitchFamily="2" charset="77"/>
-              </a:rPr>
-              <a:t> into [0, 1] interval</a:t>
-            </a:r>
-            <a:br>
-              <a:rPr lang="en-IT" dirty="0">
-                <a:solidFill>
-                  <a:schemeClr val="bg1">
-                    <a:lumMod val="50000"/>
-                  </a:schemeClr>
-                </a:solidFill>
-                <a:latin typeface="Palatino" pitchFamily="2" charset="77"/>
-                <a:ea typeface="Palatino" pitchFamily="2" charset="77"/>
-              </a:rPr>
-            </a:br>
-            <a:r>
-              <a:rPr lang="en-IT" sz="1400" dirty="0">
-                <a:solidFill>
-                  <a:schemeClr val="bg1">
-                    <a:lumMod val="50000"/>
-                  </a:schemeClr>
-                </a:solidFill>
-                <a:latin typeface="Palatino" pitchFamily="2" charset="77"/>
-                <a:ea typeface="Palatino" pitchFamily="2" charset="77"/>
-              </a:rPr>
-              <a:t>That implies adjusting the confidence bounds accordingly</a:t>
-            </a:r>
-            <a:endParaRPr lang="en-IT" dirty="0">
-              <a:solidFill>
-                <a:schemeClr val="bg1">
-                  <a:lumMod val="50000"/>
-                </a:schemeClr>
-              </a:solidFill>
-              <a:latin typeface="Palatino" pitchFamily="2" charset="77"/>
-              <a:ea typeface="Palatino" pitchFamily="2" charset="77"/>
-            </a:endParaRPr>
-          </a:p>
-        </p:txBody>
-      </p:sp>
+      <mc:AlternateContent xmlns:mc="http://schemas.openxmlformats.org/markup-compatibility/2006">
+        <mc:Choice xmlns:a14="http://schemas.microsoft.com/office/drawing/2010/main" Requires="a14">
+          <p:sp>
+            <p:nvSpPr>
+              <p:cNvPr id="5" name="TextBox 4">
+                <a:extLst>
+                  <a:ext uri="{FF2B5EF4-FFF2-40B4-BE49-F238E27FC236}">
+                    <a16:creationId xmlns:a16="http://schemas.microsoft.com/office/drawing/2014/main" id="{1E69C2C1-5F5F-AE6E-176A-A18875955DBA}"/>
+                  </a:ext>
+                </a:extLst>
+              </p:cNvPr>
+              <p:cNvSpPr txBox="1"/>
+              <p:nvPr/>
+            </p:nvSpPr>
+            <p:spPr>
+              <a:xfrm>
+                <a:off x="838200" y="1690688"/>
+                <a:ext cx="10786242" cy="3093154"/>
+              </a:xfrm>
+              <a:prstGeom prst="rect">
+                <a:avLst/>
+              </a:prstGeom>
+              <a:noFill/>
+            </p:spPr>
+            <p:txBody>
+              <a:bodyPr wrap="square" rtlCol="0">
+                <a:spAutoFit/>
+              </a:bodyPr>
+              <a:lstStyle/>
+              <a:p>
+                <a:pPr>
+                  <a:spcAft>
+                    <a:spcPts val="1200"/>
+                  </a:spcAft>
+                </a:pPr>
+                <a:r>
+                  <a:rPr lang="en-IT" sz="2400" dirty="0">
+                    <a:latin typeface="Palatino" pitchFamily="2" charset="77"/>
+                    <a:ea typeface="Palatino" pitchFamily="2" charset="77"/>
+                  </a:rPr>
+                  <a:t>Assumptions</a:t>
+                </a:r>
+                <a:endParaRPr lang="en-IT" sz="1600" dirty="0">
+                  <a:latin typeface="Palatino" pitchFamily="2" charset="77"/>
+                  <a:ea typeface="Palatino" pitchFamily="2" charset="77"/>
+                </a:endParaRPr>
+              </a:p>
+              <a:p>
+                <a:pPr>
+                  <a:spcAft>
+                    <a:spcPts val="600"/>
+                  </a:spcAft>
+                </a:pPr>
+                <a:r>
+                  <a:rPr lang="en-IT" dirty="0">
+                    <a:solidFill>
+                      <a:schemeClr val="bg1">
+                        <a:lumMod val="50000"/>
+                      </a:schemeClr>
+                    </a:solidFill>
+                    <a:latin typeface="Palatino" pitchFamily="2" charset="77"/>
+                    <a:ea typeface="Palatino" pitchFamily="2" charset="77"/>
+                  </a:rPr>
+                  <a:t>The environment returns the </a:t>
+                </a:r>
+                <a:r>
+                  <a:rPr lang="en-IT" i="1" dirty="0">
+                    <a:solidFill>
+                      <a:schemeClr val="bg1">
+                        <a:lumMod val="50000"/>
+                      </a:schemeClr>
+                    </a:solidFill>
+                    <a:latin typeface="Palatino" pitchFamily="2" charset="77"/>
+                    <a:ea typeface="Palatino" pitchFamily="2" charset="77"/>
+                  </a:rPr>
+                  <a:t>number of sales </a:t>
+                </a:r>
+                <a:r>
+                  <a:rPr lang="en-IT" dirty="0">
+                    <a:solidFill>
+                      <a:schemeClr val="bg1">
+                        <a:lumMod val="50000"/>
+                      </a:schemeClr>
+                    </a:solidFill>
+                    <a:latin typeface="Palatino" pitchFamily="2" charset="77"/>
+                    <a:ea typeface="Palatino" pitchFamily="2" charset="77"/>
+                  </a:rPr>
+                  <a:t>along with the </a:t>
+                </a:r>
+                <a:r>
+                  <a:rPr lang="en-IT" i="1" dirty="0">
+                    <a:solidFill>
+                      <a:schemeClr val="bg1">
+                        <a:lumMod val="50000"/>
+                      </a:schemeClr>
+                    </a:solidFill>
+                    <a:latin typeface="Palatino" pitchFamily="2" charset="77"/>
+                    <a:ea typeface="Palatino" pitchFamily="2" charset="77"/>
+                  </a:rPr>
+                  <a:t>reward</a:t>
+                </a:r>
+              </a:p>
+              <a:p>
+                <a:pPr>
+                  <a:spcAft>
+                    <a:spcPts val="600"/>
+                  </a:spcAft>
+                </a:pPr>
+                <a:endParaRPr lang="en-IT" i="1" dirty="0">
+                  <a:solidFill>
+                    <a:schemeClr val="bg1">
+                      <a:lumMod val="50000"/>
+                    </a:schemeClr>
+                  </a:solidFill>
+                  <a:latin typeface="Palatino" pitchFamily="2" charset="77"/>
+                  <a:ea typeface="Palatino" pitchFamily="2" charset="77"/>
+                </a:endParaRPr>
+              </a:p>
+              <a:p>
+                <a:pPr>
+                  <a:spcAft>
+                    <a:spcPts val="600"/>
+                  </a:spcAft>
+                </a:pPr>
+                <a:r>
+                  <a:rPr lang="en-IT" sz="2400" dirty="0">
+                    <a:latin typeface="Palatino" pitchFamily="2" charset="77"/>
+                    <a:ea typeface="Palatino" pitchFamily="2" charset="77"/>
+                  </a:rPr>
+                  <a:t>Reward Range R</a:t>
+                </a:r>
+              </a:p>
+              <a:p>
+                <a:pPr>
+                  <a:spcAft>
+                    <a:spcPts val="600"/>
+                  </a:spcAft>
+                </a:pPr>
+                <a:r>
+                  <a:rPr lang="en-IT" dirty="0">
+                    <a:solidFill>
+                      <a:schemeClr val="bg1">
+                        <a:lumMod val="50000"/>
+                      </a:schemeClr>
+                    </a:solidFill>
+                    <a:latin typeface="Palatino" pitchFamily="2" charset="77"/>
+                    <a:ea typeface="Palatino" pitchFamily="2" charset="77"/>
+                  </a:rPr>
+                  <a:t>We </a:t>
+                </a:r>
+                <a:r>
+                  <a:rPr lang="en-IT" i="1" dirty="0">
+                    <a:solidFill>
+                      <a:schemeClr val="bg1">
+                        <a:lumMod val="50000"/>
+                      </a:schemeClr>
+                    </a:solidFill>
+                    <a:latin typeface="Palatino" pitchFamily="2" charset="77"/>
+                    <a:ea typeface="Palatino" pitchFamily="2" charset="77"/>
+                  </a:rPr>
+                  <a:t>did not normalize the reward</a:t>
+                </a:r>
+                <a:r>
+                  <a:rPr lang="en-IT" dirty="0">
+                    <a:solidFill>
+                      <a:schemeClr val="bg1">
+                        <a:lumMod val="50000"/>
+                      </a:schemeClr>
+                    </a:solidFill>
+                    <a:latin typeface="Palatino" pitchFamily="2" charset="77"/>
+                    <a:ea typeface="Palatino" pitchFamily="2" charset="77"/>
+                  </a:rPr>
+                  <a:t> into [0, 1] interval</a:t>
+                </a:r>
+                <a:br>
+                  <a:rPr lang="en-IT" dirty="0">
+                    <a:solidFill>
+                      <a:schemeClr val="bg1">
+                        <a:lumMod val="50000"/>
+                      </a:schemeClr>
+                    </a:solidFill>
+                    <a:latin typeface="Palatino" pitchFamily="2" charset="77"/>
+                    <a:ea typeface="Palatino" pitchFamily="2" charset="77"/>
+                  </a:rPr>
+                </a:br>
+                <a:r>
+                  <a:rPr lang="en-IT" sz="1400" dirty="0">
+                    <a:solidFill>
+                      <a:schemeClr val="bg1">
+                        <a:lumMod val="50000"/>
+                      </a:schemeClr>
+                    </a:solidFill>
+                    <a:latin typeface="Palatino" pitchFamily="2" charset="77"/>
+                    <a:ea typeface="Palatino" pitchFamily="2" charset="77"/>
+                  </a:rPr>
+                  <a:t>That implies adjusting the confidence bound </a:t>
+                </a:r>
+                <a:r>
+                  <a:rPr lang="en-IT" sz="1400" i="1" dirty="0">
+                    <a:solidFill>
+                      <a:schemeClr val="bg1">
+                        <a:lumMod val="50000"/>
+                      </a:schemeClr>
+                    </a:solidFill>
+                    <a:latin typeface="Palatino" pitchFamily="2" charset="77"/>
+                    <a:ea typeface="Palatino" pitchFamily="2" charset="77"/>
+                  </a:rPr>
+                  <a:t>R scaling constant </a:t>
+                </a:r>
+                <a:r>
+                  <a:rPr lang="en-IT" sz="1400" dirty="0">
+                    <a:solidFill>
+                      <a:schemeClr val="bg1">
+                        <a:lumMod val="50000"/>
+                      </a:schemeClr>
+                    </a:solidFill>
+                    <a:latin typeface="Palatino" pitchFamily="2" charset="77"/>
+                    <a:ea typeface="Palatino" pitchFamily="2" charset="77"/>
+                  </a:rPr>
+                  <a:t>accordingly</a:t>
+                </a:r>
+              </a:p>
+              <a:p>
+                <a:r>
+                  <a:rPr lang="en-IT" dirty="0">
+                    <a:solidFill>
+                      <a:schemeClr val="bg1">
+                        <a:lumMod val="50000"/>
+                      </a:schemeClr>
+                    </a:solidFill>
+                    <a:latin typeface="Palatino" pitchFamily="2" charset="77"/>
+                    <a:ea typeface="Palatino" pitchFamily="2" charset="77"/>
+                  </a:rPr>
+                  <a:t>We found out a good reasonable value for such scaling constant to be </a:t>
+                </a:r>
+                <a14:m>
+                  <m:oMath xmlns:m="http://schemas.openxmlformats.org/officeDocument/2006/math">
+                    <m:r>
+                      <a:rPr lang="en-IT" i="1" dirty="0" smtClean="0">
+                        <a:solidFill>
+                          <a:schemeClr val="bg1">
+                            <a:lumMod val="50000"/>
+                          </a:schemeClr>
+                        </a:solidFill>
+                        <a:latin typeface="Cambria Math" panose="02040503050406030204" pitchFamily="18" charset="0"/>
+                        <a:ea typeface="Palatino" pitchFamily="2" charset="77"/>
+                      </a:rPr>
+                      <m:t>𝑅</m:t>
+                    </m:r>
+                    <m:r>
+                      <a:rPr lang="en-IT" i="1" dirty="0" smtClean="0">
+                        <a:solidFill>
+                          <a:schemeClr val="bg1">
+                            <a:lumMod val="50000"/>
+                          </a:schemeClr>
+                        </a:solidFill>
+                        <a:latin typeface="Cambria Math" panose="02040503050406030204" pitchFamily="18" charset="0"/>
+                        <a:ea typeface="Palatino" pitchFamily="2" charset="77"/>
+                      </a:rPr>
+                      <m:t> = </m:t>
+                    </m:r>
+                    <m:r>
+                      <a:rPr lang="en-GB" i="1" dirty="0">
+                        <a:solidFill>
+                          <a:schemeClr val="bg1">
+                            <a:lumMod val="50000"/>
+                          </a:schemeClr>
+                        </a:solidFill>
+                        <a:latin typeface="Cambria Math" panose="02040503050406030204" pitchFamily="18" charset="0"/>
+                      </a:rPr>
+                      <m:t>( </m:t>
+                    </m:r>
+                    <m:r>
+                      <m:rPr>
+                        <m:sty m:val="p"/>
+                      </m:rPr>
+                      <a:rPr lang="en-GB" i="1" dirty="0">
+                        <a:solidFill>
+                          <a:schemeClr val="bg1">
+                            <a:lumMod val="50000"/>
+                          </a:schemeClr>
+                        </a:solidFill>
+                        <a:latin typeface="Cambria Math" panose="02040503050406030204" pitchFamily="18" charset="0"/>
+                      </a:rPr>
+                      <m:t>max</m:t>
+                    </m:r>
+                    <m:r>
+                      <a:rPr lang="en-GB" i="1" dirty="0">
+                        <a:solidFill>
+                          <a:schemeClr val="bg1">
+                            <a:lumMod val="50000"/>
+                          </a:schemeClr>
+                        </a:solidFill>
+                        <a:latin typeface="Cambria Math" panose="02040503050406030204" pitchFamily="18" charset="0"/>
+                      </a:rPr>
+                      <m:t>⁡(</m:t>
+                    </m:r>
+                    <m:r>
+                      <a:rPr lang="en-GB" i="1" dirty="0">
+                        <a:solidFill>
+                          <a:schemeClr val="bg1">
+                            <a:lumMod val="50000"/>
+                          </a:schemeClr>
+                        </a:solidFill>
+                        <a:latin typeface="Cambria Math" panose="02040503050406030204" pitchFamily="18" charset="0"/>
+                      </a:rPr>
+                      <m:t>𝑃</m:t>
+                    </m:r>
+                    <m:r>
+                      <a:rPr lang="en-GB" i="1" dirty="0">
+                        <a:solidFill>
+                          <a:schemeClr val="bg1">
+                            <a:lumMod val="50000"/>
+                          </a:schemeClr>
+                        </a:solidFill>
+                        <a:latin typeface="Cambria Math" panose="02040503050406030204" pitchFamily="18" charset="0"/>
+                      </a:rPr>
+                      <m:t>) − </m:t>
+                    </m:r>
+                    <m:r>
+                      <a:rPr lang="en-GB" i="1" dirty="0">
+                        <a:solidFill>
+                          <a:schemeClr val="bg1">
+                            <a:lumMod val="50000"/>
+                          </a:schemeClr>
+                        </a:solidFill>
+                        <a:latin typeface="Cambria Math" panose="02040503050406030204" pitchFamily="18" charset="0"/>
+                      </a:rPr>
+                      <m:t>𝑐𝑜𝑠𝑡</m:t>
+                    </m:r>
+                    <m:r>
+                      <a:rPr lang="en-GB" i="1" dirty="0">
+                        <a:solidFill>
+                          <a:schemeClr val="bg1">
+                            <a:lumMod val="50000"/>
+                          </a:schemeClr>
+                        </a:solidFill>
+                        <a:latin typeface="Cambria Math" panose="02040503050406030204" pitchFamily="18" charset="0"/>
+                      </a:rPr>
+                      <m:t> ) ∗ </m:t>
+                    </m:r>
+                    <m:r>
+                      <a:rPr lang="en-GB" i="1" dirty="0" err="1" smtClean="0">
+                        <a:solidFill>
+                          <a:schemeClr val="bg1">
+                            <a:lumMod val="50000"/>
+                          </a:schemeClr>
+                        </a:solidFill>
+                        <a:latin typeface="Cambria Math" panose="02040503050406030204" pitchFamily="18" charset="0"/>
+                      </a:rPr>
+                      <m:t>𝑛</m:t>
+                    </m:r>
+                    <m:r>
+                      <a:rPr lang="en-GB" i="1" baseline="-25000" dirty="0" err="1" smtClean="0">
+                        <a:solidFill>
+                          <a:schemeClr val="bg1">
+                            <a:lumMod val="50000"/>
+                          </a:schemeClr>
+                        </a:solidFill>
+                        <a:latin typeface="Cambria Math" panose="02040503050406030204" pitchFamily="18" charset="0"/>
+                      </a:rPr>
+                      <m:t>𝑡</m:t>
+                    </m:r>
+                  </m:oMath>
+                </a14:m>
+                <a:endParaRPr lang="en-IT" baseline="-25000" dirty="0">
+                  <a:solidFill>
+                    <a:schemeClr val="bg1">
+                      <a:lumMod val="50000"/>
+                    </a:schemeClr>
+                  </a:solidFill>
+                  <a:latin typeface="Palatino" pitchFamily="2" charset="77"/>
+                  <a:ea typeface="Palatino" pitchFamily="2" charset="77"/>
+                </a:endParaRPr>
+              </a:p>
+              <a:p>
+                <a:pPr>
+                  <a:spcAft>
+                    <a:spcPts val="600"/>
+                  </a:spcAft>
+                </a:pPr>
+                <a:r>
+                  <a:rPr lang="en-IT" sz="1400" dirty="0">
+                    <a:solidFill>
+                      <a:schemeClr val="bg1">
+                        <a:lumMod val="50000"/>
+                      </a:schemeClr>
+                    </a:solidFill>
+                    <a:latin typeface="Palatino" pitchFamily="2" charset="77"/>
+                    <a:ea typeface="Palatino" pitchFamily="2" charset="77"/>
+                  </a:rPr>
+                  <a:t>that is the maximum bound for the reward per round</a:t>
+                </a:r>
+              </a:p>
+              <a:p>
+                <a:pPr>
+                  <a:spcAft>
+                    <a:spcPts val="600"/>
+                  </a:spcAft>
+                </a:pPr>
+                <a:endParaRPr lang="en-IT" baseline="-25000" dirty="0">
+                  <a:solidFill>
+                    <a:schemeClr val="bg1">
+                      <a:lumMod val="50000"/>
+                    </a:schemeClr>
+                  </a:solidFill>
+                  <a:latin typeface="Palatino" pitchFamily="2" charset="77"/>
+                  <a:ea typeface="Palatino" pitchFamily="2" charset="77"/>
+                </a:endParaRPr>
+              </a:p>
+            </p:txBody>
+          </p:sp>
+        </mc:Choice>
+        <mc:Fallback>
+          <p:sp>
+            <p:nvSpPr>
+              <p:cNvPr id="5" name="TextBox 4">
+                <a:extLst>
+                  <a:ext uri="{FF2B5EF4-FFF2-40B4-BE49-F238E27FC236}">
+                    <a16:creationId xmlns:a16="http://schemas.microsoft.com/office/drawing/2014/main" id="{1E69C2C1-5F5F-AE6E-176A-A18875955DBA}"/>
+                  </a:ext>
+                </a:extLst>
+              </p:cNvPr>
+              <p:cNvSpPr txBox="1">
+                <a:spLocks noRot="1" noChangeAspect="1" noMove="1" noResize="1" noEditPoints="1" noAdjustHandles="1" noChangeArrowheads="1" noChangeShapeType="1" noTextEdit="1"/>
+              </p:cNvSpPr>
+              <p:nvPr/>
+            </p:nvSpPr>
+            <p:spPr>
+              <a:xfrm>
+                <a:off x="838200" y="1690688"/>
+                <a:ext cx="10786242" cy="3093154"/>
+              </a:xfrm>
+              <a:prstGeom prst="rect">
+                <a:avLst/>
+              </a:prstGeom>
+              <a:blipFill>
+                <a:blip r:embed="rId3"/>
+                <a:stretch>
+                  <a:fillRect l="-941" t="-1224"/>
+                </a:stretch>
+              </a:blipFill>
+            </p:spPr>
+            <p:txBody>
+              <a:bodyPr/>
+              <a:lstStyle/>
+              <a:p>
+                <a:r>
+                  <a:rPr lang="en-IT">
+                    <a:noFill/>
+                  </a:rPr>
+                  <a:t> </a:t>
+                </a:r>
+              </a:p>
+            </p:txBody>
+          </p:sp>
+        </mc:Fallback>
+      </mc:AlternateContent>
     </p:spTree>
     <p:extLst>
       <p:ext uri="{BB962C8B-B14F-4D97-AF65-F5344CB8AC3E}">
@@ -11062,6 +15993,12 @@
           <a:lstStyle/>
           <a:p>
             <a:pPr marL="0" indent="0">
+              <a:spcBef>
+                <a:spcPts val="0"/>
+              </a:spcBef>
+              <a:spcAft>
+                <a:spcPts val="1200"/>
+              </a:spcAft>
               <a:buNone/>
             </a:pPr>
             <a:r>
@@ -11078,6 +16015,12 @@
           </a:p>
           <a:p>
             <a:pPr marL="0" indent="0">
+              <a:spcBef>
+                <a:spcPts val="0"/>
+              </a:spcBef>
+              <a:spcAft>
+                <a:spcPts val="600"/>
+              </a:spcAft>
               <a:buNone/>
             </a:pPr>
             <a:r>
@@ -11138,7 +16081,7 @@
         </p:blipFill>
         <p:spPr>
           <a:xfrm>
-            <a:off x="2120669" y="3429000"/>
+            <a:off x="2120668" y="3088304"/>
             <a:ext cx="7591694" cy="2953722"/>
           </a:xfrm>
           <a:prstGeom prst="rect">
@@ -11208,7 +16151,7 @@
                 <a:latin typeface="Palatino" pitchFamily="2" charset="77"/>
                 <a:ea typeface="Palatino" pitchFamily="2" charset="77"/>
               </a:rPr>
-              <a:t>Further Analysis</a:t>
+              <a:t>Curiosity</a:t>
             </a:r>
           </a:p>
         </p:txBody>
@@ -11236,7 +16179,9 @@
           </a:xfrm>
         </p:spPr>
         <p:txBody>
-          <a:bodyPr/>
+          <a:bodyPr>
+            <a:normAutofit lnSpcReduction="10000"/>
+          </a:bodyPr>
           <a:lstStyle/>
           <a:p>
             <a:pPr marL="0" indent="0">
@@ -11265,6 +16210,9 @@
               <a:spcBef>
                 <a:spcPts val="0"/>
               </a:spcBef>
+              <a:spcAft>
+                <a:spcPts val="600"/>
+              </a:spcAft>
               <a:buNone/>
             </a:pPr>
             <a:r>
@@ -11285,6 +16233,9 @@
               <a:spcBef>
                 <a:spcPts val="0"/>
               </a:spcBef>
+              <a:spcAft>
+                <a:spcPts val="600"/>
+              </a:spcAft>
               <a:buNone/>
             </a:pPr>
             <a:r>
@@ -11298,6 +16249,38 @@
                 <a:ea typeface="Palatino" pitchFamily="2" charset="77"/>
               </a:rPr>
               <a:t>Here we plot instantaneous regret for UCB1 and Follow the Leader. They’re the same… Almost</a:t>
+            </a:r>
+          </a:p>
+          <a:p>
+            <a:pPr marL="0" indent="0">
+              <a:spcBef>
+                <a:spcPts val="0"/>
+              </a:spcBef>
+              <a:buNone/>
+            </a:pPr>
+            <a:r>
+              <a:rPr lang="en-GB" sz="1400" dirty="0">
+                <a:solidFill>
+                  <a:schemeClr val="bg1">
+                    <a:lumMod val="50000"/>
+                  </a:schemeClr>
+                </a:solidFill>
+                <a:latin typeface="Palatino" pitchFamily="2" charset="77"/>
+                <a:ea typeface="Palatino" pitchFamily="2" charset="77"/>
+              </a:rPr>
+              <a:t>H</a:t>
+            </a:r>
+            <a:r>
+              <a:rPr lang="en-IT" sz="1400" dirty="0">
+                <a:solidFill>
+                  <a:schemeClr val="bg1">
+                    <a:lumMod val="50000"/>
+                  </a:schemeClr>
+                </a:solidFill>
+                <a:latin typeface="Palatino" pitchFamily="2" charset="77"/>
+                <a:ea typeface="Palatino" pitchFamily="2" charset="77"/>
+              </a:rPr>
+              <a:t>int: UCB1 bounds are the same for all the arms</a:t>
             </a:r>
           </a:p>
         </p:txBody>
@@ -11392,61 +16375,6 @@
           </a:prstGeom>
         </p:spPr>
       </p:pic>
-      <p:sp>
-        <p:nvSpPr>
-          <p:cNvPr id="8" name="TextBox 7">
-            <a:extLst>
-              <a:ext uri="{FF2B5EF4-FFF2-40B4-BE49-F238E27FC236}">
-                <a16:creationId xmlns:a16="http://schemas.microsoft.com/office/drawing/2014/main" id="{4BA81D18-DF71-301B-6D3A-2906FB1578BF}"/>
-              </a:ext>
-            </a:extLst>
-          </p:cNvPr>
-          <p:cNvSpPr txBox="1"/>
-          <p:nvPr/>
-        </p:nvSpPr>
-        <p:spPr>
-          <a:xfrm>
-            <a:off x="838198" y="2775156"/>
-            <a:ext cx="4383086" cy="307777"/>
-          </a:xfrm>
-          <a:prstGeom prst="rect">
-            <a:avLst/>
-          </a:prstGeom>
-          <a:noFill/>
-        </p:spPr>
-        <p:txBody>
-          <a:bodyPr wrap="square" rtlCol="0">
-            <a:spAutoFit/>
-          </a:bodyPr>
-          <a:lstStyle/>
-          <a:p>
-            <a:r>
-              <a:rPr lang="en-GB" sz="1400" dirty="0">
-                <a:solidFill>
-                  <a:schemeClr val="bg1">
-                    <a:lumMod val="50000"/>
-                  </a:schemeClr>
-                </a:solidFill>
-                <a:latin typeface="Palatino" pitchFamily="2" charset="77"/>
-                <a:ea typeface="Palatino" pitchFamily="2" charset="77"/>
-              </a:rPr>
-              <a:t>H</a:t>
-            </a:r>
-            <a:r>
-              <a:rPr lang="en-IT" sz="1400" dirty="0">
-                <a:solidFill>
-                  <a:schemeClr val="bg1">
-                    <a:lumMod val="50000"/>
-                  </a:schemeClr>
-                </a:solidFill>
-                <a:latin typeface="Palatino" pitchFamily="2" charset="77"/>
-                <a:ea typeface="Palatino" pitchFamily="2" charset="77"/>
-              </a:rPr>
-              <a:t>int: UCB1 bounds are the same for all the arms!</a:t>
-            </a:r>
-          </a:p>
-        </p:txBody>
-      </p:sp>
     </p:spTree>
     <p:extLst>
       <p:ext uri="{BB962C8B-B14F-4D97-AF65-F5344CB8AC3E}">

--- a/Slides.pptx
+++ b/Slides.pptx
@@ -5,7 +5,7 @@
     <p:sldMasterId id="2147483648" r:id="rId1"/>
   </p:sldMasterIdLst>
   <p:notesMasterIdLst>
-    <p:notesMasterId r:id="rId33"/>
+    <p:notesMasterId r:id="rId34"/>
   </p:notesMasterIdLst>
   <p:sldIdLst>
     <p:sldId id="256" r:id="rId2"/>
@@ -39,6 +39,7 @@
     <p:sldId id="291" r:id="rId30"/>
     <p:sldId id="293" r:id="rId31"/>
     <p:sldId id="294" r:id="rId32"/>
+    <p:sldId id="295" r:id="rId33"/>
   </p:sldIdLst>
   <p:sldSz cx="12192000" cy="6858000"/>
   <p:notesSz cx="6858000" cy="9144000"/>
@@ -173,6 +174,7 @@
             <p14:sldId id="291"/>
             <p14:sldId id="293"/>
             <p14:sldId id="294"/>
+            <p14:sldId id="295"/>
           </p14:sldIdLst>
         </p14:section>
       </p14:sectionLst>
@@ -5068,8 +5070,8 @@
           </a:p>
         </p:txBody>
       </p:sp>
-      <mc:AlternateContent xmlns:mc="http://schemas.openxmlformats.org/markup-compatibility/2006">
-        <mc:Choice xmlns:a14="http://schemas.microsoft.com/office/drawing/2010/main" Requires="a14">
+      <mc:AlternateContent xmlns:mc="http://schemas.openxmlformats.org/markup-compatibility/2006" xmlns:a14="http://schemas.microsoft.com/office/drawing/2010/main">
+        <mc:Choice Requires="a14">
           <p:sp>
             <p:nvSpPr>
               <p:cNvPr id="3" name="Content Placeholder 2">
@@ -5604,7 +5606,7 @@
             </p:txBody>
           </p:sp>
         </mc:Choice>
-        <mc:Fallback>
+        <mc:Fallback xmlns="">
           <p:sp>
             <p:nvSpPr>
               <p:cNvPr id="3" name="Content Placeholder 2">
@@ -7176,8 +7178,8 @@
           </a:p>
         </p:txBody>
       </p:sp>
-      <mc:AlternateContent xmlns:mc="http://schemas.openxmlformats.org/markup-compatibility/2006">
-        <mc:Choice xmlns:a14="http://schemas.microsoft.com/office/drawing/2010/main" Requires="a14">
+      <mc:AlternateContent xmlns:mc="http://schemas.openxmlformats.org/markup-compatibility/2006" xmlns:a14="http://schemas.microsoft.com/office/drawing/2010/main">
+        <mc:Choice Requires="a14">
           <p:sp>
             <p:nvSpPr>
               <p:cNvPr id="5" name="TextBox 4">
@@ -7783,7 +7785,7 @@
             </p:txBody>
           </p:sp>
         </mc:Choice>
-        <mc:Fallback>
+        <mc:Fallback xmlns="">
           <p:sp>
             <p:nvSpPr>
               <p:cNvPr id="5" name="TextBox 4">
@@ -8313,10 +8315,10 @@
       </p:sp>
       <p:pic>
         <p:nvPicPr>
-          <p:cNvPr id="7" name="Picture 6">
+          <p:cNvPr id="3" name="Picture 2">
             <a:extLst>
               <a:ext uri="{FF2B5EF4-FFF2-40B4-BE49-F238E27FC236}">
-                <a16:creationId xmlns:a16="http://schemas.microsoft.com/office/drawing/2014/main" id="{283AA7C5-7190-E0C4-0693-3AFC466CBE9E}"/>
+                <a16:creationId xmlns:a16="http://schemas.microsoft.com/office/drawing/2014/main" id="{836BD81E-7AD0-2926-22E7-947EDD3EB97C}"/>
               </a:ext>
             </a:extLst>
           </p:cNvPr>
@@ -8333,8 +8335,8 @@
         </p:blipFill>
         <p:spPr>
           <a:xfrm>
-            <a:off x="872913" y="2314746"/>
-            <a:ext cx="10446173" cy="3529461"/>
+            <a:off x="1101700" y="2416629"/>
+            <a:ext cx="9988600" cy="3374860"/>
           </a:xfrm>
           <a:prstGeom prst="rect">
             <a:avLst/>
@@ -8798,8 +8800,8 @@
           </a:p>
         </p:txBody>
       </p:sp>
-      <mc:AlternateContent xmlns:mc="http://schemas.openxmlformats.org/markup-compatibility/2006">
-        <mc:Choice xmlns:a14="http://schemas.microsoft.com/office/drawing/2010/main" Requires="a14">
+      <mc:AlternateContent xmlns:mc="http://schemas.openxmlformats.org/markup-compatibility/2006" xmlns:a14="http://schemas.microsoft.com/office/drawing/2010/main">
+        <mc:Choice Requires="a14">
           <p:sp>
             <p:nvSpPr>
               <p:cNvPr id="3" name="Content Placeholder 2">
@@ -9423,7 +9425,7 @@
             </p:txBody>
           </p:sp>
         </mc:Choice>
-        <mc:Fallback>
+        <mc:Fallback xmlns="">
           <p:sp>
             <p:nvSpPr>
               <p:cNvPr id="3" name="Content Placeholder 2">
@@ -10527,8 +10529,8 @@
           </a:p>
         </p:txBody>
       </p:sp>
-      <mc:AlternateContent xmlns:mc="http://schemas.openxmlformats.org/markup-compatibility/2006">
-        <mc:Choice xmlns:a14="http://schemas.microsoft.com/office/drawing/2010/main" Requires="a14">
+      <mc:AlternateContent xmlns:mc="http://schemas.openxmlformats.org/markup-compatibility/2006" xmlns:a14="http://schemas.microsoft.com/office/drawing/2010/main">
+        <mc:Choice Requires="a14">
           <p:sp>
             <p:nvSpPr>
               <p:cNvPr id="7" name="Content Placeholder 2">
@@ -10966,7 +10968,7 @@
             </p:txBody>
           </p:sp>
         </mc:Choice>
-        <mc:Fallback>
+        <mc:Fallback xmlns="">
           <p:sp>
             <p:nvSpPr>
               <p:cNvPr id="7" name="Content Placeholder 2">
@@ -11661,8 +11663,8 @@
           </a:p>
         </p:txBody>
       </p:sp>
-      <mc:AlternateContent xmlns:mc="http://schemas.openxmlformats.org/markup-compatibility/2006">
-        <mc:Choice xmlns:a14="http://schemas.microsoft.com/office/drawing/2010/main" Requires="a14">
+      <mc:AlternateContent xmlns:mc="http://schemas.openxmlformats.org/markup-compatibility/2006" xmlns:a14="http://schemas.microsoft.com/office/drawing/2010/main">
+        <mc:Choice Requires="a14">
           <p:sp>
             <p:nvSpPr>
               <p:cNvPr id="3" name="Content Placeholder 2">
@@ -12231,7 +12233,7 @@
             </p:txBody>
           </p:sp>
         </mc:Choice>
-        <mc:Fallback>
+        <mc:Fallback xmlns="">
           <p:sp>
             <p:nvSpPr>
               <p:cNvPr id="3" name="Content Placeholder 2">
@@ -12427,8 +12429,8 @@
           </a:p>
         </p:txBody>
       </p:sp>
-      <mc:AlternateContent xmlns:mc="http://schemas.openxmlformats.org/markup-compatibility/2006" xmlns:a14="http://schemas.microsoft.com/office/drawing/2010/main">
-        <mc:Choice Requires="a14">
+      <mc:AlternateContent xmlns:mc="http://schemas.openxmlformats.org/markup-compatibility/2006">
+        <mc:Choice xmlns:a14="http://schemas.microsoft.com/office/drawing/2010/main" Requires="a14">
           <p:sp>
             <p:nvSpPr>
               <p:cNvPr id="5" name="TextBox 4">
@@ -12444,7 +12446,7 @@
             <p:spPr>
               <a:xfrm>
                 <a:off x="838200" y="1690688"/>
-                <a:ext cx="10786242" cy="3077766"/>
+                <a:ext cx="10786242" cy="3908762"/>
               </a:xfrm>
               <a:prstGeom prst="rect">
                 <a:avLst/>
@@ -12915,10 +12917,250 @@
                   <a:ea typeface="Palatino" pitchFamily="2" charset="77"/>
                 </a:endParaRPr>
               </a:p>
+              <a:p>
+                <a:endParaRPr lang="en-IT" i="1" dirty="0">
+                  <a:solidFill>
+                    <a:schemeClr val="bg1">
+                      <a:lumMod val="50000"/>
+                    </a:schemeClr>
+                  </a:solidFill>
+                  <a:latin typeface="Palatino" pitchFamily="2" charset="77"/>
+                  <a:ea typeface="Palatino" pitchFamily="2" charset="77"/>
+                </a:endParaRPr>
+              </a:p>
+              <a:p>
+                <a:r>
+                  <a:rPr lang="it-IT" sz="1200" dirty="0">
+                    <a:solidFill>
+                      <a:schemeClr val="bg1">
+                        <a:lumMod val="50000"/>
+                      </a:schemeClr>
+                    </a:solidFill>
+                    <a:latin typeface="Palatino" pitchFamily="2" charset="77"/>
+                    <a:ea typeface="Palatino" pitchFamily="2" charset="77"/>
+                  </a:rPr>
+                  <a:t>Disclaimer: The price </a:t>
+                </a:r>
+                <a:r>
+                  <a:rPr lang="it-IT" sz="1200" dirty="0" err="1">
+                    <a:solidFill>
+                      <a:schemeClr val="bg1">
+                        <a:lumMod val="50000"/>
+                      </a:schemeClr>
+                    </a:solidFill>
+                    <a:latin typeface="Palatino" pitchFamily="2" charset="77"/>
+                    <a:ea typeface="Palatino" pitchFamily="2" charset="77"/>
+                  </a:rPr>
+                  <a:t>grids</a:t>
+                </a:r>
+                <a:r>
+                  <a:rPr lang="it-IT" sz="1200" dirty="0">
+                    <a:solidFill>
+                      <a:schemeClr val="bg1">
+                        <a:lumMod val="50000"/>
+                      </a:schemeClr>
+                    </a:solidFill>
+                    <a:latin typeface="Palatino" pitchFamily="2" charset="77"/>
+                    <a:ea typeface="Palatino" pitchFamily="2" charset="77"/>
+                  </a:rPr>
+                  <a:t> </a:t>
+                </a:r>
+                <a:r>
+                  <a:rPr lang="it-IT" sz="1200" dirty="0" err="1">
+                    <a:solidFill>
+                      <a:schemeClr val="bg1">
+                        <a:lumMod val="50000"/>
+                      </a:schemeClr>
+                    </a:solidFill>
+                    <a:latin typeface="Palatino" pitchFamily="2" charset="77"/>
+                    <a:ea typeface="Palatino" pitchFamily="2" charset="77"/>
+                  </a:rPr>
+                  <a:t>were</a:t>
+                </a:r>
+                <a:r>
+                  <a:rPr lang="it-IT" sz="1200" dirty="0">
+                    <a:solidFill>
+                      <a:schemeClr val="bg1">
+                        <a:lumMod val="50000"/>
+                      </a:schemeClr>
+                    </a:solidFill>
+                    <a:latin typeface="Palatino" pitchFamily="2" charset="77"/>
+                    <a:ea typeface="Palatino" pitchFamily="2" charset="77"/>
+                  </a:rPr>
+                  <a:t> </a:t>
+                </a:r>
+                <a:r>
+                  <a:rPr lang="it-IT" sz="1200" dirty="0" err="1">
+                    <a:solidFill>
+                      <a:schemeClr val="bg1">
+                        <a:lumMod val="50000"/>
+                      </a:schemeClr>
+                    </a:solidFill>
+                    <a:latin typeface="Palatino" pitchFamily="2" charset="77"/>
+                    <a:ea typeface="Palatino" pitchFamily="2" charset="77"/>
+                  </a:rPr>
+                  <a:t>often</a:t>
+                </a:r>
+                <a:r>
+                  <a:rPr lang="it-IT" sz="1200" dirty="0">
+                    <a:solidFill>
+                      <a:schemeClr val="bg1">
+                        <a:lumMod val="50000"/>
+                      </a:schemeClr>
+                    </a:solidFill>
+                    <a:latin typeface="Palatino" pitchFamily="2" charset="77"/>
+                    <a:ea typeface="Palatino" pitchFamily="2" charset="77"/>
+                  </a:rPr>
+                  <a:t> set </a:t>
+                </a:r>
+                <a:r>
+                  <a:rPr lang="it-IT" sz="1200" i="1" dirty="0" err="1">
+                    <a:solidFill>
+                      <a:schemeClr val="bg1">
+                        <a:lumMod val="50000"/>
+                      </a:schemeClr>
+                    </a:solidFill>
+                    <a:latin typeface="Palatino" pitchFamily="2" charset="77"/>
+                    <a:ea typeface="Palatino" pitchFamily="2" charset="77"/>
+                  </a:rPr>
+                  <a:t>very</a:t>
+                </a:r>
+                <a:r>
+                  <a:rPr lang="it-IT" sz="1200" i="1" dirty="0">
+                    <a:solidFill>
+                      <a:schemeClr val="bg1">
+                        <a:lumMod val="50000"/>
+                      </a:schemeClr>
+                    </a:solidFill>
+                    <a:latin typeface="Palatino" pitchFamily="2" charset="77"/>
+                    <a:ea typeface="Palatino" pitchFamily="2" charset="77"/>
+                  </a:rPr>
+                  <a:t>-discrete </a:t>
+                </a:r>
+                <a:r>
+                  <a:rPr lang="it-IT" sz="1200" dirty="0">
+                    <a:solidFill>
+                      <a:schemeClr val="bg1">
+                        <a:lumMod val="50000"/>
+                      </a:schemeClr>
+                    </a:solidFill>
+                    <a:latin typeface="Palatino" pitchFamily="2" charset="77"/>
+                    <a:ea typeface="Palatino" pitchFamily="2" charset="77"/>
+                  </a:rPr>
+                  <a:t>for </a:t>
+                </a:r>
+                <a:r>
+                  <a:rPr lang="it-IT" sz="1200" dirty="0" err="1">
+                    <a:solidFill>
+                      <a:schemeClr val="bg1">
+                        <a:lumMod val="50000"/>
+                      </a:schemeClr>
+                    </a:solidFill>
+                    <a:latin typeface="Palatino" pitchFamily="2" charset="77"/>
+                    <a:ea typeface="Palatino" pitchFamily="2" charset="77"/>
+                  </a:rPr>
+                  <a:t>computational</a:t>
+                </a:r>
+                <a:r>
+                  <a:rPr lang="it-IT" sz="1200" dirty="0">
+                    <a:solidFill>
+                      <a:schemeClr val="bg1">
+                        <a:lumMod val="50000"/>
+                      </a:schemeClr>
+                    </a:solidFill>
+                    <a:latin typeface="Palatino" pitchFamily="2" charset="77"/>
+                    <a:ea typeface="Palatino" pitchFamily="2" charset="77"/>
+                  </a:rPr>
+                  <a:t> </a:t>
+                </a:r>
+                <a:r>
+                  <a:rPr lang="it-IT" sz="1200" dirty="0" err="1">
+                    <a:solidFill>
+                      <a:schemeClr val="bg1">
+                        <a:lumMod val="50000"/>
+                      </a:schemeClr>
+                    </a:solidFill>
+                    <a:latin typeface="Palatino" pitchFamily="2" charset="77"/>
+                    <a:ea typeface="Palatino" pitchFamily="2" charset="77"/>
+                  </a:rPr>
+                  <a:t>means</a:t>
+                </a:r>
+                <a:r>
+                  <a:rPr lang="it-IT" sz="1200" dirty="0">
+                    <a:solidFill>
+                      <a:schemeClr val="bg1">
+                        <a:lumMod val="50000"/>
+                      </a:schemeClr>
+                    </a:solidFill>
+                    <a:latin typeface="Palatino" pitchFamily="2" charset="77"/>
+                    <a:ea typeface="Palatino" pitchFamily="2" charset="77"/>
+                  </a:rPr>
+                  <a:t>, </a:t>
+                </a:r>
+                <a:r>
+                  <a:rPr lang="it-IT" sz="1200" dirty="0" err="1">
+                    <a:solidFill>
+                      <a:schemeClr val="bg1">
+                        <a:lumMod val="50000"/>
+                      </a:schemeClr>
+                    </a:solidFill>
+                    <a:latin typeface="Palatino" pitchFamily="2" charset="77"/>
+                    <a:ea typeface="Palatino" pitchFamily="2" charset="77"/>
+                  </a:rPr>
+                  <a:t>accordingly</a:t>
+                </a:r>
+                <a:r>
+                  <a:rPr lang="it-IT" sz="1200" dirty="0">
+                    <a:solidFill>
+                      <a:schemeClr val="bg1">
+                        <a:lumMod val="50000"/>
+                      </a:schemeClr>
+                    </a:solidFill>
+                    <a:latin typeface="Palatino" pitchFamily="2" charset="77"/>
+                    <a:ea typeface="Palatino" pitchFamily="2" charset="77"/>
+                  </a:rPr>
+                  <a:t> to the project </a:t>
+                </a:r>
+                <a:r>
+                  <a:rPr lang="it-IT" sz="1200" dirty="0" err="1">
+                    <a:solidFill>
+                      <a:schemeClr val="bg1">
+                        <a:lumMod val="50000"/>
+                      </a:schemeClr>
+                    </a:solidFill>
+                    <a:latin typeface="Palatino" pitchFamily="2" charset="77"/>
+                    <a:ea typeface="Palatino" pitchFamily="2" charset="77"/>
+                  </a:rPr>
+                  <a:t>specifications</a:t>
+                </a:r>
+                <a:r>
+                  <a:rPr lang="it-IT" sz="1200" dirty="0">
+                    <a:solidFill>
+                      <a:schemeClr val="bg1">
+                        <a:lumMod val="50000"/>
+                      </a:schemeClr>
+                    </a:solidFill>
+                    <a:latin typeface="Palatino" pitchFamily="2" charset="77"/>
+                    <a:ea typeface="Palatino" pitchFamily="2" charset="77"/>
+                  </a:rPr>
+                  <a:t>.</a:t>
+                </a:r>
+              </a:p>
+              <a:p>
+                <a:endParaRPr lang="en-IT" i="1" dirty="0">
+                  <a:solidFill>
+                    <a:schemeClr val="bg1">
+                      <a:lumMod val="50000"/>
+                    </a:schemeClr>
+                  </a:solidFill>
+                  <a:latin typeface="Palatino" pitchFamily="2" charset="77"/>
+                  <a:ea typeface="Palatino" pitchFamily="2" charset="77"/>
+                </a:endParaRPr>
+              </a:p>
             </p:txBody>
           </p:sp>
         </mc:Choice>
-        <mc:Fallback xmlns="">
+        <mc:Fallback>
           <p:sp>
             <p:nvSpPr>
               <p:cNvPr id="5" name="TextBox 4">
@@ -12936,7 +13178,7 @@
             <p:spPr>
               <a:xfrm>
                 <a:off x="838200" y="1690688"/>
-                <a:ext cx="10786242" cy="3077766"/>
+                <a:ext cx="10786242" cy="3908762"/>
               </a:xfrm>
               <a:prstGeom prst="rect">
                 <a:avLst/>
@@ -12944,7 +13186,7 @@
               <a:blipFill>
                 <a:blip r:embed="rId3"/>
                 <a:stretch>
-                  <a:fillRect l="-941" t="-1230" b="-2459"/>
+                  <a:fillRect l="-941" t="-968"/>
                 </a:stretch>
               </a:blipFill>
             </p:spPr>
@@ -13030,8 +13272,8 @@
           </a:p>
         </p:txBody>
       </p:sp>
-      <mc:AlternateContent xmlns:mc="http://schemas.openxmlformats.org/markup-compatibility/2006">
-        <mc:Choice xmlns:a14="http://schemas.microsoft.com/office/drawing/2010/main" Requires="a14">
+      <mc:AlternateContent xmlns:mc="http://schemas.openxmlformats.org/markup-compatibility/2006" xmlns:a14="http://schemas.microsoft.com/office/drawing/2010/main">
+        <mc:Choice Requires="a14">
           <p:sp>
             <p:nvSpPr>
               <p:cNvPr id="3" name="Content Placeholder 2">
@@ -13463,7 +13705,7 @@
             </p:txBody>
           </p:sp>
         </mc:Choice>
-        <mc:Fallback>
+        <mc:Fallback xmlns="">
           <p:sp>
             <p:nvSpPr>
               <p:cNvPr id="3" name="Content Placeholder 2">
@@ -13875,6 +14117,114 @@
     <p:extLst>
       <p:ext uri="{BB962C8B-B14F-4D97-AF65-F5344CB8AC3E}">
         <p14:creationId xmlns:p14="http://schemas.microsoft.com/office/powerpoint/2010/main" val="2791515396"/>
+      </p:ext>
+    </p:extLst>
+  </p:cSld>
+  <p:clrMapOvr>
+    <a:masterClrMapping/>
+  </p:clrMapOvr>
+</p:sld>
+</file>
+
+<file path=ppt/slides/slide32.xml><?xml version="1.0" encoding="utf-8"?>
+<p:sld xmlns:a="http://schemas.openxmlformats.org/drawingml/2006/main" xmlns:r="http://schemas.openxmlformats.org/officeDocument/2006/relationships" xmlns:p="http://schemas.openxmlformats.org/presentationml/2006/main">
+  <p:cSld>
+    <p:spTree>
+      <p:nvGrpSpPr>
+        <p:cNvPr id="1" name="">
+          <a:extLst>
+            <a:ext uri="{FF2B5EF4-FFF2-40B4-BE49-F238E27FC236}">
+              <a16:creationId xmlns:a16="http://schemas.microsoft.com/office/drawing/2014/main" id="{8C39E343-F813-DB37-D823-CC97F0D9ACFD}"/>
+            </a:ext>
+          </a:extLst>
+        </p:cNvPr>
+        <p:cNvGrpSpPr/>
+        <p:nvPr/>
+      </p:nvGrpSpPr>
+      <p:grpSpPr>
+        <a:xfrm>
+          <a:off x="0" y="0"/>
+          <a:ext cx="0" cy="0"/>
+          <a:chOff x="0" y="0"/>
+          <a:chExt cx="0" cy="0"/>
+        </a:xfrm>
+      </p:grpSpPr>
+      <p:sp>
+        <p:nvSpPr>
+          <p:cNvPr id="2" name="Title 1">
+            <a:extLst>
+              <a:ext uri="{FF2B5EF4-FFF2-40B4-BE49-F238E27FC236}">
+                <a16:creationId xmlns:a16="http://schemas.microsoft.com/office/drawing/2014/main" id="{B60068CE-7573-35C8-D66A-EB0EE1F6F23D}"/>
+              </a:ext>
+            </a:extLst>
+          </p:cNvPr>
+          <p:cNvSpPr>
+            <a:spLocks noGrp="1"/>
+          </p:cNvSpPr>
+          <p:nvPr>
+            <p:ph type="title"/>
+          </p:nvPr>
+        </p:nvSpPr>
+        <p:spPr/>
+        <p:txBody>
+          <a:bodyPr/>
+          <a:lstStyle/>
+          <a:p>
+            <a:r>
+              <a:rPr lang="en-IT" dirty="0">
+                <a:latin typeface="Palatino" pitchFamily="2" charset="77"/>
+                <a:ea typeface="Palatino" pitchFamily="2" charset="77"/>
+              </a:rPr>
+              <a:t>Requirement 3</a:t>
+            </a:r>
+          </a:p>
+        </p:txBody>
+      </p:sp>
+      <p:sp>
+        <p:nvSpPr>
+          <p:cNvPr id="3" name="Text Placeholder 2">
+            <a:extLst>
+              <a:ext uri="{FF2B5EF4-FFF2-40B4-BE49-F238E27FC236}">
+                <a16:creationId xmlns:a16="http://schemas.microsoft.com/office/drawing/2014/main" id="{1DB6BAFB-972A-8102-30B0-115902D02E73}"/>
+              </a:ext>
+            </a:extLst>
+          </p:cNvPr>
+          <p:cNvSpPr>
+            <a:spLocks noGrp="1"/>
+          </p:cNvSpPr>
+          <p:nvPr>
+            <p:ph type="body" idx="1"/>
+          </p:nvPr>
+        </p:nvSpPr>
+        <p:spPr>
+          <a:xfrm>
+            <a:off x="831850" y="4799670"/>
+            <a:ext cx="10515600" cy="1500187"/>
+          </a:xfrm>
+        </p:spPr>
+        <p:txBody>
+          <a:bodyPr/>
+          <a:lstStyle/>
+          <a:p>
+            <a:r>
+              <a:rPr lang="en-IT" dirty="0">
+                <a:solidFill>
+                  <a:schemeClr val="bg1">
+                    <a:lumMod val="50000"/>
+                  </a:schemeClr>
+                </a:solidFill>
+                <a:latin typeface="Palatino" pitchFamily="2" charset="77"/>
+                <a:ea typeface="Palatino" pitchFamily="2" charset="77"/>
+              </a:rPr>
+              <a:t>With highly non-stationary environment</a:t>
+            </a:r>
+          </a:p>
+        </p:txBody>
+      </p:sp>
+    </p:spTree>
+    <p:extLst>
+      <p:ext uri="{BB962C8B-B14F-4D97-AF65-F5344CB8AC3E}">
+        <p14:creationId xmlns:p14="http://schemas.microsoft.com/office/powerpoint/2010/main" val="1955276177"/>
       </p:ext>
     </p:extLst>
   </p:cSld>
@@ -14041,8 +14391,8 @@
           </a:p>
         </p:txBody>
       </p:sp>
-      <mc:AlternateContent xmlns:mc="http://schemas.openxmlformats.org/markup-compatibility/2006">
-        <mc:Choice xmlns:a14="http://schemas.microsoft.com/office/drawing/2010/main" Requires="a14">
+      <mc:AlternateContent xmlns:mc="http://schemas.openxmlformats.org/markup-compatibility/2006" xmlns:a14="http://schemas.microsoft.com/office/drawing/2010/main">
+        <mc:Choice Requires="a14">
           <p:sp>
             <p:nvSpPr>
               <p:cNvPr id="5" name="TextBox 4">
@@ -15045,7 +15395,7 @@
             </p:txBody>
           </p:sp>
         </mc:Choice>
-        <mc:Fallback>
+        <mc:Fallback xmlns="">
           <p:sp>
             <p:nvSpPr>
               <p:cNvPr id="5" name="TextBox 4">
@@ -15157,8 +15507,8 @@
           </a:p>
         </p:txBody>
       </p:sp>
-      <mc:AlternateContent xmlns:mc="http://schemas.openxmlformats.org/markup-compatibility/2006">
-        <mc:Choice xmlns:a14="http://schemas.microsoft.com/office/drawing/2010/main" Requires="a14">
+      <mc:AlternateContent xmlns:mc="http://schemas.openxmlformats.org/markup-compatibility/2006" xmlns:a14="http://schemas.microsoft.com/office/drawing/2010/main">
+        <mc:Choice Requires="a14">
           <p:sp>
             <p:nvSpPr>
               <p:cNvPr id="5" name="TextBox 4">
@@ -15570,7 +15920,7 @@
             </p:txBody>
           </p:sp>
         </mc:Choice>
-        <mc:Fallback>
+        <mc:Fallback xmlns="">
           <p:sp>
             <p:nvSpPr>
               <p:cNvPr id="5" name="TextBox 4">

--- a/Slides.pptx
+++ b/Slides.pptx
@@ -5,7 +5,7 @@
     <p:sldMasterId id="2147483648" r:id="rId1"/>
   </p:sldMasterIdLst>
   <p:notesMasterIdLst>
-    <p:notesMasterId r:id="rId34"/>
+    <p:notesMasterId r:id="rId32"/>
   </p:notesMasterIdLst>
   <p:sldIdLst>
     <p:sldId id="256" r:id="rId2"/>
@@ -14,32 +14,30 @@
     <p:sldId id="267" r:id="rId5"/>
     <p:sldId id="260" r:id="rId6"/>
     <p:sldId id="262" r:id="rId7"/>
-    <p:sldId id="266" r:id="rId8"/>
-    <p:sldId id="268" r:id="rId9"/>
-    <p:sldId id="269" r:id="rId10"/>
-    <p:sldId id="270" r:id="rId11"/>
-    <p:sldId id="272" r:id="rId12"/>
-    <p:sldId id="271" r:id="rId13"/>
-    <p:sldId id="277" r:id="rId14"/>
-    <p:sldId id="273" r:id="rId15"/>
-    <p:sldId id="274" r:id="rId16"/>
-    <p:sldId id="275" r:id="rId17"/>
-    <p:sldId id="276" r:id="rId18"/>
-    <p:sldId id="278" r:id="rId19"/>
-    <p:sldId id="279" r:id="rId20"/>
-    <p:sldId id="282" r:id="rId21"/>
-    <p:sldId id="283" r:id="rId22"/>
-    <p:sldId id="280" r:id="rId23"/>
-    <p:sldId id="281" r:id="rId24"/>
-    <p:sldId id="284" r:id="rId25"/>
-    <p:sldId id="285" r:id="rId26"/>
-    <p:sldId id="286" r:id="rId27"/>
-    <p:sldId id="289" r:id="rId28"/>
-    <p:sldId id="290" r:id="rId29"/>
-    <p:sldId id="291" r:id="rId30"/>
-    <p:sldId id="293" r:id="rId31"/>
-    <p:sldId id="294" r:id="rId32"/>
-    <p:sldId id="295" r:id="rId33"/>
+    <p:sldId id="268" r:id="rId8"/>
+    <p:sldId id="296" r:id="rId9"/>
+    <p:sldId id="271" r:id="rId10"/>
+    <p:sldId id="277" r:id="rId11"/>
+    <p:sldId id="286" r:id="rId12"/>
+    <p:sldId id="273" r:id="rId13"/>
+    <p:sldId id="274" r:id="rId14"/>
+    <p:sldId id="275" r:id="rId15"/>
+    <p:sldId id="276" r:id="rId16"/>
+    <p:sldId id="278" r:id="rId17"/>
+    <p:sldId id="279" r:id="rId18"/>
+    <p:sldId id="282" r:id="rId19"/>
+    <p:sldId id="283" r:id="rId20"/>
+    <p:sldId id="280" r:id="rId21"/>
+    <p:sldId id="281" r:id="rId22"/>
+    <p:sldId id="284" r:id="rId23"/>
+    <p:sldId id="285" r:id="rId24"/>
+    <p:sldId id="297" r:id="rId25"/>
+    <p:sldId id="289" r:id="rId26"/>
+    <p:sldId id="290" r:id="rId27"/>
+    <p:sldId id="291" r:id="rId28"/>
+    <p:sldId id="293" r:id="rId29"/>
+    <p:sldId id="294" r:id="rId30"/>
+    <p:sldId id="295" r:id="rId31"/>
   </p:sldIdLst>
   <p:sldSz cx="12192000" cy="6858000"/>
   <p:notesSz cx="6858000" cy="9144000"/>
@@ -149,13 +147,11 @@
             <p14:sldId id="267"/>
             <p14:sldId id="260"/>
             <p14:sldId id="262"/>
-            <p14:sldId id="266"/>
             <p14:sldId id="268"/>
-            <p14:sldId id="269"/>
-            <p14:sldId id="270"/>
-            <p14:sldId id="272"/>
+            <p14:sldId id="296"/>
             <p14:sldId id="271"/>
             <p14:sldId id="277"/>
+            <p14:sldId id="286"/>
             <p14:sldId id="273"/>
             <p14:sldId id="274"/>
             <p14:sldId id="275"/>
@@ -168,7 +164,7 @@
             <p14:sldId id="281"/>
             <p14:sldId id="284"/>
             <p14:sldId id="285"/>
-            <p14:sldId id="286"/>
+            <p14:sldId id="297"/>
             <p14:sldId id="289"/>
             <p14:sldId id="290"/>
             <p14:sldId id="291"/>
@@ -844,7 +840,7 @@
         <p:cNvPr id="1" name="">
           <a:extLst>
             <a:ext uri="{FF2B5EF4-FFF2-40B4-BE49-F238E27FC236}">
-              <a16:creationId xmlns:a16="http://schemas.microsoft.com/office/drawing/2014/main" id="{E600E8D2-305B-0DCF-B3F0-0F1B6B527788}"/>
+              <a16:creationId xmlns:a16="http://schemas.microsoft.com/office/drawing/2014/main" id="{C641DA9F-4BA2-02BD-CDDA-12B9B48C133C}"/>
             </a:ext>
           </a:extLst>
         </p:cNvPr>
@@ -864,7 +860,7 @@
           <p:cNvPr id="2" name="Slide Image Placeholder 1">
             <a:extLst>
               <a:ext uri="{FF2B5EF4-FFF2-40B4-BE49-F238E27FC236}">
-                <a16:creationId xmlns:a16="http://schemas.microsoft.com/office/drawing/2014/main" id="{C1D429DB-EBB0-D210-18E9-BE046DD5B517}"/>
+                <a16:creationId xmlns:a16="http://schemas.microsoft.com/office/drawing/2014/main" id="{EEAD8297-F494-694A-709C-27BC35B11611}"/>
               </a:ext>
             </a:extLst>
           </p:cNvPr>
@@ -882,7 +878,7 @@
           <p:cNvPr id="3" name="Notes Placeholder 2">
             <a:extLst>
               <a:ext uri="{FF2B5EF4-FFF2-40B4-BE49-F238E27FC236}">
-                <a16:creationId xmlns:a16="http://schemas.microsoft.com/office/drawing/2014/main" id="{12E4FB02-2B6C-703F-798B-0AF01941B1FE}"/>
+                <a16:creationId xmlns:a16="http://schemas.microsoft.com/office/drawing/2014/main" id="{D2E95C2B-DE48-224D-1BCB-1B099DEE7069}"/>
               </a:ext>
             </a:extLst>
           </p:cNvPr>
@@ -907,7 +903,7 @@
           <p:cNvPr id="4" name="Slide Number Placeholder 3">
             <a:extLst>
               <a:ext uri="{FF2B5EF4-FFF2-40B4-BE49-F238E27FC236}">
-                <a16:creationId xmlns:a16="http://schemas.microsoft.com/office/drawing/2014/main" id="{70F6B969-44F1-E301-7B8B-DFAACB636656}"/>
+                <a16:creationId xmlns:a16="http://schemas.microsoft.com/office/drawing/2014/main" id="{56066D99-C797-375B-D278-3A8B5F18EB52}"/>
               </a:ext>
             </a:extLst>
           </p:cNvPr>
@@ -925,7 +921,7 @@
           <a:p>
             <a:fld id="{4CF2BA9C-3F3B-B24C-BD51-7D1F2E3C25B9}" type="slidenum">
               <a:rPr lang="en-IT" smtClean="0"/>
-              <a:t>7</a:t>
+              <a:t>8</a:t>
             </a:fld>
             <a:endParaRPr lang="en-IT"/>
           </a:p>
@@ -934,7 +930,7 @@
     </p:spTree>
     <p:extLst>
       <p:ext uri="{BB962C8B-B14F-4D97-AF65-F5344CB8AC3E}">
-        <p14:creationId xmlns:p14="http://schemas.microsoft.com/office/powerpoint/2010/main" val="3724914097"/>
+        <p14:creationId xmlns:p14="http://schemas.microsoft.com/office/powerpoint/2010/main" val="640015879"/>
       </p:ext>
     </p:extLst>
   </p:cSld>
@@ -945,114 +941,6 @@
 </file>
 
 <file path=ppt/notesSlides/notesSlide5.xml><?xml version="1.0" encoding="utf-8"?>
-<p:notes xmlns:a="http://schemas.openxmlformats.org/drawingml/2006/main" xmlns:r="http://schemas.openxmlformats.org/officeDocument/2006/relationships" xmlns:p="http://schemas.openxmlformats.org/presentationml/2006/main">
-  <p:cSld>
-    <p:spTree>
-      <p:nvGrpSpPr>
-        <p:cNvPr id="1" name="">
-          <a:extLst>
-            <a:ext uri="{FF2B5EF4-FFF2-40B4-BE49-F238E27FC236}">
-              <a16:creationId xmlns:a16="http://schemas.microsoft.com/office/drawing/2014/main" id="{8A3C8EBA-7284-DCF5-BBEF-7344A561D05B}"/>
-            </a:ext>
-          </a:extLst>
-        </p:cNvPr>
-        <p:cNvGrpSpPr/>
-        <p:nvPr/>
-      </p:nvGrpSpPr>
-      <p:grpSpPr>
-        <a:xfrm>
-          <a:off x="0" y="0"/>
-          <a:ext cx="0" cy="0"/>
-          <a:chOff x="0" y="0"/>
-          <a:chExt cx="0" cy="0"/>
-        </a:xfrm>
-      </p:grpSpPr>
-      <p:sp>
-        <p:nvSpPr>
-          <p:cNvPr id="2" name="Slide Image Placeholder 1">
-            <a:extLst>
-              <a:ext uri="{FF2B5EF4-FFF2-40B4-BE49-F238E27FC236}">
-                <a16:creationId xmlns:a16="http://schemas.microsoft.com/office/drawing/2014/main" id="{D4C11CC5-7395-DC5A-6B4B-71C0F2380F5C}"/>
-              </a:ext>
-            </a:extLst>
-          </p:cNvPr>
-          <p:cNvSpPr>
-            <a:spLocks noGrp="1" noRot="1" noChangeAspect="1"/>
-          </p:cNvSpPr>
-          <p:nvPr>
-            <p:ph type="sldImg"/>
-          </p:nvPr>
-        </p:nvSpPr>
-        <p:spPr/>
-      </p:sp>
-      <p:sp>
-        <p:nvSpPr>
-          <p:cNvPr id="3" name="Notes Placeholder 2">
-            <a:extLst>
-              <a:ext uri="{FF2B5EF4-FFF2-40B4-BE49-F238E27FC236}">
-                <a16:creationId xmlns:a16="http://schemas.microsoft.com/office/drawing/2014/main" id="{831D8BF6-139F-1CAD-7FDA-1708C9FA9783}"/>
-              </a:ext>
-            </a:extLst>
-          </p:cNvPr>
-          <p:cNvSpPr>
-            <a:spLocks noGrp="1"/>
-          </p:cNvSpPr>
-          <p:nvPr>
-            <p:ph type="body" idx="1"/>
-          </p:nvPr>
-        </p:nvSpPr>
-        <p:spPr/>
-        <p:txBody>
-          <a:bodyPr/>
-          <a:lstStyle/>
-          <a:p>
-            <a:endParaRPr lang="en-IT" dirty="0"/>
-          </a:p>
-        </p:txBody>
-      </p:sp>
-      <p:sp>
-        <p:nvSpPr>
-          <p:cNvPr id="4" name="Slide Number Placeholder 3">
-            <a:extLst>
-              <a:ext uri="{FF2B5EF4-FFF2-40B4-BE49-F238E27FC236}">
-                <a16:creationId xmlns:a16="http://schemas.microsoft.com/office/drawing/2014/main" id="{2B69EE0D-1AC2-3B34-D9CE-24A11E8F07E7}"/>
-              </a:ext>
-            </a:extLst>
-          </p:cNvPr>
-          <p:cNvSpPr>
-            <a:spLocks noGrp="1"/>
-          </p:cNvSpPr>
-          <p:nvPr>
-            <p:ph type="sldNum" sz="quarter" idx="5"/>
-          </p:nvPr>
-        </p:nvSpPr>
-        <p:spPr/>
-        <p:txBody>
-          <a:bodyPr/>
-          <a:lstStyle/>
-          <a:p>
-            <a:fld id="{4CF2BA9C-3F3B-B24C-BD51-7D1F2E3C25B9}" type="slidenum">
-              <a:rPr lang="en-IT" smtClean="0"/>
-              <a:t>11</a:t>
-            </a:fld>
-            <a:endParaRPr lang="en-IT"/>
-          </a:p>
-        </p:txBody>
-      </p:sp>
-    </p:spTree>
-    <p:extLst>
-      <p:ext uri="{BB962C8B-B14F-4D97-AF65-F5344CB8AC3E}">
-        <p14:creationId xmlns:p14="http://schemas.microsoft.com/office/powerpoint/2010/main" val="3429223711"/>
-      </p:ext>
-    </p:extLst>
-  </p:cSld>
-  <p:clrMapOvr>
-    <a:masterClrMapping/>
-  </p:clrMapOvr>
-</p:notes>
-</file>
-
-<file path=ppt/notesSlides/notesSlide6.xml><?xml version="1.0" encoding="utf-8"?>
 <p:notes xmlns:a="http://schemas.openxmlformats.org/drawingml/2006/main" xmlns:r="http://schemas.openxmlformats.org/officeDocument/2006/relationships" xmlns:p="http://schemas.openxmlformats.org/presentationml/2006/main">
   <p:cSld>
     <p:spTree>
@@ -1141,7 +1029,7 @@
           <a:p>
             <a:fld id="{4CF2BA9C-3F3B-B24C-BD51-7D1F2E3C25B9}" type="slidenum">
               <a:rPr lang="en-IT" smtClean="0"/>
-              <a:t>19</a:t>
+              <a:t>17</a:t>
             </a:fld>
             <a:endParaRPr lang="en-IT"/>
           </a:p>
@@ -1160,7 +1048,7 @@
 </p:notes>
 </file>
 
-<file path=ppt/notesSlides/notesSlide7.xml><?xml version="1.0" encoding="utf-8"?>
+<file path=ppt/notesSlides/notesSlide6.xml><?xml version="1.0" encoding="utf-8"?>
 <p:notes xmlns:a="http://schemas.openxmlformats.org/drawingml/2006/main" xmlns:r="http://schemas.openxmlformats.org/officeDocument/2006/relationships" xmlns:p="http://schemas.openxmlformats.org/presentationml/2006/main">
   <p:cSld>
     <p:spTree>
@@ -1249,7 +1137,7 @@
           <a:p>
             <a:fld id="{4CF2BA9C-3F3B-B24C-BD51-7D1F2E3C25B9}" type="slidenum">
               <a:rPr lang="en-IT" smtClean="0"/>
-              <a:t>22</a:t>
+              <a:t>20</a:t>
             </a:fld>
             <a:endParaRPr lang="en-IT"/>
           </a:p>
@@ -1268,7 +1156,7 @@
 </p:notes>
 </file>
 
-<file path=ppt/notesSlides/notesSlide8.xml><?xml version="1.0" encoding="utf-8"?>
+<file path=ppt/notesSlides/notesSlide7.xml><?xml version="1.0" encoding="utf-8"?>
 <p:notes xmlns:a="http://schemas.openxmlformats.org/drawingml/2006/main" xmlns:r="http://schemas.openxmlformats.org/officeDocument/2006/relationships" xmlns:p="http://schemas.openxmlformats.org/presentationml/2006/main">
   <p:cSld>
     <p:spTree>
@@ -1357,7 +1245,7 @@
           <a:p>
             <a:fld id="{4CF2BA9C-3F3B-B24C-BD51-7D1F2E3C25B9}" type="slidenum">
               <a:rPr lang="en-IT" smtClean="0"/>
-              <a:t>23</a:t>
+              <a:t>21</a:t>
             </a:fld>
             <a:endParaRPr lang="en-IT"/>
           </a:p>
@@ -4776,901 +4664,6 @@
         <p:cNvPr id="1" name="">
           <a:extLst>
             <a:ext uri="{FF2B5EF4-FFF2-40B4-BE49-F238E27FC236}">
-              <a16:creationId xmlns:a16="http://schemas.microsoft.com/office/drawing/2014/main" id="{32D9E26D-718A-62B7-043B-B007D1FAF7B7}"/>
-            </a:ext>
-          </a:extLst>
-        </p:cNvPr>
-        <p:cNvGrpSpPr/>
-        <p:nvPr/>
-      </p:nvGrpSpPr>
-      <p:grpSpPr>
-        <a:xfrm>
-          <a:off x="0" y="0"/>
-          <a:ext cx="0" cy="0"/>
-          <a:chOff x="0" y="0"/>
-          <a:chExt cx="0" cy="0"/>
-        </a:xfrm>
-      </p:grpSpPr>
-      <p:sp>
-        <p:nvSpPr>
-          <p:cNvPr id="2" name="Title 1">
-            <a:extLst>
-              <a:ext uri="{FF2B5EF4-FFF2-40B4-BE49-F238E27FC236}">
-                <a16:creationId xmlns:a16="http://schemas.microsoft.com/office/drawing/2014/main" id="{3C8DD6DF-2360-055C-F3E1-74F43E0B9423}"/>
-              </a:ext>
-            </a:extLst>
-          </p:cNvPr>
-          <p:cNvSpPr>
-            <a:spLocks noGrp="1"/>
-          </p:cNvSpPr>
-          <p:nvPr>
-            <p:ph type="title"/>
-          </p:nvPr>
-        </p:nvSpPr>
-        <p:spPr/>
-        <p:txBody>
-          <a:bodyPr/>
-          <a:lstStyle/>
-          <a:p>
-            <a:r>
-              <a:rPr lang="en-IT" dirty="0">
-                <a:latin typeface="Palatino" pitchFamily="2" charset="77"/>
-                <a:ea typeface="Palatino" pitchFamily="2" charset="77"/>
-              </a:rPr>
-              <a:t>Requirement 1</a:t>
-            </a:r>
-          </a:p>
-        </p:txBody>
-      </p:sp>
-      <p:sp>
-        <p:nvSpPr>
-          <p:cNvPr id="3" name="Text Placeholder 2">
-            <a:extLst>
-              <a:ext uri="{FF2B5EF4-FFF2-40B4-BE49-F238E27FC236}">
-                <a16:creationId xmlns:a16="http://schemas.microsoft.com/office/drawing/2014/main" id="{B69D3B16-3847-2F82-35AE-43A5DFFB5D47}"/>
-              </a:ext>
-            </a:extLst>
-          </p:cNvPr>
-          <p:cNvSpPr>
-            <a:spLocks noGrp="1"/>
-          </p:cNvSpPr>
-          <p:nvPr>
-            <p:ph type="body" idx="1"/>
-          </p:nvPr>
-        </p:nvSpPr>
-        <p:spPr>
-          <a:xfrm>
-            <a:off x="831850" y="4799670"/>
-            <a:ext cx="10515600" cy="1500187"/>
-          </a:xfrm>
-        </p:spPr>
-        <p:txBody>
-          <a:bodyPr/>
-          <a:lstStyle/>
-          <a:p>
-            <a:r>
-              <a:rPr lang="en-IT" dirty="0">
-                <a:solidFill>
-                  <a:schemeClr val="bg1">
-                    <a:lumMod val="50000"/>
-                  </a:schemeClr>
-                </a:solidFill>
-                <a:latin typeface="Palatino" pitchFamily="2" charset="77"/>
-                <a:ea typeface="Palatino" pitchFamily="2" charset="77"/>
-              </a:rPr>
-              <a:t>With production capacity constraint</a:t>
-            </a:r>
-          </a:p>
-        </p:txBody>
-      </p:sp>
-    </p:spTree>
-    <p:extLst>
-      <p:ext uri="{BB962C8B-B14F-4D97-AF65-F5344CB8AC3E}">
-        <p14:creationId xmlns:p14="http://schemas.microsoft.com/office/powerpoint/2010/main" val="4020178012"/>
-      </p:ext>
-    </p:extLst>
-  </p:cSld>
-  <p:clrMapOvr>
-    <a:masterClrMapping/>
-  </p:clrMapOvr>
-</p:sld>
-</file>
-
-<file path=ppt/slides/slide11.xml><?xml version="1.0" encoding="utf-8"?>
-<p:sld xmlns:a="http://schemas.openxmlformats.org/drawingml/2006/main" xmlns:r="http://schemas.openxmlformats.org/officeDocument/2006/relationships" xmlns:p="http://schemas.openxmlformats.org/presentationml/2006/main">
-  <p:cSld>
-    <p:spTree>
-      <p:nvGrpSpPr>
-        <p:cNvPr id="1" name="">
-          <a:extLst>
-            <a:ext uri="{FF2B5EF4-FFF2-40B4-BE49-F238E27FC236}">
-              <a16:creationId xmlns:a16="http://schemas.microsoft.com/office/drawing/2014/main" id="{DFD0139B-3AB6-CBD3-0C90-962A29E57D19}"/>
-            </a:ext>
-          </a:extLst>
-        </p:cNvPr>
-        <p:cNvGrpSpPr/>
-        <p:nvPr/>
-      </p:nvGrpSpPr>
-      <p:grpSpPr>
-        <a:xfrm>
-          <a:off x="0" y="0"/>
-          <a:ext cx="0" cy="0"/>
-          <a:chOff x="0" y="0"/>
-          <a:chExt cx="0" cy="0"/>
-        </a:xfrm>
-      </p:grpSpPr>
-      <p:sp>
-        <p:nvSpPr>
-          <p:cNvPr id="2" name="Title 1">
-            <a:extLst>
-              <a:ext uri="{FF2B5EF4-FFF2-40B4-BE49-F238E27FC236}">
-                <a16:creationId xmlns:a16="http://schemas.microsoft.com/office/drawing/2014/main" id="{8455FD91-D623-95DA-A18F-F149398CD512}"/>
-              </a:ext>
-            </a:extLst>
-          </p:cNvPr>
-          <p:cNvSpPr>
-            <a:spLocks noGrp="1"/>
-          </p:cNvSpPr>
-          <p:nvPr>
-            <p:ph type="title"/>
-          </p:nvPr>
-        </p:nvSpPr>
-        <p:spPr/>
-        <p:txBody>
-          <a:bodyPr/>
-          <a:lstStyle/>
-          <a:p>
-            <a:r>
-              <a:rPr lang="en-IT" dirty="0">
-                <a:latin typeface="Palatino" pitchFamily="2" charset="77"/>
-                <a:ea typeface="Palatino" pitchFamily="2" charset="77"/>
-              </a:rPr>
-              <a:t>Setting</a:t>
-            </a:r>
-          </a:p>
-        </p:txBody>
-      </p:sp>
-      <p:sp>
-        <p:nvSpPr>
-          <p:cNvPr id="5" name="TextBox 4">
-            <a:extLst>
-              <a:ext uri="{FF2B5EF4-FFF2-40B4-BE49-F238E27FC236}">
-                <a16:creationId xmlns:a16="http://schemas.microsoft.com/office/drawing/2014/main" id="{1E2F0BF0-8CA2-AE62-4E9C-DE83174BC147}"/>
-              </a:ext>
-            </a:extLst>
-          </p:cNvPr>
-          <p:cNvSpPr txBox="1"/>
-          <p:nvPr/>
-        </p:nvSpPr>
-        <p:spPr>
-          <a:xfrm>
-            <a:off x="838200" y="1690688"/>
-            <a:ext cx="10786242" cy="892552"/>
-          </a:xfrm>
-          <a:prstGeom prst="rect">
-            <a:avLst/>
-          </a:prstGeom>
-          <a:noFill/>
-        </p:spPr>
-        <p:txBody>
-          <a:bodyPr wrap="square" rtlCol="0">
-            <a:spAutoFit/>
-          </a:bodyPr>
-          <a:lstStyle/>
-          <a:p>
-            <a:pPr>
-              <a:spcAft>
-                <a:spcPts val="1200"/>
-              </a:spcAft>
-            </a:pPr>
-            <a:r>
-              <a:rPr lang="en-IT" sz="2400" dirty="0">
-                <a:latin typeface="Palatino" pitchFamily="2" charset="77"/>
-                <a:ea typeface="Palatino" pitchFamily="2" charset="77"/>
-              </a:rPr>
-              <a:t>Parameters setting</a:t>
-            </a:r>
-            <a:endParaRPr lang="en-IT" sz="2000" dirty="0">
-              <a:latin typeface="Palatino" pitchFamily="2" charset="77"/>
-              <a:ea typeface="Palatino" pitchFamily="2" charset="77"/>
-            </a:endParaRPr>
-          </a:p>
-          <a:p>
-            <a:r>
-              <a:rPr lang="it-IT" i="1" dirty="0">
-                <a:solidFill>
-                  <a:schemeClr val="bg1">
-                    <a:lumMod val="50000"/>
-                  </a:schemeClr>
-                </a:solidFill>
-                <a:latin typeface="Palatino" pitchFamily="2" charset="77"/>
-                <a:ea typeface="Palatino" pitchFamily="2" charset="77"/>
-              </a:rPr>
-              <a:t>B = </a:t>
-            </a:r>
-            <a:r>
-              <a:rPr lang="en-GB" i="1" dirty="0">
-                <a:solidFill>
-                  <a:schemeClr val="bg1">
-                    <a:lumMod val="50000"/>
-                  </a:schemeClr>
-                </a:solidFill>
-                <a:latin typeface="Palatino" pitchFamily="2" charset="77"/>
-                <a:ea typeface="Palatino" pitchFamily="2" charset="77"/>
-              </a:rPr>
-              <a:t>120000</a:t>
-            </a:r>
-          </a:p>
-        </p:txBody>
-      </p:sp>
-    </p:spTree>
-    <p:extLst>
-      <p:ext uri="{BB962C8B-B14F-4D97-AF65-F5344CB8AC3E}">
-        <p14:creationId xmlns:p14="http://schemas.microsoft.com/office/powerpoint/2010/main" val="1846124710"/>
-      </p:ext>
-    </p:extLst>
-  </p:cSld>
-  <p:clrMapOvr>
-    <a:masterClrMapping/>
-  </p:clrMapOvr>
-</p:sld>
-</file>
-
-<file path=ppt/slides/slide12.xml><?xml version="1.0" encoding="utf-8"?>
-<p:sld xmlns:a="http://schemas.openxmlformats.org/drawingml/2006/main" xmlns:r="http://schemas.openxmlformats.org/officeDocument/2006/relationships" xmlns:p="http://schemas.openxmlformats.org/presentationml/2006/main">
-  <p:cSld>
-    <p:spTree>
-      <p:nvGrpSpPr>
-        <p:cNvPr id="1" name="">
-          <a:extLst>
-            <a:ext uri="{FF2B5EF4-FFF2-40B4-BE49-F238E27FC236}">
-              <a16:creationId xmlns:a16="http://schemas.microsoft.com/office/drawing/2014/main" id="{3C5FC0D3-04EC-02F8-BDD5-514950DCCB92}"/>
-            </a:ext>
-          </a:extLst>
-        </p:cNvPr>
-        <p:cNvGrpSpPr/>
-        <p:nvPr/>
-      </p:nvGrpSpPr>
-      <p:grpSpPr>
-        <a:xfrm>
-          <a:off x="0" y="0"/>
-          <a:ext cx="0" cy="0"/>
-          <a:chOff x="0" y="0"/>
-          <a:chExt cx="0" cy="0"/>
-        </a:xfrm>
-      </p:grpSpPr>
-      <p:sp>
-        <p:nvSpPr>
-          <p:cNvPr id="2" name="Title 1">
-            <a:extLst>
-              <a:ext uri="{FF2B5EF4-FFF2-40B4-BE49-F238E27FC236}">
-                <a16:creationId xmlns:a16="http://schemas.microsoft.com/office/drawing/2014/main" id="{446B0540-2F98-1E08-ECEE-CE6E2C768C85}"/>
-              </a:ext>
-            </a:extLst>
-          </p:cNvPr>
-          <p:cNvSpPr>
-            <a:spLocks noGrp="1"/>
-          </p:cNvSpPr>
-          <p:nvPr>
-            <p:ph type="title"/>
-          </p:nvPr>
-        </p:nvSpPr>
-        <p:spPr/>
-        <p:txBody>
-          <a:bodyPr/>
-          <a:lstStyle/>
-          <a:p>
-            <a:r>
-              <a:rPr lang="en-IT" dirty="0">
-                <a:latin typeface="Palatino" pitchFamily="2" charset="77"/>
-                <a:ea typeface="Palatino" pitchFamily="2" charset="77"/>
-              </a:rPr>
-              <a:t>Strategy</a:t>
-            </a:r>
-          </a:p>
-        </p:txBody>
-      </p:sp>
-      <mc:AlternateContent xmlns:mc="http://schemas.openxmlformats.org/markup-compatibility/2006" xmlns:a14="http://schemas.microsoft.com/office/drawing/2010/main">
-        <mc:Choice Requires="a14">
-          <p:sp>
-            <p:nvSpPr>
-              <p:cNvPr id="3" name="Content Placeholder 2">
-                <a:extLst>
-                  <a:ext uri="{FF2B5EF4-FFF2-40B4-BE49-F238E27FC236}">
-                    <a16:creationId xmlns:a16="http://schemas.microsoft.com/office/drawing/2014/main" id="{9A5D5EC5-440C-2C3A-2C09-0894CBA98934}"/>
-                  </a:ext>
-                </a:extLst>
-              </p:cNvPr>
-              <p:cNvSpPr>
-                <a:spLocks noGrp="1"/>
-              </p:cNvSpPr>
-              <p:nvPr>
-                <p:ph idx="1"/>
-              </p:nvPr>
-            </p:nvSpPr>
-            <p:spPr>
-              <a:xfrm>
-                <a:off x="838199" y="1668322"/>
-                <a:ext cx="10850697" cy="4368921"/>
-              </a:xfrm>
-            </p:spPr>
-            <p:txBody>
-              <a:bodyPr>
-                <a:noAutofit/>
-              </a:bodyPr>
-              <a:lstStyle/>
-              <a:p>
-                <a:pPr marL="0" indent="0">
-                  <a:spcBef>
-                    <a:spcPts val="0"/>
-                  </a:spcBef>
-                  <a:spcAft>
-                    <a:spcPts val="1200"/>
-                  </a:spcAft>
-                  <a:buNone/>
-                </a:pPr>
-                <a:r>
-                  <a:rPr lang="en-GB" sz="2400" dirty="0">
-                    <a:latin typeface="Palatino" pitchFamily="2" charset="77"/>
-                    <a:ea typeface="Palatino" pitchFamily="2" charset="77"/>
-                  </a:rPr>
-                  <a:t>Estimation</a:t>
-                </a:r>
-              </a:p>
-              <a:p>
-                <a:pPr>
-                  <a:spcBef>
-                    <a:spcPts val="0"/>
-                  </a:spcBef>
-                </a:pPr>
-                <a:r>
-                  <a:rPr lang="en-GB" sz="1800" dirty="0">
-                    <a:solidFill>
-                      <a:schemeClr val="bg1">
-                        <a:lumMod val="50000"/>
-                      </a:schemeClr>
-                    </a:solidFill>
-                    <a:latin typeface="Palatino" pitchFamily="2" charset="77"/>
-                    <a:ea typeface="Palatino" pitchFamily="2" charset="77"/>
-                  </a:rPr>
-                  <a:t>Upper Confidence Bounds (UCB) on the expected rewards </a:t>
-                </a:r>
-                <a14:m>
-                  <m:oMath xmlns:m="http://schemas.openxmlformats.org/officeDocument/2006/math">
-                    <m:r>
-                      <a:rPr lang="en-GB" sz="1800" i="1">
-                        <a:solidFill>
-                          <a:schemeClr val="bg1">
-                            <a:lumMod val="50000"/>
-                          </a:schemeClr>
-                        </a:solidFill>
-                        <a:latin typeface="Cambria Math" panose="02040503050406030204" pitchFamily="18" charset="0"/>
-                        <a:ea typeface="Cambria Math" panose="02040503050406030204" pitchFamily="18" charset="0"/>
-                      </a:rPr>
-                      <m:t>∀</m:t>
-                    </m:r>
-                    <m:r>
-                      <a:rPr lang="it-IT" sz="1800" i="1">
-                        <a:solidFill>
-                          <a:schemeClr val="bg1">
-                            <a:lumMod val="50000"/>
-                          </a:schemeClr>
-                        </a:solidFill>
-                        <a:latin typeface="Cambria Math" panose="02040503050406030204" pitchFamily="18" charset="0"/>
-                        <a:ea typeface="Cambria Math" panose="02040503050406030204" pitchFamily="18" charset="0"/>
-                      </a:rPr>
-                      <m:t>𝑎</m:t>
-                    </m:r>
-                    <m:r>
-                      <a:rPr lang="it-IT" sz="1800" i="1">
-                        <a:solidFill>
-                          <a:schemeClr val="bg1">
-                            <a:lumMod val="50000"/>
-                          </a:schemeClr>
-                        </a:solidFill>
-                        <a:latin typeface="Cambria Math" panose="02040503050406030204" pitchFamily="18" charset="0"/>
-                        <a:ea typeface="Cambria Math" panose="02040503050406030204" pitchFamily="18" charset="0"/>
-                      </a:rPr>
-                      <m:t>∈</m:t>
-                    </m:r>
-                    <m:r>
-                      <a:rPr lang="it-IT" sz="1800" i="1">
-                        <a:solidFill>
-                          <a:schemeClr val="bg1">
-                            <a:lumMod val="50000"/>
-                          </a:schemeClr>
-                        </a:solidFill>
-                        <a:latin typeface="Cambria Math" panose="02040503050406030204" pitchFamily="18" charset="0"/>
-                        <a:ea typeface="Cambria Math" panose="02040503050406030204" pitchFamily="18" charset="0"/>
-                      </a:rPr>
-                      <m:t>𝐴</m:t>
-                    </m:r>
-                    <m:r>
-                      <a:rPr lang="it-IT" sz="1800">
-                        <a:solidFill>
-                          <a:schemeClr val="bg1">
-                            <a:lumMod val="50000"/>
-                          </a:schemeClr>
-                        </a:solidFill>
-                        <a:latin typeface="Cambria Math" panose="02040503050406030204" pitchFamily="18" charset="0"/>
-                        <a:ea typeface="Cambria Math" panose="02040503050406030204" pitchFamily="18" charset="0"/>
-                      </a:rPr>
-                      <m:t>, </m:t>
-                    </m:r>
-                    <m:r>
-                      <m:rPr>
-                        <m:sty m:val="p"/>
-                      </m:rPr>
-                      <a:rPr lang="it-IT" sz="1800">
-                        <a:solidFill>
-                          <a:schemeClr val="bg1">
-                            <a:lumMod val="50000"/>
-                          </a:schemeClr>
-                        </a:solidFill>
-                        <a:latin typeface="Cambria Math" panose="02040503050406030204" pitchFamily="18" charset="0"/>
-                        <a:ea typeface="Cambria Math" panose="02040503050406030204" pitchFamily="18" charset="0"/>
-                      </a:rPr>
-                      <m:t>p</m:t>
-                    </m:r>
-                    <m:r>
-                      <a:rPr lang="it-IT" sz="1800" i="1">
-                        <a:solidFill>
-                          <a:schemeClr val="bg1">
-                            <a:lumMod val="50000"/>
-                          </a:schemeClr>
-                        </a:solidFill>
-                        <a:latin typeface="Cambria Math" panose="02040503050406030204" pitchFamily="18" charset="0"/>
-                        <a:ea typeface="Cambria Math" panose="02040503050406030204" pitchFamily="18" charset="0"/>
-                      </a:rPr>
-                      <m:t>∈</m:t>
-                    </m:r>
-                    <m:r>
-                      <a:rPr lang="it-IT" sz="1800" i="1">
-                        <a:solidFill>
-                          <a:schemeClr val="bg1">
-                            <a:lumMod val="50000"/>
-                          </a:schemeClr>
-                        </a:solidFill>
-                        <a:latin typeface="Cambria Math" panose="02040503050406030204" pitchFamily="18" charset="0"/>
-                        <a:ea typeface="Cambria Math" panose="02040503050406030204" pitchFamily="18" charset="0"/>
-                      </a:rPr>
-                      <m:t>𝑃𝑖</m:t>
-                    </m:r>
-                  </m:oMath>
-                </a14:m>
-                <a:endParaRPr lang="en-GB" sz="1800" dirty="0">
-                  <a:solidFill>
-                    <a:schemeClr val="bg1">
-                      <a:lumMod val="50000"/>
-                    </a:schemeClr>
-                  </a:solidFill>
-                  <a:latin typeface="Palatino" pitchFamily="2" charset="77"/>
-                  <a:ea typeface="Palatino" pitchFamily="2" charset="77"/>
-                </a:endParaRPr>
-              </a:p>
-              <a:p>
-                <a:pPr>
-                  <a:spcBef>
-                    <a:spcPts val="0"/>
-                  </a:spcBef>
-                </a:pPr>
-                <a:r>
-                  <a:rPr lang="en-GB" sz="1800" dirty="0">
-                    <a:solidFill>
-                      <a:schemeClr val="bg1">
-                        <a:lumMod val="50000"/>
-                      </a:schemeClr>
-                    </a:solidFill>
-                    <a:latin typeface="Palatino" pitchFamily="2" charset="77"/>
-                    <a:ea typeface="Palatino" pitchFamily="2" charset="77"/>
-                  </a:rPr>
-                  <a:t>Lower Confidence Bounds (LCB) on the expected number of sold units </a:t>
-                </a:r>
-                <a14:m>
-                  <m:oMath xmlns:m="http://schemas.openxmlformats.org/officeDocument/2006/math">
-                    <m:r>
-                      <a:rPr lang="en-GB" sz="1800" i="1">
-                        <a:solidFill>
-                          <a:schemeClr val="bg1">
-                            <a:lumMod val="50000"/>
-                          </a:schemeClr>
-                        </a:solidFill>
-                        <a:latin typeface="Cambria Math" panose="02040503050406030204" pitchFamily="18" charset="0"/>
-                        <a:ea typeface="Cambria Math" panose="02040503050406030204" pitchFamily="18" charset="0"/>
-                      </a:rPr>
-                      <m:t>∀</m:t>
-                    </m:r>
-                    <m:r>
-                      <a:rPr lang="it-IT" sz="1800" i="1">
-                        <a:solidFill>
-                          <a:schemeClr val="bg1">
-                            <a:lumMod val="50000"/>
-                          </a:schemeClr>
-                        </a:solidFill>
-                        <a:latin typeface="Cambria Math" panose="02040503050406030204" pitchFamily="18" charset="0"/>
-                        <a:ea typeface="Cambria Math" panose="02040503050406030204" pitchFamily="18" charset="0"/>
-                      </a:rPr>
-                      <m:t>𝑎</m:t>
-                    </m:r>
-                    <m:r>
-                      <a:rPr lang="it-IT" sz="1800" i="1">
-                        <a:solidFill>
-                          <a:schemeClr val="bg1">
-                            <a:lumMod val="50000"/>
-                          </a:schemeClr>
-                        </a:solidFill>
-                        <a:latin typeface="Cambria Math" panose="02040503050406030204" pitchFamily="18" charset="0"/>
-                        <a:ea typeface="Cambria Math" panose="02040503050406030204" pitchFamily="18" charset="0"/>
-                      </a:rPr>
-                      <m:t>∈</m:t>
-                    </m:r>
-                    <m:r>
-                      <a:rPr lang="it-IT" sz="1800" i="1">
-                        <a:solidFill>
-                          <a:schemeClr val="bg1">
-                            <a:lumMod val="50000"/>
-                          </a:schemeClr>
-                        </a:solidFill>
-                        <a:latin typeface="Cambria Math" panose="02040503050406030204" pitchFamily="18" charset="0"/>
-                        <a:ea typeface="Cambria Math" panose="02040503050406030204" pitchFamily="18" charset="0"/>
-                      </a:rPr>
-                      <m:t>𝐴</m:t>
-                    </m:r>
-                    <m:r>
-                      <a:rPr lang="it-IT" sz="1800">
-                        <a:solidFill>
-                          <a:schemeClr val="bg1">
-                            <a:lumMod val="50000"/>
-                          </a:schemeClr>
-                        </a:solidFill>
-                        <a:latin typeface="Cambria Math" panose="02040503050406030204" pitchFamily="18" charset="0"/>
-                        <a:ea typeface="Cambria Math" panose="02040503050406030204" pitchFamily="18" charset="0"/>
-                      </a:rPr>
-                      <m:t>, </m:t>
-                    </m:r>
-                    <m:r>
-                      <m:rPr>
-                        <m:sty m:val="p"/>
-                      </m:rPr>
-                      <a:rPr lang="it-IT" sz="1800">
-                        <a:solidFill>
-                          <a:schemeClr val="bg1">
-                            <a:lumMod val="50000"/>
-                          </a:schemeClr>
-                        </a:solidFill>
-                        <a:latin typeface="Cambria Math" panose="02040503050406030204" pitchFamily="18" charset="0"/>
-                        <a:ea typeface="Cambria Math" panose="02040503050406030204" pitchFamily="18" charset="0"/>
-                      </a:rPr>
-                      <m:t>p</m:t>
-                    </m:r>
-                    <m:r>
-                      <a:rPr lang="it-IT" sz="1800" i="1">
-                        <a:solidFill>
-                          <a:schemeClr val="bg1">
-                            <a:lumMod val="50000"/>
-                          </a:schemeClr>
-                        </a:solidFill>
-                        <a:latin typeface="Cambria Math" panose="02040503050406030204" pitchFamily="18" charset="0"/>
-                        <a:ea typeface="Cambria Math" panose="02040503050406030204" pitchFamily="18" charset="0"/>
-                      </a:rPr>
-                      <m:t>∈</m:t>
-                    </m:r>
-                    <m:r>
-                      <a:rPr lang="it-IT" sz="1800" i="1">
-                        <a:solidFill>
-                          <a:schemeClr val="bg1">
-                            <a:lumMod val="50000"/>
-                          </a:schemeClr>
-                        </a:solidFill>
-                        <a:latin typeface="Cambria Math" panose="02040503050406030204" pitchFamily="18" charset="0"/>
-                        <a:ea typeface="Cambria Math" panose="02040503050406030204" pitchFamily="18" charset="0"/>
-                      </a:rPr>
-                      <m:t>𝑃𝑖</m:t>
-                    </m:r>
-                  </m:oMath>
-                </a14:m>
-                <a:endParaRPr lang="en-GB" sz="1800" dirty="0">
-                  <a:solidFill>
-                    <a:schemeClr val="bg1">
-                      <a:lumMod val="50000"/>
-                    </a:schemeClr>
-                  </a:solidFill>
-                  <a:latin typeface="Palatino" pitchFamily="2" charset="77"/>
-                  <a:ea typeface="Palatino" pitchFamily="2" charset="77"/>
-                </a:endParaRPr>
-              </a:p>
-              <a:p>
-                <a:pPr marL="0" indent="0">
-                  <a:buNone/>
-                </a:pPr>
-                <a:endParaRPr lang="en-GB" sz="1600" dirty="0">
-                  <a:latin typeface="Palatino" pitchFamily="2" charset="77"/>
-                  <a:ea typeface="Palatino" pitchFamily="2" charset="77"/>
-                </a:endParaRPr>
-              </a:p>
-              <a:p>
-                <a:pPr marL="0" indent="0">
-                  <a:spcBef>
-                    <a:spcPts val="0"/>
-                  </a:spcBef>
-                  <a:spcAft>
-                    <a:spcPts val="1200"/>
-                  </a:spcAft>
-                  <a:buNone/>
-                </a:pPr>
-                <a:r>
-                  <a:rPr lang="en-GB" sz="2400" dirty="0">
-                    <a:latin typeface="Palatino" pitchFamily="2" charset="77"/>
-                    <a:ea typeface="Palatino" pitchFamily="2" charset="77"/>
-                  </a:rPr>
-                  <a:t>Decision</a:t>
-                </a:r>
-              </a:p>
-              <a:p>
-                <a:pPr marL="0" indent="0">
-                  <a:spcBef>
-                    <a:spcPts val="0"/>
-                  </a:spcBef>
-                  <a:buNone/>
-                </a:pPr>
-                <a:r>
-                  <a:rPr lang="en-GB" sz="1800" dirty="0">
-                    <a:solidFill>
-                      <a:schemeClr val="bg1">
-                        <a:lumMod val="50000"/>
-                      </a:schemeClr>
-                    </a:solidFill>
-                    <a:latin typeface="Palatino" pitchFamily="2" charset="77"/>
-                    <a:ea typeface="Palatino" pitchFamily="2" charset="77"/>
-                  </a:rPr>
-                  <a:t>At each round, it solves a linear program to find a distribution </a:t>
-                </a:r>
-                <a:r>
-                  <a:rPr lang="el-GR" sz="1800" dirty="0">
-                    <a:solidFill>
-                      <a:schemeClr val="bg1">
-                        <a:lumMod val="50000"/>
-                      </a:schemeClr>
-                    </a:solidFill>
-                    <a:latin typeface="Palatino" pitchFamily="2" charset="77"/>
-                    <a:ea typeface="Palatino" pitchFamily="2" charset="77"/>
-                  </a:rPr>
-                  <a:t>γ</a:t>
-                </a:r>
-                <a:r>
-                  <a:rPr lang="en-GB" sz="1800" dirty="0">
-                    <a:solidFill>
-                      <a:schemeClr val="bg1">
-                        <a:lumMod val="50000"/>
-                      </a:schemeClr>
-                    </a:solidFill>
-                    <a:latin typeface="Palatino" pitchFamily="2" charset="77"/>
-                    <a:ea typeface="Palatino" pitchFamily="2" charset="77"/>
-                  </a:rPr>
-                  <a:t>ₜ over the arms that:</a:t>
-                </a:r>
-              </a:p>
-              <a:p>
-                <a:pPr>
-                  <a:spcBef>
-                    <a:spcPts val="0"/>
-                  </a:spcBef>
-                </a:pPr>
-                <a:r>
-                  <a:rPr lang="en-GB" sz="1800" dirty="0">
-                    <a:solidFill>
-                      <a:schemeClr val="bg1">
-                        <a:lumMod val="50000"/>
-                      </a:schemeClr>
-                    </a:solidFill>
-                    <a:latin typeface="Palatino" pitchFamily="2" charset="77"/>
-                    <a:ea typeface="Palatino" pitchFamily="2" charset="77"/>
-                  </a:rPr>
-                  <a:t>Respects an </a:t>
-                </a:r>
-                <a:r>
-                  <a:rPr lang="en-GB" sz="1800" i="1" dirty="0">
-                    <a:solidFill>
-                      <a:schemeClr val="bg1">
-                        <a:lumMod val="50000"/>
-                      </a:schemeClr>
-                    </a:solidFill>
-                    <a:latin typeface="Palatino" pitchFamily="2" charset="77"/>
-                    <a:ea typeface="Palatino" pitchFamily="2" charset="77"/>
-                  </a:rPr>
-                  <a:t>average consumption constraint </a:t>
-                </a:r>
-                <a:r>
-                  <a:rPr lang="en-GB" sz="1800" dirty="0">
-                    <a:solidFill>
-                      <a:schemeClr val="bg1">
-                        <a:lumMod val="50000"/>
-                      </a:schemeClr>
-                    </a:solidFill>
-                    <a:latin typeface="Palatino" pitchFamily="2" charset="77"/>
-                    <a:ea typeface="Palatino" pitchFamily="2" charset="77"/>
-                  </a:rPr>
-                  <a:t>≤ </a:t>
-                </a:r>
-                <a14:m>
-                  <m:oMath xmlns:m="http://schemas.openxmlformats.org/officeDocument/2006/math">
-                    <m:r>
-                      <a:rPr lang="en-GB" sz="1800" i="1" smtClean="0">
-                        <a:solidFill>
-                          <a:schemeClr val="bg1">
-                            <a:lumMod val="50000"/>
-                          </a:schemeClr>
-                        </a:solidFill>
-                        <a:latin typeface="Cambria Math" panose="02040503050406030204" pitchFamily="18" charset="0"/>
-                        <a:ea typeface="Cambria Math" panose="02040503050406030204" pitchFamily="18" charset="0"/>
-                      </a:rPr>
-                      <m:t>𝜌</m:t>
-                    </m:r>
-                  </m:oMath>
-                </a14:m>
-                <a:r>
-                  <a:rPr lang="it-IT" sz="1800" dirty="0">
-                    <a:solidFill>
-                      <a:schemeClr val="bg1">
-                        <a:lumMod val="50000"/>
-                      </a:schemeClr>
-                    </a:solidFill>
-                    <a:latin typeface="Palatino" pitchFamily="2" charset="77"/>
-                    <a:ea typeface="Palatino" pitchFamily="2" charset="77"/>
-                  </a:rPr>
-                  <a:t> </a:t>
-                </a:r>
-                <a:r>
-                  <a:rPr lang="el-GR" sz="1800" dirty="0">
-                    <a:solidFill>
-                      <a:schemeClr val="bg1">
-                        <a:lumMod val="50000"/>
-                      </a:schemeClr>
-                    </a:solidFill>
-                    <a:latin typeface="Palatino" pitchFamily="2" charset="77"/>
-                    <a:ea typeface="Palatino" pitchFamily="2" charset="77"/>
-                  </a:rPr>
-                  <a:t>= </a:t>
-                </a:r>
-                <a:r>
-                  <a:rPr lang="en-GB" sz="1800" dirty="0">
-                    <a:solidFill>
-                      <a:schemeClr val="bg1">
-                        <a:lumMod val="50000"/>
-                      </a:schemeClr>
-                    </a:solidFill>
-                    <a:latin typeface="Palatino" pitchFamily="2" charset="77"/>
-                    <a:ea typeface="Palatino" pitchFamily="2" charset="77"/>
-                  </a:rPr>
-                  <a:t>B/T</a:t>
-                </a:r>
-              </a:p>
-              <a:p>
-                <a:pPr>
-                  <a:spcBef>
-                    <a:spcPts val="0"/>
-                  </a:spcBef>
-                </a:pPr>
-                <a:r>
-                  <a:rPr lang="en-GB" sz="1800" dirty="0">
-                    <a:solidFill>
-                      <a:schemeClr val="bg1">
-                        <a:lumMod val="50000"/>
-                      </a:schemeClr>
-                    </a:solidFill>
-                    <a:latin typeface="Palatino" pitchFamily="2" charset="77"/>
-                    <a:ea typeface="Palatino" pitchFamily="2" charset="77"/>
-                  </a:rPr>
-                  <a:t>Maximizes the expected reward</a:t>
-                </a:r>
-              </a:p>
-              <a:p>
-                <a:pPr>
-                  <a:spcBef>
-                    <a:spcPts val="0"/>
-                  </a:spcBef>
-                </a:pPr>
-                <a:r>
-                  <a:rPr lang="en-GB" sz="1800" dirty="0">
-                    <a:solidFill>
-                      <a:schemeClr val="bg1">
-                        <a:lumMod val="50000"/>
-                      </a:schemeClr>
-                    </a:solidFill>
-                    <a:latin typeface="Palatino" pitchFamily="2" charset="77"/>
-                    <a:ea typeface="Palatino" pitchFamily="2" charset="77"/>
-                  </a:rPr>
-                  <a:t>Is a probability distribution - weights sum to 1</a:t>
-                </a:r>
-              </a:p>
-              <a:p>
-                <a:pPr marL="0" indent="0">
-                  <a:spcBef>
-                    <a:spcPts val="0"/>
-                  </a:spcBef>
-                  <a:spcAft>
-                    <a:spcPts val="1200"/>
-                  </a:spcAft>
-                  <a:buNone/>
-                </a:pPr>
-                <a:endParaRPr lang="en-IT" sz="1200" dirty="0">
-                  <a:solidFill>
-                    <a:schemeClr val="bg1">
-                      <a:lumMod val="50000"/>
-                    </a:schemeClr>
-                  </a:solidFill>
-                  <a:latin typeface="Palatino" pitchFamily="2" charset="77"/>
-                  <a:ea typeface="Palatino" pitchFamily="2" charset="77"/>
-                </a:endParaRPr>
-              </a:p>
-            </p:txBody>
-          </p:sp>
-        </mc:Choice>
-        <mc:Fallback xmlns="">
-          <p:sp>
-            <p:nvSpPr>
-              <p:cNvPr id="3" name="Content Placeholder 2">
-                <a:extLst>
-                  <a:ext uri="{FF2B5EF4-FFF2-40B4-BE49-F238E27FC236}">
-                    <a16:creationId xmlns:a16="http://schemas.microsoft.com/office/drawing/2014/main" id="{9A5D5EC5-440C-2C3A-2C09-0894CBA98934}"/>
-                  </a:ext>
-                </a:extLst>
-              </p:cNvPr>
-              <p:cNvSpPr>
-                <a:spLocks noGrp="1" noRot="1" noChangeAspect="1" noMove="1" noResize="1" noEditPoints="1" noAdjustHandles="1" noChangeArrowheads="1" noChangeShapeType="1" noTextEdit="1"/>
-              </p:cNvSpPr>
-              <p:nvPr>
-                <p:ph idx="1"/>
-              </p:nvPr>
-            </p:nvSpPr>
-            <p:spPr>
-              <a:xfrm>
-                <a:off x="838199" y="1668322"/>
-                <a:ext cx="10850697" cy="4368921"/>
-              </a:xfrm>
-              <a:blipFill>
-                <a:blip r:embed="rId2"/>
-                <a:stretch>
-                  <a:fillRect l="-818" t="-2029"/>
-                </a:stretch>
-              </a:blipFill>
-            </p:spPr>
-            <p:txBody>
-              <a:bodyPr/>
-              <a:lstStyle/>
-              <a:p>
-                <a:r>
-                  <a:rPr lang="en-IT">
-                    <a:noFill/>
-                  </a:rPr>
-                  <a:t> </a:t>
-                </a:r>
-              </a:p>
-            </p:txBody>
-          </p:sp>
-        </mc:Fallback>
-      </mc:AlternateContent>
-    </p:spTree>
-    <p:extLst>
-      <p:ext uri="{BB962C8B-B14F-4D97-AF65-F5344CB8AC3E}">
-        <p14:creationId xmlns:p14="http://schemas.microsoft.com/office/powerpoint/2010/main" val="2574159348"/>
-      </p:ext>
-    </p:extLst>
-  </p:cSld>
-  <p:clrMapOvr>
-    <a:masterClrMapping/>
-  </p:clrMapOvr>
-</p:sld>
-</file>
-
-<file path=ppt/slides/slide13.xml><?xml version="1.0" encoding="utf-8"?>
-<p:sld xmlns:a="http://schemas.openxmlformats.org/drawingml/2006/main" xmlns:r="http://schemas.openxmlformats.org/officeDocument/2006/relationships" xmlns:p="http://schemas.openxmlformats.org/presentationml/2006/main">
-  <p:cSld>
-    <p:spTree>
-      <p:nvGrpSpPr>
-        <p:cNvPr id="1" name="">
-          <a:extLst>
-            <a:ext uri="{FF2B5EF4-FFF2-40B4-BE49-F238E27FC236}">
               <a16:creationId xmlns:a16="http://schemas.microsoft.com/office/drawing/2014/main" id="{C8D536DA-EB01-F32B-886A-54945DCA5ACE}"/>
             </a:ext>
           </a:extLst>
@@ -5798,7 +4791,12 @@
               </a:rPr>
               <a:t>To do that, we allocate probability across arms through a linear programming problem, which avoids overconsumption (optimistically)</a:t>
             </a:r>
-            <a:endParaRPr lang="en-IT" sz="1800" dirty="0">
+          </a:p>
+          <a:p>
+            <a:pPr marL="0" indent="0">
+              <a:buNone/>
+            </a:pPr>
+            <a:endParaRPr lang="en-GB" sz="1800" dirty="0">
               <a:solidFill>
                 <a:schemeClr val="bg1">
                   <a:lumMod val="50000"/>
@@ -5823,7 +4821,497 @@
 </p:sld>
 </file>
 
-<file path=ppt/slides/slide14.xml><?xml version="1.0" encoding="utf-8"?>
+<file path=ppt/slides/slide11.xml><?xml version="1.0" encoding="utf-8"?>
+<p:sld xmlns:a="http://schemas.openxmlformats.org/drawingml/2006/main" xmlns:r="http://schemas.openxmlformats.org/officeDocument/2006/relationships" xmlns:p="http://schemas.openxmlformats.org/presentationml/2006/main">
+  <p:cSld>
+    <p:spTree>
+      <p:nvGrpSpPr>
+        <p:cNvPr id="1" name="">
+          <a:extLst>
+            <a:ext uri="{FF2B5EF4-FFF2-40B4-BE49-F238E27FC236}">
+              <a16:creationId xmlns:a16="http://schemas.microsoft.com/office/drawing/2014/main" id="{72E13794-C80C-A1E9-55B0-995EF961FEA3}"/>
+            </a:ext>
+          </a:extLst>
+        </p:cNvPr>
+        <p:cNvGrpSpPr/>
+        <p:nvPr/>
+      </p:nvGrpSpPr>
+      <p:grpSpPr>
+        <a:xfrm>
+          <a:off x="0" y="0"/>
+          <a:ext cx="0" cy="0"/>
+          <a:chOff x="0" y="0"/>
+          <a:chExt cx="0" cy="0"/>
+        </a:xfrm>
+      </p:grpSpPr>
+      <p:sp>
+        <p:nvSpPr>
+          <p:cNvPr id="2" name="Title 1">
+            <a:extLst>
+              <a:ext uri="{FF2B5EF4-FFF2-40B4-BE49-F238E27FC236}">
+                <a16:creationId xmlns:a16="http://schemas.microsoft.com/office/drawing/2014/main" id="{8B343375-17E6-69D8-F5A1-7B14C84AD368}"/>
+              </a:ext>
+            </a:extLst>
+          </p:cNvPr>
+          <p:cNvSpPr>
+            <a:spLocks noGrp="1"/>
+          </p:cNvSpPr>
+          <p:nvPr>
+            <p:ph type="title"/>
+          </p:nvPr>
+        </p:nvSpPr>
+        <p:spPr>
+          <a:xfrm>
+            <a:off x="859734" y="537218"/>
+            <a:ext cx="4621553" cy="878717"/>
+          </a:xfrm>
+        </p:spPr>
+        <p:txBody>
+          <a:bodyPr anchor="b">
+            <a:normAutofit/>
+          </a:bodyPr>
+          <a:lstStyle/>
+          <a:p>
+            <a:pPr>
+              <a:spcBef>
+                <a:spcPts val="0"/>
+              </a:spcBef>
+              <a:spcAft>
+                <a:spcPts val="1200"/>
+              </a:spcAft>
+            </a:pPr>
+            <a:r>
+              <a:rPr lang="it-IT" dirty="0">
+                <a:latin typeface="Palatino" pitchFamily="2" charset="77"/>
+                <a:ea typeface="Palatino" pitchFamily="2" charset="77"/>
+              </a:rPr>
+              <a:t>To be discussed</a:t>
+            </a:r>
+          </a:p>
+        </p:txBody>
+      </p:sp>
+      <mc:AlternateContent xmlns:mc="http://schemas.openxmlformats.org/markup-compatibility/2006">
+        <mc:Choice xmlns:a14="http://schemas.microsoft.com/office/drawing/2010/main" Requires="a14">
+          <p:sp>
+            <p:nvSpPr>
+              <p:cNvPr id="3" name="Content Placeholder 2">
+                <a:extLst>
+                  <a:ext uri="{FF2B5EF4-FFF2-40B4-BE49-F238E27FC236}">
+                    <a16:creationId xmlns:a16="http://schemas.microsoft.com/office/drawing/2014/main" id="{A9C7BF8F-3CA2-237D-38FF-AD4FA0F84763}"/>
+                  </a:ext>
+                </a:extLst>
+              </p:cNvPr>
+              <p:cNvSpPr>
+                <a:spLocks noGrp="1"/>
+              </p:cNvSpPr>
+              <p:nvPr>
+                <p:ph idx="1"/>
+              </p:nvPr>
+            </p:nvSpPr>
+            <p:spPr>
+              <a:xfrm>
+                <a:off x="755562" y="1716877"/>
+                <a:ext cx="5111838" cy="4275955"/>
+              </a:xfrm>
+            </p:spPr>
+            <p:txBody>
+              <a:bodyPr>
+                <a:noAutofit/>
+              </a:bodyPr>
+              <a:lstStyle/>
+              <a:p>
+                <a:pPr marL="0" indent="0">
+                  <a:spcBef>
+                    <a:spcPts val="0"/>
+                  </a:spcBef>
+                  <a:spcAft>
+                    <a:spcPts val="1200"/>
+                  </a:spcAft>
+                  <a:buNone/>
+                </a:pPr>
+                <a:r>
+                  <a:rPr lang="it-IT" sz="2400" dirty="0">
+                    <a:latin typeface="Palatino" pitchFamily="2" charset="77"/>
+                    <a:ea typeface="Palatino" pitchFamily="2" charset="77"/>
+                  </a:rPr>
+                  <a:t>Scaling factor C</a:t>
+                </a:r>
+              </a:p>
+              <a:p>
+                <a:pPr marL="0" indent="0">
+                  <a:spcBef>
+                    <a:spcPts val="0"/>
+                  </a:spcBef>
+                  <a:spcAft>
+                    <a:spcPts val="600"/>
+                  </a:spcAft>
+                  <a:buNone/>
+                </a:pPr>
+                <a:r>
+                  <a:rPr lang="en-GB" sz="1400" dirty="0">
+                    <a:solidFill>
+                      <a:schemeClr val="bg1">
+                        <a:lumMod val="50000"/>
+                      </a:schemeClr>
+                    </a:solidFill>
+                    <a:latin typeface="Palatino" pitchFamily="2" charset="77"/>
+                    <a:ea typeface="Palatino" pitchFamily="2" charset="77"/>
+                  </a:rPr>
+                  <a:t>Since rewards were not normalized to [0,1], we introduced a scaling factor to adjust the confidence bounds</a:t>
+                </a:r>
+              </a:p>
+              <a:p>
+                <a:pPr marL="0" indent="0">
+                  <a:spcBef>
+                    <a:spcPts val="0"/>
+                  </a:spcBef>
+                  <a:spcAft>
+                    <a:spcPts val="600"/>
+                  </a:spcAft>
+                  <a:buNone/>
+                </a:pPr>
+                <a:r>
+                  <a:rPr lang="en-GB" sz="1400" dirty="0">
+                    <a:solidFill>
+                      <a:schemeClr val="bg1">
+                        <a:lumMod val="50000"/>
+                      </a:schemeClr>
+                    </a:solidFill>
+                    <a:latin typeface="Palatino" pitchFamily="2" charset="77"/>
+                    <a:ea typeface="Palatino" pitchFamily="2" charset="77"/>
+                  </a:rPr>
+                  <a:t>In our work, we found that a reasonable choice for the value of R is the maximum reward </a:t>
+                </a:r>
+              </a:p>
+              <a:p>
+                <a:pPr marL="0" indent="0">
+                  <a:spcBef>
+                    <a:spcPts val="0"/>
+                  </a:spcBef>
+                  <a:spcAft>
+                    <a:spcPts val="600"/>
+                  </a:spcAft>
+                  <a:buNone/>
+                </a:pPr>
+                <a:r>
+                  <a:rPr lang="en-GB" sz="1400" dirty="0">
+                    <a:solidFill>
+                      <a:schemeClr val="bg1">
+                        <a:lumMod val="50000"/>
+                      </a:schemeClr>
+                    </a:solidFill>
+                    <a:latin typeface="Palatino" pitchFamily="2" charset="77"/>
+                    <a:ea typeface="Palatino" pitchFamily="2" charset="77"/>
+                  </a:rPr>
+                  <a:t>Although, choosing the maximum consumption C for the consumption lower bounds, results in overly optimistic decisions and thus poor budget management</a:t>
+                </a:r>
+              </a:p>
+              <a:p>
+                <a:pPr marL="0" indent="0">
+                  <a:spcBef>
+                    <a:spcPts val="0"/>
+                  </a:spcBef>
+                  <a:buNone/>
+                </a:pPr>
+                <a:r>
+                  <a:rPr lang="en-GB" sz="1400" dirty="0">
+                    <a:solidFill>
+                      <a:schemeClr val="bg1">
+                        <a:lumMod val="50000"/>
+                      </a:schemeClr>
+                    </a:solidFill>
+                    <a:latin typeface="Palatino" pitchFamily="2" charset="77"/>
+                    <a:ea typeface="Palatino" pitchFamily="2" charset="77"/>
+                  </a:rPr>
+                  <a:t>On the other hand, the constant C turns out being a parameter controlling the optimism about the consumption estimation, which can be tuned to fit the instance time horizon</a:t>
+                </a:r>
+              </a:p>
+              <a:p>
+                <a:pPr marL="0" indent="0">
+                  <a:spcBef>
+                    <a:spcPts val="0"/>
+                  </a:spcBef>
+                  <a:buNone/>
+                </a:pPr>
+                <a:endParaRPr lang="en-GB" sz="1400" dirty="0">
+                  <a:solidFill>
+                    <a:schemeClr val="bg1">
+                      <a:lumMod val="50000"/>
+                    </a:schemeClr>
+                  </a:solidFill>
+                  <a:latin typeface="Palatino" pitchFamily="2" charset="77"/>
+                  <a:ea typeface="Palatino" pitchFamily="2" charset="77"/>
+                </a:endParaRPr>
+              </a:p>
+              <a:p>
+                <a:pPr marL="0" indent="0">
+                  <a:spcBef>
+                    <a:spcPts val="0"/>
+                  </a:spcBef>
+                  <a:buNone/>
+                </a:pPr>
+                <a:endParaRPr lang="en-GB" sz="1400" dirty="0">
+                  <a:solidFill>
+                    <a:schemeClr val="bg1">
+                      <a:lumMod val="50000"/>
+                    </a:schemeClr>
+                  </a:solidFill>
+                  <a:latin typeface="Palatino" pitchFamily="2" charset="77"/>
+                  <a:ea typeface="Palatino" pitchFamily="2" charset="77"/>
+                </a:endParaRPr>
+              </a:p>
+              <a:p>
+                <a:pPr marL="0" indent="0">
+                  <a:spcBef>
+                    <a:spcPts val="0"/>
+                  </a:spcBef>
+                  <a:buNone/>
+                </a:pPr>
+                <a:r>
+                  <a:rPr lang="en-GB" sz="1400" dirty="0">
+                    <a:solidFill>
+                      <a:schemeClr val="bg1">
+                        <a:lumMod val="50000"/>
+                      </a:schemeClr>
+                    </a:solidFill>
+                    <a:latin typeface="Palatino" pitchFamily="2" charset="77"/>
+                    <a:ea typeface="Palatino" pitchFamily="2" charset="77"/>
+                  </a:rPr>
+                  <a:t>As a result, we chose to explore its impact through tuning, observing that scaling it by a constant </a:t>
+                </a:r>
+                <a14:m>
+                  <m:oMath xmlns:m="http://schemas.openxmlformats.org/officeDocument/2006/math">
+                    <m:f>
+                      <m:fPr>
+                        <m:ctrlPr>
+                          <a:rPr lang="en-GB" sz="1400" i="1" dirty="0" smtClean="0">
+                            <a:solidFill>
+                              <a:schemeClr val="bg1">
+                                <a:lumMod val="50000"/>
+                              </a:schemeClr>
+                            </a:solidFill>
+                            <a:latin typeface="Cambria Math" panose="02040503050406030204" pitchFamily="18" charset="0"/>
+                            <a:ea typeface="Palatino" pitchFamily="2" charset="77"/>
+                          </a:rPr>
+                        </m:ctrlPr>
+                      </m:fPr>
+                      <m:num>
+                        <m:r>
+                          <a:rPr lang="it-IT" sz="1400" b="0" i="1" dirty="0" smtClean="0">
+                            <a:solidFill>
+                              <a:schemeClr val="bg1">
+                                <a:lumMod val="50000"/>
+                              </a:schemeClr>
+                            </a:solidFill>
+                            <a:latin typeface="Cambria Math" panose="02040503050406030204" pitchFamily="18" charset="0"/>
+                            <a:ea typeface="Palatino" pitchFamily="2" charset="77"/>
+                          </a:rPr>
+                          <m:t>1</m:t>
+                        </m:r>
+                      </m:num>
+                      <m:den>
+                        <m:r>
+                          <a:rPr lang="it-IT" sz="1400" b="0" i="1" dirty="0" smtClean="0">
+                            <a:solidFill>
+                              <a:schemeClr val="bg1">
+                                <a:lumMod val="50000"/>
+                              </a:schemeClr>
+                            </a:solidFill>
+                            <a:latin typeface="Cambria Math" panose="02040503050406030204" pitchFamily="18" charset="0"/>
+                            <a:ea typeface="Palatino" pitchFamily="2" charset="77"/>
+                          </a:rPr>
+                          <m:t>𝑧</m:t>
+                        </m:r>
+                      </m:den>
+                    </m:f>
+                    <m:r>
+                      <a:rPr lang="en-GB" sz="1400" i="1" dirty="0" smtClean="0">
+                        <a:solidFill>
+                          <a:schemeClr val="bg1">
+                            <a:lumMod val="50000"/>
+                          </a:schemeClr>
+                        </a:solidFill>
+                        <a:latin typeface="Cambria Math" panose="02040503050406030204" pitchFamily="18" charset="0"/>
+                        <a:ea typeface="Palatino" pitchFamily="2" charset="77"/>
+                      </a:rPr>
+                      <m:t> </m:t>
+                    </m:r>
+                  </m:oMath>
+                </a14:m>
+                <a:r>
+                  <a:rPr lang="en-GB" sz="1400" dirty="0">
+                    <a:solidFill>
+                      <a:schemeClr val="bg1">
+                        <a:lumMod val="50000"/>
+                      </a:schemeClr>
+                    </a:solidFill>
+                    <a:latin typeface="Palatino" pitchFamily="2" charset="77"/>
+                    <a:ea typeface="Palatino" pitchFamily="2" charset="77"/>
+                  </a:rPr>
+                  <a:t>obtains most of the marginal gain for a value around </a:t>
+                </a:r>
+                <a14:m>
+                  <m:oMath xmlns:m="http://schemas.openxmlformats.org/officeDocument/2006/math">
+                    <m:r>
+                      <a:rPr lang="en-GB" sz="1400" i="1" dirty="0" smtClean="0">
+                        <a:solidFill>
+                          <a:schemeClr val="bg1">
+                            <a:lumMod val="50000"/>
+                          </a:schemeClr>
+                        </a:solidFill>
+                        <a:latin typeface="Cambria Math" panose="02040503050406030204" pitchFamily="18" charset="0"/>
+                        <a:ea typeface="Palatino" pitchFamily="2" charset="77"/>
+                      </a:rPr>
+                      <m:t>𝑧</m:t>
+                    </m:r>
+                    <m:r>
+                      <a:rPr lang="en-GB" sz="1400" i="1" dirty="0" smtClean="0">
+                        <a:solidFill>
+                          <a:schemeClr val="bg1">
+                            <a:lumMod val="50000"/>
+                          </a:schemeClr>
+                        </a:solidFill>
+                        <a:latin typeface="Cambria Math" panose="02040503050406030204" pitchFamily="18" charset="0"/>
+                        <a:ea typeface="Palatino" pitchFamily="2" charset="77"/>
+                      </a:rPr>
+                      <m:t> = </m:t>
+                    </m:r>
+                  </m:oMath>
+                </a14:m>
+                <a:r>
+                  <a:rPr lang="en-GB" sz="1400" dirty="0">
+                    <a:solidFill>
+                      <a:schemeClr val="bg1">
+                        <a:lumMod val="50000"/>
+                      </a:schemeClr>
+                    </a:solidFill>
+                    <a:latin typeface="Palatino" pitchFamily="2" charset="77"/>
+                    <a:ea typeface="Palatino" pitchFamily="2" charset="77"/>
+                  </a:rPr>
+                  <a:t>50</a:t>
+                </a:r>
+              </a:p>
+            </p:txBody>
+          </p:sp>
+        </mc:Choice>
+        <mc:Fallback>
+          <p:sp>
+            <p:nvSpPr>
+              <p:cNvPr id="3" name="Content Placeholder 2">
+                <a:extLst>
+                  <a:ext uri="{FF2B5EF4-FFF2-40B4-BE49-F238E27FC236}">
+                    <a16:creationId xmlns:a16="http://schemas.microsoft.com/office/drawing/2014/main" id="{A9C7BF8F-3CA2-237D-38FF-AD4FA0F84763}"/>
+                  </a:ext>
+                </a:extLst>
+              </p:cNvPr>
+              <p:cNvSpPr>
+                <a:spLocks noGrp="1" noRot="1" noChangeAspect="1" noMove="1" noResize="1" noEditPoints="1" noAdjustHandles="1" noChangeArrowheads="1" noChangeShapeType="1" noTextEdit="1"/>
+              </p:cNvSpPr>
+              <p:nvPr>
+                <p:ph idx="1"/>
+              </p:nvPr>
+            </p:nvSpPr>
+            <p:spPr>
+              <a:xfrm>
+                <a:off x="755562" y="1716877"/>
+                <a:ext cx="5111838" cy="4275955"/>
+              </a:xfrm>
+              <a:blipFill>
+                <a:blip r:embed="rId2"/>
+                <a:stretch>
+                  <a:fillRect l="-1980" t="-2077" r="-495"/>
+                </a:stretch>
+              </a:blipFill>
+            </p:spPr>
+            <p:txBody>
+              <a:bodyPr/>
+              <a:lstStyle/>
+              <a:p>
+                <a:r>
+                  <a:rPr lang="en-IT">
+                    <a:noFill/>
+                  </a:rPr>
+                  <a:t> </a:t>
+                </a:r>
+              </a:p>
+            </p:txBody>
+          </p:sp>
+        </mc:Fallback>
+      </mc:AlternateContent>
+      <p:pic>
+        <p:nvPicPr>
+          <p:cNvPr id="6" name="Picture 5">
+            <a:extLst>
+              <a:ext uri="{FF2B5EF4-FFF2-40B4-BE49-F238E27FC236}">
+                <a16:creationId xmlns:a16="http://schemas.microsoft.com/office/drawing/2014/main" id="{B52706AF-6FD5-B92F-6CF0-E8947F636071}"/>
+              </a:ext>
+            </a:extLst>
+          </p:cNvPr>
+          <p:cNvPicPr>
+            <a:picLocks noChangeAspect="1"/>
+          </p:cNvPicPr>
+          <p:nvPr/>
+        </p:nvPicPr>
+        <p:blipFill>
+          <a:blip r:embed="rId3"/>
+          <a:stretch>
+            <a:fillRect/>
+          </a:stretch>
+        </p:blipFill>
+        <p:spPr>
+          <a:xfrm>
+            <a:off x="7040016" y="987380"/>
+            <a:ext cx="3815524" cy="2460009"/>
+          </a:xfrm>
+          <a:prstGeom prst="rect">
+            <a:avLst/>
+          </a:prstGeom>
+        </p:spPr>
+      </p:pic>
+      <p:pic>
+        <p:nvPicPr>
+          <p:cNvPr id="8" name="Picture 7">
+            <a:extLst>
+              <a:ext uri="{FF2B5EF4-FFF2-40B4-BE49-F238E27FC236}">
+                <a16:creationId xmlns:a16="http://schemas.microsoft.com/office/drawing/2014/main" id="{B737BC8F-DD9E-B5DD-C7B9-A41CE3253299}"/>
+              </a:ext>
+            </a:extLst>
+          </p:cNvPr>
+          <p:cNvPicPr>
+            <a:picLocks noChangeAspect="1"/>
+          </p:cNvPicPr>
+          <p:nvPr/>
+        </p:nvPicPr>
+        <p:blipFill>
+          <a:blip r:embed="rId4"/>
+          <a:stretch>
+            <a:fillRect/>
+          </a:stretch>
+        </p:blipFill>
+        <p:spPr>
+          <a:xfrm>
+            <a:off x="7080562" y="3622685"/>
+            <a:ext cx="3774978" cy="2597361"/>
+          </a:xfrm>
+          <a:prstGeom prst="rect">
+            <a:avLst/>
+          </a:prstGeom>
+        </p:spPr>
+      </p:pic>
+    </p:spTree>
+    <p:extLst>
+      <p:ext uri="{BB962C8B-B14F-4D97-AF65-F5344CB8AC3E}">
+        <p14:creationId xmlns:p14="http://schemas.microsoft.com/office/powerpoint/2010/main" val="1703322924"/>
+      </p:ext>
+    </p:extLst>
+  </p:cSld>
+  <p:clrMapOvr>
+    <a:masterClrMapping/>
+  </p:clrMapOvr>
+</p:sld>
+</file>
+
+<file path=ppt/slides/slide12.xml><?xml version="1.0" encoding="utf-8"?>
 <p:sld xmlns:a="http://schemas.openxmlformats.org/drawingml/2006/main" xmlns:r="http://schemas.openxmlformats.org/officeDocument/2006/relationships" xmlns:p="http://schemas.openxmlformats.org/presentationml/2006/main">
   <p:cSld>
     <p:spTree>
@@ -5896,7 +5384,7 @@
         <p:spPr>
           <a:xfrm>
             <a:off x="838200" y="1668322"/>
-            <a:ext cx="6443950" cy="4368921"/>
+            <a:ext cx="5257800" cy="4368921"/>
           </a:xfrm>
         </p:spPr>
         <p:txBody>
@@ -5942,17 +5430,17 @@
                 <a:latin typeface="Palatino" pitchFamily="2" charset="77"/>
                 <a:ea typeface="Palatino" pitchFamily="2" charset="77"/>
               </a:rPr>
-              <a:t>The algorithm successfully optimizes the usage per round</a:t>
+              <a:t>Thanks to the scaling factor adaptation, the algorithm successfully optimizes the usage per round until the end of the time horizon</a:t>
             </a:r>
           </a:p>
         </p:txBody>
       </p:sp>
       <p:pic>
         <p:nvPicPr>
-          <p:cNvPr id="4" name="Picture 3">
+          <p:cNvPr id="5" name="Picture 4">
             <a:extLst>
               <a:ext uri="{FF2B5EF4-FFF2-40B4-BE49-F238E27FC236}">
-                <a16:creationId xmlns:a16="http://schemas.microsoft.com/office/drawing/2014/main" id="{ABB1D41C-2F26-10F9-AD74-0B4FD4D1B5A5}"/>
+                <a16:creationId xmlns:a16="http://schemas.microsoft.com/office/drawing/2014/main" id="{C2B61CF4-015A-2BBD-8603-081B89EEDA46}"/>
               </a:ext>
             </a:extLst>
           </p:cNvPr>
@@ -5970,7 +5458,7 @@
         </p:blipFill>
         <p:spPr>
           <a:xfrm>
-            <a:off x="7588250" y="1027906"/>
+            <a:off x="6842125" y="1027906"/>
             <a:ext cx="3765550" cy="2984500"/>
           </a:xfrm>
           <a:prstGeom prst="rect">
@@ -5991,7 +5479,7 @@
 </p:sld>
 </file>
 
-<file path=ppt/slides/slide15.xml><?xml version="1.0" encoding="utf-8"?>
+<file path=ppt/slides/slide13.xml><?xml version="1.0" encoding="utf-8"?>
 <p:sld xmlns:a="http://schemas.openxmlformats.org/drawingml/2006/main" xmlns:r="http://schemas.openxmlformats.org/officeDocument/2006/relationships" xmlns:p="http://schemas.openxmlformats.org/presentationml/2006/main">
   <p:cSld>
     <p:spTree>
@@ -6160,10 +5648,10 @@
       </p:sp>
       <p:pic>
         <p:nvPicPr>
-          <p:cNvPr id="5" name="Picture 4">
+          <p:cNvPr id="4" name="Picture 3">
             <a:extLst>
               <a:ext uri="{FF2B5EF4-FFF2-40B4-BE49-F238E27FC236}">
-                <a16:creationId xmlns:a16="http://schemas.microsoft.com/office/drawing/2014/main" id="{7C2F84B6-687D-5F15-70C8-15AB8368CB09}"/>
+                <a16:creationId xmlns:a16="http://schemas.microsoft.com/office/drawing/2014/main" id="{318040FB-C659-2D09-B712-DB6D47FB5010}"/>
               </a:ext>
             </a:extLst>
           </p:cNvPr>
@@ -6181,7 +5669,7 @@
         </p:blipFill>
         <p:spPr>
           <a:xfrm>
-            <a:off x="7588250" y="1261030"/>
+            <a:off x="7159778" y="1547005"/>
             <a:ext cx="3765550" cy="2984500"/>
           </a:xfrm>
           <a:prstGeom prst="rect">
@@ -6202,7 +5690,7 @@
 </p:sld>
 </file>
 
-<file path=ppt/slides/slide16.xml><?xml version="1.0" encoding="utf-8"?>
+<file path=ppt/slides/slide14.xml><?xml version="1.0" encoding="utf-8"?>
 <p:sld xmlns:a="http://schemas.openxmlformats.org/drawingml/2006/main" xmlns:r="http://schemas.openxmlformats.org/officeDocument/2006/relationships" xmlns:p="http://schemas.openxmlformats.org/presentationml/2006/main">
   <p:cSld>
     <p:spTree>
@@ -6275,7 +5763,7 @@
         <p:spPr>
           <a:xfrm>
             <a:off x="838200" y="1668322"/>
-            <a:ext cx="5727853" cy="2892661"/>
+            <a:ext cx="5486400" cy="2892661"/>
           </a:xfrm>
         </p:spPr>
         <p:txBody>
@@ -6321,8 +5809,28 @@
                 <a:latin typeface="Palatino" pitchFamily="2" charset="77"/>
                 <a:ea typeface="Palatino" pitchFamily="2" charset="77"/>
               </a:rPr>
-              <a:t>In fact, the algorithm - due to the constraint - does NEVER play the optimal arm, implying linear regret…</a:t>
-            </a:r>
+              <a:t>In fact, the algorithm - due to the constraint - barely plays the optimal arm… Implying linear regret</a:t>
+            </a:r>
+          </a:p>
+          <a:p>
+            <a:pPr marL="0" indent="0">
+              <a:spcBef>
+                <a:spcPts val="0"/>
+              </a:spcBef>
+              <a:spcAft>
+                <a:spcPts val="1200"/>
+              </a:spcAft>
+              <a:buNone/>
+            </a:pPr>
+            <a:endParaRPr lang="en-GB" sz="1800" dirty="0">
+              <a:solidFill>
+                <a:schemeClr val="bg1">
+                  <a:lumMod val="50000"/>
+                </a:schemeClr>
+              </a:solidFill>
+              <a:latin typeface="Palatino" pitchFamily="2" charset="77"/>
+              <a:ea typeface="Palatino" pitchFamily="2" charset="77"/>
+            </a:endParaRPr>
           </a:p>
           <a:p>
             <a:pPr marL="0" indent="0">
@@ -6406,10 +5914,10 @@
       </p:sp>
       <p:pic>
         <p:nvPicPr>
-          <p:cNvPr id="7" name="Picture 6">
+          <p:cNvPr id="4" name="Picture 3">
             <a:extLst>
               <a:ext uri="{FF2B5EF4-FFF2-40B4-BE49-F238E27FC236}">
-                <a16:creationId xmlns:a16="http://schemas.microsoft.com/office/drawing/2014/main" id="{E4987A6B-278B-D516-A322-C167C5C8C719}"/>
+                <a16:creationId xmlns:a16="http://schemas.microsoft.com/office/drawing/2014/main" id="{BBB8AAC7-79B6-8097-CD65-ADA25B6C68DD}"/>
               </a:ext>
             </a:extLst>
           </p:cNvPr>
@@ -6426,8 +5934,8 @@
         </p:blipFill>
         <p:spPr>
           <a:xfrm>
-            <a:off x="7289723" y="1668322"/>
-            <a:ext cx="4305300" cy="2984500"/>
+            <a:off x="7023100" y="1936750"/>
+            <a:ext cx="4330700" cy="2984500"/>
           </a:xfrm>
           <a:prstGeom prst="rect">
             <a:avLst/>
@@ -6447,7 +5955,7 @@
 </p:sld>
 </file>
 
-<file path=ppt/slides/slide17.xml><?xml version="1.0" encoding="utf-8"?>
+<file path=ppt/slides/slide15.xml><?xml version="1.0" encoding="utf-8"?>
 <p:sld xmlns:a="http://schemas.openxmlformats.org/drawingml/2006/main" xmlns:r="http://schemas.openxmlformats.org/officeDocument/2006/relationships" xmlns:p="http://schemas.openxmlformats.org/presentationml/2006/main">
   <p:cSld>
     <p:spTree>
@@ -6689,41 +6197,11 @@
                 <a:latin typeface="Palatino" pitchFamily="2" charset="77"/>
                 <a:ea typeface="Palatino" pitchFamily="2" charset="77"/>
               </a:rPr>
-              <a:t>Notice: our algorithm converges at such policy</a:t>
+              <a:t>Notice: our algorithm converges to [0. 0. 0. 0. 0. 0. 0. 0. 0.58 0.42 0. 0. 0. ]</a:t>
             </a:r>
           </a:p>
         </p:txBody>
       </p:sp>
-      <p:pic>
-        <p:nvPicPr>
-          <p:cNvPr id="4" name="Picture 3">
-            <a:extLst>
-              <a:ext uri="{FF2B5EF4-FFF2-40B4-BE49-F238E27FC236}">
-                <a16:creationId xmlns:a16="http://schemas.microsoft.com/office/drawing/2014/main" id="{8D5BF822-2049-F5A1-9092-D46E2F372A82}"/>
-              </a:ext>
-            </a:extLst>
-          </p:cNvPr>
-          <p:cNvPicPr>
-            <a:picLocks noChangeAspect="1"/>
-          </p:cNvPicPr>
-          <p:nvPr/>
-        </p:nvPicPr>
-        <p:blipFill>
-          <a:blip r:embed="rId2"/>
-          <a:stretch>
-            <a:fillRect/>
-          </a:stretch>
-        </p:blipFill>
-        <p:spPr>
-          <a:xfrm>
-            <a:off x="7061811" y="1361220"/>
-            <a:ext cx="4435207" cy="2895205"/>
-          </a:xfrm>
-          <a:prstGeom prst="rect">
-            <a:avLst/>
-          </a:prstGeom>
-        </p:spPr>
-      </p:pic>
       <p:sp>
         <p:nvSpPr>
           <p:cNvPr id="5" name="Content Placeholder 2">
@@ -6740,8 +6218,8 @@
         </p:nvSpPr>
         <p:spPr>
           <a:xfrm>
-            <a:off x="838200" y="4653990"/>
-            <a:ext cx="9495622" cy="1685580"/>
+            <a:off x="838200" y="4546545"/>
+            <a:ext cx="10820400" cy="1685580"/>
           </a:xfrm>
           <a:prstGeom prst="rect">
             <a:avLst/>
@@ -6954,7 +6432,7 @@
                 <a:latin typeface="Palatino" pitchFamily="2" charset="77"/>
                 <a:ea typeface="Palatino" pitchFamily="2" charset="77"/>
               </a:rPr>
-              <a:t>The cumulative regret against the fixed-price clairvoyant ends up negative</a:t>
+              <a:t>Given that our algorithm converges to a policy closely aligned with that of the BAMP clairvoyant, we believe the observed regret stems only from the time initially required by the algorithm to learn. </a:t>
             </a:r>
           </a:p>
           <a:p>
@@ -6965,7 +6443,6 @@
               <a:spcAft>
                 <a:spcPts val="1200"/>
               </a:spcAft>
-              <a:buFont typeface="Arial" panose="020B0604020202020204" pitchFamily="34" charset="0"/>
               <a:buNone/>
             </a:pPr>
             <a:r>
@@ -6978,10 +6455,10 @@
                 <a:latin typeface="Palatino" pitchFamily="2" charset="77"/>
                 <a:ea typeface="Palatino" pitchFamily="2" charset="77"/>
               </a:rPr>
-              <a:t>Against the mixed-policy clairvoyant, the cumulative regret is slightly negative until the very last rounds, when a better usage leads the clairvoyant to a higher cumulative reward</a:t>
+              <a:t>Considering the budget-constrained nature of the problem - which somehow counters the clairvoyant strength - we expect the regret to grow very slowly as the time horizon increases further.</a:t>
             </a:r>
             <a:br>
-              <a:rPr lang="en-GB" sz="1600" dirty="0">
+              <a:rPr lang="en-GB" sz="1800" dirty="0">
                 <a:solidFill>
                   <a:schemeClr val="bg1">
                     <a:lumMod val="50000"/>
@@ -6991,7 +6468,7 @@
                 <a:ea typeface="Palatino" pitchFamily="2" charset="77"/>
               </a:rPr>
             </a:br>
-            <a:endParaRPr lang="en-IT" sz="1600" dirty="0">
+            <a:endParaRPr lang="en-IT" sz="1800" dirty="0">
               <a:solidFill>
                 <a:schemeClr val="bg1">
                   <a:lumMod val="50000"/>
@@ -7003,6 +6480,36 @@
           </a:p>
         </p:txBody>
       </p:sp>
+      <p:pic>
+        <p:nvPicPr>
+          <p:cNvPr id="6" name="Picture 5">
+            <a:extLst>
+              <a:ext uri="{FF2B5EF4-FFF2-40B4-BE49-F238E27FC236}">
+                <a16:creationId xmlns:a16="http://schemas.microsoft.com/office/drawing/2014/main" id="{576F363D-1566-78A1-E084-71AFF482E527}"/>
+              </a:ext>
+            </a:extLst>
+          </p:cNvPr>
+          <p:cNvPicPr>
+            <a:picLocks noChangeAspect="1"/>
+          </p:cNvPicPr>
+          <p:nvPr/>
+        </p:nvPicPr>
+        <p:blipFill>
+          <a:blip r:embed="rId2"/>
+          <a:stretch>
+            <a:fillRect/>
+          </a:stretch>
+        </p:blipFill>
+        <p:spPr>
+          <a:xfrm>
+            <a:off x="7086600" y="1468665"/>
+            <a:ext cx="4297976" cy="2805623"/>
+          </a:xfrm>
+          <a:prstGeom prst="rect">
+            <a:avLst/>
+          </a:prstGeom>
+        </p:spPr>
+      </p:pic>
     </p:spTree>
     <p:extLst>
       <p:ext uri="{BB962C8B-B14F-4D97-AF65-F5344CB8AC3E}">
@@ -7016,7 +6523,7 @@
 </p:sld>
 </file>
 
-<file path=ppt/slides/slide18.xml><?xml version="1.0" encoding="utf-8"?>
+<file path=ppt/slides/slide16.xml><?xml version="1.0" encoding="utf-8"?>
 <p:sld xmlns:a="http://schemas.openxmlformats.org/drawingml/2006/main" xmlns:r="http://schemas.openxmlformats.org/officeDocument/2006/relationships" xmlns:p="http://schemas.openxmlformats.org/presentationml/2006/main">
   <p:cSld>
     <p:spTree>
@@ -7124,7 +6631,7 @@
 </p:sld>
 </file>
 
-<file path=ppt/slides/slide19.xml><?xml version="1.0" encoding="utf-8"?>
+<file path=ppt/slides/slide17.xml><?xml version="1.0" encoding="utf-8"?>
 <p:sld xmlns:a="http://schemas.openxmlformats.org/drawingml/2006/main" xmlns:r="http://schemas.openxmlformats.org/officeDocument/2006/relationships" xmlns:p="http://schemas.openxmlformats.org/presentationml/2006/main">
   <p:cSld>
     <p:spTree>
@@ -7843,109 +7350,7 @@
 </p:sld>
 </file>
 
-<file path=ppt/slides/slide2.xml><?xml version="1.0" encoding="utf-8"?>
-<p:sld xmlns:a="http://schemas.openxmlformats.org/drawingml/2006/main" xmlns:r="http://schemas.openxmlformats.org/officeDocument/2006/relationships" xmlns:p="http://schemas.openxmlformats.org/presentationml/2006/main">
-  <p:cSld>
-    <p:spTree>
-      <p:nvGrpSpPr>
-        <p:cNvPr id="1" name=""/>
-        <p:cNvGrpSpPr/>
-        <p:nvPr/>
-      </p:nvGrpSpPr>
-      <p:grpSpPr>
-        <a:xfrm>
-          <a:off x="0" y="0"/>
-          <a:ext cx="0" cy="0"/>
-          <a:chOff x="0" y="0"/>
-          <a:chExt cx="0" cy="0"/>
-        </a:xfrm>
-      </p:grpSpPr>
-      <p:sp>
-        <p:nvSpPr>
-          <p:cNvPr id="2" name="Title 1">
-            <a:extLst>
-              <a:ext uri="{FF2B5EF4-FFF2-40B4-BE49-F238E27FC236}">
-                <a16:creationId xmlns:a16="http://schemas.microsoft.com/office/drawing/2014/main" id="{1D44B384-5C78-1580-476D-3CBC2C13CCB4}"/>
-              </a:ext>
-            </a:extLst>
-          </p:cNvPr>
-          <p:cNvSpPr>
-            <a:spLocks noGrp="1"/>
-          </p:cNvSpPr>
-          <p:nvPr>
-            <p:ph type="title"/>
-          </p:nvPr>
-        </p:nvSpPr>
-        <p:spPr/>
-        <p:txBody>
-          <a:bodyPr/>
-          <a:lstStyle/>
-          <a:p>
-            <a:r>
-              <a:rPr lang="en-IT" dirty="0">
-                <a:latin typeface="Palatino" pitchFamily="2" charset="77"/>
-                <a:ea typeface="Palatino" pitchFamily="2" charset="77"/>
-              </a:rPr>
-              <a:t>Requirement 1</a:t>
-            </a:r>
-          </a:p>
-        </p:txBody>
-      </p:sp>
-      <p:sp>
-        <p:nvSpPr>
-          <p:cNvPr id="3" name="Text Placeholder 2">
-            <a:extLst>
-              <a:ext uri="{FF2B5EF4-FFF2-40B4-BE49-F238E27FC236}">
-                <a16:creationId xmlns:a16="http://schemas.microsoft.com/office/drawing/2014/main" id="{08B0AF4F-23A3-471D-013C-4FED2AC63C13}"/>
-              </a:ext>
-            </a:extLst>
-          </p:cNvPr>
-          <p:cNvSpPr>
-            <a:spLocks noGrp="1"/>
-          </p:cNvSpPr>
-          <p:nvPr>
-            <p:ph type="body" idx="1"/>
-          </p:nvPr>
-        </p:nvSpPr>
-        <p:spPr>
-          <a:xfrm>
-            <a:off x="831850" y="4799670"/>
-            <a:ext cx="10515600" cy="1500187"/>
-          </a:xfrm>
-        </p:spPr>
-        <p:txBody>
-          <a:bodyPr/>
-          <a:lstStyle/>
-          <a:p>
-            <a:r>
-              <a:rPr lang="en-IT" dirty="0">
-                <a:solidFill>
-                  <a:schemeClr val="bg1">
-                    <a:lumMod val="50000"/>
-                  </a:schemeClr>
-                </a:solidFill>
-                <a:latin typeface="Palatino" pitchFamily="2" charset="77"/>
-                <a:ea typeface="Palatino" pitchFamily="2" charset="77"/>
-              </a:rPr>
-              <a:t>Without production capacity constraint</a:t>
-            </a:r>
-          </a:p>
-        </p:txBody>
-      </p:sp>
-    </p:spTree>
-    <p:extLst>
-      <p:ext uri="{BB962C8B-B14F-4D97-AF65-F5344CB8AC3E}">
-        <p14:creationId xmlns:p14="http://schemas.microsoft.com/office/powerpoint/2010/main" val="1526035182"/>
-      </p:ext>
-    </p:extLst>
-  </p:cSld>
-  <p:clrMapOvr>
-    <a:masterClrMapping/>
-  </p:clrMapOvr>
-</p:sld>
-</file>
-
-<file path=ppt/slides/slide20.xml><?xml version="1.0" encoding="utf-8"?>
+<file path=ppt/slides/slide18.xml><?xml version="1.0" encoding="utf-8"?>
 <p:sld xmlns:a="http://schemas.openxmlformats.org/drawingml/2006/main" xmlns:r="http://schemas.openxmlformats.org/officeDocument/2006/relationships" xmlns:p="http://schemas.openxmlformats.org/presentationml/2006/main">
   <p:cSld>
     <p:spTree>
@@ -8249,7 +7654,7 @@
 </p:sld>
 </file>
 
-<file path=ppt/slides/slide21.xml><?xml version="1.0" encoding="utf-8"?>
+<file path=ppt/slides/slide19.xml><?xml version="1.0" encoding="utf-8"?>
 <p:sld xmlns:a="http://schemas.openxmlformats.org/drawingml/2006/main" xmlns:r="http://schemas.openxmlformats.org/officeDocument/2006/relationships" xmlns:p="http://schemas.openxmlformats.org/presentationml/2006/main">
   <p:cSld>
     <p:spTree>
@@ -8356,7 +7761,109 @@
 </p:sld>
 </file>
 
-<file path=ppt/slides/slide22.xml><?xml version="1.0" encoding="utf-8"?>
+<file path=ppt/slides/slide2.xml><?xml version="1.0" encoding="utf-8"?>
+<p:sld xmlns:a="http://schemas.openxmlformats.org/drawingml/2006/main" xmlns:r="http://schemas.openxmlformats.org/officeDocument/2006/relationships" xmlns:p="http://schemas.openxmlformats.org/presentationml/2006/main">
+  <p:cSld>
+    <p:spTree>
+      <p:nvGrpSpPr>
+        <p:cNvPr id="1" name=""/>
+        <p:cNvGrpSpPr/>
+        <p:nvPr/>
+      </p:nvGrpSpPr>
+      <p:grpSpPr>
+        <a:xfrm>
+          <a:off x="0" y="0"/>
+          <a:ext cx="0" cy="0"/>
+          <a:chOff x="0" y="0"/>
+          <a:chExt cx="0" cy="0"/>
+        </a:xfrm>
+      </p:grpSpPr>
+      <p:sp>
+        <p:nvSpPr>
+          <p:cNvPr id="2" name="Title 1">
+            <a:extLst>
+              <a:ext uri="{FF2B5EF4-FFF2-40B4-BE49-F238E27FC236}">
+                <a16:creationId xmlns:a16="http://schemas.microsoft.com/office/drawing/2014/main" id="{1D44B384-5C78-1580-476D-3CBC2C13CCB4}"/>
+              </a:ext>
+            </a:extLst>
+          </p:cNvPr>
+          <p:cNvSpPr>
+            <a:spLocks noGrp="1"/>
+          </p:cNvSpPr>
+          <p:nvPr>
+            <p:ph type="title"/>
+          </p:nvPr>
+        </p:nvSpPr>
+        <p:spPr/>
+        <p:txBody>
+          <a:bodyPr/>
+          <a:lstStyle/>
+          <a:p>
+            <a:r>
+              <a:rPr lang="en-IT" dirty="0">
+                <a:latin typeface="Palatino" pitchFamily="2" charset="77"/>
+                <a:ea typeface="Palatino" pitchFamily="2" charset="77"/>
+              </a:rPr>
+              <a:t>Requirement 1</a:t>
+            </a:r>
+          </a:p>
+        </p:txBody>
+      </p:sp>
+      <p:sp>
+        <p:nvSpPr>
+          <p:cNvPr id="3" name="Text Placeholder 2">
+            <a:extLst>
+              <a:ext uri="{FF2B5EF4-FFF2-40B4-BE49-F238E27FC236}">
+                <a16:creationId xmlns:a16="http://schemas.microsoft.com/office/drawing/2014/main" id="{08B0AF4F-23A3-471D-013C-4FED2AC63C13}"/>
+              </a:ext>
+            </a:extLst>
+          </p:cNvPr>
+          <p:cNvSpPr>
+            <a:spLocks noGrp="1"/>
+          </p:cNvSpPr>
+          <p:nvPr>
+            <p:ph type="body" idx="1"/>
+          </p:nvPr>
+        </p:nvSpPr>
+        <p:spPr>
+          <a:xfrm>
+            <a:off x="831850" y="4799670"/>
+            <a:ext cx="10515600" cy="1500187"/>
+          </a:xfrm>
+        </p:spPr>
+        <p:txBody>
+          <a:bodyPr/>
+          <a:lstStyle/>
+          <a:p>
+            <a:r>
+              <a:rPr lang="en-IT" dirty="0">
+                <a:solidFill>
+                  <a:schemeClr val="bg1">
+                    <a:lumMod val="50000"/>
+                  </a:schemeClr>
+                </a:solidFill>
+                <a:latin typeface="Palatino" pitchFamily="2" charset="77"/>
+                <a:ea typeface="Palatino" pitchFamily="2" charset="77"/>
+              </a:rPr>
+              <a:t>Single product with production capacity constraint</a:t>
+            </a:r>
+          </a:p>
+        </p:txBody>
+      </p:sp>
+    </p:spTree>
+    <p:extLst>
+      <p:ext uri="{BB962C8B-B14F-4D97-AF65-F5344CB8AC3E}">
+        <p14:creationId xmlns:p14="http://schemas.microsoft.com/office/powerpoint/2010/main" val="1526035182"/>
+      </p:ext>
+    </p:extLst>
+  </p:cSld>
+  <p:clrMapOvr>
+    <a:masterClrMapping/>
+  </p:clrMapOvr>
+</p:sld>
+</file>
+
+<file path=ppt/slides/slide20.xml><?xml version="1.0" encoding="utf-8"?>
 <p:sld xmlns:a="http://schemas.openxmlformats.org/drawingml/2006/main" xmlns:r="http://schemas.openxmlformats.org/officeDocument/2006/relationships" xmlns:p="http://schemas.openxmlformats.org/presentationml/2006/main">
   <p:cSld>
     <p:spTree>
@@ -8558,7 +8065,7 @@
 </p:sld>
 </file>
 
-<file path=ppt/slides/slide23.xml><?xml version="1.0" encoding="utf-8"?>
+<file path=ppt/slides/slide21.xml><?xml version="1.0" encoding="utf-8"?>
 <p:sld xmlns:a="http://schemas.openxmlformats.org/drawingml/2006/main" xmlns:r="http://schemas.openxmlformats.org/officeDocument/2006/relationships" xmlns:p="http://schemas.openxmlformats.org/presentationml/2006/main">
   <p:cSld>
     <p:spTree>
@@ -8746,7 +8253,7 @@
 </p:sld>
 </file>
 
-<file path=ppt/slides/slide24.xml><?xml version="1.0" encoding="utf-8"?>
+<file path=ppt/slides/slide22.xml><?xml version="1.0" encoding="utf-8"?>
 <p:sld xmlns:a="http://schemas.openxmlformats.org/drawingml/2006/main" xmlns:r="http://schemas.openxmlformats.org/officeDocument/2006/relationships" xmlns:p="http://schemas.openxmlformats.org/presentationml/2006/main">
   <p:cSld>
     <p:spTree>
@@ -9482,7 +8989,7 @@
 </p:sld>
 </file>
 
-<file path=ppt/slides/slide25.xml><?xml version="1.0" encoding="utf-8"?>
+<file path=ppt/slides/slide23.xml><?xml version="1.0" encoding="utf-8"?>
 <p:sld xmlns:a="http://schemas.openxmlformats.org/drawingml/2006/main" xmlns:r="http://schemas.openxmlformats.org/officeDocument/2006/relationships" xmlns:p="http://schemas.openxmlformats.org/presentationml/2006/main">
   <p:cSld>
     <p:spTree>
@@ -9925,29 +9432,8 @@
                 <a:latin typeface="Palatino" pitchFamily="2" charset="77"/>
                 <a:ea typeface="Palatino" pitchFamily="2" charset="77"/>
               </a:rPr>
-              <a:t>How to handle the case of LPP </a:t>
-            </a:r>
-            <a:r>
-              <a:rPr lang="it-IT" sz="1800" dirty="0" err="1">
-                <a:solidFill>
-                  <a:schemeClr val="bg1">
-                    <a:lumMod val="50000"/>
-                  </a:schemeClr>
-                </a:solidFill>
-                <a:latin typeface="Palatino" pitchFamily="2" charset="77"/>
-                <a:ea typeface="Palatino" pitchFamily="2" charset="77"/>
-              </a:rPr>
-              <a:t>failure</a:t>
-            </a:r>
-            <a:endParaRPr lang="it-IT" sz="1800" dirty="0">
-              <a:solidFill>
-                <a:schemeClr val="bg1">
-                  <a:lumMod val="50000"/>
-                </a:schemeClr>
-              </a:solidFill>
-              <a:latin typeface="Palatino" pitchFamily="2" charset="77"/>
-              <a:ea typeface="Palatino" pitchFamily="2" charset="77"/>
-            </a:endParaRPr>
+              <a:t>How to handle the case of LPP failure</a:t>
+            </a:r>
           </a:p>
           <a:p>
             <a:pPr marL="0" indent="0">
@@ -9984,23 +9470,15 @@
 </p:sld>
 </file>
 
-<file path=ppt/slides/slide26.xml><?xml version="1.0" encoding="utf-8"?>
+<file path=ppt/slides/slide24.xml><?xml version="1.0" encoding="utf-8"?>
 <p:sld xmlns:a="http://schemas.openxmlformats.org/drawingml/2006/main" xmlns:r="http://schemas.openxmlformats.org/officeDocument/2006/relationships" xmlns:p="http://schemas.openxmlformats.org/presentationml/2006/main">
   <p:cSld>
-    <p:bg>
-      <p:bgPr>
-        <a:solidFill>
-          <a:schemeClr val="bg1"/>
-        </a:solidFill>
-        <a:effectLst/>
-      </p:bgPr>
-    </p:bg>
     <p:spTree>
       <p:nvGrpSpPr>
         <p:cNvPr id="1" name="">
           <a:extLst>
             <a:ext uri="{FF2B5EF4-FFF2-40B4-BE49-F238E27FC236}">
-              <a16:creationId xmlns:a16="http://schemas.microsoft.com/office/drawing/2014/main" id="{72E13794-C80C-A1E9-55B0-995EF961FEA3}"/>
+              <a16:creationId xmlns:a16="http://schemas.microsoft.com/office/drawing/2014/main" id="{9600A619-53A6-A912-C4E7-798D1A43A7E5}"/>
             </a:ext>
           </a:extLst>
         </p:cNvPr>
@@ -10015,88 +9493,12 @@
           <a:chExt cx="0" cy="0"/>
         </a:xfrm>
       </p:grpSpPr>
-      <p:sp useBgFill="1">
-        <p:nvSpPr>
-          <p:cNvPr id="9" name="Rectangle 8">
-            <a:extLst>
-              <a:ext uri="{FF2B5EF4-FFF2-40B4-BE49-F238E27FC236}">
-                <a16:creationId xmlns:a16="http://schemas.microsoft.com/office/drawing/2014/main" id="{CBB0869A-0BE5-B3E9-F73D-2F3691E4D932}"/>
-              </a:ext>
-              <a:ext uri="{C183D7F6-B498-43B3-948B-1728B52AA6E4}">
-                <adec:decorative xmlns:adec="http://schemas.microsoft.com/office/drawing/2017/decorative" val="1"/>
-              </a:ext>
-            </a:extLst>
-          </p:cNvPr>
-          <p:cNvSpPr>
-            <a:spLocks noGrp="1" noRot="1" noChangeAspect="1" noMove="1" noResize="1" noEditPoints="1" noAdjustHandles="1" noChangeArrowheads="1" noChangeShapeType="1" noTextEdit="1"/>
-          </p:cNvSpPr>
-          <p:nvPr>
-            <p:extLst>
-              <p:ext uri="{386F3935-93C4-4BCD-93E2-E3B085C9AB24}">
-                <p16:designElem xmlns:p16="http://schemas.microsoft.com/office/powerpoint/2015/main" val="1"/>
-              </p:ext>
-            </p:extLst>
-          </p:nvPr>
-        </p:nvSpPr>
-        <p:spPr>
-          <a:xfrm>
-            <a:off x="0" y="0"/>
-            <a:ext cx="12192000" cy="6858000"/>
-          </a:xfrm>
-          <a:prstGeom prst="rect">
-            <a:avLst/>
-          </a:prstGeom>
-          <a:ln w="12700" cap="flat" cmpd="sng" algn="ctr">
-            <a:noFill/>
-            <a:prstDash val="solid"/>
-            <a:miter lim="800000"/>
-          </a:ln>
-          <a:effectLst/>
-          <a:extLst>
-            <a:ext uri="{91240B29-F687-4F45-9708-019B960494DF}">
-              <a14:hiddenLine xmlns:a14="http://schemas.microsoft.com/office/drawing/2010/main" w="12700" cap="flat" cmpd="sng" algn="ctr">
-                <a:solidFill>
-                  <a:schemeClr val="accent1">
-                    <a:shade val="15000"/>
-                  </a:schemeClr>
-                </a:solidFill>
-                <a:prstDash val="solid"/>
-                <a:miter lim="800000"/>
-              </a14:hiddenLine>
-            </a:ext>
-          </a:extLst>
-        </p:spPr>
-        <p:style>
-          <a:lnRef idx="2">
-            <a:schemeClr val="accent1">
-              <a:shade val="15000"/>
-            </a:schemeClr>
-          </a:lnRef>
-          <a:fillRef idx="1">
-            <a:schemeClr val="accent1"/>
-          </a:fillRef>
-          <a:effectRef idx="0">
-            <a:schemeClr val="accent1"/>
-          </a:effectRef>
-          <a:fontRef idx="minor">
-            <a:schemeClr val="lt1"/>
-          </a:fontRef>
-        </p:style>
-        <p:txBody>
-          <a:bodyPr rtlCol="0" anchor="ctr"/>
-          <a:lstStyle/>
-          <a:p>
-            <a:pPr algn="ctr"/>
-            <a:endParaRPr lang="en-US"/>
-          </a:p>
-        </p:txBody>
-      </p:sp>
       <p:sp>
         <p:nvSpPr>
           <p:cNvPr id="2" name="Title 1">
             <a:extLst>
               <a:ext uri="{FF2B5EF4-FFF2-40B4-BE49-F238E27FC236}">
-                <a16:creationId xmlns:a16="http://schemas.microsoft.com/office/drawing/2014/main" id="{8B343375-17E6-69D8-F5A1-7B14C84AD368}"/>
+                <a16:creationId xmlns:a16="http://schemas.microsoft.com/office/drawing/2014/main" id="{9E6FD23A-7460-ADF6-9E92-81E92EC1F6B8}"/>
               </a:ext>
             </a:extLst>
           </p:cNvPr>
@@ -10142,7 +9544,7 @@
           <p:cNvPr id="3" name="Content Placeholder 2">
             <a:extLst>
               <a:ext uri="{FF2B5EF4-FFF2-40B4-BE49-F238E27FC236}">
-                <a16:creationId xmlns:a16="http://schemas.microsoft.com/office/drawing/2014/main" id="{A9C7BF8F-3CA2-237D-38FF-AD4FA0F84763}"/>
+                <a16:creationId xmlns:a16="http://schemas.microsoft.com/office/drawing/2014/main" id="{639B89E6-B642-4934-DAEE-0642466A749E}"/>
               </a:ext>
             </a:extLst>
           </p:cNvPr>
@@ -10155,8 +9557,8 @@
         </p:nvSpPr>
         <p:spPr>
           <a:xfrm>
-            <a:off x="755562" y="1716877"/>
-            <a:ext cx="4621553" cy="4275955"/>
+            <a:off x="755561" y="1716878"/>
+            <a:ext cx="5688781" cy="2212866"/>
           </a:xfrm>
         </p:spPr>
         <p:txBody>
@@ -10179,7 +9581,21 @@
                 <a:latin typeface="Palatino" pitchFamily="2" charset="77"/>
                 <a:ea typeface="Palatino" pitchFamily="2" charset="77"/>
               </a:rPr>
-              <a:t>Scaling factor R</a:t>
+              <a:t>Scaling </a:t>
+            </a:r>
+            <a:r>
+              <a:rPr lang="it-IT" sz="2400" dirty="0" err="1">
+                <a:latin typeface="Palatino" pitchFamily="2" charset="77"/>
+                <a:ea typeface="Palatino" pitchFamily="2" charset="77"/>
+              </a:rPr>
+              <a:t>factors</a:t>
+            </a:r>
+            <a:r>
+              <a:rPr lang="it-IT" sz="2400" dirty="0">
+                <a:latin typeface="Palatino" pitchFamily="2" charset="77"/>
+                <a:ea typeface="Palatino" pitchFamily="2" charset="77"/>
+              </a:rPr>
+              <a:t> R and C</a:t>
             </a:r>
           </a:p>
           <a:p>
@@ -10193,7 +9609,7 @@
               <a:buNone/>
             </a:pPr>
             <a:r>
-              <a:rPr lang="en-GB" sz="1400" dirty="0">
+              <a:rPr lang="en-GB" sz="1600" dirty="0">
                 <a:solidFill>
                   <a:schemeClr val="bg1">
                     <a:lumMod val="50000"/>
@@ -10202,7 +9618,7 @@
                 <a:latin typeface="Palatino" pitchFamily="2" charset="77"/>
                 <a:ea typeface="Palatino" pitchFamily="2" charset="77"/>
               </a:rPr>
-              <a:t>Since rewards were not normalized to [0,1], we introduced a scaling factor R to adjust the confidence bounds</a:t>
+              <a:t>Similarly to what we did for R1, we had to choose a reasonable value for R and C.</a:t>
             </a:r>
           </a:p>
           <a:p>
@@ -10216,7 +9632,7 @@
               <a:buNone/>
             </a:pPr>
             <a:r>
-              <a:rPr lang="en-GB" sz="1400" dirty="0">
+              <a:rPr lang="en-GB" sz="1600" dirty="0">
                 <a:solidFill>
                   <a:schemeClr val="bg1">
                     <a:lumMod val="50000"/>
@@ -10225,7 +9641,7 @@
                 <a:latin typeface="Palatino" pitchFamily="2" charset="77"/>
                 <a:ea typeface="Palatino" pitchFamily="2" charset="77"/>
               </a:rPr>
-              <a:t>In our work, we found that a reasonable choice for the value of R is the maximum possible reward per round</a:t>
+              <a:t>Due to the presence of multiple products, and considering how we estimate the bounds for the superarms, we decided to just divide R and C by N</a:t>
             </a:r>
           </a:p>
           <a:p>
@@ -10239,7 +9655,7 @@
               <a:buNone/>
             </a:pPr>
             <a:r>
-              <a:rPr lang="en-GB" sz="1400" dirty="0">
+              <a:rPr lang="en-GB" sz="1600" dirty="0">
                 <a:solidFill>
                   <a:schemeClr val="bg1">
                     <a:lumMod val="50000"/>
@@ -10248,7 +9664,7 @@
                 <a:latin typeface="Palatino" pitchFamily="2" charset="77"/>
                 <a:ea typeface="Palatino" pitchFamily="2" charset="77"/>
               </a:rPr>
-              <a:t>Although, due to the existence of multiple products, the overall bound for the superarms became too large, resulting in overly optimistic decisions and poor budget management</a:t>
+              <a:t>In this case, this choice turns out to be enough to obtain satisfying results</a:t>
             </a:r>
           </a:p>
           <a:p>
@@ -10256,10 +9672,13 @@
               <a:spcBef>
                 <a:spcPts val="0"/>
               </a:spcBef>
+              <a:spcAft>
+                <a:spcPts val="600"/>
+              </a:spcAft>
               <a:buNone/>
             </a:pPr>
             <a:r>
-              <a:rPr lang="en-GB" sz="1400" dirty="0">
+              <a:rPr lang="en-GB" sz="1200" dirty="0">
                 <a:solidFill>
                   <a:schemeClr val="bg1">
                     <a:lumMod val="50000"/>
@@ -10268,7 +9687,7 @@
                 <a:latin typeface="Palatino" pitchFamily="2" charset="77"/>
                 <a:ea typeface="Palatino" pitchFamily="2" charset="77"/>
               </a:rPr>
-              <a:t>Thus, we normalized such constant R by dividing it by N, to avoid overly optimistic cost estimates</a:t>
+              <a:t>Hint: Notice the y-axis</a:t>
             </a:r>
           </a:p>
           <a:p>
@@ -10276,26 +9695,9 @@
               <a:spcBef>
                 <a:spcPts val="0"/>
               </a:spcBef>
-              <a:buNone/>
-            </a:pPr>
-            <a:r>
-              <a:rPr lang="en-GB" sz="1400" dirty="0">
-                <a:solidFill>
-                  <a:schemeClr val="bg1">
-                    <a:lumMod val="50000"/>
-                  </a:schemeClr>
-                </a:solidFill>
-                <a:latin typeface="Palatino" pitchFamily="2" charset="77"/>
-                <a:ea typeface="Palatino" pitchFamily="2" charset="77"/>
-              </a:rPr>
-              <a:t>__________________________________________</a:t>
-            </a:r>
-          </a:p>
-          <a:p>
-            <a:pPr marL="0" indent="0">
-              <a:spcBef>
-                <a:spcPts val="0"/>
-              </a:spcBef>
+              <a:spcAft>
+                <a:spcPts val="600"/>
+              </a:spcAft>
               <a:buNone/>
             </a:pPr>
             <a:endParaRPr lang="en-GB" sz="1400" dirty="0">
@@ -10308,37 +9710,14 @@
               <a:ea typeface="Palatino" pitchFamily="2" charset="77"/>
             </a:endParaRPr>
           </a:p>
-          <a:p>
-            <a:pPr marL="0" indent="0">
-              <a:spcBef>
-                <a:spcPts val="0"/>
-              </a:spcBef>
-              <a:spcAft>
-                <a:spcPts val="1200"/>
-              </a:spcAft>
-              <a:buNone/>
-            </a:pPr>
-            <a:r>
-              <a:rPr lang="en-GB" sz="1400" dirty="0">
-                <a:solidFill>
-                  <a:schemeClr val="bg1">
-                    <a:lumMod val="50000"/>
-                  </a:schemeClr>
-                </a:solidFill>
-                <a:latin typeface="Palatino" pitchFamily="2" charset="77"/>
-                <a:ea typeface="Palatino" pitchFamily="2" charset="77"/>
-              </a:rPr>
-              <a:t>Ultimately, since R effectively acts as a parameter controlling the algorithm’s optimism about superarm costs, we chose to explore its impact through tuning, observing that dividing it by N a second time obtains most of the marginal gain one may desire</a:t>
-            </a:r>
-          </a:p>
         </p:txBody>
       </p:sp>
       <p:pic>
         <p:nvPicPr>
-          <p:cNvPr id="4" name="Picture 3">
+          <p:cNvPr id="5" name="Picture 4">
             <a:extLst>
               <a:ext uri="{FF2B5EF4-FFF2-40B4-BE49-F238E27FC236}">
-                <a16:creationId xmlns:a16="http://schemas.microsoft.com/office/drawing/2014/main" id="{3433102E-2CBB-FF9E-A20D-CA0CD2B8EB6D}"/>
+                <a16:creationId xmlns:a16="http://schemas.microsoft.com/office/drawing/2014/main" id="{95946C27-CAC7-4719-DC49-B2AC4356230B}"/>
               </a:ext>
             </a:extLst>
           </p:cNvPr>
@@ -10349,14 +9728,15 @@
         </p:nvPicPr>
         <p:blipFill>
           <a:blip r:embed="rId2"/>
+          <a:srcRect r="49999"/>
           <a:stretch>
             <a:fillRect/>
           </a:stretch>
         </p:blipFill>
         <p:spPr>
           <a:xfrm>
-            <a:off x="5819369" y="2002121"/>
-            <a:ext cx="5837780" cy="3196182"/>
+            <a:off x="7246680" y="1716878"/>
+            <a:ext cx="3708400" cy="2984500"/>
           </a:xfrm>
           <a:prstGeom prst="rect">
             <a:avLst/>
@@ -10366,7 +9746,7 @@
     </p:spTree>
     <p:extLst>
       <p:ext uri="{BB962C8B-B14F-4D97-AF65-F5344CB8AC3E}">
-        <p14:creationId xmlns:p14="http://schemas.microsoft.com/office/powerpoint/2010/main" val="213799968"/>
+        <p14:creationId xmlns:p14="http://schemas.microsoft.com/office/powerpoint/2010/main" val="3320770335"/>
       </p:ext>
     </p:extLst>
   </p:cSld>
@@ -10376,7 +9756,7 @@
 </p:sld>
 </file>
 
-<file path=ppt/slides/slide27.xml><?xml version="1.0" encoding="utf-8"?>
+<file path=ppt/slides/slide25.xml><?xml version="1.0" encoding="utf-8"?>
 <p:sld xmlns:a="http://schemas.openxmlformats.org/drawingml/2006/main" xmlns:r="http://schemas.openxmlformats.org/officeDocument/2006/relationships" xmlns:p="http://schemas.openxmlformats.org/presentationml/2006/main">
   <p:cSld>
     <p:bg>
@@ -10529,8 +9909,8 @@
           </a:p>
         </p:txBody>
       </p:sp>
-      <mc:AlternateContent xmlns:mc="http://schemas.openxmlformats.org/markup-compatibility/2006" xmlns:a14="http://schemas.microsoft.com/office/drawing/2010/main">
-        <mc:Choice Requires="a14">
+      <mc:AlternateContent xmlns:mc="http://schemas.openxmlformats.org/markup-compatibility/2006">
+        <mc:Choice xmlns:a14="http://schemas.microsoft.com/office/drawing/2010/main" Requires="a14">
           <p:sp>
             <p:nvSpPr>
               <p:cNvPr id="7" name="Content Placeholder 2">
@@ -10938,7 +10318,7 @@
                     <a:latin typeface="Palatino" pitchFamily="2" charset="77"/>
                     <a:ea typeface="Palatino" pitchFamily="2" charset="77"/>
                   </a:rPr>
-                  <a:t>While this second option comes at a higher initial cost due to the exponential number of superarms, it provides more informative observations about product interactions and their combined effect on budget consumption and rewards, resulting in a lower regret</a:t>
+                  <a:t>Probably due to the short time horizon, the latter option – which we expected to be more reliable – achieves higher regret than the former.</a:t>
                 </a:r>
               </a:p>
               <a:p>
@@ -10947,7 +10327,7 @@
                     <a:spcPts val="0"/>
                   </a:spcBef>
                   <a:spcAft>
-                    <a:spcPts val="1200"/>
+                    <a:spcPts val="600"/>
                   </a:spcAft>
                   <a:buFont typeface="Arial" panose="020B0604020202020204" pitchFamily="34" charset="0"/>
                   <a:buNone/>
@@ -10962,13 +10342,13 @@
                     <a:latin typeface="Palatino" pitchFamily="2" charset="77"/>
                     <a:ea typeface="Palatino" pitchFamily="2" charset="77"/>
                   </a:rPr>
-                  <a:t>Hint: Notice the y-axis</a:t>
+                  <a:t>Hint: 53.3k vs 111.9k</a:t>
                 </a:r>
               </a:p>
             </p:txBody>
           </p:sp>
         </mc:Choice>
-        <mc:Fallback xmlns="">
+        <mc:Fallback>
           <p:sp>
             <p:nvSpPr>
               <p:cNvPr id="7" name="Content Placeholder 2">
@@ -11015,10 +10395,10 @@
       </mc:AlternateContent>
       <p:pic>
         <p:nvPicPr>
-          <p:cNvPr id="8" name="Picture 7">
+          <p:cNvPr id="11" name="Picture 10">
             <a:extLst>
               <a:ext uri="{FF2B5EF4-FFF2-40B4-BE49-F238E27FC236}">
-                <a16:creationId xmlns:a16="http://schemas.microsoft.com/office/drawing/2014/main" id="{E4806173-A6B7-539D-D4F4-8FC6B728DF56}"/>
+                <a16:creationId xmlns:a16="http://schemas.microsoft.com/office/drawing/2014/main" id="{2C9CF089-409C-D36B-08E3-EB21C640C20E}"/>
               </a:ext>
             </a:extLst>
           </p:cNvPr>
@@ -11029,15 +10409,15 @@
         </p:nvPicPr>
         <p:blipFill>
           <a:blip r:embed="rId3"/>
-          <a:srcRect l="363" t="472" r="49637" b="-472"/>
+          <a:srcRect l="49522"/>
           <a:stretch>
             <a:fillRect/>
           </a:stretch>
         </p:blipFill>
         <p:spPr>
           <a:xfrm>
-            <a:off x="7387856" y="3762030"/>
-            <a:ext cx="3174352" cy="2554701"/>
+            <a:off x="7723887" y="1134449"/>
+            <a:ext cx="2878350" cy="2294551"/>
           </a:xfrm>
           <a:prstGeom prst="rect">
             <a:avLst/>
@@ -11046,10 +10426,10 @@
       </p:pic>
       <p:pic>
         <p:nvPicPr>
-          <p:cNvPr id="10" name="Picture 9">
+          <p:cNvPr id="12" name="Picture 11">
             <a:extLst>
               <a:ext uri="{FF2B5EF4-FFF2-40B4-BE49-F238E27FC236}">
-                <a16:creationId xmlns:a16="http://schemas.microsoft.com/office/drawing/2014/main" id="{3C0E6596-2B7A-7BBE-D692-59B9CDC02E44}"/>
+                <a16:creationId xmlns:a16="http://schemas.microsoft.com/office/drawing/2014/main" id="{96DFAF9F-CE2B-B875-5B4B-DB295A98D4D8}"/>
               </a:ext>
             </a:extLst>
           </p:cNvPr>
@@ -11060,15 +10440,15 @@
         </p:nvPicPr>
         <p:blipFill>
           <a:blip r:embed="rId4"/>
-          <a:srcRect r="50000"/>
+          <a:srcRect l="50000"/>
           <a:stretch>
             <a:fillRect/>
           </a:stretch>
         </p:blipFill>
         <p:spPr>
           <a:xfrm>
-            <a:off x="7387856" y="1049058"/>
-            <a:ext cx="3174352" cy="2554701"/>
+            <a:off x="7751135" y="3840380"/>
+            <a:ext cx="2851102" cy="2294551"/>
           </a:xfrm>
           <a:prstGeom prst="rect">
             <a:avLst/>
@@ -11088,7 +10468,7 @@
 </p:sld>
 </file>
 
-<file path=ppt/slides/slide28.xml><?xml version="1.0" encoding="utf-8"?>
+<file path=ppt/slides/slide26.xml><?xml version="1.0" encoding="utf-8"?>
 <p:sld xmlns:a="http://schemas.openxmlformats.org/drawingml/2006/main" xmlns:r="http://schemas.openxmlformats.org/officeDocument/2006/relationships" xmlns:p="http://schemas.openxmlformats.org/presentationml/2006/main">
   <p:cSld>
     <p:bg>
@@ -11257,8 +10637,8 @@
         </p:nvSpPr>
         <p:spPr>
           <a:xfrm>
-            <a:off x="746782" y="1726196"/>
-            <a:ext cx="5349218" cy="3158320"/>
+            <a:off x="772648" y="1953153"/>
+            <a:ext cx="7572759" cy="3158320"/>
           </a:xfrm>
           <a:prstGeom prst="rect">
             <a:avLst/>
@@ -11448,19 +10828,8 @@
                 <a:latin typeface="Palatino" pitchFamily="2" charset="77"/>
                 <a:ea typeface="Palatino" pitchFamily="2" charset="77"/>
               </a:rPr>
-              <a:t>Linear Program </a:t>
-            </a:r>
-            <a:r>
-              <a:rPr lang="it-IT" sz="2400" dirty="0" err="1">
-                <a:latin typeface="Palatino" pitchFamily="2" charset="77"/>
-                <a:ea typeface="Palatino" pitchFamily="2" charset="77"/>
-              </a:rPr>
-              <a:t>failure</a:t>
-            </a:r>
-            <a:endParaRPr lang="it-IT" sz="2400" dirty="0">
-              <a:latin typeface="Palatino" pitchFamily="2" charset="77"/>
-              <a:ea typeface="Palatino" pitchFamily="2" charset="77"/>
-            </a:endParaRPr>
+              <a:t>Linear Program failure</a:t>
+            </a:r>
           </a:p>
           <a:p>
             <a:pPr marL="0" indent="0">
@@ -11609,7 +10978,7 @@
 </p:sld>
 </file>
 
-<file path=ppt/slides/slide29.xml><?xml version="1.0" encoding="utf-8"?>
+<file path=ppt/slides/slide27.xml><?xml version="1.0" encoding="utf-8"?>
 <p:sld xmlns:a="http://schemas.openxmlformats.org/drawingml/2006/main" xmlns:r="http://schemas.openxmlformats.org/officeDocument/2006/relationships" xmlns:p="http://schemas.openxmlformats.org/presentationml/2006/main">
   <p:cSld>
     <p:spTree>
@@ -11663,8 +11032,8 @@
           </a:p>
         </p:txBody>
       </p:sp>
-      <mc:AlternateContent xmlns:mc="http://schemas.openxmlformats.org/markup-compatibility/2006" xmlns:a14="http://schemas.microsoft.com/office/drawing/2010/main">
-        <mc:Choice Requires="a14">
+      <mc:AlternateContent xmlns:mc="http://schemas.openxmlformats.org/markup-compatibility/2006">
+        <mc:Choice xmlns:a14="http://schemas.microsoft.com/office/drawing/2010/main" Requires="a14">
           <p:sp>
             <p:nvSpPr>
               <p:cNvPr id="3" name="Content Placeholder 2">
@@ -11684,7 +11053,7 @@
             <p:spPr>
               <a:xfrm>
                 <a:off x="838201" y="1668322"/>
-                <a:ext cx="5153628" cy="5102868"/>
+                <a:ext cx="5153628" cy="3679855"/>
               </a:xfrm>
             </p:spPr>
             <p:txBody>
@@ -11730,81 +11099,7 @@
                     <a:latin typeface="Palatino" pitchFamily="2" charset="77"/>
                     <a:ea typeface="Palatino" pitchFamily="2" charset="77"/>
                   </a:rPr>
-                  <a:t>In the previous plots, it is possible to notice that:</a:t>
-                </a:r>
-              </a:p>
-              <a:p>
-                <a:pPr marL="342900" indent="-342900">
-                  <a:spcBef>
-                    <a:spcPts val="0"/>
-                  </a:spcBef>
-                  <a:spcAft>
-                    <a:spcPts val="600"/>
-                  </a:spcAft>
-                  <a:buAutoNum type="arabicPeriod"/>
-                </a:pPr>
-                <a:r>
-                  <a:rPr lang="en-IT" sz="1600" dirty="0">
-                    <a:solidFill>
-                      <a:schemeClr val="bg1">
-                        <a:lumMod val="50000"/>
-                      </a:schemeClr>
-                    </a:solidFill>
-                    <a:latin typeface="Palatino" pitchFamily="2" charset="77"/>
-                    <a:ea typeface="Palatino" pitchFamily="2" charset="77"/>
-                  </a:rPr>
-                  <a:t>The budget runs out early</a:t>
-                </a:r>
-              </a:p>
-              <a:p>
-                <a:pPr marL="342900" indent="-342900">
-                  <a:spcBef>
-                    <a:spcPts val="0"/>
-                  </a:spcBef>
-                  <a:spcAft>
-                    <a:spcPts val="600"/>
-                  </a:spcAft>
-                  <a:buAutoNum type="arabicPeriod"/>
-                </a:pPr>
-                <a:r>
-                  <a:rPr lang="en-IT" sz="1600" dirty="0">
-                    <a:solidFill>
-                      <a:schemeClr val="bg1">
-                        <a:lumMod val="50000"/>
-                      </a:schemeClr>
-                    </a:solidFill>
-                    <a:latin typeface="Palatino" pitchFamily="2" charset="77"/>
-                    <a:ea typeface="Palatino" pitchFamily="2" charset="77"/>
-                  </a:rPr>
-                  <a:t>The per-round consumption looks appears to be higher than </a:t>
-                </a:r>
-                <a14:m>
-                  <m:oMath xmlns:m="http://schemas.openxmlformats.org/officeDocument/2006/math">
-                    <m:r>
-                      <a:rPr lang="en-IT" sz="1600" i="1" smtClean="0">
-                        <a:solidFill>
-                          <a:schemeClr val="bg1">
-                            <a:lumMod val="50000"/>
-                          </a:schemeClr>
-                        </a:solidFill>
-                        <a:latin typeface="Cambria Math" panose="02040503050406030204" pitchFamily="18" charset="0"/>
-                        <a:ea typeface="Cambria Math" panose="02040503050406030204" pitchFamily="18" charset="0"/>
-                      </a:rPr>
-                      <m:t>𝜌</m:t>
-                    </m:r>
-                  </m:oMath>
-                </a14:m>
-                <a:r>
-                  <a:rPr lang="en-IT" sz="1600" dirty="0">
-                    <a:solidFill>
-                      <a:schemeClr val="bg1">
-                        <a:lumMod val="50000"/>
-                      </a:schemeClr>
-                    </a:solidFill>
-                    <a:latin typeface="Palatino" pitchFamily="2" charset="77"/>
-                    <a:ea typeface="Palatino" pitchFamily="2" charset="77"/>
-                  </a:rPr>
-                  <a:t> on average</a:t>
+                  <a:t>In the previous plots, it is possible to notice that the budget runs out quite early </a:t>
                 </a:r>
               </a:p>
               <a:p>
@@ -11827,30 +11122,7 @@
                     <a:latin typeface="Palatino" pitchFamily="2" charset="77"/>
                     <a:ea typeface="Palatino" pitchFamily="2" charset="77"/>
                   </a:rPr>
-                  <a:t>______________________________________</a:t>
-                </a:r>
-              </a:p>
-              <a:p>
-                <a:pPr marL="0" indent="0">
-                  <a:spcBef>
-                    <a:spcPts val="0"/>
-                  </a:spcBef>
-                  <a:spcAft>
-                    <a:spcPts val="1200"/>
-                  </a:spcAft>
-                  <a:buNone/>
-                </a:pPr>
-                <a:r>
-                  <a:rPr lang="en-IT" sz="1600" dirty="0">
-                    <a:solidFill>
-                      <a:schemeClr val="bg1">
-                        <a:lumMod val="50000"/>
-                      </a:schemeClr>
-                    </a:solidFill>
-                    <a:latin typeface="Palatino" pitchFamily="2" charset="77"/>
-                    <a:ea typeface="Palatino" pitchFamily="2" charset="77"/>
-                  </a:rPr>
-                  <a:t>Thus, we implemented a version of our algorithm using dynamic per-round budget</a:t>
+                  <a:t>For that reason, we implemented a version of our algorithm using dynamic per-round budget</a:t>
                 </a:r>
                 <a:r>
                   <a:rPr lang="en-IT" sz="1600" dirty="0">
@@ -12009,111 +11281,34 @@
                     </m:f>
                   </m:oMath>
                 </a14:m>
-                <a:endParaRPr lang="en-IT" sz="1600" dirty="0">
-                  <a:solidFill>
-                    <a:schemeClr val="bg1">
-                      <a:lumMod val="50000"/>
-                    </a:schemeClr>
-                  </a:solidFill>
-                  <a:latin typeface="Palatino" pitchFamily="2" charset="77"/>
-                  <a:ea typeface="Palatino" pitchFamily="2" charset="77"/>
-                </a:endParaRPr>
-              </a:p>
-              <a:p>
-                <a:pPr marL="0" indent="0">
-                  <a:spcBef>
-                    <a:spcPts val="0"/>
-                  </a:spcBef>
-                  <a:spcAft>
-                    <a:spcPts val="1200"/>
-                  </a:spcAft>
-                  <a:buNone/>
-                </a:pPr>
-                <a:r>
-                  <a:rPr lang="en-IT" sz="1600" dirty="0">
-                    <a:solidFill>
-                      <a:schemeClr val="bg1">
-                        <a:lumMod val="50000"/>
-                      </a:schemeClr>
-                    </a:solidFill>
-                    <a:latin typeface="Palatino" pitchFamily="2" charset="77"/>
-                    <a:ea typeface="Palatino" pitchFamily="2" charset="77"/>
-                  </a:rPr>
-                  <a:t>Achieving:</a:t>
-                </a:r>
-              </a:p>
-              <a:p>
-                <a:pPr marL="342900" indent="-342900">
-                  <a:spcBef>
-                    <a:spcPts val="0"/>
-                  </a:spcBef>
-                  <a:spcAft>
-                    <a:spcPts val="600"/>
-                  </a:spcAft>
-                  <a:buAutoNum type="arabicPeriod"/>
-                </a:pPr>
-                <a:r>
-                  <a:rPr lang="en-IT" sz="1600" dirty="0">
-                    <a:solidFill>
-                      <a:schemeClr val="bg1">
-                        <a:lumMod val="50000"/>
-                      </a:schemeClr>
-                    </a:solidFill>
-                    <a:latin typeface="Palatino" pitchFamily="2" charset="77"/>
-                    <a:ea typeface="Palatino" pitchFamily="2" charset="77"/>
-                  </a:rPr>
-                  <a:t>Lower absolute value for the regret</a:t>
-                </a:r>
-              </a:p>
-              <a:p>
-                <a:pPr marL="342900" indent="-342900">
-                  <a:spcBef>
-                    <a:spcPts val="0"/>
-                  </a:spcBef>
-                  <a:spcAft>
-                    <a:spcPts val="600"/>
-                  </a:spcAft>
-                  <a:buAutoNum type="arabicPeriod"/>
-                </a:pPr>
-                <a:r>
-                  <a:rPr lang="en-IT" sz="1600" dirty="0">
-                    <a:solidFill>
-                      <a:schemeClr val="bg1">
-                        <a:lumMod val="50000"/>
-                      </a:schemeClr>
-                    </a:solidFill>
-                    <a:latin typeface="Palatino" pitchFamily="2" charset="77"/>
-                    <a:ea typeface="Palatino" pitchFamily="2" charset="77"/>
-                  </a:rPr>
-                  <a:t>Better budget management over time</a:t>
-                </a:r>
-              </a:p>
-              <a:p>
-                <a:pPr marL="0" indent="0">
-                  <a:spcBef>
-                    <a:spcPts val="0"/>
-                  </a:spcBef>
-                  <a:spcAft>
-                    <a:spcPts val="1200"/>
-                  </a:spcAft>
-                  <a:buNone/>
-                </a:pPr>
-                <a:r>
-                  <a:rPr lang="en-IT" sz="1200" dirty="0">
-                    <a:solidFill>
-                      <a:schemeClr val="bg1">
-                        <a:lumMod val="50000"/>
-                      </a:schemeClr>
-                    </a:solidFill>
-                    <a:latin typeface="Palatino" pitchFamily="2" charset="77"/>
-                    <a:ea typeface="Palatino" pitchFamily="2" charset="77"/>
-                  </a:rPr>
-                  <a:t>In this version we also use dynamic bound </a:t>
+                <a:r>
+                  <a:rPr lang="en-IT" sz="1800" dirty="0">
+                    <a:solidFill>
+                      <a:schemeClr val="bg1">
+                        <a:lumMod val="50000"/>
+                      </a:schemeClr>
+                    </a:solidFill>
+                    <a:latin typeface="Palatino" pitchFamily="2" charset="77"/>
+                    <a:ea typeface="Palatino" pitchFamily="2" charset="77"/>
+                  </a:rPr>
+                  <a:t>  </a:t>
+                </a:r>
+                <a:r>
+                  <a:rPr lang="en-IT" sz="1400" dirty="0">
+                    <a:solidFill>
+                      <a:schemeClr val="bg1">
+                        <a:lumMod val="50000"/>
+                      </a:schemeClr>
+                    </a:solidFill>
+                    <a:latin typeface="Palatino" pitchFamily="2" charset="77"/>
+                    <a:ea typeface="Palatino" pitchFamily="2" charset="77"/>
+                  </a:rPr>
+                  <a:t>( and dynamic bound </a:t>
                 </a:r>
                 <a14:m>
                   <m:oMath xmlns:m="http://schemas.openxmlformats.org/officeDocument/2006/math">
                     <m:r>
-                      <a:rPr lang="en-IT" sz="1200" i="1" smtClean="0">
+                      <a:rPr lang="en-IT" sz="1400" i="1">
                         <a:solidFill>
                           <a:schemeClr val="bg1">
                             <a:lumMod val="50000"/>
@@ -12127,7 +11322,7 @@
                     <m:f>
                       <m:fPr>
                         <m:ctrlPr>
-                          <a:rPr lang="en-IT" sz="1200" i="1" smtClean="0">
+                          <a:rPr lang="en-IT" sz="1400" i="1">
                             <a:solidFill>
                               <a:schemeClr val="bg1">
                                 <a:lumMod val="50000"/>
@@ -12140,7 +11335,7 @@
                       </m:fPr>
                       <m:num>
                         <m:r>
-                          <a:rPr lang="it-IT" sz="1200" i="1">
+                          <a:rPr lang="it-IT" sz="1400" i="1">
                             <a:solidFill>
                               <a:schemeClr val="bg1">
                                 <a:lumMod val="50000"/>
@@ -12152,7 +11347,7 @@
                           <m:t>2</m:t>
                         </m:r>
                         <m:r>
-                          <a:rPr lang="it-IT" sz="1200" i="1">
+                          <a:rPr lang="it-IT" sz="1400" i="1">
                             <a:solidFill>
                               <a:schemeClr val="bg1">
                                 <a:lumMod val="50000"/>
@@ -12166,7 +11361,7 @@
                       </m:num>
                       <m:den>
                         <m:r>
-                          <a:rPr lang="it-IT" sz="1200" b="0" i="1" smtClean="0">
+                          <a:rPr lang="it-IT" sz="1400" i="1">
                             <a:solidFill>
                               <a:schemeClr val="bg1">
                                 <a:lumMod val="50000"/>
@@ -12178,7 +11373,7 @@
                           <m:t>𝑛</m:t>
                         </m:r>
                         <m:r>
-                          <a:rPr lang="it-IT" sz="1200" b="0" i="1" baseline="-25000" smtClean="0">
+                          <a:rPr lang="it-IT" sz="1400" i="1" baseline="-25000">
                             <a:solidFill>
                               <a:schemeClr val="bg1">
                                 <a:lumMod val="50000"/>
@@ -12190,7 +11385,7 @@
                           <m:t>𝑡</m:t>
                         </m:r>
                         <m:r>
-                          <a:rPr lang="it-IT" sz="1200" b="0" i="1" baseline="-25000" smtClean="0">
+                          <a:rPr lang="it-IT" sz="1400" i="1" baseline="-25000">
                             <a:solidFill>
                               <a:schemeClr val="bg1">
                                 <a:lumMod val="50000"/>
@@ -12205,7 +11400,128 @@
                     </m:f>
                   </m:oMath>
                 </a14:m>
-                <a:endParaRPr lang="en-IT" sz="1800" dirty="0">
+                <a:r>
+                  <a:rPr lang="en-IT" sz="1400" dirty="0">
+                    <a:solidFill>
+                      <a:schemeClr val="bg1">
+                        <a:lumMod val="50000"/>
+                      </a:schemeClr>
+                    </a:solidFill>
+                    <a:latin typeface="Palatino" pitchFamily="2" charset="77"/>
+                    <a:ea typeface="Palatino" pitchFamily="2" charset="77"/>
+                  </a:rPr>
+                  <a:t> )</a:t>
+                </a:r>
+              </a:p>
+              <a:p>
+                <a:pPr marL="0" indent="0">
+                  <a:spcBef>
+                    <a:spcPts val="0"/>
+                  </a:spcBef>
+                  <a:spcAft>
+                    <a:spcPts val="1200"/>
+                  </a:spcAft>
+                  <a:buNone/>
+                </a:pPr>
+                <a:r>
+                  <a:rPr lang="en-IT" sz="1600" dirty="0">
+                    <a:solidFill>
+                      <a:schemeClr val="bg1">
+                        <a:lumMod val="50000"/>
+                      </a:schemeClr>
+                    </a:solidFill>
+                    <a:latin typeface="Palatino" pitchFamily="2" charset="77"/>
+                    <a:ea typeface="Palatino" pitchFamily="2" charset="77"/>
+                  </a:rPr>
+                  <a:t>Achieving:</a:t>
+                </a:r>
+              </a:p>
+              <a:p>
+                <a:pPr>
+                  <a:spcBef>
+                    <a:spcPts val="0"/>
+                  </a:spcBef>
+                  <a:spcAft>
+                    <a:spcPts val="600"/>
+                  </a:spcAft>
+                </a:pPr>
+                <a:r>
+                  <a:rPr lang="en-IT" sz="1600" dirty="0">
+                    <a:solidFill>
+                      <a:schemeClr val="bg1">
+                        <a:lumMod val="50000"/>
+                      </a:schemeClr>
+                    </a:solidFill>
+                    <a:latin typeface="Palatino" pitchFamily="2" charset="77"/>
+                    <a:ea typeface="Palatino" pitchFamily="2" charset="77"/>
+                  </a:rPr>
+                  <a:t>Lower absolute value for the regret</a:t>
+                </a:r>
+              </a:p>
+              <a:p>
+                <a:pPr marL="0" indent="0">
+                  <a:spcBef>
+                    <a:spcPts val="0"/>
+                  </a:spcBef>
+                  <a:spcAft>
+                    <a:spcPts val="1200"/>
+                  </a:spcAft>
+                  <a:buNone/>
+                </a:pPr>
+                <a:r>
+                  <a:rPr lang="en-IT" sz="1100" dirty="0">
+                    <a:solidFill>
+                      <a:schemeClr val="bg1">
+                        <a:lumMod val="50000"/>
+                      </a:schemeClr>
+                    </a:solidFill>
+                    <a:latin typeface="Palatino" pitchFamily="2" charset="77"/>
+                    <a:ea typeface="Palatino" pitchFamily="2" charset="77"/>
+                  </a:rPr>
+                  <a:t>Hint: 37.4k</a:t>
+                </a:r>
+                <a:endParaRPr lang="en-IT" sz="1400" dirty="0">
+                  <a:solidFill>
+                    <a:schemeClr val="bg1">
+                      <a:lumMod val="50000"/>
+                    </a:schemeClr>
+                  </a:solidFill>
+                  <a:latin typeface="Palatino" pitchFamily="2" charset="77"/>
+                  <a:ea typeface="Palatino" pitchFamily="2" charset="77"/>
+                </a:endParaRPr>
+              </a:p>
+              <a:p>
+                <a:pPr>
+                  <a:spcBef>
+                    <a:spcPts val="0"/>
+                  </a:spcBef>
+                  <a:spcAft>
+                    <a:spcPts val="600"/>
+                  </a:spcAft>
+                </a:pPr>
+                <a:r>
+                  <a:rPr lang="en-IT" sz="1600" dirty="0">
+                    <a:solidFill>
+                      <a:schemeClr val="bg1">
+                        <a:lumMod val="50000"/>
+                      </a:schemeClr>
+                    </a:solidFill>
+                    <a:latin typeface="Palatino" pitchFamily="2" charset="77"/>
+                    <a:ea typeface="Palatino" pitchFamily="2" charset="77"/>
+                  </a:rPr>
+                  <a:t>Better budget management over time</a:t>
+                </a:r>
+              </a:p>
+              <a:p>
+                <a:pPr>
+                  <a:spcBef>
+                    <a:spcPts val="0"/>
+                  </a:spcBef>
+                  <a:spcAft>
+                    <a:spcPts val="600"/>
+                  </a:spcAft>
+                </a:pPr>
+                <a:endParaRPr lang="en-IT" sz="1200" dirty="0">
                   <a:solidFill>
                     <a:schemeClr val="bg1">
                       <a:lumMod val="50000"/>
@@ -12233,7 +11549,7 @@
             </p:txBody>
           </p:sp>
         </mc:Choice>
-        <mc:Fallback xmlns="">
+        <mc:Fallback>
           <p:sp>
             <p:nvSpPr>
               <p:cNvPr id="3" name="Content Placeholder 2">
@@ -12253,12 +11569,12 @@
             <p:spPr>
               <a:xfrm>
                 <a:off x="838201" y="1668322"/>
-                <a:ext cx="5153628" cy="5102868"/>
+                <a:ext cx="5153628" cy="3679855"/>
               </a:xfrm>
               <a:blipFill>
                 <a:blip r:embed="rId2"/>
                 <a:stretch>
-                  <a:fillRect l="-1970" t="-1737"/>
+                  <a:fillRect l="-1970" t="-2414"/>
                 </a:stretch>
               </a:blipFill>
             </p:spPr>
@@ -12279,10 +11595,10 @@
       </mc:AlternateContent>
       <p:pic>
         <p:nvPicPr>
-          <p:cNvPr id="5" name="Picture 4">
+          <p:cNvPr id="6" name="Picture 5">
             <a:extLst>
               <a:ext uri="{FF2B5EF4-FFF2-40B4-BE49-F238E27FC236}">
-                <a16:creationId xmlns:a16="http://schemas.microsoft.com/office/drawing/2014/main" id="{1403DFBC-B77D-173B-F972-D68432666E93}"/>
+                <a16:creationId xmlns:a16="http://schemas.microsoft.com/office/drawing/2014/main" id="{52241776-042A-7BFB-4396-23E05B9C9BE3}"/>
               </a:ext>
             </a:extLst>
           </p:cNvPr>
@@ -12293,75 +11609,15 @@
         </p:nvPicPr>
         <p:blipFill>
           <a:blip r:embed="rId3"/>
-          <a:srcRect l="363" t="472" r="49637" b="-472"/>
+          <a:srcRect l="50000"/>
           <a:stretch>
             <a:fillRect/>
           </a:stretch>
         </p:blipFill>
         <p:spPr>
           <a:xfrm>
-            <a:off x="6412376" y="539754"/>
-            <a:ext cx="1502546" cy="1209241"/>
-          </a:xfrm>
-          <a:prstGeom prst="rect">
-            <a:avLst/>
-          </a:prstGeom>
-        </p:spPr>
-      </p:pic>
-      <p:pic>
-        <p:nvPicPr>
-          <p:cNvPr id="7" name="Picture 6">
-            <a:extLst>
-              <a:ext uri="{FF2B5EF4-FFF2-40B4-BE49-F238E27FC236}">
-                <a16:creationId xmlns:a16="http://schemas.microsoft.com/office/drawing/2014/main" id="{7AD95902-E905-BB9D-D7F2-A0EFF5035D3C}"/>
-              </a:ext>
-            </a:extLst>
-          </p:cNvPr>
-          <p:cNvPicPr>
-            <a:picLocks noChangeAspect="1"/>
-          </p:cNvPicPr>
-          <p:nvPr/>
-        </p:nvPicPr>
-        <p:blipFill>
-          <a:blip r:embed="rId4"/>
-          <a:stretch>
-            <a:fillRect/>
-          </a:stretch>
-        </p:blipFill>
-        <p:spPr>
-          <a:xfrm>
-            <a:off x="6200173" y="3633715"/>
-            <a:ext cx="5588640" cy="2248853"/>
-          </a:xfrm>
-          <a:prstGeom prst="rect">
-            <a:avLst/>
-          </a:prstGeom>
-        </p:spPr>
-      </p:pic>
-      <p:pic>
-        <p:nvPicPr>
-          <p:cNvPr id="8" name="Picture 7">
-            <a:extLst>
-              <a:ext uri="{FF2B5EF4-FFF2-40B4-BE49-F238E27FC236}">
-                <a16:creationId xmlns:a16="http://schemas.microsoft.com/office/drawing/2014/main" id="{52D91A03-6B23-69B9-0FD1-50F056F7581D}"/>
-              </a:ext>
-            </a:extLst>
-          </p:cNvPr>
-          <p:cNvPicPr>
-            <a:picLocks noChangeAspect="1"/>
-          </p:cNvPicPr>
-          <p:nvPr/>
-        </p:nvPicPr>
-        <p:blipFill>
-          <a:blip r:embed="rId5"/>
-          <a:stretch>
-            <a:fillRect/>
-          </a:stretch>
-        </p:blipFill>
-        <p:spPr>
-          <a:xfrm>
-            <a:off x="7614911" y="1148347"/>
-            <a:ext cx="2617109" cy="1201296"/>
+            <a:off x="7091917" y="1668322"/>
+            <a:ext cx="3657600" cy="2943616"/>
           </a:xfrm>
           <a:prstGeom prst="rect">
             <a:avLst/>
@@ -12372,6 +11628,824 @@
     <p:extLst>
       <p:ext uri="{BB962C8B-B14F-4D97-AF65-F5344CB8AC3E}">
         <p14:creationId xmlns:p14="http://schemas.microsoft.com/office/powerpoint/2010/main" val="589748905"/>
+      </p:ext>
+    </p:extLst>
+  </p:cSld>
+  <p:clrMapOvr>
+    <a:masterClrMapping/>
+  </p:clrMapOvr>
+</p:sld>
+</file>
+
+<file path=ppt/slides/slide28.xml><?xml version="1.0" encoding="utf-8"?>
+<p:sld xmlns:a="http://schemas.openxmlformats.org/drawingml/2006/main" xmlns:r="http://schemas.openxmlformats.org/officeDocument/2006/relationships" xmlns:p="http://schemas.openxmlformats.org/presentationml/2006/main">
+  <p:cSld>
+    <p:spTree>
+      <p:nvGrpSpPr>
+        <p:cNvPr id="1" name="">
+          <a:extLst>
+            <a:ext uri="{FF2B5EF4-FFF2-40B4-BE49-F238E27FC236}">
+              <a16:creationId xmlns:a16="http://schemas.microsoft.com/office/drawing/2014/main" id="{0E29301E-4E35-8BD1-A23D-EDF728D48905}"/>
+            </a:ext>
+          </a:extLst>
+        </p:cNvPr>
+        <p:cNvGrpSpPr/>
+        <p:nvPr/>
+      </p:nvGrpSpPr>
+      <p:grpSpPr>
+        <a:xfrm>
+          <a:off x="0" y="0"/>
+          <a:ext cx="0" cy="0"/>
+          <a:chOff x="0" y="0"/>
+          <a:chExt cx="0" cy="0"/>
+        </a:xfrm>
+      </p:grpSpPr>
+      <p:sp>
+        <p:nvSpPr>
+          <p:cNvPr id="2" name="Title 1">
+            <a:extLst>
+              <a:ext uri="{FF2B5EF4-FFF2-40B4-BE49-F238E27FC236}">
+                <a16:creationId xmlns:a16="http://schemas.microsoft.com/office/drawing/2014/main" id="{0A984812-459D-1121-97DF-D8D353B4FD3D}"/>
+              </a:ext>
+            </a:extLst>
+          </p:cNvPr>
+          <p:cNvSpPr>
+            <a:spLocks noGrp="1"/>
+          </p:cNvSpPr>
+          <p:nvPr>
+            <p:ph type="title"/>
+          </p:nvPr>
+        </p:nvSpPr>
+        <p:spPr/>
+        <p:txBody>
+          <a:bodyPr/>
+          <a:lstStyle/>
+          <a:p>
+            <a:r>
+              <a:rPr lang="en-IT" dirty="0">
+                <a:latin typeface="Palatino" pitchFamily="2" charset="77"/>
+                <a:ea typeface="Palatino" pitchFamily="2" charset="77"/>
+              </a:rPr>
+              <a:t>Performance Analysis</a:t>
+            </a:r>
+          </a:p>
+        </p:txBody>
+      </p:sp>
+      <mc:AlternateContent xmlns:mc="http://schemas.openxmlformats.org/markup-compatibility/2006" xmlns:a14="http://schemas.microsoft.com/office/drawing/2010/main">
+        <mc:Choice Requires="a14">
+          <p:sp>
+            <p:nvSpPr>
+              <p:cNvPr id="3" name="Content Placeholder 2">
+                <a:extLst>
+                  <a:ext uri="{FF2B5EF4-FFF2-40B4-BE49-F238E27FC236}">
+                    <a16:creationId xmlns:a16="http://schemas.microsoft.com/office/drawing/2014/main" id="{E58F1A96-CCDA-500A-16D8-D962B05DA196}"/>
+                  </a:ext>
+                </a:extLst>
+              </p:cNvPr>
+              <p:cNvSpPr>
+                <a:spLocks noGrp="1"/>
+              </p:cNvSpPr>
+              <p:nvPr>
+                <p:ph idx="1"/>
+              </p:nvPr>
+            </p:nvSpPr>
+            <p:spPr>
+              <a:xfrm>
+                <a:off x="838200" y="1668323"/>
+                <a:ext cx="10620737" cy="1942978"/>
+              </a:xfrm>
+            </p:spPr>
+            <p:txBody>
+              <a:bodyPr>
+                <a:noAutofit/>
+              </a:bodyPr>
+              <a:lstStyle/>
+              <a:p>
+                <a:pPr marL="0" indent="0">
+                  <a:spcBef>
+                    <a:spcPts val="0"/>
+                  </a:spcBef>
+                  <a:spcAft>
+                    <a:spcPts val="1200"/>
+                  </a:spcAft>
+                  <a:buNone/>
+                </a:pPr>
+                <a:r>
+                  <a:rPr lang="en-IT" sz="2400" dirty="0">
+                    <a:latin typeface="Palatino" pitchFamily="2" charset="77"/>
+                    <a:ea typeface="Palatino" pitchFamily="2" charset="77"/>
+                  </a:rPr>
+                  <a:t>Clairvoyants</a:t>
+                </a:r>
+              </a:p>
+              <a:p>
+                <a:pPr marL="0" indent="0">
+                  <a:spcBef>
+                    <a:spcPts val="0"/>
+                  </a:spcBef>
+                  <a:spcAft>
+                    <a:spcPts val="1200"/>
+                  </a:spcAft>
+                  <a:buNone/>
+                </a:pPr>
+                <a:r>
+                  <a:rPr lang="en-GB" sz="1600" i="1" dirty="0">
+                    <a:latin typeface="Palatino" pitchFamily="2" charset="77"/>
+                    <a:ea typeface="Palatino" pitchFamily="2" charset="77"/>
+                  </a:rPr>
+                  <a:t>The “Budget-unaware Fixed-price Clairvoyant”</a:t>
+                </a:r>
+                <a:br>
+                  <a:rPr lang="en-GB" sz="1600" dirty="0">
+                    <a:solidFill>
+                      <a:schemeClr val="bg1">
+                        <a:lumMod val="50000"/>
+                      </a:schemeClr>
+                    </a:solidFill>
+                    <a:latin typeface="Palatino" pitchFamily="2" charset="77"/>
+                    <a:ea typeface="Palatino" pitchFamily="2" charset="77"/>
+                  </a:rPr>
+                </a:br>
+                <a:r>
+                  <a:rPr lang="en-GB" sz="1600" dirty="0">
+                    <a:solidFill>
+                      <a:schemeClr val="bg1">
+                        <a:lumMod val="50000"/>
+                      </a:schemeClr>
+                    </a:solidFill>
+                    <a:latin typeface="Palatino" pitchFamily="2" charset="77"/>
+                    <a:ea typeface="Palatino" pitchFamily="2" charset="77"/>
+                  </a:rPr>
+                  <a:t>Expected total profit: 2.31M</a:t>
+                </a:r>
+              </a:p>
+              <a:p>
+                <a:pPr marL="0" indent="0">
+                  <a:spcBef>
+                    <a:spcPts val="0"/>
+                  </a:spcBef>
+                  <a:buNone/>
+                </a:pPr>
+                <a:r>
+                  <a:rPr lang="en-GB" sz="1600" i="1" dirty="0">
+                    <a:latin typeface="Palatino" pitchFamily="2" charset="77"/>
+                    <a:ea typeface="Palatino" pitchFamily="2" charset="77"/>
+                  </a:rPr>
+                  <a:t>The “Per-round Budget-aware Mixed-Policy Clairvoyant”</a:t>
+                </a:r>
+                <a:br>
+                  <a:rPr lang="en-GB" sz="1600" dirty="0">
+                    <a:latin typeface="Palatino" pitchFamily="2" charset="77"/>
+                    <a:ea typeface="Palatino" pitchFamily="2" charset="77"/>
+                  </a:rPr>
+                </a:br>
+                <a:r>
+                  <a:rPr lang="en-GB" sz="1600" dirty="0">
+                    <a:solidFill>
+                      <a:schemeClr val="bg1">
+                        <a:lumMod val="50000"/>
+                      </a:schemeClr>
+                    </a:solidFill>
+                    <a:latin typeface="Palatino" pitchFamily="2" charset="77"/>
+                    <a:ea typeface="Palatino" pitchFamily="2" charset="77"/>
+                  </a:rPr>
+                  <a:t>Optimal policy: 0.866 </a:t>
+                </a:r>
+                <a14:m>
+                  <m:oMath xmlns:m="http://schemas.openxmlformats.org/officeDocument/2006/math">
+                    <m:r>
+                      <a:rPr lang="en-GB" sz="1600" i="1" smtClean="0">
+                        <a:solidFill>
+                          <a:schemeClr val="bg1">
+                            <a:lumMod val="50000"/>
+                          </a:schemeClr>
+                        </a:solidFill>
+                        <a:latin typeface="Cambria Math" panose="02040503050406030204" pitchFamily="18" charset="0"/>
+                        <a:ea typeface="Cambria Math" panose="02040503050406030204" pitchFamily="18" charset="0"/>
+                      </a:rPr>
+                      <m:t>∙</m:t>
+                    </m:r>
+                    <m:r>
+                      <a:rPr lang="it-IT" sz="1600" b="0" i="1" smtClean="0">
+                        <a:solidFill>
+                          <a:schemeClr val="bg1">
+                            <a:lumMod val="50000"/>
+                          </a:schemeClr>
+                        </a:solidFill>
+                        <a:latin typeface="Cambria Math" panose="02040503050406030204" pitchFamily="18" charset="0"/>
+                        <a:ea typeface="Cambria Math" panose="02040503050406030204" pitchFamily="18" charset="0"/>
+                      </a:rPr>
+                      <m:t> </m:t>
+                    </m:r>
+                  </m:oMath>
+                </a14:m>
+                <a:r>
+                  <a:rPr lang="en-GB" sz="1600" dirty="0">
+                    <a:solidFill>
+                      <a:schemeClr val="bg1">
+                        <a:lumMod val="50000"/>
+                      </a:schemeClr>
+                    </a:solidFill>
+                    <a:latin typeface="Palatino" pitchFamily="2" charset="77"/>
+                    <a:ea typeface="Palatino" pitchFamily="2" charset="77"/>
+                  </a:rPr>
+                  <a:t>(4</a:t>
+                </a:r>
+                <a:r>
+                  <a:rPr lang="en-GB" sz="1600" baseline="30000" dirty="0">
+                    <a:solidFill>
+                      <a:schemeClr val="bg1">
+                        <a:lumMod val="50000"/>
+                      </a:schemeClr>
+                    </a:solidFill>
+                    <a:latin typeface="Palatino" pitchFamily="2" charset="77"/>
+                    <a:ea typeface="Palatino" pitchFamily="2" charset="77"/>
+                  </a:rPr>
+                  <a:t>th</a:t>
+                </a:r>
+                <a:r>
+                  <a:rPr lang="en-GB" sz="1600" dirty="0">
+                    <a:solidFill>
+                      <a:schemeClr val="bg1">
+                        <a:lumMod val="50000"/>
+                      </a:schemeClr>
+                    </a:solidFill>
+                    <a:latin typeface="Palatino" pitchFamily="2" charset="77"/>
+                    <a:ea typeface="Palatino" pitchFamily="2" charset="77"/>
+                  </a:rPr>
+                  <a:t>, 4</a:t>
+                </a:r>
+                <a:r>
+                  <a:rPr lang="en-GB" sz="1600" baseline="30000" dirty="0">
+                    <a:solidFill>
+                      <a:schemeClr val="bg1">
+                        <a:lumMod val="50000"/>
+                      </a:schemeClr>
+                    </a:solidFill>
+                    <a:latin typeface="Palatino" pitchFamily="2" charset="77"/>
+                    <a:ea typeface="Palatino" pitchFamily="2" charset="77"/>
+                  </a:rPr>
+                  <a:t>th</a:t>
+                </a:r>
+                <a:r>
+                  <a:rPr lang="en-GB" sz="1600" dirty="0">
+                    <a:solidFill>
+                      <a:schemeClr val="bg1">
+                        <a:lumMod val="50000"/>
+                      </a:schemeClr>
+                    </a:solidFill>
+                    <a:latin typeface="Palatino" pitchFamily="2" charset="77"/>
+                    <a:ea typeface="Palatino" pitchFamily="2" charset="77"/>
+                  </a:rPr>
+                  <a:t>, 4</a:t>
+                </a:r>
+                <a:r>
+                  <a:rPr lang="en-GB" sz="1600" baseline="30000" dirty="0">
+                    <a:solidFill>
+                      <a:schemeClr val="bg1">
+                        <a:lumMod val="50000"/>
+                      </a:schemeClr>
+                    </a:solidFill>
+                    <a:latin typeface="Palatino" pitchFamily="2" charset="77"/>
+                    <a:ea typeface="Palatino" pitchFamily="2" charset="77"/>
+                  </a:rPr>
+                  <a:t>th</a:t>
+                </a:r>
+                <a:r>
+                  <a:rPr lang="en-GB" sz="1600" dirty="0">
+                    <a:solidFill>
+                      <a:schemeClr val="bg1">
+                        <a:lumMod val="50000"/>
+                      </a:schemeClr>
+                    </a:solidFill>
+                    <a:latin typeface="Palatino" pitchFamily="2" charset="77"/>
+                    <a:ea typeface="Palatino" pitchFamily="2" charset="77"/>
+                  </a:rPr>
+                  <a:t>, 3</a:t>
+                </a:r>
+                <a:r>
+                  <a:rPr lang="en-GB" sz="1600" baseline="30000" dirty="0">
+                    <a:solidFill>
+                      <a:schemeClr val="bg1">
+                        <a:lumMod val="50000"/>
+                      </a:schemeClr>
+                    </a:solidFill>
+                    <a:latin typeface="Palatino" pitchFamily="2" charset="77"/>
+                    <a:ea typeface="Palatino" pitchFamily="2" charset="77"/>
+                  </a:rPr>
+                  <a:t>rd</a:t>
+                </a:r>
+                <a:r>
+                  <a:rPr lang="en-GB" sz="1600" dirty="0">
+                    <a:solidFill>
+                      <a:schemeClr val="bg1">
+                        <a:lumMod val="50000"/>
+                      </a:schemeClr>
+                    </a:solidFill>
+                    <a:latin typeface="Palatino" pitchFamily="2" charset="77"/>
+                    <a:ea typeface="Palatino" pitchFamily="2" charset="77"/>
+                  </a:rPr>
+                  <a:t>) + 0.134 </a:t>
+                </a:r>
+                <a14:m>
+                  <m:oMath xmlns:m="http://schemas.openxmlformats.org/officeDocument/2006/math">
+                    <m:r>
+                      <a:rPr lang="en-GB" sz="1600" i="1">
+                        <a:solidFill>
+                          <a:schemeClr val="bg1">
+                            <a:lumMod val="50000"/>
+                          </a:schemeClr>
+                        </a:solidFill>
+                        <a:latin typeface="Cambria Math" panose="02040503050406030204" pitchFamily="18" charset="0"/>
+                        <a:ea typeface="Cambria Math" panose="02040503050406030204" pitchFamily="18" charset="0"/>
+                      </a:rPr>
+                      <m:t>∙</m:t>
+                    </m:r>
+                    <m:r>
+                      <a:rPr lang="it-IT" sz="1600" i="1">
+                        <a:solidFill>
+                          <a:schemeClr val="bg1">
+                            <a:lumMod val="50000"/>
+                          </a:schemeClr>
+                        </a:solidFill>
+                        <a:latin typeface="Cambria Math" panose="02040503050406030204" pitchFamily="18" charset="0"/>
+                        <a:ea typeface="Cambria Math" panose="02040503050406030204" pitchFamily="18" charset="0"/>
+                      </a:rPr>
+                      <m:t> </m:t>
+                    </m:r>
+                  </m:oMath>
+                </a14:m>
+                <a:r>
+                  <a:rPr lang="en-GB" sz="1600" dirty="0">
+                    <a:solidFill>
+                      <a:schemeClr val="bg1">
+                        <a:lumMod val="50000"/>
+                      </a:schemeClr>
+                    </a:solidFill>
+                    <a:latin typeface="Palatino" pitchFamily="2" charset="77"/>
+                    <a:ea typeface="Palatino" pitchFamily="2" charset="77"/>
+                  </a:rPr>
+                  <a:t>(4</a:t>
+                </a:r>
+                <a:r>
+                  <a:rPr lang="en-GB" sz="1600" baseline="30000" dirty="0">
+                    <a:solidFill>
+                      <a:schemeClr val="bg1">
+                        <a:lumMod val="50000"/>
+                      </a:schemeClr>
+                    </a:solidFill>
+                    <a:latin typeface="Palatino" pitchFamily="2" charset="77"/>
+                    <a:ea typeface="Palatino" pitchFamily="2" charset="77"/>
+                  </a:rPr>
+                  <a:t>th</a:t>
+                </a:r>
+                <a:r>
+                  <a:rPr lang="en-GB" sz="1600" dirty="0">
+                    <a:solidFill>
+                      <a:schemeClr val="bg1">
+                        <a:lumMod val="50000"/>
+                      </a:schemeClr>
+                    </a:solidFill>
+                    <a:latin typeface="Palatino" pitchFamily="2" charset="77"/>
+                    <a:ea typeface="Palatino" pitchFamily="2" charset="77"/>
+                  </a:rPr>
+                  <a:t> 4</a:t>
+                </a:r>
+                <a:r>
+                  <a:rPr lang="en-GB" sz="1600" baseline="30000" dirty="0">
+                    <a:solidFill>
+                      <a:schemeClr val="bg1">
+                        <a:lumMod val="50000"/>
+                      </a:schemeClr>
+                    </a:solidFill>
+                    <a:latin typeface="Palatino" pitchFamily="2" charset="77"/>
+                    <a:ea typeface="Palatino" pitchFamily="2" charset="77"/>
+                  </a:rPr>
+                  <a:t>th</a:t>
+                </a:r>
+                <a:r>
+                  <a:rPr lang="en-GB" sz="1600" dirty="0">
+                    <a:solidFill>
+                      <a:schemeClr val="bg1">
+                        <a:lumMod val="50000"/>
+                      </a:schemeClr>
+                    </a:solidFill>
+                    <a:latin typeface="Palatino" pitchFamily="2" charset="77"/>
+                    <a:ea typeface="Palatino" pitchFamily="2" charset="77"/>
+                  </a:rPr>
+                  <a:t>, 4</a:t>
+                </a:r>
+                <a:r>
+                  <a:rPr lang="en-GB" sz="1600" baseline="30000" dirty="0">
+                    <a:solidFill>
+                      <a:schemeClr val="bg1">
+                        <a:lumMod val="50000"/>
+                      </a:schemeClr>
+                    </a:solidFill>
+                    <a:latin typeface="Palatino" pitchFamily="2" charset="77"/>
+                    <a:ea typeface="Palatino" pitchFamily="2" charset="77"/>
+                  </a:rPr>
+                  <a:t>th</a:t>
+                </a:r>
+                <a:r>
+                  <a:rPr lang="en-GB" sz="1600" dirty="0">
+                    <a:solidFill>
+                      <a:schemeClr val="bg1">
+                        <a:lumMod val="50000"/>
+                      </a:schemeClr>
+                    </a:solidFill>
+                    <a:latin typeface="Palatino" pitchFamily="2" charset="77"/>
+                    <a:ea typeface="Palatino" pitchFamily="2" charset="77"/>
+                  </a:rPr>
+                  <a:t>, 4</a:t>
+                </a:r>
+                <a:r>
+                  <a:rPr lang="en-GB" sz="1600" baseline="30000" dirty="0">
+                    <a:solidFill>
+                      <a:schemeClr val="bg1">
+                        <a:lumMod val="50000"/>
+                      </a:schemeClr>
+                    </a:solidFill>
+                    <a:latin typeface="Palatino" pitchFamily="2" charset="77"/>
+                    <a:ea typeface="Palatino" pitchFamily="2" charset="77"/>
+                  </a:rPr>
+                  <a:t>th</a:t>
+                </a:r>
+                <a:r>
+                  <a:rPr lang="en-GB" sz="1600" dirty="0">
+                    <a:solidFill>
+                      <a:schemeClr val="bg1">
+                        <a:lumMod val="50000"/>
+                      </a:schemeClr>
+                    </a:solidFill>
+                    <a:latin typeface="Palatino" pitchFamily="2" charset="77"/>
+                    <a:ea typeface="Palatino" pitchFamily="2" charset="77"/>
+                  </a:rPr>
+                  <a:t>)</a:t>
+                </a:r>
+              </a:p>
+              <a:p>
+                <a:pPr marL="0" indent="0">
+                  <a:spcBef>
+                    <a:spcPts val="0"/>
+                  </a:spcBef>
+                  <a:buNone/>
+                </a:pPr>
+                <a:r>
+                  <a:rPr lang="en-GB" sz="1600" dirty="0">
+                    <a:solidFill>
+                      <a:schemeClr val="bg1">
+                        <a:lumMod val="50000"/>
+                      </a:schemeClr>
+                    </a:solidFill>
+                    <a:latin typeface="Palatino" pitchFamily="2" charset="77"/>
+                    <a:ea typeface="Palatino" pitchFamily="2" charset="77"/>
+                  </a:rPr>
+                  <a:t>Expected total reward: 1.19M</a:t>
+                </a:r>
+              </a:p>
+              <a:p>
+                <a:pPr marL="0" indent="0">
+                  <a:spcBef>
+                    <a:spcPts val="0"/>
+                  </a:spcBef>
+                  <a:buNone/>
+                </a:pPr>
+                <a:endParaRPr lang="en-GB" sz="1600" dirty="0">
+                  <a:solidFill>
+                    <a:schemeClr val="bg1">
+                      <a:lumMod val="50000"/>
+                    </a:schemeClr>
+                  </a:solidFill>
+                  <a:latin typeface="Palatino" pitchFamily="2" charset="77"/>
+                  <a:ea typeface="Palatino" pitchFamily="2" charset="77"/>
+                </a:endParaRPr>
+              </a:p>
+            </p:txBody>
+          </p:sp>
+        </mc:Choice>
+        <mc:Fallback xmlns="">
+          <p:sp>
+            <p:nvSpPr>
+              <p:cNvPr id="3" name="Content Placeholder 2">
+                <a:extLst>
+                  <a:ext uri="{FF2B5EF4-FFF2-40B4-BE49-F238E27FC236}">
+                    <a16:creationId xmlns:a16="http://schemas.microsoft.com/office/drawing/2014/main" id="{E58F1A96-CCDA-500A-16D8-D962B05DA196}"/>
+                  </a:ext>
+                </a:extLst>
+              </p:cNvPr>
+              <p:cNvSpPr>
+                <a:spLocks noGrp="1" noRot="1" noChangeAspect="1" noMove="1" noResize="1" noEditPoints="1" noAdjustHandles="1" noChangeArrowheads="1" noChangeShapeType="1" noTextEdit="1"/>
+              </p:cNvSpPr>
+              <p:nvPr>
+                <p:ph idx="1"/>
+              </p:nvPr>
+            </p:nvSpPr>
+            <p:spPr>
+              <a:xfrm>
+                <a:off x="838200" y="1668323"/>
+                <a:ext cx="10620737" cy="1942978"/>
+              </a:xfrm>
+              <a:blipFill>
+                <a:blip r:embed="rId2"/>
+                <a:stretch>
+                  <a:fillRect l="-956" t="-4545"/>
+                </a:stretch>
+              </a:blipFill>
+            </p:spPr>
+            <p:txBody>
+              <a:bodyPr/>
+              <a:lstStyle/>
+              <a:p>
+                <a:r>
+                  <a:rPr lang="en-IT">
+                    <a:noFill/>
+                  </a:rPr>
+                  <a:t> </a:t>
+                </a:r>
+              </a:p>
+            </p:txBody>
+          </p:sp>
+        </mc:Fallback>
+      </mc:AlternateContent>
+      <p:sp>
+        <p:nvSpPr>
+          <p:cNvPr id="7" name="TextBox 6">
+            <a:extLst>
+              <a:ext uri="{FF2B5EF4-FFF2-40B4-BE49-F238E27FC236}">
+                <a16:creationId xmlns:a16="http://schemas.microsoft.com/office/drawing/2014/main" id="{F797EE72-E930-8FBF-1134-2DA5F19AC91D}"/>
+              </a:ext>
+            </a:extLst>
+          </p:cNvPr>
+          <p:cNvSpPr txBox="1"/>
+          <p:nvPr/>
+        </p:nvSpPr>
+        <p:spPr>
+          <a:xfrm>
+            <a:off x="838200" y="3948337"/>
+            <a:ext cx="3659372" cy="1785104"/>
+          </a:xfrm>
+          <a:prstGeom prst="rect">
+            <a:avLst/>
+          </a:prstGeom>
+          <a:noFill/>
+        </p:spPr>
+        <p:txBody>
+          <a:bodyPr wrap="square" rtlCol="0">
+            <a:spAutoFit/>
+          </a:bodyPr>
+          <a:lstStyle/>
+          <a:p>
+            <a:pPr>
+              <a:spcAft>
+                <a:spcPts val="1200"/>
+              </a:spcAft>
+            </a:pPr>
+            <a:r>
+              <a:rPr lang="en-IT" sz="2400" dirty="0">
+                <a:latin typeface="Palatino" pitchFamily="2" charset="77"/>
+                <a:ea typeface="Palatino" pitchFamily="2" charset="77"/>
+              </a:rPr>
+              <a:t>Regret</a:t>
+            </a:r>
+          </a:p>
+          <a:p>
+            <a:pPr>
+              <a:spcAft>
+                <a:spcPts val="1200"/>
+              </a:spcAft>
+            </a:pPr>
+            <a:r>
+              <a:rPr lang="en-GB" sz="1600" dirty="0">
+                <a:solidFill>
+                  <a:schemeClr val="bg1">
+                    <a:lumMod val="50000"/>
+                  </a:schemeClr>
+                </a:solidFill>
+                <a:latin typeface="Palatino" pitchFamily="2" charset="77"/>
+                <a:ea typeface="Palatino" pitchFamily="2" charset="77"/>
+              </a:rPr>
+              <a:t>The regret against our BAMP clairvoyant is surprisingly low: less than 5% for this instance</a:t>
+            </a:r>
+          </a:p>
+          <a:p>
+            <a:endParaRPr lang="en-IT" dirty="0"/>
+          </a:p>
+        </p:txBody>
+      </p:sp>
+      <p:pic>
+        <p:nvPicPr>
+          <p:cNvPr id="4" name="Picture 3">
+            <a:extLst>
+              <a:ext uri="{FF2B5EF4-FFF2-40B4-BE49-F238E27FC236}">
+                <a16:creationId xmlns:a16="http://schemas.microsoft.com/office/drawing/2014/main" id="{0F50F359-DCA1-5332-9D10-02542455539A}"/>
+              </a:ext>
+            </a:extLst>
+          </p:cNvPr>
+          <p:cNvPicPr>
+            <a:picLocks noChangeAspect="1"/>
+          </p:cNvPicPr>
+          <p:nvPr/>
+        </p:nvPicPr>
+        <p:blipFill>
+          <a:blip r:embed="rId3"/>
+          <a:stretch>
+            <a:fillRect/>
+          </a:stretch>
+        </p:blipFill>
+        <p:spPr>
+          <a:xfrm>
+            <a:off x="5289212" y="3948337"/>
+            <a:ext cx="6169725" cy="2482680"/>
+          </a:xfrm>
+          <a:prstGeom prst="rect">
+            <a:avLst/>
+          </a:prstGeom>
+        </p:spPr>
+      </p:pic>
+    </p:spTree>
+    <p:extLst>
+      <p:ext uri="{BB962C8B-B14F-4D97-AF65-F5344CB8AC3E}">
+        <p14:creationId xmlns:p14="http://schemas.microsoft.com/office/powerpoint/2010/main" val="1919803310"/>
+      </p:ext>
+    </p:extLst>
+  </p:cSld>
+  <p:clrMapOvr>
+    <a:masterClrMapping/>
+  </p:clrMapOvr>
+</p:sld>
+</file>
+
+<file path=ppt/slides/slide29.xml><?xml version="1.0" encoding="utf-8"?>
+<p:sld xmlns:a="http://schemas.openxmlformats.org/drawingml/2006/main" xmlns:r="http://schemas.openxmlformats.org/officeDocument/2006/relationships" xmlns:p="http://schemas.openxmlformats.org/presentationml/2006/main">
+  <p:cSld>
+    <p:spTree>
+      <p:nvGrpSpPr>
+        <p:cNvPr id="1" name="">
+          <a:extLst>
+            <a:ext uri="{FF2B5EF4-FFF2-40B4-BE49-F238E27FC236}">
+              <a16:creationId xmlns:a16="http://schemas.microsoft.com/office/drawing/2014/main" id="{408AC19B-CCA8-D890-A0A2-0D4F833A93C4}"/>
+            </a:ext>
+          </a:extLst>
+        </p:cNvPr>
+        <p:cNvGrpSpPr/>
+        <p:nvPr/>
+      </p:nvGrpSpPr>
+      <p:grpSpPr>
+        <a:xfrm>
+          <a:off x="0" y="0"/>
+          <a:ext cx="0" cy="0"/>
+          <a:chOff x="0" y="0"/>
+          <a:chExt cx="0" cy="0"/>
+        </a:xfrm>
+      </p:grpSpPr>
+      <p:sp>
+        <p:nvSpPr>
+          <p:cNvPr id="2" name="Title 1">
+            <a:extLst>
+              <a:ext uri="{FF2B5EF4-FFF2-40B4-BE49-F238E27FC236}">
+                <a16:creationId xmlns:a16="http://schemas.microsoft.com/office/drawing/2014/main" id="{A392043B-3804-61AC-F558-E1AC94BDEB01}"/>
+              </a:ext>
+            </a:extLst>
+          </p:cNvPr>
+          <p:cNvSpPr>
+            <a:spLocks noGrp="1"/>
+          </p:cNvSpPr>
+          <p:nvPr>
+            <p:ph type="title"/>
+          </p:nvPr>
+        </p:nvSpPr>
+        <p:spPr/>
+        <p:txBody>
+          <a:bodyPr/>
+          <a:lstStyle/>
+          <a:p>
+            <a:r>
+              <a:rPr lang="en-IT" dirty="0">
+                <a:latin typeface="Palatino" pitchFamily="2" charset="77"/>
+                <a:ea typeface="Palatino" pitchFamily="2" charset="77"/>
+              </a:rPr>
+              <a:t>Performance Analysis</a:t>
+            </a:r>
+          </a:p>
+        </p:txBody>
+      </p:sp>
+      <p:sp>
+        <p:nvSpPr>
+          <p:cNvPr id="3" name="Content Placeholder 2">
+            <a:extLst>
+              <a:ext uri="{FF2B5EF4-FFF2-40B4-BE49-F238E27FC236}">
+                <a16:creationId xmlns:a16="http://schemas.microsoft.com/office/drawing/2014/main" id="{D7070426-0DB2-9AED-7563-6964C7A2B4B1}"/>
+              </a:ext>
+            </a:extLst>
+          </p:cNvPr>
+          <p:cNvSpPr>
+            <a:spLocks noGrp="1"/>
+          </p:cNvSpPr>
+          <p:nvPr>
+            <p:ph idx="1"/>
+          </p:nvPr>
+        </p:nvSpPr>
+        <p:spPr>
+          <a:xfrm>
+            <a:off x="838199" y="1668323"/>
+            <a:ext cx="10146175" cy="1325563"/>
+          </a:xfrm>
+        </p:spPr>
+        <p:txBody>
+          <a:bodyPr>
+            <a:noAutofit/>
+          </a:bodyPr>
+          <a:lstStyle/>
+          <a:p>
+            <a:pPr marL="0" indent="0">
+              <a:spcBef>
+                <a:spcPts val="0"/>
+              </a:spcBef>
+              <a:spcAft>
+                <a:spcPts val="1200"/>
+              </a:spcAft>
+              <a:buNone/>
+            </a:pPr>
+            <a:r>
+              <a:rPr lang="it-IT" sz="2400" dirty="0">
+                <a:latin typeface="Palatino" pitchFamily="2" charset="77"/>
+                <a:ea typeface="Palatino" pitchFamily="2" charset="77"/>
+              </a:rPr>
+              <a:t>Learning Quality</a:t>
+            </a:r>
+          </a:p>
+          <a:p>
+            <a:pPr marL="0" indent="0">
+              <a:spcBef>
+                <a:spcPts val="0"/>
+              </a:spcBef>
+              <a:spcAft>
+                <a:spcPts val="1200"/>
+              </a:spcAft>
+              <a:buNone/>
+            </a:pPr>
+            <a:r>
+              <a:rPr lang="en-GB" sz="1800" i="1" dirty="0">
+                <a:solidFill>
+                  <a:schemeClr val="bg1">
+                    <a:lumMod val="50000"/>
+                  </a:schemeClr>
+                </a:solidFill>
+                <a:latin typeface="Palatino" pitchFamily="2" charset="77"/>
+                <a:ea typeface="Palatino" pitchFamily="2" charset="77"/>
+              </a:rPr>
+              <a:t>Our algorithm successfully converges to our “Per-round Budget-aware Mixed-Policy Clairvoyant” </a:t>
+            </a:r>
+            <a:r>
+              <a:rPr lang="en-GB" sz="1800" dirty="0">
+                <a:solidFill>
+                  <a:schemeClr val="bg1">
+                    <a:lumMod val="50000"/>
+                  </a:schemeClr>
+                </a:solidFill>
+                <a:latin typeface="Palatino" pitchFamily="2" charset="77"/>
+                <a:ea typeface="Palatino" pitchFamily="2" charset="77"/>
+              </a:rPr>
+              <a:t>optimal policy.</a:t>
+            </a:r>
+          </a:p>
+        </p:txBody>
+      </p:sp>
+      <p:pic>
+        <p:nvPicPr>
+          <p:cNvPr id="5" name="Picture 4">
+            <a:extLst>
+              <a:ext uri="{FF2B5EF4-FFF2-40B4-BE49-F238E27FC236}">
+                <a16:creationId xmlns:a16="http://schemas.microsoft.com/office/drawing/2014/main" id="{001E7BCB-7E68-65A3-2AFF-B5F980D77D3D}"/>
+              </a:ext>
+            </a:extLst>
+          </p:cNvPr>
+          <p:cNvPicPr>
+            <a:picLocks noChangeAspect="1"/>
+          </p:cNvPicPr>
+          <p:nvPr/>
+        </p:nvPicPr>
+        <p:blipFill>
+          <a:blip r:embed="rId2"/>
+          <a:stretch>
+            <a:fillRect/>
+          </a:stretch>
+        </p:blipFill>
+        <p:spPr>
+          <a:xfrm>
+            <a:off x="3340100" y="3106774"/>
+            <a:ext cx="5511800" cy="3175000"/>
+          </a:xfrm>
+          <a:prstGeom prst="rect">
+            <a:avLst/>
+          </a:prstGeom>
+        </p:spPr>
+      </p:pic>
+    </p:spTree>
+    <p:extLst>
+      <p:ext uri="{BB962C8B-B14F-4D97-AF65-F5344CB8AC3E}">
+        <p14:creationId xmlns:p14="http://schemas.microsoft.com/office/powerpoint/2010/main" val="2791515396"/>
       </p:ext>
     </p:extLst>
   </p:cSld>
@@ -12424,7 +12498,7 @@
                 <a:latin typeface="Palatino" pitchFamily="2" charset="77"/>
                 <a:ea typeface="Palatino" pitchFamily="2" charset="77"/>
               </a:rPr>
-              <a:t>Setting</a:t>
+              <a:t>Setting - General</a:t>
             </a:r>
           </a:p>
         </p:txBody>
@@ -12446,7 +12520,7 @@
             <p:spPr>
               <a:xfrm>
                 <a:off x="838200" y="1690688"/>
-                <a:ext cx="10786242" cy="3908762"/>
+                <a:ext cx="10786242" cy="4093428"/>
               </a:xfrm>
               <a:prstGeom prst="rect">
                 <a:avLst/>
@@ -12568,20 +12642,6 @@
                     <a:ea typeface="Palatino" pitchFamily="2" charset="77"/>
                   </a:rPr>
                   <a:t>T = 20000</a:t>
-                </a:r>
-              </a:p>
-              <a:p>
-                <a:r>
-                  <a:rPr lang="en-IT" i="1" dirty="0">
-                    <a:solidFill>
-                      <a:schemeClr val="bg1">
-                        <a:lumMod val="50000"/>
-                      </a:schemeClr>
-                    </a:solidFill>
-                    <a:latin typeface="Palatino" pitchFamily="2" charset="77"/>
-                    <a:ea typeface="Palatino" pitchFamily="2" charset="77"/>
-                  </a:rPr>
-                  <a:t>N = 1</a:t>
                 </a:r>
               </a:p>
               <a:p>
@@ -13157,6 +13217,55 @@
                   <a:ea typeface="Palatino" pitchFamily="2" charset="77"/>
                 </a:endParaRPr>
               </a:p>
+              <a:p>
+                <a:r>
+                  <a:rPr lang="en-IT" dirty="0">
+                    <a:solidFill>
+                      <a:schemeClr val="bg1">
+                        <a:lumMod val="50000"/>
+                      </a:schemeClr>
+                    </a:solidFill>
+                    <a:latin typeface="Palatino" pitchFamily="2" charset="77"/>
+                    <a:ea typeface="Palatino" pitchFamily="2" charset="77"/>
+                  </a:rPr>
+                  <a:t>Later…</a:t>
+                </a:r>
+              </a:p>
+              <a:p>
+                <a:r>
+                  <a:rPr lang="it-IT" i="1" dirty="0">
+                    <a:solidFill>
+                      <a:schemeClr val="bg1">
+                        <a:lumMod val="50000"/>
+                      </a:schemeClr>
+                    </a:solidFill>
+                    <a:latin typeface="Palatino" pitchFamily="2" charset="77"/>
+                    <a:ea typeface="Palatino" pitchFamily="2" charset="77"/>
+                  </a:rPr>
+                  <a:t>B = </a:t>
+                </a:r>
+                <a:r>
+                  <a:rPr lang="en-GB" i="1" dirty="0">
+                    <a:solidFill>
+                      <a:schemeClr val="bg1">
+                        <a:lumMod val="50000"/>
+                      </a:schemeClr>
+                    </a:solidFill>
+                    <a:latin typeface="Palatino" pitchFamily="2" charset="77"/>
+                    <a:ea typeface="Palatino" pitchFamily="2" charset="77"/>
+                  </a:rPr>
+                  <a:t>120000</a:t>
+                </a:r>
+                <a:endParaRPr lang="en-IT" i="1" dirty="0">
+                  <a:solidFill>
+                    <a:schemeClr val="bg1">
+                      <a:lumMod val="50000"/>
+                    </a:schemeClr>
+                  </a:solidFill>
+                  <a:latin typeface="Palatino" pitchFamily="2" charset="77"/>
+                  <a:ea typeface="Palatino" pitchFamily="2" charset="77"/>
+                </a:endParaRPr>
+              </a:p>
             </p:txBody>
           </p:sp>
         </mc:Choice>
@@ -13178,7 +13287,7 @@
             <p:spPr>
               <a:xfrm>
                 <a:off x="838200" y="1690688"/>
-                <a:ext cx="10786242" cy="3908762"/>
+                <a:ext cx="10786242" cy="4093428"/>
               </a:xfrm>
               <a:prstGeom prst="rect">
                 <a:avLst/>
@@ -13186,7 +13295,7 @@
               <a:blipFill>
                 <a:blip r:embed="rId3"/>
                 <a:stretch>
-                  <a:fillRect l="-941" t="-968"/>
+                  <a:fillRect l="-941" t="-926" b="-1235"/>
                 </a:stretch>
               </a:blipFill>
             </p:spPr>
@@ -13219,914 +13328,6 @@
 </file>
 
 <file path=ppt/slides/slide30.xml><?xml version="1.0" encoding="utf-8"?>
-<p:sld xmlns:a="http://schemas.openxmlformats.org/drawingml/2006/main" xmlns:r="http://schemas.openxmlformats.org/officeDocument/2006/relationships" xmlns:p="http://schemas.openxmlformats.org/presentationml/2006/main">
-  <p:cSld>
-    <p:spTree>
-      <p:nvGrpSpPr>
-        <p:cNvPr id="1" name="">
-          <a:extLst>
-            <a:ext uri="{FF2B5EF4-FFF2-40B4-BE49-F238E27FC236}">
-              <a16:creationId xmlns:a16="http://schemas.microsoft.com/office/drawing/2014/main" id="{0E29301E-4E35-8BD1-A23D-EDF728D48905}"/>
-            </a:ext>
-          </a:extLst>
-        </p:cNvPr>
-        <p:cNvGrpSpPr/>
-        <p:nvPr/>
-      </p:nvGrpSpPr>
-      <p:grpSpPr>
-        <a:xfrm>
-          <a:off x="0" y="0"/>
-          <a:ext cx="0" cy="0"/>
-          <a:chOff x="0" y="0"/>
-          <a:chExt cx="0" cy="0"/>
-        </a:xfrm>
-      </p:grpSpPr>
-      <p:sp>
-        <p:nvSpPr>
-          <p:cNvPr id="2" name="Title 1">
-            <a:extLst>
-              <a:ext uri="{FF2B5EF4-FFF2-40B4-BE49-F238E27FC236}">
-                <a16:creationId xmlns:a16="http://schemas.microsoft.com/office/drawing/2014/main" id="{0A984812-459D-1121-97DF-D8D353B4FD3D}"/>
-              </a:ext>
-            </a:extLst>
-          </p:cNvPr>
-          <p:cNvSpPr>
-            <a:spLocks noGrp="1"/>
-          </p:cNvSpPr>
-          <p:nvPr>
-            <p:ph type="title"/>
-          </p:nvPr>
-        </p:nvSpPr>
-        <p:spPr/>
-        <p:txBody>
-          <a:bodyPr/>
-          <a:lstStyle/>
-          <a:p>
-            <a:r>
-              <a:rPr lang="en-IT" dirty="0">
-                <a:latin typeface="Palatino" pitchFamily="2" charset="77"/>
-                <a:ea typeface="Palatino" pitchFamily="2" charset="77"/>
-              </a:rPr>
-              <a:t>Performance Analysis</a:t>
-            </a:r>
-          </a:p>
-        </p:txBody>
-      </p:sp>
-      <mc:AlternateContent xmlns:mc="http://schemas.openxmlformats.org/markup-compatibility/2006" xmlns:a14="http://schemas.microsoft.com/office/drawing/2010/main">
-        <mc:Choice Requires="a14">
-          <p:sp>
-            <p:nvSpPr>
-              <p:cNvPr id="3" name="Content Placeholder 2">
-                <a:extLst>
-                  <a:ext uri="{FF2B5EF4-FFF2-40B4-BE49-F238E27FC236}">
-                    <a16:creationId xmlns:a16="http://schemas.microsoft.com/office/drawing/2014/main" id="{E58F1A96-CCDA-500A-16D8-D962B05DA196}"/>
-                  </a:ext>
-                </a:extLst>
-              </p:cNvPr>
-              <p:cNvSpPr>
-                <a:spLocks noGrp="1"/>
-              </p:cNvSpPr>
-              <p:nvPr>
-                <p:ph idx="1"/>
-              </p:nvPr>
-            </p:nvSpPr>
-            <p:spPr>
-              <a:xfrm>
-                <a:off x="838200" y="1668323"/>
-                <a:ext cx="10620737" cy="1942978"/>
-              </a:xfrm>
-            </p:spPr>
-            <p:txBody>
-              <a:bodyPr>
-                <a:noAutofit/>
-              </a:bodyPr>
-              <a:lstStyle/>
-              <a:p>
-                <a:pPr marL="0" indent="0">
-                  <a:spcBef>
-                    <a:spcPts val="0"/>
-                  </a:spcBef>
-                  <a:spcAft>
-                    <a:spcPts val="1200"/>
-                  </a:spcAft>
-                  <a:buNone/>
-                </a:pPr>
-                <a:r>
-                  <a:rPr lang="en-IT" sz="2400" dirty="0">
-                    <a:latin typeface="Palatino" pitchFamily="2" charset="77"/>
-                    <a:ea typeface="Palatino" pitchFamily="2" charset="77"/>
-                  </a:rPr>
-                  <a:t>Clairvoyants</a:t>
-                </a:r>
-              </a:p>
-              <a:p>
-                <a:pPr marL="0" indent="0">
-                  <a:spcBef>
-                    <a:spcPts val="0"/>
-                  </a:spcBef>
-                  <a:spcAft>
-                    <a:spcPts val="1200"/>
-                  </a:spcAft>
-                  <a:buNone/>
-                </a:pPr>
-                <a:r>
-                  <a:rPr lang="en-GB" sz="1600" i="1" dirty="0">
-                    <a:latin typeface="Palatino" pitchFamily="2" charset="77"/>
-                    <a:ea typeface="Palatino" pitchFamily="2" charset="77"/>
-                  </a:rPr>
-                  <a:t>The “Budget-unaware Fixed-price Clairvoyant”</a:t>
-                </a:r>
-                <a:br>
-                  <a:rPr lang="en-GB" sz="1600" dirty="0">
-                    <a:solidFill>
-                      <a:schemeClr val="bg1">
-                        <a:lumMod val="50000"/>
-                      </a:schemeClr>
-                    </a:solidFill>
-                    <a:latin typeface="Palatino" pitchFamily="2" charset="77"/>
-                    <a:ea typeface="Palatino" pitchFamily="2" charset="77"/>
-                  </a:rPr>
-                </a:br>
-                <a:r>
-                  <a:rPr lang="en-GB" sz="1600" dirty="0">
-                    <a:solidFill>
-                      <a:schemeClr val="bg1">
-                        <a:lumMod val="50000"/>
-                      </a:schemeClr>
-                    </a:solidFill>
-                    <a:latin typeface="Palatino" pitchFamily="2" charset="77"/>
-                    <a:ea typeface="Palatino" pitchFamily="2" charset="77"/>
-                  </a:rPr>
-                  <a:t>Expected total profit: 2.31M</a:t>
-                </a:r>
-              </a:p>
-              <a:p>
-                <a:pPr marL="0" indent="0">
-                  <a:spcBef>
-                    <a:spcPts val="0"/>
-                  </a:spcBef>
-                  <a:buNone/>
-                </a:pPr>
-                <a:r>
-                  <a:rPr lang="en-GB" sz="1600" i="1" dirty="0">
-                    <a:latin typeface="Palatino" pitchFamily="2" charset="77"/>
-                    <a:ea typeface="Palatino" pitchFamily="2" charset="77"/>
-                  </a:rPr>
-                  <a:t>The “Per-round Budget-aware Mixed-Policy Clairvoyant”</a:t>
-                </a:r>
-                <a:br>
-                  <a:rPr lang="en-GB" sz="1600" dirty="0">
-                    <a:latin typeface="Palatino" pitchFamily="2" charset="77"/>
-                    <a:ea typeface="Palatino" pitchFamily="2" charset="77"/>
-                  </a:rPr>
-                </a:br>
-                <a:r>
-                  <a:rPr lang="en-GB" sz="1600" dirty="0">
-                    <a:solidFill>
-                      <a:schemeClr val="bg1">
-                        <a:lumMod val="50000"/>
-                      </a:schemeClr>
-                    </a:solidFill>
-                    <a:latin typeface="Palatino" pitchFamily="2" charset="77"/>
-                    <a:ea typeface="Palatino" pitchFamily="2" charset="77"/>
-                  </a:rPr>
-                  <a:t>Optimal policy: 0.866 </a:t>
-                </a:r>
-                <a14:m>
-                  <m:oMath xmlns:m="http://schemas.openxmlformats.org/officeDocument/2006/math">
-                    <m:r>
-                      <a:rPr lang="en-GB" sz="1600" i="1" smtClean="0">
-                        <a:solidFill>
-                          <a:schemeClr val="bg1">
-                            <a:lumMod val="50000"/>
-                          </a:schemeClr>
-                        </a:solidFill>
-                        <a:latin typeface="Cambria Math" panose="02040503050406030204" pitchFamily="18" charset="0"/>
-                        <a:ea typeface="Cambria Math" panose="02040503050406030204" pitchFamily="18" charset="0"/>
-                      </a:rPr>
-                      <m:t>∙</m:t>
-                    </m:r>
-                    <m:r>
-                      <a:rPr lang="it-IT" sz="1600" b="0" i="1" smtClean="0">
-                        <a:solidFill>
-                          <a:schemeClr val="bg1">
-                            <a:lumMod val="50000"/>
-                          </a:schemeClr>
-                        </a:solidFill>
-                        <a:latin typeface="Cambria Math" panose="02040503050406030204" pitchFamily="18" charset="0"/>
-                        <a:ea typeface="Cambria Math" panose="02040503050406030204" pitchFamily="18" charset="0"/>
-                      </a:rPr>
-                      <m:t> </m:t>
-                    </m:r>
-                  </m:oMath>
-                </a14:m>
-                <a:r>
-                  <a:rPr lang="en-GB" sz="1600" dirty="0">
-                    <a:solidFill>
-                      <a:schemeClr val="bg1">
-                        <a:lumMod val="50000"/>
-                      </a:schemeClr>
-                    </a:solidFill>
-                    <a:latin typeface="Palatino" pitchFamily="2" charset="77"/>
-                    <a:ea typeface="Palatino" pitchFamily="2" charset="77"/>
-                  </a:rPr>
-                  <a:t>(4</a:t>
-                </a:r>
-                <a:r>
-                  <a:rPr lang="en-GB" sz="1600" baseline="30000" dirty="0">
-                    <a:solidFill>
-                      <a:schemeClr val="bg1">
-                        <a:lumMod val="50000"/>
-                      </a:schemeClr>
-                    </a:solidFill>
-                    <a:latin typeface="Palatino" pitchFamily="2" charset="77"/>
-                    <a:ea typeface="Palatino" pitchFamily="2" charset="77"/>
-                  </a:rPr>
-                  <a:t>th</a:t>
-                </a:r>
-                <a:r>
-                  <a:rPr lang="en-GB" sz="1600" dirty="0">
-                    <a:solidFill>
-                      <a:schemeClr val="bg1">
-                        <a:lumMod val="50000"/>
-                      </a:schemeClr>
-                    </a:solidFill>
-                    <a:latin typeface="Palatino" pitchFamily="2" charset="77"/>
-                    <a:ea typeface="Palatino" pitchFamily="2" charset="77"/>
-                  </a:rPr>
-                  <a:t>, 4</a:t>
-                </a:r>
-                <a:r>
-                  <a:rPr lang="en-GB" sz="1600" baseline="30000" dirty="0">
-                    <a:solidFill>
-                      <a:schemeClr val="bg1">
-                        <a:lumMod val="50000"/>
-                      </a:schemeClr>
-                    </a:solidFill>
-                    <a:latin typeface="Palatino" pitchFamily="2" charset="77"/>
-                    <a:ea typeface="Palatino" pitchFamily="2" charset="77"/>
-                  </a:rPr>
-                  <a:t>th</a:t>
-                </a:r>
-                <a:r>
-                  <a:rPr lang="en-GB" sz="1600" dirty="0">
-                    <a:solidFill>
-                      <a:schemeClr val="bg1">
-                        <a:lumMod val="50000"/>
-                      </a:schemeClr>
-                    </a:solidFill>
-                    <a:latin typeface="Palatino" pitchFamily="2" charset="77"/>
-                    <a:ea typeface="Palatino" pitchFamily="2" charset="77"/>
-                  </a:rPr>
-                  <a:t>, 4</a:t>
-                </a:r>
-                <a:r>
-                  <a:rPr lang="en-GB" sz="1600" baseline="30000" dirty="0">
-                    <a:solidFill>
-                      <a:schemeClr val="bg1">
-                        <a:lumMod val="50000"/>
-                      </a:schemeClr>
-                    </a:solidFill>
-                    <a:latin typeface="Palatino" pitchFamily="2" charset="77"/>
-                    <a:ea typeface="Palatino" pitchFamily="2" charset="77"/>
-                  </a:rPr>
-                  <a:t>th</a:t>
-                </a:r>
-                <a:r>
-                  <a:rPr lang="en-GB" sz="1600" dirty="0">
-                    <a:solidFill>
-                      <a:schemeClr val="bg1">
-                        <a:lumMod val="50000"/>
-                      </a:schemeClr>
-                    </a:solidFill>
-                    <a:latin typeface="Palatino" pitchFamily="2" charset="77"/>
-                    <a:ea typeface="Palatino" pitchFamily="2" charset="77"/>
-                  </a:rPr>
-                  <a:t>, 3</a:t>
-                </a:r>
-                <a:r>
-                  <a:rPr lang="en-GB" sz="1600" baseline="30000" dirty="0">
-                    <a:solidFill>
-                      <a:schemeClr val="bg1">
-                        <a:lumMod val="50000"/>
-                      </a:schemeClr>
-                    </a:solidFill>
-                    <a:latin typeface="Palatino" pitchFamily="2" charset="77"/>
-                    <a:ea typeface="Palatino" pitchFamily="2" charset="77"/>
-                  </a:rPr>
-                  <a:t>rd</a:t>
-                </a:r>
-                <a:r>
-                  <a:rPr lang="en-GB" sz="1600" dirty="0">
-                    <a:solidFill>
-                      <a:schemeClr val="bg1">
-                        <a:lumMod val="50000"/>
-                      </a:schemeClr>
-                    </a:solidFill>
-                    <a:latin typeface="Palatino" pitchFamily="2" charset="77"/>
-                    <a:ea typeface="Palatino" pitchFamily="2" charset="77"/>
-                  </a:rPr>
-                  <a:t>) + 0.134 </a:t>
-                </a:r>
-                <a14:m>
-                  <m:oMath xmlns:m="http://schemas.openxmlformats.org/officeDocument/2006/math">
-                    <m:r>
-                      <a:rPr lang="en-GB" sz="1600" i="1">
-                        <a:solidFill>
-                          <a:schemeClr val="bg1">
-                            <a:lumMod val="50000"/>
-                          </a:schemeClr>
-                        </a:solidFill>
-                        <a:latin typeface="Cambria Math" panose="02040503050406030204" pitchFamily="18" charset="0"/>
-                        <a:ea typeface="Cambria Math" panose="02040503050406030204" pitchFamily="18" charset="0"/>
-                      </a:rPr>
-                      <m:t>∙</m:t>
-                    </m:r>
-                    <m:r>
-                      <a:rPr lang="it-IT" sz="1600" i="1">
-                        <a:solidFill>
-                          <a:schemeClr val="bg1">
-                            <a:lumMod val="50000"/>
-                          </a:schemeClr>
-                        </a:solidFill>
-                        <a:latin typeface="Cambria Math" panose="02040503050406030204" pitchFamily="18" charset="0"/>
-                        <a:ea typeface="Cambria Math" panose="02040503050406030204" pitchFamily="18" charset="0"/>
-                      </a:rPr>
-                      <m:t> </m:t>
-                    </m:r>
-                  </m:oMath>
-                </a14:m>
-                <a:r>
-                  <a:rPr lang="en-GB" sz="1600" dirty="0">
-                    <a:solidFill>
-                      <a:schemeClr val="bg1">
-                        <a:lumMod val="50000"/>
-                      </a:schemeClr>
-                    </a:solidFill>
-                    <a:latin typeface="Palatino" pitchFamily="2" charset="77"/>
-                    <a:ea typeface="Palatino" pitchFamily="2" charset="77"/>
-                  </a:rPr>
-                  <a:t>(4</a:t>
-                </a:r>
-                <a:r>
-                  <a:rPr lang="en-GB" sz="1600" baseline="30000" dirty="0">
-                    <a:solidFill>
-                      <a:schemeClr val="bg1">
-                        <a:lumMod val="50000"/>
-                      </a:schemeClr>
-                    </a:solidFill>
-                    <a:latin typeface="Palatino" pitchFamily="2" charset="77"/>
-                    <a:ea typeface="Palatino" pitchFamily="2" charset="77"/>
-                  </a:rPr>
-                  <a:t>th</a:t>
-                </a:r>
-                <a:r>
-                  <a:rPr lang="en-GB" sz="1600" dirty="0">
-                    <a:solidFill>
-                      <a:schemeClr val="bg1">
-                        <a:lumMod val="50000"/>
-                      </a:schemeClr>
-                    </a:solidFill>
-                    <a:latin typeface="Palatino" pitchFamily="2" charset="77"/>
-                    <a:ea typeface="Palatino" pitchFamily="2" charset="77"/>
-                  </a:rPr>
-                  <a:t> 4</a:t>
-                </a:r>
-                <a:r>
-                  <a:rPr lang="en-GB" sz="1600" baseline="30000" dirty="0">
-                    <a:solidFill>
-                      <a:schemeClr val="bg1">
-                        <a:lumMod val="50000"/>
-                      </a:schemeClr>
-                    </a:solidFill>
-                    <a:latin typeface="Palatino" pitchFamily="2" charset="77"/>
-                    <a:ea typeface="Palatino" pitchFamily="2" charset="77"/>
-                  </a:rPr>
-                  <a:t>th</a:t>
-                </a:r>
-                <a:r>
-                  <a:rPr lang="en-GB" sz="1600" dirty="0">
-                    <a:solidFill>
-                      <a:schemeClr val="bg1">
-                        <a:lumMod val="50000"/>
-                      </a:schemeClr>
-                    </a:solidFill>
-                    <a:latin typeface="Palatino" pitchFamily="2" charset="77"/>
-                    <a:ea typeface="Palatino" pitchFamily="2" charset="77"/>
-                  </a:rPr>
-                  <a:t>, 4</a:t>
-                </a:r>
-                <a:r>
-                  <a:rPr lang="en-GB" sz="1600" baseline="30000" dirty="0">
-                    <a:solidFill>
-                      <a:schemeClr val="bg1">
-                        <a:lumMod val="50000"/>
-                      </a:schemeClr>
-                    </a:solidFill>
-                    <a:latin typeface="Palatino" pitchFamily="2" charset="77"/>
-                    <a:ea typeface="Palatino" pitchFamily="2" charset="77"/>
-                  </a:rPr>
-                  <a:t>th</a:t>
-                </a:r>
-                <a:r>
-                  <a:rPr lang="en-GB" sz="1600" dirty="0">
-                    <a:solidFill>
-                      <a:schemeClr val="bg1">
-                        <a:lumMod val="50000"/>
-                      </a:schemeClr>
-                    </a:solidFill>
-                    <a:latin typeface="Palatino" pitchFamily="2" charset="77"/>
-                    <a:ea typeface="Palatino" pitchFamily="2" charset="77"/>
-                  </a:rPr>
-                  <a:t>, 4</a:t>
-                </a:r>
-                <a:r>
-                  <a:rPr lang="en-GB" sz="1600" baseline="30000" dirty="0">
-                    <a:solidFill>
-                      <a:schemeClr val="bg1">
-                        <a:lumMod val="50000"/>
-                      </a:schemeClr>
-                    </a:solidFill>
-                    <a:latin typeface="Palatino" pitchFamily="2" charset="77"/>
-                    <a:ea typeface="Palatino" pitchFamily="2" charset="77"/>
-                  </a:rPr>
-                  <a:t>th</a:t>
-                </a:r>
-                <a:r>
-                  <a:rPr lang="en-GB" sz="1600" dirty="0">
-                    <a:solidFill>
-                      <a:schemeClr val="bg1">
-                        <a:lumMod val="50000"/>
-                      </a:schemeClr>
-                    </a:solidFill>
-                    <a:latin typeface="Palatino" pitchFamily="2" charset="77"/>
-                    <a:ea typeface="Palatino" pitchFamily="2" charset="77"/>
-                  </a:rPr>
-                  <a:t>)</a:t>
-                </a:r>
-              </a:p>
-              <a:p>
-                <a:pPr marL="0" indent="0">
-                  <a:spcBef>
-                    <a:spcPts val="0"/>
-                  </a:spcBef>
-                  <a:buNone/>
-                </a:pPr>
-                <a:r>
-                  <a:rPr lang="en-GB" sz="1600" dirty="0">
-                    <a:solidFill>
-                      <a:schemeClr val="bg1">
-                        <a:lumMod val="50000"/>
-                      </a:schemeClr>
-                    </a:solidFill>
-                    <a:latin typeface="Palatino" pitchFamily="2" charset="77"/>
-                    <a:ea typeface="Palatino" pitchFamily="2" charset="77"/>
-                  </a:rPr>
-                  <a:t>Expected total reward: 1.19M</a:t>
-                </a:r>
-              </a:p>
-              <a:p>
-                <a:pPr marL="0" indent="0">
-                  <a:spcBef>
-                    <a:spcPts val="0"/>
-                  </a:spcBef>
-                  <a:buNone/>
-                </a:pPr>
-                <a:endParaRPr lang="en-GB" sz="1600" dirty="0">
-                  <a:solidFill>
-                    <a:schemeClr val="bg1">
-                      <a:lumMod val="50000"/>
-                    </a:schemeClr>
-                  </a:solidFill>
-                  <a:latin typeface="Palatino" pitchFamily="2" charset="77"/>
-                  <a:ea typeface="Palatino" pitchFamily="2" charset="77"/>
-                </a:endParaRPr>
-              </a:p>
-            </p:txBody>
-          </p:sp>
-        </mc:Choice>
-        <mc:Fallback xmlns="">
-          <p:sp>
-            <p:nvSpPr>
-              <p:cNvPr id="3" name="Content Placeholder 2">
-                <a:extLst>
-                  <a:ext uri="{FF2B5EF4-FFF2-40B4-BE49-F238E27FC236}">
-                    <a16:creationId xmlns:a16="http://schemas.microsoft.com/office/drawing/2014/main" id="{E58F1A96-CCDA-500A-16D8-D962B05DA196}"/>
-                  </a:ext>
-                </a:extLst>
-              </p:cNvPr>
-              <p:cNvSpPr>
-                <a:spLocks noGrp="1" noRot="1" noChangeAspect="1" noMove="1" noResize="1" noEditPoints="1" noAdjustHandles="1" noChangeArrowheads="1" noChangeShapeType="1" noTextEdit="1"/>
-              </p:cNvSpPr>
-              <p:nvPr>
-                <p:ph idx="1"/>
-              </p:nvPr>
-            </p:nvSpPr>
-            <p:spPr>
-              <a:xfrm>
-                <a:off x="838200" y="1668323"/>
-                <a:ext cx="10620737" cy="1942978"/>
-              </a:xfrm>
-              <a:blipFill>
-                <a:blip r:embed="rId2"/>
-                <a:stretch>
-                  <a:fillRect l="-956" t="-4545"/>
-                </a:stretch>
-              </a:blipFill>
-            </p:spPr>
-            <p:txBody>
-              <a:bodyPr/>
-              <a:lstStyle/>
-              <a:p>
-                <a:r>
-                  <a:rPr lang="en-IT">
-                    <a:noFill/>
-                  </a:rPr>
-                  <a:t> </a:t>
-                </a:r>
-              </a:p>
-            </p:txBody>
-          </p:sp>
-        </mc:Fallback>
-      </mc:AlternateContent>
-      <p:pic>
-        <p:nvPicPr>
-          <p:cNvPr id="6" name="Picture 5">
-            <a:extLst>
-              <a:ext uri="{FF2B5EF4-FFF2-40B4-BE49-F238E27FC236}">
-                <a16:creationId xmlns:a16="http://schemas.microsoft.com/office/drawing/2014/main" id="{0F8DF7FC-1EA0-6FA3-E7D5-02B4E8693F5C}"/>
-              </a:ext>
-            </a:extLst>
-          </p:cNvPr>
-          <p:cNvPicPr>
-            <a:picLocks noChangeAspect="1"/>
-          </p:cNvPicPr>
-          <p:nvPr/>
-        </p:nvPicPr>
-        <p:blipFill>
-          <a:blip r:embed="rId3"/>
-          <a:stretch>
-            <a:fillRect/>
-          </a:stretch>
-        </p:blipFill>
-        <p:spPr>
-          <a:xfrm>
-            <a:off x="4671855" y="3824125"/>
-            <a:ext cx="6787082" cy="2731103"/>
-          </a:xfrm>
-          <a:prstGeom prst="rect">
-            <a:avLst/>
-          </a:prstGeom>
-        </p:spPr>
-      </p:pic>
-      <p:sp>
-        <p:nvSpPr>
-          <p:cNvPr id="7" name="TextBox 6">
-            <a:extLst>
-              <a:ext uri="{FF2B5EF4-FFF2-40B4-BE49-F238E27FC236}">
-                <a16:creationId xmlns:a16="http://schemas.microsoft.com/office/drawing/2014/main" id="{F797EE72-E930-8FBF-1134-2DA5F19AC91D}"/>
-              </a:ext>
-            </a:extLst>
-          </p:cNvPr>
-          <p:cNvSpPr txBox="1"/>
-          <p:nvPr/>
-        </p:nvSpPr>
-        <p:spPr>
-          <a:xfrm>
-            <a:off x="838200" y="3824125"/>
-            <a:ext cx="3513881" cy="2923877"/>
-          </a:xfrm>
-          <a:prstGeom prst="rect">
-            <a:avLst/>
-          </a:prstGeom>
-          <a:noFill/>
-        </p:spPr>
-        <p:txBody>
-          <a:bodyPr wrap="square" rtlCol="0">
-            <a:spAutoFit/>
-          </a:bodyPr>
-          <a:lstStyle/>
-          <a:p>
-            <a:pPr>
-              <a:spcAft>
-                <a:spcPts val="1200"/>
-              </a:spcAft>
-            </a:pPr>
-            <a:r>
-              <a:rPr lang="en-IT" sz="2400" dirty="0">
-                <a:latin typeface="Palatino" pitchFamily="2" charset="77"/>
-                <a:ea typeface="Palatino" pitchFamily="2" charset="77"/>
-              </a:rPr>
-              <a:t>Regret</a:t>
-            </a:r>
-          </a:p>
-          <a:p>
-            <a:pPr>
-              <a:spcAft>
-                <a:spcPts val="1200"/>
-              </a:spcAft>
-            </a:pPr>
-            <a:r>
-              <a:rPr lang="en-GB" sz="1600" dirty="0">
-                <a:solidFill>
-                  <a:schemeClr val="bg1">
-                    <a:lumMod val="50000"/>
-                  </a:schemeClr>
-                </a:solidFill>
-                <a:latin typeface="Palatino" pitchFamily="2" charset="77"/>
-                <a:ea typeface="Palatino" pitchFamily="2" charset="77"/>
-              </a:rPr>
-              <a:t>The </a:t>
-            </a:r>
-            <a:r>
-              <a:rPr lang="en-GB" sz="1600" i="1" dirty="0">
-                <a:solidFill>
-                  <a:schemeClr val="bg1">
-                    <a:lumMod val="50000"/>
-                  </a:schemeClr>
-                </a:solidFill>
-                <a:latin typeface="Palatino" pitchFamily="2" charset="77"/>
-                <a:ea typeface="Palatino" pitchFamily="2" charset="77"/>
-              </a:rPr>
-              <a:t>regret </a:t>
-            </a:r>
-            <a:r>
-              <a:rPr lang="en-GB" sz="1600" dirty="0">
-                <a:solidFill>
-                  <a:schemeClr val="bg1">
-                    <a:lumMod val="50000"/>
-                  </a:schemeClr>
-                </a:solidFill>
-                <a:latin typeface="Palatino" pitchFamily="2" charset="77"/>
-                <a:ea typeface="Palatino" pitchFamily="2" charset="77"/>
-              </a:rPr>
-              <a:t>against our </a:t>
-            </a:r>
-            <a:r>
-              <a:rPr lang="en-GB" sz="1600" i="1" dirty="0">
-                <a:solidFill>
-                  <a:schemeClr val="bg1">
-                    <a:lumMod val="50000"/>
-                  </a:schemeClr>
-                </a:solidFill>
-                <a:latin typeface="Palatino" pitchFamily="2" charset="77"/>
-                <a:ea typeface="Palatino" pitchFamily="2" charset="77"/>
-              </a:rPr>
-              <a:t>BAMPC </a:t>
-            </a:r>
-            <a:r>
-              <a:rPr lang="en-GB" sz="1600" dirty="0">
-                <a:solidFill>
-                  <a:schemeClr val="bg1">
-                    <a:lumMod val="50000"/>
-                  </a:schemeClr>
-                </a:solidFill>
-                <a:latin typeface="Palatino" pitchFamily="2" charset="77"/>
-                <a:ea typeface="Palatino" pitchFamily="2" charset="77"/>
-              </a:rPr>
-              <a:t>appears super-linear due to the dynamic budget constraint behaviour </a:t>
-            </a:r>
-          </a:p>
-          <a:p>
-            <a:pPr>
-              <a:spcAft>
-                <a:spcPts val="1200"/>
-              </a:spcAft>
-            </a:pPr>
-            <a:r>
-              <a:rPr lang="en-GB" sz="1600" dirty="0">
-                <a:solidFill>
-                  <a:schemeClr val="bg1">
-                    <a:lumMod val="50000"/>
-                  </a:schemeClr>
-                </a:solidFill>
-                <a:latin typeface="Palatino" pitchFamily="2" charset="77"/>
-                <a:ea typeface="Palatino" pitchFamily="2" charset="77"/>
-              </a:rPr>
-              <a:t>Despite its look in the plot, it is</a:t>
-            </a:r>
-            <a:br>
-              <a:rPr lang="en-GB" sz="1600" dirty="0">
-                <a:solidFill>
-                  <a:schemeClr val="bg1">
-                    <a:lumMod val="50000"/>
-                  </a:schemeClr>
-                </a:solidFill>
-                <a:latin typeface="Palatino" pitchFamily="2" charset="77"/>
-                <a:ea typeface="Palatino" pitchFamily="2" charset="77"/>
-              </a:rPr>
-            </a:br>
-            <a:r>
-              <a:rPr lang="en-GB" sz="1600" dirty="0">
-                <a:solidFill>
-                  <a:schemeClr val="bg1">
-                    <a:lumMod val="50000"/>
-                  </a:schemeClr>
-                </a:solidFill>
-                <a:latin typeface="Palatino" pitchFamily="2" charset="77"/>
-                <a:ea typeface="Palatino" pitchFamily="2" charset="77"/>
-              </a:rPr>
-              <a:t>surprisingly low: less than 10% for this instance</a:t>
-            </a:r>
-          </a:p>
-          <a:p>
-            <a:endParaRPr lang="en-IT" dirty="0"/>
-          </a:p>
-        </p:txBody>
-      </p:sp>
-    </p:spTree>
-    <p:extLst>
-      <p:ext uri="{BB962C8B-B14F-4D97-AF65-F5344CB8AC3E}">
-        <p14:creationId xmlns:p14="http://schemas.microsoft.com/office/powerpoint/2010/main" val="1919803310"/>
-      </p:ext>
-    </p:extLst>
-  </p:cSld>
-  <p:clrMapOvr>
-    <a:masterClrMapping/>
-  </p:clrMapOvr>
-</p:sld>
-</file>
-
-<file path=ppt/slides/slide31.xml><?xml version="1.0" encoding="utf-8"?>
-<p:sld xmlns:a="http://schemas.openxmlformats.org/drawingml/2006/main" xmlns:r="http://schemas.openxmlformats.org/officeDocument/2006/relationships" xmlns:p="http://schemas.openxmlformats.org/presentationml/2006/main">
-  <p:cSld>
-    <p:spTree>
-      <p:nvGrpSpPr>
-        <p:cNvPr id="1" name="">
-          <a:extLst>
-            <a:ext uri="{FF2B5EF4-FFF2-40B4-BE49-F238E27FC236}">
-              <a16:creationId xmlns:a16="http://schemas.microsoft.com/office/drawing/2014/main" id="{408AC19B-CCA8-D890-A0A2-0D4F833A93C4}"/>
-            </a:ext>
-          </a:extLst>
-        </p:cNvPr>
-        <p:cNvGrpSpPr/>
-        <p:nvPr/>
-      </p:nvGrpSpPr>
-      <p:grpSpPr>
-        <a:xfrm>
-          <a:off x="0" y="0"/>
-          <a:ext cx="0" cy="0"/>
-          <a:chOff x="0" y="0"/>
-          <a:chExt cx="0" cy="0"/>
-        </a:xfrm>
-      </p:grpSpPr>
-      <p:sp>
-        <p:nvSpPr>
-          <p:cNvPr id="2" name="Title 1">
-            <a:extLst>
-              <a:ext uri="{FF2B5EF4-FFF2-40B4-BE49-F238E27FC236}">
-                <a16:creationId xmlns:a16="http://schemas.microsoft.com/office/drawing/2014/main" id="{A392043B-3804-61AC-F558-E1AC94BDEB01}"/>
-              </a:ext>
-            </a:extLst>
-          </p:cNvPr>
-          <p:cNvSpPr>
-            <a:spLocks noGrp="1"/>
-          </p:cNvSpPr>
-          <p:nvPr>
-            <p:ph type="title"/>
-          </p:nvPr>
-        </p:nvSpPr>
-        <p:spPr/>
-        <p:txBody>
-          <a:bodyPr/>
-          <a:lstStyle/>
-          <a:p>
-            <a:r>
-              <a:rPr lang="en-IT" dirty="0">
-                <a:latin typeface="Palatino" pitchFamily="2" charset="77"/>
-                <a:ea typeface="Palatino" pitchFamily="2" charset="77"/>
-              </a:rPr>
-              <a:t>Performance Analysis</a:t>
-            </a:r>
-          </a:p>
-        </p:txBody>
-      </p:sp>
-      <p:sp>
-        <p:nvSpPr>
-          <p:cNvPr id="3" name="Content Placeholder 2">
-            <a:extLst>
-              <a:ext uri="{FF2B5EF4-FFF2-40B4-BE49-F238E27FC236}">
-                <a16:creationId xmlns:a16="http://schemas.microsoft.com/office/drawing/2014/main" id="{D7070426-0DB2-9AED-7563-6964C7A2B4B1}"/>
-              </a:ext>
-            </a:extLst>
-          </p:cNvPr>
-          <p:cNvSpPr>
-            <a:spLocks noGrp="1"/>
-          </p:cNvSpPr>
-          <p:nvPr>
-            <p:ph idx="1"/>
-          </p:nvPr>
-        </p:nvSpPr>
-        <p:spPr>
-          <a:xfrm>
-            <a:off x="838199" y="1668323"/>
-            <a:ext cx="10146175" cy="1325563"/>
-          </a:xfrm>
-        </p:spPr>
-        <p:txBody>
-          <a:bodyPr>
-            <a:noAutofit/>
-          </a:bodyPr>
-          <a:lstStyle/>
-          <a:p>
-            <a:pPr marL="0" indent="0">
-              <a:spcBef>
-                <a:spcPts val="0"/>
-              </a:spcBef>
-              <a:spcAft>
-                <a:spcPts val="1200"/>
-              </a:spcAft>
-              <a:buNone/>
-            </a:pPr>
-            <a:r>
-              <a:rPr lang="it-IT" sz="2400" dirty="0">
-                <a:latin typeface="Palatino" pitchFamily="2" charset="77"/>
-                <a:ea typeface="Palatino" pitchFamily="2" charset="77"/>
-              </a:rPr>
-              <a:t>Learning Quality</a:t>
-            </a:r>
-          </a:p>
-          <a:p>
-            <a:pPr marL="0" indent="0">
-              <a:spcBef>
-                <a:spcPts val="0"/>
-              </a:spcBef>
-              <a:spcAft>
-                <a:spcPts val="1200"/>
-              </a:spcAft>
-              <a:buNone/>
-            </a:pPr>
-            <a:r>
-              <a:rPr lang="en-GB" sz="1800" i="1" dirty="0">
-                <a:solidFill>
-                  <a:schemeClr val="bg1">
-                    <a:lumMod val="50000"/>
-                  </a:schemeClr>
-                </a:solidFill>
-                <a:latin typeface="Palatino" pitchFamily="2" charset="77"/>
-                <a:ea typeface="Palatino" pitchFamily="2" charset="77"/>
-              </a:rPr>
-              <a:t>Our algorithm successfully converges to our “Per-round Budget-aware Mixed-Policy Clairvoyant” </a:t>
-            </a:r>
-            <a:r>
-              <a:rPr lang="en-GB" sz="1800" dirty="0">
-                <a:solidFill>
-                  <a:schemeClr val="bg1">
-                    <a:lumMod val="50000"/>
-                  </a:schemeClr>
-                </a:solidFill>
-                <a:latin typeface="Palatino" pitchFamily="2" charset="77"/>
-                <a:ea typeface="Palatino" pitchFamily="2" charset="77"/>
-              </a:rPr>
-              <a:t>optimal policy.</a:t>
-            </a:r>
-          </a:p>
-        </p:txBody>
-      </p:sp>
-      <p:pic>
-        <p:nvPicPr>
-          <p:cNvPr id="4" name="Picture 3">
-            <a:extLst>
-              <a:ext uri="{FF2B5EF4-FFF2-40B4-BE49-F238E27FC236}">
-                <a16:creationId xmlns:a16="http://schemas.microsoft.com/office/drawing/2014/main" id="{E6B13B23-2D8A-EE99-2EEA-2F8469EC3813}"/>
-              </a:ext>
-            </a:extLst>
-          </p:cNvPr>
-          <p:cNvPicPr>
-            <a:picLocks noChangeAspect="1"/>
-          </p:cNvPicPr>
-          <p:nvPr/>
-        </p:nvPicPr>
-        <p:blipFill>
-          <a:blip r:embed="rId2"/>
-          <a:stretch>
-            <a:fillRect/>
-          </a:stretch>
-        </p:blipFill>
-        <p:spPr>
-          <a:xfrm>
-            <a:off x="3223061" y="3102015"/>
-            <a:ext cx="5745877" cy="3309837"/>
-          </a:xfrm>
-          <a:prstGeom prst="rect">
-            <a:avLst/>
-          </a:prstGeom>
-        </p:spPr>
-      </p:pic>
-    </p:spTree>
-    <p:extLst>
-      <p:ext uri="{BB962C8B-B14F-4D97-AF65-F5344CB8AC3E}">
-        <p14:creationId xmlns:p14="http://schemas.microsoft.com/office/powerpoint/2010/main" val="2791515396"/>
-      </p:ext>
-    </p:extLst>
-  </p:cSld>
-  <p:clrMapOvr>
-    <a:masterClrMapping/>
-  </p:clrMapOvr>
-</p:sld>
-</file>
-
-<file path=ppt/slides/slide32.xml><?xml version="1.0" encoding="utf-8"?>
 <p:sld xmlns:a="http://schemas.openxmlformats.org/drawingml/2006/main" xmlns:r="http://schemas.openxmlformats.org/officeDocument/2006/relationships" xmlns:p="http://schemas.openxmlformats.org/presentationml/2006/main">
   <p:cSld>
     <p:spTree>
@@ -14283,7 +13484,7 @@
                 <a:latin typeface="Palatino" pitchFamily="2" charset="77"/>
                 <a:ea typeface="Palatino" pitchFamily="2" charset="77"/>
               </a:rPr>
-              <a:t>Setting</a:t>
+              <a:t>Setting - General</a:t>
             </a:r>
             <a:endParaRPr lang="en-IT" dirty="0">
               <a:latin typeface="Palatino" pitchFamily="2" charset="77"/>
@@ -14386,7 +13587,7 @@
                 <a:latin typeface="Palatino" pitchFamily="2" charset="77"/>
                 <a:ea typeface="Palatino" pitchFamily="2" charset="77"/>
               </a:rPr>
-              <a:t>Environment</a:t>
+              <a:t>Environment - General</a:t>
             </a:r>
           </a:p>
         </p:txBody>
@@ -15502,13 +14703,13 @@
                 <a:latin typeface="Palatino" pitchFamily="2" charset="77"/>
                 <a:ea typeface="Palatino" pitchFamily="2" charset="77"/>
               </a:rPr>
-              <a:t>Feedback</a:t>
+              <a:t>Feedback - General</a:t>
             </a:r>
           </a:p>
         </p:txBody>
       </p:sp>
-      <mc:AlternateContent xmlns:mc="http://schemas.openxmlformats.org/markup-compatibility/2006" xmlns:a14="http://schemas.microsoft.com/office/drawing/2010/main">
-        <mc:Choice Requires="a14">
+      <mc:AlternateContent xmlns:mc="http://schemas.openxmlformats.org/markup-compatibility/2006">
+        <mc:Choice xmlns:a14="http://schemas.microsoft.com/office/drawing/2010/main" Requires="a14">
           <p:sp>
             <p:nvSpPr>
               <p:cNvPr id="5" name="TextBox 4">
@@ -15524,7 +14725,7 @@
             <p:spPr>
               <a:xfrm>
                 <a:off x="838200" y="1690688"/>
-                <a:ext cx="10786242" cy="3093154"/>
+                <a:ext cx="10786242" cy="3816429"/>
               </a:xfrm>
               <a:prstGeom prst="rect">
                 <a:avLst/>
@@ -15740,7 +14941,7 @@
                     <a:latin typeface="Palatino" pitchFamily="2" charset="77"/>
                     <a:ea typeface="Palatino" pitchFamily="2" charset="77"/>
                   </a:rPr>
-                  <a:t>We found out a good reasonable value for such scaling constant to be </a:t>
+                  <a:t>We found out a reasonable value for the reward upper bound to be </a:t>
                 </a:r>
                 <a14:m>
                   <m:oMath xmlns:m="http://schemas.openxmlformats.org/officeDocument/2006/math">
@@ -15907,7 +15108,114 @@
                     <a:spcPts val="600"/>
                   </a:spcAft>
                 </a:pPr>
-                <a:endParaRPr lang="en-IT" baseline="-25000" dirty="0">
+                <a:r>
+                  <a:rPr lang="en-IT" dirty="0">
+                    <a:solidFill>
+                      <a:schemeClr val="bg1">
+                        <a:lumMod val="50000"/>
+                      </a:schemeClr>
+                    </a:solidFill>
+                    <a:latin typeface="Palatino" pitchFamily="2" charset="77"/>
+                    <a:ea typeface="Palatino" pitchFamily="2" charset="77"/>
+                  </a:rPr>
+                  <a:t>And for the cost lower bound</a:t>
+                </a:r>
+                <a14:m>
+                  <m:oMath xmlns:m="http://schemas.openxmlformats.org/officeDocument/2006/math">
+                    <m:r>
+                      <a:rPr lang="it-IT" b="0" i="0" dirty="0" smtClean="0">
+                        <a:solidFill>
+                          <a:schemeClr val="bg1">
+                            <a:lumMod val="50000"/>
+                          </a:schemeClr>
+                        </a:solidFill>
+                        <a:latin typeface="Cambria Math" panose="02040503050406030204" pitchFamily="18" charset="0"/>
+                        <a:ea typeface="Palatino" pitchFamily="2" charset="77"/>
+                      </a:rPr>
+                      <m:t> </m:t>
+                    </m:r>
+                    <m:r>
+                      <m:rPr>
+                        <m:sty m:val="p"/>
+                      </m:rPr>
+                      <a:rPr lang="it-IT" b="0" i="0" dirty="0" smtClean="0">
+                        <a:solidFill>
+                          <a:schemeClr val="bg1">
+                            <a:lumMod val="50000"/>
+                          </a:schemeClr>
+                        </a:solidFill>
+                        <a:latin typeface="Cambria Math" panose="02040503050406030204" pitchFamily="18" charset="0"/>
+                        <a:ea typeface="Palatino" pitchFamily="2" charset="77"/>
+                      </a:rPr>
+                      <m:t>C</m:t>
+                    </m:r>
+                    <m:r>
+                      <a:rPr lang="it-IT" b="0" i="0" dirty="0" smtClean="0">
+                        <a:solidFill>
+                          <a:schemeClr val="bg1">
+                            <a:lumMod val="50000"/>
+                          </a:schemeClr>
+                        </a:solidFill>
+                        <a:latin typeface="Cambria Math" panose="02040503050406030204" pitchFamily="18" charset="0"/>
+                        <a:ea typeface="Palatino" pitchFamily="2" charset="77"/>
+                      </a:rPr>
+                      <m:t>=</m:t>
+                    </m:r>
+                    <m:r>
+                      <a:rPr lang="en-GB" i="1" dirty="0">
+                        <a:solidFill>
+                          <a:schemeClr val="bg1">
+                            <a:lumMod val="50000"/>
+                          </a:schemeClr>
+                        </a:solidFill>
+                        <a:latin typeface="Cambria Math" panose="02040503050406030204" pitchFamily="18" charset="0"/>
+                      </a:rPr>
+                      <m:t>𝑛</m:t>
+                    </m:r>
+                    <m:r>
+                      <a:rPr lang="en-GB" i="1" baseline="-25000" dirty="0" err="1">
+                        <a:solidFill>
+                          <a:schemeClr val="bg1">
+                            <a:lumMod val="50000"/>
+                          </a:schemeClr>
+                        </a:solidFill>
+                        <a:latin typeface="Cambria Math" panose="02040503050406030204" pitchFamily="18" charset="0"/>
+                      </a:rPr>
+                      <m:t>𝑡</m:t>
+                    </m:r>
+                  </m:oMath>
+                </a14:m>
+                <a:br>
+                  <a:rPr lang="it-IT" dirty="0">
+                    <a:solidFill>
+                      <a:schemeClr val="bg1">
+                        <a:lumMod val="50000"/>
+                      </a:schemeClr>
+                    </a:solidFill>
+                    <a:latin typeface="Palatino" pitchFamily="2" charset="77"/>
+                    <a:ea typeface="Palatino" pitchFamily="2" charset="77"/>
+                  </a:rPr>
+                </a:br>
+                <a:r>
+                  <a:rPr lang="en-IT" sz="1400" dirty="0">
+                    <a:solidFill>
+                      <a:schemeClr val="bg1">
+                        <a:lumMod val="50000"/>
+                      </a:schemeClr>
+                    </a:solidFill>
+                    <a:latin typeface="Palatino" pitchFamily="2" charset="77"/>
+                    <a:ea typeface="Palatino" pitchFamily="2" charset="77"/>
+                  </a:rPr>
+                  <a:t>but we will discuss this constant factor further later on</a:t>
+                </a:r>
+              </a:p>
+              <a:p>
+                <a:pPr>
+                  <a:spcAft>
+                    <a:spcPts val="600"/>
+                  </a:spcAft>
+                </a:pPr>
+                <a:endParaRPr lang="en-IT" dirty="0">
                   <a:solidFill>
                     <a:schemeClr val="bg1">
                       <a:lumMod val="50000"/>
@@ -15920,7 +15228,7 @@
             </p:txBody>
           </p:sp>
         </mc:Choice>
-        <mc:Fallback xmlns="">
+        <mc:Fallback>
           <p:sp>
             <p:nvSpPr>
               <p:cNvPr id="5" name="TextBox 4">
@@ -15938,7 +15246,7 @@
             <p:spPr>
               <a:xfrm>
                 <a:off x="838200" y="1690688"/>
-                <a:ext cx="10786242" cy="3093154"/>
+                <a:ext cx="10786242" cy="3816429"/>
               </a:xfrm>
               <a:prstGeom prst="rect">
                 <a:avLst/>
@@ -15946,7 +15254,7 @@
               <a:blipFill>
                 <a:blip r:embed="rId3"/>
                 <a:stretch>
-                  <a:fillRect l="-941" t="-1224"/>
+                  <a:fillRect l="-941" t="-993"/>
                 </a:stretch>
               </a:blipFill>
             </p:spPr>
@@ -15979,296 +15287,6 @@
 </file>
 
 <file path=ppt/slides/slide7.xml><?xml version="1.0" encoding="utf-8"?>
-<p:sld xmlns:a="http://schemas.openxmlformats.org/drawingml/2006/main" xmlns:r="http://schemas.openxmlformats.org/officeDocument/2006/relationships" xmlns:p="http://schemas.openxmlformats.org/presentationml/2006/main">
-  <p:cSld>
-    <p:spTree>
-      <p:nvGrpSpPr>
-        <p:cNvPr id="1" name="">
-          <a:extLst>
-            <a:ext uri="{FF2B5EF4-FFF2-40B4-BE49-F238E27FC236}">
-              <a16:creationId xmlns:a16="http://schemas.microsoft.com/office/drawing/2014/main" id="{5B34DAB1-A50F-FD9E-196B-C8A7DAEDA8FA}"/>
-            </a:ext>
-          </a:extLst>
-        </p:cNvPr>
-        <p:cNvGrpSpPr/>
-        <p:nvPr/>
-      </p:nvGrpSpPr>
-      <p:grpSpPr>
-        <a:xfrm>
-          <a:off x="0" y="0"/>
-          <a:ext cx="0" cy="0"/>
-          <a:chOff x="0" y="0"/>
-          <a:chExt cx="0" cy="0"/>
-        </a:xfrm>
-      </p:grpSpPr>
-      <p:sp>
-        <p:nvSpPr>
-          <p:cNvPr id="2" name="Title 1">
-            <a:extLst>
-              <a:ext uri="{FF2B5EF4-FFF2-40B4-BE49-F238E27FC236}">
-                <a16:creationId xmlns:a16="http://schemas.microsoft.com/office/drawing/2014/main" id="{B5B97F16-2EEB-74C1-A199-B225762DA8B9}"/>
-              </a:ext>
-            </a:extLst>
-          </p:cNvPr>
-          <p:cNvSpPr>
-            <a:spLocks noGrp="1"/>
-          </p:cNvSpPr>
-          <p:nvPr>
-            <p:ph type="title"/>
-          </p:nvPr>
-        </p:nvSpPr>
-        <p:spPr/>
-        <p:txBody>
-          <a:bodyPr/>
-          <a:lstStyle/>
-          <a:p>
-            <a:r>
-              <a:rPr lang="en-IT" dirty="0">
-                <a:latin typeface="Palatino" pitchFamily="2" charset="77"/>
-                <a:ea typeface="Palatino" pitchFamily="2" charset="77"/>
-              </a:rPr>
-              <a:t>Performance Analysis</a:t>
-            </a:r>
-          </a:p>
-        </p:txBody>
-      </p:sp>
-      <p:sp>
-        <p:nvSpPr>
-          <p:cNvPr id="5" name="TextBox 4">
-            <a:extLst>
-              <a:ext uri="{FF2B5EF4-FFF2-40B4-BE49-F238E27FC236}">
-                <a16:creationId xmlns:a16="http://schemas.microsoft.com/office/drawing/2014/main" id="{58BCFE19-8E03-B92B-70E6-A9F83C8B5558}"/>
-              </a:ext>
-            </a:extLst>
-          </p:cNvPr>
-          <p:cNvSpPr txBox="1"/>
-          <p:nvPr/>
-        </p:nvSpPr>
-        <p:spPr>
-          <a:xfrm>
-            <a:off x="838200" y="1878535"/>
-            <a:ext cx="5474465" cy="1508105"/>
-          </a:xfrm>
-          <a:prstGeom prst="rect">
-            <a:avLst/>
-          </a:prstGeom>
-          <a:noFill/>
-        </p:spPr>
-        <p:txBody>
-          <a:bodyPr wrap="square" rtlCol="0">
-            <a:spAutoFit/>
-          </a:bodyPr>
-          <a:lstStyle/>
-          <a:p>
-            <a:pPr>
-              <a:spcAft>
-                <a:spcPts val="1200"/>
-              </a:spcAft>
-            </a:pPr>
-            <a:r>
-              <a:rPr lang="en-IT" sz="2400" dirty="0">
-                <a:latin typeface="Palatino" pitchFamily="2" charset="77"/>
-                <a:ea typeface="Palatino" pitchFamily="2" charset="77"/>
-              </a:rPr>
-              <a:t>Learning quality</a:t>
-            </a:r>
-          </a:p>
-          <a:p>
-            <a:pPr>
-              <a:spcAft>
-                <a:spcPts val="1200"/>
-              </a:spcAft>
-            </a:pPr>
-            <a:r>
-              <a:rPr lang="en-IT" sz="1600" dirty="0">
-                <a:solidFill>
-                  <a:schemeClr val="bg1">
-                    <a:lumMod val="50000"/>
-                  </a:schemeClr>
-                </a:solidFill>
-                <a:latin typeface="Palatino" pitchFamily="2" charset="77"/>
-                <a:ea typeface="Palatino" pitchFamily="2" charset="77"/>
-              </a:rPr>
-              <a:t>The algorithm effectively learns the best arm and mostly plays such arm.</a:t>
-            </a:r>
-          </a:p>
-          <a:p>
-            <a:pPr>
-              <a:spcAft>
-                <a:spcPts val="1200"/>
-              </a:spcAft>
-            </a:pPr>
-            <a:r>
-              <a:rPr lang="en-IT" sz="1600" dirty="0">
-                <a:solidFill>
-                  <a:schemeClr val="bg1">
-                    <a:lumMod val="50000"/>
-                  </a:schemeClr>
-                </a:solidFill>
-                <a:latin typeface="Palatino" pitchFamily="2" charset="77"/>
-                <a:ea typeface="Palatino" pitchFamily="2" charset="77"/>
-              </a:rPr>
-              <a:t>Shouldn’t it play it more? Is the convergence too slow?</a:t>
-            </a:r>
-          </a:p>
-        </p:txBody>
-      </p:sp>
-      <p:pic>
-        <p:nvPicPr>
-          <p:cNvPr id="3" name="Picture 2">
-            <a:extLst>
-              <a:ext uri="{FF2B5EF4-FFF2-40B4-BE49-F238E27FC236}">
-                <a16:creationId xmlns:a16="http://schemas.microsoft.com/office/drawing/2014/main" id="{6A1E6BC6-FBD1-123C-F9B5-4998291B217D}"/>
-              </a:ext>
-            </a:extLst>
-          </p:cNvPr>
-          <p:cNvPicPr>
-            <a:picLocks noChangeAspect="1"/>
-          </p:cNvPicPr>
-          <p:nvPr/>
-        </p:nvPicPr>
-        <p:blipFill>
-          <a:blip r:embed="rId3"/>
-          <a:stretch>
-            <a:fillRect/>
-          </a:stretch>
-        </p:blipFill>
-        <p:spPr>
-          <a:xfrm>
-            <a:off x="7378349" y="661012"/>
-            <a:ext cx="3703313" cy="2522546"/>
-          </a:xfrm>
-          <a:prstGeom prst="rect">
-            <a:avLst/>
-          </a:prstGeom>
-        </p:spPr>
-      </p:pic>
-      <p:pic>
-        <p:nvPicPr>
-          <p:cNvPr id="4" name="Picture 3">
-            <a:extLst>
-              <a:ext uri="{FF2B5EF4-FFF2-40B4-BE49-F238E27FC236}">
-                <a16:creationId xmlns:a16="http://schemas.microsoft.com/office/drawing/2014/main" id="{FF3B7A69-44E8-22E1-FEEA-EF9D14C866E7}"/>
-              </a:ext>
-            </a:extLst>
-          </p:cNvPr>
-          <p:cNvPicPr>
-            <a:picLocks noChangeAspect="1"/>
-          </p:cNvPicPr>
-          <p:nvPr/>
-        </p:nvPicPr>
-        <p:blipFill>
-          <a:blip r:embed="rId4"/>
-          <a:srcRect l="49017"/>
-          <a:stretch>
-            <a:fillRect/>
-          </a:stretch>
-        </p:blipFill>
-        <p:spPr>
-          <a:xfrm>
-            <a:off x="7293733" y="3564273"/>
-            <a:ext cx="3872547" cy="2813607"/>
-          </a:xfrm>
-          <a:prstGeom prst="rect">
-            <a:avLst/>
-          </a:prstGeom>
-        </p:spPr>
-      </p:pic>
-      <p:sp>
-        <p:nvSpPr>
-          <p:cNvPr id="7" name="TextBox 6">
-            <a:extLst>
-              <a:ext uri="{FF2B5EF4-FFF2-40B4-BE49-F238E27FC236}">
-                <a16:creationId xmlns:a16="http://schemas.microsoft.com/office/drawing/2014/main" id="{5776FCEE-A701-5450-29B5-88E9092BFDDC}"/>
-              </a:ext>
-            </a:extLst>
-          </p:cNvPr>
-          <p:cNvSpPr txBox="1"/>
-          <p:nvPr/>
-        </p:nvSpPr>
-        <p:spPr>
-          <a:xfrm>
-            <a:off x="838200" y="4016968"/>
-            <a:ext cx="6097836" cy="1508105"/>
-          </a:xfrm>
-          <a:prstGeom prst="rect">
-            <a:avLst/>
-          </a:prstGeom>
-          <a:noFill/>
-        </p:spPr>
-        <p:txBody>
-          <a:bodyPr wrap="square">
-            <a:spAutoFit/>
-          </a:bodyPr>
-          <a:lstStyle/>
-          <a:p>
-            <a:pPr>
-              <a:spcAft>
-                <a:spcPts val="1200"/>
-              </a:spcAft>
-            </a:pPr>
-            <a:r>
-              <a:rPr lang="en-IT" sz="2400" dirty="0">
-                <a:latin typeface="Palatino" pitchFamily="2" charset="77"/>
-                <a:ea typeface="Palatino" pitchFamily="2" charset="77"/>
-              </a:rPr>
-              <a:t>Learning time</a:t>
-            </a:r>
-          </a:p>
-          <a:p>
-            <a:pPr>
-              <a:spcAft>
-                <a:spcPts val="1200"/>
-              </a:spcAft>
-            </a:pPr>
-            <a:r>
-              <a:rPr lang="en-IT" sz="1600" dirty="0">
-                <a:solidFill>
-                  <a:schemeClr val="bg1">
-                    <a:lumMod val="50000"/>
-                  </a:schemeClr>
-                </a:solidFill>
-                <a:latin typeface="Palatino" pitchFamily="2" charset="77"/>
-                <a:ea typeface="Palatino" pitchFamily="2" charset="77"/>
-              </a:rPr>
-              <a:t>Actually, it manages to “find” the best arm pretty soon…</a:t>
-            </a:r>
-          </a:p>
-          <a:p>
-            <a:pPr>
-              <a:spcAft>
-                <a:spcPts val="1200"/>
-              </a:spcAft>
-            </a:pPr>
-            <a:r>
-              <a:rPr lang="en-IT" sz="1600" dirty="0">
-                <a:solidFill>
-                  <a:schemeClr val="bg1">
-                    <a:lumMod val="50000"/>
-                  </a:schemeClr>
-                </a:solidFill>
-                <a:latin typeface="Palatino" pitchFamily="2" charset="77"/>
-                <a:ea typeface="Palatino" pitchFamily="2" charset="77"/>
-              </a:rPr>
-              <a:t>It plays sub-optimal because it invests a lot in exploration: until the very end of the time horizon.</a:t>
-            </a:r>
-          </a:p>
-        </p:txBody>
-      </p:sp>
-    </p:spTree>
-    <p:extLst>
-      <p:ext uri="{BB962C8B-B14F-4D97-AF65-F5344CB8AC3E}">
-        <p14:creationId xmlns:p14="http://schemas.microsoft.com/office/powerpoint/2010/main" val="3535809371"/>
-      </p:ext>
-    </p:extLst>
-  </p:cSld>
-  <p:clrMapOvr>
-    <a:masterClrMapping/>
-  </p:clrMapOvr>
-</p:sld>
-</file>
-
-<file path=ppt/slides/slide8.xml><?xml version="1.0" encoding="utf-8"?>
 <p:sld xmlns:a="http://schemas.openxmlformats.org/drawingml/2006/main" xmlns:r="http://schemas.openxmlformats.org/officeDocument/2006/relationships" xmlns:p="http://schemas.openxmlformats.org/presentationml/2006/main">
   <p:cSld>
     <p:spTree>
@@ -16311,7 +15329,7 @@
                 <a:latin typeface="Palatino" pitchFamily="2" charset="77"/>
                 <a:ea typeface="Palatino" pitchFamily="2" charset="77"/>
               </a:rPr>
-              <a:t>Performance Analysis</a:t>
+              <a:t>Performance Analysis - General</a:t>
             </a:r>
           </a:p>
         </p:txBody>
@@ -16452,7 +15470,7 @@
 </p:sld>
 </file>
 
-<file path=ppt/slides/slide9.xml><?xml version="1.0" encoding="utf-8"?>
+<file path=ppt/slides/slide8.xml><?xml version="1.0" encoding="utf-8"?>
 <p:sld xmlns:a="http://schemas.openxmlformats.org/drawingml/2006/main" xmlns:r="http://schemas.openxmlformats.org/officeDocument/2006/relationships" xmlns:p="http://schemas.openxmlformats.org/presentationml/2006/main">
   <p:cSld>
     <p:spTree>
@@ -16460,7 +15478,7 @@
         <p:cNvPr id="1" name="">
           <a:extLst>
             <a:ext uri="{FF2B5EF4-FFF2-40B4-BE49-F238E27FC236}">
-              <a16:creationId xmlns:a16="http://schemas.microsoft.com/office/drawing/2014/main" id="{D539F162-2DBB-DA1D-FF77-801834A68D9F}"/>
+              <a16:creationId xmlns:a16="http://schemas.microsoft.com/office/drawing/2014/main" id="{7D125CEC-DD0D-8440-FCD3-6EC44A661FD3}"/>
             </a:ext>
           </a:extLst>
         </p:cNvPr>
@@ -16480,7 +15498,7 @@
           <p:cNvPr id="2" name="Title 1">
             <a:extLst>
               <a:ext uri="{FF2B5EF4-FFF2-40B4-BE49-F238E27FC236}">
-                <a16:creationId xmlns:a16="http://schemas.microsoft.com/office/drawing/2014/main" id="{49E3184A-22A1-3D9A-101D-6CCC2C4228E2}"/>
+                <a16:creationId xmlns:a16="http://schemas.microsoft.com/office/drawing/2014/main" id="{98D2BFAB-CCBA-0E21-2FDB-8FDE892D3486}"/>
               </a:ext>
             </a:extLst>
           </p:cNvPr>
@@ -16501,17 +15519,876 @@
                 <a:latin typeface="Palatino" pitchFamily="2" charset="77"/>
                 <a:ea typeface="Palatino" pitchFamily="2" charset="77"/>
               </a:rPr>
-              <a:t>Curiosity</a:t>
+              <a:t>Setting – How to deal with budget?</a:t>
             </a:r>
           </a:p>
         </p:txBody>
       </p:sp>
+      <mc:AlternateContent xmlns:mc="http://schemas.openxmlformats.org/markup-compatibility/2006">
+        <mc:Choice xmlns:a14="http://schemas.microsoft.com/office/drawing/2010/main" Requires="a14">
+          <p:sp>
+            <p:nvSpPr>
+              <p:cNvPr id="5" name="TextBox 4">
+                <a:extLst>
+                  <a:ext uri="{FF2B5EF4-FFF2-40B4-BE49-F238E27FC236}">
+                    <a16:creationId xmlns:a16="http://schemas.microsoft.com/office/drawing/2014/main" id="{518F4388-AF8A-7D54-7E24-8AC22017E460}"/>
+                  </a:ext>
+                </a:extLst>
+              </p:cNvPr>
+              <p:cNvSpPr txBox="1"/>
+              <p:nvPr/>
+            </p:nvSpPr>
+            <p:spPr>
+              <a:xfrm>
+                <a:off x="838200" y="1690688"/>
+                <a:ext cx="10786242" cy="4154984"/>
+              </a:xfrm>
+              <a:prstGeom prst="rect">
+                <a:avLst/>
+              </a:prstGeom>
+              <a:noFill/>
+            </p:spPr>
+            <p:txBody>
+              <a:bodyPr wrap="square" rtlCol="0">
+                <a:spAutoFit/>
+              </a:bodyPr>
+              <a:lstStyle/>
+              <a:p>
+                <a:pPr>
+                  <a:spcAft>
+                    <a:spcPts val="1200"/>
+                  </a:spcAft>
+                </a:pPr>
+                <a:r>
+                  <a:rPr lang="en-IT" dirty="0">
+                    <a:solidFill>
+                      <a:schemeClr val="bg1">
+                        <a:lumMod val="50000"/>
+                      </a:schemeClr>
+                    </a:solidFill>
+                    <a:latin typeface="Palatino" pitchFamily="2" charset="77"/>
+                    <a:ea typeface="Palatino" pitchFamily="2" charset="77"/>
+                  </a:rPr>
+                  <a:t>Assumptions</a:t>
+                </a:r>
+              </a:p>
+              <a:p>
+                <a:r>
+                  <a:rPr lang="en-IT" dirty="0">
+                    <a:solidFill>
+                      <a:schemeClr val="bg1">
+                        <a:lumMod val="50000"/>
+                      </a:schemeClr>
+                    </a:solidFill>
+                    <a:latin typeface="Palatino" pitchFamily="2" charset="77"/>
+                    <a:ea typeface="Palatino" pitchFamily="2" charset="77"/>
+                  </a:rPr>
+                  <a:t>Average buyer valuation </a:t>
+                </a:r>
+                <a:r>
+                  <a:rPr lang="en-IT" i="1" dirty="0">
+                    <a:solidFill>
+                      <a:schemeClr val="bg1">
+                        <a:lumMod val="50000"/>
+                      </a:schemeClr>
+                    </a:solidFill>
+                    <a:latin typeface="Palatino" pitchFamily="2" charset="77"/>
+                    <a:ea typeface="Palatino" pitchFamily="2" charset="77"/>
+                  </a:rPr>
+                  <a:t>v = 3.00€</a:t>
+                </a:r>
+              </a:p>
+              <a:p>
+                <a:r>
+                  <a:rPr lang="en-IT" dirty="0">
+                    <a:solidFill>
+                      <a:schemeClr val="bg1">
+                        <a:lumMod val="50000"/>
+                      </a:schemeClr>
+                    </a:solidFill>
+                    <a:latin typeface="Palatino" pitchFamily="2" charset="77"/>
+                    <a:ea typeface="Palatino" pitchFamily="2" charset="77"/>
+                  </a:rPr>
+                  <a:t>Single product production cost </a:t>
+                </a:r>
+                <a:r>
+                  <a:rPr lang="en-IT" i="1" dirty="0">
+                    <a:solidFill>
+                      <a:schemeClr val="bg1">
+                        <a:lumMod val="50000"/>
+                      </a:schemeClr>
+                    </a:solidFill>
+                    <a:latin typeface="Palatino" pitchFamily="2" charset="77"/>
+                    <a:ea typeface="Palatino" pitchFamily="2" charset="77"/>
+                  </a:rPr>
+                  <a:t>c = 2.00€</a:t>
+                </a:r>
+                <a:endParaRPr lang="en-IT" dirty="0">
+                  <a:solidFill>
+                    <a:schemeClr val="bg1">
+                      <a:lumMod val="50000"/>
+                    </a:schemeClr>
+                  </a:solidFill>
+                  <a:latin typeface="Palatino" pitchFamily="2" charset="77"/>
+                  <a:ea typeface="Palatino" pitchFamily="2" charset="77"/>
+                </a:endParaRPr>
+              </a:p>
+              <a:p>
+                <a:endParaRPr lang="en-IT" dirty="0">
+                  <a:solidFill>
+                    <a:schemeClr val="bg1">
+                      <a:lumMod val="50000"/>
+                    </a:schemeClr>
+                  </a:solidFill>
+                  <a:latin typeface="Palatino" pitchFamily="2" charset="77"/>
+                  <a:ea typeface="Palatino" pitchFamily="2" charset="77"/>
+                </a:endParaRPr>
+              </a:p>
+              <a:p>
+                <a:pPr>
+                  <a:spcAft>
+                    <a:spcPts val="1200"/>
+                  </a:spcAft>
+                </a:pPr>
+                <a:r>
+                  <a:rPr lang="en-IT" dirty="0">
+                    <a:solidFill>
+                      <a:schemeClr val="bg1">
+                        <a:lumMod val="50000"/>
+                      </a:schemeClr>
+                    </a:solidFill>
+                    <a:latin typeface="Palatino" pitchFamily="2" charset="77"/>
+                    <a:ea typeface="Palatino" pitchFamily="2" charset="77"/>
+                  </a:rPr>
+                  <a:t>Parameters setting</a:t>
+                </a:r>
+              </a:p>
+              <a:p>
+                <a:r>
+                  <a:rPr lang="en-IT" i="1" dirty="0">
+                    <a:solidFill>
+                      <a:schemeClr val="bg1">
+                        <a:lumMod val="50000"/>
+                      </a:schemeClr>
+                    </a:solidFill>
+                    <a:latin typeface="Palatino" pitchFamily="2" charset="77"/>
+                    <a:ea typeface="Palatino" pitchFamily="2" charset="77"/>
+                  </a:rPr>
+                  <a:t>T = 20000</a:t>
+                </a:r>
+              </a:p>
+              <a:p>
+                <a:r>
+                  <a:rPr lang="en-IT" i="1" dirty="0">
+                    <a:solidFill>
+                      <a:schemeClr val="bg1">
+                        <a:lumMod val="50000"/>
+                      </a:schemeClr>
+                    </a:solidFill>
+                    <a:latin typeface="Palatino" pitchFamily="2" charset="77"/>
+                    <a:ea typeface="Palatino" pitchFamily="2" charset="77"/>
+                  </a:rPr>
+                  <a:t>P = </a:t>
+                </a:r>
+                <a14:m>
+                  <m:oMath xmlns:m="http://schemas.openxmlformats.org/officeDocument/2006/math">
+                    <m:d>
+                      <m:dPr>
+                        <m:begChr m:val="{"/>
+                        <m:endChr m:val="}"/>
+                        <m:sepChr m:val="∣"/>
+                        <m:ctrlPr>
+                          <a:rPr lang="en-GB" b="0" i="1" dirty="0" smtClean="0">
+                            <a:solidFill>
+                              <a:schemeClr val="bg1">
+                                <a:lumMod val="50000"/>
+                              </a:schemeClr>
+                            </a:solidFill>
+                            <a:latin typeface="Cambria Math" panose="02040503050406030204" pitchFamily="18" charset="0"/>
+                          </a:rPr>
+                        </m:ctrlPr>
+                      </m:dPr>
+                      <m:e>
+                        <m:r>
+                          <a:rPr lang="it-IT" b="0" i="1" dirty="0" smtClean="0">
+                            <a:solidFill>
+                              <a:schemeClr val="bg1">
+                                <a:lumMod val="50000"/>
+                              </a:schemeClr>
+                            </a:solidFill>
+                            <a:latin typeface="Cambria Math" panose="02040503050406030204" pitchFamily="18" charset="0"/>
+                          </a:rPr>
+                          <m:t> </m:t>
+                        </m:r>
+                        <m:r>
+                          <a:rPr lang="en-GB" i="1" dirty="0" smtClean="0">
+                            <a:solidFill>
+                              <a:schemeClr val="bg1">
+                                <a:lumMod val="50000"/>
+                              </a:schemeClr>
+                            </a:solidFill>
+                            <a:latin typeface="Cambria Math" panose="02040503050406030204" pitchFamily="18" charset="0"/>
+                          </a:rPr>
+                          <m:t>𝑥</m:t>
+                        </m:r>
+                        <m:r>
+                          <a:rPr lang="en-GB" i="1" dirty="0" smtClean="0">
+                            <a:solidFill>
+                              <a:schemeClr val="bg1">
+                                <a:lumMod val="50000"/>
+                              </a:schemeClr>
+                            </a:solidFill>
+                            <a:latin typeface="Cambria Math" panose="02040503050406030204" pitchFamily="18" charset="0"/>
+                          </a:rPr>
+                          <m:t>∈</m:t>
+                        </m:r>
+                        <m:r>
+                          <a:rPr lang="en-GB" i="1" dirty="0" smtClean="0">
+                            <a:solidFill>
+                              <a:schemeClr val="bg1">
+                                <a:lumMod val="50000"/>
+                              </a:schemeClr>
+                            </a:solidFill>
+                            <a:latin typeface="Cambria Math" panose="02040503050406030204" pitchFamily="18" charset="0"/>
+                            <a:ea typeface="Cambria Math" panose="02040503050406030204" pitchFamily="18" charset="0"/>
+                          </a:rPr>
+                          <m:t>ℝ</m:t>
+                        </m:r>
+                      </m:e>
+                      <m:e>
+                        <m:r>
+                          <a:rPr lang="en-GB" i="1" dirty="0" smtClean="0">
+                            <a:solidFill>
+                              <a:schemeClr val="bg1">
+                                <a:lumMod val="50000"/>
+                              </a:schemeClr>
+                            </a:solidFill>
+                            <a:latin typeface="Cambria Math" panose="02040503050406030204" pitchFamily="18" charset="0"/>
+                          </a:rPr>
+                          <m:t>𝑥</m:t>
+                        </m:r>
+                        <m:r>
+                          <a:rPr lang="en-GB" i="1" dirty="0" smtClean="0">
+                            <a:solidFill>
+                              <a:schemeClr val="bg1">
+                                <a:lumMod val="50000"/>
+                              </a:schemeClr>
+                            </a:solidFill>
+                            <a:latin typeface="Cambria Math" panose="02040503050406030204" pitchFamily="18" charset="0"/>
+                          </a:rPr>
+                          <m:t>=0.50</m:t>
+                        </m:r>
+                        <m:r>
+                          <a:rPr lang="en-GB" i="1" dirty="0" smtClean="0">
+                            <a:solidFill>
+                              <a:schemeClr val="bg1">
+                                <a:lumMod val="50000"/>
+                              </a:schemeClr>
+                            </a:solidFill>
+                            <a:latin typeface="Cambria Math" panose="02040503050406030204" pitchFamily="18" charset="0"/>
+                          </a:rPr>
+                          <m:t>𝑘</m:t>
+                        </m:r>
+                        <m:r>
+                          <a:rPr lang="en-GB" i="1" dirty="0" smtClean="0">
+                            <a:solidFill>
+                              <a:schemeClr val="bg1">
+                                <a:lumMod val="50000"/>
+                              </a:schemeClr>
+                            </a:solidFill>
+                            <a:latin typeface="Cambria Math" panose="02040503050406030204" pitchFamily="18" charset="0"/>
+                          </a:rPr>
+                          <m:t> </m:t>
+                        </m:r>
+                        <m:r>
+                          <a:rPr lang="it-IT" b="0" i="1" dirty="0" smtClean="0">
+                            <a:solidFill>
+                              <a:schemeClr val="bg1">
+                                <a:lumMod val="50000"/>
+                              </a:schemeClr>
+                            </a:solidFill>
+                            <a:latin typeface="Cambria Math" panose="02040503050406030204" pitchFamily="18" charset="0"/>
+                          </a:rPr>
+                          <m:t>𝑓𝑜𝑟</m:t>
+                        </m:r>
+                        <m:r>
+                          <a:rPr lang="it-IT" b="0" i="1" dirty="0" smtClean="0">
+                            <a:solidFill>
+                              <a:schemeClr val="bg1">
+                                <a:lumMod val="50000"/>
+                              </a:schemeClr>
+                            </a:solidFill>
+                            <a:latin typeface="Cambria Math" panose="02040503050406030204" pitchFamily="18" charset="0"/>
+                          </a:rPr>
+                          <m:t> </m:t>
+                        </m:r>
+                        <m:r>
+                          <a:rPr lang="en-GB" i="1" dirty="0" smtClean="0">
+                            <a:solidFill>
+                              <a:schemeClr val="bg1">
+                                <a:lumMod val="50000"/>
+                              </a:schemeClr>
+                            </a:solidFill>
+                            <a:latin typeface="Cambria Math" panose="02040503050406030204" pitchFamily="18" charset="0"/>
+                          </a:rPr>
+                          <m:t>𝑘</m:t>
+                        </m:r>
+                        <m:r>
+                          <a:rPr lang="en-GB" i="1" dirty="0" smtClean="0">
+                            <a:solidFill>
+                              <a:schemeClr val="bg1">
+                                <a:lumMod val="50000"/>
+                              </a:schemeClr>
+                            </a:solidFill>
+                            <a:latin typeface="Cambria Math" panose="02040503050406030204" pitchFamily="18" charset="0"/>
+                          </a:rPr>
+                          <m:t>∈</m:t>
+                        </m:r>
+                        <m:r>
+                          <a:rPr lang="it-IT" b="0" i="1" dirty="0" smtClean="0">
+                            <a:solidFill>
+                              <a:schemeClr val="bg1">
+                                <a:lumMod val="50000"/>
+                              </a:schemeClr>
+                            </a:solidFill>
+                            <a:latin typeface="Cambria Math" panose="02040503050406030204" pitchFamily="18" charset="0"/>
+                            <a:ea typeface="Cambria Math" panose="02040503050406030204" pitchFamily="18" charset="0"/>
+                          </a:rPr>
+                          <m:t>ℕ</m:t>
+                        </m:r>
+                        <m:r>
+                          <a:rPr lang="it-IT" b="0" i="1" dirty="0" smtClean="0">
+                            <a:solidFill>
+                              <a:schemeClr val="bg1">
+                                <a:lumMod val="50000"/>
+                              </a:schemeClr>
+                            </a:solidFill>
+                            <a:latin typeface="Cambria Math" panose="02040503050406030204" pitchFamily="18" charset="0"/>
+                          </a:rPr>
+                          <m:t>, </m:t>
+                        </m:r>
+                        <m:r>
+                          <a:rPr lang="it-IT" b="0" i="1" dirty="0" smtClean="0">
+                            <a:solidFill>
+                              <a:schemeClr val="bg1">
+                                <a:lumMod val="50000"/>
+                              </a:schemeClr>
+                            </a:solidFill>
+                            <a:latin typeface="Cambria Math" panose="02040503050406030204" pitchFamily="18" charset="0"/>
+                          </a:rPr>
+                          <m:t>𝑤𝑖𝑡h</m:t>
+                        </m:r>
+                        <m:r>
+                          <a:rPr lang="it-IT" b="0" i="1" dirty="0" smtClean="0">
+                            <a:solidFill>
+                              <a:schemeClr val="bg1">
+                                <a:lumMod val="50000"/>
+                              </a:schemeClr>
+                            </a:solidFill>
+                            <a:latin typeface="Cambria Math" panose="02040503050406030204" pitchFamily="18" charset="0"/>
+                          </a:rPr>
+                          <m:t> 0≤</m:t>
+                        </m:r>
+                        <m:r>
+                          <a:rPr lang="en-GB" i="1" dirty="0" smtClean="0">
+                            <a:solidFill>
+                              <a:schemeClr val="bg1">
+                                <a:lumMod val="50000"/>
+                              </a:schemeClr>
+                            </a:solidFill>
+                            <a:latin typeface="Cambria Math" panose="02040503050406030204" pitchFamily="18" charset="0"/>
+                          </a:rPr>
+                          <m:t>𝑥</m:t>
+                        </m:r>
+                        <m:r>
+                          <a:rPr lang="en-GB" i="1" dirty="0" smtClean="0">
+                            <a:solidFill>
+                              <a:schemeClr val="bg1">
+                                <a:lumMod val="50000"/>
+                              </a:schemeClr>
+                            </a:solidFill>
+                            <a:latin typeface="Cambria Math" panose="02040503050406030204" pitchFamily="18" charset="0"/>
+                          </a:rPr>
+                          <m:t>≤2</m:t>
+                        </m:r>
+                        <m:r>
+                          <a:rPr lang="en-GB" i="1" dirty="0" smtClean="0">
+                            <a:solidFill>
+                              <a:schemeClr val="bg1">
+                                <a:lumMod val="50000"/>
+                              </a:schemeClr>
+                            </a:solidFill>
+                            <a:latin typeface="Cambria Math" panose="02040503050406030204" pitchFamily="18" charset="0"/>
+                          </a:rPr>
+                          <m:t>𝑣</m:t>
+                        </m:r>
+                        <m:r>
+                          <a:rPr lang="it-IT" b="0" i="1" dirty="0" smtClean="0">
+                            <a:solidFill>
+                              <a:schemeClr val="bg1">
+                                <a:lumMod val="50000"/>
+                              </a:schemeClr>
+                            </a:solidFill>
+                            <a:latin typeface="Cambria Math" panose="02040503050406030204" pitchFamily="18" charset="0"/>
+                          </a:rPr>
+                          <m:t> </m:t>
+                        </m:r>
+                      </m:e>
+                    </m:d>
+                  </m:oMath>
+                </a14:m>
+                <a:endParaRPr lang="it-IT" i="1" dirty="0">
+                  <a:solidFill>
+                    <a:schemeClr val="bg1">
+                      <a:lumMod val="50000"/>
+                    </a:schemeClr>
+                  </a:solidFill>
+                  <a:latin typeface="Palatino" pitchFamily="2" charset="77"/>
+                  <a:ea typeface="Palatino" pitchFamily="2" charset="77"/>
+                </a:endParaRPr>
+              </a:p>
+              <a:p>
+                <a:r>
+                  <a:rPr lang="en-IT" i="1" dirty="0">
+                    <a:solidFill>
+                      <a:schemeClr val="bg1">
+                        <a:lumMod val="50000"/>
+                      </a:schemeClr>
+                    </a:solidFill>
+                    <a:latin typeface="Palatino" pitchFamily="2" charset="77"/>
+                    <a:ea typeface="Palatino" pitchFamily="2" charset="77"/>
+                  </a:rPr>
+                  <a:t>K = </a:t>
+                </a:r>
+                <a14:m>
+                  <m:oMath xmlns:m="http://schemas.openxmlformats.org/officeDocument/2006/math">
+                    <m:r>
+                      <a:rPr lang="it-IT" b="0" i="1" smtClean="0">
+                        <a:solidFill>
+                          <a:schemeClr val="bg1">
+                            <a:lumMod val="50000"/>
+                          </a:schemeClr>
+                        </a:solidFill>
+                        <a:latin typeface="Cambria Math" panose="02040503050406030204" pitchFamily="18" charset="0"/>
+                        <a:ea typeface="Palatino" pitchFamily="2" charset="77"/>
+                      </a:rPr>
+                      <m:t>| </m:t>
+                    </m:r>
+                    <m:r>
+                      <a:rPr lang="it-IT" b="0" i="1" smtClean="0">
+                        <a:solidFill>
+                          <a:schemeClr val="bg1">
+                            <a:lumMod val="50000"/>
+                          </a:schemeClr>
+                        </a:solidFill>
+                        <a:latin typeface="Cambria Math" panose="02040503050406030204" pitchFamily="18" charset="0"/>
+                        <a:ea typeface="Palatino" pitchFamily="2" charset="77"/>
+                      </a:rPr>
+                      <m:t>𝑃</m:t>
+                    </m:r>
+                    <m:r>
+                      <a:rPr lang="it-IT" b="0" i="1" smtClean="0">
+                        <a:solidFill>
+                          <a:schemeClr val="bg1">
+                            <a:lumMod val="50000"/>
+                          </a:schemeClr>
+                        </a:solidFill>
+                        <a:latin typeface="Cambria Math" panose="02040503050406030204" pitchFamily="18" charset="0"/>
+                        <a:ea typeface="Palatino" pitchFamily="2" charset="77"/>
+                      </a:rPr>
+                      <m:t> |</m:t>
+                    </m:r>
+                  </m:oMath>
+                </a14:m>
+                <a:endParaRPr lang="en-IT" i="1" dirty="0">
+                  <a:solidFill>
+                    <a:schemeClr val="bg1">
+                      <a:lumMod val="50000"/>
+                    </a:schemeClr>
+                  </a:solidFill>
+                  <a:latin typeface="Palatino" pitchFamily="2" charset="77"/>
+                  <a:ea typeface="Palatino" pitchFamily="2" charset="77"/>
+                </a:endParaRPr>
+              </a:p>
+              <a:p>
+                <a:endParaRPr lang="en-IT" i="1" dirty="0">
+                  <a:solidFill>
+                    <a:schemeClr val="bg1">
+                      <a:lumMod val="50000"/>
+                    </a:schemeClr>
+                  </a:solidFill>
+                  <a:latin typeface="Palatino" pitchFamily="2" charset="77"/>
+                  <a:ea typeface="Palatino" pitchFamily="2" charset="77"/>
+                </a:endParaRPr>
+              </a:p>
+              <a:p>
+                <a:r>
+                  <a:rPr lang="it-IT" sz="1200" dirty="0">
+                    <a:solidFill>
+                      <a:schemeClr val="bg1">
+                        <a:lumMod val="50000"/>
+                      </a:schemeClr>
+                    </a:solidFill>
+                    <a:latin typeface="Palatino" pitchFamily="2" charset="77"/>
+                    <a:ea typeface="Palatino" pitchFamily="2" charset="77"/>
+                  </a:rPr>
+                  <a:t>Disclaimer: The price </a:t>
+                </a:r>
+                <a:r>
+                  <a:rPr lang="it-IT" sz="1200" dirty="0" err="1">
+                    <a:solidFill>
+                      <a:schemeClr val="bg1">
+                        <a:lumMod val="50000"/>
+                      </a:schemeClr>
+                    </a:solidFill>
+                    <a:latin typeface="Palatino" pitchFamily="2" charset="77"/>
+                    <a:ea typeface="Palatino" pitchFamily="2" charset="77"/>
+                  </a:rPr>
+                  <a:t>grids</a:t>
+                </a:r>
+                <a:r>
+                  <a:rPr lang="it-IT" sz="1200" dirty="0">
+                    <a:solidFill>
+                      <a:schemeClr val="bg1">
+                        <a:lumMod val="50000"/>
+                      </a:schemeClr>
+                    </a:solidFill>
+                    <a:latin typeface="Palatino" pitchFamily="2" charset="77"/>
+                    <a:ea typeface="Palatino" pitchFamily="2" charset="77"/>
+                  </a:rPr>
+                  <a:t> </a:t>
+                </a:r>
+                <a:r>
+                  <a:rPr lang="it-IT" sz="1200" dirty="0" err="1">
+                    <a:solidFill>
+                      <a:schemeClr val="bg1">
+                        <a:lumMod val="50000"/>
+                      </a:schemeClr>
+                    </a:solidFill>
+                    <a:latin typeface="Palatino" pitchFamily="2" charset="77"/>
+                    <a:ea typeface="Palatino" pitchFamily="2" charset="77"/>
+                  </a:rPr>
+                  <a:t>were</a:t>
+                </a:r>
+                <a:r>
+                  <a:rPr lang="it-IT" sz="1200" dirty="0">
+                    <a:solidFill>
+                      <a:schemeClr val="bg1">
+                        <a:lumMod val="50000"/>
+                      </a:schemeClr>
+                    </a:solidFill>
+                    <a:latin typeface="Palatino" pitchFamily="2" charset="77"/>
+                    <a:ea typeface="Palatino" pitchFamily="2" charset="77"/>
+                  </a:rPr>
+                  <a:t> </a:t>
+                </a:r>
+                <a:r>
+                  <a:rPr lang="it-IT" sz="1200" dirty="0" err="1">
+                    <a:solidFill>
+                      <a:schemeClr val="bg1">
+                        <a:lumMod val="50000"/>
+                      </a:schemeClr>
+                    </a:solidFill>
+                    <a:latin typeface="Palatino" pitchFamily="2" charset="77"/>
+                    <a:ea typeface="Palatino" pitchFamily="2" charset="77"/>
+                  </a:rPr>
+                  <a:t>often</a:t>
+                </a:r>
+                <a:r>
+                  <a:rPr lang="it-IT" sz="1200" dirty="0">
+                    <a:solidFill>
+                      <a:schemeClr val="bg1">
+                        <a:lumMod val="50000"/>
+                      </a:schemeClr>
+                    </a:solidFill>
+                    <a:latin typeface="Palatino" pitchFamily="2" charset="77"/>
+                    <a:ea typeface="Palatino" pitchFamily="2" charset="77"/>
+                  </a:rPr>
+                  <a:t> set </a:t>
+                </a:r>
+                <a:r>
+                  <a:rPr lang="it-IT" sz="1200" i="1" dirty="0" err="1">
+                    <a:solidFill>
+                      <a:schemeClr val="bg1">
+                        <a:lumMod val="50000"/>
+                      </a:schemeClr>
+                    </a:solidFill>
+                    <a:latin typeface="Palatino" pitchFamily="2" charset="77"/>
+                    <a:ea typeface="Palatino" pitchFamily="2" charset="77"/>
+                  </a:rPr>
+                  <a:t>very</a:t>
+                </a:r>
+                <a:r>
+                  <a:rPr lang="it-IT" sz="1200" i="1" dirty="0">
+                    <a:solidFill>
+                      <a:schemeClr val="bg1">
+                        <a:lumMod val="50000"/>
+                      </a:schemeClr>
+                    </a:solidFill>
+                    <a:latin typeface="Palatino" pitchFamily="2" charset="77"/>
+                    <a:ea typeface="Palatino" pitchFamily="2" charset="77"/>
+                  </a:rPr>
+                  <a:t>-discrete </a:t>
+                </a:r>
+                <a:r>
+                  <a:rPr lang="it-IT" sz="1200" dirty="0">
+                    <a:solidFill>
+                      <a:schemeClr val="bg1">
+                        <a:lumMod val="50000"/>
+                      </a:schemeClr>
+                    </a:solidFill>
+                    <a:latin typeface="Palatino" pitchFamily="2" charset="77"/>
+                    <a:ea typeface="Palatino" pitchFamily="2" charset="77"/>
+                  </a:rPr>
+                  <a:t>for </a:t>
+                </a:r>
+                <a:r>
+                  <a:rPr lang="it-IT" sz="1200" dirty="0" err="1">
+                    <a:solidFill>
+                      <a:schemeClr val="bg1">
+                        <a:lumMod val="50000"/>
+                      </a:schemeClr>
+                    </a:solidFill>
+                    <a:latin typeface="Palatino" pitchFamily="2" charset="77"/>
+                    <a:ea typeface="Palatino" pitchFamily="2" charset="77"/>
+                  </a:rPr>
+                  <a:t>computational</a:t>
+                </a:r>
+                <a:r>
+                  <a:rPr lang="it-IT" sz="1200" dirty="0">
+                    <a:solidFill>
+                      <a:schemeClr val="bg1">
+                        <a:lumMod val="50000"/>
+                      </a:schemeClr>
+                    </a:solidFill>
+                    <a:latin typeface="Palatino" pitchFamily="2" charset="77"/>
+                    <a:ea typeface="Palatino" pitchFamily="2" charset="77"/>
+                  </a:rPr>
+                  <a:t> </a:t>
+                </a:r>
+                <a:r>
+                  <a:rPr lang="it-IT" sz="1200" dirty="0" err="1">
+                    <a:solidFill>
+                      <a:schemeClr val="bg1">
+                        <a:lumMod val="50000"/>
+                      </a:schemeClr>
+                    </a:solidFill>
+                    <a:latin typeface="Palatino" pitchFamily="2" charset="77"/>
+                    <a:ea typeface="Palatino" pitchFamily="2" charset="77"/>
+                  </a:rPr>
+                  <a:t>means</a:t>
+                </a:r>
+                <a:r>
+                  <a:rPr lang="it-IT" sz="1200" dirty="0">
+                    <a:solidFill>
+                      <a:schemeClr val="bg1">
+                        <a:lumMod val="50000"/>
+                      </a:schemeClr>
+                    </a:solidFill>
+                    <a:latin typeface="Palatino" pitchFamily="2" charset="77"/>
+                    <a:ea typeface="Palatino" pitchFamily="2" charset="77"/>
+                  </a:rPr>
+                  <a:t>, </a:t>
+                </a:r>
+                <a:r>
+                  <a:rPr lang="it-IT" sz="1200" dirty="0" err="1">
+                    <a:solidFill>
+                      <a:schemeClr val="bg1">
+                        <a:lumMod val="50000"/>
+                      </a:schemeClr>
+                    </a:solidFill>
+                    <a:latin typeface="Palatino" pitchFamily="2" charset="77"/>
+                    <a:ea typeface="Palatino" pitchFamily="2" charset="77"/>
+                  </a:rPr>
+                  <a:t>accordingly</a:t>
+                </a:r>
+                <a:r>
+                  <a:rPr lang="it-IT" sz="1200" dirty="0">
+                    <a:solidFill>
+                      <a:schemeClr val="bg1">
+                        <a:lumMod val="50000"/>
+                      </a:schemeClr>
+                    </a:solidFill>
+                    <a:latin typeface="Palatino" pitchFamily="2" charset="77"/>
+                    <a:ea typeface="Palatino" pitchFamily="2" charset="77"/>
+                  </a:rPr>
+                  <a:t> to the project </a:t>
+                </a:r>
+                <a:r>
+                  <a:rPr lang="it-IT" sz="1200" dirty="0" err="1">
+                    <a:solidFill>
+                      <a:schemeClr val="bg1">
+                        <a:lumMod val="50000"/>
+                      </a:schemeClr>
+                    </a:solidFill>
+                    <a:latin typeface="Palatino" pitchFamily="2" charset="77"/>
+                    <a:ea typeface="Palatino" pitchFamily="2" charset="77"/>
+                  </a:rPr>
+                  <a:t>specifications</a:t>
+                </a:r>
+                <a:r>
+                  <a:rPr lang="it-IT" sz="1200" dirty="0">
+                    <a:solidFill>
+                      <a:schemeClr val="bg1">
+                        <a:lumMod val="50000"/>
+                      </a:schemeClr>
+                    </a:solidFill>
+                    <a:latin typeface="Palatino" pitchFamily="2" charset="77"/>
+                    <a:ea typeface="Palatino" pitchFamily="2" charset="77"/>
+                  </a:rPr>
+                  <a:t>.</a:t>
+                </a:r>
+              </a:p>
+              <a:p>
+                <a:endParaRPr lang="en-IT" i="1" dirty="0">
+                  <a:solidFill>
+                    <a:schemeClr val="bg1">
+                      <a:lumMod val="50000"/>
+                    </a:schemeClr>
+                  </a:solidFill>
+                  <a:latin typeface="Palatino" pitchFamily="2" charset="77"/>
+                  <a:ea typeface="Palatino" pitchFamily="2" charset="77"/>
+                </a:endParaRPr>
+              </a:p>
+              <a:p>
+                <a:pPr>
+                  <a:spcAft>
+                    <a:spcPts val="1200"/>
+                  </a:spcAft>
+                </a:pPr>
+                <a:r>
+                  <a:rPr lang="en-IT" sz="2400" dirty="0">
+                    <a:latin typeface="Palatino" pitchFamily="2" charset="77"/>
+                    <a:ea typeface="Palatino" pitchFamily="2" charset="77"/>
+                  </a:rPr>
+                  <a:t>Now</a:t>
+                </a:r>
+              </a:p>
+              <a:p>
+                <a:r>
+                  <a:rPr lang="it-IT" i="1" dirty="0">
+                    <a:solidFill>
+                      <a:schemeClr val="bg1">
+                        <a:lumMod val="50000"/>
+                      </a:schemeClr>
+                    </a:solidFill>
+                    <a:latin typeface="Palatino" pitchFamily="2" charset="77"/>
+                    <a:ea typeface="Palatino" pitchFamily="2" charset="77"/>
+                  </a:rPr>
+                  <a:t>B = </a:t>
+                </a:r>
+                <a:r>
+                  <a:rPr lang="en-GB" i="1" dirty="0">
+                    <a:solidFill>
+                      <a:schemeClr val="bg1">
+                        <a:lumMod val="50000"/>
+                      </a:schemeClr>
+                    </a:solidFill>
+                    <a:latin typeface="Palatino" pitchFamily="2" charset="77"/>
+                    <a:ea typeface="Palatino" pitchFamily="2" charset="77"/>
+                  </a:rPr>
+                  <a:t>120000</a:t>
+                </a:r>
+                <a:endParaRPr lang="en-IT" i="1" dirty="0">
+                  <a:solidFill>
+                    <a:schemeClr val="bg1">
+                      <a:lumMod val="50000"/>
+                    </a:schemeClr>
+                  </a:solidFill>
+                  <a:latin typeface="Palatino" pitchFamily="2" charset="77"/>
+                  <a:ea typeface="Palatino" pitchFamily="2" charset="77"/>
+                </a:endParaRPr>
+              </a:p>
+            </p:txBody>
+          </p:sp>
+        </mc:Choice>
+        <mc:Fallback>
+          <p:sp>
+            <p:nvSpPr>
+              <p:cNvPr id="5" name="TextBox 4">
+                <a:extLst>
+                  <a:ext uri="{FF2B5EF4-FFF2-40B4-BE49-F238E27FC236}">
+                    <a16:creationId xmlns:a16="http://schemas.microsoft.com/office/drawing/2014/main" id="{518F4388-AF8A-7D54-7E24-8AC22017E460}"/>
+                  </a:ext>
+                </a:extLst>
+              </p:cNvPr>
+              <p:cNvSpPr txBox="1">
+                <a:spLocks noRot="1" noChangeAspect="1" noMove="1" noResize="1" noEditPoints="1" noAdjustHandles="1" noChangeArrowheads="1" noChangeShapeType="1" noTextEdit="1"/>
+              </p:cNvSpPr>
+              <p:nvPr/>
+            </p:nvSpPr>
+            <p:spPr>
+              <a:xfrm>
+                <a:off x="838200" y="1690688"/>
+                <a:ext cx="10786242" cy="4154984"/>
+              </a:xfrm>
+              <a:prstGeom prst="rect">
+                <a:avLst/>
+              </a:prstGeom>
+              <a:blipFill>
+                <a:blip r:embed="rId3"/>
+                <a:stretch>
+                  <a:fillRect l="-941" t="-304" b="-1216"/>
+                </a:stretch>
+              </a:blipFill>
+            </p:spPr>
+            <p:txBody>
+              <a:bodyPr/>
+              <a:lstStyle/>
+              <a:p>
+                <a:r>
+                  <a:rPr lang="en-IT">
+                    <a:noFill/>
+                  </a:rPr>
+                  <a:t> </a:t>
+                </a:r>
+              </a:p>
+            </p:txBody>
+          </p:sp>
+        </mc:Fallback>
+      </mc:AlternateContent>
+    </p:spTree>
+    <p:extLst>
+      <p:ext uri="{BB962C8B-B14F-4D97-AF65-F5344CB8AC3E}">
+        <p14:creationId xmlns:p14="http://schemas.microsoft.com/office/powerpoint/2010/main" val="477448678"/>
+      </p:ext>
+    </p:extLst>
+  </p:cSld>
+  <p:clrMapOvr>
+    <a:masterClrMapping/>
+  </p:clrMapOvr>
+</p:sld>
+</file>
+
+<file path=ppt/slides/slide9.xml><?xml version="1.0" encoding="utf-8"?>
+<p:sld xmlns:a="http://schemas.openxmlformats.org/drawingml/2006/main" xmlns:r="http://schemas.openxmlformats.org/officeDocument/2006/relationships" xmlns:p="http://schemas.openxmlformats.org/presentationml/2006/main">
+  <p:cSld>
+    <p:spTree>
+      <p:nvGrpSpPr>
+        <p:cNvPr id="1" name="">
+          <a:extLst>
+            <a:ext uri="{FF2B5EF4-FFF2-40B4-BE49-F238E27FC236}">
+              <a16:creationId xmlns:a16="http://schemas.microsoft.com/office/drawing/2014/main" id="{3C5FC0D3-04EC-02F8-BDD5-514950DCCB92}"/>
+            </a:ext>
+          </a:extLst>
+        </p:cNvPr>
+        <p:cNvGrpSpPr/>
+        <p:nvPr/>
+      </p:nvGrpSpPr>
+      <p:grpSpPr>
+        <a:xfrm>
+          <a:off x="0" y="0"/>
+          <a:ext cx="0" cy="0"/>
+          <a:chOff x="0" y="0"/>
+          <a:chExt cx="0" cy="0"/>
+        </a:xfrm>
+      </p:grpSpPr>
       <p:sp>
         <p:nvSpPr>
-          <p:cNvPr id="3" name="Content Placeholder 2">
+          <p:cNvPr id="2" name="Title 1">
             <a:extLst>
               <a:ext uri="{FF2B5EF4-FFF2-40B4-BE49-F238E27FC236}">
-                <a16:creationId xmlns:a16="http://schemas.microsoft.com/office/drawing/2014/main" id="{D08B16B5-D4B9-92A9-3CA7-629D16382145}"/>
+                <a16:creationId xmlns:a16="http://schemas.microsoft.com/office/drawing/2014/main" id="{446B0540-2F98-1E08-ECEE-CE6E2C768C85}"/>
               </a:ext>
             </a:extLst>
           </p:cNvPr>
@@ -16519,216 +16396,608 @@
             <a:spLocks noGrp="1"/>
           </p:cNvSpPr>
           <p:nvPr>
-            <p:ph idx="1"/>
+            <p:ph type="title"/>
           </p:nvPr>
         </p:nvSpPr>
-        <p:spPr>
-          <a:xfrm>
-            <a:off x="838199" y="1668322"/>
-            <a:ext cx="10850697" cy="1325563"/>
-          </a:xfrm>
-        </p:spPr>
+        <p:spPr/>
         <p:txBody>
-          <a:bodyPr>
-            <a:normAutofit lnSpcReduction="10000"/>
-          </a:bodyPr>
+          <a:bodyPr/>
           <a:lstStyle/>
           <a:p>
-            <a:pPr marL="0" indent="0">
-              <a:spcBef>
-                <a:spcPts val="0"/>
-              </a:spcBef>
-              <a:spcAft>
-                <a:spcPts val="1200"/>
-              </a:spcAft>
-              <a:buNone/>
-            </a:pPr>
-            <a:r>
-              <a:rPr lang="en-IT" sz="2400" dirty="0">
+            <a:r>
+              <a:rPr lang="en-IT" dirty="0">
                 <a:latin typeface="Palatino" pitchFamily="2" charset="77"/>
                 <a:ea typeface="Palatino" pitchFamily="2" charset="77"/>
               </a:rPr>
-              <a:t>What happens with full feedback?</a:t>
-            </a:r>
-            <a:endParaRPr lang="en-IT" dirty="0">
-              <a:latin typeface="Palatino" pitchFamily="2" charset="77"/>
-              <a:ea typeface="Palatino" pitchFamily="2" charset="77"/>
-            </a:endParaRPr>
-          </a:p>
-          <a:p>
-            <a:pPr marL="0" indent="0">
-              <a:spcBef>
-                <a:spcPts val="0"/>
-              </a:spcBef>
-              <a:spcAft>
-                <a:spcPts val="600"/>
-              </a:spcAft>
-              <a:buNone/>
-            </a:pPr>
-            <a:r>
-              <a:rPr lang="en-IT" sz="1800" dirty="0">
-                <a:solidFill>
-                  <a:schemeClr val="bg1">
-                    <a:lumMod val="50000"/>
-                  </a:schemeClr>
-                </a:solidFill>
-                <a:latin typeface="Palatino" pitchFamily="2" charset="77"/>
-                <a:ea typeface="Palatino" pitchFamily="2" charset="77"/>
-              </a:rPr>
-              <a:t>UCB1 is an algorithm designed for bandit feedback. How would it behave with full feedback?</a:t>
-            </a:r>
-          </a:p>
-          <a:p>
-            <a:pPr marL="0" indent="0">
-              <a:spcBef>
-                <a:spcPts val="0"/>
-              </a:spcBef>
-              <a:spcAft>
-                <a:spcPts val="600"/>
-              </a:spcAft>
-              <a:buNone/>
-            </a:pPr>
-            <a:r>
-              <a:rPr lang="en-IT" sz="1800" dirty="0">
-                <a:solidFill>
-                  <a:schemeClr val="bg1">
-                    <a:lumMod val="50000"/>
-                  </a:schemeClr>
-                </a:solidFill>
-                <a:latin typeface="Palatino" pitchFamily="2" charset="77"/>
-                <a:ea typeface="Palatino" pitchFamily="2" charset="77"/>
-              </a:rPr>
-              <a:t>Here we plot instantaneous regret for UCB1 and Follow the Leader. They’re the same… Almost</a:t>
-            </a:r>
-          </a:p>
-          <a:p>
-            <a:pPr marL="0" indent="0">
-              <a:spcBef>
-                <a:spcPts val="0"/>
-              </a:spcBef>
-              <a:buNone/>
-            </a:pPr>
-            <a:r>
-              <a:rPr lang="en-GB" sz="1400" dirty="0">
-                <a:solidFill>
-                  <a:schemeClr val="bg1">
-                    <a:lumMod val="50000"/>
-                  </a:schemeClr>
-                </a:solidFill>
-                <a:latin typeface="Palatino" pitchFamily="2" charset="77"/>
-                <a:ea typeface="Palatino" pitchFamily="2" charset="77"/>
-              </a:rPr>
-              <a:t>H</a:t>
-            </a:r>
-            <a:r>
-              <a:rPr lang="en-IT" sz="1400" dirty="0">
-                <a:solidFill>
-                  <a:schemeClr val="bg1">
-                    <a:lumMod val="50000"/>
-                  </a:schemeClr>
-                </a:solidFill>
-                <a:latin typeface="Palatino" pitchFamily="2" charset="77"/>
-                <a:ea typeface="Palatino" pitchFamily="2" charset="77"/>
-              </a:rPr>
-              <a:t>int: UCB1 bounds are the same for all the arms</a:t>
+              <a:t>Strategy</a:t>
             </a:r>
           </a:p>
         </p:txBody>
       </p:sp>
-      <p:pic>
-        <p:nvPicPr>
-          <p:cNvPr id="5" name="Picture 4">
-            <a:extLst>
-              <a:ext uri="{FF2B5EF4-FFF2-40B4-BE49-F238E27FC236}">
-                <a16:creationId xmlns:a16="http://schemas.microsoft.com/office/drawing/2014/main" id="{BCB45151-3E22-D47A-B878-4DA101FC3D04}"/>
-              </a:ext>
-            </a:extLst>
-          </p:cNvPr>
-          <p:cNvPicPr>
-            <a:picLocks noChangeAspect="1"/>
-          </p:cNvPicPr>
-          <p:nvPr/>
-        </p:nvPicPr>
-        <p:blipFill>
-          <a:blip r:embed="rId2"/>
-          <a:stretch>
-            <a:fillRect/>
-          </a:stretch>
-        </p:blipFill>
-        <p:spPr>
-          <a:xfrm>
-            <a:off x="838198" y="3409720"/>
-            <a:ext cx="4383086" cy="2786463"/>
-          </a:xfrm>
-          <a:prstGeom prst="rect">
-            <a:avLst/>
-          </a:prstGeom>
-        </p:spPr>
-      </p:pic>
-      <p:pic>
-        <p:nvPicPr>
-          <p:cNvPr id="6" name="Picture 5">
-            <a:extLst>
-              <a:ext uri="{FF2B5EF4-FFF2-40B4-BE49-F238E27FC236}">
-                <a16:creationId xmlns:a16="http://schemas.microsoft.com/office/drawing/2014/main" id="{EC1EFCAA-D46E-9EA0-7046-8D6791155777}"/>
-              </a:ext>
-            </a:extLst>
-          </p:cNvPr>
-          <p:cNvPicPr>
-            <a:picLocks noChangeAspect="1"/>
-          </p:cNvPicPr>
-          <p:nvPr/>
-        </p:nvPicPr>
-        <p:blipFill>
-          <a:blip r:embed="rId3"/>
-          <a:stretch>
-            <a:fillRect/>
-          </a:stretch>
-        </p:blipFill>
-        <p:spPr>
-          <a:xfrm>
-            <a:off x="5949108" y="3409720"/>
-            <a:ext cx="3756752" cy="1373738"/>
-          </a:xfrm>
-          <a:prstGeom prst="rect">
-            <a:avLst/>
-          </a:prstGeom>
-        </p:spPr>
-      </p:pic>
-      <p:pic>
-        <p:nvPicPr>
-          <p:cNvPr id="7" name="Picture 6">
-            <a:extLst>
-              <a:ext uri="{FF2B5EF4-FFF2-40B4-BE49-F238E27FC236}">
-                <a16:creationId xmlns:a16="http://schemas.microsoft.com/office/drawing/2014/main" id="{60AA641B-DEA4-0BE6-AAA2-E8DFF5245226}"/>
-              </a:ext>
-            </a:extLst>
-          </p:cNvPr>
-          <p:cNvPicPr>
-            <a:picLocks noChangeAspect="1"/>
-          </p:cNvPicPr>
-          <p:nvPr/>
-        </p:nvPicPr>
-        <p:blipFill>
-          <a:blip r:embed="rId4"/>
-          <a:stretch>
-            <a:fillRect/>
-          </a:stretch>
-        </p:blipFill>
-        <p:spPr>
-          <a:xfrm>
-            <a:off x="5949108" y="4961555"/>
-            <a:ext cx="3756752" cy="1373738"/>
-          </a:xfrm>
-          <a:prstGeom prst="rect">
-            <a:avLst/>
-          </a:prstGeom>
-        </p:spPr>
-      </p:pic>
+      <mc:AlternateContent xmlns:mc="http://schemas.openxmlformats.org/markup-compatibility/2006" xmlns:a14="http://schemas.microsoft.com/office/drawing/2010/main">
+        <mc:Choice Requires="a14">
+          <p:sp>
+            <p:nvSpPr>
+              <p:cNvPr id="3" name="Content Placeholder 2">
+                <a:extLst>
+                  <a:ext uri="{FF2B5EF4-FFF2-40B4-BE49-F238E27FC236}">
+                    <a16:creationId xmlns:a16="http://schemas.microsoft.com/office/drawing/2014/main" id="{9A5D5EC5-440C-2C3A-2C09-0894CBA98934}"/>
+                  </a:ext>
+                </a:extLst>
+              </p:cNvPr>
+              <p:cNvSpPr>
+                <a:spLocks noGrp="1"/>
+              </p:cNvSpPr>
+              <p:nvPr>
+                <p:ph idx="1"/>
+              </p:nvPr>
+            </p:nvSpPr>
+            <p:spPr>
+              <a:xfrm>
+                <a:off x="838199" y="1668322"/>
+                <a:ext cx="10850697" cy="4368921"/>
+              </a:xfrm>
+            </p:spPr>
+            <p:txBody>
+              <a:bodyPr>
+                <a:noAutofit/>
+              </a:bodyPr>
+              <a:lstStyle/>
+              <a:p>
+                <a:pPr marL="0" indent="0">
+                  <a:spcBef>
+                    <a:spcPts val="0"/>
+                  </a:spcBef>
+                  <a:spcAft>
+                    <a:spcPts val="1200"/>
+                  </a:spcAft>
+                  <a:buNone/>
+                </a:pPr>
+                <a:r>
+                  <a:rPr lang="en-GB" sz="2400" dirty="0">
+                    <a:latin typeface="Palatino" pitchFamily="2" charset="77"/>
+                    <a:ea typeface="Palatino" pitchFamily="2" charset="77"/>
+                  </a:rPr>
+                  <a:t>Estimation</a:t>
+                </a:r>
+              </a:p>
+              <a:p>
+                <a:pPr>
+                  <a:spcBef>
+                    <a:spcPts val="0"/>
+                  </a:spcBef>
+                </a:pPr>
+                <a:r>
+                  <a:rPr lang="en-GB" sz="1800" dirty="0">
+                    <a:solidFill>
+                      <a:schemeClr val="bg1">
+                        <a:lumMod val="50000"/>
+                      </a:schemeClr>
+                    </a:solidFill>
+                    <a:latin typeface="Palatino" pitchFamily="2" charset="77"/>
+                    <a:ea typeface="Palatino" pitchFamily="2" charset="77"/>
+                  </a:rPr>
+                  <a:t>Upper Confidence Bounds (UCB) on the expected rewards </a:t>
+                </a:r>
+                <a14:m>
+                  <m:oMath xmlns:m="http://schemas.openxmlformats.org/officeDocument/2006/math">
+                    <m:r>
+                      <a:rPr lang="en-GB" sz="1800" i="1">
+                        <a:solidFill>
+                          <a:schemeClr val="bg1">
+                            <a:lumMod val="50000"/>
+                          </a:schemeClr>
+                        </a:solidFill>
+                        <a:latin typeface="Cambria Math" panose="02040503050406030204" pitchFamily="18" charset="0"/>
+                        <a:ea typeface="Cambria Math" panose="02040503050406030204" pitchFamily="18" charset="0"/>
+                      </a:rPr>
+                      <m:t>∀</m:t>
+                    </m:r>
+                    <m:r>
+                      <a:rPr lang="it-IT" sz="1800" i="1">
+                        <a:solidFill>
+                          <a:schemeClr val="bg1">
+                            <a:lumMod val="50000"/>
+                          </a:schemeClr>
+                        </a:solidFill>
+                        <a:latin typeface="Cambria Math" panose="02040503050406030204" pitchFamily="18" charset="0"/>
+                        <a:ea typeface="Cambria Math" panose="02040503050406030204" pitchFamily="18" charset="0"/>
+                      </a:rPr>
+                      <m:t>𝑎</m:t>
+                    </m:r>
+                    <m:r>
+                      <a:rPr lang="it-IT" sz="1800" i="1">
+                        <a:solidFill>
+                          <a:schemeClr val="bg1">
+                            <a:lumMod val="50000"/>
+                          </a:schemeClr>
+                        </a:solidFill>
+                        <a:latin typeface="Cambria Math" panose="02040503050406030204" pitchFamily="18" charset="0"/>
+                        <a:ea typeface="Cambria Math" panose="02040503050406030204" pitchFamily="18" charset="0"/>
+                      </a:rPr>
+                      <m:t>∈</m:t>
+                    </m:r>
+                    <m:r>
+                      <a:rPr lang="it-IT" sz="1800" i="1">
+                        <a:solidFill>
+                          <a:schemeClr val="bg1">
+                            <a:lumMod val="50000"/>
+                          </a:schemeClr>
+                        </a:solidFill>
+                        <a:latin typeface="Cambria Math" panose="02040503050406030204" pitchFamily="18" charset="0"/>
+                        <a:ea typeface="Cambria Math" panose="02040503050406030204" pitchFamily="18" charset="0"/>
+                      </a:rPr>
+                      <m:t>𝐴</m:t>
+                    </m:r>
+                    <m:r>
+                      <a:rPr lang="it-IT" sz="1800">
+                        <a:solidFill>
+                          <a:schemeClr val="bg1">
+                            <a:lumMod val="50000"/>
+                          </a:schemeClr>
+                        </a:solidFill>
+                        <a:latin typeface="Cambria Math" panose="02040503050406030204" pitchFamily="18" charset="0"/>
+                        <a:ea typeface="Cambria Math" panose="02040503050406030204" pitchFamily="18" charset="0"/>
+                      </a:rPr>
+                      <m:t>, </m:t>
+                    </m:r>
+                    <m:r>
+                      <m:rPr>
+                        <m:sty m:val="p"/>
+                      </m:rPr>
+                      <a:rPr lang="it-IT" sz="1800">
+                        <a:solidFill>
+                          <a:schemeClr val="bg1">
+                            <a:lumMod val="50000"/>
+                          </a:schemeClr>
+                        </a:solidFill>
+                        <a:latin typeface="Cambria Math" panose="02040503050406030204" pitchFamily="18" charset="0"/>
+                        <a:ea typeface="Cambria Math" panose="02040503050406030204" pitchFamily="18" charset="0"/>
+                      </a:rPr>
+                      <m:t>p</m:t>
+                    </m:r>
+                    <m:r>
+                      <a:rPr lang="it-IT" sz="1800" i="1">
+                        <a:solidFill>
+                          <a:schemeClr val="bg1">
+                            <a:lumMod val="50000"/>
+                          </a:schemeClr>
+                        </a:solidFill>
+                        <a:latin typeface="Cambria Math" panose="02040503050406030204" pitchFamily="18" charset="0"/>
+                        <a:ea typeface="Cambria Math" panose="02040503050406030204" pitchFamily="18" charset="0"/>
+                      </a:rPr>
+                      <m:t>∈</m:t>
+                    </m:r>
+                    <m:r>
+                      <a:rPr lang="it-IT" sz="1800" i="1">
+                        <a:solidFill>
+                          <a:schemeClr val="bg1">
+                            <a:lumMod val="50000"/>
+                          </a:schemeClr>
+                        </a:solidFill>
+                        <a:latin typeface="Cambria Math" panose="02040503050406030204" pitchFamily="18" charset="0"/>
+                        <a:ea typeface="Cambria Math" panose="02040503050406030204" pitchFamily="18" charset="0"/>
+                      </a:rPr>
+                      <m:t>𝑃𝑖</m:t>
+                    </m:r>
+                  </m:oMath>
+                </a14:m>
+                <a:endParaRPr lang="en-GB" sz="1800" dirty="0">
+                  <a:solidFill>
+                    <a:schemeClr val="bg1">
+                      <a:lumMod val="50000"/>
+                    </a:schemeClr>
+                  </a:solidFill>
+                  <a:latin typeface="Palatino" pitchFamily="2" charset="77"/>
+                  <a:ea typeface="Palatino" pitchFamily="2" charset="77"/>
+                </a:endParaRPr>
+              </a:p>
+              <a:p>
+                <a:pPr>
+                  <a:spcBef>
+                    <a:spcPts val="0"/>
+                  </a:spcBef>
+                </a:pPr>
+                <a:r>
+                  <a:rPr lang="en-GB" sz="1800" dirty="0">
+                    <a:solidFill>
+                      <a:schemeClr val="bg1">
+                        <a:lumMod val="50000"/>
+                      </a:schemeClr>
+                    </a:solidFill>
+                    <a:latin typeface="Palatino" pitchFamily="2" charset="77"/>
+                    <a:ea typeface="Palatino" pitchFamily="2" charset="77"/>
+                  </a:rPr>
+                  <a:t>Lower Confidence Bounds (LCB) on the expected number of sold units </a:t>
+                </a:r>
+                <a14:m>
+                  <m:oMath xmlns:m="http://schemas.openxmlformats.org/officeDocument/2006/math">
+                    <m:r>
+                      <a:rPr lang="en-GB" sz="1800" i="1">
+                        <a:solidFill>
+                          <a:schemeClr val="bg1">
+                            <a:lumMod val="50000"/>
+                          </a:schemeClr>
+                        </a:solidFill>
+                        <a:latin typeface="Cambria Math" panose="02040503050406030204" pitchFamily="18" charset="0"/>
+                        <a:ea typeface="Cambria Math" panose="02040503050406030204" pitchFamily="18" charset="0"/>
+                      </a:rPr>
+                      <m:t>∀</m:t>
+                    </m:r>
+                    <m:r>
+                      <a:rPr lang="it-IT" sz="1800" i="1">
+                        <a:solidFill>
+                          <a:schemeClr val="bg1">
+                            <a:lumMod val="50000"/>
+                          </a:schemeClr>
+                        </a:solidFill>
+                        <a:latin typeface="Cambria Math" panose="02040503050406030204" pitchFamily="18" charset="0"/>
+                        <a:ea typeface="Cambria Math" panose="02040503050406030204" pitchFamily="18" charset="0"/>
+                      </a:rPr>
+                      <m:t>𝑎</m:t>
+                    </m:r>
+                    <m:r>
+                      <a:rPr lang="it-IT" sz="1800" i="1">
+                        <a:solidFill>
+                          <a:schemeClr val="bg1">
+                            <a:lumMod val="50000"/>
+                          </a:schemeClr>
+                        </a:solidFill>
+                        <a:latin typeface="Cambria Math" panose="02040503050406030204" pitchFamily="18" charset="0"/>
+                        <a:ea typeface="Cambria Math" panose="02040503050406030204" pitchFamily="18" charset="0"/>
+                      </a:rPr>
+                      <m:t>∈</m:t>
+                    </m:r>
+                    <m:r>
+                      <a:rPr lang="it-IT" sz="1800" i="1">
+                        <a:solidFill>
+                          <a:schemeClr val="bg1">
+                            <a:lumMod val="50000"/>
+                          </a:schemeClr>
+                        </a:solidFill>
+                        <a:latin typeface="Cambria Math" panose="02040503050406030204" pitchFamily="18" charset="0"/>
+                        <a:ea typeface="Cambria Math" panose="02040503050406030204" pitchFamily="18" charset="0"/>
+                      </a:rPr>
+                      <m:t>𝐴</m:t>
+                    </m:r>
+                    <m:r>
+                      <a:rPr lang="it-IT" sz="1800">
+                        <a:solidFill>
+                          <a:schemeClr val="bg1">
+                            <a:lumMod val="50000"/>
+                          </a:schemeClr>
+                        </a:solidFill>
+                        <a:latin typeface="Cambria Math" panose="02040503050406030204" pitchFamily="18" charset="0"/>
+                        <a:ea typeface="Cambria Math" panose="02040503050406030204" pitchFamily="18" charset="0"/>
+                      </a:rPr>
+                      <m:t>, </m:t>
+                    </m:r>
+                    <m:r>
+                      <m:rPr>
+                        <m:sty m:val="p"/>
+                      </m:rPr>
+                      <a:rPr lang="it-IT" sz="1800">
+                        <a:solidFill>
+                          <a:schemeClr val="bg1">
+                            <a:lumMod val="50000"/>
+                          </a:schemeClr>
+                        </a:solidFill>
+                        <a:latin typeface="Cambria Math" panose="02040503050406030204" pitchFamily="18" charset="0"/>
+                        <a:ea typeface="Cambria Math" panose="02040503050406030204" pitchFamily="18" charset="0"/>
+                      </a:rPr>
+                      <m:t>p</m:t>
+                    </m:r>
+                    <m:r>
+                      <a:rPr lang="it-IT" sz="1800" i="1">
+                        <a:solidFill>
+                          <a:schemeClr val="bg1">
+                            <a:lumMod val="50000"/>
+                          </a:schemeClr>
+                        </a:solidFill>
+                        <a:latin typeface="Cambria Math" panose="02040503050406030204" pitchFamily="18" charset="0"/>
+                        <a:ea typeface="Cambria Math" panose="02040503050406030204" pitchFamily="18" charset="0"/>
+                      </a:rPr>
+                      <m:t>∈</m:t>
+                    </m:r>
+                    <m:r>
+                      <a:rPr lang="it-IT" sz="1800" i="1">
+                        <a:solidFill>
+                          <a:schemeClr val="bg1">
+                            <a:lumMod val="50000"/>
+                          </a:schemeClr>
+                        </a:solidFill>
+                        <a:latin typeface="Cambria Math" panose="02040503050406030204" pitchFamily="18" charset="0"/>
+                        <a:ea typeface="Cambria Math" panose="02040503050406030204" pitchFamily="18" charset="0"/>
+                      </a:rPr>
+                      <m:t>𝑃𝑖</m:t>
+                    </m:r>
+                  </m:oMath>
+                </a14:m>
+                <a:endParaRPr lang="en-GB" sz="1800" dirty="0">
+                  <a:solidFill>
+                    <a:schemeClr val="bg1">
+                      <a:lumMod val="50000"/>
+                    </a:schemeClr>
+                  </a:solidFill>
+                  <a:latin typeface="Palatino" pitchFamily="2" charset="77"/>
+                  <a:ea typeface="Palatino" pitchFamily="2" charset="77"/>
+                </a:endParaRPr>
+              </a:p>
+              <a:p>
+                <a:pPr marL="0" indent="0">
+                  <a:buNone/>
+                </a:pPr>
+                <a:endParaRPr lang="en-GB" sz="1600" dirty="0">
+                  <a:latin typeface="Palatino" pitchFamily="2" charset="77"/>
+                  <a:ea typeface="Palatino" pitchFamily="2" charset="77"/>
+                </a:endParaRPr>
+              </a:p>
+              <a:p>
+                <a:pPr marL="0" indent="0">
+                  <a:spcBef>
+                    <a:spcPts val="0"/>
+                  </a:spcBef>
+                  <a:spcAft>
+                    <a:spcPts val="1200"/>
+                  </a:spcAft>
+                  <a:buNone/>
+                </a:pPr>
+                <a:r>
+                  <a:rPr lang="en-GB" sz="2400" dirty="0">
+                    <a:latin typeface="Palatino" pitchFamily="2" charset="77"/>
+                    <a:ea typeface="Palatino" pitchFamily="2" charset="77"/>
+                  </a:rPr>
+                  <a:t>Decision</a:t>
+                </a:r>
+              </a:p>
+              <a:p>
+                <a:pPr marL="0" indent="0">
+                  <a:spcBef>
+                    <a:spcPts val="0"/>
+                  </a:spcBef>
+                  <a:buNone/>
+                </a:pPr>
+                <a:r>
+                  <a:rPr lang="en-GB" sz="1800" dirty="0">
+                    <a:solidFill>
+                      <a:schemeClr val="bg1">
+                        <a:lumMod val="50000"/>
+                      </a:schemeClr>
+                    </a:solidFill>
+                    <a:latin typeface="Palatino" pitchFamily="2" charset="77"/>
+                    <a:ea typeface="Palatino" pitchFamily="2" charset="77"/>
+                  </a:rPr>
+                  <a:t>At each round, it solves a linear program to find a distribution </a:t>
+                </a:r>
+                <a:r>
+                  <a:rPr lang="el-GR" sz="1800" dirty="0">
+                    <a:solidFill>
+                      <a:schemeClr val="bg1">
+                        <a:lumMod val="50000"/>
+                      </a:schemeClr>
+                    </a:solidFill>
+                    <a:latin typeface="Palatino" pitchFamily="2" charset="77"/>
+                    <a:ea typeface="Palatino" pitchFamily="2" charset="77"/>
+                  </a:rPr>
+                  <a:t>γ</a:t>
+                </a:r>
+                <a:r>
+                  <a:rPr lang="en-GB" sz="1800" dirty="0">
+                    <a:solidFill>
+                      <a:schemeClr val="bg1">
+                        <a:lumMod val="50000"/>
+                      </a:schemeClr>
+                    </a:solidFill>
+                    <a:latin typeface="Palatino" pitchFamily="2" charset="77"/>
+                    <a:ea typeface="Palatino" pitchFamily="2" charset="77"/>
+                  </a:rPr>
+                  <a:t>ₜ over the arms that:</a:t>
+                </a:r>
+              </a:p>
+              <a:p>
+                <a:pPr>
+                  <a:spcBef>
+                    <a:spcPts val="0"/>
+                  </a:spcBef>
+                </a:pPr>
+                <a:r>
+                  <a:rPr lang="en-GB" sz="1800" dirty="0">
+                    <a:solidFill>
+                      <a:schemeClr val="bg1">
+                        <a:lumMod val="50000"/>
+                      </a:schemeClr>
+                    </a:solidFill>
+                    <a:latin typeface="Palatino" pitchFamily="2" charset="77"/>
+                    <a:ea typeface="Palatino" pitchFamily="2" charset="77"/>
+                  </a:rPr>
+                  <a:t>Respects an </a:t>
+                </a:r>
+                <a:r>
+                  <a:rPr lang="en-GB" sz="1800" i="1" dirty="0">
+                    <a:solidFill>
+                      <a:schemeClr val="bg1">
+                        <a:lumMod val="50000"/>
+                      </a:schemeClr>
+                    </a:solidFill>
+                    <a:latin typeface="Palatino" pitchFamily="2" charset="77"/>
+                    <a:ea typeface="Palatino" pitchFamily="2" charset="77"/>
+                  </a:rPr>
+                  <a:t>average consumption constraint </a:t>
+                </a:r>
+                <a:r>
+                  <a:rPr lang="en-GB" sz="1800" dirty="0">
+                    <a:solidFill>
+                      <a:schemeClr val="bg1">
+                        <a:lumMod val="50000"/>
+                      </a:schemeClr>
+                    </a:solidFill>
+                    <a:latin typeface="Palatino" pitchFamily="2" charset="77"/>
+                    <a:ea typeface="Palatino" pitchFamily="2" charset="77"/>
+                  </a:rPr>
+                  <a:t>≤ </a:t>
+                </a:r>
+                <a14:m>
+                  <m:oMath xmlns:m="http://schemas.openxmlformats.org/officeDocument/2006/math">
+                    <m:r>
+                      <a:rPr lang="en-GB" sz="1800" i="1" smtClean="0">
+                        <a:solidFill>
+                          <a:schemeClr val="bg1">
+                            <a:lumMod val="50000"/>
+                          </a:schemeClr>
+                        </a:solidFill>
+                        <a:latin typeface="Cambria Math" panose="02040503050406030204" pitchFamily="18" charset="0"/>
+                        <a:ea typeface="Cambria Math" panose="02040503050406030204" pitchFamily="18" charset="0"/>
+                      </a:rPr>
+                      <m:t>𝜌</m:t>
+                    </m:r>
+                  </m:oMath>
+                </a14:m>
+                <a:r>
+                  <a:rPr lang="it-IT" sz="1800" dirty="0">
+                    <a:solidFill>
+                      <a:schemeClr val="bg1">
+                        <a:lumMod val="50000"/>
+                      </a:schemeClr>
+                    </a:solidFill>
+                    <a:latin typeface="Palatino" pitchFamily="2" charset="77"/>
+                    <a:ea typeface="Palatino" pitchFamily="2" charset="77"/>
+                  </a:rPr>
+                  <a:t> </a:t>
+                </a:r>
+                <a:r>
+                  <a:rPr lang="el-GR" sz="1800" dirty="0">
+                    <a:solidFill>
+                      <a:schemeClr val="bg1">
+                        <a:lumMod val="50000"/>
+                      </a:schemeClr>
+                    </a:solidFill>
+                    <a:latin typeface="Palatino" pitchFamily="2" charset="77"/>
+                    <a:ea typeface="Palatino" pitchFamily="2" charset="77"/>
+                  </a:rPr>
+                  <a:t>= </a:t>
+                </a:r>
+                <a:r>
+                  <a:rPr lang="en-GB" sz="1800" dirty="0">
+                    <a:solidFill>
+                      <a:schemeClr val="bg1">
+                        <a:lumMod val="50000"/>
+                      </a:schemeClr>
+                    </a:solidFill>
+                    <a:latin typeface="Palatino" pitchFamily="2" charset="77"/>
+                    <a:ea typeface="Palatino" pitchFamily="2" charset="77"/>
+                  </a:rPr>
+                  <a:t>B/T</a:t>
+                </a:r>
+              </a:p>
+              <a:p>
+                <a:pPr>
+                  <a:spcBef>
+                    <a:spcPts val="0"/>
+                  </a:spcBef>
+                </a:pPr>
+                <a:r>
+                  <a:rPr lang="en-GB" sz="1800" dirty="0">
+                    <a:solidFill>
+                      <a:schemeClr val="bg1">
+                        <a:lumMod val="50000"/>
+                      </a:schemeClr>
+                    </a:solidFill>
+                    <a:latin typeface="Palatino" pitchFamily="2" charset="77"/>
+                    <a:ea typeface="Palatino" pitchFamily="2" charset="77"/>
+                  </a:rPr>
+                  <a:t>Maximizes the expected reward</a:t>
+                </a:r>
+              </a:p>
+              <a:p>
+                <a:pPr>
+                  <a:spcBef>
+                    <a:spcPts val="0"/>
+                  </a:spcBef>
+                </a:pPr>
+                <a:r>
+                  <a:rPr lang="en-GB" sz="1800" dirty="0">
+                    <a:solidFill>
+                      <a:schemeClr val="bg1">
+                        <a:lumMod val="50000"/>
+                      </a:schemeClr>
+                    </a:solidFill>
+                    <a:latin typeface="Palatino" pitchFamily="2" charset="77"/>
+                    <a:ea typeface="Palatino" pitchFamily="2" charset="77"/>
+                  </a:rPr>
+                  <a:t>Is a probability distribution - weights sum to 1</a:t>
+                </a:r>
+              </a:p>
+              <a:p>
+                <a:pPr marL="0" indent="0">
+                  <a:spcBef>
+                    <a:spcPts val="0"/>
+                  </a:spcBef>
+                  <a:spcAft>
+                    <a:spcPts val="1200"/>
+                  </a:spcAft>
+                  <a:buNone/>
+                </a:pPr>
+                <a:endParaRPr lang="en-IT" sz="1200" dirty="0">
+                  <a:solidFill>
+                    <a:schemeClr val="bg1">
+                      <a:lumMod val="50000"/>
+                    </a:schemeClr>
+                  </a:solidFill>
+                  <a:latin typeface="Palatino" pitchFamily="2" charset="77"/>
+                  <a:ea typeface="Palatino" pitchFamily="2" charset="77"/>
+                </a:endParaRPr>
+              </a:p>
+            </p:txBody>
+          </p:sp>
+        </mc:Choice>
+        <mc:Fallback xmlns="">
+          <p:sp>
+            <p:nvSpPr>
+              <p:cNvPr id="3" name="Content Placeholder 2">
+                <a:extLst>
+                  <a:ext uri="{FF2B5EF4-FFF2-40B4-BE49-F238E27FC236}">
+                    <a16:creationId xmlns:a16="http://schemas.microsoft.com/office/drawing/2014/main" id="{9A5D5EC5-440C-2C3A-2C09-0894CBA98934}"/>
+                  </a:ext>
+                </a:extLst>
+              </p:cNvPr>
+              <p:cNvSpPr>
+                <a:spLocks noGrp="1" noRot="1" noChangeAspect="1" noMove="1" noResize="1" noEditPoints="1" noAdjustHandles="1" noChangeArrowheads="1" noChangeShapeType="1" noTextEdit="1"/>
+              </p:cNvSpPr>
+              <p:nvPr>
+                <p:ph idx="1"/>
+              </p:nvPr>
+            </p:nvSpPr>
+            <p:spPr>
+              <a:xfrm>
+                <a:off x="838199" y="1668322"/>
+                <a:ext cx="10850697" cy="4368921"/>
+              </a:xfrm>
+              <a:blipFill>
+                <a:blip r:embed="rId2"/>
+                <a:stretch>
+                  <a:fillRect l="-818" t="-2029"/>
+                </a:stretch>
+              </a:blipFill>
+            </p:spPr>
+            <p:txBody>
+              <a:bodyPr/>
+              <a:lstStyle/>
+              <a:p>
+                <a:r>
+                  <a:rPr lang="en-IT">
+                    <a:noFill/>
+                  </a:rPr>
+                  <a:t> </a:t>
+                </a:r>
+              </a:p>
+            </p:txBody>
+          </p:sp>
+        </mc:Fallback>
+      </mc:AlternateContent>
     </p:spTree>
     <p:extLst>
       <p:ext uri="{BB962C8B-B14F-4D97-AF65-F5344CB8AC3E}">
-        <p14:creationId xmlns:p14="http://schemas.microsoft.com/office/powerpoint/2010/main" val="3668777988"/>
+        <p14:creationId xmlns:p14="http://schemas.microsoft.com/office/powerpoint/2010/main" val="2574159348"/>
       </p:ext>
     </p:extLst>
   </p:cSld>

--- a/Slides.pptx
+++ b/Slides.pptx
@@ -5,7 +5,7 @@
     <p:sldMasterId id="2147483648" r:id="rId1"/>
   </p:sldMasterIdLst>
   <p:notesMasterIdLst>
-    <p:notesMasterId r:id="rId32"/>
+    <p:notesMasterId r:id="rId41"/>
   </p:notesMasterIdLst>
   <p:sldIdLst>
     <p:sldId id="256" r:id="rId2"/>
@@ -38,6 +38,15 @@
     <p:sldId id="293" r:id="rId29"/>
     <p:sldId id="294" r:id="rId30"/>
     <p:sldId id="295" r:id="rId31"/>
+    <p:sldId id="298" r:id="rId32"/>
+    <p:sldId id="300" r:id="rId33"/>
+    <p:sldId id="302" r:id="rId34"/>
+    <p:sldId id="303" r:id="rId35"/>
+    <p:sldId id="304" r:id="rId36"/>
+    <p:sldId id="305" r:id="rId37"/>
+    <p:sldId id="306" r:id="rId38"/>
+    <p:sldId id="307" r:id="rId39"/>
+    <p:sldId id="308" r:id="rId40"/>
   </p:sldIdLst>
   <p:sldSz cx="12192000" cy="6858000"/>
   <p:notesSz cx="6858000" cy="9144000"/>
@@ -171,6 +180,15 @@
             <p14:sldId id="293"/>
             <p14:sldId id="294"/>
             <p14:sldId id="295"/>
+            <p14:sldId id="298"/>
+            <p14:sldId id="300"/>
+            <p14:sldId id="302"/>
+            <p14:sldId id="303"/>
+            <p14:sldId id="304"/>
+            <p14:sldId id="305"/>
+            <p14:sldId id="306"/>
+            <p14:sldId id="307"/>
+            <p14:sldId id="308"/>
           </p14:sldIdLst>
         </p14:section>
       </p14:sectionLst>
@@ -264,7 +282,7 @@
           <a:p>
             <a:fld id="{AC7579C4-827E-8D48-847E-604DD0DCC39D}" type="datetimeFigureOut">
               <a:rPr lang="en-IT" smtClean="0"/>
-              <a:t>08/07/25</a:t>
+              <a:t>09/07/25</a:t>
             </a:fld>
             <a:endParaRPr lang="en-IT"/>
           </a:p>
@@ -1264,6 +1282,222 @@
 </p:notes>
 </file>
 
+<file path=ppt/notesSlides/notesSlide8.xml><?xml version="1.0" encoding="utf-8"?>
+<p:notes xmlns:a="http://schemas.openxmlformats.org/drawingml/2006/main" xmlns:r="http://schemas.openxmlformats.org/officeDocument/2006/relationships" xmlns:p="http://schemas.openxmlformats.org/presentationml/2006/main">
+  <p:cSld>
+    <p:spTree>
+      <p:nvGrpSpPr>
+        <p:cNvPr id="1" name="">
+          <a:extLst>
+            <a:ext uri="{FF2B5EF4-FFF2-40B4-BE49-F238E27FC236}">
+              <a16:creationId xmlns:a16="http://schemas.microsoft.com/office/drawing/2014/main" id="{89BBA906-3329-B0FF-967F-58CFA735998D}"/>
+            </a:ext>
+          </a:extLst>
+        </p:cNvPr>
+        <p:cNvGrpSpPr/>
+        <p:nvPr/>
+      </p:nvGrpSpPr>
+      <p:grpSpPr>
+        <a:xfrm>
+          <a:off x="0" y="0"/>
+          <a:ext cx="0" cy="0"/>
+          <a:chOff x="0" y="0"/>
+          <a:chExt cx="0" cy="0"/>
+        </a:xfrm>
+      </p:grpSpPr>
+      <p:sp>
+        <p:nvSpPr>
+          <p:cNvPr id="2" name="Slide Image Placeholder 1">
+            <a:extLst>
+              <a:ext uri="{FF2B5EF4-FFF2-40B4-BE49-F238E27FC236}">
+                <a16:creationId xmlns:a16="http://schemas.microsoft.com/office/drawing/2014/main" id="{E86FC562-1806-D07A-3A7D-9C13ECFF1517}"/>
+              </a:ext>
+            </a:extLst>
+          </p:cNvPr>
+          <p:cNvSpPr>
+            <a:spLocks noGrp="1" noRot="1" noChangeAspect="1"/>
+          </p:cNvSpPr>
+          <p:nvPr>
+            <p:ph type="sldImg"/>
+          </p:nvPr>
+        </p:nvSpPr>
+        <p:spPr/>
+      </p:sp>
+      <p:sp>
+        <p:nvSpPr>
+          <p:cNvPr id="3" name="Notes Placeholder 2">
+            <a:extLst>
+              <a:ext uri="{FF2B5EF4-FFF2-40B4-BE49-F238E27FC236}">
+                <a16:creationId xmlns:a16="http://schemas.microsoft.com/office/drawing/2014/main" id="{E07F9CE0-7A3F-6D41-3043-3800EC195961}"/>
+              </a:ext>
+            </a:extLst>
+          </p:cNvPr>
+          <p:cNvSpPr>
+            <a:spLocks noGrp="1"/>
+          </p:cNvSpPr>
+          <p:nvPr>
+            <p:ph type="body" idx="1"/>
+          </p:nvPr>
+        </p:nvSpPr>
+        <p:spPr/>
+        <p:txBody>
+          <a:bodyPr/>
+          <a:lstStyle/>
+          <a:p>
+            <a:endParaRPr lang="en-IT" dirty="0"/>
+          </a:p>
+        </p:txBody>
+      </p:sp>
+      <p:sp>
+        <p:nvSpPr>
+          <p:cNvPr id="4" name="Slide Number Placeholder 3">
+            <a:extLst>
+              <a:ext uri="{FF2B5EF4-FFF2-40B4-BE49-F238E27FC236}">
+                <a16:creationId xmlns:a16="http://schemas.microsoft.com/office/drawing/2014/main" id="{DC97E2D3-209F-41C9-38C7-237C11453D62}"/>
+              </a:ext>
+            </a:extLst>
+          </p:cNvPr>
+          <p:cNvSpPr>
+            <a:spLocks noGrp="1"/>
+          </p:cNvSpPr>
+          <p:nvPr>
+            <p:ph type="sldNum" sz="quarter" idx="5"/>
+          </p:nvPr>
+        </p:nvSpPr>
+        <p:spPr/>
+        <p:txBody>
+          <a:bodyPr/>
+          <a:lstStyle/>
+          <a:p>
+            <a:fld id="{4CF2BA9C-3F3B-B24C-BD51-7D1F2E3C25B9}" type="slidenum">
+              <a:rPr lang="en-IT" smtClean="0"/>
+              <a:t>31</a:t>
+            </a:fld>
+            <a:endParaRPr lang="en-IT"/>
+          </a:p>
+        </p:txBody>
+      </p:sp>
+    </p:spTree>
+    <p:extLst>
+      <p:ext uri="{BB962C8B-B14F-4D97-AF65-F5344CB8AC3E}">
+        <p14:creationId xmlns:p14="http://schemas.microsoft.com/office/powerpoint/2010/main" val="4051336438"/>
+      </p:ext>
+    </p:extLst>
+  </p:cSld>
+  <p:clrMapOvr>
+    <a:masterClrMapping/>
+  </p:clrMapOvr>
+</p:notes>
+</file>
+
+<file path=ppt/notesSlides/notesSlide9.xml><?xml version="1.0" encoding="utf-8"?>
+<p:notes xmlns:a="http://schemas.openxmlformats.org/drawingml/2006/main" xmlns:r="http://schemas.openxmlformats.org/officeDocument/2006/relationships" xmlns:p="http://schemas.openxmlformats.org/presentationml/2006/main">
+  <p:cSld>
+    <p:spTree>
+      <p:nvGrpSpPr>
+        <p:cNvPr id="1" name="">
+          <a:extLst>
+            <a:ext uri="{FF2B5EF4-FFF2-40B4-BE49-F238E27FC236}">
+              <a16:creationId xmlns:a16="http://schemas.microsoft.com/office/drawing/2014/main" id="{F0548C83-B1DE-3FAA-2B7D-44895635D6EE}"/>
+            </a:ext>
+          </a:extLst>
+        </p:cNvPr>
+        <p:cNvGrpSpPr/>
+        <p:nvPr/>
+      </p:nvGrpSpPr>
+      <p:grpSpPr>
+        <a:xfrm>
+          <a:off x="0" y="0"/>
+          <a:ext cx="0" cy="0"/>
+          <a:chOff x="0" y="0"/>
+          <a:chExt cx="0" cy="0"/>
+        </a:xfrm>
+      </p:grpSpPr>
+      <p:sp>
+        <p:nvSpPr>
+          <p:cNvPr id="2" name="Slide Image Placeholder 1">
+            <a:extLst>
+              <a:ext uri="{FF2B5EF4-FFF2-40B4-BE49-F238E27FC236}">
+                <a16:creationId xmlns:a16="http://schemas.microsoft.com/office/drawing/2014/main" id="{51F49379-78CB-3055-E961-9AC804A4879E}"/>
+              </a:ext>
+            </a:extLst>
+          </p:cNvPr>
+          <p:cNvSpPr>
+            <a:spLocks noGrp="1" noRot="1" noChangeAspect="1"/>
+          </p:cNvSpPr>
+          <p:nvPr>
+            <p:ph type="sldImg"/>
+          </p:nvPr>
+        </p:nvSpPr>
+        <p:spPr/>
+      </p:sp>
+      <p:sp>
+        <p:nvSpPr>
+          <p:cNvPr id="3" name="Notes Placeholder 2">
+            <a:extLst>
+              <a:ext uri="{FF2B5EF4-FFF2-40B4-BE49-F238E27FC236}">
+                <a16:creationId xmlns:a16="http://schemas.microsoft.com/office/drawing/2014/main" id="{25795EE1-3946-C7B7-52EF-784A76B2E0F9}"/>
+              </a:ext>
+            </a:extLst>
+          </p:cNvPr>
+          <p:cNvSpPr>
+            <a:spLocks noGrp="1"/>
+          </p:cNvSpPr>
+          <p:nvPr>
+            <p:ph type="body" idx="1"/>
+          </p:nvPr>
+        </p:nvSpPr>
+        <p:spPr/>
+        <p:txBody>
+          <a:bodyPr/>
+          <a:lstStyle/>
+          <a:p>
+            <a:endParaRPr lang="en-IT" dirty="0"/>
+          </a:p>
+        </p:txBody>
+      </p:sp>
+      <p:sp>
+        <p:nvSpPr>
+          <p:cNvPr id="4" name="Slide Number Placeholder 3">
+            <a:extLst>
+              <a:ext uri="{FF2B5EF4-FFF2-40B4-BE49-F238E27FC236}">
+                <a16:creationId xmlns:a16="http://schemas.microsoft.com/office/drawing/2014/main" id="{79A5FF38-0F16-E05A-6035-37702EE19EAB}"/>
+              </a:ext>
+            </a:extLst>
+          </p:cNvPr>
+          <p:cNvSpPr>
+            <a:spLocks noGrp="1"/>
+          </p:cNvSpPr>
+          <p:nvPr>
+            <p:ph type="sldNum" sz="quarter" idx="5"/>
+          </p:nvPr>
+        </p:nvSpPr>
+        <p:spPr/>
+        <p:txBody>
+          <a:bodyPr/>
+          <a:lstStyle/>
+          <a:p>
+            <a:fld id="{4CF2BA9C-3F3B-B24C-BD51-7D1F2E3C25B9}" type="slidenum">
+              <a:rPr lang="en-IT" smtClean="0"/>
+              <a:t>32</a:t>
+            </a:fld>
+            <a:endParaRPr lang="en-IT"/>
+          </a:p>
+        </p:txBody>
+      </p:sp>
+    </p:spTree>
+    <p:extLst>
+      <p:ext uri="{BB962C8B-B14F-4D97-AF65-F5344CB8AC3E}">
+        <p14:creationId xmlns:p14="http://schemas.microsoft.com/office/powerpoint/2010/main" val="2835216293"/>
+      </p:ext>
+    </p:extLst>
+  </p:cSld>
+  <p:clrMapOvr>
+    <a:masterClrMapping/>
+  </p:clrMapOvr>
+</p:notes>
+</file>
+
 <file path=ppt/slideLayouts/slideLayout1.xml><?xml version="1.0" encoding="utf-8"?>
 <p:sldLayout xmlns:a="http://schemas.openxmlformats.org/drawingml/2006/main" xmlns:r="http://schemas.openxmlformats.org/officeDocument/2006/relationships" xmlns:p="http://schemas.openxmlformats.org/presentationml/2006/main" type="title" preserve="1">
   <p:cSld name="Title Slide">
@@ -1413,7 +1647,7 @@
           <a:p>
             <a:fld id="{BAAB3F1A-52E2-1844-9591-9C5D5672B009}" type="datetimeFigureOut">
               <a:rPr lang="en-IT" smtClean="0"/>
-              <a:t>08/07/25</a:t>
+              <a:t>09/07/25</a:t>
             </a:fld>
             <a:endParaRPr lang="en-IT"/>
           </a:p>
@@ -1613,7 +1847,7 @@
           <a:p>
             <a:fld id="{BAAB3F1A-52E2-1844-9591-9C5D5672B009}" type="datetimeFigureOut">
               <a:rPr lang="en-IT" smtClean="0"/>
-              <a:t>08/07/25</a:t>
+              <a:t>09/07/25</a:t>
             </a:fld>
             <a:endParaRPr lang="en-IT"/>
           </a:p>
@@ -1823,7 +2057,7 @@
           <a:p>
             <a:fld id="{BAAB3F1A-52E2-1844-9591-9C5D5672B009}" type="datetimeFigureOut">
               <a:rPr lang="en-IT" smtClean="0"/>
-              <a:t>08/07/25</a:t>
+              <a:t>09/07/25</a:t>
             </a:fld>
             <a:endParaRPr lang="en-IT"/>
           </a:p>
@@ -2023,7 +2257,7 @@
           <a:p>
             <a:fld id="{BAAB3F1A-52E2-1844-9591-9C5D5672B009}" type="datetimeFigureOut">
               <a:rPr lang="en-IT" smtClean="0"/>
-              <a:t>08/07/25</a:t>
+              <a:t>09/07/25</a:t>
             </a:fld>
             <a:endParaRPr lang="en-IT"/>
           </a:p>
@@ -2299,7 +2533,7 @@
           <a:p>
             <a:fld id="{BAAB3F1A-52E2-1844-9591-9C5D5672B009}" type="datetimeFigureOut">
               <a:rPr lang="en-IT" smtClean="0"/>
-              <a:t>08/07/25</a:t>
+              <a:t>09/07/25</a:t>
             </a:fld>
             <a:endParaRPr lang="en-IT"/>
           </a:p>
@@ -2567,7 +2801,7 @@
           <a:p>
             <a:fld id="{BAAB3F1A-52E2-1844-9591-9C5D5672B009}" type="datetimeFigureOut">
               <a:rPr lang="en-IT" smtClean="0"/>
-              <a:t>08/07/25</a:t>
+              <a:t>09/07/25</a:t>
             </a:fld>
             <a:endParaRPr lang="en-IT"/>
           </a:p>
@@ -2982,7 +3216,7 @@
           <a:p>
             <a:fld id="{BAAB3F1A-52E2-1844-9591-9C5D5672B009}" type="datetimeFigureOut">
               <a:rPr lang="en-IT" smtClean="0"/>
-              <a:t>08/07/25</a:t>
+              <a:t>09/07/25</a:t>
             </a:fld>
             <a:endParaRPr lang="en-IT"/>
           </a:p>
@@ -3124,7 +3358,7 @@
           <a:p>
             <a:fld id="{BAAB3F1A-52E2-1844-9591-9C5D5672B009}" type="datetimeFigureOut">
               <a:rPr lang="en-IT" smtClean="0"/>
-              <a:t>08/07/25</a:t>
+              <a:t>09/07/25</a:t>
             </a:fld>
             <a:endParaRPr lang="en-IT"/>
           </a:p>
@@ -3237,7 +3471,7 @@
           <a:p>
             <a:fld id="{BAAB3F1A-52E2-1844-9591-9C5D5672B009}" type="datetimeFigureOut">
               <a:rPr lang="en-IT" smtClean="0"/>
-              <a:t>08/07/25</a:t>
+              <a:t>09/07/25</a:t>
             </a:fld>
             <a:endParaRPr lang="en-IT"/>
           </a:p>
@@ -3550,7 +3784,7 @@
           <a:p>
             <a:fld id="{BAAB3F1A-52E2-1844-9591-9C5D5672B009}" type="datetimeFigureOut">
               <a:rPr lang="en-IT" smtClean="0"/>
-              <a:t>08/07/25</a:t>
+              <a:t>09/07/25</a:t>
             </a:fld>
             <a:endParaRPr lang="en-IT"/>
           </a:p>
@@ -3839,7 +4073,7 @@
           <a:p>
             <a:fld id="{BAAB3F1A-52E2-1844-9591-9C5D5672B009}" type="datetimeFigureOut">
               <a:rPr lang="en-IT" smtClean="0"/>
-              <a:t>08/07/25</a:t>
+              <a:t>09/07/25</a:t>
             </a:fld>
             <a:endParaRPr lang="en-IT"/>
           </a:p>
@@ -4082,7 +4316,7 @@
           <a:p>
             <a:fld id="{BAAB3F1A-52E2-1844-9591-9C5D5672B009}" type="datetimeFigureOut">
               <a:rPr lang="en-IT" smtClean="0"/>
-              <a:t>08/07/25</a:t>
+              <a:t>09/07/25</a:t>
             </a:fld>
             <a:endParaRPr lang="en-IT"/>
           </a:p>
@@ -4890,8 +5124,8 @@
           </a:p>
         </p:txBody>
       </p:sp>
-      <mc:AlternateContent xmlns:mc="http://schemas.openxmlformats.org/markup-compatibility/2006">
-        <mc:Choice xmlns:a14="http://schemas.microsoft.com/office/drawing/2010/main" Requires="a14">
+      <mc:AlternateContent xmlns:mc="http://schemas.openxmlformats.org/markup-compatibility/2006" xmlns:a14="http://schemas.microsoft.com/office/drawing/2010/main">
+        <mc:Choice Requires="a14">
           <p:sp>
             <p:nvSpPr>
               <p:cNvPr id="3" name="Content Placeholder 2">
@@ -5194,7 +5428,7 @@
             </p:txBody>
           </p:sp>
         </mc:Choice>
-        <mc:Fallback>
+        <mc:Fallback xmlns="">
           <p:sp>
             <p:nvSpPr>
               <p:cNvPr id="3" name="Content Placeholder 2">
@@ -9909,8 +10143,8 @@
           </a:p>
         </p:txBody>
       </p:sp>
-      <mc:AlternateContent xmlns:mc="http://schemas.openxmlformats.org/markup-compatibility/2006">
-        <mc:Choice xmlns:a14="http://schemas.microsoft.com/office/drawing/2010/main" Requires="a14">
+      <mc:AlternateContent xmlns:mc="http://schemas.openxmlformats.org/markup-compatibility/2006" xmlns:a14="http://schemas.microsoft.com/office/drawing/2010/main">
+        <mc:Choice Requires="a14">
           <p:sp>
             <p:nvSpPr>
               <p:cNvPr id="7" name="Content Placeholder 2">
@@ -10348,7 +10582,7 @@
             </p:txBody>
           </p:sp>
         </mc:Choice>
-        <mc:Fallback>
+        <mc:Fallback xmlns="">
           <p:sp>
             <p:nvSpPr>
               <p:cNvPr id="7" name="Content Placeholder 2">
@@ -11032,8 +11266,8 @@
           </a:p>
         </p:txBody>
       </p:sp>
-      <mc:AlternateContent xmlns:mc="http://schemas.openxmlformats.org/markup-compatibility/2006">
-        <mc:Choice xmlns:a14="http://schemas.microsoft.com/office/drawing/2010/main" Requires="a14">
+      <mc:AlternateContent xmlns:mc="http://schemas.openxmlformats.org/markup-compatibility/2006" xmlns:a14="http://schemas.microsoft.com/office/drawing/2010/main">
+        <mc:Choice Requires="a14">
           <p:sp>
             <p:nvSpPr>
               <p:cNvPr id="3" name="Content Placeholder 2">
@@ -11549,7 +11783,7 @@
             </p:txBody>
           </p:sp>
         </mc:Choice>
-        <mc:Fallback>
+        <mc:Fallback xmlns="">
           <p:sp>
             <p:nvSpPr>
               <p:cNvPr id="3" name="Content Placeholder 2">
@@ -12503,8 +12737,8 @@
           </a:p>
         </p:txBody>
       </p:sp>
-      <mc:AlternateContent xmlns:mc="http://schemas.openxmlformats.org/markup-compatibility/2006">
-        <mc:Choice xmlns:a14="http://schemas.microsoft.com/office/drawing/2010/main" Requires="a14">
+      <mc:AlternateContent xmlns:mc="http://schemas.openxmlformats.org/markup-compatibility/2006" xmlns:a14="http://schemas.microsoft.com/office/drawing/2010/main">
+        <mc:Choice Requires="a14">
           <p:sp>
             <p:nvSpPr>
               <p:cNvPr id="5" name="TextBox 4">
@@ -13269,7 +13503,7 @@
             </p:txBody>
           </p:sp>
         </mc:Choice>
-        <mc:Fallback>
+        <mc:Fallback xmlns="">
           <p:sp>
             <p:nvSpPr>
               <p:cNvPr id="5" name="TextBox 4">
@@ -13417,7 +13651,7 @@
                 <a:latin typeface="Palatino" pitchFamily="2" charset="77"/>
                 <a:ea typeface="Palatino" pitchFamily="2" charset="77"/>
               </a:rPr>
-              <a:t>With highly non-stationary environment</a:t>
+              <a:t>Single product with highly non-stationary environment</a:t>
             </a:r>
           </a:p>
         </p:txBody>
@@ -13426,6 +13660,4751 @@
     <p:extLst>
       <p:ext uri="{BB962C8B-B14F-4D97-AF65-F5344CB8AC3E}">
         <p14:creationId xmlns:p14="http://schemas.microsoft.com/office/powerpoint/2010/main" val="1955276177"/>
+      </p:ext>
+    </p:extLst>
+  </p:cSld>
+  <p:clrMapOvr>
+    <a:masterClrMapping/>
+  </p:clrMapOvr>
+</p:sld>
+</file>
+
+<file path=ppt/slides/slide31.xml><?xml version="1.0" encoding="utf-8"?>
+<p:sld xmlns:a="http://schemas.openxmlformats.org/drawingml/2006/main" xmlns:r="http://schemas.openxmlformats.org/officeDocument/2006/relationships" xmlns:p="http://schemas.openxmlformats.org/presentationml/2006/main">
+  <p:cSld>
+    <p:spTree>
+      <p:nvGrpSpPr>
+        <p:cNvPr id="1" name="">
+          <a:extLst>
+            <a:ext uri="{FF2B5EF4-FFF2-40B4-BE49-F238E27FC236}">
+              <a16:creationId xmlns:a16="http://schemas.microsoft.com/office/drawing/2014/main" id="{2F0F20E3-837D-7A8D-285B-16FDCE5F579A}"/>
+            </a:ext>
+          </a:extLst>
+        </p:cNvPr>
+        <p:cNvGrpSpPr/>
+        <p:nvPr/>
+      </p:nvGrpSpPr>
+      <p:grpSpPr>
+        <a:xfrm>
+          <a:off x="0" y="0"/>
+          <a:ext cx="0" cy="0"/>
+          <a:chOff x="0" y="0"/>
+          <a:chExt cx="0" cy="0"/>
+        </a:xfrm>
+      </p:grpSpPr>
+      <p:sp>
+        <p:nvSpPr>
+          <p:cNvPr id="2" name="Title 1">
+            <a:extLst>
+              <a:ext uri="{FF2B5EF4-FFF2-40B4-BE49-F238E27FC236}">
+                <a16:creationId xmlns:a16="http://schemas.microsoft.com/office/drawing/2014/main" id="{0B71AC0D-40E7-3B87-DF50-A3029D44D23D}"/>
+              </a:ext>
+            </a:extLst>
+          </p:cNvPr>
+          <p:cNvSpPr>
+            <a:spLocks noGrp="1"/>
+          </p:cNvSpPr>
+          <p:nvPr>
+            <p:ph type="title"/>
+          </p:nvPr>
+        </p:nvSpPr>
+        <p:spPr/>
+        <p:txBody>
+          <a:bodyPr/>
+          <a:lstStyle/>
+          <a:p>
+            <a:r>
+              <a:rPr lang="en-IT" dirty="0">
+                <a:latin typeface="Palatino" pitchFamily="2" charset="77"/>
+                <a:ea typeface="Palatino" pitchFamily="2" charset="77"/>
+              </a:rPr>
+              <a:t>Setting</a:t>
+            </a:r>
+          </a:p>
+        </p:txBody>
+      </p:sp>
+      <mc:AlternateContent xmlns:mc="http://schemas.openxmlformats.org/markup-compatibility/2006" xmlns:a14="http://schemas.microsoft.com/office/drawing/2010/main">
+        <mc:Choice Requires="a14">
+          <p:sp>
+            <p:nvSpPr>
+              <p:cNvPr id="5" name="TextBox 4">
+                <a:extLst>
+                  <a:ext uri="{FF2B5EF4-FFF2-40B4-BE49-F238E27FC236}">
+                    <a16:creationId xmlns:a16="http://schemas.microsoft.com/office/drawing/2014/main" id="{361CA15F-6625-EE0A-0209-557B27AC04D9}"/>
+                  </a:ext>
+                </a:extLst>
+              </p:cNvPr>
+              <p:cNvSpPr txBox="1"/>
+              <p:nvPr/>
+            </p:nvSpPr>
+            <p:spPr>
+              <a:xfrm>
+                <a:off x="838200" y="1690688"/>
+                <a:ext cx="10786242" cy="3077766"/>
+              </a:xfrm>
+              <a:prstGeom prst="rect">
+                <a:avLst/>
+              </a:prstGeom>
+              <a:noFill/>
+            </p:spPr>
+            <p:txBody>
+              <a:bodyPr wrap="square" rtlCol="0">
+                <a:spAutoFit/>
+              </a:bodyPr>
+              <a:lstStyle/>
+              <a:p>
+                <a:pPr>
+                  <a:spcAft>
+                    <a:spcPts val="1200"/>
+                  </a:spcAft>
+                </a:pPr>
+                <a:r>
+                  <a:rPr lang="en-IT" sz="2400" dirty="0">
+                    <a:latin typeface="Palatino" pitchFamily="2" charset="77"/>
+                    <a:ea typeface="Palatino" pitchFamily="2" charset="77"/>
+                  </a:rPr>
+                  <a:t>Assumptions</a:t>
+                </a:r>
+                <a:endParaRPr lang="en-IT" sz="2000" dirty="0">
+                  <a:latin typeface="Palatino" pitchFamily="2" charset="77"/>
+                  <a:ea typeface="Palatino" pitchFamily="2" charset="77"/>
+                </a:endParaRPr>
+              </a:p>
+              <a:p>
+                <a:r>
+                  <a:rPr lang="en-IT" dirty="0">
+                    <a:solidFill>
+                      <a:schemeClr val="bg1">
+                        <a:lumMod val="50000"/>
+                      </a:schemeClr>
+                    </a:solidFill>
+                    <a:latin typeface="Palatino" pitchFamily="2" charset="77"/>
+                    <a:ea typeface="Palatino" pitchFamily="2" charset="77"/>
+                  </a:rPr>
+                  <a:t>Starting buyer valuation </a:t>
+                </a:r>
+                <a:r>
+                  <a:rPr lang="en-IT" i="1" dirty="0">
+                    <a:solidFill>
+                      <a:schemeClr val="bg1">
+                        <a:lumMod val="50000"/>
+                      </a:schemeClr>
+                    </a:solidFill>
+                    <a:latin typeface="Palatino" pitchFamily="2" charset="77"/>
+                    <a:ea typeface="Palatino" pitchFamily="2" charset="77"/>
+                  </a:rPr>
+                  <a:t>v</a:t>
+                </a:r>
+                <a:r>
+                  <a:rPr lang="en-IT" i="1" baseline="-25000" dirty="0">
+                    <a:solidFill>
+                      <a:schemeClr val="bg1">
+                        <a:lumMod val="50000"/>
+                      </a:schemeClr>
+                    </a:solidFill>
+                    <a:latin typeface="Palatino" pitchFamily="2" charset="77"/>
+                    <a:ea typeface="Palatino" pitchFamily="2" charset="77"/>
+                  </a:rPr>
+                  <a:t>start</a:t>
+                </a:r>
+                <a:r>
+                  <a:rPr lang="en-IT" i="1" dirty="0">
+                    <a:solidFill>
+                      <a:schemeClr val="bg1">
+                        <a:lumMod val="50000"/>
+                      </a:schemeClr>
+                    </a:solidFill>
+                    <a:latin typeface="Palatino" pitchFamily="2" charset="77"/>
+                    <a:ea typeface="Palatino" pitchFamily="2" charset="77"/>
+                  </a:rPr>
+                  <a:t> = 5.00€</a:t>
+                </a:r>
+              </a:p>
+              <a:p>
+                <a:r>
+                  <a:rPr lang="en-IT" dirty="0">
+                    <a:solidFill>
+                      <a:schemeClr val="bg1">
+                        <a:lumMod val="50000"/>
+                      </a:schemeClr>
+                    </a:solidFill>
+                    <a:latin typeface="Palatino" pitchFamily="2" charset="77"/>
+                    <a:ea typeface="Palatino" pitchFamily="2" charset="77"/>
+                  </a:rPr>
+                  <a:t>Single product production cost </a:t>
+                </a:r>
+                <a:r>
+                  <a:rPr lang="en-IT" i="1" dirty="0">
+                    <a:solidFill>
+                      <a:schemeClr val="bg1">
+                        <a:lumMod val="50000"/>
+                      </a:schemeClr>
+                    </a:solidFill>
+                    <a:latin typeface="Palatino" pitchFamily="2" charset="77"/>
+                    <a:ea typeface="Palatino" pitchFamily="2" charset="77"/>
+                  </a:rPr>
+                  <a:t>c = 2.00€</a:t>
+                </a:r>
+                <a:endParaRPr lang="en-IT" dirty="0">
+                  <a:latin typeface="Palatino" pitchFamily="2" charset="77"/>
+                  <a:ea typeface="Palatino" pitchFamily="2" charset="77"/>
+                </a:endParaRPr>
+              </a:p>
+              <a:p>
+                <a:endParaRPr lang="en-IT" dirty="0">
+                  <a:latin typeface="Palatino" pitchFamily="2" charset="77"/>
+                  <a:ea typeface="Palatino" pitchFamily="2" charset="77"/>
+                </a:endParaRPr>
+              </a:p>
+              <a:p>
+                <a:pPr>
+                  <a:spcAft>
+                    <a:spcPts val="1200"/>
+                  </a:spcAft>
+                </a:pPr>
+                <a:r>
+                  <a:rPr lang="en-IT" sz="2400" dirty="0">
+                    <a:latin typeface="Palatino" pitchFamily="2" charset="77"/>
+                    <a:ea typeface="Palatino" pitchFamily="2" charset="77"/>
+                  </a:rPr>
+                  <a:t>Parameters setting</a:t>
+                </a:r>
+                <a:endParaRPr lang="en-IT" sz="2000" dirty="0">
+                  <a:latin typeface="Palatino" pitchFamily="2" charset="77"/>
+                  <a:ea typeface="Palatino" pitchFamily="2" charset="77"/>
+                </a:endParaRPr>
+              </a:p>
+              <a:p>
+                <a:r>
+                  <a:rPr lang="en-IT" i="1" dirty="0">
+                    <a:solidFill>
+                      <a:schemeClr val="bg1">
+                        <a:lumMod val="50000"/>
+                      </a:schemeClr>
+                    </a:solidFill>
+                    <a:latin typeface="Palatino" pitchFamily="2" charset="77"/>
+                    <a:ea typeface="Palatino" pitchFamily="2" charset="77"/>
+                  </a:rPr>
+                  <a:t>T = 20000</a:t>
+                </a:r>
+              </a:p>
+              <a:p>
+                <a:r>
+                  <a:rPr lang="en-IT" i="1" dirty="0">
+                    <a:solidFill>
+                      <a:schemeClr val="bg1">
+                        <a:lumMod val="50000"/>
+                      </a:schemeClr>
+                    </a:solidFill>
+                    <a:latin typeface="Palatino" pitchFamily="2" charset="77"/>
+                    <a:ea typeface="Palatino" pitchFamily="2" charset="77"/>
+                  </a:rPr>
+                  <a:t>P = </a:t>
+                </a:r>
+                <a:r>
+                  <a:rPr lang="en-GB" dirty="0">
+                    <a:solidFill>
+                      <a:schemeClr val="bg1">
+                        <a:lumMod val="50000"/>
+                      </a:schemeClr>
+                    </a:solidFill>
+                    <a:latin typeface="Palatino" pitchFamily="2" charset="77"/>
+                    <a:ea typeface="Palatino" pitchFamily="2" charset="77"/>
+                  </a:rPr>
+                  <a:t>{ x</a:t>
+                </a:r>
+                <a:r>
+                  <a:rPr lang="en-GB" baseline="-25000" dirty="0">
+                    <a:solidFill>
+                      <a:schemeClr val="bg1">
+                        <a:lumMod val="50000"/>
+                      </a:schemeClr>
+                    </a:solidFill>
+                    <a:latin typeface="Palatino" pitchFamily="2" charset="77"/>
+                    <a:ea typeface="Palatino" pitchFamily="2" charset="77"/>
+                  </a:rPr>
+                  <a:t>1</a:t>
+                </a:r>
+                <a:r>
+                  <a:rPr lang="en-GB" dirty="0">
+                    <a:solidFill>
+                      <a:schemeClr val="bg1">
+                        <a:lumMod val="50000"/>
+                      </a:schemeClr>
+                    </a:solidFill>
+                    <a:latin typeface="Palatino" pitchFamily="2" charset="77"/>
+                    <a:ea typeface="Palatino" pitchFamily="2" charset="77"/>
+                  </a:rPr>
+                  <a:t>​, …, x</a:t>
+                </a:r>
+                <a:r>
+                  <a:rPr lang="en-GB" baseline="-25000" dirty="0">
+                    <a:solidFill>
+                      <a:schemeClr val="bg1">
+                        <a:lumMod val="50000"/>
+                      </a:schemeClr>
+                    </a:solidFill>
+                    <a:latin typeface="Palatino" pitchFamily="2" charset="77"/>
+                    <a:ea typeface="Palatino" pitchFamily="2" charset="77"/>
+                  </a:rPr>
+                  <a:t>k </a:t>
+                </a:r>
+                <a:r>
+                  <a:rPr lang="en-GB" dirty="0">
+                    <a:solidFill>
+                      <a:schemeClr val="bg1">
+                        <a:lumMod val="50000"/>
+                      </a:schemeClr>
+                    </a:solidFill>
+                    <a:latin typeface="Palatino" pitchFamily="2" charset="77"/>
+                    <a:ea typeface="Palatino" pitchFamily="2" charset="77"/>
+                  </a:rPr>
+                  <a:t>​} ⊂ </a:t>
+                </a:r>
+                <a14:m>
+                  <m:oMath xmlns:m="http://schemas.openxmlformats.org/officeDocument/2006/math">
+                    <m:r>
+                      <a:rPr lang="en-GB" i="1" dirty="0">
+                        <a:solidFill>
+                          <a:schemeClr val="bg1">
+                            <a:lumMod val="50000"/>
+                          </a:schemeClr>
+                        </a:solidFill>
+                        <a:latin typeface="Cambria Math" panose="02040503050406030204" pitchFamily="18" charset="0"/>
+                        <a:ea typeface="Cambria Math" panose="02040503050406030204" pitchFamily="18" charset="0"/>
+                      </a:rPr>
+                      <m:t>ℝ</m:t>
+                    </m:r>
+                  </m:oMath>
+                </a14:m>
+                <a:r>
+                  <a:rPr lang="en-GB" dirty="0">
+                    <a:solidFill>
+                      <a:schemeClr val="bg1">
+                        <a:lumMod val="50000"/>
+                      </a:schemeClr>
+                    </a:solidFill>
+                    <a:latin typeface="Palatino" pitchFamily="2" charset="77"/>
+                    <a:ea typeface="Palatino" pitchFamily="2" charset="77"/>
+                  </a:rPr>
+                  <a:t> set of K eq. spaced points in [0, 2 </a:t>
+                </a:r>
+                <a14:m>
+                  <m:oMath xmlns:m="http://schemas.openxmlformats.org/officeDocument/2006/math">
+                    <m:r>
+                      <a:rPr lang="en-GB" i="1">
+                        <a:solidFill>
+                          <a:schemeClr val="bg1">
+                            <a:lumMod val="50000"/>
+                          </a:schemeClr>
+                        </a:solidFill>
+                        <a:latin typeface="Cambria Math" panose="02040503050406030204" pitchFamily="18" charset="0"/>
+                        <a:ea typeface="Cambria Math" panose="02040503050406030204" pitchFamily="18" charset="0"/>
+                      </a:rPr>
+                      <m:t>∙</m:t>
+                    </m:r>
+                  </m:oMath>
+                </a14:m>
+                <a:r>
+                  <a:rPr lang="en-GB" dirty="0">
+                    <a:solidFill>
+                      <a:schemeClr val="bg1">
+                        <a:lumMod val="50000"/>
+                      </a:schemeClr>
+                    </a:solidFill>
+                    <a:latin typeface="Palatino" pitchFamily="2" charset="77"/>
+                    <a:ea typeface="Palatino" pitchFamily="2" charset="77"/>
+                  </a:rPr>
+                  <a:t> </a:t>
+                </a:r>
+                <a:r>
+                  <a:rPr lang="en-IT" i="1" dirty="0">
+                    <a:solidFill>
+                      <a:schemeClr val="bg1">
+                        <a:lumMod val="50000"/>
+                      </a:schemeClr>
+                    </a:solidFill>
+                    <a:latin typeface="Palatino" pitchFamily="2" charset="77"/>
+                    <a:ea typeface="Palatino" pitchFamily="2" charset="77"/>
+                  </a:rPr>
+                  <a:t>v</a:t>
+                </a:r>
+                <a:r>
+                  <a:rPr lang="en-IT" i="1" baseline="-25000" dirty="0">
+                    <a:solidFill>
+                      <a:schemeClr val="bg1">
+                        <a:lumMod val="50000"/>
+                      </a:schemeClr>
+                    </a:solidFill>
+                    <a:latin typeface="Palatino" pitchFamily="2" charset="77"/>
+                    <a:ea typeface="Palatino" pitchFamily="2" charset="77"/>
+                  </a:rPr>
+                  <a:t>start</a:t>
+                </a:r>
+                <a:r>
+                  <a:rPr lang="en-GB" dirty="0">
+                    <a:solidFill>
+                      <a:schemeClr val="bg1">
+                        <a:lumMod val="50000"/>
+                      </a:schemeClr>
+                    </a:solidFill>
+                    <a:latin typeface="Palatino" pitchFamily="2" charset="77"/>
+                    <a:ea typeface="Palatino" pitchFamily="2" charset="77"/>
+                  </a:rPr>
+                  <a:t>]</a:t>
+                </a:r>
+                <a:endParaRPr lang="it-IT" i="1" dirty="0">
+                  <a:solidFill>
+                    <a:schemeClr val="bg1">
+                      <a:lumMod val="50000"/>
+                    </a:schemeClr>
+                  </a:solidFill>
+                  <a:latin typeface="Palatino" pitchFamily="2" charset="77"/>
+                  <a:ea typeface="Palatino" pitchFamily="2" charset="77"/>
+                </a:endParaRPr>
+              </a:p>
+              <a:p>
+                <a:r>
+                  <a:rPr lang="en-IT" i="1" dirty="0">
+                    <a:solidFill>
+                      <a:schemeClr val="bg1">
+                        <a:lumMod val="50000"/>
+                      </a:schemeClr>
+                    </a:solidFill>
+                    <a:latin typeface="Palatino" pitchFamily="2" charset="77"/>
+                    <a:ea typeface="Palatino" pitchFamily="2" charset="77"/>
+                  </a:rPr>
+                  <a:t>K = </a:t>
+                </a:r>
+                <a14:m>
+                  <m:oMath xmlns:m="http://schemas.openxmlformats.org/officeDocument/2006/math">
+                    <m:r>
+                      <a:rPr lang="it-IT" b="0" i="1" smtClean="0">
+                        <a:solidFill>
+                          <a:schemeClr val="bg1">
+                            <a:lumMod val="50000"/>
+                          </a:schemeClr>
+                        </a:solidFill>
+                        <a:latin typeface="Cambria Math" panose="02040503050406030204" pitchFamily="18" charset="0"/>
+                        <a:ea typeface="Palatino" pitchFamily="2" charset="77"/>
+                      </a:rPr>
+                      <m:t>| 10 |</m:t>
+                    </m:r>
+                  </m:oMath>
+                </a14:m>
+                <a:endParaRPr lang="it-IT" sz="1200" dirty="0">
+                  <a:solidFill>
+                    <a:schemeClr val="bg1">
+                      <a:lumMod val="50000"/>
+                    </a:schemeClr>
+                  </a:solidFill>
+                  <a:latin typeface="Palatino" pitchFamily="2" charset="77"/>
+                  <a:ea typeface="Palatino" pitchFamily="2" charset="77"/>
+                </a:endParaRPr>
+              </a:p>
+              <a:p>
+                <a:r>
+                  <a:rPr lang="it-IT" i="1" dirty="0">
+                    <a:solidFill>
+                      <a:schemeClr val="bg1">
+                        <a:lumMod val="50000"/>
+                      </a:schemeClr>
+                    </a:solidFill>
+                    <a:latin typeface="Palatino" pitchFamily="2" charset="77"/>
+                    <a:ea typeface="Palatino" pitchFamily="2" charset="77"/>
+                  </a:rPr>
+                  <a:t>B = </a:t>
+                </a:r>
+                <a:r>
+                  <a:rPr lang="en-GB" i="1" dirty="0">
+                    <a:solidFill>
+                      <a:schemeClr val="bg1">
+                        <a:lumMod val="50000"/>
+                      </a:schemeClr>
+                    </a:solidFill>
+                    <a:latin typeface="Palatino" pitchFamily="2" charset="77"/>
+                    <a:ea typeface="Palatino" pitchFamily="2" charset="77"/>
+                  </a:rPr>
+                  <a:t>120000</a:t>
+                </a:r>
+                <a:endParaRPr lang="en-IT" i="1" dirty="0">
+                  <a:solidFill>
+                    <a:schemeClr val="bg1">
+                      <a:lumMod val="50000"/>
+                    </a:schemeClr>
+                  </a:solidFill>
+                  <a:latin typeface="Palatino" pitchFamily="2" charset="77"/>
+                  <a:ea typeface="Palatino" pitchFamily="2" charset="77"/>
+                </a:endParaRPr>
+              </a:p>
+            </p:txBody>
+          </p:sp>
+        </mc:Choice>
+        <mc:Fallback xmlns="">
+          <p:sp>
+            <p:nvSpPr>
+              <p:cNvPr id="5" name="TextBox 4">
+                <a:extLst>
+                  <a:ext uri="{FF2B5EF4-FFF2-40B4-BE49-F238E27FC236}">
+                    <a16:creationId xmlns:a16="http://schemas.microsoft.com/office/drawing/2014/main" id="{361CA15F-6625-EE0A-0209-557B27AC04D9}"/>
+                  </a:ext>
+                </a:extLst>
+              </p:cNvPr>
+              <p:cNvSpPr txBox="1">
+                <a:spLocks noRot="1" noChangeAspect="1" noMove="1" noResize="1" noEditPoints="1" noAdjustHandles="1" noChangeArrowheads="1" noChangeShapeType="1" noTextEdit="1"/>
+              </p:cNvSpPr>
+              <p:nvPr/>
+            </p:nvSpPr>
+            <p:spPr>
+              <a:xfrm>
+                <a:off x="838200" y="1690688"/>
+                <a:ext cx="10786242" cy="3077766"/>
+              </a:xfrm>
+              <a:prstGeom prst="rect">
+                <a:avLst/>
+              </a:prstGeom>
+              <a:blipFill>
+                <a:blip r:embed="rId3"/>
+                <a:stretch>
+                  <a:fillRect l="-941" t="-1230" b="-2049"/>
+                </a:stretch>
+              </a:blipFill>
+            </p:spPr>
+            <p:txBody>
+              <a:bodyPr/>
+              <a:lstStyle/>
+              <a:p>
+                <a:r>
+                  <a:rPr lang="en-IT">
+                    <a:noFill/>
+                  </a:rPr>
+                  <a:t> </a:t>
+                </a:r>
+              </a:p>
+            </p:txBody>
+          </p:sp>
+        </mc:Fallback>
+      </mc:AlternateContent>
+    </p:spTree>
+    <p:extLst>
+      <p:ext uri="{BB962C8B-B14F-4D97-AF65-F5344CB8AC3E}">
+        <p14:creationId xmlns:p14="http://schemas.microsoft.com/office/powerpoint/2010/main" val="1231028610"/>
+      </p:ext>
+    </p:extLst>
+  </p:cSld>
+  <p:clrMapOvr>
+    <a:masterClrMapping/>
+  </p:clrMapOvr>
+</p:sld>
+</file>
+
+<file path=ppt/slides/slide32.xml><?xml version="1.0" encoding="utf-8"?>
+<p:sld xmlns:a="http://schemas.openxmlformats.org/drawingml/2006/main" xmlns:r="http://schemas.openxmlformats.org/officeDocument/2006/relationships" xmlns:p="http://schemas.openxmlformats.org/presentationml/2006/main">
+  <p:cSld>
+    <p:spTree>
+      <p:nvGrpSpPr>
+        <p:cNvPr id="1" name="">
+          <a:extLst>
+            <a:ext uri="{FF2B5EF4-FFF2-40B4-BE49-F238E27FC236}">
+              <a16:creationId xmlns:a16="http://schemas.microsoft.com/office/drawing/2014/main" id="{4526197A-B47F-5FF3-70AA-04AEAD97AFF1}"/>
+            </a:ext>
+          </a:extLst>
+        </p:cNvPr>
+        <p:cNvGrpSpPr/>
+        <p:nvPr/>
+      </p:nvGrpSpPr>
+      <p:grpSpPr>
+        <a:xfrm>
+          <a:off x="0" y="0"/>
+          <a:ext cx="0" cy="0"/>
+          <a:chOff x="0" y="0"/>
+          <a:chExt cx="0" cy="0"/>
+        </a:xfrm>
+      </p:grpSpPr>
+      <p:sp>
+        <p:nvSpPr>
+          <p:cNvPr id="2" name="Title 1">
+            <a:extLst>
+              <a:ext uri="{FF2B5EF4-FFF2-40B4-BE49-F238E27FC236}">
+                <a16:creationId xmlns:a16="http://schemas.microsoft.com/office/drawing/2014/main" id="{64E76D45-A6FC-B46C-DA98-DFD0E4082B5A}"/>
+              </a:ext>
+            </a:extLst>
+          </p:cNvPr>
+          <p:cNvSpPr>
+            <a:spLocks noGrp="1"/>
+          </p:cNvSpPr>
+          <p:nvPr>
+            <p:ph type="title"/>
+          </p:nvPr>
+        </p:nvSpPr>
+        <p:spPr/>
+        <p:txBody>
+          <a:bodyPr/>
+          <a:lstStyle/>
+          <a:p>
+            <a:r>
+              <a:rPr lang="en-IT" dirty="0">
+                <a:latin typeface="Palatino" pitchFamily="2" charset="77"/>
+                <a:ea typeface="Palatino" pitchFamily="2" charset="77"/>
+              </a:rPr>
+              <a:t>Environment</a:t>
+            </a:r>
+          </a:p>
+        </p:txBody>
+      </p:sp>
+      <mc:AlternateContent xmlns:mc="http://schemas.openxmlformats.org/markup-compatibility/2006" xmlns:a14="http://schemas.microsoft.com/office/drawing/2010/main">
+        <mc:Choice Requires="a14">
+          <p:sp>
+            <p:nvSpPr>
+              <p:cNvPr id="5" name="TextBox 4">
+                <a:extLst>
+                  <a:ext uri="{FF2B5EF4-FFF2-40B4-BE49-F238E27FC236}">
+                    <a16:creationId xmlns:a16="http://schemas.microsoft.com/office/drawing/2014/main" id="{ABDE7917-1361-4D39-C4DB-73C66E45CE3D}"/>
+                  </a:ext>
+                </a:extLst>
+              </p:cNvPr>
+              <p:cNvSpPr txBox="1"/>
+              <p:nvPr/>
+            </p:nvSpPr>
+            <p:spPr>
+              <a:xfrm>
+                <a:off x="838200" y="1690688"/>
+                <a:ext cx="10786242" cy="2069221"/>
+              </a:xfrm>
+              <a:prstGeom prst="rect">
+                <a:avLst/>
+              </a:prstGeom>
+              <a:noFill/>
+            </p:spPr>
+            <p:txBody>
+              <a:bodyPr wrap="square" rtlCol="0">
+                <a:spAutoFit/>
+              </a:bodyPr>
+              <a:lstStyle/>
+              <a:p>
+                <a:pPr>
+                  <a:spcAft>
+                    <a:spcPts val="1200"/>
+                  </a:spcAft>
+                </a:pPr>
+                <a:r>
+                  <a:rPr lang="en-IT" sz="2400" dirty="0">
+                    <a:latin typeface="Palatino" pitchFamily="2" charset="77"/>
+                    <a:ea typeface="Palatino" pitchFamily="2" charset="77"/>
+                  </a:rPr>
+                  <a:t>Assumptions</a:t>
+                </a:r>
+                <a:endParaRPr lang="en-IT" sz="2000" dirty="0">
+                  <a:latin typeface="Palatino" pitchFamily="2" charset="77"/>
+                  <a:ea typeface="Palatino" pitchFamily="2" charset="77"/>
+                </a:endParaRPr>
+              </a:p>
+              <a:p>
+                <a:r>
+                  <a:rPr lang="en-IT" dirty="0">
+                    <a:solidFill>
+                      <a:schemeClr val="bg1">
+                        <a:lumMod val="50000"/>
+                      </a:schemeClr>
+                    </a:solidFill>
+                    <a:latin typeface="Palatino" pitchFamily="2" charset="77"/>
+                    <a:ea typeface="Palatino" pitchFamily="2" charset="77"/>
+                  </a:rPr>
+                  <a:t>We will test our algorithm in two different environments:</a:t>
+                </a:r>
+              </a:p>
+              <a:p>
+                <a:pPr marL="342900" indent="-342900">
+                  <a:buFont typeface="+mj-lt"/>
+                  <a:buAutoNum type="arabicPeriod"/>
+                </a:pPr>
+                <a:r>
+                  <a:rPr lang="en-IT" dirty="0">
+                    <a:solidFill>
+                      <a:schemeClr val="bg1">
+                        <a:lumMod val="50000"/>
+                      </a:schemeClr>
+                    </a:solidFill>
+                    <a:latin typeface="Palatino" pitchFamily="2" charset="77"/>
+                    <a:ea typeface="Palatino" pitchFamily="2" charset="77"/>
+                  </a:rPr>
+                  <a:t>There exist </a:t>
+                </a:r>
+                <a:r>
+                  <a:rPr lang="en-IT" i="1" dirty="0">
+                    <a:solidFill>
+                      <a:schemeClr val="bg1">
+                        <a:lumMod val="50000"/>
+                      </a:schemeClr>
+                    </a:solidFill>
+                    <a:latin typeface="Palatino" pitchFamily="2" charset="77"/>
+                    <a:ea typeface="Palatino" pitchFamily="2" charset="77"/>
+                  </a:rPr>
+                  <a:t>50</a:t>
+                </a:r>
+                <a:r>
+                  <a:rPr lang="en-IT" dirty="0">
+                    <a:solidFill>
+                      <a:schemeClr val="bg1">
+                        <a:lumMod val="50000"/>
+                      </a:schemeClr>
+                    </a:solidFill>
+                    <a:latin typeface="Palatino" pitchFamily="2" charset="77"/>
+                    <a:ea typeface="Palatino" pitchFamily="2" charset="77"/>
+                  </a:rPr>
+                  <a:t> </a:t>
+                </a:r>
+                <a:r>
+                  <a:rPr lang="en-IT" i="1" dirty="0">
+                    <a:solidFill>
+                      <a:schemeClr val="bg1">
+                        <a:lumMod val="50000"/>
+                      </a:schemeClr>
+                    </a:solidFill>
+                    <a:latin typeface="Palatino" pitchFamily="2" charset="77"/>
+                    <a:ea typeface="Palatino" pitchFamily="2" charset="77"/>
+                  </a:rPr>
+                  <a:t>buyers</a:t>
+                </a:r>
+                <a:r>
+                  <a:rPr lang="en-IT" dirty="0">
+                    <a:solidFill>
+                      <a:schemeClr val="bg1">
+                        <a:lumMod val="50000"/>
+                      </a:schemeClr>
+                    </a:solidFill>
+                    <a:latin typeface="Palatino" pitchFamily="2" charset="77"/>
+                    <a:ea typeface="Palatino" pitchFamily="2" charset="77"/>
+                  </a:rPr>
+                  <a:t> with valuation </a:t>
+                </a:r>
+                <a:r>
+                  <a:rPr lang="en-IT" i="1" dirty="0">
+                    <a:solidFill>
+                      <a:schemeClr val="bg1">
+                        <a:lumMod val="50000"/>
+                      </a:schemeClr>
+                    </a:solidFill>
+                    <a:latin typeface="Palatino" pitchFamily="2" charset="77"/>
+                    <a:ea typeface="Palatino" pitchFamily="2" charset="77"/>
+                  </a:rPr>
+                  <a:t>v</a:t>
+                </a:r>
+                <a:r>
+                  <a:rPr lang="en-IT" i="1" baseline="-25000" dirty="0">
+                    <a:solidFill>
+                      <a:schemeClr val="bg1">
+                        <a:lumMod val="50000"/>
+                      </a:schemeClr>
+                    </a:solidFill>
+                    <a:latin typeface="Palatino" pitchFamily="2" charset="77"/>
+                    <a:ea typeface="Palatino" pitchFamily="2" charset="77"/>
+                  </a:rPr>
+                  <a:t>t</a:t>
+                </a:r>
+                <a:r>
+                  <a:rPr lang="en-IT" i="1" dirty="0">
+                    <a:solidFill>
+                      <a:schemeClr val="bg1">
+                        <a:lumMod val="50000"/>
+                      </a:schemeClr>
+                    </a:solidFill>
+                    <a:latin typeface="Palatino" pitchFamily="2" charset="77"/>
+                    <a:ea typeface="Palatino" pitchFamily="2" charset="77"/>
+                  </a:rPr>
+                  <a:t> </a:t>
+                </a:r>
+                <a14:m>
+                  <m:oMath xmlns:m="http://schemas.openxmlformats.org/officeDocument/2006/math">
+                    <m:r>
+                      <m:rPr>
+                        <m:nor/>
+                      </m:rPr>
+                      <a:rPr lang="en-GB" sz="1400" smtClean="0">
+                        <a:solidFill>
+                          <a:schemeClr val="bg1">
+                            <a:lumMod val="50000"/>
+                          </a:schemeClr>
+                        </a:solidFill>
+                        <a:latin typeface="Palatino" pitchFamily="2" charset="77"/>
+                        <a:ea typeface="Palatino" pitchFamily="2" charset="77"/>
+                      </a:rPr>
+                      <m:t>∼</m:t>
+                    </m:r>
+                    <m:r>
+                      <m:rPr>
+                        <m:nor/>
+                      </m:rPr>
+                      <a:rPr lang="it-IT" sz="1400" b="0" i="0" smtClean="0">
+                        <a:solidFill>
+                          <a:schemeClr val="bg1">
+                            <a:lumMod val="50000"/>
+                          </a:schemeClr>
+                        </a:solidFill>
+                        <a:latin typeface="Palatino" pitchFamily="2" charset="77"/>
+                        <a:ea typeface="Palatino" pitchFamily="2" charset="77"/>
+                      </a:rPr>
+                      <m:t> </m:t>
+                    </m:r>
+                    <m:r>
+                      <m:rPr>
+                        <m:nor/>
+                      </m:rPr>
+                      <a:rPr lang="it-IT" sz="1400" b="0" i="0" smtClean="0">
+                        <a:solidFill>
+                          <a:schemeClr val="bg1">
+                            <a:lumMod val="50000"/>
+                          </a:schemeClr>
+                        </a:solidFill>
+                        <a:latin typeface="Palatino" pitchFamily="2" charset="77"/>
+                        <a:ea typeface="Palatino" pitchFamily="2" charset="77"/>
+                      </a:rPr>
+                      <m:t>N</m:t>
+                    </m:r>
+                    <m:r>
+                      <m:rPr>
+                        <m:nor/>
+                      </m:rPr>
+                      <a:rPr lang="en-GB" sz="1400" smtClean="0">
+                        <a:solidFill>
+                          <a:schemeClr val="bg1">
+                            <a:lumMod val="50000"/>
+                          </a:schemeClr>
+                        </a:solidFill>
+                        <a:latin typeface="Palatino" pitchFamily="2" charset="77"/>
+                        <a:ea typeface="Palatino" pitchFamily="2" charset="77"/>
+                      </a:rPr>
+                      <m:t>(</m:t>
+                    </m:r>
+                    <m:r>
+                      <m:rPr>
+                        <m:nor/>
+                      </m:rPr>
+                      <a:rPr lang="en-GB" sz="1400" smtClean="0">
+                        <a:solidFill>
+                          <a:schemeClr val="bg1">
+                            <a:lumMod val="50000"/>
+                          </a:schemeClr>
+                        </a:solidFill>
+                        <a:latin typeface="Palatino" pitchFamily="2" charset="77"/>
+                        <a:ea typeface="Palatino" pitchFamily="2" charset="77"/>
+                      </a:rPr>
+                      <m:t>v</m:t>
+                    </m:r>
+                    <m:r>
+                      <m:rPr>
+                        <m:nor/>
+                      </m:rPr>
+                      <a:rPr lang="it-IT" sz="1400" b="0" i="0" smtClean="0">
+                        <a:solidFill>
+                          <a:schemeClr val="bg1">
+                            <a:lumMod val="50000"/>
+                          </a:schemeClr>
+                        </a:solidFill>
+                        <a:latin typeface="Palatino" pitchFamily="2" charset="77"/>
+                        <a:ea typeface="Palatino" pitchFamily="2" charset="77"/>
+                      </a:rPr>
+                      <m:t> </m:t>
+                    </m:r>
+                    <m:r>
+                      <m:rPr>
+                        <m:nor/>
+                      </m:rPr>
+                      <a:rPr lang="en-GB" sz="1400" smtClean="0">
+                        <a:solidFill>
+                          <a:schemeClr val="bg1">
+                            <a:lumMod val="50000"/>
+                          </a:schemeClr>
+                        </a:solidFill>
+                        <a:latin typeface="Palatino" pitchFamily="2" charset="77"/>
+                        <a:ea typeface="Palatino" pitchFamily="2" charset="77"/>
+                      </a:rPr>
+                      <m:t>+</m:t>
+                    </m:r>
+                    <m:r>
+                      <m:rPr>
+                        <m:nor/>
+                      </m:rPr>
+                      <a:rPr lang="it-IT" sz="1400" b="0" i="0" smtClean="0">
+                        <a:solidFill>
+                          <a:schemeClr val="bg1">
+                            <a:lumMod val="50000"/>
+                          </a:schemeClr>
+                        </a:solidFill>
+                        <a:latin typeface="Palatino" pitchFamily="2" charset="77"/>
+                        <a:ea typeface="Palatino" pitchFamily="2" charset="77"/>
+                      </a:rPr>
+                      <m:t> </m:t>
+                    </m:r>
+                    <m:r>
+                      <m:rPr>
+                        <m:nor/>
+                      </m:rPr>
+                      <a:rPr lang="en-GB" sz="1400" smtClean="0">
+                        <a:solidFill>
+                          <a:schemeClr val="bg1">
+                            <a:lumMod val="50000"/>
+                          </a:schemeClr>
+                        </a:solidFill>
+                        <a:latin typeface="Palatino" pitchFamily="2" charset="77"/>
+                        <a:ea typeface="Palatino" pitchFamily="2" charset="77"/>
+                      </a:rPr>
+                      <m:t>A</m:t>
+                    </m:r>
+                    <m:r>
+                      <m:rPr>
+                        <m:nor/>
+                      </m:rPr>
+                      <a:rPr lang="en-GB" sz="1400" smtClean="0">
+                        <a:solidFill>
+                          <a:schemeClr val="bg1">
+                            <a:lumMod val="50000"/>
+                          </a:schemeClr>
+                        </a:solidFill>
+                        <a:latin typeface="Palatino" pitchFamily="2" charset="77"/>
+                        <a:ea typeface="Palatino" pitchFamily="2" charset="77"/>
+                      </a:rPr>
+                      <m:t>⋅</m:t>
+                    </m:r>
+                    <m:r>
+                      <m:rPr>
+                        <m:nor/>
+                      </m:rPr>
+                      <a:rPr lang="en-GB" sz="1400" smtClean="0">
+                        <a:solidFill>
+                          <a:schemeClr val="bg1">
+                            <a:lumMod val="50000"/>
+                          </a:schemeClr>
+                        </a:solidFill>
+                        <a:latin typeface="Palatino" pitchFamily="2" charset="77"/>
+                        <a:ea typeface="Palatino" pitchFamily="2" charset="77"/>
+                      </a:rPr>
+                      <m:t>sin</m:t>
+                    </m:r>
+                    <m:r>
+                      <m:rPr>
+                        <m:nor/>
+                      </m:rPr>
+                      <a:rPr lang="en-GB" sz="1400" smtClean="0">
+                        <a:solidFill>
+                          <a:schemeClr val="bg1">
+                            <a:lumMod val="50000"/>
+                          </a:schemeClr>
+                        </a:solidFill>
+                        <a:latin typeface="Palatino" pitchFamily="2" charset="77"/>
+                        <a:ea typeface="Palatino" pitchFamily="2" charset="77"/>
+                      </a:rPr>
+                      <m:t>(</m:t>
+                    </m:r>
+                    <m:f>
+                      <m:fPr>
+                        <m:ctrlPr>
+                          <a:rPr lang="en-GB" sz="1400" i="1" smtClean="0">
+                            <a:solidFill>
+                              <a:schemeClr val="bg1">
+                                <a:lumMod val="50000"/>
+                              </a:schemeClr>
+                            </a:solidFill>
+                            <a:latin typeface="Cambria Math" panose="02040503050406030204" pitchFamily="18" charset="0"/>
+                          </a:rPr>
+                        </m:ctrlPr>
+                      </m:fPr>
+                      <m:num>
+                        <m:r>
+                          <m:rPr>
+                            <m:nor/>
+                          </m:rPr>
+                          <a:rPr lang="it-IT" sz="1400">
+                            <a:solidFill>
+                              <a:schemeClr val="bg1">
+                                <a:lumMod val="50000"/>
+                              </a:schemeClr>
+                            </a:solidFill>
+                            <a:latin typeface="Palatino" pitchFamily="2" charset="77"/>
+                            <a:ea typeface="Palatino" pitchFamily="2" charset="77"/>
+                          </a:rPr>
+                          <m:t>2</m:t>
+                        </m:r>
+                        <m:r>
+                          <m:rPr>
+                            <m:nor/>
+                          </m:rPr>
+                          <a:rPr lang="el-GR" sz="1400">
+                            <a:solidFill>
+                              <a:schemeClr val="bg1">
+                                <a:lumMod val="50000"/>
+                              </a:schemeClr>
+                            </a:solidFill>
+                            <a:latin typeface="Palatino" pitchFamily="2" charset="77"/>
+                            <a:ea typeface="Palatino" pitchFamily="2" charset="77"/>
+                          </a:rPr>
+                          <m:t>π</m:t>
+                        </m:r>
+                        <m:r>
+                          <m:rPr>
+                            <m:nor/>
+                          </m:rPr>
+                          <a:rPr lang="en-GB" sz="1400">
+                            <a:solidFill>
+                              <a:schemeClr val="bg1">
+                                <a:lumMod val="50000"/>
+                              </a:schemeClr>
+                            </a:solidFill>
+                            <a:latin typeface="Palatino" pitchFamily="2" charset="77"/>
+                            <a:ea typeface="Palatino" pitchFamily="2" charset="77"/>
+                          </a:rPr>
+                          <m:t>t</m:t>
+                        </m:r>
+                      </m:num>
+                      <m:den>
+                        <m:r>
+                          <a:rPr lang="it-IT" sz="1400" b="0" i="1" smtClean="0">
+                            <a:solidFill>
+                              <a:schemeClr val="bg1">
+                                <a:lumMod val="50000"/>
+                              </a:schemeClr>
+                            </a:solidFill>
+                            <a:latin typeface="Cambria Math" panose="02040503050406030204" pitchFamily="18" charset="0"/>
+                          </a:rPr>
+                          <m:t>𝑃</m:t>
+                        </m:r>
+                      </m:den>
+                    </m:f>
+                    <m:r>
+                      <m:rPr>
+                        <m:nor/>
+                      </m:rPr>
+                      <a:rPr lang="en-GB" sz="1400" smtClean="0">
+                        <a:solidFill>
+                          <a:schemeClr val="bg1">
+                            <a:lumMod val="50000"/>
+                          </a:schemeClr>
+                        </a:solidFill>
+                        <a:latin typeface="Palatino" pitchFamily="2" charset="77"/>
+                        <a:ea typeface="Palatino" pitchFamily="2" charset="77"/>
+                      </a:rPr>
+                      <m:t>​</m:t>
+                    </m:r>
+                    <m:r>
+                      <m:rPr>
+                        <m:nor/>
+                      </m:rPr>
+                      <a:rPr lang="en-GB" sz="1400">
+                        <a:solidFill>
+                          <a:schemeClr val="bg1">
+                            <a:lumMod val="50000"/>
+                          </a:schemeClr>
+                        </a:solidFill>
+                        <a:latin typeface="Palatino" pitchFamily="2" charset="77"/>
+                        <a:ea typeface="Palatino" pitchFamily="2" charset="77"/>
+                      </a:rPr>
+                      <m:t>),</m:t>
+                    </m:r>
+                    <m:r>
+                      <m:rPr>
+                        <m:nor/>
+                      </m:rPr>
+                      <a:rPr lang="it-IT" sz="1400" b="0" i="0" smtClean="0">
+                        <a:solidFill>
+                          <a:schemeClr val="bg1">
+                            <a:lumMod val="50000"/>
+                          </a:schemeClr>
+                        </a:solidFill>
+                        <a:latin typeface="Palatino" pitchFamily="2" charset="77"/>
+                        <a:ea typeface="Palatino" pitchFamily="2" charset="77"/>
+                      </a:rPr>
+                      <m:t> </m:t>
+                    </m:r>
+                    <m:r>
+                      <m:rPr>
+                        <m:nor/>
+                      </m:rPr>
+                      <a:rPr lang="en-GB" sz="1400">
+                        <a:solidFill>
+                          <a:schemeClr val="bg1">
+                            <a:lumMod val="50000"/>
+                          </a:schemeClr>
+                        </a:solidFill>
+                        <a:latin typeface="Palatino" pitchFamily="2" charset="77"/>
+                        <a:ea typeface="Palatino" pitchFamily="2" charset="77"/>
+                      </a:rPr>
+                      <m:t>1)</m:t>
+                    </m:r>
+                  </m:oMath>
+                </a14:m>
+                <a:endParaRPr lang="en-IT" dirty="0">
+                  <a:solidFill>
+                    <a:schemeClr val="bg1">
+                      <a:lumMod val="50000"/>
+                    </a:schemeClr>
+                  </a:solidFill>
+                  <a:latin typeface="Palatino" pitchFamily="2" charset="77"/>
+                  <a:ea typeface="Palatino" pitchFamily="2" charset="77"/>
+                </a:endParaRPr>
+              </a:p>
+              <a:p>
+                <a:pPr marL="342900" indent="-342900">
+                  <a:buFont typeface="+mj-lt"/>
+                  <a:buAutoNum type="arabicPeriod"/>
+                </a:pPr>
+                <a:r>
+                  <a:rPr lang="en-IT" dirty="0">
+                    <a:solidFill>
+                      <a:schemeClr val="bg1">
+                        <a:lumMod val="50000"/>
+                      </a:schemeClr>
+                    </a:solidFill>
+                    <a:latin typeface="Palatino" pitchFamily="2" charset="77"/>
+                    <a:ea typeface="Palatino" pitchFamily="2" charset="77"/>
+                  </a:rPr>
+                  <a:t>There exist </a:t>
+                </a:r>
+                <a:r>
+                  <a:rPr lang="en-IT" i="1" dirty="0">
+                    <a:solidFill>
+                      <a:schemeClr val="bg1">
+                        <a:lumMod val="50000"/>
+                      </a:schemeClr>
+                    </a:solidFill>
+                    <a:latin typeface="Palatino" pitchFamily="2" charset="77"/>
+                    <a:ea typeface="Palatino" pitchFamily="2" charset="77"/>
+                  </a:rPr>
+                  <a:t>50</a:t>
+                </a:r>
+                <a:r>
+                  <a:rPr lang="en-IT" dirty="0">
+                    <a:solidFill>
+                      <a:schemeClr val="bg1">
+                        <a:lumMod val="50000"/>
+                      </a:schemeClr>
+                    </a:solidFill>
+                    <a:latin typeface="Palatino" pitchFamily="2" charset="77"/>
+                    <a:ea typeface="Palatino" pitchFamily="2" charset="77"/>
+                  </a:rPr>
+                  <a:t> </a:t>
+                </a:r>
+                <a:r>
+                  <a:rPr lang="en-IT" i="1" dirty="0">
+                    <a:solidFill>
+                      <a:schemeClr val="bg1">
+                        <a:lumMod val="50000"/>
+                      </a:schemeClr>
+                    </a:solidFill>
+                    <a:latin typeface="Palatino" pitchFamily="2" charset="77"/>
+                    <a:ea typeface="Palatino" pitchFamily="2" charset="77"/>
+                  </a:rPr>
+                  <a:t>buyers</a:t>
+                </a:r>
+                <a:r>
+                  <a:rPr lang="en-IT" dirty="0">
+                    <a:solidFill>
+                      <a:schemeClr val="bg1">
+                        <a:lumMod val="50000"/>
+                      </a:schemeClr>
+                    </a:solidFill>
+                    <a:latin typeface="Palatino" pitchFamily="2" charset="77"/>
+                    <a:ea typeface="Palatino" pitchFamily="2" charset="77"/>
+                  </a:rPr>
+                  <a:t> with valuation </a:t>
+                </a:r>
+                <a:r>
+                  <a:rPr lang="en-IT" i="1" dirty="0">
+                    <a:solidFill>
+                      <a:schemeClr val="bg1">
+                        <a:lumMod val="50000"/>
+                      </a:schemeClr>
+                    </a:solidFill>
+                    <a:latin typeface="Palatino" pitchFamily="2" charset="77"/>
+                    <a:ea typeface="Palatino" pitchFamily="2" charset="77"/>
+                  </a:rPr>
+                  <a:t>v</a:t>
+                </a:r>
+                <a:r>
+                  <a:rPr lang="en-IT" i="1" baseline="-25000" dirty="0">
+                    <a:solidFill>
+                      <a:schemeClr val="bg1">
+                        <a:lumMod val="50000"/>
+                      </a:schemeClr>
+                    </a:solidFill>
+                    <a:latin typeface="Palatino" pitchFamily="2" charset="77"/>
+                    <a:ea typeface="Palatino" pitchFamily="2" charset="77"/>
+                  </a:rPr>
+                  <a:t>t</a:t>
+                </a:r>
+                <a:r>
+                  <a:rPr lang="en-IT" i="1" dirty="0">
+                    <a:solidFill>
+                      <a:schemeClr val="bg1">
+                        <a:lumMod val="50000"/>
+                      </a:schemeClr>
+                    </a:solidFill>
+                    <a:latin typeface="Palatino" pitchFamily="2" charset="77"/>
+                    <a:ea typeface="Palatino" pitchFamily="2" charset="77"/>
+                  </a:rPr>
+                  <a:t> </a:t>
+                </a:r>
+                <a14:m>
+                  <m:oMath xmlns:m="http://schemas.openxmlformats.org/officeDocument/2006/math">
+                    <m:r>
+                      <m:rPr>
+                        <m:nor/>
+                      </m:rPr>
+                      <a:rPr lang="en-GB" sz="1400">
+                        <a:solidFill>
+                          <a:schemeClr val="bg1">
+                            <a:lumMod val="50000"/>
+                          </a:schemeClr>
+                        </a:solidFill>
+                        <a:latin typeface="Palatino" pitchFamily="2" charset="77"/>
+                        <a:ea typeface="Palatino" pitchFamily="2" charset="77"/>
+                      </a:rPr>
+                      <m:t>∼</m:t>
+                    </m:r>
+                    <m:r>
+                      <m:rPr>
+                        <m:nor/>
+                      </m:rPr>
+                      <a:rPr lang="it-IT" sz="1400">
+                        <a:solidFill>
+                          <a:schemeClr val="bg1">
+                            <a:lumMod val="50000"/>
+                          </a:schemeClr>
+                        </a:solidFill>
+                        <a:latin typeface="Palatino" pitchFamily="2" charset="77"/>
+                        <a:ea typeface="Palatino" pitchFamily="2" charset="77"/>
+                      </a:rPr>
+                      <m:t> </m:t>
+                    </m:r>
+                    <m:r>
+                      <m:rPr>
+                        <m:nor/>
+                      </m:rPr>
+                      <a:rPr lang="it-IT" sz="1400">
+                        <a:solidFill>
+                          <a:schemeClr val="bg1">
+                            <a:lumMod val="50000"/>
+                          </a:schemeClr>
+                        </a:solidFill>
+                        <a:latin typeface="Palatino" pitchFamily="2" charset="77"/>
+                        <a:ea typeface="Palatino" pitchFamily="2" charset="77"/>
+                      </a:rPr>
+                      <m:t>N</m:t>
+                    </m:r>
+                    <m:r>
+                      <m:rPr>
+                        <m:nor/>
+                      </m:rPr>
+                      <a:rPr lang="en-GB" sz="1400">
+                        <a:solidFill>
+                          <a:schemeClr val="bg1">
+                            <a:lumMod val="50000"/>
+                          </a:schemeClr>
+                        </a:solidFill>
+                        <a:latin typeface="Palatino" pitchFamily="2" charset="77"/>
+                        <a:ea typeface="Palatino" pitchFamily="2" charset="77"/>
+                      </a:rPr>
+                      <m:t>(</m:t>
+                    </m:r>
+                    <m:r>
+                      <m:rPr>
+                        <m:nor/>
+                      </m:rPr>
+                      <a:rPr lang="en-GB" sz="1400">
+                        <a:solidFill>
+                          <a:schemeClr val="bg1">
+                            <a:lumMod val="50000"/>
+                          </a:schemeClr>
+                        </a:solidFill>
+                        <a:latin typeface="Palatino" pitchFamily="2" charset="77"/>
+                        <a:ea typeface="Palatino" pitchFamily="2" charset="77"/>
+                      </a:rPr>
+                      <m:t>v</m:t>
+                    </m:r>
+                    <m:r>
+                      <m:rPr>
+                        <m:nor/>
+                      </m:rPr>
+                      <a:rPr lang="it-IT" sz="1400">
+                        <a:solidFill>
+                          <a:schemeClr val="bg1">
+                            <a:lumMod val="50000"/>
+                          </a:schemeClr>
+                        </a:solidFill>
+                        <a:latin typeface="Palatino" pitchFamily="2" charset="77"/>
+                        <a:ea typeface="Palatino" pitchFamily="2" charset="77"/>
+                      </a:rPr>
+                      <m:t> </m:t>
+                    </m:r>
+                    <m:r>
+                      <m:rPr>
+                        <m:nor/>
+                      </m:rPr>
+                      <a:rPr lang="en-GB" sz="1400">
+                        <a:solidFill>
+                          <a:schemeClr val="bg1">
+                            <a:lumMod val="50000"/>
+                          </a:schemeClr>
+                        </a:solidFill>
+                        <a:latin typeface="Palatino" pitchFamily="2" charset="77"/>
+                        <a:ea typeface="Palatino" pitchFamily="2" charset="77"/>
+                      </a:rPr>
+                      <m:t>+</m:t>
+                    </m:r>
+                    <m:r>
+                      <m:rPr>
+                        <m:nor/>
+                      </m:rPr>
+                      <a:rPr lang="it-IT" sz="1400">
+                        <a:solidFill>
+                          <a:schemeClr val="bg1">
+                            <a:lumMod val="50000"/>
+                          </a:schemeClr>
+                        </a:solidFill>
+                        <a:latin typeface="Palatino" pitchFamily="2" charset="77"/>
+                        <a:ea typeface="Palatino" pitchFamily="2" charset="77"/>
+                      </a:rPr>
+                      <m:t> </m:t>
+                    </m:r>
+                    <m:r>
+                      <m:rPr>
+                        <m:nor/>
+                      </m:rPr>
+                      <a:rPr lang="it-IT" sz="1400" b="0" i="0" smtClean="0">
+                        <a:solidFill>
+                          <a:schemeClr val="bg1">
+                            <a:lumMod val="50000"/>
+                          </a:schemeClr>
+                        </a:solidFill>
+                        <a:latin typeface="Palatino" pitchFamily="2" charset="77"/>
+                        <a:ea typeface="Palatino" pitchFamily="2" charset="77"/>
+                      </a:rPr>
+                      <m:t>t</m:t>
+                    </m:r>
+                    <m:r>
+                      <a:rPr lang="it-IT" sz="1400" b="0" i="1" smtClean="0">
+                        <a:solidFill>
+                          <a:schemeClr val="bg1">
+                            <a:lumMod val="50000"/>
+                          </a:schemeClr>
+                        </a:solidFill>
+                        <a:latin typeface="Cambria Math" panose="02040503050406030204" pitchFamily="18" charset="0"/>
+                        <a:ea typeface="Cambria Math" panose="02040503050406030204" pitchFamily="18" charset="0"/>
+                      </a:rPr>
+                      <m:t>∙</m:t>
+                    </m:r>
+                    <m:r>
+                      <a:rPr lang="it-IT" sz="1400" b="0" i="1" smtClean="0">
+                        <a:solidFill>
+                          <a:schemeClr val="bg1">
+                            <a:lumMod val="50000"/>
+                          </a:schemeClr>
+                        </a:solidFill>
+                        <a:latin typeface="Cambria Math" panose="02040503050406030204" pitchFamily="18" charset="0"/>
+                        <a:ea typeface="Cambria Math" panose="02040503050406030204" pitchFamily="18" charset="0"/>
+                      </a:rPr>
+                      <m:t>𝛿</m:t>
+                    </m:r>
+                    <m:r>
+                      <m:rPr>
+                        <m:nor/>
+                      </m:rPr>
+                      <a:rPr lang="en-GB" sz="1400">
+                        <a:solidFill>
+                          <a:schemeClr val="bg1">
+                            <a:lumMod val="50000"/>
+                          </a:schemeClr>
+                        </a:solidFill>
+                        <a:latin typeface="Palatino" pitchFamily="2" charset="77"/>
+                        <a:ea typeface="Palatino" pitchFamily="2" charset="77"/>
+                      </a:rPr>
+                      <m:t>,</m:t>
+                    </m:r>
+                    <m:r>
+                      <m:rPr>
+                        <m:nor/>
+                      </m:rPr>
+                      <a:rPr lang="it-IT" sz="1400">
+                        <a:solidFill>
+                          <a:schemeClr val="bg1">
+                            <a:lumMod val="50000"/>
+                          </a:schemeClr>
+                        </a:solidFill>
+                        <a:latin typeface="Palatino" pitchFamily="2" charset="77"/>
+                        <a:ea typeface="Palatino" pitchFamily="2" charset="77"/>
+                      </a:rPr>
+                      <m:t> </m:t>
+                    </m:r>
+                    <m:r>
+                      <m:rPr>
+                        <m:nor/>
+                      </m:rPr>
+                      <a:rPr lang="en-GB" sz="1400">
+                        <a:solidFill>
+                          <a:schemeClr val="bg1">
+                            <a:lumMod val="50000"/>
+                          </a:schemeClr>
+                        </a:solidFill>
+                        <a:latin typeface="Palatino" pitchFamily="2" charset="77"/>
+                        <a:ea typeface="Palatino" pitchFamily="2" charset="77"/>
+                      </a:rPr>
+                      <m:t>1)</m:t>
+                    </m:r>
+                  </m:oMath>
+                </a14:m>
+                <a:endParaRPr lang="en-IT" dirty="0">
+                  <a:solidFill>
+                    <a:schemeClr val="bg1">
+                      <a:lumMod val="50000"/>
+                    </a:schemeClr>
+                  </a:solidFill>
+                  <a:latin typeface="Palatino" pitchFamily="2" charset="77"/>
+                  <a:ea typeface="Palatino" pitchFamily="2" charset="77"/>
+                </a:endParaRPr>
+              </a:p>
+              <a:p>
+                <a:endParaRPr lang="en-IT" dirty="0">
+                  <a:solidFill>
+                    <a:schemeClr val="bg1">
+                      <a:lumMod val="50000"/>
+                    </a:schemeClr>
+                  </a:solidFill>
+                  <a:latin typeface="Palatino" pitchFamily="2" charset="77"/>
+                  <a:ea typeface="Palatino" pitchFamily="2" charset="77"/>
+                </a:endParaRPr>
+              </a:p>
+              <a:p>
+                <a:endParaRPr lang="en-IT" dirty="0">
+                  <a:solidFill>
+                    <a:schemeClr val="bg1">
+                      <a:lumMod val="50000"/>
+                    </a:schemeClr>
+                  </a:solidFill>
+                  <a:latin typeface="Palatino" pitchFamily="2" charset="77"/>
+                  <a:ea typeface="Palatino" pitchFamily="2" charset="77"/>
+                </a:endParaRPr>
+              </a:p>
+            </p:txBody>
+          </p:sp>
+        </mc:Choice>
+        <mc:Fallback xmlns="">
+          <p:sp>
+            <p:nvSpPr>
+              <p:cNvPr id="5" name="TextBox 4">
+                <a:extLst>
+                  <a:ext uri="{FF2B5EF4-FFF2-40B4-BE49-F238E27FC236}">
+                    <a16:creationId xmlns:a16="http://schemas.microsoft.com/office/drawing/2014/main" id="{ABDE7917-1361-4D39-C4DB-73C66E45CE3D}"/>
+                  </a:ext>
+                </a:extLst>
+              </p:cNvPr>
+              <p:cNvSpPr txBox="1">
+                <a:spLocks noRot="1" noChangeAspect="1" noMove="1" noResize="1" noEditPoints="1" noAdjustHandles="1" noChangeArrowheads="1" noChangeShapeType="1" noTextEdit="1"/>
+              </p:cNvSpPr>
+              <p:nvPr/>
+            </p:nvSpPr>
+            <p:spPr>
+              <a:xfrm>
+                <a:off x="838200" y="1690688"/>
+                <a:ext cx="10786242" cy="2069221"/>
+              </a:xfrm>
+              <a:prstGeom prst="rect">
+                <a:avLst/>
+              </a:prstGeom>
+              <a:blipFill>
+                <a:blip r:embed="rId3"/>
+                <a:stretch>
+                  <a:fillRect l="-941" t="-1818"/>
+                </a:stretch>
+              </a:blipFill>
+            </p:spPr>
+            <p:txBody>
+              <a:bodyPr/>
+              <a:lstStyle/>
+              <a:p>
+                <a:r>
+                  <a:rPr lang="en-IT">
+                    <a:noFill/>
+                  </a:rPr>
+                  <a:t> </a:t>
+                </a:r>
+              </a:p>
+            </p:txBody>
+          </p:sp>
+        </mc:Fallback>
+      </mc:AlternateContent>
+    </p:spTree>
+    <p:extLst>
+      <p:ext uri="{BB962C8B-B14F-4D97-AF65-F5344CB8AC3E}">
+        <p14:creationId xmlns:p14="http://schemas.microsoft.com/office/powerpoint/2010/main" val="1312387374"/>
+      </p:ext>
+    </p:extLst>
+  </p:cSld>
+  <p:clrMapOvr>
+    <a:masterClrMapping/>
+  </p:clrMapOvr>
+</p:sld>
+</file>
+
+<file path=ppt/slides/slide33.xml><?xml version="1.0" encoding="utf-8"?>
+<p:sld xmlns:a="http://schemas.openxmlformats.org/drawingml/2006/main" xmlns:r="http://schemas.openxmlformats.org/officeDocument/2006/relationships" xmlns:p="http://schemas.openxmlformats.org/presentationml/2006/main">
+  <p:cSld>
+    <p:spTree>
+      <p:nvGrpSpPr>
+        <p:cNvPr id="1" name="">
+          <a:extLst>
+            <a:ext uri="{FF2B5EF4-FFF2-40B4-BE49-F238E27FC236}">
+              <a16:creationId xmlns:a16="http://schemas.microsoft.com/office/drawing/2014/main" id="{013697F4-FD07-64EC-FB5C-375FC59E4F41}"/>
+            </a:ext>
+          </a:extLst>
+        </p:cNvPr>
+        <p:cNvGrpSpPr/>
+        <p:nvPr/>
+      </p:nvGrpSpPr>
+      <p:grpSpPr>
+        <a:xfrm>
+          <a:off x="0" y="0"/>
+          <a:ext cx="0" cy="0"/>
+          <a:chOff x="0" y="0"/>
+          <a:chExt cx="0" cy="0"/>
+        </a:xfrm>
+      </p:grpSpPr>
+      <p:sp>
+        <p:nvSpPr>
+          <p:cNvPr id="2" name="Title 1">
+            <a:extLst>
+              <a:ext uri="{FF2B5EF4-FFF2-40B4-BE49-F238E27FC236}">
+                <a16:creationId xmlns:a16="http://schemas.microsoft.com/office/drawing/2014/main" id="{EF85C2C5-35AC-896E-05E7-097BA745F4A1}"/>
+              </a:ext>
+            </a:extLst>
+          </p:cNvPr>
+          <p:cNvSpPr>
+            <a:spLocks noGrp="1"/>
+          </p:cNvSpPr>
+          <p:nvPr>
+            <p:ph type="title"/>
+          </p:nvPr>
+        </p:nvSpPr>
+        <p:spPr/>
+        <p:txBody>
+          <a:bodyPr/>
+          <a:lstStyle/>
+          <a:p>
+            <a:r>
+              <a:rPr lang="en-IT" dirty="0">
+                <a:latin typeface="Palatino" pitchFamily="2" charset="77"/>
+                <a:ea typeface="Palatino" pitchFamily="2" charset="77"/>
+              </a:rPr>
+              <a:t>Strategy</a:t>
+            </a:r>
+          </a:p>
+        </p:txBody>
+      </p:sp>
+      <p:sp>
+        <p:nvSpPr>
+          <p:cNvPr id="3" name="Content Placeholder 2">
+            <a:extLst>
+              <a:ext uri="{FF2B5EF4-FFF2-40B4-BE49-F238E27FC236}">
+                <a16:creationId xmlns:a16="http://schemas.microsoft.com/office/drawing/2014/main" id="{DECFC7D8-67F2-A1BB-F0AA-B5E502560B35}"/>
+              </a:ext>
+            </a:extLst>
+          </p:cNvPr>
+          <p:cNvSpPr>
+            <a:spLocks noGrp="1"/>
+          </p:cNvSpPr>
+          <p:nvPr>
+            <p:ph idx="1"/>
+          </p:nvPr>
+        </p:nvSpPr>
+        <p:spPr>
+          <a:xfrm>
+            <a:off x="838200" y="1668323"/>
+            <a:ext cx="10156902" cy="3426192"/>
+          </a:xfrm>
+        </p:spPr>
+        <p:txBody>
+          <a:bodyPr>
+            <a:noAutofit/>
+          </a:bodyPr>
+          <a:lstStyle/>
+          <a:p>
+            <a:pPr marL="0" indent="0">
+              <a:spcBef>
+                <a:spcPts val="0"/>
+              </a:spcBef>
+              <a:spcAft>
+                <a:spcPts val="1200"/>
+              </a:spcAft>
+              <a:buNone/>
+            </a:pPr>
+            <a:r>
+              <a:rPr lang="en-GB" sz="2400" dirty="0">
+                <a:latin typeface="Palatino" pitchFamily="2" charset="77"/>
+                <a:ea typeface="Palatino" pitchFamily="2" charset="77"/>
+              </a:rPr>
+              <a:t>Idea</a:t>
+            </a:r>
+          </a:p>
+          <a:p>
+            <a:pPr marL="0" indent="0">
+              <a:spcBef>
+                <a:spcPts val="0"/>
+              </a:spcBef>
+              <a:spcAft>
+                <a:spcPts val="1200"/>
+              </a:spcAft>
+              <a:buNone/>
+            </a:pPr>
+            <a:r>
+              <a:rPr lang="en-GB" sz="1800" dirty="0">
+                <a:solidFill>
+                  <a:schemeClr val="bg1">
+                    <a:lumMod val="50000"/>
+                  </a:schemeClr>
+                </a:solidFill>
+                <a:latin typeface="Palatino" pitchFamily="2" charset="77"/>
+                <a:ea typeface="Palatino" pitchFamily="2" charset="77"/>
+              </a:rPr>
+              <a:t>Our primal-dual agent combines a regret minimizer with a dynamic adjustment of a Lagrange multiplier to manage highly non-stationary environments with consumption constraint</a:t>
+            </a:r>
+          </a:p>
+          <a:p>
+            <a:pPr marL="0" indent="0">
+              <a:spcBef>
+                <a:spcPts val="0"/>
+              </a:spcBef>
+              <a:spcAft>
+                <a:spcPts val="1200"/>
+              </a:spcAft>
+              <a:buNone/>
+            </a:pPr>
+            <a:r>
+              <a:rPr lang="en-GB" sz="1800" dirty="0">
+                <a:solidFill>
+                  <a:schemeClr val="bg1">
+                    <a:lumMod val="50000"/>
+                  </a:schemeClr>
+                </a:solidFill>
+                <a:latin typeface="Palatino" pitchFamily="2" charset="77"/>
+                <a:ea typeface="Palatino" pitchFamily="2" charset="77"/>
+              </a:rPr>
+              <a:t>The primal component selects prices by learning from newly observed rewards, allowing it to track changes in buyer behaviour over time — even in highly non-stationary settings</a:t>
+            </a:r>
+          </a:p>
+          <a:p>
+            <a:pPr marL="0" indent="0">
+              <a:spcBef>
+                <a:spcPts val="0"/>
+              </a:spcBef>
+              <a:spcAft>
+                <a:spcPts val="1200"/>
+              </a:spcAft>
+              <a:buNone/>
+            </a:pPr>
+            <a:r>
+              <a:rPr lang="en-GB" sz="1800" dirty="0">
+                <a:solidFill>
+                  <a:schemeClr val="bg1">
+                    <a:lumMod val="50000"/>
+                  </a:schemeClr>
+                </a:solidFill>
+                <a:latin typeface="Palatino" pitchFamily="2" charset="77"/>
+                <a:ea typeface="Palatino" pitchFamily="2" charset="77"/>
+              </a:rPr>
+              <a:t>The dual component, on the other hand, enforces the budget constraint by updating the Lagrange multiplier </a:t>
+            </a:r>
+            <a:r>
+              <a:rPr lang="el-GR" sz="1800" dirty="0">
+                <a:solidFill>
+                  <a:schemeClr val="bg1">
+                    <a:lumMod val="50000"/>
+                  </a:schemeClr>
+                </a:solidFill>
+                <a:latin typeface="Palatino" pitchFamily="2" charset="77"/>
+                <a:ea typeface="Palatino" pitchFamily="2" charset="77"/>
+              </a:rPr>
+              <a:t>λ, </a:t>
+            </a:r>
+            <a:r>
+              <a:rPr lang="en-GB" sz="1800" dirty="0">
+                <a:solidFill>
+                  <a:schemeClr val="bg1">
+                    <a:lumMod val="50000"/>
+                  </a:schemeClr>
+                </a:solidFill>
+                <a:latin typeface="Palatino" pitchFamily="2" charset="77"/>
+                <a:ea typeface="Palatino" pitchFamily="2" charset="77"/>
+              </a:rPr>
+              <a:t>which penalizes price choices leading to excessive consumption</a:t>
+            </a:r>
+          </a:p>
+          <a:p>
+            <a:pPr marL="0" indent="0">
+              <a:spcBef>
+                <a:spcPts val="0"/>
+              </a:spcBef>
+              <a:spcAft>
+                <a:spcPts val="1200"/>
+              </a:spcAft>
+              <a:buNone/>
+            </a:pPr>
+            <a:r>
+              <a:rPr lang="en-GB" sz="1800" dirty="0">
+                <a:solidFill>
+                  <a:schemeClr val="bg1">
+                    <a:lumMod val="50000"/>
+                  </a:schemeClr>
+                </a:solidFill>
+                <a:latin typeface="Palatino" pitchFamily="2" charset="77"/>
+                <a:ea typeface="Palatino" pitchFamily="2" charset="77"/>
+              </a:rPr>
+              <a:t>Such dual component can be seen as an adversary that seeks to minimize the agent's effective reward by increasing the penalty when the agent exceeds the per-round budget</a:t>
+            </a:r>
+          </a:p>
+        </p:txBody>
+      </p:sp>
+    </p:spTree>
+    <p:extLst>
+      <p:ext uri="{BB962C8B-B14F-4D97-AF65-F5344CB8AC3E}">
+        <p14:creationId xmlns:p14="http://schemas.microsoft.com/office/powerpoint/2010/main" val="2580615826"/>
+      </p:ext>
+    </p:extLst>
+  </p:cSld>
+  <p:clrMapOvr>
+    <a:masterClrMapping/>
+  </p:clrMapOvr>
+</p:sld>
+</file>
+
+<file path=ppt/slides/slide34.xml><?xml version="1.0" encoding="utf-8"?>
+<p:sld xmlns:a="http://schemas.openxmlformats.org/drawingml/2006/main" xmlns:r="http://schemas.openxmlformats.org/officeDocument/2006/relationships" xmlns:p="http://schemas.openxmlformats.org/presentationml/2006/main">
+  <p:cSld>
+    <p:spTree>
+      <p:nvGrpSpPr>
+        <p:cNvPr id="1" name="">
+          <a:extLst>
+            <a:ext uri="{FF2B5EF4-FFF2-40B4-BE49-F238E27FC236}">
+              <a16:creationId xmlns:a16="http://schemas.microsoft.com/office/drawing/2014/main" id="{EE5782CF-E35D-1893-0189-B1145F753A37}"/>
+            </a:ext>
+          </a:extLst>
+        </p:cNvPr>
+        <p:cNvGrpSpPr/>
+        <p:nvPr/>
+      </p:nvGrpSpPr>
+      <p:grpSpPr>
+        <a:xfrm>
+          <a:off x="0" y="0"/>
+          <a:ext cx="0" cy="0"/>
+          <a:chOff x="0" y="0"/>
+          <a:chExt cx="0" cy="0"/>
+        </a:xfrm>
+      </p:grpSpPr>
+      <p:sp>
+        <p:nvSpPr>
+          <p:cNvPr id="2" name="Title 1">
+            <a:extLst>
+              <a:ext uri="{FF2B5EF4-FFF2-40B4-BE49-F238E27FC236}">
+                <a16:creationId xmlns:a16="http://schemas.microsoft.com/office/drawing/2014/main" id="{4ED5FA73-E679-24D4-1A7A-BDDF585B1134}"/>
+              </a:ext>
+            </a:extLst>
+          </p:cNvPr>
+          <p:cNvSpPr>
+            <a:spLocks noGrp="1"/>
+          </p:cNvSpPr>
+          <p:nvPr>
+            <p:ph type="title"/>
+          </p:nvPr>
+        </p:nvSpPr>
+        <p:spPr/>
+        <p:txBody>
+          <a:bodyPr/>
+          <a:lstStyle/>
+          <a:p>
+            <a:r>
+              <a:rPr lang="en-IT" dirty="0">
+                <a:latin typeface="Palatino" pitchFamily="2" charset="77"/>
+                <a:ea typeface="Palatino" pitchFamily="2" charset="77"/>
+              </a:rPr>
+              <a:t>To be discussed</a:t>
+            </a:r>
+          </a:p>
+        </p:txBody>
+      </p:sp>
+      <mc:AlternateContent xmlns:mc="http://schemas.openxmlformats.org/markup-compatibility/2006">
+        <mc:Choice xmlns:a14="http://schemas.microsoft.com/office/drawing/2010/main" Requires="a14">
+          <p:sp>
+            <p:nvSpPr>
+              <p:cNvPr id="3" name="Content Placeholder 2">
+                <a:extLst>
+                  <a:ext uri="{FF2B5EF4-FFF2-40B4-BE49-F238E27FC236}">
+                    <a16:creationId xmlns:a16="http://schemas.microsoft.com/office/drawing/2014/main" id="{B39D1177-892F-3956-B394-1B5715CBE3CF}"/>
+                  </a:ext>
+                </a:extLst>
+              </p:cNvPr>
+              <p:cNvSpPr>
+                <a:spLocks noGrp="1"/>
+              </p:cNvSpPr>
+              <p:nvPr>
+                <p:ph idx="1"/>
+              </p:nvPr>
+            </p:nvSpPr>
+            <p:spPr>
+              <a:xfrm>
+                <a:off x="838197" y="1668321"/>
+                <a:ext cx="10240619" cy="1552052"/>
+              </a:xfrm>
+            </p:spPr>
+            <p:txBody>
+              <a:bodyPr>
+                <a:noAutofit/>
+              </a:bodyPr>
+              <a:lstStyle/>
+              <a:p>
+                <a:pPr marL="0" indent="0">
+                  <a:spcBef>
+                    <a:spcPts val="0"/>
+                  </a:spcBef>
+                  <a:spcAft>
+                    <a:spcPts val="600"/>
+                  </a:spcAft>
+                  <a:buNone/>
+                </a:pPr>
+                <a:r>
+                  <a:rPr lang="en-GB" sz="2400" dirty="0">
+                    <a:latin typeface="Palatino" pitchFamily="2" charset="77"/>
+                    <a:ea typeface="Palatino" pitchFamily="2" charset="77"/>
+                  </a:rPr>
+                  <a:t>Primal</a:t>
+                </a:r>
+              </a:p>
+              <a:p>
+                <a:pPr marL="0" indent="0">
+                  <a:spcBef>
+                    <a:spcPts val="0"/>
+                  </a:spcBef>
+                  <a:spcAft>
+                    <a:spcPts val="600"/>
+                  </a:spcAft>
+                  <a:buNone/>
+                </a:pPr>
+                <a:r>
+                  <a:rPr lang="en-GB" sz="1600" dirty="0">
+                    <a:solidFill>
+                      <a:schemeClr val="bg1">
+                        <a:lumMod val="50000"/>
+                      </a:schemeClr>
+                    </a:solidFill>
+                    <a:latin typeface="Palatino" pitchFamily="2" charset="77"/>
+                    <a:ea typeface="Palatino" pitchFamily="2" charset="77"/>
+                  </a:rPr>
+                  <a:t>We use EXP3.P - algorithm for adversarial environments in bandit feedback, no-regret with high probability</a:t>
+                </a:r>
+              </a:p>
+              <a:p>
+                <a:pPr marL="0" indent="0">
+                  <a:spcBef>
+                    <a:spcPts val="0"/>
+                  </a:spcBef>
+                  <a:spcAft>
+                    <a:spcPts val="600"/>
+                  </a:spcAft>
+                  <a:buNone/>
+                </a:pPr>
+                <a:r>
+                  <a:rPr lang="en-GB" sz="1200" dirty="0">
+                    <a:solidFill>
+                      <a:schemeClr val="bg1">
+                        <a:lumMod val="50000"/>
+                      </a:schemeClr>
+                    </a:solidFill>
+                    <a:latin typeface="Palatino" pitchFamily="2" charset="77"/>
+                    <a:ea typeface="Palatino" pitchFamily="2" charset="77"/>
+                  </a:rPr>
+                  <a:t>We tuned gamma (exploration term) by choosing </a:t>
+                </a:r>
+                <a14:m>
+                  <m:oMath xmlns:m="http://schemas.openxmlformats.org/officeDocument/2006/math">
+                    <m:r>
+                      <a:rPr lang="en-GB" sz="1200" i="1" smtClean="0">
+                        <a:solidFill>
+                          <a:schemeClr val="bg1">
+                            <a:lumMod val="50000"/>
+                          </a:schemeClr>
+                        </a:solidFill>
+                        <a:latin typeface="Cambria Math" panose="02040503050406030204" pitchFamily="18" charset="0"/>
+                        <a:ea typeface="Cambria Math" panose="02040503050406030204" pitchFamily="18" charset="0"/>
+                      </a:rPr>
+                      <m:t>𝛾</m:t>
+                    </m:r>
+                    <m:r>
+                      <a:rPr lang="it-IT" sz="1200" i="1" dirty="0">
+                        <a:solidFill>
+                          <a:schemeClr val="bg1">
+                            <a:lumMod val="50000"/>
+                          </a:schemeClr>
+                        </a:solidFill>
+                        <a:latin typeface="Cambria Math" panose="02040503050406030204" pitchFamily="18" charset="0"/>
+                        <a:ea typeface="Cambria Math" panose="02040503050406030204" pitchFamily="18" charset="0"/>
+                      </a:rPr>
+                      <m:t>∈{</m:t>
+                    </m:r>
+                  </m:oMath>
+                </a14:m>
+                <a:r>
+                  <a:rPr lang="en-GB" sz="1200" dirty="0">
+                    <a:solidFill>
+                      <a:schemeClr val="bg1">
+                        <a:lumMod val="50000"/>
+                      </a:schemeClr>
+                    </a:solidFill>
+                    <a:latin typeface="Palatino" pitchFamily="2" charset="77"/>
+                    <a:ea typeface="Palatino" pitchFamily="2" charset="77"/>
+                  </a:rPr>
+                  <a:t>0.1, 0.01, 0.001}</a:t>
+                </a:r>
+              </a:p>
+              <a:p>
+                <a:pPr marL="0" indent="0">
+                  <a:spcBef>
+                    <a:spcPts val="0"/>
+                  </a:spcBef>
+                  <a:spcAft>
+                    <a:spcPts val="600"/>
+                  </a:spcAft>
+                  <a:buNone/>
+                </a:pPr>
+                <a:endParaRPr lang="en-GB" sz="1800" dirty="0">
+                  <a:solidFill>
+                    <a:schemeClr val="bg1">
+                      <a:lumMod val="50000"/>
+                    </a:schemeClr>
+                  </a:solidFill>
+                  <a:latin typeface="Palatino" pitchFamily="2" charset="77"/>
+                  <a:ea typeface="Palatino" pitchFamily="2" charset="77"/>
+                </a:endParaRPr>
+              </a:p>
+              <a:p>
+                <a:pPr marL="0" indent="0">
+                  <a:spcBef>
+                    <a:spcPts val="0"/>
+                  </a:spcBef>
+                  <a:spcAft>
+                    <a:spcPts val="1800"/>
+                  </a:spcAft>
+                  <a:buNone/>
+                </a:pPr>
+                <a:endParaRPr lang="en-GB" sz="1400" dirty="0">
+                  <a:solidFill>
+                    <a:schemeClr val="bg1">
+                      <a:lumMod val="50000"/>
+                    </a:schemeClr>
+                  </a:solidFill>
+                  <a:latin typeface="Palatino" pitchFamily="2" charset="77"/>
+                  <a:ea typeface="Palatino" pitchFamily="2" charset="77"/>
+                </a:endParaRPr>
+              </a:p>
+              <a:p>
+                <a:pPr marL="0" indent="0">
+                  <a:spcBef>
+                    <a:spcPts val="0"/>
+                  </a:spcBef>
+                  <a:spcAft>
+                    <a:spcPts val="1800"/>
+                  </a:spcAft>
+                  <a:buNone/>
+                </a:pPr>
+                <a:br>
+                  <a:rPr lang="en-GB" sz="1800" dirty="0">
+                    <a:solidFill>
+                      <a:schemeClr val="bg1">
+                        <a:lumMod val="50000"/>
+                      </a:schemeClr>
+                    </a:solidFill>
+                    <a:latin typeface="Palatino" pitchFamily="2" charset="77"/>
+                    <a:ea typeface="Palatino" pitchFamily="2" charset="77"/>
+                  </a:rPr>
+                </a:br>
+                <a:endParaRPr lang="en-GB" sz="1800" dirty="0">
+                  <a:solidFill>
+                    <a:schemeClr val="bg1">
+                      <a:lumMod val="50000"/>
+                    </a:schemeClr>
+                  </a:solidFill>
+                  <a:latin typeface="Palatino" pitchFamily="2" charset="77"/>
+                  <a:ea typeface="Palatino" pitchFamily="2" charset="77"/>
+                </a:endParaRPr>
+              </a:p>
+            </p:txBody>
+          </p:sp>
+        </mc:Choice>
+        <mc:Fallback>
+          <p:sp>
+            <p:nvSpPr>
+              <p:cNvPr id="3" name="Content Placeholder 2">
+                <a:extLst>
+                  <a:ext uri="{FF2B5EF4-FFF2-40B4-BE49-F238E27FC236}">
+                    <a16:creationId xmlns:a16="http://schemas.microsoft.com/office/drawing/2014/main" id="{B39D1177-892F-3956-B394-1B5715CBE3CF}"/>
+                  </a:ext>
+                </a:extLst>
+              </p:cNvPr>
+              <p:cNvSpPr>
+                <a:spLocks noGrp="1" noRot="1" noChangeAspect="1" noMove="1" noResize="1" noEditPoints="1" noAdjustHandles="1" noChangeArrowheads="1" noChangeShapeType="1" noTextEdit="1"/>
+              </p:cNvSpPr>
+              <p:nvPr>
+                <p:ph idx="1"/>
+              </p:nvPr>
+            </p:nvSpPr>
+            <p:spPr>
+              <a:xfrm>
+                <a:off x="838197" y="1668321"/>
+                <a:ext cx="10240619" cy="1552052"/>
+              </a:xfrm>
+              <a:blipFill>
+                <a:blip r:embed="rId2"/>
+                <a:stretch>
+                  <a:fillRect l="-866" t="-5691"/>
+                </a:stretch>
+              </a:blipFill>
+            </p:spPr>
+            <p:txBody>
+              <a:bodyPr/>
+              <a:lstStyle/>
+              <a:p>
+                <a:r>
+                  <a:rPr lang="en-IT">
+                    <a:noFill/>
+                  </a:rPr>
+                  <a:t> </a:t>
+                </a:r>
+              </a:p>
+            </p:txBody>
+          </p:sp>
+        </mc:Fallback>
+      </mc:AlternateContent>
+      <mc:AlternateContent xmlns:mc="http://schemas.openxmlformats.org/markup-compatibility/2006">
+        <mc:Choice xmlns:a14="http://schemas.microsoft.com/office/drawing/2010/main" Requires="a14">
+          <p:sp>
+            <p:nvSpPr>
+              <p:cNvPr id="4" name="TextBox 3">
+                <a:extLst>
+                  <a:ext uri="{FF2B5EF4-FFF2-40B4-BE49-F238E27FC236}">
+                    <a16:creationId xmlns:a16="http://schemas.microsoft.com/office/drawing/2014/main" id="{5FC3EA5B-92DA-B120-AA59-10E14A70EBEE}"/>
+                  </a:ext>
+                </a:extLst>
+              </p:cNvPr>
+              <p:cNvSpPr txBox="1"/>
+              <p:nvPr/>
+            </p:nvSpPr>
+            <p:spPr>
+              <a:xfrm>
+                <a:off x="838197" y="2984686"/>
+                <a:ext cx="5655730" cy="3077766"/>
+              </a:xfrm>
+              <a:prstGeom prst="rect">
+                <a:avLst/>
+              </a:prstGeom>
+              <a:noFill/>
+            </p:spPr>
+            <p:txBody>
+              <a:bodyPr wrap="square" rtlCol="0">
+                <a:spAutoFit/>
+              </a:bodyPr>
+              <a:lstStyle/>
+              <a:p>
+                <a:pPr>
+                  <a:spcAft>
+                    <a:spcPts val="600"/>
+                  </a:spcAft>
+                </a:pPr>
+                <a:r>
+                  <a:rPr lang="en-GB" sz="2400" dirty="0">
+                    <a:latin typeface="Palatino" pitchFamily="2" charset="77"/>
+                    <a:ea typeface="Palatino" pitchFamily="2" charset="77"/>
+                  </a:rPr>
+                  <a:t>Dual</a:t>
+                </a:r>
+              </a:p>
+              <a:p>
+                <a:pPr>
+                  <a:spcAft>
+                    <a:spcPts val="600"/>
+                  </a:spcAft>
+                </a:pPr>
+                <a:r>
+                  <a:rPr lang="en-GB" sz="1600" dirty="0">
+                    <a:solidFill>
+                      <a:schemeClr val="bg1">
+                        <a:lumMod val="50000"/>
+                      </a:schemeClr>
+                    </a:solidFill>
+                    <a:latin typeface="Palatino" pitchFamily="2" charset="77"/>
+                    <a:ea typeface="Palatino" pitchFamily="2" charset="77"/>
+                  </a:rPr>
+                  <a:t>The learning rate for the dual has been manually tuned by choosing </a:t>
+                </a:r>
+                <a14:m>
+                  <m:oMath xmlns:m="http://schemas.openxmlformats.org/officeDocument/2006/math">
+                    <m:r>
+                      <a:rPr lang="en-GB" sz="1600" i="1">
+                        <a:solidFill>
+                          <a:schemeClr val="bg1">
+                            <a:lumMod val="50000"/>
+                          </a:schemeClr>
+                        </a:solidFill>
+                        <a:latin typeface="Cambria Math" panose="02040503050406030204" pitchFamily="18" charset="0"/>
+                        <a:ea typeface="Cambria Math" panose="02040503050406030204" pitchFamily="18" charset="0"/>
+                      </a:rPr>
+                      <m:t>𝜂</m:t>
+                    </m:r>
+                    <m:r>
+                      <a:rPr lang="it-IT" sz="1600" i="1" dirty="0" smtClean="0">
+                        <a:solidFill>
+                          <a:schemeClr val="bg1">
+                            <a:lumMod val="50000"/>
+                          </a:schemeClr>
+                        </a:solidFill>
+                        <a:latin typeface="Cambria Math" panose="02040503050406030204" pitchFamily="18" charset="0"/>
+                        <a:ea typeface="Cambria Math" panose="02040503050406030204" pitchFamily="18" charset="0"/>
+                      </a:rPr>
+                      <m:t>∈</m:t>
+                    </m:r>
+                    <m:r>
+                      <a:rPr lang="it-IT" sz="1600" b="0" i="1" dirty="0" smtClean="0">
+                        <a:solidFill>
+                          <a:schemeClr val="bg1">
+                            <a:lumMod val="50000"/>
+                          </a:schemeClr>
+                        </a:solidFill>
+                        <a:latin typeface="Cambria Math" panose="02040503050406030204" pitchFamily="18" charset="0"/>
+                        <a:ea typeface="Cambria Math" panose="02040503050406030204" pitchFamily="18" charset="0"/>
+                      </a:rPr>
+                      <m:t>{</m:t>
+                    </m:r>
+                  </m:oMath>
+                </a14:m>
+                <a:r>
+                  <a:rPr lang="en-GB" sz="1600" dirty="0">
+                    <a:solidFill>
+                      <a:schemeClr val="bg1">
+                        <a:lumMod val="50000"/>
+                      </a:schemeClr>
+                    </a:solidFill>
+                    <a:latin typeface="Palatino" pitchFamily="2" charset="77"/>
+                    <a:ea typeface="Palatino" pitchFamily="2" charset="77"/>
+                  </a:rPr>
+                  <a:t>0.1, 0.01, 0.001}</a:t>
+                </a:r>
+              </a:p>
+              <a:p>
+                <a:pPr>
+                  <a:spcAft>
+                    <a:spcPts val="1800"/>
+                  </a:spcAft>
+                </a:pPr>
+                <a14:m>
+                  <m:oMath xmlns:m="http://schemas.openxmlformats.org/officeDocument/2006/math">
+                    <m:r>
+                      <a:rPr lang="en-GB" sz="1200" i="1">
+                        <a:solidFill>
+                          <a:schemeClr val="bg1">
+                            <a:lumMod val="50000"/>
+                          </a:schemeClr>
+                        </a:solidFill>
+                        <a:latin typeface="Cambria Math" panose="02040503050406030204" pitchFamily="18" charset="0"/>
+                        <a:ea typeface="Cambria Math" panose="02040503050406030204" pitchFamily="18" charset="0"/>
+                      </a:rPr>
+                      <m:t>𝜂</m:t>
+                    </m:r>
+                    <m:r>
+                      <a:rPr lang="it-IT" sz="1200" i="1">
+                        <a:solidFill>
+                          <a:schemeClr val="bg1">
+                            <a:lumMod val="50000"/>
+                          </a:schemeClr>
+                        </a:solidFill>
+                        <a:latin typeface="Cambria Math" panose="02040503050406030204" pitchFamily="18" charset="0"/>
+                        <a:ea typeface="Cambria Math" panose="02040503050406030204" pitchFamily="18" charset="0"/>
+                      </a:rPr>
+                      <m:t>= </m:t>
+                    </m:r>
+                  </m:oMath>
+                </a14:m>
+                <a:r>
+                  <a:rPr lang="en-GB" sz="1200" dirty="0">
+                    <a:solidFill>
+                      <a:schemeClr val="bg1">
+                        <a:lumMod val="50000"/>
+                      </a:schemeClr>
+                    </a:solidFill>
+                    <a:latin typeface="Palatino" pitchFamily="2" charset="77"/>
+                    <a:ea typeface="Palatino" pitchFamily="2" charset="77"/>
+                  </a:rPr>
+                  <a:t>0.01 turned out to be the best choice</a:t>
+                </a:r>
+                <a:endParaRPr lang="en-GB" sz="1600" dirty="0">
+                  <a:latin typeface="Palatino" pitchFamily="2" charset="77"/>
+                  <a:ea typeface="Palatino" pitchFamily="2" charset="77"/>
+                </a:endParaRPr>
+              </a:p>
+              <a:p>
+                <a:pPr>
+                  <a:spcAft>
+                    <a:spcPts val="600"/>
+                  </a:spcAft>
+                </a:pPr>
+                <a:r>
+                  <a:rPr lang="en-GB" sz="2400" dirty="0">
+                    <a:latin typeface="Palatino" pitchFamily="2" charset="77"/>
+                    <a:ea typeface="Palatino" pitchFamily="2" charset="77"/>
+                  </a:rPr>
+                  <a:t>Dynamic Strategy</a:t>
+                </a:r>
+              </a:p>
+              <a:p>
+                <a:pPr>
+                  <a:spcAft>
+                    <a:spcPts val="600"/>
+                  </a:spcAft>
+                </a:pPr>
+                <a:r>
+                  <a:rPr lang="en-GB" sz="1600" dirty="0">
+                    <a:solidFill>
+                      <a:schemeClr val="bg1">
+                        <a:lumMod val="50000"/>
+                      </a:schemeClr>
+                    </a:solidFill>
+                    <a:latin typeface="Palatino" pitchFamily="2" charset="77"/>
+                    <a:ea typeface="Palatino" pitchFamily="2" charset="77"/>
+                  </a:rPr>
+                  <a:t>We – once again – adopted dynamic </a:t>
+                </a:r>
+                <a14:m>
+                  <m:oMath xmlns:m="http://schemas.openxmlformats.org/officeDocument/2006/math">
+                    <m:r>
+                      <a:rPr lang="en-GB" sz="1600" i="1">
+                        <a:solidFill>
+                          <a:schemeClr val="bg1">
+                            <a:lumMod val="50000"/>
+                          </a:schemeClr>
+                        </a:solidFill>
+                        <a:latin typeface="Cambria Math" panose="02040503050406030204" pitchFamily="18" charset="0"/>
+                        <a:ea typeface="Cambria Math" panose="02040503050406030204" pitchFamily="18" charset="0"/>
+                      </a:rPr>
+                      <m:t>𝜌</m:t>
+                    </m:r>
+                  </m:oMath>
+                </a14:m>
+                <a:r>
+                  <a:rPr lang="en-GB" sz="1600" dirty="0">
+                    <a:solidFill>
+                      <a:schemeClr val="bg1">
+                        <a:lumMod val="50000"/>
+                      </a:schemeClr>
+                    </a:solidFill>
+                    <a:latin typeface="Palatino" pitchFamily="2" charset="77"/>
+                    <a:ea typeface="Palatino" pitchFamily="2" charset="77"/>
+                  </a:rPr>
+                  <a:t> in the implementation of our agent</a:t>
+                </a:r>
+              </a:p>
+              <a:p>
+                <a:pPr>
+                  <a:spcAft>
+                    <a:spcPts val="600"/>
+                  </a:spcAft>
+                </a:pPr>
+                <a:r>
+                  <a:rPr lang="en-GB" sz="1200" dirty="0">
+                    <a:solidFill>
+                      <a:schemeClr val="bg1">
+                        <a:lumMod val="50000"/>
+                      </a:schemeClr>
+                    </a:solidFill>
+                    <a:latin typeface="Palatino" pitchFamily="2" charset="77"/>
+                    <a:ea typeface="Palatino" pitchFamily="2" charset="77"/>
+                  </a:rPr>
+                  <a:t>Further discussion about the green plots later on</a:t>
+                </a:r>
+                <a:endParaRPr lang="en-GB" sz="1000" dirty="0">
+                  <a:solidFill>
+                    <a:schemeClr val="bg1">
+                      <a:lumMod val="50000"/>
+                    </a:schemeClr>
+                  </a:solidFill>
+                  <a:latin typeface="Palatino" pitchFamily="2" charset="77"/>
+                  <a:ea typeface="Palatino" pitchFamily="2" charset="77"/>
+                </a:endParaRPr>
+              </a:p>
+              <a:p>
+                <a:pPr>
+                  <a:spcAft>
+                    <a:spcPts val="1200"/>
+                  </a:spcAft>
+                </a:pPr>
+                <a:endParaRPr lang="en-IT" dirty="0"/>
+              </a:p>
+            </p:txBody>
+          </p:sp>
+        </mc:Choice>
+        <mc:Fallback>
+          <p:sp>
+            <p:nvSpPr>
+              <p:cNvPr id="4" name="TextBox 3">
+                <a:extLst>
+                  <a:ext uri="{FF2B5EF4-FFF2-40B4-BE49-F238E27FC236}">
+                    <a16:creationId xmlns:a16="http://schemas.microsoft.com/office/drawing/2014/main" id="{5FC3EA5B-92DA-B120-AA59-10E14A70EBEE}"/>
+                  </a:ext>
+                </a:extLst>
+              </p:cNvPr>
+              <p:cNvSpPr txBox="1">
+                <a:spLocks noRot="1" noChangeAspect="1" noMove="1" noResize="1" noEditPoints="1" noAdjustHandles="1" noChangeArrowheads="1" noChangeShapeType="1" noTextEdit="1"/>
+              </p:cNvSpPr>
+              <p:nvPr/>
+            </p:nvSpPr>
+            <p:spPr>
+              <a:xfrm>
+                <a:off x="838197" y="2984686"/>
+                <a:ext cx="5655730" cy="3077766"/>
+              </a:xfrm>
+              <a:prstGeom prst="rect">
+                <a:avLst/>
+              </a:prstGeom>
+              <a:blipFill>
+                <a:blip r:embed="rId3"/>
+                <a:stretch>
+                  <a:fillRect l="-1566" t="-1646" r="-895"/>
+                </a:stretch>
+              </a:blipFill>
+            </p:spPr>
+            <p:txBody>
+              <a:bodyPr/>
+              <a:lstStyle/>
+              <a:p>
+                <a:r>
+                  <a:rPr lang="en-IT">
+                    <a:noFill/>
+                  </a:rPr>
+                  <a:t> </a:t>
+                </a:r>
+              </a:p>
+            </p:txBody>
+          </p:sp>
+        </mc:Fallback>
+      </mc:AlternateContent>
+      <p:pic>
+        <p:nvPicPr>
+          <p:cNvPr id="7" name="Picture 6">
+            <a:extLst>
+              <a:ext uri="{FF2B5EF4-FFF2-40B4-BE49-F238E27FC236}">
+                <a16:creationId xmlns:a16="http://schemas.microsoft.com/office/drawing/2014/main" id="{10995AC0-5D7C-26BE-B838-4EF1EEE8F727}"/>
+              </a:ext>
+            </a:extLst>
+          </p:cNvPr>
+          <p:cNvPicPr>
+            <a:picLocks noChangeAspect="1"/>
+          </p:cNvPicPr>
+          <p:nvPr/>
+        </p:nvPicPr>
+        <p:blipFill>
+          <a:blip r:embed="rId4"/>
+          <a:stretch>
+            <a:fillRect/>
+          </a:stretch>
+        </p:blipFill>
+        <p:spPr>
+          <a:xfrm>
+            <a:off x="7171318" y="2984686"/>
+            <a:ext cx="2671251" cy="1446928"/>
+          </a:xfrm>
+          <a:prstGeom prst="rect">
+            <a:avLst/>
+          </a:prstGeom>
+        </p:spPr>
+      </p:pic>
+      <p:pic>
+        <p:nvPicPr>
+          <p:cNvPr id="8" name="Picture 7">
+            <a:extLst>
+              <a:ext uri="{FF2B5EF4-FFF2-40B4-BE49-F238E27FC236}">
+                <a16:creationId xmlns:a16="http://schemas.microsoft.com/office/drawing/2014/main" id="{33B11507-D533-7D42-2A51-E067926ECC30}"/>
+              </a:ext>
+            </a:extLst>
+          </p:cNvPr>
+          <p:cNvPicPr>
+            <a:picLocks noChangeAspect="1"/>
+          </p:cNvPicPr>
+          <p:nvPr/>
+        </p:nvPicPr>
+        <p:blipFill>
+          <a:blip r:embed="rId5"/>
+          <a:stretch>
+            <a:fillRect/>
+          </a:stretch>
+        </p:blipFill>
+        <p:spPr>
+          <a:xfrm>
+            <a:off x="7171318" y="4514371"/>
+            <a:ext cx="2671252" cy="1446928"/>
+          </a:xfrm>
+          <a:prstGeom prst="rect">
+            <a:avLst/>
+          </a:prstGeom>
+        </p:spPr>
+      </p:pic>
+    </p:spTree>
+    <p:extLst>
+      <p:ext uri="{BB962C8B-B14F-4D97-AF65-F5344CB8AC3E}">
+        <p14:creationId xmlns:p14="http://schemas.microsoft.com/office/powerpoint/2010/main" val="3990159862"/>
+      </p:ext>
+    </p:extLst>
+  </p:cSld>
+  <p:clrMapOvr>
+    <a:masterClrMapping/>
+  </p:clrMapOvr>
+</p:sld>
+</file>
+
+<file path=ppt/slides/slide35.xml><?xml version="1.0" encoding="utf-8"?>
+<p:sld xmlns:a="http://schemas.openxmlformats.org/drawingml/2006/main" xmlns:r="http://schemas.openxmlformats.org/officeDocument/2006/relationships" xmlns:p="http://schemas.openxmlformats.org/presentationml/2006/main">
+  <p:cSld>
+    <p:spTree>
+      <p:nvGrpSpPr>
+        <p:cNvPr id="1" name="">
+          <a:extLst>
+            <a:ext uri="{FF2B5EF4-FFF2-40B4-BE49-F238E27FC236}">
+              <a16:creationId xmlns:a16="http://schemas.microsoft.com/office/drawing/2014/main" id="{4EC0E719-1275-63EF-C974-1A12B360DB0B}"/>
+            </a:ext>
+          </a:extLst>
+        </p:cNvPr>
+        <p:cNvGrpSpPr/>
+        <p:nvPr/>
+      </p:nvGrpSpPr>
+      <p:grpSpPr>
+        <a:xfrm>
+          <a:off x="0" y="0"/>
+          <a:ext cx="0" cy="0"/>
+          <a:chOff x="0" y="0"/>
+          <a:chExt cx="0" cy="0"/>
+        </a:xfrm>
+      </p:grpSpPr>
+      <p:sp>
+        <p:nvSpPr>
+          <p:cNvPr id="2" name="Title 1">
+            <a:extLst>
+              <a:ext uri="{FF2B5EF4-FFF2-40B4-BE49-F238E27FC236}">
+                <a16:creationId xmlns:a16="http://schemas.microsoft.com/office/drawing/2014/main" id="{DE61C2C6-55BC-5D22-4017-48C1D3EE33F1}"/>
+              </a:ext>
+            </a:extLst>
+          </p:cNvPr>
+          <p:cNvSpPr>
+            <a:spLocks noGrp="1"/>
+          </p:cNvSpPr>
+          <p:nvPr>
+            <p:ph type="title"/>
+          </p:nvPr>
+        </p:nvSpPr>
+        <p:spPr/>
+        <p:txBody>
+          <a:bodyPr/>
+          <a:lstStyle/>
+          <a:p>
+            <a:r>
+              <a:rPr lang="en-IT" dirty="0">
+                <a:latin typeface="Palatino" pitchFamily="2" charset="77"/>
+                <a:ea typeface="Palatino" pitchFamily="2" charset="77"/>
+              </a:rPr>
+              <a:t>To be discussed</a:t>
+            </a:r>
+          </a:p>
+        </p:txBody>
+      </p:sp>
+      <mc:AlternateContent xmlns:mc="http://schemas.openxmlformats.org/markup-compatibility/2006" xmlns:a14="http://schemas.microsoft.com/office/drawing/2010/main">
+        <mc:Choice Requires="a14">
+          <p:sp>
+            <p:nvSpPr>
+              <p:cNvPr id="3" name="Content Placeholder 2">
+                <a:extLst>
+                  <a:ext uri="{FF2B5EF4-FFF2-40B4-BE49-F238E27FC236}">
+                    <a16:creationId xmlns:a16="http://schemas.microsoft.com/office/drawing/2014/main" id="{D214808C-215C-516A-E4C5-83ADBAF88DFB}"/>
+                  </a:ext>
+                </a:extLst>
+              </p:cNvPr>
+              <p:cNvSpPr>
+                <a:spLocks noGrp="1"/>
+              </p:cNvSpPr>
+              <p:nvPr>
+                <p:ph idx="1"/>
+              </p:nvPr>
+            </p:nvSpPr>
+            <p:spPr>
+              <a:xfrm>
+                <a:off x="838198" y="1668321"/>
+                <a:ext cx="6523301" cy="3048645"/>
+              </a:xfrm>
+            </p:spPr>
+            <p:txBody>
+              <a:bodyPr>
+                <a:noAutofit/>
+              </a:bodyPr>
+              <a:lstStyle/>
+              <a:p>
+                <a:pPr marL="0" indent="0">
+                  <a:spcBef>
+                    <a:spcPts val="0"/>
+                  </a:spcBef>
+                  <a:spcAft>
+                    <a:spcPts val="1200"/>
+                  </a:spcAft>
+                  <a:buNone/>
+                </a:pPr>
+                <a:r>
+                  <a:rPr lang="en-GB" sz="2400" dirty="0">
+                    <a:latin typeface="Palatino" pitchFamily="2" charset="77"/>
+                    <a:ea typeface="Palatino" pitchFamily="2" charset="77"/>
+                  </a:rPr>
+                  <a:t>Clipping Lambda</a:t>
+                </a:r>
+              </a:p>
+              <a:p>
+                <a:pPr marL="0" indent="0">
+                  <a:spcBef>
+                    <a:spcPts val="0"/>
+                  </a:spcBef>
+                  <a:spcAft>
+                    <a:spcPts val="1200"/>
+                  </a:spcAft>
+                  <a:buNone/>
+                </a:pPr>
+                <a:r>
+                  <a:rPr lang="en-GB" sz="1800" dirty="0">
+                    <a:solidFill>
+                      <a:schemeClr val="bg1">
+                        <a:lumMod val="50000"/>
+                      </a:schemeClr>
+                    </a:solidFill>
+                    <a:latin typeface="Palatino" pitchFamily="2" charset="77"/>
+                    <a:ea typeface="Palatino" pitchFamily="2" charset="77"/>
+                  </a:rPr>
+                  <a:t>In this setting, gradient descent convergence isn’t guaranteed</a:t>
+                </a:r>
+              </a:p>
+              <a:p>
+                <a:pPr marL="0" indent="0">
+                  <a:spcBef>
+                    <a:spcPts val="0"/>
+                  </a:spcBef>
+                  <a:spcAft>
+                    <a:spcPts val="1200"/>
+                  </a:spcAft>
+                  <a:buNone/>
+                </a:pPr>
+                <a:r>
+                  <a:rPr lang="en-GB" sz="1800" dirty="0">
+                    <a:solidFill>
+                      <a:schemeClr val="bg1">
+                        <a:lumMod val="50000"/>
+                      </a:schemeClr>
+                    </a:solidFill>
+                    <a:latin typeface="Palatino" pitchFamily="2" charset="77"/>
+                    <a:ea typeface="Palatino" pitchFamily="2" charset="77"/>
+                  </a:rPr>
+                  <a:t>In general, it is needed to project the Lagrange multiplier </a:t>
+                </a:r>
+                <a14:m>
+                  <m:oMath xmlns:m="http://schemas.openxmlformats.org/officeDocument/2006/math">
+                    <m:r>
+                      <a:rPr lang="en-GB" sz="1800" i="1">
+                        <a:solidFill>
+                          <a:schemeClr val="bg1">
+                            <a:lumMod val="50000"/>
+                          </a:schemeClr>
+                        </a:solidFill>
+                        <a:latin typeface="Cambria Math" panose="02040503050406030204" pitchFamily="18" charset="0"/>
+                        <a:ea typeface="Cambria Math" panose="02040503050406030204" pitchFamily="18" charset="0"/>
+                      </a:rPr>
+                      <m:t>𝜆</m:t>
+                    </m:r>
+                  </m:oMath>
+                </a14:m>
+                <a:r>
+                  <a:rPr lang="en-GB" sz="1800" dirty="0">
+                    <a:solidFill>
+                      <a:schemeClr val="bg1">
+                        <a:lumMod val="50000"/>
+                      </a:schemeClr>
+                    </a:solidFill>
+                    <a:latin typeface="Palatino" pitchFamily="2" charset="77"/>
+                    <a:ea typeface="Palatino" pitchFamily="2" charset="77"/>
+                  </a:rPr>
+                  <a:t> onto a fixed interval [0, U] in order to ensure stability </a:t>
+                </a:r>
+              </a:p>
+              <a:p>
+                <a:pPr marL="0" indent="0">
+                  <a:spcBef>
+                    <a:spcPts val="0"/>
+                  </a:spcBef>
+                  <a:spcAft>
+                    <a:spcPts val="1200"/>
+                  </a:spcAft>
+                  <a:buNone/>
+                </a:pPr>
+                <a:r>
+                  <a:rPr lang="en-GB" sz="1800" dirty="0">
+                    <a:solidFill>
+                      <a:schemeClr val="bg1">
+                        <a:lumMod val="50000"/>
+                      </a:schemeClr>
+                    </a:solidFill>
+                    <a:latin typeface="Palatino" pitchFamily="2" charset="77"/>
+                    <a:ea typeface="Palatino" pitchFamily="2" charset="77"/>
+                  </a:rPr>
+                  <a:t>Inspired by the </a:t>
+                </a:r>
+                <a:r>
+                  <a:rPr lang="en-GB" sz="1800" i="1" dirty="0" err="1">
+                    <a:solidFill>
+                      <a:schemeClr val="bg1">
+                        <a:lumMod val="50000"/>
+                      </a:schemeClr>
+                    </a:solidFill>
+                    <a:latin typeface="Palatino" pitchFamily="2" charset="77"/>
+                    <a:ea typeface="Palatino" pitchFamily="2" charset="77"/>
+                  </a:rPr>
+                  <a:t>upperbound</a:t>
+                </a:r>
+                <a:r>
+                  <a:rPr lang="en-GB" sz="1800" dirty="0">
+                    <a:solidFill>
+                      <a:schemeClr val="bg1">
+                        <a:lumMod val="50000"/>
+                      </a:schemeClr>
+                    </a:solidFill>
+                    <a:latin typeface="Palatino" pitchFamily="2" charset="77"/>
+                    <a:ea typeface="Palatino" pitchFamily="2" charset="77"/>
+                  </a:rPr>
+                  <a:t> </a:t>
+                </a:r>
+                <a:r>
+                  <a:rPr lang="en-GB" sz="1800" i="1" dirty="0">
+                    <a:solidFill>
+                      <a:schemeClr val="bg1">
+                        <a:lumMod val="50000"/>
+                      </a:schemeClr>
+                    </a:solidFill>
+                    <a:latin typeface="Palatino" pitchFamily="2" charset="77"/>
+                    <a:ea typeface="Palatino" pitchFamily="2" charset="77"/>
+                  </a:rPr>
+                  <a:t>U</a:t>
+                </a:r>
+                <a:r>
+                  <a:rPr lang="en-GB" sz="1800" dirty="0">
+                    <a:solidFill>
+                      <a:schemeClr val="bg1">
+                        <a:lumMod val="50000"/>
+                      </a:schemeClr>
+                    </a:solidFill>
+                    <a:latin typeface="Palatino" pitchFamily="2" charset="77"/>
+                    <a:ea typeface="Palatino" pitchFamily="2" charset="77"/>
+                  </a:rPr>
+                  <a:t> for rewards lying within [0,1] - to </a:t>
+                </a:r>
+                <a:r>
+                  <a:rPr lang="en-GB" sz="1800" dirty="0" err="1">
+                    <a:solidFill>
+                      <a:schemeClr val="bg1">
+                        <a:lumMod val="50000"/>
+                      </a:schemeClr>
+                    </a:solidFill>
+                    <a:latin typeface="Palatino" pitchFamily="2" charset="77"/>
+                    <a:ea typeface="Palatino" pitchFamily="2" charset="77"/>
+                  </a:rPr>
+                  <a:t>accomodate</a:t>
+                </a:r>
+                <a:r>
+                  <a:rPr lang="en-GB" sz="1800" dirty="0">
+                    <a:solidFill>
+                      <a:schemeClr val="bg1">
+                        <a:lumMod val="50000"/>
+                      </a:schemeClr>
+                    </a:solidFill>
+                    <a:latin typeface="Palatino" pitchFamily="2" charset="77"/>
+                    <a:ea typeface="Palatino" pitchFamily="2" charset="77"/>
+                  </a:rPr>
+                  <a:t> arbitrary reward magnitudes, we initially </a:t>
+                </a:r>
+                <a:r>
+                  <a:rPr lang="en-GB" sz="1800" i="1" dirty="0">
+                    <a:solidFill>
+                      <a:schemeClr val="bg1">
+                        <a:lumMod val="50000"/>
+                      </a:schemeClr>
+                    </a:solidFill>
+                    <a:latin typeface="Palatino" pitchFamily="2" charset="77"/>
+                    <a:ea typeface="Palatino" pitchFamily="2" charset="77"/>
+                  </a:rPr>
+                  <a:t>scaled</a:t>
+                </a:r>
+                <a:r>
+                  <a:rPr lang="en-GB" sz="1800" dirty="0">
+                    <a:solidFill>
+                      <a:schemeClr val="bg1">
+                        <a:lumMod val="50000"/>
+                      </a:schemeClr>
+                    </a:solidFill>
+                    <a:latin typeface="Palatino" pitchFamily="2" charset="77"/>
+                    <a:ea typeface="Palatino" pitchFamily="2" charset="77"/>
+                  </a:rPr>
+                  <a:t> the theoretical bound </a:t>
+                </a:r>
+                <a14:m>
+                  <m:oMath xmlns:m="http://schemas.openxmlformats.org/officeDocument/2006/math">
+                    <m:r>
+                      <a:rPr lang="it-IT" sz="1800" i="1">
+                        <a:solidFill>
+                          <a:schemeClr val="bg1">
+                            <a:lumMod val="50000"/>
+                          </a:schemeClr>
+                        </a:solidFill>
+                        <a:latin typeface="Cambria Math" panose="02040503050406030204" pitchFamily="18" charset="0"/>
+                        <a:ea typeface="Palatino" pitchFamily="2" charset="77"/>
+                      </a:rPr>
+                      <m:t>𝑈</m:t>
+                    </m:r>
+                    <m:r>
+                      <a:rPr lang="it-IT" sz="1800" i="1">
+                        <a:solidFill>
+                          <a:schemeClr val="bg1">
+                            <a:lumMod val="50000"/>
+                          </a:schemeClr>
+                        </a:solidFill>
+                        <a:latin typeface="Cambria Math" panose="02040503050406030204" pitchFamily="18" charset="0"/>
+                        <a:ea typeface="Palatino" pitchFamily="2" charset="77"/>
+                      </a:rPr>
+                      <m:t>= </m:t>
+                    </m:r>
+                    <m:f>
+                      <m:fPr>
+                        <m:ctrlPr>
+                          <a:rPr lang="it-IT" sz="1800" i="1">
+                            <a:solidFill>
+                              <a:schemeClr val="bg1">
+                                <a:lumMod val="50000"/>
+                              </a:schemeClr>
+                            </a:solidFill>
+                            <a:latin typeface="Cambria Math" panose="02040503050406030204" pitchFamily="18" charset="0"/>
+                            <a:ea typeface="Palatino" pitchFamily="2" charset="77"/>
+                          </a:rPr>
+                        </m:ctrlPr>
+                      </m:fPr>
+                      <m:num>
+                        <m:r>
+                          <a:rPr lang="it-IT" sz="1800" i="1">
+                            <a:solidFill>
+                              <a:schemeClr val="bg1">
+                                <a:lumMod val="50000"/>
+                              </a:schemeClr>
+                            </a:solidFill>
+                            <a:latin typeface="Cambria Math" panose="02040503050406030204" pitchFamily="18" charset="0"/>
+                            <a:ea typeface="Palatino" pitchFamily="2" charset="77"/>
+                          </a:rPr>
+                          <m:t>1</m:t>
+                        </m:r>
+                      </m:num>
+                      <m:den>
+                        <m:r>
+                          <a:rPr lang="it-IT" sz="1800" i="1">
+                            <a:solidFill>
+                              <a:schemeClr val="bg1">
+                                <a:lumMod val="50000"/>
+                              </a:schemeClr>
+                            </a:solidFill>
+                            <a:latin typeface="Cambria Math" panose="02040503050406030204" pitchFamily="18" charset="0"/>
+                            <a:ea typeface="Cambria Math" panose="02040503050406030204" pitchFamily="18" charset="0"/>
+                          </a:rPr>
+                          <m:t>𝜌</m:t>
+                        </m:r>
+                      </m:den>
+                    </m:f>
+                  </m:oMath>
+                </a14:m>
+                <a:r>
+                  <a:rPr lang="en-IT" sz="1800" dirty="0">
+                    <a:solidFill>
+                      <a:schemeClr val="bg1">
+                        <a:lumMod val="50000"/>
+                      </a:schemeClr>
+                    </a:solidFill>
+                    <a:latin typeface="Palatino" pitchFamily="2" charset="77"/>
+                    <a:ea typeface="Palatino" pitchFamily="2" charset="77"/>
+                  </a:rPr>
+                  <a:t>  by the maximum </a:t>
+                </a:r>
+                <a:r>
+                  <a:rPr lang="en-IT" sz="1800" i="1" dirty="0">
+                    <a:solidFill>
+                      <a:schemeClr val="bg1">
+                        <a:lumMod val="50000"/>
+                      </a:schemeClr>
+                    </a:solidFill>
+                    <a:latin typeface="Palatino" pitchFamily="2" charset="77"/>
+                    <a:ea typeface="Palatino" pitchFamily="2" charset="77"/>
+                  </a:rPr>
+                  <a:t>feasible reward R</a:t>
+                </a:r>
+              </a:p>
+              <a:p>
+                <a:pPr marL="0" indent="0">
+                  <a:spcBef>
+                    <a:spcPts val="0"/>
+                  </a:spcBef>
+                  <a:spcAft>
+                    <a:spcPts val="1200"/>
+                  </a:spcAft>
+                  <a:buNone/>
+                </a:pPr>
+                <a:r>
+                  <a:rPr lang="en-IT" sz="1800" dirty="0">
+                    <a:solidFill>
+                      <a:schemeClr val="bg1">
+                        <a:lumMod val="50000"/>
+                      </a:schemeClr>
+                    </a:solidFill>
+                    <a:latin typeface="Palatino" pitchFamily="2" charset="77"/>
+                    <a:ea typeface="Palatino" pitchFamily="2" charset="77"/>
+                  </a:rPr>
+                  <a:t>Although – since reward R greatly exceeds the actual rewards observed by the algorithm – we finally scale it by the </a:t>
+                </a:r>
+                <a:r>
+                  <a:rPr lang="en-IT" sz="1800" i="1" dirty="0">
+                    <a:solidFill>
+                      <a:schemeClr val="bg1">
+                        <a:lumMod val="50000"/>
+                      </a:schemeClr>
+                    </a:solidFill>
+                    <a:latin typeface="Palatino" pitchFamily="2" charset="77"/>
+                    <a:ea typeface="Palatino" pitchFamily="2" charset="77"/>
+                  </a:rPr>
+                  <a:t>expected</a:t>
+                </a:r>
+                <a:r>
+                  <a:rPr lang="en-IT" sz="1800" dirty="0">
+                    <a:solidFill>
+                      <a:schemeClr val="bg1">
+                        <a:lumMod val="50000"/>
+                      </a:schemeClr>
+                    </a:solidFill>
+                    <a:latin typeface="Palatino" pitchFamily="2" charset="77"/>
+                    <a:ea typeface="Palatino" pitchFamily="2" charset="77"/>
+                  </a:rPr>
+                  <a:t> maximum reward R (w.r.t. the initial mean)</a:t>
+                </a:r>
+              </a:p>
+              <a:p>
+                <a:pPr marL="0" indent="0">
+                  <a:spcBef>
+                    <a:spcPts val="0"/>
+                  </a:spcBef>
+                  <a:spcAft>
+                    <a:spcPts val="1200"/>
+                  </a:spcAft>
+                  <a:buNone/>
+                </a:pPr>
+                <a:r>
+                  <a:rPr lang="en-IT" sz="1400" dirty="0">
+                    <a:solidFill>
+                      <a:schemeClr val="bg1">
+                        <a:lumMod val="50000"/>
+                      </a:schemeClr>
+                    </a:solidFill>
+                    <a:latin typeface="Palatino" pitchFamily="2" charset="77"/>
+                    <a:ea typeface="Palatino" pitchFamily="2" charset="77"/>
+                  </a:rPr>
+                  <a:t>Hint: Max expected reward starts from </a:t>
+                </a:r>
+                <a14:m>
+                  <m:oMath xmlns:m="http://schemas.openxmlformats.org/officeDocument/2006/math">
+                    <m:r>
+                      <a:rPr lang="en-IT" sz="1400" i="1" smtClean="0">
+                        <a:solidFill>
+                          <a:schemeClr val="bg1">
+                            <a:lumMod val="50000"/>
+                          </a:schemeClr>
+                        </a:solidFill>
+                        <a:latin typeface="Cambria Math" panose="02040503050406030204" pitchFamily="18" charset="0"/>
+                        <a:ea typeface="Cambria Math" panose="02040503050406030204" pitchFamily="18" charset="0"/>
+                      </a:rPr>
+                      <m:t>≈</m:t>
+                    </m:r>
+                    <m:r>
+                      <a:rPr lang="it-IT" sz="1400" b="0" i="1" smtClean="0">
+                        <a:solidFill>
+                          <a:schemeClr val="bg1">
+                            <a:lumMod val="50000"/>
+                          </a:schemeClr>
+                        </a:solidFill>
+                        <a:latin typeface="Cambria Math" panose="02040503050406030204" pitchFamily="18" charset="0"/>
+                        <a:ea typeface="Cambria Math" panose="02040503050406030204" pitchFamily="18" charset="0"/>
+                      </a:rPr>
+                      <m:t>15.0</m:t>
+                    </m:r>
+                  </m:oMath>
+                </a14:m>
+                <a:r>
+                  <a:rPr lang="en-IT" sz="1400" dirty="0">
+                    <a:solidFill>
+                      <a:schemeClr val="bg1">
+                        <a:lumMod val="50000"/>
+                      </a:schemeClr>
+                    </a:solidFill>
+                    <a:latin typeface="Palatino" pitchFamily="2" charset="77"/>
+                    <a:ea typeface="Palatino" pitchFamily="2" charset="77"/>
+                  </a:rPr>
+                  <a:t> and varies with dynamic </a:t>
+                </a:r>
+                <a14:m>
+                  <m:oMath xmlns:m="http://schemas.openxmlformats.org/officeDocument/2006/math">
+                    <m:r>
+                      <a:rPr lang="en-IT" sz="1400" i="1" smtClean="0">
+                        <a:solidFill>
+                          <a:schemeClr val="bg1">
+                            <a:lumMod val="50000"/>
+                          </a:schemeClr>
+                        </a:solidFill>
+                        <a:latin typeface="Cambria Math" panose="02040503050406030204" pitchFamily="18" charset="0"/>
+                        <a:ea typeface="Cambria Math" panose="02040503050406030204" pitchFamily="18" charset="0"/>
+                      </a:rPr>
+                      <m:t>𝜌</m:t>
+                    </m:r>
+                  </m:oMath>
+                </a14:m>
+                <a:endParaRPr lang="en-IT" sz="1400" dirty="0">
+                  <a:solidFill>
+                    <a:schemeClr val="bg1">
+                      <a:lumMod val="50000"/>
+                    </a:schemeClr>
+                  </a:solidFill>
+                  <a:latin typeface="Palatino" pitchFamily="2" charset="77"/>
+                  <a:ea typeface="Palatino" pitchFamily="2" charset="77"/>
+                </a:endParaRPr>
+              </a:p>
+              <a:p>
+                <a:pPr marL="0" indent="0">
+                  <a:spcBef>
+                    <a:spcPts val="0"/>
+                  </a:spcBef>
+                  <a:spcAft>
+                    <a:spcPts val="600"/>
+                  </a:spcAft>
+                  <a:buNone/>
+                </a:pPr>
+                <a:br>
+                  <a:rPr lang="en-GB" sz="1800" dirty="0">
+                    <a:solidFill>
+                      <a:schemeClr val="bg1">
+                        <a:lumMod val="50000"/>
+                      </a:schemeClr>
+                    </a:solidFill>
+                    <a:latin typeface="Palatino" pitchFamily="2" charset="77"/>
+                    <a:ea typeface="Palatino" pitchFamily="2" charset="77"/>
+                  </a:rPr>
+                </a:br>
+                <a:endParaRPr lang="en-GB" sz="1800" dirty="0">
+                  <a:solidFill>
+                    <a:schemeClr val="bg1">
+                      <a:lumMod val="50000"/>
+                    </a:schemeClr>
+                  </a:solidFill>
+                  <a:latin typeface="Palatino" pitchFamily="2" charset="77"/>
+                  <a:ea typeface="Palatino" pitchFamily="2" charset="77"/>
+                </a:endParaRPr>
+              </a:p>
+            </p:txBody>
+          </p:sp>
+        </mc:Choice>
+        <mc:Fallback xmlns="">
+          <p:sp>
+            <p:nvSpPr>
+              <p:cNvPr id="3" name="Content Placeholder 2">
+                <a:extLst>
+                  <a:ext uri="{FF2B5EF4-FFF2-40B4-BE49-F238E27FC236}">
+                    <a16:creationId xmlns:a16="http://schemas.microsoft.com/office/drawing/2014/main" id="{D214808C-215C-516A-E4C5-83ADBAF88DFB}"/>
+                  </a:ext>
+                </a:extLst>
+              </p:cNvPr>
+              <p:cNvSpPr>
+                <a:spLocks noGrp="1" noRot="1" noChangeAspect="1" noMove="1" noResize="1" noEditPoints="1" noAdjustHandles="1" noChangeArrowheads="1" noChangeShapeType="1" noTextEdit="1"/>
+              </p:cNvSpPr>
+              <p:nvPr>
+                <p:ph idx="1"/>
+              </p:nvPr>
+            </p:nvSpPr>
+            <p:spPr>
+              <a:xfrm>
+                <a:off x="838198" y="1668321"/>
+                <a:ext cx="6523301" cy="3048645"/>
+              </a:xfrm>
+              <a:blipFill>
+                <a:blip r:embed="rId2"/>
+                <a:stretch>
+                  <a:fillRect l="-1359" t="-2905" r="-583" b="-24481"/>
+                </a:stretch>
+              </a:blipFill>
+            </p:spPr>
+            <p:txBody>
+              <a:bodyPr/>
+              <a:lstStyle/>
+              <a:p>
+                <a:r>
+                  <a:rPr lang="en-IT">
+                    <a:noFill/>
+                  </a:rPr>
+                  <a:t> </a:t>
+                </a:r>
+              </a:p>
+            </p:txBody>
+          </p:sp>
+        </mc:Fallback>
+      </mc:AlternateContent>
+      <p:pic>
+        <p:nvPicPr>
+          <p:cNvPr id="6" name="Picture 5">
+            <a:extLst>
+              <a:ext uri="{FF2B5EF4-FFF2-40B4-BE49-F238E27FC236}">
+                <a16:creationId xmlns:a16="http://schemas.microsoft.com/office/drawing/2014/main" id="{A7F5AF7F-D205-846E-1210-6008FA170589}"/>
+              </a:ext>
+            </a:extLst>
+          </p:cNvPr>
+          <p:cNvPicPr>
+            <a:picLocks noChangeAspect="1"/>
+          </p:cNvPicPr>
+          <p:nvPr/>
+        </p:nvPicPr>
+        <p:blipFill>
+          <a:blip r:embed="rId3"/>
+          <a:srcRect r="50000"/>
+          <a:stretch>
+            <a:fillRect/>
+          </a:stretch>
+        </p:blipFill>
+        <p:spPr>
+          <a:xfrm>
+            <a:off x="8352600" y="906656"/>
+            <a:ext cx="2710177" cy="2522343"/>
+          </a:xfrm>
+          <a:prstGeom prst="rect">
+            <a:avLst/>
+          </a:prstGeom>
+        </p:spPr>
+      </p:pic>
+      <p:pic>
+        <p:nvPicPr>
+          <p:cNvPr id="7" name="Picture 6">
+            <a:extLst>
+              <a:ext uri="{FF2B5EF4-FFF2-40B4-BE49-F238E27FC236}">
+                <a16:creationId xmlns:a16="http://schemas.microsoft.com/office/drawing/2014/main" id="{3FE9560F-C480-AD54-337F-D328787B91B5}"/>
+              </a:ext>
+            </a:extLst>
+          </p:cNvPr>
+          <p:cNvPicPr>
+            <a:picLocks noChangeAspect="1"/>
+          </p:cNvPicPr>
+          <p:nvPr/>
+        </p:nvPicPr>
+        <p:blipFill>
+          <a:blip r:embed="rId4"/>
+          <a:srcRect r="50000"/>
+          <a:stretch>
+            <a:fillRect/>
+          </a:stretch>
+        </p:blipFill>
+        <p:spPr>
+          <a:xfrm>
+            <a:off x="8390167" y="3586355"/>
+            <a:ext cx="2672610" cy="2522343"/>
+          </a:xfrm>
+          <a:prstGeom prst="rect">
+            <a:avLst/>
+          </a:prstGeom>
+        </p:spPr>
+      </p:pic>
+    </p:spTree>
+    <p:extLst>
+      <p:ext uri="{BB962C8B-B14F-4D97-AF65-F5344CB8AC3E}">
+        <p14:creationId xmlns:p14="http://schemas.microsoft.com/office/powerpoint/2010/main" val="1288486928"/>
+      </p:ext>
+    </p:extLst>
+  </p:cSld>
+  <p:clrMapOvr>
+    <a:masterClrMapping/>
+  </p:clrMapOvr>
+</p:sld>
+</file>
+
+<file path=ppt/slides/slide36.xml><?xml version="1.0" encoding="utf-8"?>
+<p:sld xmlns:a="http://schemas.openxmlformats.org/drawingml/2006/main" xmlns:r="http://schemas.openxmlformats.org/officeDocument/2006/relationships" xmlns:p="http://schemas.openxmlformats.org/presentationml/2006/main">
+  <p:cSld>
+    <p:spTree>
+      <p:nvGrpSpPr>
+        <p:cNvPr id="1" name="">
+          <a:extLst>
+            <a:ext uri="{FF2B5EF4-FFF2-40B4-BE49-F238E27FC236}">
+              <a16:creationId xmlns:a16="http://schemas.microsoft.com/office/drawing/2014/main" id="{117AC07C-1998-87BC-5FB3-A1CFACDC68AA}"/>
+            </a:ext>
+          </a:extLst>
+        </p:cNvPr>
+        <p:cNvGrpSpPr/>
+        <p:nvPr/>
+      </p:nvGrpSpPr>
+      <p:grpSpPr>
+        <a:xfrm>
+          <a:off x="0" y="0"/>
+          <a:ext cx="0" cy="0"/>
+          <a:chOff x="0" y="0"/>
+          <a:chExt cx="0" cy="0"/>
+        </a:xfrm>
+      </p:grpSpPr>
+      <p:sp>
+        <p:nvSpPr>
+          <p:cNvPr id="2" name="Title 1">
+            <a:extLst>
+              <a:ext uri="{FF2B5EF4-FFF2-40B4-BE49-F238E27FC236}">
+                <a16:creationId xmlns:a16="http://schemas.microsoft.com/office/drawing/2014/main" id="{76B0D049-2B6A-E7E6-9D3E-467B4327EF39}"/>
+              </a:ext>
+            </a:extLst>
+          </p:cNvPr>
+          <p:cNvSpPr>
+            <a:spLocks noGrp="1"/>
+          </p:cNvSpPr>
+          <p:nvPr>
+            <p:ph type="title"/>
+          </p:nvPr>
+        </p:nvSpPr>
+        <p:spPr/>
+        <p:txBody>
+          <a:bodyPr/>
+          <a:lstStyle/>
+          <a:p>
+            <a:r>
+              <a:rPr lang="en-IT" dirty="0">
+                <a:latin typeface="Palatino" pitchFamily="2" charset="77"/>
+                <a:ea typeface="Palatino" pitchFamily="2" charset="77"/>
+              </a:rPr>
+              <a:t>Budget</a:t>
+            </a:r>
+          </a:p>
+        </p:txBody>
+      </p:sp>
+      <p:sp>
+        <p:nvSpPr>
+          <p:cNvPr id="3" name="Content Placeholder 2">
+            <a:extLst>
+              <a:ext uri="{FF2B5EF4-FFF2-40B4-BE49-F238E27FC236}">
+                <a16:creationId xmlns:a16="http://schemas.microsoft.com/office/drawing/2014/main" id="{A9C68C3D-6B6D-1802-5D86-FE72EE0E9859}"/>
+              </a:ext>
+            </a:extLst>
+          </p:cNvPr>
+          <p:cNvSpPr>
+            <a:spLocks noGrp="1"/>
+          </p:cNvSpPr>
+          <p:nvPr>
+            <p:ph idx="1"/>
+          </p:nvPr>
+        </p:nvSpPr>
+        <p:spPr>
+          <a:xfrm>
+            <a:off x="838198" y="1668322"/>
+            <a:ext cx="4883801" cy="1132752"/>
+          </a:xfrm>
+        </p:spPr>
+        <p:txBody>
+          <a:bodyPr>
+            <a:noAutofit/>
+          </a:bodyPr>
+          <a:lstStyle/>
+          <a:p>
+            <a:pPr marL="0" indent="0">
+              <a:spcBef>
+                <a:spcPts val="0"/>
+              </a:spcBef>
+              <a:spcAft>
+                <a:spcPts val="1200"/>
+              </a:spcAft>
+              <a:buNone/>
+            </a:pPr>
+            <a:r>
+              <a:rPr lang="en-GB" sz="2400" dirty="0">
+                <a:latin typeface="Palatino" pitchFamily="2" charset="77"/>
+                <a:ea typeface="Palatino" pitchFamily="2" charset="77"/>
+              </a:rPr>
+              <a:t>Sinusoidal environment</a:t>
+            </a:r>
+          </a:p>
+          <a:p>
+            <a:pPr marL="0" indent="0">
+              <a:spcBef>
+                <a:spcPts val="0"/>
+              </a:spcBef>
+              <a:spcAft>
+                <a:spcPts val="1200"/>
+              </a:spcAft>
+              <a:buNone/>
+            </a:pPr>
+            <a:r>
+              <a:rPr lang="en-GB" sz="1600" dirty="0">
+                <a:solidFill>
+                  <a:schemeClr val="bg1">
+                    <a:lumMod val="50000"/>
+                  </a:schemeClr>
+                </a:solidFill>
+                <a:latin typeface="Palatino" pitchFamily="2" charset="77"/>
+                <a:ea typeface="Palatino" pitchFamily="2" charset="77"/>
+              </a:rPr>
+              <a:t>The algorithm successfully manages the budget until the end</a:t>
+            </a:r>
+          </a:p>
+          <a:p>
+            <a:pPr marL="0" indent="0">
+              <a:spcBef>
+                <a:spcPts val="0"/>
+              </a:spcBef>
+              <a:spcAft>
+                <a:spcPts val="1200"/>
+              </a:spcAft>
+              <a:buNone/>
+            </a:pPr>
+            <a:r>
+              <a:rPr lang="en-GB" sz="1600" dirty="0">
+                <a:solidFill>
+                  <a:schemeClr val="bg1">
+                    <a:lumMod val="50000"/>
+                  </a:schemeClr>
+                </a:solidFill>
+                <a:latin typeface="Palatino" pitchFamily="2" charset="77"/>
+                <a:ea typeface="Palatino" pitchFamily="2" charset="77"/>
+              </a:rPr>
+              <a:t>The proper behaviour can be inferred by observing the overall decrease of lambda</a:t>
+            </a:r>
+          </a:p>
+          <a:p>
+            <a:pPr marL="0" indent="0">
+              <a:spcBef>
+                <a:spcPts val="0"/>
+              </a:spcBef>
+              <a:spcAft>
+                <a:spcPts val="1200"/>
+              </a:spcAft>
+              <a:buNone/>
+            </a:pPr>
+            <a:endParaRPr lang="en-GB" sz="1600" dirty="0">
+              <a:solidFill>
+                <a:schemeClr val="bg1">
+                  <a:lumMod val="50000"/>
+                </a:schemeClr>
+              </a:solidFill>
+              <a:latin typeface="Palatino" pitchFamily="2" charset="77"/>
+              <a:ea typeface="Palatino" pitchFamily="2" charset="77"/>
+            </a:endParaRPr>
+          </a:p>
+          <a:p>
+            <a:pPr marL="0" indent="0">
+              <a:spcBef>
+                <a:spcPts val="0"/>
+              </a:spcBef>
+              <a:spcAft>
+                <a:spcPts val="1200"/>
+              </a:spcAft>
+              <a:buNone/>
+            </a:pPr>
+            <a:endParaRPr lang="en-GB" sz="1600" dirty="0">
+              <a:solidFill>
+                <a:schemeClr val="bg1">
+                  <a:lumMod val="50000"/>
+                </a:schemeClr>
+              </a:solidFill>
+              <a:latin typeface="Palatino" pitchFamily="2" charset="77"/>
+              <a:ea typeface="Palatino" pitchFamily="2" charset="77"/>
+            </a:endParaRPr>
+          </a:p>
+          <a:p>
+            <a:pPr marL="0" indent="0">
+              <a:spcBef>
+                <a:spcPts val="0"/>
+              </a:spcBef>
+              <a:spcAft>
+                <a:spcPts val="1200"/>
+              </a:spcAft>
+              <a:buNone/>
+            </a:pPr>
+            <a:endParaRPr lang="en-GB" sz="1600" dirty="0">
+              <a:solidFill>
+                <a:schemeClr val="bg1">
+                  <a:lumMod val="50000"/>
+                </a:schemeClr>
+              </a:solidFill>
+              <a:latin typeface="Palatino" pitchFamily="2" charset="77"/>
+              <a:ea typeface="Palatino" pitchFamily="2" charset="77"/>
+            </a:endParaRPr>
+          </a:p>
+          <a:p>
+            <a:pPr marL="0" indent="0">
+              <a:spcBef>
+                <a:spcPts val="0"/>
+              </a:spcBef>
+              <a:spcAft>
+                <a:spcPts val="1200"/>
+              </a:spcAft>
+              <a:buNone/>
+            </a:pPr>
+            <a:endParaRPr lang="en-GB" sz="1600" dirty="0">
+              <a:solidFill>
+                <a:schemeClr val="bg1">
+                  <a:lumMod val="50000"/>
+                </a:schemeClr>
+              </a:solidFill>
+              <a:latin typeface="Palatino" pitchFamily="2" charset="77"/>
+              <a:ea typeface="Palatino" pitchFamily="2" charset="77"/>
+            </a:endParaRPr>
+          </a:p>
+        </p:txBody>
+      </p:sp>
+      <mc:AlternateContent xmlns:mc="http://schemas.openxmlformats.org/markup-compatibility/2006" xmlns:a14="http://schemas.microsoft.com/office/drawing/2010/main">
+        <mc:Choice Requires="a14">
+          <p:sp>
+            <p:nvSpPr>
+              <p:cNvPr id="9" name="TextBox 8">
+                <a:extLst>
+                  <a:ext uri="{FF2B5EF4-FFF2-40B4-BE49-F238E27FC236}">
+                    <a16:creationId xmlns:a16="http://schemas.microsoft.com/office/drawing/2014/main" id="{C3A6B0D2-A5CA-99F1-7488-F8A6A430CA77}"/>
+                  </a:ext>
+                </a:extLst>
+              </p:cNvPr>
+              <p:cNvSpPr txBox="1"/>
+              <p:nvPr/>
+            </p:nvSpPr>
+            <p:spPr>
+              <a:xfrm>
+                <a:off x="838198" y="3585652"/>
+                <a:ext cx="5003007" cy="3139321"/>
+              </a:xfrm>
+              <a:prstGeom prst="rect">
+                <a:avLst/>
+              </a:prstGeom>
+              <a:noFill/>
+            </p:spPr>
+            <p:txBody>
+              <a:bodyPr wrap="square" rtlCol="0">
+                <a:spAutoFit/>
+              </a:bodyPr>
+              <a:lstStyle/>
+              <a:p>
+                <a:pPr>
+                  <a:spcAft>
+                    <a:spcPts val="1200"/>
+                  </a:spcAft>
+                </a:pPr>
+                <a:r>
+                  <a:rPr lang="en-GB" sz="2400" dirty="0">
+                    <a:latin typeface="Palatino" pitchFamily="2" charset="77"/>
+                    <a:ea typeface="Palatino" pitchFamily="2" charset="77"/>
+                  </a:rPr>
+                  <a:t>Increasing mean environment</a:t>
+                </a:r>
+              </a:p>
+              <a:p>
+                <a:pPr>
+                  <a:spcAft>
+                    <a:spcPts val="1200"/>
+                  </a:spcAft>
+                </a:pPr>
+                <a:r>
+                  <a:rPr lang="en-GB" sz="1600" dirty="0">
+                    <a:solidFill>
+                      <a:schemeClr val="bg1">
+                        <a:lumMod val="50000"/>
+                      </a:schemeClr>
+                    </a:solidFill>
+                    <a:latin typeface="Palatino" pitchFamily="2" charset="77"/>
+                    <a:ea typeface="Palatino" pitchFamily="2" charset="77"/>
+                  </a:rPr>
+                  <a:t>Buyers’ demand and willingness to pay keep rising, causing the algorithm to oversell</a:t>
+                </a:r>
+              </a:p>
+              <a:p>
+                <a:pPr>
+                  <a:spcAft>
+                    <a:spcPts val="1200"/>
+                  </a:spcAft>
+                </a:pPr>
+                <a:r>
+                  <a:rPr lang="en-GB" sz="1600" dirty="0">
+                    <a:solidFill>
+                      <a:schemeClr val="bg1">
+                        <a:lumMod val="50000"/>
+                      </a:schemeClr>
+                    </a:solidFill>
+                    <a:latin typeface="Palatino" pitchFamily="2" charset="77"/>
+                    <a:ea typeface="Palatino" pitchFamily="2" charset="77"/>
+                  </a:rPr>
+                  <a:t>Since the budget decreases faster than T increases, as it runs out the dynamic </a:t>
+                </a:r>
+                <a14:m>
+                  <m:oMath xmlns:m="http://schemas.openxmlformats.org/officeDocument/2006/math">
+                    <m:r>
+                      <a:rPr lang="en-GB" sz="1600" i="1">
+                        <a:solidFill>
+                          <a:schemeClr val="bg1">
+                            <a:lumMod val="50000"/>
+                          </a:schemeClr>
+                        </a:solidFill>
+                        <a:latin typeface="Cambria Math" panose="02040503050406030204" pitchFamily="18" charset="0"/>
+                        <a:ea typeface="Cambria Math" panose="02040503050406030204" pitchFamily="18" charset="0"/>
+                      </a:rPr>
+                      <m:t>𝜌</m:t>
+                    </m:r>
+                    <m:r>
+                      <a:rPr lang="it-IT" sz="1600" i="1">
+                        <a:solidFill>
+                          <a:schemeClr val="bg1">
+                            <a:lumMod val="50000"/>
+                          </a:schemeClr>
+                        </a:solidFill>
+                        <a:latin typeface="Cambria Math" panose="02040503050406030204" pitchFamily="18" charset="0"/>
+                        <a:ea typeface="Cambria Math" panose="02040503050406030204" pitchFamily="18" charset="0"/>
+                      </a:rPr>
+                      <m:t> </m:t>
+                    </m:r>
+                  </m:oMath>
+                </a14:m>
+                <a:r>
+                  <a:rPr lang="en-GB" sz="1600" dirty="0">
+                    <a:solidFill>
+                      <a:schemeClr val="bg1">
+                        <a:lumMod val="50000"/>
+                      </a:schemeClr>
+                    </a:solidFill>
+                    <a:latin typeface="Palatino" pitchFamily="2" charset="77"/>
+                    <a:ea typeface="Palatino" pitchFamily="2" charset="77"/>
+                  </a:rPr>
+                  <a:t>drops, and lambda spikes accordingly</a:t>
+                </a:r>
+              </a:p>
+              <a:p>
+                <a:pPr>
+                  <a:spcAft>
+                    <a:spcPts val="1200"/>
+                  </a:spcAft>
+                </a:pPr>
+                <a:r>
+                  <a:rPr lang="en-GB" sz="1600" dirty="0">
+                    <a:solidFill>
+                      <a:schemeClr val="bg1">
+                        <a:lumMod val="50000"/>
+                      </a:schemeClr>
+                    </a:solidFill>
+                    <a:latin typeface="Palatino" pitchFamily="2" charset="77"/>
+                    <a:ea typeface="Palatino" pitchFamily="2" charset="77"/>
+                  </a:rPr>
+                  <a:t>The algorithm soon runs out of budget</a:t>
+                </a:r>
+              </a:p>
+              <a:p>
+                <a:pPr>
+                  <a:spcAft>
+                    <a:spcPts val="1200"/>
+                  </a:spcAft>
+                </a:pPr>
+                <a:r>
+                  <a:rPr lang="en-GB" sz="1200" dirty="0">
+                    <a:solidFill>
+                      <a:schemeClr val="bg1">
+                        <a:lumMod val="50000"/>
+                      </a:schemeClr>
+                    </a:solidFill>
+                    <a:latin typeface="Palatino" pitchFamily="2" charset="77"/>
+                    <a:ea typeface="Palatino" pitchFamily="2" charset="77"/>
+                  </a:rPr>
+                  <a:t>Hint: In the green image, only the first 5k rounds are depicted</a:t>
+                </a:r>
+                <a:endParaRPr lang="en-GB" sz="1000" dirty="0">
+                  <a:solidFill>
+                    <a:schemeClr val="bg1">
+                      <a:lumMod val="50000"/>
+                    </a:schemeClr>
+                  </a:solidFill>
+                  <a:latin typeface="Palatino" pitchFamily="2" charset="77"/>
+                  <a:ea typeface="Palatino" pitchFamily="2" charset="77"/>
+                </a:endParaRPr>
+              </a:p>
+              <a:p>
+                <a:endParaRPr lang="en-IT" sz="1600" dirty="0"/>
+              </a:p>
+            </p:txBody>
+          </p:sp>
+        </mc:Choice>
+        <mc:Fallback xmlns="">
+          <p:sp>
+            <p:nvSpPr>
+              <p:cNvPr id="9" name="TextBox 8">
+                <a:extLst>
+                  <a:ext uri="{FF2B5EF4-FFF2-40B4-BE49-F238E27FC236}">
+                    <a16:creationId xmlns:a16="http://schemas.microsoft.com/office/drawing/2014/main" id="{C3A6B0D2-A5CA-99F1-7488-F8A6A430CA77}"/>
+                  </a:ext>
+                </a:extLst>
+              </p:cNvPr>
+              <p:cNvSpPr txBox="1">
+                <a:spLocks noRot="1" noChangeAspect="1" noMove="1" noResize="1" noEditPoints="1" noAdjustHandles="1" noChangeArrowheads="1" noChangeShapeType="1" noTextEdit="1"/>
+              </p:cNvSpPr>
+              <p:nvPr/>
+            </p:nvSpPr>
+            <p:spPr>
+              <a:xfrm>
+                <a:off x="838198" y="3585652"/>
+                <a:ext cx="5003007" cy="3139321"/>
+              </a:xfrm>
+              <a:prstGeom prst="rect">
+                <a:avLst/>
+              </a:prstGeom>
+              <a:blipFill>
+                <a:blip r:embed="rId6"/>
+                <a:stretch>
+                  <a:fillRect l="-1772" t="-1613"/>
+                </a:stretch>
+              </a:blipFill>
+            </p:spPr>
+            <p:txBody>
+              <a:bodyPr/>
+              <a:lstStyle/>
+              <a:p>
+                <a:r>
+                  <a:rPr lang="en-IT">
+                    <a:noFill/>
+                  </a:rPr>
+                  <a:t> </a:t>
+                </a:r>
+              </a:p>
+            </p:txBody>
+          </p:sp>
+        </mc:Fallback>
+      </mc:AlternateContent>
+      <p:pic>
+        <p:nvPicPr>
+          <p:cNvPr id="8" name="Picture 7">
+            <a:extLst>
+              <a:ext uri="{FF2B5EF4-FFF2-40B4-BE49-F238E27FC236}">
+                <a16:creationId xmlns:a16="http://schemas.microsoft.com/office/drawing/2014/main" id="{EF19DF67-F511-86DA-799F-C2F5B11F19D4}"/>
+              </a:ext>
+            </a:extLst>
+          </p:cNvPr>
+          <p:cNvPicPr>
+            <a:picLocks noChangeAspect="1"/>
+          </p:cNvPicPr>
+          <p:nvPr/>
+        </p:nvPicPr>
+        <p:blipFill>
+          <a:blip r:embed="rId7"/>
+          <a:srcRect r="50000"/>
+          <a:stretch>
+            <a:fillRect/>
+          </a:stretch>
+        </p:blipFill>
+        <p:spPr>
+          <a:xfrm>
+            <a:off x="6329885" y="1366454"/>
+            <a:ext cx="2216140" cy="2062546"/>
+          </a:xfrm>
+          <a:prstGeom prst="rect">
+            <a:avLst/>
+          </a:prstGeom>
+        </p:spPr>
+      </p:pic>
+      <p:pic>
+        <p:nvPicPr>
+          <p:cNvPr id="10" name="Picture 9">
+            <a:extLst>
+              <a:ext uri="{FF2B5EF4-FFF2-40B4-BE49-F238E27FC236}">
+                <a16:creationId xmlns:a16="http://schemas.microsoft.com/office/drawing/2014/main" id="{18D918FD-A7E7-73DE-C5F9-ECFCFF5BED79}"/>
+              </a:ext>
+            </a:extLst>
+          </p:cNvPr>
+          <p:cNvPicPr>
+            <a:picLocks noChangeAspect="1"/>
+          </p:cNvPicPr>
+          <p:nvPr/>
+        </p:nvPicPr>
+        <p:blipFill>
+          <a:blip r:embed="rId8"/>
+          <a:stretch>
+            <a:fillRect/>
+          </a:stretch>
+        </p:blipFill>
+        <p:spPr>
+          <a:xfrm>
+            <a:off x="8614287" y="1914706"/>
+            <a:ext cx="2671251" cy="1446928"/>
+          </a:xfrm>
+          <a:prstGeom prst="rect">
+            <a:avLst/>
+          </a:prstGeom>
+        </p:spPr>
+      </p:pic>
+      <p:pic>
+        <p:nvPicPr>
+          <p:cNvPr id="11" name="Picture 10">
+            <a:extLst>
+              <a:ext uri="{FF2B5EF4-FFF2-40B4-BE49-F238E27FC236}">
+                <a16:creationId xmlns:a16="http://schemas.microsoft.com/office/drawing/2014/main" id="{23EB222F-95EE-E6EA-159E-2BC195557241}"/>
+              </a:ext>
+            </a:extLst>
+          </p:cNvPr>
+          <p:cNvPicPr>
+            <a:picLocks noChangeAspect="1"/>
+          </p:cNvPicPr>
+          <p:nvPr/>
+        </p:nvPicPr>
+        <p:blipFill>
+          <a:blip r:embed="rId9"/>
+          <a:srcRect r="50000"/>
+          <a:stretch>
+            <a:fillRect/>
+          </a:stretch>
+        </p:blipFill>
+        <p:spPr>
+          <a:xfrm>
+            <a:off x="6345244" y="4124039"/>
+            <a:ext cx="2185421" cy="2062546"/>
+          </a:xfrm>
+          <a:prstGeom prst="rect">
+            <a:avLst/>
+          </a:prstGeom>
+        </p:spPr>
+      </p:pic>
+      <p:pic>
+        <p:nvPicPr>
+          <p:cNvPr id="12" name="Picture 11">
+            <a:extLst>
+              <a:ext uri="{FF2B5EF4-FFF2-40B4-BE49-F238E27FC236}">
+                <a16:creationId xmlns:a16="http://schemas.microsoft.com/office/drawing/2014/main" id="{41468BB2-22F5-0AF5-B29B-53E31262A7D5}"/>
+              </a:ext>
+            </a:extLst>
+          </p:cNvPr>
+          <p:cNvPicPr>
+            <a:picLocks noChangeAspect="1"/>
+          </p:cNvPicPr>
+          <p:nvPr/>
+        </p:nvPicPr>
+        <p:blipFill>
+          <a:blip r:embed="rId10"/>
+          <a:stretch>
+            <a:fillRect/>
+          </a:stretch>
+        </p:blipFill>
+        <p:spPr>
+          <a:xfrm>
+            <a:off x="8614286" y="4739657"/>
+            <a:ext cx="2671252" cy="1446928"/>
+          </a:xfrm>
+          <a:prstGeom prst="rect">
+            <a:avLst/>
+          </a:prstGeom>
+        </p:spPr>
+      </p:pic>
+    </p:spTree>
+    <p:extLst>
+      <p:ext uri="{BB962C8B-B14F-4D97-AF65-F5344CB8AC3E}">
+        <p14:creationId xmlns:p14="http://schemas.microsoft.com/office/powerpoint/2010/main" val="924028668"/>
+      </p:ext>
+    </p:extLst>
+  </p:cSld>
+  <p:clrMapOvr>
+    <a:masterClrMapping/>
+  </p:clrMapOvr>
+</p:sld>
+</file>
+
+<file path=ppt/slides/slide37.xml><?xml version="1.0" encoding="utf-8"?>
+<p:sld xmlns:a="http://schemas.openxmlformats.org/drawingml/2006/main" xmlns:r="http://schemas.openxmlformats.org/officeDocument/2006/relationships" xmlns:p="http://schemas.openxmlformats.org/presentationml/2006/main">
+  <p:cSld>
+    <p:spTree>
+      <p:nvGrpSpPr>
+        <p:cNvPr id="1" name="">
+          <a:extLst>
+            <a:ext uri="{FF2B5EF4-FFF2-40B4-BE49-F238E27FC236}">
+              <a16:creationId xmlns:a16="http://schemas.microsoft.com/office/drawing/2014/main" id="{7C55E99F-F621-F712-BE9A-8BF413AF38F7}"/>
+            </a:ext>
+          </a:extLst>
+        </p:cNvPr>
+        <p:cNvGrpSpPr/>
+        <p:nvPr/>
+      </p:nvGrpSpPr>
+      <p:grpSpPr>
+        <a:xfrm>
+          <a:off x="0" y="0"/>
+          <a:ext cx="0" cy="0"/>
+          <a:chOff x="0" y="0"/>
+          <a:chExt cx="0" cy="0"/>
+        </a:xfrm>
+      </p:grpSpPr>
+      <p:sp>
+        <p:nvSpPr>
+          <p:cNvPr id="2" name="Title 1">
+            <a:extLst>
+              <a:ext uri="{FF2B5EF4-FFF2-40B4-BE49-F238E27FC236}">
+                <a16:creationId xmlns:a16="http://schemas.microsoft.com/office/drawing/2014/main" id="{04DFF4CE-B50D-26C0-08FF-A74118DF4C71}"/>
+              </a:ext>
+            </a:extLst>
+          </p:cNvPr>
+          <p:cNvSpPr>
+            <a:spLocks noGrp="1"/>
+          </p:cNvSpPr>
+          <p:nvPr>
+            <p:ph type="title"/>
+          </p:nvPr>
+        </p:nvSpPr>
+        <p:spPr/>
+        <p:txBody>
+          <a:bodyPr/>
+          <a:lstStyle/>
+          <a:p>
+            <a:r>
+              <a:rPr lang="en-IT" dirty="0">
+                <a:latin typeface="Palatino" pitchFamily="2" charset="77"/>
+                <a:ea typeface="Palatino" pitchFamily="2" charset="77"/>
+              </a:rPr>
+              <a:t>Performance </a:t>
+            </a:r>
+            <a:r>
+              <a:rPr lang="en-IT">
+                <a:latin typeface="Palatino" pitchFamily="2" charset="77"/>
+                <a:ea typeface="Palatino" pitchFamily="2" charset="77"/>
+              </a:rPr>
+              <a:t>Analysis – Sinusoidal</a:t>
+            </a:r>
+            <a:endParaRPr lang="en-IT" dirty="0">
+              <a:latin typeface="Palatino" pitchFamily="2" charset="77"/>
+              <a:ea typeface="Palatino" pitchFamily="2" charset="77"/>
+            </a:endParaRPr>
+          </a:p>
+        </p:txBody>
+      </p:sp>
+      <p:sp>
+        <p:nvSpPr>
+          <p:cNvPr id="3" name="Content Placeholder 2">
+            <a:extLst>
+              <a:ext uri="{FF2B5EF4-FFF2-40B4-BE49-F238E27FC236}">
+                <a16:creationId xmlns:a16="http://schemas.microsoft.com/office/drawing/2014/main" id="{57524760-F981-6A5D-2CAF-C56841F9BF15}"/>
+              </a:ext>
+            </a:extLst>
+          </p:cNvPr>
+          <p:cNvSpPr>
+            <a:spLocks noGrp="1"/>
+          </p:cNvSpPr>
+          <p:nvPr>
+            <p:ph idx="1"/>
+          </p:nvPr>
+        </p:nvSpPr>
+        <p:spPr>
+          <a:xfrm>
+            <a:off x="838200" y="1668323"/>
+            <a:ext cx="10620737" cy="2753206"/>
+          </a:xfrm>
+        </p:spPr>
+        <p:txBody>
+          <a:bodyPr>
+            <a:noAutofit/>
+          </a:bodyPr>
+          <a:lstStyle/>
+          <a:p>
+            <a:pPr marL="0" indent="0">
+              <a:spcBef>
+                <a:spcPts val="0"/>
+              </a:spcBef>
+              <a:spcAft>
+                <a:spcPts val="1200"/>
+              </a:spcAft>
+              <a:buNone/>
+            </a:pPr>
+            <a:r>
+              <a:rPr lang="en-IT" sz="2400" dirty="0">
+                <a:latin typeface="Palatino" pitchFamily="2" charset="77"/>
+                <a:ea typeface="Palatino" pitchFamily="2" charset="77"/>
+              </a:rPr>
+              <a:t>Clairvoyants</a:t>
+            </a:r>
+          </a:p>
+          <a:p>
+            <a:pPr marL="0" indent="0">
+              <a:spcBef>
+                <a:spcPts val="0"/>
+              </a:spcBef>
+              <a:spcAft>
+                <a:spcPts val="1200"/>
+              </a:spcAft>
+              <a:buNone/>
+            </a:pPr>
+            <a:r>
+              <a:rPr lang="en-GB" sz="1600" dirty="0">
+                <a:solidFill>
+                  <a:schemeClr val="bg1">
+                    <a:lumMod val="50000"/>
+                  </a:schemeClr>
+                </a:solidFill>
+                <a:latin typeface="Palatino" pitchFamily="2" charset="77"/>
+                <a:ea typeface="Palatino" pitchFamily="2" charset="77"/>
+              </a:rPr>
+              <a:t>Defining a smart baseline for highly non-stationary environments was challenging – here we propose three:</a:t>
+            </a:r>
+          </a:p>
+          <a:p>
+            <a:pPr marL="0" indent="0">
+              <a:spcBef>
+                <a:spcPts val="0"/>
+              </a:spcBef>
+              <a:spcAft>
+                <a:spcPts val="1200"/>
+              </a:spcAft>
+              <a:buNone/>
+            </a:pPr>
+            <a:r>
+              <a:rPr lang="en-GB" sz="1600" i="1" dirty="0">
+                <a:latin typeface="Palatino" pitchFamily="2" charset="77"/>
+                <a:ea typeface="Palatino" pitchFamily="2" charset="77"/>
+              </a:rPr>
+              <a:t>The “Budget-aware Fixed-price Clairvoyant”</a:t>
+            </a:r>
+            <a:br>
+              <a:rPr lang="en-GB" sz="1600" dirty="0">
+                <a:solidFill>
+                  <a:schemeClr val="bg1">
+                    <a:lumMod val="50000"/>
+                  </a:schemeClr>
+                </a:solidFill>
+                <a:latin typeface="Palatino" pitchFamily="2" charset="77"/>
+                <a:ea typeface="Palatino" pitchFamily="2" charset="77"/>
+              </a:rPr>
+            </a:br>
+            <a:r>
+              <a:rPr lang="en-GB" sz="1600" dirty="0">
+                <a:solidFill>
+                  <a:schemeClr val="bg1">
+                    <a:lumMod val="50000"/>
+                  </a:schemeClr>
+                </a:solidFill>
+                <a:latin typeface="Palatino" pitchFamily="2" charset="77"/>
+                <a:ea typeface="Palatino" pitchFamily="2" charset="77"/>
+              </a:rPr>
+              <a:t>Expected total profit: 89.1k</a:t>
+            </a:r>
+          </a:p>
+          <a:p>
+            <a:pPr marL="0" indent="0">
+              <a:spcBef>
+                <a:spcPts val="0"/>
+              </a:spcBef>
+              <a:buNone/>
+            </a:pPr>
+            <a:r>
+              <a:rPr lang="en-GB" sz="1600" i="1" dirty="0">
+                <a:latin typeface="Palatino" pitchFamily="2" charset="77"/>
+                <a:ea typeface="Palatino" pitchFamily="2" charset="77"/>
+              </a:rPr>
+              <a:t>The “Budget-unaware Overpower Clairvoyant”</a:t>
+            </a:r>
+            <a:br>
+              <a:rPr lang="en-GB" sz="1600" dirty="0">
+                <a:latin typeface="Palatino" pitchFamily="2" charset="77"/>
+                <a:ea typeface="Palatino" pitchFamily="2" charset="77"/>
+              </a:rPr>
+            </a:br>
+            <a:r>
+              <a:rPr lang="en-GB" sz="1600" dirty="0">
+                <a:solidFill>
+                  <a:schemeClr val="bg1">
+                    <a:lumMod val="50000"/>
+                  </a:schemeClr>
+                </a:solidFill>
+                <a:latin typeface="Palatino" pitchFamily="2" charset="77"/>
+                <a:ea typeface="Palatino" pitchFamily="2" charset="77"/>
+              </a:rPr>
+              <a:t>Expected total reward: 1.8M</a:t>
+            </a:r>
+          </a:p>
+          <a:p>
+            <a:pPr marL="0" indent="0">
+              <a:spcBef>
+                <a:spcPts val="0"/>
+              </a:spcBef>
+              <a:buNone/>
+            </a:pPr>
+            <a:endParaRPr lang="en-GB" sz="1600" dirty="0">
+              <a:solidFill>
+                <a:schemeClr val="bg1">
+                  <a:lumMod val="50000"/>
+                </a:schemeClr>
+              </a:solidFill>
+              <a:latin typeface="Palatino" pitchFamily="2" charset="77"/>
+              <a:ea typeface="Palatino" pitchFamily="2" charset="77"/>
+            </a:endParaRPr>
+          </a:p>
+          <a:p>
+            <a:pPr marL="0" indent="0">
+              <a:spcBef>
+                <a:spcPts val="0"/>
+              </a:spcBef>
+              <a:buNone/>
+            </a:pPr>
+            <a:r>
+              <a:rPr lang="en-GB" sz="1600" i="1" dirty="0">
+                <a:latin typeface="Palatino" pitchFamily="2" charset="77"/>
+                <a:ea typeface="Palatino" pitchFamily="2" charset="77"/>
+              </a:rPr>
+              <a:t>The “Static-assupmtion Fixed-price Clairvoyant”</a:t>
+            </a:r>
+            <a:br>
+              <a:rPr lang="en-GB" sz="1600" dirty="0">
+                <a:latin typeface="Palatino" pitchFamily="2" charset="77"/>
+                <a:ea typeface="Palatino" pitchFamily="2" charset="77"/>
+              </a:rPr>
+            </a:br>
+            <a:r>
+              <a:rPr lang="en-GB" sz="1600" dirty="0">
+                <a:solidFill>
+                  <a:schemeClr val="bg1">
+                    <a:lumMod val="50000"/>
+                  </a:schemeClr>
+                </a:solidFill>
+                <a:latin typeface="Palatino" pitchFamily="2" charset="77"/>
+                <a:ea typeface="Palatino" pitchFamily="2" charset="77"/>
+              </a:rPr>
+              <a:t>Expected total reward: 146.6k</a:t>
+            </a:r>
+          </a:p>
+          <a:p>
+            <a:pPr marL="0" indent="0">
+              <a:spcBef>
+                <a:spcPts val="0"/>
+              </a:spcBef>
+              <a:buNone/>
+            </a:pPr>
+            <a:endParaRPr lang="en-GB" sz="1600" dirty="0">
+              <a:solidFill>
+                <a:schemeClr val="bg1">
+                  <a:lumMod val="50000"/>
+                </a:schemeClr>
+              </a:solidFill>
+              <a:latin typeface="Palatino" pitchFamily="2" charset="77"/>
+              <a:ea typeface="Palatino" pitchFamily="2" charset="77"/>
+            </a:endParaRPr>
+          </a:p>
+          <a:p>
+            <a:pPr marL="0" indent="0">
+              <a:spcBef>
+                <a:spcPts val="0"/>
+              </a:spcBef>
+              <a:buNone/>
+            </a:pPr>
+            <a:endParaRPr lang="en-GB" sz="1600" dirty="0">
+              <a:solidFill>
+                <a:schemeClr val="bg1">
+                  <a:lumMod val="50000"/>
+                </a:schemeClr>
+              </a:solidFill>
+              <a:latin typeface="Palatino" pitchFamily="2" charset="77"/>
+              <a:ea typeface="Palatino" pitchFamily="2" charset="77"/>
+            </a:endParaRPr>
+          </a:p>
+          <a:p>
+            <a:pPr marL="0" indent="0">
+              <a:spcBef>
+                <a:spcPts val="0"/>
+              </a:spcBef>
+              <a:buNone/>
+            </a:pPr>
+            <a:endParaRPr lang="en-GB" sz="1600" dirty="0">
+              <a:solidFill>
+                <a:schemeClr val="bg1">
+                  <a:lumMod val="50000"/>
+                </a:schemeClr>
+              </a:solidFill>
+              <a:latin typeface="Palatino" pitchFamily="2" charset="77"/>
+              <a:ea typeface="Palatino" pitchFamily="2" charset="77"/>
+            </a:endParaRPr>
+          </a:p>
+        </p:txBody>
+      </p:sp>
+      <p:sp>
+        <p:nvSpPr>
+          <p:cNvPr id="7" name="TextBox 6">
+            <a:extLst>
+              <a:ext uri="{FF2B5EF4-FFF2-40B4-BE49-F238E27FC236}">
+                <a16:creationId xmlns:a16="http://schemas.microsoft.com/office/drawing/2014/main" id="{BF7D523B-80E2-90F7-65B6-9658F42DD8C0}"/>
+              </a:ext>
+            </a:extLst>
+          </p:cNvPr>
+          <p:cNvSpPr txBox="1"/>
+          <p:nvPr/>
+        </p:nvSpPr>
+        <p:spPr>
+          <a:xfrm>
+            <a:off x="838200" y="4553883"/>
+            <a:ext cx="5296382" cy="2185214"/>
+          </a:xfrm>
+          <a:prstGeom prst="rect">
+            <a:avLst/>
+          </a:prstGeom>
+          <a:noFill/>
+        </p:spPr>
+        <p:txBody>
+          <a:bodyPr wrap="square" rtlCol="0">
+            <a:spAutoFit/>
+          </a:bodyPr>
+          <a:lstStyle/>
+          <a:p>
+            <a:pPr>
+              <a:spcAft>
+                <a:spcPts val="1200"/>
+              </a:spcAft>
+            </a:pPr>
+            <a:r>
+              <a:rPr lang="en-IT" sz="2400" dirty="0">
+                <a:latin typeface="Palatino" pitchFamily="2" charset="77"/>
+                <a:ea typeface="Palatino" pitchFamily="2" charset="77"/>
+              </a:rPr>
+              <a:t>Regret</a:t>
+            </a:r>
+          </a:p>
+          <a:p>
+            <a:pPr>
+              <a:spcAft>
+                <a:spcPts val="1200"/>
+              </a:spcAft>
+            </a:pPr>
+            <a:r>
+              <a:rPr lang="en-GB" sz="1600" dirty="0">
+                <a:solidFill>
+                  <a:schemeClr val="bg1">
+                    <a:lumMod val="50000"/>
+                  </a:schemeClr>
+                </a:solidFill>
+                <a:latin typeface="Palatino" pitchFamily="2" charset="77"/>
+                <a:ea typeface="Palatino" pitchFamily="2" charset="77"/>
+              </a:rPr>
+              <a:t>Obviously, the regret against the overpower clairvoyant does not achieve sub-linear regret</a:t>
+            </a:r>
+          </a:p>
+          <a:p>
+            <a:pPr>
+              <a:spcAft>
+                <a:spcPts val="1200"/>
+              </a:spcAft>
+            </a:pPr>
+            <a:r>
+              <a:rPr lang="en-GB" sz="1600" dirty="0">
+                <a:solidFill>
+                  <a:schemeClr val="bg1">
+                    <a:lumMod val="50000"/>
+                  </a:schemeClr>
+                </a:solidFill>
+                <a:latin typeface="Palatino" pitchFamily="2" charset="77"/>
+                <a:ea typeface="Palatino" pitchFamily="2" charset="77"/>
+              </a:rPr>
+              <a:t>On the other hand, both the two other baselines lose to our algorithm</a:t>
+            </a:r>
+          </a:p>
+          <a:p>
+            <a:endParaRPr lang="en-IT" dirty="0"/>
+          </a:p>
+        </p:txBody>
+      </p:sp>
+      <p:pic>
+        <p:nvPicPr>
+          <p:cNvPr id="4" name="Picture 3">
+            <a:extLst>
+              <a:ext uri="{FF2B5EF4-FFF2-40B4-BE49-F238E27FC236}">
+                <a16:creationId xmlns:a16="http://schemas.microsoft.com/office/drawing/2014/main" id="{8330D335-1E20-3AAA-281B-D3EB241276A3}"/>
+              </a:ext>
+            </a:extLst>
+          </p:cNvPr>
+          <p:cNvPicPr>
+            <a:picLocks noChangeAspect="1"/>
+          </p:cNvPicPr>
+          <p:nvPr/>
+        </p:nvPicPr>
+        <p:blipFill>
+          <a:blip r:embed="rId2"/>
+          <a:srcRect r="65941"/>
+          <a:stretch>
+            <a:fillRect/>
+          </a:stretch>
+        </p:blipFill>
+        <p:spPr>
+          <a:xfrm>
+            <a:off x="6806525" y="3742236"/>
+            <a:ext cx="1972590" cy="1831821"/>
+          </a:xfrm>
+          <a:prstGeom prst="rect">
+            <a:avLst/>
+          </a:prstGeom>
+        </p:spPr>
+      </p:pic>
+      <p:pic>
+        <p:nvPicPr>
+          <p:cNvPr id="5" name="Picture 4">
+            <a:extLst>
+              <a:ext uri="{FF2B5EF4-FFF2-40B4-BE49-F238E27FC236}">
+                <a16:creationId xmlns:a16="http://schemas.microsoft.com/office/drawing/2014/main" id="{9938304B-1BC8-DE75-B1BA-CF268DEF95B2}"/>
+              </a:ext>
+            </a:extLst>
+          </p:cNvPr>
+          <p:cNvPicPr>
+            <a:picLocks noChangeAspect="1"/>
+          </p:cNvPicPr>
+          <p:nvPr/>
+        </p:nvPicPr>
+        <p:blipFill>
+          <a:blip r:embed="rId2"/>
+          <a:srcRect l="37115" r="32939"/>
+          <a:stretch>
+            <a:fillRect/>
+          </a:stretch>
+        </p:blipFill>
+        <p:spPr>
+          <a:xfrm>
+            <a:off x="8779115" y="2826325"/>
+            <a:ext cx="1734405" cy="1831821"/>
+          </a:xfrm>
+          <a:prstGeom prst="rect">
+            <a:avLst/>
+          </a:prstGeom>
+        </p:spPr>
+      </p:pic>
+      <p:pic>
+        <p:nvPicPr>
+          <p:cNvPr id="6" name="Picture 5">
+            <a:extLst>
+              <a:ext uri="{FF2B5EF4-FFF2-40B4-BE49-F238E27FC236}">
+                <a16:creationId xmlns:a16="http://schemas.microsoft.com/office/drawing/2014/main" id="{AF8F2C96-B97F-43D2-8838-8B1347C6679D}"/>
+              </a:ext>
+            </a:extLst>
+          </p:cNvPr>
+          <p:cNvPicPr>
+            <a:picLocks noChangeAspect="1"/>
+          </p:cNvPicPr>
+          <p:nvPr/>
+        </p:nvPicPr>
+        <p:blipFill>
+          <a:blip r:embed="rId2"/>
+          <a:srcRect l="70053"/>
+          <a:stretch>
+            <a:fillRect/>
+          </a:stretch>
+        </p:blipFill>
+        <p:spPr>
+          <a:xfrm>
+            <a:off x="8779115" y="4553883"/>
+            <a:ext cx="1734406" cy="1831821"/>
+          </a:xfrm>
+          <a:prstGeom prst="rect">
+            <a:avLst/>
+          </a:prstGeom>
+        </p:spPr>
+      </p:pic>
+    </p:spTree>
+    <p:extLst>
+      <p:ext uri="{BB962C8B-B14F-4D97-AF65-F5344CB8AC3E}">
+        <p14:creationId xmlns:p14="http://schemas.microsoft.com/office/powerpoint/2010/main" val="3753842017"/>
+      </p:ext>
+    </p:extLst>
+  </p:cSld>
+  <p:clrMapOvr>
+    <a:masterClrMapping/>
+  </p:clrMapOvr>
+</p:sld>
+</file>
+
+<file path=ppt/slides/slide38.xml><?xml version="1.0" encoding="utf-8"?>
+<p:sld xmlns:a="http://schemas.openxmlformats.org/drawingml/2006/main" xmlns:r="http://schemas.openxmlformats.org/officeDocument/2006/relationships" xmlns:p="http://schemas.openxmlformats.org/presentationml/2006/main">
+  <p:cSld>
+    <p:spTree>
+      <p:nvGrpSpPr>
+        <p:cNvPr id="1" name="">
+          <a:extLst>
+            <a:ext uri="{FF2B5EF4-FFF2-40B4-BE49-F238E27FC236}">
+              <a16:creationId xmlns:a16="http://schemas.microsoft.com/office/drawing/2014/main" id="{178F5F58-EE61-8D04-F6FD-C04442FC4C9F}"/>
+            </a:ext>
+          </a:extLst>
+        </p:cNvPr>
+        <p:cNvGrpSpPr/>
+        <p:nvPr/>
+      </p:nvGrpSpPr>
+      <p:grpSpPr>
+        <a:xfrm>
+          <a:off x="0" y="0"/>
+          <a:ext cx="0" cy="0"/>
+          <a:chOff x="0" y="0"/>
+          <a:chExt cx="0" cy="0"/>
+        </a:xfrm>
+      </p:grpSpPr>
+      <p:sp>
+        <p:nvSpPr>
+          <p:cNvPr id="2" name="Title 1">
+            <a:extLst>
+              <a:ext uri="{FF2B5EF4-FFF2-40B4-BE49-F238E27FC236}">
+                <a16:creationId xmlns:a16="http://schemas.microsoft.com/office/drawing/2014/main" id="{6A44BFFE-6FF6-CCEA-65BF-798E271220E2}"/>
+              </a:ext>
+            </a:extLst>
+          </p:cNvPr>
+          <p:cNvSpPr>
+            <a:spLocks noGrp="1"/>
+          </p:cNvSpPr>
+          <p:nvPr>
+            <p:ph type="title"/>
+          </p:nvPr>
+        </p:nvSpPr>
+        <p:spPr/>
+        <p:txBody>
+          <a:bodyPr/>
+          <a:lstStyle/>
+          <a:p>
+            <a:r>
+              <a:rPr lang="en-IT" dirty="0">
+                <a:latin typeface="Palatino" pitchFamily="2" charset="77"/>
+                <a:ea typeface="Palatino" pitchFamily="2" charset="77"/>
+              </a:rPr>
+              <a:t>Performance Analysis – Increasing mean</a:t>
+            </a:r>
+          </a:p>
+        </p:txBody>
+      </p:sp>
+      <p:sp>
+        <p:nvSpPr>
+          <p:cNvPr id="3" name="Content Placeholder 2">
+            <a:extLst>
+              <a:ext uri="{FF2B5EF4-FFF2-40B4-BE49-F238E27FC236}">
+                <a16:creationId xmlns:a16="http://schemas.microsoft.com/office/drawing/2014/main" id="{B0C87F19-9414-DCC1-1698-B79210BDE75B}"/>
+              </a:ext>
+            </a:extLst>
+          </p:cNvPr>
+          <p:cNvSpPr>
+            <a:spLocks noGrp="1"/>
+          </p:cNvSpPr>
+          <p:nvPr>
+            <p:ph idx="1"/>
+          </p:nvPr>
+        </p:nvSpPr>
+        <p:spPr>
+          <a:xfrm>
+            <a:off x="838200" y="1668323"/>
+            <a:ext cx="10620737" cy="2753206"/>
+          </a:xfrm>
+        </p:spPr>
+        <p:txBody>
+          <a:bodyPr>
+            <a:noAutofit/>
+          </a:bodyPr>
+          <a:lstStyle/>
+          <a:p>
+            <a:pPr marL="0" indent="0">
+              <a:spcBef>
+                <a:spcPts val="0"/>
+              </a:spcBef>
+              <a:spcAft>
+                <a:spcPts val="1200"/>
+              </a:spcAft>
+              <a:buNone/>
+            </a:pPr>
+            <a:r>
+              <a:rPr lang="en-IT" sz="2400" dirty="0">
+                <a:latin typeface="Palatino" pitchFamily="2" charset="77"/>
+                <a:ea typeface="Palatino" pitchFamily="2" charset="77"/>
+              </a:rPr>
+              <a:t>Clairvoyants</a:t>
+            </a:r>
+          </a:p>
+          <a:p>
+            <a:pPr marL="0" indent="0">
+              <a:spcBef>
+                <a:spcPts val="0"/>
+              </a:spcBef>
+              <a:spcAft>
+                <a:spcPts val="1200"/>
+              </a:spcAft>
+              <a:buNone/>
+            </a:pPr>
+            <a:r>
+              <a:rPr lang="en-GB" sz="1600" dirty="0">
+                <a:solidFill>
+                  <a:schemeClr val="bg1">
+                    <a:lumMod val="50000"/>
+                  </a:schemeClr>
+                </a:solidFill>
+                <a:latin typeface="Palatino" pitchFamily="2" charset="77"/>
+                <a:ea typeface="Palatino" pitchFamily="2" charset="77"/>
+              </a:rPr>
+              <a:t>Defining a smart baseline for highly non-stationary environments was challenging – here we propose three:</a:t>
+            </a:r>
+          </a:p>
+          <a:p>
+            <a:pPr marL="0" indent="0">
+              <a:spcBef>
+                <a:spcPts val="0"/>
+              </a:spcBef>
+              <a:spcAft>
+                <a:spcPts val="1200"/>
+              </a:spcAft>
+              <a:buNone/>
+            </a:pPr>
+            <a:r>
+              <a:rPr lang="en-GB" sz="1600" i="1" dirty="0">
+                <a:latin typeface="Palatino" pitchFamily="2" charset="77"/>
+                <a:ea typeface="Palatino" pitchFamily="2" charset="77"/>
+              </a:rPr>
+              <a:t>The “Budget-aware Fixed-price Clairvoyant”</a:t>
+            </a:r>
+            <a:br>
+              <a:rPr lang="en-GB" sz="1600" dirty="0">
+                <a:solidFill>
+                  <a:schemeClr val="bg1">
+                    <a:lumMod val="50000"/>
+                  </a:schemeClr>
+                </a:solidFill>
+                <a:latin typeface="Palatino" pitchFamily="2" charset="77"/>
+                <a:ea typeface="Palatino" pitchFamily="2" charset="77"/>
+              </a:rPr>
+            </a:br>
+            <a:r>
+              <a:rPr lang="en-GB" sz="1600" dirty="0">
+                <a:solidFill>
+                  <a:schemeClr val="bg1">
+                    <a:lumMod val="50000"/>
+                  </a:schemeClr>
+                </a:solidFill>
+                <a:latin typeface="Palatino" pitchFamily="2" charset="77"/>
+                <a:ea typeface="Palatino" pitchFamily="2" charset="77"/>
+              </a:rPr>
+              <a:t>Expected total profit: 89.1k</a:t>
+            </a:r>
+          </a:p>
+          <a:p>
+            <a:pPr marL="0" indent="0">
+              <a:spcBef>
+                <a:spcPts val="0"/>
+              </a:spcBef>
+              <a:buNone/>
+            </a:pPr>
+            <a:r>
+              <a:rPr lang="en-GB" sz="1600" i="1" dirty="0">
+                <a:latin typeface="Palatino" pitchFamily="2" charset="77"/>
+                <a:ea typeface="Palatino" pitchFamily="2" charset="77"/>
+              </a:rPr>
+              <a:t>The “Budget-unaware Overpower Clairvoyant”</a:t>
+            </a:r>
+            <a:br>
+              <a:rPr lang="en-GB" sz="1600" dirty="0">
+                <a:latin typeface="Palatino" pitchFamily="2" charset="77"/>
+                <a:ea typeface="Palatino" pitchFamily="2" charset="77"/>
+              </a:rPr>
+            </a:br>
+            <a:r>
+              <a:rPr lang="en-GB" sz="1600" dirty="0">
+                <a:solidFill>
+                  <a:schemeClr val="bg1">
+                    <a:lumMod val="50000"/>
+                  </a:schemeClr>
+                </a:solidFill>
+                <a:latin typeface="Palatino" pitchFamily="2" charset="77"/>
+                <a:ea typeface="Palatino" pitchFamily="2" charset="77"/>
+              </a:rPr>
+              <a:t>Expected total reward: 1.8M</a:t>
+            </a:r>
+          </a:p>
+          <a:p>
+            <a:pPr marL="0" indent="0">
+              <a:spcBef>
+                <a:spcPts val="0"/>
+              </a:spcBef>
+              <a:buNone/>
+            </a:pPr>
+            <a:endParaRPr lang="en-GB" sz="1600" dirty="0">
+              <a:solidFill>
+                <a:schemeClr val="bg1">
+                  <a:lumMod val="50000"/>
+                </a:schemeClr>
+              </a:solidFill>
+              <a:latin typeface="Palatino" pitchFamily="2" charset="77"/>
+              <a:ea typeface="Palatino" pitchFamily="2" charset="77"/>
+            </a:endParaRPr>
+          </a:p>
+          <a:p>
+            <a:pPr marL="0" indent="0">
+              <a:spcBef>
+                <a:spcPts val="0"/>
+              </a:spcBef>
+              <a:buNone/>
+            </a:pPr>
+            <a:r>
+              <a:rPr lang="en-GB" sz="1600" i="1" dirty="0">
+                <a:latin typeface="Palatino" pitchFamily="2" charset="77"/>
+                <a:ea typeface="Palatino" pitchFamily="2" charset="77"/>
+              </a:rPr>
+              <a:t>The “Static-assupmtion Fixed-price Clairvoyant”</a:t>
+            </a:r>
+            <a:br>
+              <a:rPr lang="en-GB" sz="1600" dirty="0">
+                <a:latin typeface="Palatino" pitchFamily="2" charset="77"/>
+                <a:ea typeface="Palatino" pitchFamily="2" charset="77"/>
+              </a:rPr>
+            </a:br>
+            <a:r>
+              <a:rPr lang="en-GB" sz="1600" dirty="0">
+                <a:solidFill>
+                  <a:schemeClr val="bg1">
+                    <a:lumMod val="50000"/>
+                  </a:schemeClr>
+                </a:solidFill>
+                <a:latin typeface="Palatino" pitchFamily="2" charset="77"/>
+                <a:ea typeface="Palatino" pitchFamily="2" charset="77"/>
+              </a:rPr>
+              <a:t>Expected total reward: 146.6k</a:t>
+            </a:r>
+          </a:p>
+          <a:p>
+            <a:pPr marL="0" indent="0">
+              <a:spcBef>
+                <a:spcPts val="0"/>
+              </a:spcBef>
+              <a:buNone/>
+            </a:pPr>
+            <a:endParaRPr lang="en-GB" sz="1600" dirty="0">
+              <a:solidFill>
+                <a:schemeClr val="bg1">
+                  <a:lumMod val="50000"/>
+                </a:schemeClr>
+              </a:solidFill>
+              <a:latin typeface="Palatino" pitchFamily="2" charset="77"/>
+              <a:ea typeface="Palatino" pitchFamily="2" charset="77"/>
+            </a:endParaRPr>
+          </a:p>
+          <a:p>
+            <a:pPr marL="0" indent="0">
+              <a:spcBef>
+                <a:spcPts val="0"/>
+              </a:spcBef>
+              <a:buNone/>
+            </a:pPr>
+            <a:endParaRPr lang="en-GB" sz="1600" dirty="0">
+              <a:solidFill>
+                <a:schemeClr val="bg1">
+                  <a:lumMod val="50000"/>
+                </a:schemeClr>
+              </a:solidFill>
+              <a:latin typeface="Palatino" pitchFamily="2" charset="77"/>
+              <a:ea typeface="Palatino" pitchFamily="2" charset="77"/>
+            </a:endParaRPr>
+          </a:p>
+          <a:p>
+            <a:pPr marL="0" indent="0">
+              <a:spcBef>
+                <a:spcPts val="0"/>
+              </a:spcBef>
+              <a:buNone/>
+            </a:pPr>
+            <a:endParaRPr lang="en-GB" sz="1600" dirty="0">
+              <a:solidFill>
+                <a:schemeClr val="bg1">
+                  <a:lumMod val="50000"/>
+                </a:schemeClr>
+              </a:solidFill>
+              <a:latin typeface="Palatino" pitchFamily="2" charset="77"/>
+              <a:ea typeface="Palatino" pitchFamily="2" charset="77"/>
+            </a:endParaRPr>
+          </a:p>
+        </p:txBody>
+      </p:sp>
+      <p:sp>
+        <p:nvSpPr>
+          <p:cNvPr id="7" name="TextBox 6">
+            <a:extLst>
+              <a:ext uri="{FF2B5EF4-FFF2-40B4-BE49-F238E27FC236}">
+                <a16:creationId xmlns:a16="http://schemas.microsoft.com/office/drawing/2014/main" id="{93434083-B54C-4519-EF59-BB9974C7C286}"/>
+              </a:ext>
+            </a:extLst>
+          </p:cNvPr>
+          <p:cNvSpPr txBox="1"/>
+          <p:nvPr/>
+        </p:nvSpPr>
+        <p:spPr>
+          <a:xfrm>
+            <a:off x="838200" y="4553883"/>
+            <a:ext cx="5509591" cy="1754326"/>
+          </a:xfrm>
+          <a:prstGeom prst="rect">
+            <a:avLst/>
+          </a:prstGeom>
+          <a:noFill/>
+        </p:spPr>
+        <p:txBody>
+          <a:bodyPr wrap="square" rtlCol="0">
+            <a:spAutoFit/>
+          </a:bodyPr>
+          <a:lstStyle/>
+          <a:p>
+            <a:pPr>
+              <a:spcAft>
+                <a:spcPts val="1200"/>
+              </a:spcAft>
+            </a:pPr>
+            <a:r>
+              <a:rPr lang="en-IT" sz="2400" dirty="0">
+                <a:latin typeface="Palatino" pitchFamily="2" charset="77"/>
+                <a:ea typeface="Palatino" pitchFamily="2" charset="77"/>
+              </a:rPr>
+              <a:t>Regret</a:t>
+            </a:r>
+          </a:p>
+          <a:p>
+            <a:pPr>
+              <a:spcAft>
+                <a:spcPts val="1200"/>
+              </a:spcAft>
+            </a:pPr>
+            <a:r>
+              <a:rPr lang="en-GB" sz="1600" dirty="0">
+                <a:solidFill>
+                  <a:schemeClr val="bg1">
+                    <a:lumMod val="50000"/>
+                  </a:schemeClr>
+                </a:solidFill>
+                <a:latin typeface="Palatino" pitchFamily="2" charset="77"/>
+                <a:ea typeface="Palatino" pitchFamily="2" charset="77"/>
+              </a:rPr>
+              <a:t>Despite the bad behaviour – due to the impossibility of learning – the regret in this case is somehow even better!</a:t>
+            </a:r>
+          </a:p>
+          <a:p>
+            <a:pPr>
+              <a:spcAft>
+                <a:spcPts val="1200"/>
+              </a:spcAft>
+            </a:pPr>
+            <a:r>
+              <a:rPr lang="en-GB" sz="1600" dirty="0">
+                <a:solidFill>
+                  <a:schemeClr val="bg1">
+                    <a:lumMod val="50000"/>
+                  </a:schemeClr>
+                </a:solidFill>
+                <a:latin typeface="Palatino" pitchFamily="2" charset="77"/>
+                <a:ea typeface="Palatino" pitchFamily="2" charset="77"/>
+              </a:rPr>
+              <a:t>Although, the bad budget management worsens the result by the time horizon T</a:t>
+            </a:r>
+          </a:p>
+        </p:txBody>
+      </p:sp>
+      <p:pic>
+        <p:nvPicPr>
+          <p:cNvPr id="8" name="Picture 7">
+            <a:extLst>
+              <a:ext uri="{FF2B5EF4-FFF2-40B4-BE49-F238E27FC236}">
+                <a16:creationId xmlns:a16="http://schemas.microsoft.com/office/drawing/2014/main" id="{E06E6F98-DD23-6D50-F476-A69D0A97E5EF}"/>
+              </a:ext>
+            </a:extLst>
+          </p:cNvPr>
+          <p:cNvPicPr>
+            <a:picLocks noChangeAspect="1"/>
+          </p:cNvPicPr>
+          <p:nvPr/>
+        </p:nvPicPr>
+        <p:blipFill>
+          <a:blip r:embed="rId2"/>
+          <a:srcRect r="66247"/>
+          <a:stretch>
+            <a:fillRect/>
+          </a:stretch>
+        </p:blipFill>
+        <p:spPr>
+          <a:xfrm>
+            <a:off x="6819582" y="3733402"/>
+            <a:ext cx="1934469" cy="1812683"/>
+          </a:xfrm>
+          <a:prstGeom prst="rect">
+            <a:avLst/>
+          </a:prstGeom>
+        </p:spPr>
+      </p:pic>
+      <p:pic>
+        <p:nvPicPr>
+          <p:cNvPr id="9" name="Picture 8">
+            <a:extLst>
+              <a:ext uri="{FF2B5EF4-FFF2-40B4-BE49-F238E27FC236}">
+                <a16:creationId xmlns:a16="http://schemas.microsoft.com/office/drawing/2014/main" id="{3BC73E9E-9406-A96F-1BFD-9709FC9E2935}"/>
+              </a:ext>
+            </a:extLst>
+          </p:cNvPr>
+          <p:cNvPicPr>
+            <a:picLocks noChangeAspect="1"/>
+          </p:cNvPicPr>
+          <p:nvPr/>
+        </p:nvPicPr>
+        <p:blipFill>
+          <a:blip r:embed="rId2"/>
+          <a:srcRect l="37114" t="-3976" r="32633" b="3976"/>
+          <a:stretch>
+            <a:fillRect/>
+          </a:stretch>
+        </p:blipFill>
+        <p:spPr>
+          <a:xfrm>
+            <a:off x="8774987" y="2764252"/>
+            <a:ext cx="1733798" cy="1812683"/>
+          </a:xfrm>
+          <a:prstGeom prst="rect">
+            <a:avLst/>
+          </a:prstGeom>
+        </p:spPr>
+      </p:pic>
+      <p:pic>
+        <p:nvPicPr>
+          <p:cNvPr id="10" name="Picture 9">
+            <a:extLst>
+              <a:ext uri="{FF2B5EF4-FFF2-40B4-BE49-F238E27FC236}">
+                <a16:creationId xmlns:a16="http://schemas.microsoft.com/office/drawing/2014/main" id="{15A674D7-EFF1-0967-D1F0-D222FE974A21}"/>
+              </a:ext>
+            </a:extLst>
+          </p:cNvPr>
+          <p:cNvPicPr>
+            <a:picLocks noChangeAspect="1"/>
+          </p:cNvPicPr>
+          <p:nvPr/>
+        </p:nvPicPr>
+        <p:blipFill>
+          <a:blip r:embed="rId2"/>
+          <a:srcRect l="69748" t="-4146" b="-468"/>
+          <a:stretch>
+            <a:fillRect/>
+          </a:stretch>
+        </p:blipFill>
+        <p:spPr>
+          <a:xfrm>
+            <a:off x="8767303" y="4467633"/>
+            <a:ext cx="1733798" cy="1896337"/>
+          </a:xfrm>
+          <a:prstGeom prst="rect">
+            <a:avLst/>
+          </a:prstGeom>
+        </p:spPr>
+      </p:pic>
+    </p:spTree>
+    <p:extLst>
+      <p:ext uri="{BB962C8B-B14F-4D97-AF65-F5344CB8AC3E}">
+        <p14:creationId xmlns:p14="http://schemas.microsoft.com/office/powerpoint/2010/main" val="1796556597"/>
+      </p:ext>
+    </p:extLst>
+  </p:cSld>
+  <p:clrMapOvr>
+    <a:masterClrMapping/>
+  </p:clrMapOvr>
+</p:sld>
+</file>
+
+<file path=ppt/slides/slide39.xml><?xml version="1.0" encoding="utf-8"?>
+<p:sld xmlns:a="http://schemas.openxmlformats.org/drawingml/2006/main" xmlns:r="http://schemas.openxmlformats.org/officeDocument/2006/relationships" xmlns:p="http://schemas.openxmlformats.org/presentationml/2006/main">
+  <p:cSld>
+    <p:spTree>
+      <p:nvGrpSpPr>
+        <p:cNvPr id="1" name="">
+          <a:extLst>
+            <a:ext uri="{FF2B5EF4-FFF2-40B4-BE49-F238E27FC236}">
+              <a16:creationId xmlns:a16="http://schemas.microsoft.com/office/drawing/2014/main" id="{6901A1E1-39E0-129A-0145-3F842377FC66}"/>
+            </a:ext>
+          </a:extLst>
+        </p:cNvPr>
+        <p:cNvGrpSpPr/>
+        <p:nvPr/>
+      </p:nvGrpSpPr>
+      <p:grpSpPr>
+        <a:xfrm>
+          <a:off x="0" y="0"/>
+          <a:ext cx="0" cy="0"/>
+          <a:chOff x="0" y="0"/>
+          <a:chExt cx="0" cy="0"/>
+        </a:xfrm>
+      </p:grpSpPr>
+      <p:sp>
+        <p:nvSpPr>
+          <p:cNvPr id="2" name="Title 1">
+            <a:extLst>
+              <a:ext uri="{FF2B5EF4-FFF2-40B4-BE49-F238E27FC236}">
+                <a16:creationId xmlns:a16="http://schemas.microsoft.com/office/drawing/2014/main" id="{BF01F6DE-7676-55B1-C68B-CE0411439979}"/>
+              </a:ext>
+            </a:extLst>
+          </p:cNvPr>
+          <p:cNvSpPr>
+            <a:spLocks noGrp="1"/>
+          </p:cNvSpPr>
+          <p:nvPr>
+            <p:ph type="title"/>
+          </p:nvPr>
+        </p:nvSpPr>
+        <p:spPr/>
+        <p:txBody>
+          <a:bodyPr/>
+          <a:lstStyle/>
+          <a:p>
+            <a:r>
+              <a:rPr lang="en-IT" dirty="0">
+                <a:latin typeface="Palatino" pitchFamily="2" charset="77"/>
+                <a:ea typeface="Palatino" pitchFamily="2" charset="77"/>
+              </a:rPr>
+              <a:t>Requirement 4</a:t>
+            </a:r>
+          </a:p>
+        </p:txBody>
+      </p:sp>
+      <p:sp>
+        <p:nvSpPr>
+          <p:cNvPr id="3" name="Text Placeholder 2">
+            <a:extLst>
+              <a:ext uri="{FF2B5EF4-FFF2-40B4-BE49-F238E27FC236}">
+                <a16:creationId xmlns:a16="http://schemas.microsoft.com/office/drawing/2014/main" id="{F1DB6867-AA27-6EBE-5B18-42FE3696B733}"/>
+              </a:ext>
+            </a:extLst>
+          </p:cNvPr>
+          <p:cNvSpPr>
+            <a:spLocks noGrp="1"/>
+          </p:cNvSpPr>
+          <p:nvPr>
+            <p:ph type="body" idx="1"/>
+          </p:nvPr>
+        </p:nvSpPr>
+        <p:spPr>
+          <a:xfrm>
+            <a:off x="831850" y="4799670"/>
+            <a:ext cx="10515600" cy="1500187"/>
+          </a:xfrm>
+        </p:spPr>
+        <p:txBody>
+          <a:bodyPr/>
+          <a:lstStyle/>
+          <a:p>
+            <a:r>
+              <a:rPr lang="en-IT" dirty="0">
+                <a:solidFill>
+                  <a:schemeClr val="bg1">
+                    <a:lumMod val="50000"/>
+                  </a:schemeClr>
+                </a:solidFill>
+                <a:latin typeface="Palatino" pitchFamily="2" charset="77"/>
+                <a:ea typeface="Palatino" pitchFamily="2" charset="77"/>
+              </a:rPr>
+              <a:t>Multiple product with highly non-stationary environment</a:t>
+            </a:r>
+          </a:p>
+        </p:txBody>
+      </p:sp>
+    </p:spTree>
+    <p:extLst>
+      <p:ext uri="{BB962C8B-B14F-4D97-AF65-F5344CB8AC3E}">
+        <p14:creationId xmlns:p14="http://schemas.microsoft.com/office/powerpoint/2010/main" val="3134238735"/>
       </p:ext>
     </p:extLst>
   </p:cSld>
@@ -14708,8 +19687,8 @@
           </a:p>
         </p:txBody>
       </p:sp>
-      <mc:AlternateContent xmlns:mc="http://schemas.openxmlformats.org/markup-compatibility/2006">
-        <mc:Choice xmlns:a14="http://schemas.microsoft.com/office/drawing/2010/main" Requires="a14">
+      <mc:AlternateContent xmlns:mc="http://schemas.openxmlformats.org/markup-compatibility/2006" xmlns:a14="http://schemas.microsoft.com/office/drawing/2010/main">
+        <mc:Choice Requires="a14">
           <p:sp>
             <p:nvSpPr>
               <p:cNvPr id="5" name="TextBox 4">
@@ -15228,7 +20207,7 @@
             </p:txBody>
           </p:sp>
         </mc:Choice>
-        <mc:Fallback>
+        <mc:Fallback xmlns="">
           <p:sp>
             <p:nvSpPr>
               <p:cNvPr id="5" name="TextBox 4">
@@ -15524,8 +20503,8 @@
           </a:p>
         </p:txBody>
       </p:sp>
-      <mc:AlternateContent xmlns:mc="http://schemas.openxmlformats.org/markup-compatibility/2006">
-        <mc:Choice xmlns:a14="http://schemas.microsoft.com/office/drawing/2010/main" Requires="a14">
+      <mc:AlternateContent xmlns:mc="http://schemas.openxmlformats.org/markup-compatibility/2006" xmlns:a14="http://schemas.microsoft.com/office/drawing/2010/main">
+        <mc:Choice Requires="a14">
           <p:sp>
             <p:nvSpPr>
               <p:cNvPr id="5" name="TextBox 4">
@@ -16302,7 +21281,7 @@
             </p:txBody>
           </p:sp>
         </mc:Choice>
-        <mc:Fallback>
+        <mc:Fallback xmlns="">
           <p:sp>
             <p:nvSpPr>
               <p:cNvPr id="5" name="TextBox 4">

--- a/Slides.pptx
+++ b/Slides.pptx
@@ -5,7 +5,7 @@
     <p:sldMasterId id="2147483648" r:id="rId1"/>
   </p:sldMasterIdLst>
   <p:notesMasterIdLst>
-    <p:notesMasterId r:id="rId41"/>
+    <p:notesMasterId r:id="rId50"/>
   </p:notesMasterIdLst>
   <p:sldIdLst>
     <p:sldId id="256" r:id="rId2"/>
@@ -40,13 +40,22 @@
     <p:sldId id="295" r:id="rId31"/>
     <p:sldId id="298" r:id="rId32"/>
     <p:sldId id="300" r:id="rId33"/>
-    <p:sldId id="302" r:id="rId34"/>
-    <p:sldId id="303" r:id="rId35"/>
-    <p:sldId id="304" r:id="rId36"/>
-    <p:sldId id="305" r:id="rId37"/>
-    <p:sldId id="306" r:id="rId38"/>
-    <p:sldId id="307" r:id="rId39"/>
-    <p:sldId id="308" r:id="rId40"/>
+    <p:sldId id="312" r:id="rId34"/>
+    <p:sldId id="302" r:id="rId35"/>
+    <p:sldId id="303" r:id="rId36"/>
+    <p:sldId id="304" r:id="rId37"/>
+    <p:sldId id="305" r:id="rId38"/>
+    <p:sldId id="306" r:id="rId39"/>
+    <p:sldId id="307" r:id="rId40"/>
+    <p:sldId id="308" r:id="rId41"/>
+    <p:sldId id="309" r:id="rId42"/>
+    <p:sldId id="310" r:id="rId43"/>
+    <p:sldId id="314" r:id="rId44"/>
+    <p:sldId id="311" r:id="rId45"/>
+    <p:sldId id="315" r:id="rId46"/>
+    <p:sldId id="313" r:id="rId47"/>
+    <p:sldId id="316" r:id="rId48"/>
+    <p:sldId id="317" r:id="rId49"/>
   </p:sldIdLst>
   <p:sldSz cx="12192000" cy="6858000"/>
   <p:notesSz cx="6858000" cy="9144000"/>
@@ -182,6 +191,7 @@
             <p14:sldId id="295"/>
             <p14:sldId id="298"/>
             <p14:sldId id="300"/>
+            <p14:sldId id="312"/>
             <p14:sldId id="302"/>
             <p14:sldId id="303"/>
             <p14:sldId id="304"/>
@@ -189,6 +199,14 @@
             <p14:sldId id="306"/>
             <p14:sldId id="307"/>
             <p14:sldId id="308"/>
+            <p14:sldId id="309"/>
+            <p14:sldId id="310"/>
+            <p14:sldId id="314"/>
+            <p14:sldId id="311"/>
+            <p14:sldId id="315"/>
+            <p14:sldId id="313"/>
+            <p14:sldId id="316"/>
+            <p14:sldId id="317"/>
           </p14:sldIdLst>
         </p14:section>
       </p14:sectionLst>
@@ -625,6 +643,222 @@
     <p:extLst>
       <p:ext uri="{BB962C8B-B14F-4D97-AF65-F5344CB8AC3E}">
         <p14:creationId xmlns:p14="http://schemas.microsoft.com/office/powerpoint/2010/main" val="3504719519"/>
+      </p:ext>
+    </p:extLst>
+  </p:cSld>
+  <p:clrMapOvr>
+    <a:masterClrMapping/>
+  </p:clrMapOvr>
+</p:notes>
+</file>
+
+<file path=ppt/notesSlides/notesSlide10.xml><?xml version="1.0" encoding="utf-8"?>
+<p:notes xmlns:a="http://schemas.openxmlformats.org/drawingml/2006/main" xmlns:r="http://schemas.openxmlformats.org/officeDocument/2006/relationships" xmlns:p="http://schemas.openxmlformats.org/presentationml/2006/main">
+  <p:cSld>
+    <p:spTree>
+      <p:nvGrpSpPr>
+        <p:cNvPr id="1" name="">
+          <a:extLst>
+            <a:ext uri="{FF2B5EF4-FFF2-40B4-BE49-F238E27FC236}">
+              <a16:creationId xmlns:a16="http://schemas.microsoft.com/office/drawing/2014/main" id="{C2AC2E6B-01A6-D2EF-80BD-62E2FC54D90A}"/>
+            </a:ext>
+          </a:extLst>
+        </p:cNvPr>
+        <p:cNvGrpSpPr/>
+        <p:nvPr/>
+      </p:nvGrpSpPr>
+      <p:grpSpPr>
+        <a:xfrm>
+          <a:off x="0" y="0"/>
+          <a:ext cx="0" cy="0"/>
+          <a:chOff x="0" y="0"/>
+          <a:chExt cx="0" cy="0"/>
+        </a:xfrm>
+      </p:grpSpPr>
+      <p:sp>
+        <p:nvSpPr>
+          <p:cNvPr id="2" name="Slide Image Placeholder 1">
+            <a:extLst>
+              <a:ext uri="{FF2B5EF4-FFF2-40B4-BE49-F238E27FC236}">
+                <a16:creationId xmlns:a16="http://schemas.microsoft.com/office/drawing/2014/main" id="{7B91C1A3-FC40-51B8-7C92-2CFCAD677B7F}"/>
+              </a:ext>
+            </a:extLst>
+          </p:cNvPr>
+          <p:cNvSpPr>
+            <a:spLocks noGrp="1" noRot="1" noChangeAspect="1"/>
+          </p:cNvSpPr>
+          <p:nvPr>
+            <p:ph type="sldImg"/>
+          </p:nvPr>
+        </p:nvSpPr>
+        <p:spPr/>
+      </p:sp>
+      <p:sp>
+        <p:nvSpPr>
+          <p:cNvPr id="3" name="Notes Placeholder 2">
+            <a:extLst>
+              <a:ext uri="{FF2B5EF4-FFF2-40B4-BE49-F238E27FC236}">
+                <a16:creationId xmlns:a16="http://schemas.microsoft.com/office/drawing/2014/main" id="{EB56DDB6-6874-A90E-3D34-F9EAE5009886}"/>
+              </a:ext>
+            </a:extLst>
+          </p:cNvPr>
+          <p:cNvSpPr>
+            <a:spLocks noGrp="1"/>
+          </p:cNvSpPr>
+          <p:nvPr>
+            <p:ph type="body" idx="1"/>
+          </p:nvPr>
+        </p:nvSpPr>
+        <p:spPr/>
+        <p:txBody>
+          <a:bodyPr/>
+          <a:lstStyle/>
+          <a:p>
+            <a:endParaRPr lang="en-IT" dirty="0"/>
+          </a:p>
+        </p:txBody>
+      </p:sp>
+      <p:sp>
+        <p:nvSpPr>
+          <p:cNvPr id="4" name="Slide Number Placeholder 3">
+            <a:extLst>
+              <a:ext uri="{FF2B5EF4-FFF2-40B4-BE49-F238E27FC236}">
+                <a16:creationId xmlns:a16="http://schemas.microsoft.com/office/drawing/2014/main" id="{28913FC9-9D0E-484D-224E-4FFDEA7B3CB1}"/>
+              </a:ext>
+            </a:extLst>
+          </p:cNvPr>
+          <p:cNvSpPr>
+            <a:spLocks noGrp="1"/>
+          </p:cNvSpPr>
+          <p:nvPr>
+            <p:ph type="sldNum" sz="quarter" idx="5"/>
+          </p:nvPr>
+        </p:nvSpPr>
+        <p:spPr/>
+        <p:txBody>
+          <a:bodyPr/>
+          <a:lstStyle/>
+          <a:p>
+            <a:fld id="{4CF2BA9C-3F3B-B24C-BD51-7D1F2E3C25B9}" type="slidenum">
+              <a:rPr lang="en-IT" smtClean="0"/>
+              <a:t>41</a:t>
+            </a:fld>
+            <a:endParaRPr lang="en-IT"/>
+          </a:p>
+        </p:txBody>
+      </p:sp>
+    </p:spTree>
+    <p:extLst>
+      <p:ext uri="{BB962C8B-B14F-4D97-AF65-F5344CB8AC3E}">
+        <p14:creationId xmlns:p14="http://schemas.microsoft.com/office/powerpoint/2010/main" val="3180766973"/>
+      </p:ext>
+    </p:extLst>
+  </p:cSld>
+  <p:clrMapOvr>
+    <a:masterClrMapping/>
+  </p:clrMapOvr>
+</p:notes>
+</file>
+
+<file path=ppt/notesSlides/notesSlide11.xml><?xml version="1.0" encoding="utf-8"?>
+<p:notes xmlns:a="http://schemas.openxmlformats.org/drawingml/2006/main" xmlns:r="http://schemas.openxmlformats.org/officeDocument/2006/relationships" xmlns:p="http://schemas.openxmlformats.org/presentationml/2006/main">
+  <p:cSld>
+    <p:spTree>
+      <p:nvGrpSpPr>
+        <p:cNvPr id="1" name="">
+          <a:extLst>
+            <a:ext uri="{FF2B5EF4-FFF2-40B4-BE49-F238E27FC236}">
+              <a16:creationId xmlns:a16="http://schemas.microsoft.com/office/drawing/2014/main" id="{9E7D782D-3CD4-3B86-FEDE-66F80D9DF507}"/>
+            </a:ext>
+          </a:extLst>
+        </p:cNvPr>
+        <p:cNvGrpSpPr/>
+        <p:nvPr/>
+      </p:nvGrpSpPr>
+      <p:grpSpPr>
+        <a:xfrm>
+          <a:off x="0" y="0"/>
+          <a:ext cx="0" cy="0"/>
+          <a:chOff x="0" y="0"/>
+          <a:chExt cx="0" cy="0"/>
+        </a:xfrm>
+      </p:grpSpPr>
+      <p:sp>
+        <p:nvSpPr>
+          <p:cNvPr id="2" name="Slide Image Placeholder 1">
+            <a:extLst>
+              <a:ext uri="{FF2B5EF4-FFF2-40B4-BE49-F238E27FC236}">
+                <a16:creationId xmlns:a16="http://schemas.microsoft.com/office/drawing/2014/main" id="{E0D4682D-9DED-81C9-631A-C43DAA6F180A}"/>
+              </a:ext>
+            </a:extLst>
+          </p:cNvPr>
+          <p:cNvSpPr>
+            <a:spLocks noGrp="1" noRot="1" noChangeAspect="1"/>
+          </p:cNvSpPr>
+          <p:nvPr>
+            <p:ph type="sldImg"/>
+          </p:nvPr>
+        </p:nvSpPr>
+        <p:spPr/>
+      </p:sp>
+      <p:sp>
+        <p:nvSpPr>
+          <p:cNvPr id="3" name="Notes Placeholder 2">
+            <a:extLst>
+              <a:ext uri="{FF2B5EF4-FFF2-40B4-BE49-F238E27FC236}">
+                <a16:creationId xmlns:a16="http://schemas.microsoft.com/office/drawing/2014/main" id="{8E7AEBA2-8B46-3C96-430B-C2DABB152F78}"/>
+              </a:ext>
+            </a:extLst>
+          </p:cNvPr>
+          <p:cNvSpPr>
+            <a:spLocks noGrp="1"/>
+          </p:cNvSpPr>
+          <p:nvPr>
+            <p:ph type="body" idx="1"/>
+          </p:nvPr>
+        </p:nvSpPr>
+        <p:spPr/>
+        <p:txBody>
+          <a:bodyPr/>
+          <a:lstStyle/>
+          <a:p>
+            <a:endParaRPr lang="en-IT" dirty="0"/>
+          </a:p>
+        </p:txBody>
+      </p:sp>
+      <p:sp>
+        <p:nvSpPr>
+          <p:cNvPr id="4" name="Slide Number Placeholder 3">
+            <a:extLst>
+              <a:ext uri="{FF2B5EF4-FFF2-40B4-BE49-F238E27FC236}">
+                <a16:creationId xmlns:a16="http://schemas.microsoft.com/office/drawing/2014/main" id="{9FBE928C-3559-080B-FA5C-08A9F05BD8DC}"/>
+              </a:ext>
+            </a:extLst>
+          </p:cNvPr>
+          <p:cNvSpPr>
+            <a:spLocks noGrp="1"/>
+          </p:cNvSpPr>
+          <p:nvPr>
+            <p:ph type="sldNum" sz="quarter" idx="5"/>
+          </p:nvPr>
+        </p:nvSpPr>
+        <p:spPr/>
+        <p:txBody>
+          <a:bodyPr/>
+          <a:lstStyle/>
+          <a:p>
+            <a:fld id="{4CF2BA9C-3F3B-B24C-BD51-7D1F2E3C25B9}" type="slidenum">
+              <a:rPr lang="en-IT" smtClean="0"/>
+              <a:t>42</a:t>
+            </a:fld>
+            <a:endParaRPr lang="en-IT"/>
+          </a:p>
+        </p:txBody>
+      </p:sp>
+    </p:spTree>
+    <p:extLst>
+      <p:ext uri="{BB962C8B-B14F-4D97-AF65-F5344CB8AC3E}">
+        <p14:creationId xmlns:p14="http://schemas.microsoft.com/office/powerpoint/2010/main" val="1995205943"/>
       </p:ext>
     </p:extLst>
   </p:cSld>
@@ -5006,13 +5240,20 @@
                 <a:latin typeface="Palatino" pitchFamily="2" charset="77"/>
                 <a:ea typeface="Palatino" pitchFamily="2" charset="77"/>
               </a:rPr>
-              <a:t>By incorporating lower confidence bounds on consumption, this UCB1 extension ensures that decisions are budget-aware, while being optimistic about overconsumption in order to promote exploration, and to avoid waste of budget</a:t>
-            </a:r>
-          </a:p>
-          <a:p>
-            <a:pPr marL="0" indent="0">
-              <a:buNone/>
-            </a:pPr>
+              <a:t>By incorporating </a:t>
+            </a:r>
+            <a:r>
+              <a:rPr lang="en-GB" sz="1800" i="1" dirty="0">
+                <a:solidFill>
+                  <a:schemeClr val="bg1">
+                    <a:lumMod val="50000"/>
+                  </a:schemeClr>
+                </a:solidFill>
+                <a:latin typeface="Palatino" pitchFamily="2" charset="77"/>
+                <a:ea typeface="Palatino" pitchFamily="2" charset="77"/>
+              </a:rPr>
+              <a:t>lower confidence bounds on consumption</a:t>
+            </a:r>
             <a:r>
               <a:rPr lang="en-GB" sz="1800" dirty="0">
                 <a:solidFill>
@@ -5023,7 +5264,48 @@
                 <a:latin typeface="Palatino" pitchFamily="2" charset="77"/>
                 <a:ea typeface="Palatino" pitchFamily="2" charset="77"/>
               </a:rPr>
-              <a:t>To do that, we allocate probability across arms through a linear programming problem, which avoids overconsumption (optimistically)</a:t>
+              <a:t>, this UCB1 extension ensures that decisions are budget-aware, while being optimistic about overconsumption in order to promote exploration, and to avoid waste of budget</a:t>
+            </a:r>
+          </a:p>
+          <a:p>
+            <a:pPr marL="0" indent="0">
+              <a:buNone/>
+            </a:pPr>
+            <a:r>
+              <a:rPr lang="en-GB" sz="1800" dirty="0">
+                <a:solidFill>
+                  <a:schemeClr val="bg1">
+                    <a:lumMod val="50000"/>
+                  </a:schemeClr>
+                </a:solidFill>
+                <a:latin typeface="Palatino" pitchFamily="2" charset="77"/>
+                <a:ea typeface="Palatino" pitchFamily="2" charset="77"/>
+              </a:rPr>
+              <a:t>To do that, we allocate probability across arms through a linear programming problem, which </a:t>
+            </a:r>
+            <a:r>
+              <a:rPr lang="en-GB" sz="1800" i="1" dirty="0">
+                <a:solidFill>
+                  <a:schemeClr val="bg1">
+                    <a:lumMod val="50000"/>
+                  </a:schemeClr>
+                </a:solidFill>
+                <a:latin typeface="Palatino" pitchFamily="2" charset="77"/>
+                <a:ea typeface="Palatino" pitchFamily="2" charset="77"/>
+              </a:rPr>
+              <a:t>constrainedly</a:t>
+            </a:r>
+            <a:r>
+              <a:rPr lang="en-GB" sz="1800" dirty="0">
+                <a:solidFill>
+                  <a:schemeClr val="bg1">
+                    <a:lumMod val="50000"/>
+                  </a:schemeClr>
+                </a:solidFill>
+                <a:latin typeface="Palatino" pitchFamily="2" charset="77"/>
+                <a:ea typeface="Palatino" pitchFamily="2" charset="77"/>
+              </a:rPr>
+              <a:t> avoids overconsumption (optimistically)</a:t>
             </a:r>
           </a:p>
           <a:p>
@@ -5257,7 +5539,55 @@
                     <a:latin typeface="Palatino" pitchFamily="2" charset="77"/>
                     <a:ea typeface="Palatino" pitchFamily="2" charset="77"/>
                   </a:rPr>
-                  <a:t>On the other hand, the constant C turns out being a parameter controlling the optimism about the consumption estimation, which can be tuned to fit the instance time horizon</a:t>
+                  <a:t>On the other hand, the </a:t>
+                </a:r>
+                <a:r>
+                  <a:rPr lang="en-GB" sz="1400" i="1" dirty="0">
+                    <a:solidFill>
+                      <a:schemeClr val="bg1">
+                        <a:lumMod val="50000"/>
+                      </a:schemeClr>
+                    </a:solidFill>
+                    <a:latin typeface="Palatino" pitchFamily="2" charset="77"/>
+                    <a:ea typeface="Palatino" pitchFamily="2" charset="77"/>
+                  </a:rPr>
+                  <a:t>constant C</a:t>
+                </a:r>
+                <a:r>
+                  <a:rPr lang="en-GB" sz="1400" dirty="0">
+                    <a:solidFill>
+                      <a:schemeClr val="bg1">
+                        <a:lumMod val="50000"/>
+                      </a:schemeClr>
+                    </a:solidFill>
+                    <a:latin typeface="Palatino" pitchFamily="2" charset="77"/>
+                    <a:ea typeface="Palatino" pitchFamily="2" charset="77"/>
+                  </a:rPr>
+                  <a:t> turns out being a </a:t>
+                </a:r>
+                <a:r>
+                  <a:rPr lang="en-GB" sz="1400" i="1" dirty="0">
+                    <a:solidFill>
+                      <a:schemeClr val="bg1">
+                        <a:lumMod val="50000"/>
+                      </a:schemeClr>
+                    </a:solidFill>
+                    <a:latin typeface="Palatino" pitchFamily="2" charset="77"/>
+                    <a:ea typeface="Palatino" pitchFamily="2" charset="77"/>
+                  </a:rPr>
+                  <a:t>parameter controlling the optimism</a:t>
+                </a:r>
+                <a:r>
+                  <a:rPr lang="en-GB" sz="1400" dirty="0">
+                    <a:solidFill>
+                      <a:schemeClr val="bg1">
+                        <a:lumMod val="50000"/>
+                      </a:schemeClr>
+                    </a:solidFill>
+                    <a:latin typeface="Palatino" pitchFamily="2" charset="77"/>
+                    <a:ea typeface="Palatino" pitchFamily="2" charset="77"/>
+                  </a:rPr>
+                  <a:t> about the consumption estimation, which can be tuned to fit the instance time horizon</a:t>
                 </a:r>
               </a:p>
               <a:p>
@@ -5453,7 +5783,7 @@
               <a:blipFill>
                 <a:blip r:embed="rId2"/>
                 <a:stretch>
-                  <a:fillRect l="-1980" t="-2077" r="-495"/>
+                  <a:fillRect l="-1980" t="-2077"/>
                 </a:stretch>
               </a:blipFill>
             </p:spPr>
@@ -5664,7 +5994,31 @@
                 <a:latin typeface="Palatino" pitchFamily="2" charset="77"/>
                 <a:ea typeface="Palatino" pitchFamily="2" charset="77"/>
               </a:rPr>
-              <a:t>Thanks to the scaling factor adaptation, the algorithm successfully optimizes the usage per round until the end of the time horizon</a:t>
+              <a:t>Thanks to the scaling factor adaptation, the algorithm </a:t>
+            </a:r>
+            <a:r>
+              <a:rPr lang="en-IT" sz="1800" i="1" dirty="0">
+                <a:solidFill>
+                  <a:schemeClr val="bg1">
+                    <a:lumMod val="50000"/>
+                  </a:schemeClr>
+                </a:solidFill>
+                <a:latin typeface="Palatino" pitchFamily="2" charset="77"/>
+                <a:ea typeface="Palatino" pitchFamily="2" charset="77"/>
+              </a:rPr>
+              <a:t>successfully optimizes the usage per round</a:t>
+            </a:r>
+            <a:r>
+              <a:rPr lang="en-IT" sz="1800" dirty="0">
+                <a:solidFill>
+                  <a:schemeClr val="bg1">
+                    <a:lumMod val="50000"/>
+                  </a:schemeClr>
+                </a:solidFill>
+                <a:latin typeface="Palatino" pitchFamily="2" charset="77"/>
+                <a:ea typeface="Palatino" pitchFamily="2" charset="77"/>
+              </a:rPr>
+              <a:t> until the end of the time horizon</a:t>
             </a:r>
           </a:p>
         </p:txBody>
@@ -5841,7 +6195,7 @@
                 <a:spcPts val="0"/>
               </a:spcBef>
               <a:spcAft>
-                <a:spcPts val="1200"/>
+                <a:spcPts val="600"/>
               </a:spcAft>
               <a:buNone/>
             </a:pPr>
@@ -5855,7 +6209,42 @@
                 <a:latin typeface="Palatino" pitchFamily="2" charset="77"/>
                 <a:ea typeface="Palatino" pitchFamily="2" charset="77"/>
               </a:rPr>
-              <a:t>The reason in this case is that we are comparing an algorithm playing with a max capacity against a clairvoyant which can keep selling an unlimited quantity of items</a:t>
+              <a:t>The reason in this case is that we are comparing an algorithm playing with a max capacity against a clairvoyant which can keep selling an </a:t>
+            </a:r>
+            <a:r>
+              <a:rPr lang="en-GB" sz="1800" i="1" dirty="0">
+                <a:solidFill>
+                  <a:schemeClr val="bg1">
+                    <a:lumMod val="50000"/>
+                  </a:schemeClr>
+                </a:solidFill>
+                <a:latin typeface="Palatino" pitchFamily="2" charset="77"/>
+                <a:ea typeface="Palatino" pitchFamily="2" charset="77"/>
+              </a:rPr>
+              <a:t>unlimited quantity of items</a:t>
+            </a:r>
+          </a:p>
+          <a:p>
+            <a:pPr marL="0" indent="0">
+              <a:spcBef>
+                <a:spcPts val="0"/>
+              </a:spcBef>
+              <a:spcAft>
+                <a:spcPts val="600"/>
+              </a:spcAft>
+              <a:buNone/>
+            </a:pPr>
+            <a:r>
+              <a:rPr lang="en-GB" sz="1400" dirty="0">
+                <a:solidFill>
+                  <a:schemeClr val="bg1">
+                    <a:lumMod val="50000"/>
+                  </a:schemeClr>
+                </a:solidFill>
+                <a:latin typeface="Palatino" pitchFamily="2" charset="77"/>
+                <a:ea typeface="Palatino" pitchFamily="2" charset="77"/>
+              </a:rPr>
+              <a:t>Further discussion later on</a:t>
             </a:r>
           </a:p>
           <a:p>
@@ -6056,26 +6445,6 @@
               </a:spcAft>
               <a:buNone/>
             </a:pPr>
-            <a:endParaRPr lang="en-GB" sz="1800" dirty="0">
-              <a:solidFill>
-                <a:schemeClr val="bg1">
-                  <a:lumMod val="50000"/>
-                </a:schemeClr>
-              </a:solidFill>
-              <a:latin typeface="Palatino" pitchFamily="2" charset="77"/>
-              <a:ea typeface="Palatino" pitchFamily="2" charset="77"/>
-            </a:endParaRPr>
-          </a:p>
-          <a:p>
-            <a:pPr marL="0" indent="0">
-              <a:spcBef>
-                <a:spcPts val="0"/>
-              </a:spcBef>
-              <a:spcAft>
-                <a:spcPts val="1200"/>
-              </a:spcAft>
-              <a:buNone/>
-            </a:pPr>
             <a:r>
               <a:rPr lang="en-GB" sz="1800" dirty="0">
                 <a:solidFill>
@@ -6086,7 +6455,7 @@
                 <a:latin typeface="Palatino" pitchFamily="2" charset="77"/>
                 <a:ea typeface="Palatino" pitchFamily="2" charset="77"/>
               </a:rPr>
-              <a:t>Which is the wanted behaviour!</a:t>
+              <a:t>Which is the desired behaviour!</a:t>
             </a:r>
           </a:p>
           <a:p>
@@ -6132,7 +6501,31 @@
                 <a:latin typeface="Palatino" pitchFamily="2" charset="77"/>
                 <a:ea typeface="Palatino" pitchFamily="2" charset="77"/>
               </a:rPr>
-              <a:t>Here, the algorithm "decides to sell less to sell enough” - at better price!</a:t>
+              <a:t>Here, the algorithm "</a:t>
+            </a:r>
+            <a:r>
+              <a:rPr lang="en-GB" sz="1800" i="1" dirty="0">
+                <a:solidFill>
+                  <a:schemeClr val="bg1">
+                    <a:lumMod val="50000"/>
+                  </a:schemeClr>
+                </a:solidFill>
+                <a:latin typeface="Palatino" pitchFamily="2" charset="77"/>
+                <a:ea typeface="Palatino" pitchFamily="2" charset="77"/>
+              </a:rPr>
+              <a:t>decides to sell less to sell enough</a:t>
+            </a:r>
+            <a:r>
+              <a:rPr lang="en-GB" sz="1800" dirty="0">
+                <a:solidFill>
+                  <a:schemeClr val="bg1">
+                    <a:lumMod val="50000"/>
+                  </a:schemeClr>
+                </a:solidFill>
+                <a:latin typeface="Palatino" pitchFamily="2" charset="77"/>
+                <a:ea typeface="Palatino" pitchFamily="2" charset="77"/>
+              </a:rPr>
+              <a:t>” - at better price!</a:t>
             </a:r>
             <a:endParaRPr lang="en-IT" sz="1800" dirty="0">
               <a:solidFill>
@@ -7295,91 +7688,7 @@
                     <a:latin typeface="Palatino" pitchFamily="2" charset="77"/>
                     <a:ea typeface="Palatino" pitchFamily="2" charset="77"/>
                   </a:rPr>
-                  <a:t>] </a:t>
-                </a:r>
-                <a:r>
-                  <a:rPr lang="en-GB" sz="1400" dirty="0">
-                    <a:solidFill>
-                      <a:schemeClr val="bg1">
-                        <a:lumMod val="50000"/>
-                      </a:schemeClr>
-                    </a:solidFill>
-                    <a:latin typeface="Palatino" pitchFamily="2" charset="77"/>
-                    <a:ea typeface="Palatino" pitchFamily="2" charset="77"/>
-                  </a:rPr>
-                  <a:t>--&gt;</a:t>
-                </a:r>
-                <a:r>
-                  <a:rPr lang="en-GB" dirty="0">
-                    <a:solidFill>
-                      <a:schemeClr val="bg1">
-                        <a:lumMod val="50000"/>
-                      </a:schemeClr>
-                    </a:solidFill>
-                    <a:latin typeface="Palatino" pitchFamily="2" charset="77"/>
-                    <a:ea typeface="Palatino" pitchFamily="2" charset="77"/>
-                  </a:rPr>
-                  <a:t> </a:t>
-                </a:r>
-                <a:r>
-                  <a:rPr lang="en-GB" sz="1400" i="1" dirty="0">
-                    <a:solidFill>
-                      <a:schemeClr val="bg1">
-                        <a:lumMod val="50000"/>
-                      </a:schemeClr>
-                    </a:solidFill>
-                    <a:latin typeface="Palatino" pitchFamily="2" charset="77"/>
-                    <a:ea typeface="Palatino" pitchFamily="2" charset="77"/>
-                  </a:rPr>
-                  <a:t>arms A</a:t>
-                </a:r>
-                <a:r>
-                  <a:rPr lang="en-GB" sz="1400" i="1" baseline="-25000" dirty="0">
-                    <a:solidFill>
-                      <a:schemeClr val="bg1">
-                        <a:lumMod val="50000"/>
-                      </a:schemeClr>
-                    </a:solidFill>
-                    <a:latin typeface="Palatino" pitchFamily="2" charset="77"/>
-                    <a:ea typeface="Palatino" pitchFamily="2" charset="77"/>
-                  </a:rPr>
-                  <a:t>i</a:t>
-                </a:r>
-                <a:r>
-                  <a:rPr lang="en-GB" sz="1400" i="1" dirty="0">
-                    <a:solidFill>
-                      <a:schemeClr val="bg1">
-                        <a:lumMod val="50000"/>
-                      </a:schemeClr>
-                    </a:solidFill>
-                    <a:latin typeface="Palatino" pitchFamily="2" charset="77"/>
-                    <a:ea typeface="Palatino" pitchFamily="2" charset="77"/>
-                  </a:rPr>
-                  <a:t> for product </a:t>
-                </a:r>
-                <a:r>
-                  <a:rPr lang="en-GB" sz="1400" i="1" dirty="0" err="1">
-                    <a:solidFill>
-                      <a:schemeClr val="bg1">
-                        <a:lumMod val="50000"/>
-                      </a:schemeClr>
-                    </a:solidFill>
-                    <a:latin typeface="Palatino" pitchFamily="2" charset="77"/>
-                    <a:ea typeface="Palatino" pitchFamily="2" charset="77"/>
-                  </a:rPr>
-                  <a:t>i</a:t>
-                </a:r>
-                <a:r>
-                  <a:rPr lang="en-GB" sz="1400" i="1" dirty="0">
-                    <a:solidFill>
-                      <a:schemeClr val="bg1">
-                        <a:lumMod val="50000"/>
-                      </a:schemeClr>
-                    </a:solidFill>
-                    <a:latin typeface="Palatino" pitchFamily="2" charset="77"/>
-                    <a:ea typeface="Palatino" pitchFamily="2" charset="77"/>
-                  </a:rPr>
-                  <a:t> </a:t>
+                  <a:t>]</a:t>
                 </a:r>
               </a:p>
               <a:p>
@@ -8796,7 +9105,31 @@
                     <a:latin typeface="Palatino" pitchFamily="2" charset="77"/>
                     <a:ea typeface="Palatino" pitchFamily="2" charset="77"/>
                   </a:rPr>
-                  <a:t>The algorithm now considers super-arms (combinations of prices for each product)</a:t>
+                  <a:t>The algorithm now considers </a:t>
+                </a:r>
+                <a:r>
+                  <a:rPr lang="en-GB" sz="1800" i="1" dirty="0">
+                    <a:solidFill>
+                      <a:schemeClr val="bg1">
+                        <a:lumMod val="50000"/>
+                      </a:schemeClr>
+                    </a:solidFill>
+                    <a:latin typeface="Palatino" pitchFamily="2" charset="77"/>
+                    <a:ea typeface="Palatino" pitchFamily="2" charset="77"/>
+                  </a:rPr>
+                  <a:t>superarms</a:t>
+                </a:r>
+                <a:r>
+                  <a:rPr lang="en-GB" sz="1800" dirty="0">
+                    <a:solidFill>
+                      <a:schemeClr val="bg1">
+                        <a:lumMod val="50000"/>
+                      </a:schemeClr>
+                    </a:solidFill>
+                    <a:latin typeface="Palatino" pitchFamily="2" charset="77"/>
+                    <a:ea typeface="Palatino" pitchFamily="2" charset="77"/>
+                  </a:rPr>
+                  <a:t> (combinations of prices for each product)</a:t>
                 </a:r>
               </a:p>
               <a:p>
@@ -8852,7 +9185,7 @@
                     <a:latin typeface="Palatino" pitchFamily="2" charset="77"/>
                     <a:ea typeface="Palatino" pitchFamily="2" charset="77"/>
                   </a:rPr>
-                  <a:t> over super-arms that:</a:t>
+                  <a:t> over superarms that:</a:t>
                 </a:r>
               </a:p>
               <a:p>
@@ -9342,7 +9675,7 @@
                 <a:latin typeface="Palatino" pitchFamily="2" charset="77"/>
                 <a:ea typeface="Palatino" pitchFamily="2" charset="77"/>
               </a:rPr>
-              <a:t>We build per-arm statistics for each product-price pair (arm) and use them to estimate the expected reward and consumption of every combination of prices (super-arm)</a:t>
+              <a:t>We build per-arm statistics for each product-price pair (arm) and use them to estimate the expected reward and consumption of every combination of prices (superarm)</a:t>
             </a:r>
           </a:p>
           <a:p>
@@ -9365,7 +9698,31 @@
                 <a:latin typeface="Palatino" pitchFamily="2" charset="77"/>
                 <a:ea typeface="Palatino" pitchFamily="2" charset="77"/>
               </a:rPr>
-              <a:t>Such approach enables better efficiency than estimating the confidence bounds for every possible product mix</a:t>
+              <a:t>Such approach enables </a:t>
+            </a:r>
+            <a:r>
+              <a:rPr lang="en-GB" sz="1800" i="1" dirty="0">
+                <a:solidFill>
+                  <a:schemeClr val="bg1">
+                    <a:lumMod val="50000"/>
+                  </a:schemeClr>
+                </a:solidFill>
+                <a:latin typeface="Palatino" pitchFamily="2" charset="77"/>
+                <a:ea typeface="Palatino" pitchFamily="2" charset="77"/>
+              </a:rPr>
+              <a:t>better efficiency</a:t>
+            </a:r>
+            <a:r>
+              <a:rPr lang="en-GB" sz="1800" dirty="0">
+                <a:solidFill>
+                  <a:schemeClr val="bg1">
+                    <a:lumMod val="50000"/>
+                  </a:schemeClr>
+                </a:solidFill>
+                <a:latin typeface="Palatino" pitchFamily="2" charset="77"/>
+                <a:ea typeface="Palatino" pitchFamily="2" charset="77"/>
+              </a:rPr>
+              <a:t> than estimating the confidence bounds for every possible product mix</a:t>
             </a:r>
           </a:p>
           <a:p>
@@ -9875,7 +10232,19 @@
                 <a:latin typeface="Palatino" pitchFamily="2" charset="77"/>
                 <a:ea typeface="Palatino" pitchFamily="2" charset="77"/>
               </a:rPr>
-              <a:t>Due to the presence of multiple products, and considering how we estimate the bounds for the superarms, we decided to just divide R and C by N</a:t>
+              <a:t>Due to the presence of multiple products, and considering how we estimate the bounds for the superarms, we decided to just </a:t>
+            </a:r>
+            <a:r>
+              <a:rPr lang="en-GB" sz="1600" i="1" dirty="0">
+                <a:solidFill>
+                  <a:schemeClr val="bg1">
+                    <a:lumMod val="50000"/>
+                  </a:schemeClr>
+                </a:solidFill>
+                <a:latin typeface="Palatino" pitchFamily="2" charset="77"/>
+                <a:ea typeface="Palatino" pitchFamily="2" charset="77"/>
+              </a:rPr>
+              <a:t>divide R and C by N</a:t>
             </a:r>
           </a:p>
           <a:p>
@@ -10391,6 +10760,18 @@
                   <a:buAutoNum type="arabicPeriod"/>
                 </a:pPr>
                 <a:r>
+                  <a:rPr lang="en-GB" sz="1400" i="1" dirty="0">
+                    <a:solidFill>
+                      <a:schemeClr val="bg1">
+                        <a:lumMod val="50000"/>
+                      </a:schemeClr>
+                    </a:solidFill>
+                    <a:latin typeface="Palatino" pitchFamily="2" charset="77"/>
+                    <a:ea typeface="Palatino" pitchFamily="2" charset="77"/>
+                  </a:rPr>
+                  <a:t>Making sure to run each arm at least once </a:t>
+                </a:r>
+                <a:r>
                   <a:rPr lang="en-GB" sz="1400" dirty="0">
                     <a:solidFill>
                       <a:schemeClr val="bg1">
@@ -10400,12 +10781,12 @@
                     <a:latin typeface="Palatino" pitchFamily="2" charset="77"/>
                     <a:ea typeface="Palatino" pitchFamily="2" charset="77"/>
                   </a:rPr>
-                  <a:t>Making sure to run each arm at least once in the first </a:t>
+                  <a:t>in the first </a:t>
                 </a:r>
                 <a14:m>
                   <m:oMath xmlns:m="http://schemas.openxmlformats.org/officeDocument/2006/math">
                     <m:r>
-                      <a:rPr lang="en-GB" sz="1400" i="1" dirty="0" smtClean="0">
+                      <a:rPr lang="it-IT" sz="1400" b="0" i="1" smtClean="0">
                         <a:solidFill>
                           <a:schemeClr val="bg1">
                             <a:lumMod val="50000"/>
@@ -10414,10 +10795,22 @@
                         <a:latin typeface="Cambria Math" panose="02040503050406030204" pitchFamily="18" charset="0"/>
                         <a:ea typeface="Palatino" pitchFamily="2" charset="77"/>
                       </a:rPr>
-                      <m:t>|</m:t>
+                      <m:t>𝑁</m:t>
                     </m:r>
                     <m:r>
-                      <a:rPr lang="en-GB" sz="1400" i="1" dirty="0" smtClean="0">
+                      <a:rPr lang="it-IT" sz="1400" b="0" i="1" smtClean="0">
+                        <a:solidFill>
+                          <a:schemeClr val="bg1">
+                            <a:lumMod val="50000"/>
+                          </a:schemeClr>
+                        </a:solidFill>
+                        <a:latin typeface="Cambria Math" panose="02040503050406030204" pitchFamily="18" charset="0"/>
+                        <a:ea typeface="Cambria Math" panose="02040503050406030204" pitchFamily="18" charset="0"/>
+                      </a:rPr>
+                      <m:t>∙</m:t>
+                    </m:r>
+                    <m:r>
+                      <a:rPr lang="it-IT" sz="1400" b="0" i="1" smtClean="0">
                         <a:solidFill>
                           <a:schemeClr val="bg1">
                             <a:lumMod val="50000"/>
@@ -10426,19 +10819,7 @@
                         <a:latin typeface="Cambria Math" panose="02040503050406030204" pitchFamily="18" charset="0"/>
                         <a:ea typeface="Palatino" pitchFamily="2" charset="77"/>
                       </a:rPr>
-                      <m:t>𝐴</m:t>
-                    </m:r>
-                    <m:r>
-                      <a:rPr lang="en-GB" sz="1400" i="1" dirty="0" smtClean="0">
-                        <a:solidFill>
-                          <a:schemeClr val="bg1">
-                            <a:lumMod val="50000"/>
-                          </a:schemeClr>
-                        </a:solidFill>
-                        <a:latin typeface="Cambria Math" panose="02040503050406030204" pitchFamily="18" charset="0"/>
-                        <a:ea typeface="Palatino" pitchFamily="2" charset="77"/>
-                      </a:rPr>
-                      <m:t>|</m:t>
+                      <m:t>𝐾</m:t>
                     </m:r>
                   </m:oMath>
                 </a14:m>
@@ -10552,7 +10933,7 @@
                     <a:latin typeface="Palatino" pitchFamily="2" charset="77"/>
                     <a:ea typeface="Palatino" pitchFamily="2" charset="77"/>
                   </a:rPr>
-                  <a:t>Probably due to the short time horizon, the latter option – which we expected to be more reliable – achieves higher regret than the former.</a:t>
+                  <a:t>The latter option achieves higher regret than the former.</a:t>
                 </a:r>
               </a:p>
               <a:p>
@@ -11131,7 +11512,19 @@
                 <a:latin typeface="Palatino" pitchFamily="2" charset="77"/>
                 <a:ea typeface="Palatino" pitchFamily="2" charset="77"/>
               </a:rPr>
-              <a:t>The idea is simple: among the feasible superarms, we return the one with maximum expected reward; if no feasible superarm is available, we choose the one with minimum cost</a:t>
+              <a:t>The idea is simple: </a:t>
+            </a:r>
+            <a:r>
+              <a:rPr lang="en-GB" sz="1400" i="1" dirty="0">
+                <a:solidFill>
+                  <a:schemeClr val="bg1">
+                    <a:lumMod val="50000"/>
+                  </a:schemeClr>
+                </a:solidFill>
+                <a:latin typeface="Palatino" pitchFamily="2" charset="77"/>
+                <a:ea typeface="Palatino" pitchFamily="2" charset="77"/>
+              </a:rPr>
+              <a:t>among the feasible superarms, we return the one with maximum expected reward; if no feasible superarm is available, we choose the one with minimum cost</a:t>
             </a:r>
           </a:p>
           <a:p>
@@ -11356,10 +11749,22 @@
                     <a:latin typeface="Palatino" pitchFamily="2" charset="77"/>
                     <a:ea typeface="Palatino" pitchFamily="2" charset="77"/>
                   </a:rPr>
-                  <a:t>For that reason, we implemented a version of our algorithm using dynamic per-round budget</a:t>
-                </a:r>
-                <a:r>
-                  <a:rPr lang="en-IT" sz="1600" dirty="0">
+                  <a:t>For that reason, we implemented a version of our algorithm using </a:t>
+                </a:r>
+                <a:r>
+                  <a:rPr lang="en-IT" sz="1600" i="1" dirty="0">
+                    <a:solidFill>
+                      <a:schemeClr val="bg1">
+                        <a:lumMod val="50000"/>
+                      </a:schemeClr>
+                    </a:solidFill>
+                    <a:latin typeface="Palatino" pitchFamily="2" charset="77"/>
+                    <a:ea typeface="Palatino" pitchFamily="2" charset="77"/>
+                  </a:rPr>
+                  <a:t>dynamic per-round budget</a:t>
+                </a:r>
+                <a:r>
+                  <a:rPr lang="en-IT" sz="1600" i="1" dirty="0">
                     <a:solidFill>
                       <a:schemeClr val="bg1">
                         <a:lumMod val="50000"/>
@@ -14269,7 +14674,7 @@
             <p:spPr>
               <a:xfrm>
                 <a:off x="838200" y="1690688"/>
-                <a:ext cx="10786242" cy="2069221"/>
+                <a:ext cx="10786242" cy="2361609"/>
               </a:xfrm>
               <a:prstGeom prst="rect">
                 <a:avLst/>
@@ -14744,6 +15149,9 @@
               </a:p>
               <a:p>
                 <a:pPr marL="342900" indent="-342900">
+                  <a:spcAft>
+                    <a:spcPts val="600"/>
+                  </a:spcAft>
                   <a:buFont typeface="+mj-lt"/>
                   <a:buAutoNum type="arabicPeriod"/>
                 </a:pPr>
@@ -15062,6 +15470,60 @@
                 </a:endParaRPr>
               </a:p>
               <a:p>
+                <a:r>
+                  <a:rPr lang="en-GB" sz="1400" dirty="0">
+                    <a:solidFill>
+                      <a:schemeClr val="bg1">
+                        <a:lumMod val="50000"/>
+                      </a:schemeClr>
+                    </a:solidFill>
+                    <a:latin typeface="Palatino" pitchFamily="2" charset="77"/>
+                    <a:ea typeface="Palatino" pitchFamily="2" charset="77"/>
+                  </a:rPr>
+                  <a:t>W</a:t>
+                </a:r>
+                <a:r>
+                  <a:rPr lang="en-IT" sz="1400" dirty="0">
+                    <a:solidFill>
+                      <a:schemeClr val="bg1">
+                        <a:lumMod val="50000"/>
+                      </a:schemeClr>
+                    </a:solidFill>
+                    <a:latin typeface="Palatino" pitchFamily="2" charset="77"/>
+                    <a:ea typeface="Palatino" pitchFamily="2" charset="77"/>
+                  </a:rPr>
+                  <a:t>here A = 2.0, P = 1000 e </a:t>
+                </a:r>
+                <a14:m>
+                  <m:oMath xmlns:m="http://schemas.openxmlformats.org/officeDocument/2006/math">
+                    <m:r>
+                      <a:rPr lang="it-IT" sz="1400" i="1">
+                        <a:solidFill>
+                          <a:schemeClr val="bg1">
+                            <a:lumMod val="50000"/>
+                          </a:schemeClr>
+                        </a:solidFill>
+                        <a:latin typeface="Cambria Math" panose="02040503050406030204" pitchFamily="18" charset="0"/>
+                        <a:ea typeface="Cambria Math" panose="02040503050406030204" pitchFamily="18" charset="0"/>
+                      </a:rPr>
+                      <m:t>𝛿</m:t>
+                    </m:r>
+                  </m:oMath>
+                </a14:m>
+                <a:r>
+                  <a:rPr lang="en-IT" sz="1400" dirty="0">
+                    <a:solidFill>
+                      <a:schemeClr val="bg1">
+                        <a:lumMod val="50000"/>
+                      </a:schemeClr>
+                    </a:solidFill>
+                    <a:latin typeface="Palatino" pitchFamily="2" charset="77"/>
+                    <a:ea typeface="Palatino" pitchFamily="2" charset="77"/>
+                  </a:rPr>
+                  <a:t> = v/T</a:t>
+                </a:r>
+              </a:p>
+              <a:p>
                 <a:endParaRPr lang="en-IT" dirty="0">
                   <a:solidFill>
                     <a:schemeClr val="bg1">
@@ -15104,7 +15566,7 @@
             <p:spPr>
               <a:xfrm>
                 <a:off x="838200" y="1690688"/>
-                <a:ext cx="10786242" cy="2069221"/>
+                <a:ext cx="10786242" cy="2361609"/>
               </a:xfrm>
               <a:prstGeom prst="rect">
                 <a:avLst/>
@@ -15112,7 +15574,7 @@
               <a:blipFill>
                 <a:blip r:embed="rId3"/>
                 <a:stretch>
-                  <a:fillRect l="-941" t="-1818"/>
+                  <a:fillRect l="-941" t="-1596"/>
                 </a:stretch>
               </a:blipFill>
             </p:spPr>
@@ -15145,6 +15607,113 @@
 </file>
 
 <file path=ppt/slides/slide33.xml><?xml version="1.0" encoding="utf-8"?>
+<p:sld xmlns:a="http://schemas.openxmlformats.org/drawingml/2006/main" xmlns:r="http://schemas.openxmlformats.org/officeDocument/2006/relationships" xmlns:p="http://schemas.openxmlformats.org/presentationml/2006/main">
+  <p:cSld>
+    <p:spTree>
+      <p:nvGrpSpPr>
+        <p:cNvPr id="1" name="">
+          <a:extLst>
+            <a:ext uri="{FF2B5EF4-FFF2-40B4-BE49-F238E27FC236}">
+              <a16:creationId xmlns:a16="http://schemas.microsoft.com/office/drawing/2014/main" id="{2D408010-93B6-7F03-67D6-E13657EC6A1D}"/>
+            </a:ext>
+          </a:extLst>
+        </p:cNvPr>
+        <p:cNvGrpSpPr/>
+        <p:nvPr/>
+      </p:nvGrpSpPr>
+      <p:grpSpPr>
+        <a:xfrm>
+          <a:off x="0" y="0"/>
+          <a:ext cx="0" cy="0"/>
+          <a:chOff x="0" y="0"/>
+          <a:chExt cx="0" cy="0"/>
+        </a:xfrm>
+      </p:grpSpPr>
+      <p:sp>
+        <p:nvSpPr>
+          <p:cNvPr id="2" name="Title 1">
+            <a:extLst>
+              <a:ext uri="{FF2B5EF4-FFF2-40B4-BE49-F238E27FC236}">
+                <a16:creationId xmlns:a16="http://schemas.microsoft.com/office/drawing/2014/main" id="{2DF3F02E-CE22-5799-B679-D54DFD66C7D9}"/>
+              </a:ext>
+            </a:extLst>
+          </p:cNvPr>
+          <p:cNvSpPr>
+            <a:spLocks noGrp="1"/>
+          </p:cNvSpPr>
+          <p:nvPr>
+            <p:ph type="title"/>
+          </p:nvPr>
+        </p:nvSpPr>
+        <p:spPr>
+          <a:xfrm>
+            <a:off x="838200" y="587633"/>
+            <a:ext cx="10515600" cy="1325563"/>
+          </a:xfrm>
+        </p:spPr>
+        <p:txBody>
+          <a:bodyPr/>
+          <a:lstStyle/>
+          <a:p>
+            <a:pPr algn="ctr"/>
+            <a:r>
+              <a:rPr lang="en-IT" sz="5400" dirty="0">
+                <a:latin typeface="Palatino" pitchFamily="2" charset="77"/>
+                <a:ea typeface="Palatino" pitchFamily="2" charset="77"/>
+              </a:rPr>
+              <a:t>Environments</a:t>
+            </a:r>
+            <a:endParaRPr lang="en-IT" dirty="0">
+              <a:latin typeface="Palatino" pitchFamily="2" charset="77"/>
+              <a:ea typeface="Palatino" pitchFamily="2" charset="77"/>
+            </a:endParaRPr>
+          </a:p>
+        </p:txBody>
+      </p:sp>
+      <p:pic>
+        <p:nvPicPr>
+          <p:cNvPr id="6" name="Picture 5">
+            <a:extLst>
+              <a:ext uri="{FF2B5EF4-FFF2-40B4-BE49-F238E27FC236}">
+                <a16:creationId xmlns:a16="http://schemas.microsoft.com/office/drawing/2014/main" id="{479936F4-10DA-3347-5777-C4BF160B8A0E}"/>
+              </a:ext>
+            </a:extLst>
+          </p:cNvPr>
+          <p:cNvPicPr>
+            <a:picLocks noChangeAspect="1"/>
+          </p:cNvPicPr>
+          <p:nvPr/>
+        </p:nvPicPr>
+        <p:blipFill>
+          <a:blip r:embed="rId2"/>
+          <a:stretch>
+            <a:fillRect/>
+          </a:stretch>
+        </p:blipFill>
+        <p:spPr>
+          <a:xfrm>
+            <a:off x="1164534" y="2388790"/>
+            <a:ext cx="9862931" cy="3410811"/>
+          </a:xfrm>
+          <a:prstGeom prst="rect">
+            <a:avLst/>
+          </a:prstGeom>
+        </p:spPr>
+      </p:pic>
+    </p:spTree>
+    <p:extLst>
+      <p:ext uri="{BB962C8B-B14F-4D97-AF65-F5344CB8AC3E}">
+        <p14:creationId xmlns:p14="http://schemas.microsoft.com/office/powerpoint/2010/main" val="2551891793"/>
+      </p:ext>
+    </p:extLst>
+  </p:cSld>
+  <p:clrMapOvr>
+    <a:masterClrMapping/>
+  </p:clrMapOvr>
+</p:sld>
+</file>
+
+<file path=ppt/slides/slide34.xml><?xml version="1.0" encoding="utf-8"?>
 <p:sld xmlns:a="http://schemas.openxmlformats.org/drawingml/2006/main" xmlns:r="http://schemas.openxmlformats.org/officeDocument/2006/relationships" xmlns:p="http://schemas.openxmlformats.org/presentationml/2006/main">
   <p:cSld>
     <p:spTree>
@@ -15216,7 +15785,7 @@
         </p:nvSpPr>
         <p:spPr>
           <a:xfrm>
-            <a:off x="838200" y="1668323"/>
+            <a:off x="838200" y="1681575"/>
             <a:ext cx="10156902" cy="3426192"/>
           </a:xfrm>
         </p:spPr>
@@ -15286,7 +15855,79 @@
                 <a:latin typeface="Palatino" pitchFamily="2" charset="77"/>
                 <a:ea typeface="Palatino" pitchFamily="2" charset="77"/>
               </a:rPr>
-              <a:t>The primal component selects prices by learning from newly observed rewards, allowing it to track changes in buyer behaviour over time — even in highly non-stationary settings</a:t>
+              <a:t>The </a:t>
+            </a:r>
+            <a:r>
+              <a:rPr lang="en-GB" sz="1800" i="1" dirty="0">
+                <a:solidFill>
+                  <a:schemeClr val="bg1">
+                    <a:lumMod val="50000"/>
+                  </a:schemeClr>
+                </a:solidFill>
+                <a:latin typeface="Palatino" pitchFamily="2" charset="77"/>
+                <a:ea typeface="Palatino" pitchFamily="2" charset="77"/>
+              </a:rPr>
+              <a:t>primal</a:t>
+            </a:r>
+            <a:r>
+              <a:rPr lang="en-GB" sz="1800" dirty="0">
+                <a:solidFill>
+                  <a:schemeClr val="bg1">
+                    <a:lumMod val="50000"/>
+                  </a:schemeClr>
+                </a:solidFill>
+                <a:latin typeface="Palatino" pitchFamily="2" charset="77"/>
+                <a:ea typeface="Palatino" pitchFamily="2" charset="77"/>
+              </a:rPr>
+              <a:t> component selects prices by learning from newly observed rewards, allowing it to </a:t>
+            </a:r>
+            <a:r>
+              <a:rPr lang="en-GB" sz="1800" i="1" dirty="0">
+                <a:solidFill>
+                  <a:schemeClr val="bg1">
+                    <a:lumMod val="50000"/>
+                  </a:schemeClr>
+                </a:solidFill>
+                <a:latin typeface="Palatino" pitchFamily="2" charset="77"/>
+                <a:ea typeface="Palatino" pitchFamily="2" charset="77"/>
+              </a:rPr>
+              <a:t>track changes</a:t>
+            </a:r>
+            <a:r>
+              <a:rPr lang="en-GB" sz="1800" dirty="0">
+                <a:solidFill>
+                  <a:schemeClr val="bg1">
+                    <a:lumMod val="50000"/>
+                  </a:schemeClr>
+                </a:solidFill>
+                <a:latin typeface="Palatino" pitchFamily="2" charset="77"/>
+                <a:ea typeface="Palatino" pitchFamily="2" charset="77"/>
+              </a:rPr>
+              <a:t> </a:t>
+            </a:r>
+            <a:r>
+              <a:rPr lang="en-GB" sz="1800" i="1" dirty="0">
+                <a:solidFill>
+                  <a:schemeClr val="bg1">
+                    <a:lumMod val="50000"/>
+                  </a:schemeClr>
+                </a:solidFill>
+                <a:latin typeface="Palatino" pitchFamily="2" charset="77"/>
+                <a:ea typeface="Palatino" pitchFamily="2" charset="77"/>
+              </a:rPr>
+              <a:t>in buyer behaviour </a:t>
+            </a:r>
+            <a:r>
+              <a:rPr lang="en-GB" sz="1800" dirty="0">
+                <a:solidFill>
+                  <a:schemeClr val="bg1">
+                    <a:lumMod val="50000"/>
+                  </a:schemeClr>
+                </a:solidFill>
+                <a:latin typeface="Palatino" pitchFamily="2" charset="77"/>
+                <a:ea typeface="Palatino" pitchFamily="2" charset="77"/>
+              </a:rPr>
+              <a:t>over time — even in highly non-stationary settings</a:t>
             </a:r>
           </a:p>
           <a:p>
@@ -15309,7 +15950,55 @@
                 <a:latin typeface="Palatino" pitchFamily="2" charset="77"/>
                 <a:ea typeface="Palatino" pitchFamily="2" charset="77"/>
               </a:rPr>
-              <a:t>The dual component, on the other hand, enforces the budget constraint by updating the Lagrange multiplier </a:t>
+              <a:t>The </a:t>
+            </a:r>
+            <a:r>
+              <a:rPr lang="en-GB" sz="1800" i="1" dirty="0">
+                <a:solidFill>
+                  <a:schemeClr val="bg1">
+                    <a:lumMod val="50000"/>
+                  </a:schemeClr>
+                </a:solidFill>
+                <a:latin typeface="Palatino" pitchFamily="2" charset="77"/>
+                <a:ea typeface="Palatino" pitchFamily="2" charset="77"/>
+              </a:rPr>
+              <a:t>dual</a:t>
+            </a:r>
+            <a:r>
+              <a:rPr lang="en-GB" sz="1800" dirty="0">
+                <a:solidFill>
+                  <a:schemeClr val="bg1">
+                    <a:lumMod val="50000"/>
+                  </a:schemeClr>
+                </a:solidFill>
+                <a:latin typeface="Palatino" pitchFamily="2" charset="77"/>
+                <a:ea typeface="Palatino" pitchFamily="2" charset="77"/>
+              </a:rPr>
+              <a:t> component, on the other hand, </a:t>
+            </a:r>
+            <a:r>
+              <a:rPr lang="en-GB" sz="1800" i="1" dirty="0">
+                <a:solidFill>
+                  <a:schemeClr val="bg1">
+                    <a:lumMod val="50000"/>
+                  </a:schemeClr>
+                </a:solidFill>
+                <a:latin typeface="Palatino" pitchFamily="2" charset="77"/>
+                <a:ea typeface="Palatino" pitchFamily="2" charset="77"/>
+              </a:rPr>
+              <a:t>enforces the budget constraint </a:t>
+            </a:r>
+            <a:r>
+              <a:rPr lang="en-GB" sz="1800" dirty="0">
+                <a:solidFill>
+                  <a:schemeClr val="bg1">
+                    <a:lumMod val="50000"/>
+                  </a:schemeClr>
+                </a:solidFill>
+                <a:latin typeface="Palatino" pitchFamily="2" charset="77"/>
+                <a:ea typeface="Palatino" pitchFamily="2" charset="77"/>
+              </a:rPr>
+              <a:t>by updating the Lagrange multiplier </a:t>
             </a:r>
             <a:r>
               <a:rPr lang="el-GR" sz="1800" dirty="0">
@@ -15374,7 +16063,7 @@
 </p:sld>
 </file>
 
-<file path=ppt/slides/slide34.xml><?xml version="1.0" encoding="utf-8"?>
+<file path=ppt/slides/slide35.xml><?xml version="1.0" encoding="utf-8"?>
 <p:sld xmlns:a="http://schemas.openxmlformats.org/drawingml/2006/main" xmlns:r="http://schemas.openxmlformats.org/officeDocument/2006/relationships" xmlns:p="http://schemas.openxmlformats.org/presentationml/2006/main">
   <p:cSld>
     <p:spTree>
@@ -15428,8 +16117,8 @@
           </a:p>
         </p:txBody>
       </p:sp>
-      <mc:AlternateContent xmlns:mc="http://schemas.openxmlformats.org/markup-compatibility/2006">
-        <mc:Choice xmlns:a14="http://schemas.microsoft.com/office/drawing/2010/main" Requires="a14">
+      <mc:AlternateContent xmlns:mc="http://schemas.openxmlformats.org/markup-compatibility/2006" xmlns:a14="http://schemas.microsoft.com/office/drawing/2010/main">
+        <mc:Choice Requires="a14">
           <p:sp>
             <p:nvSpPr>
               <p:cNvPr id="3" name="Content Placeholder 2">
@@ -15486,16 +16175,124 @@
                   <a:buNone/>
                 </a:pPr>
                 <a:r>
-                  <a:rPr lang="en-GB" sz="1600" dirty="0">
-                    <a:solidFill>
-                      <a:schemeClr val="bg1">
-                        <a:lumMod val="50000"/>
-                      </a:schemeClr>
-                    </a:solidFill>
-                    <a:latin typeface="Palatino" pitchFamily="2" charset="77"/>
-                    <a:ea typeface="Palatino" pitchFamily="2" charset="77"/>
-                  </a:rPr>
-                  <a:t>We use EXP3.P - algorithm for adversarial environments in bandit feedback, no-regret with high probability</a:t>
+                  <a:rPr lang="en-GB" sz="1800" dirty="0">
+                    <a:solidFill>
+                      <a:schemeClr val="bg1">
+                        <a:lumMod val="50000"/>
+                      </a:schemeClr>
+                    </a:solidFill>
+                    <a:latin typeface="Palatino" pitchFamily="2" charset="77"/>
+                    <a:ea typeface="Palatino" pitchFamily="2" charset="77"/>
+                  </a:rPr>
+                  <a:t>We use </a:t>
+                </a:r>
+                <a:r>
+                  <a:rPr lang="en-GB" sz="1800" i="1" dirty="0">
+                    <a:solidFill>
+                      <a:schemeClr val="bg1">
+                        <a:lumMod val="50000"/>
+                      </a:schemeClr>
+                    </a:solidFill>
+                    <a:latin typeface="Palatino" pitchFamily="2" charset="77"/>
+                    <a:ea typeface="Palatino" pitchFamily="2" charset="77"/>
+                  </a:rPr>
+                  <a:t>EXP3.P</a:t>
+                </a:r>
+                <a:r>
+                  <a:rPr lang="en-GB" sz="1800" dirty="0">
+                    <a:solidFill>
+                      <a:schemeClr val="bg1">
+                        <a:lumMod val="50000"/>
+                      </a:schemeClr>
+                    </a:solidFill>
+                    <a:latin typeface="Palatino" pitchFamily="2" charset="77"/>
+                    <a:ea typeface="Palatino" pitchFamily="2" charset="77"/>
+                  </a:rPr>
+                  <a:t> – </a:t>
+                </a:r>
+                <a:r>
+                  <a:rPr lang="en-GB" sz="1800" i="1" dirty="0">
+                    <a:solidFill>
+                      <a:schemeClr val="bg1">
+                        <a:lumMod val="50000"/>
+                      </a:schemeClr>
+                    </a:solidFill>
+                    <a:latin typeface="Palatino" pitchFamily="2" charset="77"/>
+                    <a:ea typeface="Palatino" pitchFamily="2" charset="77"/>
+                  </a:rPr>
+                  <a:t>adversarial</a:t>
+                </a:r>
+                <a:r>
+                  <a:rPr lang="en-GB" sz="1800" dirty="0">
+                    <a:solidFill>
+                      <a:schemeClr val="bg1">
+                        <a:lumMod val="50000"/>
+                      </a:schemeClr>
+                    </a:solidFill>
+                    <a:latin typeface="Palatino" pitchFamily="2" charset="77"/>
+                    <a:ea typeface="Palatino" pitchFamily="2" charset="77"/>
+                  </a:rPr>
+                  <a:t> environments in </a:t>
+                </a:r>
+                <a:r>
+                  <a:rPr lang="en-GB" sz="1800" i="1" dirty="0">
+                    <a:solidFill>
+                      <a:schemeClr val="bg1">
+                        <a:lumMod val="50000"/>
+                      </a:schemeClr>
+                    </a:solidFill>
+                    <a:latin typeface="Palatino" pitchFamily="2" charset="77"/>
+                    <a:ea typeface="Palatino" pitchFamily="2" charset="77"/>
+                  </a:rPr>
+                  <a:t>bandit</a:t>
+                </a:r>
+                <a:r>
+                  <a:rPr lang="en-GB" sz="1800" dirty="0">
+                    <a:solidFill>
+                      <a:schemeClr val="bg1">
+                        <a:lumMod val="50000"/>
+                      </a:schemeClr>
+                    </a:solidFill>
+                    <a:latin typeface="Palatino" pitchFamily="2" charset="77"/>
+                    <a:ea typeface="Palatino" pitchFamily="2" charset="77"/>
+                  </a:rPr>
+                  <a:t> feedback, </a:t>
+                </a:r>
+                <a:r>
+                  <a:rPr lang="en-GB" sz="1800" i="1" dirty="0">
+                    <a:solidFill>
+                      <a:schemeClr val="bg1">
+                        <a:lumMod val="50000"/>
+                      </a:schemeClr>
+                    </a:solidFill>
+                    <a:latin typeface="Palatino" pitchFamily="2" charset="77"/>
+                    <a:ea typeface="Palatino" pitchFamily="2" charset="77"/>
+                  </a:rPr>
+                  <a:t>no-regret</a:t>
+                </a:r>
+                <a:r>
+                  <a:rPr lang="en-GB" sz="1800" dirty="0">
+                    <a:solidFill>
+                      <a:schemeClr val="bg1">
+                        <a:lumMod val="50000"/>
+                      </a:schemeClr>
+                    </a:solidFill>
+                    <a:latin typeface="Palatino" pitchFamily="2" charset="77"/>
+                    <a:ea typeface="Palatino" pitchFamily="2" charset="77"/>
+                  </a:rPr>
+                  <a:t> with </a:t>
+                </a:r>
+                <a:r>
+                  <a:rPr lang="en-GB" sz="1800" i="1" dirty="0">
+                    <a:solidFill>
+                      <a:schemeClr val="bg1">
+                        <a:lumMod val="50000"/>
+                      </a:schemeClr>
+                    </a:solidFill>
+                    <a:latin typeface="Palatino" pitchFamily="2" charset="77"/>
+                    <a:ea typeface="Palatino" pitchFamily="2" charset="77"/>
+                  </a:rPr>
+                  <a:t>high probability</a:t>
                 </a:r>
               </a:p>
               <a:p>
@@ -15509,21 +16306,45 @@
                   <a:buNone/>
                 </a:pPr>
                 <a:r>
-                  <a:rPr lang="en-GB" sz="1200" dirty="0">
-                    <a:solidFill>
-                      <a:schemeClr val="bg1">
-                        <a:lumMod val="50000"/>
-                      </a:schemeClr>
-                    </a:solidFill>
-                    <a:latin typeface="Palatino" pitchFamily="2" charset="77"/>
-                    <a:ea typeface="Palatino" pitchFamily="2" charset="77"/>
-                  </a:rPr>
-                  <a:t>We tuned gamma (exploration term) by choosing </a:t>
+                  <a:rPr lang="en-GB" sz="1400" dirty="0">
+                    <a:solidFill>
+                      <a:schemeClr val="bg1">
+                        <a:lumMod val="50000"/>
+                      </a:schemeClr>
+                    </a:solidFill>
+                    <a:latin typeface="Palatino" pitchFamily="2" charset="77"/>
+                    <a:ea typeface="Palatino" pitchFamily="2" charset="77"/>
+                  </a:rPr>
+                  <a:t>We tuned </a:t>
+                </a:r>
+                <a:r>
+                  <a:rPr lang="en-GB" sz="1400" i="1" dirty="0">
+                    <a:solidFill>
+                      <a:schemeClr val="bg1">
+                        <a:lumMod val="50000"/>
+                      </a:schemeClr>
+                    </a:solidFill>
+                    <a:latin typeface="Palatino" pitchFamily="2" charset="77"/>
+                    <a:ea typeface="Palatino" pitchFamily="2" charset="77"/>
+                  </a:rPr>
+                  <a:t>gamma (exploration term)</a:t>
+                </a:r>
+                <a:r>
+                  <a:rPr lang="en-GB" sz="1400" dirty="0">
+                    <a:solidFill>
+                      <a:schemeClr val="bg1">
+                        <a:lumMod val="50000"/>
+                      </a:schemeClr>
+                    </a:solidFill>
+                    <a:latin typeface="Palatino" pitchFamily="2" charset="77"/>
+                    <a:ea typeface="Palatino" pitchFamily="2" charset="77"/>
+                  </a:rPr>
+                  <a:t> by choosing </a:t>
                 </a:r>
                 <a14:m>
                   <m:oMath xmlns:m="http://schemas.openxmlformats.org/officeDocument/2006/math">
                     <m:r>
-                      <a:rPr lang="en-GB" sz="1200" i="1" smtClean="0">
+                      <a:rPr lang="en-GB" sz="1400" i="1" smtClean="0">
                         <a:solidFill>
                           <a:schemeClr val="bg1">
                             <a:lumMod val="50000"/>
@@ -15535,7 +16356,7 @@
                       <m:t>𝛾</m:t>
                     </m:r>
                     <m:r>
-                      <a:rPr lang="it-IT" sz="1200" i="1" dirty="0">
+                      <a:rPr lang="it-IT" sz="1400" i="1" dirty="0">
                         <a:solidFill>
                           <a:schemeClr val="bg1">
                             <a:lumMod val="50000"/>
@@ -15549,7 +16370,7 @@
                   </m:oMath>
                 </a14:m>
                 <a:r>
-                  <a:rPr lang="en-GB" sz="1200" dirty="0">
+                  <a:rPr lang="en-GB" sz="1400" dirty="0">
                     <a:solidFill>
                       <a:schemeClr val="bg1">
                         <a:lumMod val="50000"/>
@@ -15635,7 +16456,7 @@
             </p:txBody>
           </p:sp>
         </mc:Choice>
-        <mc:Fallback>
+        <mc:Fallback xmlns="">
           <p:sp>
             <p:nvSpPr>
               <p:cNvPr id="3" name="Content Placeholder 2">
@@ -15679,8 +16500,8 @@
           </p:sp>
         </mc:Fallback>
       </mc:AlternateContent>
-      <mc:AlternateContent xmlns:mc="http://schemas.openxmlformats.org/markup-compatibility/2006">
-        <mc:Choice xmlns:a14="http://schemas.microsoft.com/office/drawing/2010/main" Requires="a14">
+      <mc:AlternateContent xmlns:mc="http://schemas.openxmlformats.org/markup-compatibility/2006" xmlns:a14="http://schemas.microsoft.com/office/drawing/2010/main">
+        <mc:Choice Requires="a14">
           <p:sp>
             <p:nvSpPr>
               <p:cNvPr id="4" name="TextBox 3">
@@ -15696,7 +16517,7 @@
             <p:spPr>
               <a:xfrm>
                 <a:off x="838197" y="2984686"/>
-                <a:ext cx="5655730" cy="3077766"/>
+                <a:ext cx="5655730" cy="3231654"/>
               </a:xfrm>
               <a:prstGeom prst="rect">
                 <a:avLst/>
@@ -15729,21 +16550,45 @@
                   </a:spcAft>
                 </a:pPr>
                 <a:r>
-                  <a:rPr lang="en-GB" sz="1600" dirty="0">
-                    <a:solidFill>
-                      <a:schemeClr val="bg1">
-                        <a:lumMod val="50000"/>
-                      </a:schemeClr>
-                    </a:solidFill>
-                    <a:latin typeface="Palatino" pitchFamily="2" charset="77"/>
-                    <a:ea typeface="Palatino" pitchFamily="2" charset="77"/>
-                  </a:rPr>
-                  <a:t>The learning rate for the dual has been manually tuned by choosing </a:t>
+                  <a:rPr lang="en-GB" dirty="0">
+                    <a:solidFill>
+                      <a:schemeClr val="bg1">
+                        <a:lumMod val="50000"/>
+                      </a:schemeClr>
+                    </a:solidFill>
+                    <a:latin typeface="Palatino" pitchFamily="2" charset="77"/>
+                    <a:ea typeface="Palatino" pitchFamily="2" charset="77"/>
+                  </a:rPr>
+                  <a:t>The </a:t>
+                </a:r>
+                <a:r>
+                  <a:rPr lang="en-GB" i="1" dirty="0">
+                    <a:solidFill>
+                      <a:schemeClr val="bg1">
+                        <a:lumMod val="50000"/>
+                      </a:schemeClr>
+                    </a:solidFill>
+                    <a:latin typeface="Palatino" pitchFamily="2" charset="77"/>
+                    <a:ea typeface="Palatino" pitchFamily="2" charset="77"/>
+                  </a:rPr>
+                  <a:t>learning rate </a:t>
+                </a:r>
+                <a:r>
+                  <a:rPr lang="en-GB" dirty="0">
+                    <a:solidFill>
+                      <a:schemeClr val="bg1">
+                        <a:lumMod val="50000"/>
+                      </a:schemeClr>
+                    </a:solidFill>
+                    <a:latin typeface="Palatino" pitchFamily="2" charset="77"/>
+                    <a:ea typeface="Palatino" pitchFamily="2" charset="77"/>
+                  </a:rPr>
+                  <a:t>for the dual has been manually tuned by choosing </a:t>
                 </a:r>
                 <a14:m>
                   <m:oMath xmlns:m="http://schemas.openxmlformats.org/officeDocument/2006/math">
                     <m:r>
-                      <a:rPr lang="en-GB" sz="1600" i="1">
+                      <a:rPr lang="en-GB" i="1">
                         <a:solidFill>
                           <a:schemeClr val="bg1">
                             <a:lumMod val="50000"/>
@@ -15755,7 +16600,7 @@
                       <m:t>𝜂</m:t>
                     </m:r>
                     <m:r>
-                      <a:rPr lang="it-IT" sz="1600" i="1" dirty="0" smtClean="0">
+                      <a:rPr lang="it-IT" i="1" dirty="0" smtClean="0">
                         <a:solidFill>
                           <a:schemeClr val="bg1">
                             <a:lumMod val="50000"/>
@@ -15767,7 +16612,7 @@
                       <m:t>∈</m:t>
                     </m:r>
                     <m:r>
-                      <a:rPr lang="it-IT" sz="1600" b="0" i="1" dirty="0" smtClean="0">
+                      <a:rPr lang="it-IT" b="0" i="1" dirty="0" smtClean="0">
                         <a:solidFill>
                           <a:schemeClr val="bg1">
                             <a:lumMod val="50000"/>
@@ -15781,7 +16626,7 @@
                   </m:oMath>
                 </a14:m>
                 <a:r>
-                  <a:rPr lang="en-GB" sz="1600" dirty="0">
+                  <a:rPr lang="en-GB" dirty="0">
                     <a:solidFill>
                       <a:schemeClr val="bg1">
                         <a:lumMod val="50000"/>
@@ -15802,7 +16647,7 @@
                 <a14:m>
                   <m:oMath xmlns:m="http://schemas.openxmlformats.org/officeDocument/2006/math">
                     <m:r>
-                      <a:rPr lang="en-GB" sz="1200" i="1">
+                      <a:rPr lang="en-GB" sz="1400" i="1">
                         <a:solidFill>
                           <a:schemeClr val="bg1">
                             <a:lumMod val="50000"/>
@@ -15814,7 +16659,7 @@
                       <m:t>𝜂</m:t>
                     </m:r>
                     <m:r>
-                      <a:rPr lang="it-IT" sz="1200" i="1">
+                      <a:rPr lang="it-IT" sz="1400" i="1">
                         <a:solidFill>
                           <a:schemeClr val="bg1">
                             <a:lumMod val="50000"/>
@@ -15828,7 +16673,7 @@
                   </m:oMath>
                 </a14:m>
                 <a:r>
-                  <a:rPr lang="en-GB" sz="1200" dirty="0">
+                  <a:rPr lang="en-GB" sz="1400" dirty="0">
                     <a:solidFill>
                       <a:schemeClr val="bg1">
                         <a:lumMod val="50000"/>
@@ -15839,7 +16684,7 @@
                   </a:rPr>
                   <a:t>0.01 turned out to be the best choice</a:t>
                 </a:r>
-                <a:endParaRPr lang="en-GB" sz="1600" dirty="0">
+                <a:endParaRPr lang="en-GB" dirty="0">
                   <a:latin typeface="Palatino" pitchFamily="2" charset="77"/>
                   <a:ea typeface="Palatino" pitchFamily="2" charset="77"/>
                 </a:endParaRPr>
@@ -15865,21 +16710,33 @@
                   </a:spcAft>
                 </a:pPr>
                 <a:r>
-                  <a:rPr lang="en-GB" sz="1600" dirty="0">
-                    <a:solidFill>
-                      <a:schemeClr val="bg1">
-                        <a:lumMod val="50000"/>
-                      </a:schemeClr>
-                    </a:solidFill>
-                    <a:latin typeface="Palatino" pitchFamily="2" charset="77"/>
-                    <a:ea typeface="Palatino" pitchFamily="2" charset="77"/>
-                  </a:rPr>
-                  <a:t>We – once again – adopted dynamic </a:t>
+                  <a:rPr lang="en-GB" dirty="0">
+                    <a:solidFill>
+                      <a:schemeClr val="bg1">
+                        <a:lumMod val="50000"/>
+                      </a:schemeClr>
+                    </a:solidFill>
+                    <a:latin typeface="Palatino" pitchFamily="2" charset="77"/>
+                    <a:ea typeface="Palatino" pitchFamily="2" charset="77"/>
+                  </a:rPr>
+                  <a:t>We – once again – adopted </a:t>
+                </a:r>
+                <a:r>
+                  <a:rPr lang="en-GB" i="1" dirty="0">
+                    <a:solidFill>
+                      <a:schemeClr val="bg1">
+                        <a:lumMod val="50000"/>
+                      </a:schemeClr>
+                    </a:solidFill>
+                    <a:latin typeface="Palatino" pitchFamily="2" charset="77"/>
+                    <a:ea typeface="Palatino" pitchFamily="2" charset="77"/>
+                  </a:rPr>
+                  <a:t>dynamic </a:t>
                 </a:r>
                 <a14:m>
                   <m:oMath xmlns:m="http://schemas.openxmlformats.org/officeDocument/2006/math">
                     <m:r>
-                      <a:rPr lang="en-GB" sz="1600" i="1">
+                      <a:rPr lang="en-GB" i="1">
                         <a:solidFill>
                           <a:schemeClr val="bg1">
                             <a:lumMod val="50000"/>
@@ -15893,7 +16750,7 @@
                   </m:oMath>
                 </a14:m>
                 <a:r>
-                  <a:rPr lang="en-GB" sz="1600" dirty="0">
+                  <a:rPr lang="en-GB" dirty="0">
                     <a:solidFill>
                       <a:schemeClr val="bg1">
                         <a:lumMod val="50000"/>
@@ -15912,7 +16769,7 @@
                   </a:spcAft>
                 </a:pPr>
                 <a:r>
-                  <a:rPr lang="en-GB" sz="1200" dirty="0">
+                  <a:rPr lang="en-GB" sz="1400" dirty="0">
                     <a:solidFill>
                       <a:schemeClr val="bg1">
                         <a:lumMod val="50000"/>
@@ -15923,7 +16780,7 @@
                   </a:rPr>
                   <a:t>Further discussion about the green plots later on</a:t>
                 </a:r>
-                <a:endParaRPr lang="en-GB" sz="1000" dirty="0">
+                <a:endParaRPr lang="en-GB" sz="1050" dirty="0">
                   <a:solidFill>
                     <a:schemeClr val="bg1">
                       <a:lumMod val="50000"/>
@@ -15944,7 +16801,7 @@
             </p:txBody>
           </p:sp>
         </mc:Choice>
-        <mc:Fallback>
+        <mc:Fallback xmlns="">
           <p:sp>
             <p:nvSpPr>
               <p:cNvPr id="4" name="TextBox 3">
@@ -15962,7 +16819,7 @@
             <p:spPr>
               <a:xfrm>
                 <a:off x="838197" y="2984686"/>
-                <a:ext cx="5655730" cy="3077766"/>
+                <a:ext cx="5655730" cy="3231654"/>
               </a:xfrm>
               <a:prstGeom prst="rect">
                 <a:avLst/>
@@ -15970,7 +16827,7 @@
               <a:blipFill>
                 <a:blip r:embed="rId3"/>
                 <a:stretch>
-                  <a:fillRect l="-1566" t="-1646" r="-895"/>
+                  <a:fillRect l="-1566" t="-1569"/>
                 </a:stretch>
               </a:blipFill>
             </p:spPr>
@@ -15991,10 +16848,10 @@
       </mc:AlternateContent>
       <p:pic>
         <p:nvPicPr>
-          <p:cNvPr id="7" name="Picture 6">
+          <p:cNvPr id="6" name="Picture 5">
             <a:extLst>
               <a:ext uri="{FF2B5EF4-FFF2-40B4-BE49-F238E27FC236}">
-                <a16:creationId xmlns:a16="http://schemas.microsoft.com/office/drawing/2014/main" id="{10995AC0-5D7C-26BE-B838-4EF1EEE8F727}"/>
+                <a16:creationId xmlns:a16="http://schemas.microsoft.com/office/drawing/2014/main" id="{96CAF98F-E4AA-A238-ECDA-391AF03783BF}"/>
               </a:ext>
             </a:extLst>
           </p:cNvPr>
@@ -16011,8 +16868,8 @@
         </p:blipFill>
         <p:spPr>
           <a:xfrm>
-            <a:off x="7171318" y="2984686"/>
-            <a:ext cx="2671251" cy="1446928"/>
+            <a:off x="7209430" y="4573634"/>
+            <a:ext cx="2671252" cy="1446928"/>
           </a:xfrm>
           <a:prstGeom prst="rect">
             <a:avLst/>
@@ -16021,10 +16878,10 @@
       </p:pic>
       <p:pic>
         <p:nvPicPr>
-          <p:cNvPr id="8" name="Picture 7">
+          <p:cNvPr id="9" name="Picture 8">
             <a:extLst>
               <a:ext uri="{FF2B5EF4-FFF2-40B4-BE49-F238E27FC236}">
-                <a16:creationId xmlns:a16="http://schemas.microsoft.com/office/drawing/2014/main" id="{33B11507-D533-7D42-2A51-E067926ECC30}"/>
+                <a16:creationId xmlns:a16="http://schemas.microsoft.com/office/drawing/2014/main" id="{272E3B26-F5BC-39CA-B0EB-0FCB8FBBD104}"/>
               </a:ext>
             </a:extLst>
           </p:cNvPr>
@@ -16041,8 +16898,8 @@
         </p:blipFill>
         <p:spPr>
           <a:xfrm>
-            <a:off x="7171318" y="4514371"/>
-            <a:ext cx="2671252" cy="1446928"/>
+            <a:off x="7246920" y="3111653"/>
+            <a:ext cx="2596271" cy="1411916"/>
           </a:xfrm>
           <a:prstGeom prst="rect">
             <a:avLst/>
@@ -16062,7 +16919,7 @@
 </p:sld>
 </file>
 
-<file path=ppt/slides/slide35.xml><?xml version="1.0" encoding="utf-8"?>
+<file path=ppt/slides/slide36.xml><?xml version="1.0" encoding="utf-8"?>
 <p:sld xmlns:a="http://schemas.openxmlformats.org/drawingml/2006/main" xmlns:r="http://schemas.openxmlformats.org/officeDocument/2006/relationships" xmlns:p="http://schemas.openxmlformats.org/presentationml/2006/main">
   <p:cSld>
     <p:spTree>
@@ -16137,7 +16994,7 @@
             <p:spPr>
               <a:xfrm>
                 <a:off x="838198" y="1668321"/>
-                <a:ext cx="6523301" cy="3048645"/>
+                <a:ext cx="6702289" cy="3048645"/>
               </a:xfrm>
             </p:spPr>
             <p:txBody>
@@ -16183,29 +17040,6 @@
                     <a:latin typeface="Palatino" pitchFamily="2" charset="77"/>
                     <a:ea typeface="Palatino" pitchFamily="2" charset="77"/>
                   </a:rPr>
-                  <a:t>In this setting, gradient descent convergence isn’t guaranteed</a:t>
-                </a:r>
-              </a:p>
-              <a:p>
-                <a:pPr marL="0" indent="0">
-                  <a:spcBef>
-                    <a:spcPts val="0"/>
-                  </a:spcBef>
-                  <a:spcAft>
-                    <a:spcPts val="1200"/>
-                  </a:spcAft>
-                  <a:buNone/>
-                </a:pPr>
-                <a:r>
-                  <a:rPr lang="en-GB" sz="1800" dirty="0">
-                    <a:solidFill>
-                      <a:schemeClr val="bg1">
-                        <a:lumMod val="50000"/>
-                      </a:schemeClr>
-                    </a:solidFill>
-                    <a:latin typeface="Palatino" pitchFamily="2" charset="77"/>
-                    <a:ea typeface="Palatino" pitchFamily="2" charset="77"/>
-                  </a:rPr>
                   <a:t>In general, it is needed to project the Lagrange multiplier </a:t>
                 </a:r>
                 <a14:m>
@@ -16341,7 +17175,7 @@
                     <a:latin typeface="Palatino" pitchFamily="2" charset="77"/>
                     <a:ea typeface="Palatino" pitchFamily="2" charset="77"/>
                   </a:rPr>
-                  <a:t>scaled</a:t>
+                  <a:t>scaled up</a:t>
                 </a:r>
                 <a:r>
                   <a:rPr lang="en-GB" sz="1800" dirty="0">
@@ -16462,53 +17296,6 @@
                   <a:buNone/>
                 </a:pPr>
                 <a:r>
-                  <a:rPr lang="en-IT" sz="1800" dirty="0">
-                    <a:solidFill>
-                      <a:schemeClr val="bg1">
-                        <a:lumMod val="50000"/>
-                      </a:schemeClr>
-                    </a:solidFill>
-                    <a:latin typeface="Palatino" pitchFamily="2" charset="77"/>
-                    <a:ea typeface="Palatino" pitchFamily="2" charset="77"/>
-                  </a:rPr>
-                  <a:t>Although – since reward R greatly exceeds the actual rewards observed by the algorithm – we finally scale it by the </a:t>
-                </a:r>
-                <a:r>
-                  <a:rPr lang="en-IT" sz="1800" i="1" dirty="0">
-                    <a:solidFill>
-                      <a:schemeClr val="bg1">
-                        <a:lumMod val="50000"/>
-                      </a:schemeClr>
-                    </a:solidFill>
-                    <a:latin typeface="Palatino" pitchFamily="2" charset="77"/>
-                    <a:ea typeface="Palatino" pitchFamily="2" charset="77"/>
-                  </a:rPr>
-                  <a:t>expected</a:t>
-                </a:r>
-                <a:r>
-                  <a:rPr lang="en-IT" sz="1800" dirty="0">
-                    <a:solidFill>
-                      <a:schemeClr val="bg1">
-                        <a:lumMod val="50000"/>
-                      </a:schemeClr>
-                    </a:solidFill>
-                    <a:latin typeface="Palatino" pitchFamily="2" charset="77"/>
-                    <a:ea typeface="Palatino" pitchFamily="2" charset="77"/>
-                  </a:rPr>
-                  <a:t> maximum reward R (w.r.t. the initial mean)</a:t>
-                </a:r>
-              </a:p>
-              <a:p>
-                <a:pPr marL="0" indent="0">
-                  <a:spcBef>
-                    <a:spcPts val="0"/>
-                  </a:spcBef>
-                  <a:spcAft>
-                    <a:spcPts val="1200"/>
-                  </a:spcAft>
-                  <a:buNone/>
-                </a:pPr>
-                <a:r>
                   <a:rPr lang="en-IT" sz="1400" dirty="0">
                     <a:solidFill>
                       <a:schemeClr val="bg1">
@@ -16523,7 +17310,7 @@
                 <a14:m>
                   <m:oMath xmlns:m="http://schemas.openxmlformats.org/officeDocument/2006/math">
                     <m:r>
-                      <a:rPr lang="en-IT" sz="1400" i="1" smtClean="0">
+                      <a:rPr lang="en-IT" sz="1400" i="1" dirty="0" smtClean="0">
                         <a:solidFill>
                           <a:schemeClr val="bg1">
                             <a:lumMod val="50000"/>
@@ -16532,7 +17319,19 @@
                         <a:latin typeface="Cambria Math" panose="02040503050406030204" pitchFamily="18" charset="0"/>
                         <a:ea typeface="Cambria Math" panose="02040503050406030204" pitchFamily="18" charset="0"/>
                       </a:rPr>
-                      <m:t>≈</m:t>
+                      <m:t>&lt;</m:t>
+                    </m:r>
+                    <m:r>
+                      <a:rPr lang="it-IT" sz="1400" b="0" i="1" dirty="0" smtClean="0">
+                        <a:solidFill>
+                          <a:schemeClr val="bg1">
+                            <a:lumMod val="50000"/>
+                          </a:schemeClr>
+                        </a:solidFill>
+                        <a:latin typeface="Cambria Math" panose="02040503050406030204" pitchFamily="18" charset="0"/>
+                        <a:ea typeface="Cambria Math" panose="02040503050406030204" pitchFamily="18" charset="0"/>
+                      </a:rPr>
+                      <m:t>1</m:t>
                     </m:r>
                     <m:r>
                       <a:rPr lang="it-IT" sz="1400" b="0" i="1" smtClean="0">
@@ -16544,7 +17343,7 @@
                         <a:latin typeface="Cambria Math" panose="02040503050406030204" pitchFamily="18" charset="0"/>
                         <a:ea typeface="Cambria Math" panose="02040503050406030204" pitchFamily="18" charset="0"/>
                       </a:rPr>
-                      <m:t>15.0</m:t>
+                      <m:t>0</m:t>
                     </m:r>
                   </m:oMath>
                 </a14:m>
@@ -16640,12 +17439,12 @@
             <p:spPr>
               <a:xfrm>
                 <a:off x="838198" y="1668321"/>
-                <a:ext cx="6523301" cy="3048645"/>
+                <a:ext cx="6702289" cy="3048645"/>
               </a:xfrm>
               <a:blipFill>
                 <a:blip r:embed="rId2"/>
                 <a:stretch>
-                  <a:fillRect l="-1359" t="-2905" r="-583" b="-24481"/>
+                  <a:fillRect l="-1323" t="-2905" r="-756"/>
                 </a:stretch>
               </a:blipFill>
             </p:spPr>
@@ -16666,10 +17465,10 @@
       </mc:AlternateContent>
       <p:pic>
         <p:nvPicPr>
-          <p:cNvPr id="6" name="Picture 5">
+          <p:cNvPr id="4" name="Picture 3">
             <a:extLst>
               <a:ext uri="{FF2B5EF4-FFF2-40B4-BE49-F238E27FC236}">
-                <a16:creationId xmlns:a16="http://schemas.microsoft.com/office/drawing/2014/main" id="{A7F5AF7F-D205-846E-1210-6008FA170589}"/>
+                <a16:creationId xmlns:a16="http://schemas.microsoft.com/office/drawing/2014/main" id="{7446252D-868D-1EBD-BBE3-D04C4CABD200}"/>
               </a:ext>
             </a:extLst>
           </p:cNvPr>
@@ -16687,8 +17486,8 @@
         </p:blipFill>
         <p:spPr>
           <a:xfrm>
-            <a:off x="8352600" y="906656"/>
-            <a:ext cx="2710177" cy="2522343"/>
+            <a:off x="8491349" y="1027906"/>
+            <a:ext cx="2441959" cy="2304660"/>
           </a:xfrm>
           <a:prstGeom prst="rect">
             <a:avLst/>
@@ -16697,10 +17496,10 @@
       </p:pic>
       <p:pic>
         <p:nvPicPr>
-          <p:cNvPr id="7" name="Picture 6">
+          <p:cNvPr id="5" name="Picture 4">
             <a:extLst>
               <a:ext uri="{FF2B5EF4-FFF2-40B4-BE49-F238E27FC236}">
-                <a16:creationId xmlns:a16="http://schemas.microsoft.com/office/drawing/2014/main" id="{3FE9560F-C480-AD54-337F-D328787B91B5}"/>
+                <a16:creationId xmlns:a16="http://schemas.microsoft.com/office/drawing/2014/main" id="{F8CC096D-2A5C-0916-25E3-1EBB0CBC9641}"/>
               </a:ext>
             </a:extLst>
           </p:cNvPr>
@@ -16718,8 +17517,8 @@
         </p:blipFill>
         <p:spPr>
           <a:xfrm>
-            <a:off x="8390167" y="3586355"/>
-            <a:ext cx="2672610" cy="2522343"/>
+            <a:off x="8491349" y="3525434"/>
+            <a:ext cx="2461573" cy="2304660"/>
           </a:xfrm>
           <a:prstGeom prst="rect">
             <a:avLst/>
@@ -16739,7 +17538,7 @@
 </p:sld>
 </file>
 
-<file path=ppt/slides/slide36.xml><?xml version="1.0" encoding="utf-8"?>
+<file path=ppt/slides/slide37.xml><?xml version="1.0" encoding="utf-8"?>
 <p:sld xmlns:a="http://schemas.openxmlformats.org/drawingml/2006/main" xmlns:r="http://schemas.openxmlformats.org/officeDocument/2006/relationships" xmlns:p="http://schemas.openxmlformats.org/presentationml/2006/main">
   <p:cSld>
     <p:spTree>
@@ -16858,7 +17657,31 @@
                 <a:latin typeface="Palatino" pitchFamily="2" charset="77"/>
                 <a:ea typeface="Palatino" pitchFamily="2" charset="77"/>
               </a:rPr>
-              <a:t>The algorithm successfully manages the budget until the end</a:t>
+              <a:t>The algorithm </a:t>
+            </a:r>
+            <a:r>
+              <a:rPr lang="en-GB" sz="1600" i="1" dirty="0">
+                <a:solidFill>
+                  <a:schemeClr val="bg1">
+                    <a:lumMod val="50000"/>
+                  </a:schemeClr>
+                </a:solidFill>
+                <a:latin typeface="Palatino" pitchFamily="2" charset="77"/>
+                <a:ea typeface="Palatino" pitchFamily="2" charset="77"/>
+              </a:rPr>
+              <a:t>successfully manages the budget </a:t>
+            </a:r>
+            <a:r>
+              <a:rPr lang="en-GB" sz="1600" dirty="0">
+                <a:solidFill>
+                  <a:schemeClr val="bg1">
+                    <a:lumMod val="50000"/>
+                  </a:schemeClr>
+                </a:solidFill>
+                <a:latin typeface="Palatino" pitchFamily="2" charset="77"/>
+                <a:ea typeface="Palatino" pitchFamily="2" charset="77"/>
+              </a:rPr>
+              <a:t>until the end (red line spikes at the end)</a:t>
             </a:r>
           </a:p>
           <a:p>
@@ -16983,7 +17806,7 @@
             <p:spPr>
               <a:xfrm>
                 <a:off x="838198" y="3585652"/>
-                <a:ext cx="5003007" cy="3139321"/>
+                <a:ext cx="5003007" cy="2492990"/>
               </a:xfrm>
               <a:prstGeom prst="rect">
                 <a:avLst/>
@@ -17025,7 +17848,19 @@
                     <a:latin typeface="Palatino" pitchFamily="2" charset="77"/>
                     <a:ea typeface="Palatino" pitchFamily="2" charset="77"/>
                   </a:rPr>
-                  <a:t>Buyers’ demand and willingness to pay keep rising, causing the algorithm to oversell</a:t>
+                  <a:t>Buyers’ demand and willingness to pay keep rising, causing the algorithm to </a:t>
+                </a:r>
+                <a:r>
+                  <a:rPr lang="en-GB" sz="1600" i="1" dirty="0">
+                    <a:solidFill>
+                      <a:schemeClr val="bg1">
+                        <a:lumMod val="50000"/>
+                      </a:schemeClr>
+                    </a:solidFill>
+                    <a:latin typeface="Palatino" pitchFamily="2" charset="77"/>
+                    <a:ea typeface="Palatino" pitchFamily="2" charset="77"/>
+                  </a:rPr>
+                  <a:t>oversell</a:t>
                 </a:r>
               </a:p>
               <a:p>
@@ -17044,7 +17879,7 @@
                     <a:latin typeface="Palatino" pitchFamily="2" charset="77"/>
                     <a:ea typeface="Palatino" pitchFamily="2" charset="77"/>
                   </a:rPr>
-                  <a:t>Since the budget decreases faster than T increases, as it runs out the dynamic </a:t>
+                  <a:t>The budget decreases faster than how T increases, thus the dynamic </a:t>
                 </a:r>
                 <a14:m>
                   <m:oMath xmlns:m="http://schemas.openxmlformats.org/officeDocument/2006/math">
@@ -17084,27 +17919,29 @@
                     <a:latin typeface="Palatino" pitchFamily="2" charset="77"/>
                     <a:ea typeface="Palatino" pitchFamily="2" charset="77"/>
                   </a:rPr>
-                  <a:t>drops, and lambda spikes accordingly</a:t>
-                </a:r>
-              </a:p>
-              <a:p>
-                <a:pPr>
-                  <a:spcAft>
-                    <a:spcPts val="1200"/>
-                  </a:spcAft>
-                </a:pPr>
-                <a:r>
-                  <a:rPr lang="en-GB" sz="1600" dirty="0">
-                    <a:solidFill>
-                      <a:schemeClr val="bg1">
-                        <a:lumMod val="50000"/>
-                      </a:schemeClr>
-                    </a:solidFill>
-                    <a:latin typeface="Palatino" pitchFamily="2" charset="77"/>
-                    <a:ea typeface="Palatino" pitchFamily="2" charset="77"/>
-                  </a:rPr>
-                  <a:t>The algorithm soon runs out of budget</a:t>
-                </a:r>
+                  <a:t>drops and </a:t>
+                </a:r>
+                <a:r>
+                  <a:rPr lang="en-GB" sz="1600" i="1" dirty="0">
+                    <a:solidFill>
+                      <a:schemeClr val="bg1">
+                        <a:lumMod val="50000"/>
+                      </a:schemeClr>
+                    </a:solidFill>
+                    <a:latin typeface="Palatino" pitchFamily="2" charset="77"/>
+                    <a:ea typeface="Palatino" pitchFamily="2" charset="77"/>
+                  </a:rPr>
+                  <a:t>lambda spikes</a:t>
+                </a:r>
+                <a:endParaRPr lang="en-GB" sz="1600" dirty="0">
+                  <a:solidFill>
+                    <a:schemeClr val="bg1">
+                      <a:lumMod val="50000"/>
+                    </a:schemeClr>
+                  </a:solidFill>
+                  <a:latin typeface="Palatino" pitchFamily="2" charset="77"/>
+                  <a:ea typeface="Palatino" pitchFamily="2" charset="77"/>
+                </a:endParaRPr>
               </a:p>
               <a:p>
                 <a:pPr>
@@ -17158,15 +17995,15 @@
             <p:spPr>
               <a:xfrm>
                 <a:off x="838198" y="3585652"/>
-                <a:ext cx="5003007" cy="3139321"/>
+                <a:ext cx="5003007" cy="2492990"/>
               </a:xfrm>
               <a:prstGeom prst="rect">
                 <a:avLst/>
               </a:prstGeom>
               <a:blipFill>
-                <a:blip r:embed="rId6"/>
+                <a:blip r:embed="rId2"/>
                 <a:stretch>
-                  <a:fillRect l="-1772" t="-1613"/>
+                  <a:fillRect l="-1772" t="-2030"/>
                 </a:stretch>
               </a:blipFill>
             </p:spPr>
@@ -17187,10 +18024,10 @@
       </mc:AlternateContent>
       <p:pic>
         <p:nvPicPr>
-          <p:cNvPr id="8" name="Picture 7">
+          <p:cNvPr id="5" name="Picture 4">
             <a:extLst>
               <a:ext uri="{FF2B5EF4-FFF2-40B4-BE49-F238E27FC236}">
-                <a16:creationId xmlns:a16="http://schemas.microsoft.com/office/drawing/2014/main" id="{EF19DF67-F511-86DA-799F-C2F5B11F19D4}"/>
+                <a16:creationId xmlns:a16="http://schemas.microsoft.com/office/drawing/2014/main" id="{EC902C71-E852-92AE-FCB7-2F7FFAEEAE81}"/>
               </a:ext>
             </a:extLst>
           </p:cNvPr>
@@ -17200,7 +18037,7 @@
           <p:nvPr/>
         </p:nvPicPr>
         <p:blipFill>
-          <a:blip r:embed="rId7"/>
+          <a:blip r:embed="rId3"/>
           <a:srcRect r="50000"/>
           <a:stretch>
             <a:fillRect/>
@@ -17208,8 +18045,8 @@
         </p:blipFill>
         <p:spPr>
           <a:xfrm>
-            <a:off x="6329885" y="1366454"/>
-            <a:ext cx="2216140" cy="2062546"/>
+            <a:off x="6345243" y="1214608"/>
+            <a:ext cx="2185422" cy="2062547"/>
           </a:xfrm>
           <a:prstGeom prst="rect">
             <a:avLst/>
@@ -17218,10 +18055,10 @@
       </p:pic>
       <p:pic>
         <p:nvPicPr>
-          <p:cNvPr id="10" name="Picture 9">
+          <p:cNvPr id="6" name="Picture 5">
             <a:extLst>
               <a:ext uri="{FF2B5EF4-FFF2-40B4-BE49-F238E27FC236}">
-                <a16:creationId xmlns:a16="http://schemas.microsoft.com/office/drawing/2014/main" id="{18D918FD-A7E7-73DE-C5F9-ECFCFF5BED79}"/>
+                <a16:creationId xmlns:a16="http://schemas.microsoft.com/office/drawing/2014/main" id="{E93F1616-8F6A-7C13-3ADE-1AE3248FA109}"/>
               </a:ext>
             </a:extLst>
           </p:cNvPr>
@@ -17231,15 +18068,16 @@
           <p:nvPr/>
         </p:nvPicPr>
         <p:blipFill>
-          <a:blip r:embed="rId8"/>
+          <a:blip r:embed="rId4"/>
+          <a:srcRect r="50000"/>
           <a:stretch>
             <a:fillRect/>
           </a:stretch>
         </p:blipFill>
         <p:spPr>
           <a:xfrm>
-            <a:off x="8614287" y="1914706"/>
-            <a:ext cx="2671251" cy="1446928"/>
+            <a:off x="6327689" y="4126638"/>
+            <a:ext cx="2202976" cy="2062547"/>
           </a:xfrm>
           <a:prstGeom prst="rect">
             <a:avLst/>
@@ -17248,10 +18086,10 @@
       </p:pic>
       <p:pic>
         <p:nvPicPr>
-          <p:cNvPr id="11" name="Picture 10">
+          <p:cNvPr id="7" name="Picture 6">
             <a:extLst>
               <a:ext uri="{FF2B5EF4-FFF2-40B4-BE49-F238E27FC236}">
-                <a16:creationId xmlns:a16="http://schemas.microsoft.com/office/drawing/2014/main" id="{23EB222F-95EE-E6EA-159E-2BC195557241}"/>
+                <a16:creationId xmlns:a16="http://schemas.microsoft.com/office/drawing/2014/main" id="{E2FA3B98-57F0-6DB0-E39C-AE21A8B0055E}"/>
               </a:ext>
             </a:extLst>
           </p:cNvPr>
@@ -17261,16 +18099,15 @@
           <p:nvPr/>
         </p:nvPicPr>
         <p:blipFill>
-          <a:blip r:embed="rId9"/>
-          <a:srcRect r="50000"/>
+          <a:blip r:embed="rId5"/>
           <a:stretch>
             <a:fillRect/>
           </a:stretch>
         </p:blipFill>
         <p:spPr>
           <a:xfrm>
-            <a:off x="6345244" y="4124039"/>
-            <a:ext cx="2185421" cy="2062546"/>
+            <a:off x="8614285" y="4742256"/>
+            <a:ext cx="2671253" cy="1446929"/>
           </a:xfrm>
           <a:prstGeom prst="rect">
             <a:avLst/>
@@ -17279,10 +18116,10 @@
       </p:pic>
       <p:pic>
         <p:nvPicPr>
-          <p:cNvPr id="12" name="Picture 11">
+          <p:cNvPr id="13" name="Picture 12">
             <a:extLst>
               <a:ext uri="{FF2B5EF4-FFF2-40B4-BE49-F238E27FC236}">
-                <a16:creationId xmlns:a16="http://schemas.microsoft.com/office/drawing/2014/main" id="{41468BB2-22F5-0AF5-B29B-53E31262A7D5}"/>
+                <a16:creationId xmlns:a16="http://schemas.microsoft.com/office/drawing/2014/main" id="{045A82D1-6CCE-C539-56CC-3D32695BAAA6}"/>
               </a:ext>
             </a:extLst>
           </p:cNvPr>
@@ -17292,15 +18129,15 @@
           <p:nvPr/>
         </p:nvPicPr>
         <p:blipFill>
-          <a:blip r:embed="rId10"/>
+          <a:blip r:embed="rId6"/>
           <a:stretch>
             <a:fillRect/>
           </a:stretch>
         </p:blipFill>
         <p:spPr>
           <a:xfrm>
-            <a:off x="8614286" y="4739657"/>
-            <a:ext cx="2671252" cy="1446928"/>
+            <a:off x="8614285" y="1824462"/>
+            <a:ext cx="2671253" cy="1452693"/>
           </a:xfrm>
           <a:prstGeom prst="rect">
             <a:avLst/>
@@ -17320,7 +18157,7 @@
 </p:sld>
 </file>
 
-<file path=ppt/slides/slide37.xml><?xml version="1.0" encoding="utf-8"?>
+<file path=ppt/slides/slide38.xml><?xml version="1.0" encoding="utf-8"?>
 <p:sld xmlns:a="http://schemas.openxmlformats.org/drawingml/2006/main" xmlns:r="http://schemas.openxmlformats.org/officeDocument/2006/relationships" xmlns:p="http://schemas.openxmlformats.org/presentationml/2006/main">
   <p:cSld>
     <p:spTree>
@@ -17706,7 +18543,19 @@
                 <a:latin typeface="Palatino" pitchFamily="2" charset="77"/>
                 <a:ea typeface="Palatino" pitchFamily="2" charset="77"/>
               </a:rPr>
-              <a:t>On the other hand, both the two other baselines lose to our algorithm</a:t>
+              <a:t>On the other hand, </a:t>
+            </a:r>
+            <a:r>
+              <a:rPr lang="en-GB" sz="1600" i="1" dirty="0">
+                <a:solidFill>
+                  <a:schemeClr val="bg1">
+                    <a:lumMod val="50000"/>
+                  </a:schemeClr>
+                </a:solidFill>
+                <a:latin typeface="Palatino" pitchFamily="2" charset="77"/>
+                <a:ea typeface="Palatino" pitchFamily="2" charset="77"/>
+              </a:rPr>
+              <a:t>both the two other baselines lose to our algorithm</a:t>
             </a:r>
           </a:p>
           <a:p>
@@ -17716,10 +18565,10 @@
       </p:sp>
       <p:pic>
         <p:nvPicPr>
-          <p:cNvPr id="4" name="Picture 3">
+          <p:cNvPr id="9" name="Picture 8">
             <a:extLst>
               <a:ext uri="{FF2B5EF4-FFF2-40B4-BE49-F238E27FC236}">
-                <a16:creationId xmlns:a16="http://schemas.microsoft.com/office/drawing/2014/main" id="{8330D335-1E20-3AAA-281B-D3EB241276A3}"/>
+                <a16:creationId xmlns:a16="http://schemas.microsoft.com/office/drawing/2014/main" id="{EC3B9F36-05C5-C99E-254E-F086055B1151}"/>
               </a:ext>
             </a:extLst>
           </p:cNvPr>
@@ -17730,15 +18579,15 @@
         </p:nvPicPr>
         <p:blipFill>
           <a:blip r:embed="rId2"/>
-          <a:srcRect r="65941"/>
+          <a:srcRect r="65516"/>
           <a:stretch>
             <a:fillRect/>
           </a:stretch>
         </p:blipFill>
         <p:spPr>
           <a:xfrm>
-            <a:off x="6806525" y="3742236"/>
-            <a:ext cx="1972590" cy="1831821"/>
+            <a:off x="6877878" y="3566518"/>
+            <a:ext cx="2382513" cy="2185214"/>
           </a:xfrm>
           <a:prstGeom prst="rect">
             <a:avLst/>
@@ -17747,10 +18596,10 @@
       </p:pic>
       <p:pic>
         <p:nvPicPr>
-          <p:cNvPr id="5" name="Picture 4">
+          <p:cNvPr id="10" name="Picture 9">
             <a:extLst>
               <a:ext uri="{FF2B5EF4-FFF2-40B4-BE49-F238E27FC236}">
-                <a16:creationId xmlns:a16="http://schemas.microsoft.com/office/drawing/2014/main" id="{9938304B-1BC8-DE75-B1BA-CF268DEF95B2}"/>
+                <a16:creationId xmlns:a16="http://schemas.microsoft.com/office/drawing/2014/main" id="{DD2876A2-8CA1-BC65-3A24-5E55821C1C35}"/>
               </a:ext>
             </a:extLst>
           </p:cNvPr>
@@ -17761,15 +18610,15 @@
         </p:nvPicPr>
         <p:blipFill>
           <a:blip r:embed="rId2"/>
-          <a:srcRect l="37115" r="32939"/>
+          <a:srcRect l="36700" r="31858"/>
           <a:stretch>
             <a:fillRect/>
           </a:stretch>
         </p:blipFill>
         <p:spPr>
           <a:xfrm>
-            <a:off x="8779115" y="2826325"/>
-            <a:ext cx="1734405" cy="1831821"/>
+            <a:off x="9180409" y="2921643"/>
+            <a:ext cx="1859820" cy="1870812"/>
           </a:xfrm>
           <a:prstGeom prst="rect">
             <a:avLst/>
@@ -17778,10 +18627,10 @@
       </p:pic>
       <p:pic>
         <p:nvPicPr>
-          <p:cNvPr id="6" name="Picture 5">
+          <p:cNvPr id="11" name="Picture 10">
             <a:extLst>
               <a:ext uri="{FF2B5EF4-FFF2-40B4-BE49-F238E27FC236}">
-                <a16:creationId xmlns:a16="http://schemas.microsoft.com/office/drawing/2014/main" id="{AF8F2C96-B97F-43D2-8838-8B1347C6679D}"/>
+                <a16:creationId xmlns:a16="http://schemas.microsoft.com/office/drawing/2014/main" id="{354355C4-4208-C6DB-30B5-ED091BCAEDA7}"/>
               </a:ext>
             </a:extLst>
           </p:cNvPr>
@@ -17792,15 +18641,15 @@
         </p:nvPicPr>
         <p:blipFill>
           <a:blip r:embed="rId2"/>
-          <a:srcRect l="70053"/>
+          <a:srcRect l="70360"/>
           <a:stretch>
             <a:fillRect/>
           </a:stretch>
         </p:blipFill>
         <p:spPr>
           <a:xfrm>
-            <a:off x="8779115" y="4553883"/>
-            <a:ext cx="1734406" cy="1831821"/>
+            <a:off x="9235882" y="4689784"/>
+            <a:ext cx="1804347" cy="1925399"/>
           </a:xfrm>
           <a:prstGeom prst="rect">
             <a:avLst/>
@@ -17820,7 +18669,7 @@
 </p:sld>
 </file>
 
-<file path=ppt/slides/slide38.xml><?xml version="1.0" encoding="utf-8"?>
+<file path=ppt/slides/slide39.xml><?xml version="1.0" encoding="utf-8"?>
 <p:sld xmlns:a="http://schemas.openxmlformats.org/drawingml/2006/main" xmlns:r="http://schemas.openxmlformats.org/officeDocument/2006/relationships" xmlns:p="http://schemas.openxmlformats.org/presentationml/2006/main">
   <p:cSld>
     <p:spTree>
@@ -17930,29 +18779,6 @@
               <a:buNone/>
             </a:pPr>
             <a:r>
-              <a:rPr lang="en-GB" sz="1600" dirty="0">
-                <a:solidFill>
-                  <a:schemeClr val="bg1">
-                    <a:lumMod val="50000"/>
-                  </a:schemeClr>
-                </a:solidFill>
-                <a:latin typeface="Palatino" pitchFamily="2" charset="77"/>
-                <a:ea typeface="Palatino" pitchFamily="2" charset="77"/>
-              </a:rPr>
-              <a:t>Defining a smart baseline for highly non-stationary environments was challenging – here we propose three:</a:t>
-            </a:r>
-          </a:p>
-          <a:p>
-            <a:pPr marL="0" indent="0">
-              <a:spcBef>
-                <a:spcPts val="0"/>
-              </a:spcBef>
-              <a:spcAft>
-                <a:spcPts val="1200"/>
-              </a:spcAft>
-              <a:buNone/>
-            </a:pPr>
-            <a:r>
               <a:rPr lang="en-GB" sz="1600" i="1" dirty="0">
                 <a:latin typeface="Palatino" pitchFamily="2" charset="77"/>
                 <a:ea typeface="Palatino" pitchFamily="2" charset="77"/>
@@ -18133,7 +18959,7 @@
         </p:nvSpPr>
         <p:spPr>
           <a:xfrm>
-            <a:off x="838200" y="4553883"/>
+            <a:off x="838200" y="4312514"/>
             <a:ext cx="5509591" cy="1754326"/>
           </a:xfrm>
           <a:prstGeom prst="rect">
@@ -18176,7 +19002,31 @@
                 <a:latin typeface="Palatino" pitchFamily="2" charset="77"/>
                 <a:ea typeface="Palatino" pitchFamily="2" charset="77"/>
               </a:rPr>
-              <a:t>Despite the bad behaviour – due to the impossibility of learning – the regret in this case is somehow even better!</a:t>
+              <a:t>Despite the bad behaviour – due to the impossibility of learning – the regret in this case is somehow </a:t>
+            </a:r>
+            <a:r>
+              <a:rPr lang="en-GB" sz="1600" i="1" dirty="0">
+                <a:solidFill>
+                  <a:schemeClr val="bg1">
+                    <a:lumMod val="50000"/>
+                  </a:schemeClr>
+                </a:solidFill>
+                <a:latin typeface="Palatino" pitchFamily="2" charset="77"/>
+                <a:ea typeface="Palatino" pitchFamily="2" charset="77"/>
+              </a:rPr>
+              <a:t>even better</a:t>
+            </a:r>
+            <a:r>
+              <a:rPr lang="en-GB" sz="1600" dirty="0">
+                <a:solidFill>
+                  <a:schemeClr val="bg1">
+                    <a:lumMod val="50000"/>
+                  </a:schemeClr>
+                </a:solidFill>
+                <a:latin typeface="Palatino" pitchFamily="2" charset="77"/>
+                <a:ea typeface="Palatino" pitchFamily="2" charset="77"/>
+              </a:rPr>
+              <a:t>!</a:t>
             </a:r>
           </a:p>
           <a:p>
@@ -18202,10 +19052,10 @@
       </p:sp>
       <p:pic>
         <p:nvPicPr>
-          <p:cNvPr id="8" name="Picture 7">
+          <p:cNvPr id="4" name="Picture 3">
             <a:extLst>
               <a:ext uri="{FF2B5EF4-FFF2-40B4-BE49-F238E27FC236}">
-                <a16:creationId xmlns:a16="http://schemas.microsoft.com/office/drawing/2014/main" id="{E06E6F98-DD23-6D50-F476-A69D0A97E5EF}"/>
+                <a16:creationId xmlns:a16="http://schemas.microsoft.com/office/drawing/2014/main" id="{1501224F-13CA-C519-F914-6BE9CD81BB62}"/>
               </a:ext>
             </a:extLst>
           </p:cNvPr>
@@ -18216,15 +19066,15 @@
         </p:nvPicPr>
         <p:blipFill>
           <a:blip r:embed="rId2"/>
-          <a:srcRect r="66247"/>
+          <a:srcRect r="66198"/>
           <a:stretch>
             <a:fillRect/>
           </a:stretch>
         </p:blipFill>
         <p:spPr>
           <a:xfrm>
-            <a:off x="6819582" y="3733402"/>
-            <a:ext cx="1934469" cy="1812683"/>
+            <a:off x="6831778" y="2993886"/>
+            <a:ext cx="2341271" cy="2190714"/>
           </a:xfrm>
           <a:prstGeom prst="rect">
             <a:avLst/>
@@ -18233,10 +19083,10 @@
       </p:pic>
       <p:pic>
         <p:nvPicPr>
-          <p:cNvPr id="9" name="Picture 8">
+          <p:cNvPr id="5" name="Picture 4">
             <a:extLst>
               <a:ext uri="{FF2B5EF4-FFF2-40B4-BE49-F238E27FC236}">
-                <a16:creationId xmlns:a16="http://schemas.microsoft.com/office/drawing/2014/main" id="{3BC73E9E-9406-A96F-1BFD-9709FC9E2935}"/>
+                <a16:creationId xmlns:a16="http://schemas.microsoft.com/office/drawing/2014/main" id="{50618980-5DDE-8219-6F13-170744A9ADF4}"/>
               </a:ext>
             </a:extLst>
           </p:cNvPr>
@@ -18247,15 +19097,15 @@
         </p:nvPicPr>
         <p:blipFill>
           <a:blip r:embed="rId2"/>
-          <a:srcRect l="37114" t="-3976" r="32633" b="3976"/>
+          <a:srcRect l="36871" r="32267"/>
           <a:stretch>
             <a:fillRect/>
           </a:stretch>
         </p:blipFill>
         <p:spPr>
           <a:xfrm>
-            <a:off x="8774987" y="2764252"/>
-            <a:ext cx="1733798" cy="1812683"/>
+            <a:off x="9173049" y="2339234"/>
+            <a:ext cx="1790129" cy="1834648"/>
           </a:xfrm>
           <a:prstGeom prst="rect">
             <a:avLst/>
@@ -18264,10 +19114,10 @@
       </p:pic>
       <p:pic>
         <p:nvPicPr>
-          <p:cNvPr id="10" name="Picture 9">
+          <p:cNvPr id="6" name="Picture 5">
             <a:extLst>
               <a:ext uri="{FF2B5EF4-FFF2-40B4-BE49-F238E27FC236}">
-                <a16:creationId xmlns:a16="http://schemas.microsoft.com/office/drawing/2014/main" id="{15A674D7-EFF1-0967-D1F0-D222FE974A21}"/>
+                <a16:creationId xmlns:a16="http://schemas.microsoft.com/office/drawing/2014/main" id="{2F64EA8D-F4FD-5BBF-F1AE-BC04830935AF}"/>
               </a:ext>
             </a:extLst>
           </p:cNvPr>
@@ -18278,15 +19128,15 @@
         </p:nvPicPr>
         <p:blipFill>
           <a:blip r:embed="rId2"/>
-          <a:srcRect l="69748" t="-4146" b="-468"/>
+          <a:srcRect l="70801"/>
           <a:stretch>
             <a:fillRect/>
           </a:stretch>
         </p:blipFill>
         <p:spPr>
           <a:xfrm>
-            <a:off x="8767303" y="4467633"/>
-            <a:ext cx="1733798" cy="1896337"/>
+            <a:off x="9208025" y="4082174"/>
+            <a:ext cx="1766925" cy="1913970"/>
           </a:xfrm>
           <a:prstGeom prst="rect">
             <a:avLst/>
@@ -18297,114 +19147,6 @@
     <p:extLst>
       <p:ext uri="{BB962C8B-B14F-4D97-AF65-F5344CB8AC3E}">
         <p14:creationId xmlns:p14="http://schemas.microsoft.com/office/powerpoint/2010/main" val="1796556597"/>
-      </p:ext>
-    </p:extLst>
-  </p:cSld>
-  <p:clrMapOvr>
-    <a:masterClrMapping/>
-  </p:clrMapOvr>
-</p:sld>
-</file>
-
-<file path=ppt/slides/slide39.xml><?xml version="1.0" encoding="utf-8"?>
-<p:sld xmlns:a="http://schemas.openxmlformats.org/drawingml/2006/main" xmlns:r="http://schemas.openxmlformats.org/officeDocument/2006/relationships" xmlns:p="http://schemas.openxmlformats.org/presentationml/2006/main">
-  <p:cSld>
-    <p:spTree>
-      <p:nvGrpSpPr>
-        <p:cNvPr id="1" name="">
-          <a:extLst>
-            <a:ext uri="{FF2B5EF4-FFF2-40B4-BE49-F238E27FC236}">
-              <a16:creationId xmlns:a16="http://schemas.microsoft.com/office/drawing/2014/main" id="{6901A1E1-39E0-129A-0145-3F842377FC66}"/>
-            </a:ext>
-          </a:extLst>
-        </p:cNvPr>
-        <p:cNvGrpSpPr/>
-        <p:nvPr/>
-      </p:nvGrpSpPr>
-      <p:grpSpPr>
-        <a:xfrm>
-          <a:off x="0" y="0"/>
-          <a:ext cx="0" cy="0"/>
-          <a:chOff x="0" y="0"/>
-          <a:chExt cx="0" cy="0"/>
-        </a:xfrm>
-      </p:grpSpPr>
-      <p:sp>
-        <p:nvSpPr>
-          <p:cNvPr id="2" name="Title 1">
-            <a:extLst>
-              <a:ext uri="{FF2B5EF4-FFF2-40B4-BE49-F238E27FC236}">
-                <a16:creationId xmlns:a16="http://schemas.microsoft.com/office/drawing/2014/main" id="{BF01F6DE-7676-55B1-C68B-CE0411439979}"/>
-              </a:ext>
-            </a:extLst>
-          </p:cNvPr>
-          <p:cNvSpPr>
-            <a:spLocks noGrp="1"/>
-          </p:cNvSpPr>
-          <p:nvPr>
-            <p:ph type="title"/>
-          </p:nvPr>
-        </p:nvSpPr>
-        <p:spPr/>
-        <p:txBody>
-          <a:bodyPr/>
-          <a:lstStyle/>
-          <a:p>
-            <a:r>
-              <a:rPr lang="en-IT" dirty="0">
-                <a:latin typeface="Palatino" pitchFamily="2" charset="77"/>
-                <a:ea typeface="Palatino" pitchFamily="2" charset="77"/>
-              </a:rPr>
-              <a:t>Requirement 4</a:t>
-            </a:r>
-          </a:p>
-        </p:txBody>
-      </p:sp>
-      <p:sp>
-        <p:nvSpPr>
-          <p:cNvPr id="3" name="Text Placeholder 2">
-            <a:extLst>
-              <a:ext uri="{FF2B5EF4-FFF2-40B4-BE49-F238E27FC236}">
-                <a16:creationId xmlns:a16="http://schemas.microsoft.com/office/drawing/2014/main" id="{F1DB6867-AA27-6EBE-5B18-42FE3696B733}"/>
-              </a:ext>
-            </a:extLst>
-          </p:cNvPr>
-          <p:cNvSpPr>
-            <a:spLocks noGrp="1"/>
-          </p:cNvSpPr>
-          <p:nvPr>
-            <p:ph type="body" idx="1"/>
-          </p:nvPr>
-        </p:nvSpPr>
-        <p:spPr>
-          <a:xfrm>
-            <a:off x="831850" y="4799670"/>
-            <a:ext cx="10515600" cy="1500187"/>
-          </a:xfrm>
-        </p:spPr>
-        <p:txBody>
-          <a:bodyPr/>
-          <a:lstStyle/>
-          <a:p>
-            <a:r>
-              <a:rPr lang="en-IT" dirty="0">
-                <a:solidFill>
-                  <a:schemeClr val="bg1">
-                    <a:lumMod val="50000"/>
-                  </a:schemeClr>
-                </a:solidFill>
-                <a:latin typeface="Palatino" pitchFamily="2" charset="77"/>
-                <a:ea typeface="Palatino" pitchFamily="2" charset="77"/>
-              </a:rPr>
-              <a:t>Multiple product with highly non-stationary environment</a:t>
-            </a:r>
-          </a:p>
-        </p:txBody>
-      </p:sp>
-    </p:spTree>
-    <p:extLst>
-      <p:ext uri="{BB962C8B-B14F-4D97-AF65-F5344CB8AC3E}">
-        <p14:creationId xmlns:p14="http://schemas.microsoft.com/office/powerpoint/2010/main" val="3134238735"/>
       </p:ext>
     </p:extLst>
   </p:cSld>
@@ -18508,6 +19250,3999 @@
     <p:extLst>
       <p:ext uri="{BB962C8B-B14F-4D97-AF65-F5344CB8AC3E}">
         <p14:creationId xmlns:p14="http://schemas.microsoft.com/office/powerpoint/2010/main" val="1977105820"/>
+      </p:ext>
+    </p:extLst>
+  </p:cSld>
+  <p:clrMapOvr>
+    <a:masterClrMapping/>
+  </p:clrMapOvr>
+</p:sld>
+</file>
+
+<file path=ppt/slides/slide40.xml><?xml version="1.0" encoding="utf-8"?>
+<p:sld xmlns:a="http://schemas.openxmlformats.org/drawingml/2006/main" xmlns:r="http://schemas.openxmlformats.org/officeDocument/2006/relationships" xmlns:p="http://schemas.openxmlformats.org/presentationml/2006/main">
+  <p:cSld>
+    <p:spTree>
+      <p:nvGrpSpPr>
+        <p:cNvPr id="1" name="">
+          <a:extLst>
+            <a:ext uri="{FF2B5EF4-FFF2-40B4-BE49-F238E27FC236}">
+              <a16:creationId xmlns:a16="http://schemas.microsoft.com/office/drawing/2014/main" id="{6901A1E1-39E0-129A-0145-3F842377FC66}"/>
+            </a:ext>
+          </a:extLst>
+        </p:cNvPr>
+        <p:cNvGrpSpPr/>
+        <p:nvPr/>
+      </p:nvGrpSpPr>
+      <p:grpSpPr>
+        <a:xfrm>
+          <a:off x="0" y="0"/>
+          <a:ext cx="0" cy="0"/>
+          <a:chOff x="0" y="0"/>
+          <a:chExt cx="0" cy="0"/>
+        </a:xfrm>
+      </p:grpSpPr>
+      <p:sp>
+        <p:nvSpPr>
+          <p:cNvPr id="2" name="Title 1">
+            <a:extLst>
+              <a:ext uri="{FF2B5EF4-FFF2-40B4-BE49-F238E27FC236}">
+                <a16:creationId xmlns:a16="http://schemas.microsoft.com/office/drawing/2014/main" id="{BF01F6DE-7676-55B1-C68B-CE0411439979}"/>
+              </a:ext>
+            </a:extLst>
+          </p:cNvPr>
+          <p:cNvSpPr>
+            <a:spLocks noGrp="1"/>
+          </p:cNvSpPr>
+          <p:nvPr>
+            <p:ph type="title"/>
+          </p:nvPr>
+        </p:nvSpPr>
+        <p:spPr/>
+        <p:txBody>
+          <a:bodyPr/>
+          <a:lstStyle/>
+          <a:p>
+            <a:r>
+              <a:rPr lang="en-IT" dirty="0">
+                <a:latin typeface="Palatino" pitchFamily="2" charset="77"/>
+                <a:ea typeface="Palatino" pitchFamily="2" charset="77"/>
+              </a:rPr>
+              <a:t>Requirement 4</a:t>
+            </a:r>
+          </a:p>
+        </p:txBody>
+      </p:sp>
+      <p:sp>
+        <p:nvSpPr>
+          <p:cNvPr id="3" name="Text Placeholder 2">
+            <a:extLst>
+              <a:ext uri="{FF2B5EF4-FFF2-40B4-BE49-F238E27FC236}">
+                <a16:creationId xmlns:a16="http://schemas.microsoft.com/office/drawing/2014/main" id="{F1DB6867-AA27-6EBE-5B18-42FE3696B733}"/>
+              </a:ext>
+            </a:extLst>
+          </p:cNvPr>
+          <p:cNvSpPr>
+            <a:spLocks noGrp="1"/>
+          </p:cNvSpPr>
+          <p:nvPr>
+            <p:ph type="body" idx="1"/>
+          </p:nvPr>
+        </p:nvSpPr>
+        <p:spPr>
+          <a:xfrm>
+            <a:off x="831850" y="4799670"/>
+            <a:ext cx="10515600" cy="1500187"/>
+          </a:xfrm>
+        </p:spPr>
+        <p:txBody>
+          <a:bodyPr/>
+          <a:lstStyle/>
+          <a:p>
+            <a:r>
+              <a:rPr lang="en-IT" dirty="0">
+                <a:solidFill>
+                  <a:schemeClr val="bg1">
+                    <a:lumMod val="50000"/>
+                  </a:schemeClr>
+                </a:solidFill>
+                <a:latin typeface="Palatino" pitchFamily="2" charset="77"/>
+                <a:ea typeface="Palatino" pitchFamily="2" charset="77"/>
+              </a:rPr>
+              <a:t>Multiple product with highly non-stationary environment</a:t>
+            </a:r>
+          </a:p>
+        </p:txBody>
+      </p:sp>
+    </p:spTree>
+    <p:extLst>
+      <p:ext uri="{BB962C8B-B14F-4D97-AF65-F5344CB8AC3E}">
+        <p14:creationId xmlns:p14="http://schemas.microsoft.com/office/powerpoint/2010/main" val="3134238735"/>
+      </p:ext>
+    </p:extLst>
+  </p:cSld>
+  <p:clrMapOvr>
+    <a:masterClrMapping/>
+  </p:clrMapOvr>
+</p:sld>
+</file>
+
+<file path=ppt/slides/slide41.xml><?xml version="1.0" encoding="utf-8"?>
+<p:sld xmlns:a="http://schemas.openxmlformats.org/drawingml/2006/main" xmlns:r="http://schemas.openxmlformats.org/officeDocument/2006/relationships" xmlns:p="http://schemas.openxmlformats.org/presentationml/2006/main">
+  <p:cSld>
+    <p:spTree>
+      <p:nvGrpSpPr>
+        <p:cNvPr id="1" name="">
+          <a:extLst>
+            <a:ext uri="{FF2B5EF4-FFF2-40B4-BE49-F238E27FC236}">
+              <a16:creationId xmlns:a16="http://schemas.microsoft.com/office/drawing/2014/main" id="{39B178C7-0F51-5E7B-B370-F6C2B12368E9}"/>
+            </a:ext>
+          </a:extLst>
+        </p:cNvPr>
+        <p:cNvGrpSpPr/>
+        <p:nvPr/>
+      </p:nvGrpSpPr>
+      <p:grpSpPr>
+        <a:xfrm>
+          <a:off x="0" y="0"/>
+          <a:ext cx="0" cy="0"/>
+          <a:chOff x="0" y="0"/>
+          <a:chExt cx="0" cy="0"/>
+        </a:xfrm>
+      </p:grpSpPr>
+      <p:sp>
+        <p:nvSpPr>
+          <p:cNvPr id="2" name="Title 1">
+            <a:extLst>
+              <a:ext uri="{FF2B5EF4-FFF2-40B4-BE49-F238E27FC236}">
+                <a16:creationId xmlns:a16="http://schemas.microsoft.com/office/drawing/2014/main" id="{B6EFB20B-AA1B-638F-DAE4-AB8EFFB023A8}"/>
+              </a:ext>
+            </a:extLst>
+          </p:cNvPr>
+          <p:cNvSpPr>
+            <a:spLocks noGrp="1"/>
+          </p:cNvSpPr>
+          <p:nvPr>
+            <p:ph type="title"/>
+          </p:nvPr>
+        </p:nvSpPr>
+        <p:spPr/>
+        <p:txBody>
+          <a:bodyPr/>
+          <a:lstStyle/>
+          <a:p>
+            <a:r>
+              <a:rPr lang="en-IT" dirty="0">
+                <a:latin typeface="Palatino" pitchFamily="2" charset="77"/>
+                <a:ea typeface="Palatino" pitchFamily="2" charset="77"/>
+              </a:rPr>
+              <a:t>Setting</a:t>
+            </a:r>
+          </a:p>
+        </p:txBody>
+      </p:sp>
+      <mc:AlternateContent xmlns:mc="http://schemas.openxmlformats.org/markup-compatibility/2006" xmlns:a14="http://schemas.microsoft.com/office/drawing/2010/main">
+        <mc:Choice Requires="a14">
+          <p:sp>
+            <p:nvSpPr>
+              <p:cNvPr id="5" name="TextBox 4">
+                <a:extLst>
+                  <a:ext uri="{FF2B5EF4-FFF2-40B4-BE49-F238E27FC236}">
+                    <a16:creationId xmlns:a16="http://schemas.microsoft.com/office/drawing/2014/main" id="{5125D1CD-AEB8-9BCC-1515-9ACF36E79B77}"/>
+                  </a:ext>
+                </a:extLst>
+              </p:cNvPr>
+              <p:cNvSpPr txBox="1"/>
+              <p:nvPr/>
+            </p:nvSpPr>
+            <p:spPr>
+              <a:xfrm>
+                <a:off x="838200" y="1690688"/>
+                <a:ext cx="10786242" cy="3354765"/>
+              </a:xfrm>
+              <a:prstGeom prst="rect">
+                <a:avLst/>
+              </a:prstGeom>
+              <a:noFill/>
+            </p:spPr>
+            <p:txBody>
+              <a:bodyPr wrap="square" rtlCol="0">
+                <a:spAutoFit/>
+              </a:bodyPr>
+              <a:lstStyle/>
+              <a:p>
+                <a:pPr>
+                  <a:spcAft>
+                    <a:spcPts val="1200"/>
+                  </a:spcAft>
+                </a:pPr>
+                <a:r>
+                  <a:rPr lang="en-IT" sz="2400" dirty="0">
+                    <a:latin typeface="Palatino" pitchFamily="2" charset="77"/>
+                    <a:ea typeface="Palatino" pitchFamily="2" charset="77"/>
+                  </a:rPr>
+                  <a:t>Assumptions</a:t>
+                </a:r>
+                <a:endParaRPr lang="en-IT" sz="2000" dirty="0">
+                  <a:latin typeface="Palatino" pitchFamily="2" charset="77"/>
+                  <a:ea typeface="Palatino" pitchFamily="2" charset="77"/>
+                </a:endParaRPr>
+              </a:p>
+              <a:p>
+                <a:r>
+                  <a:rPr lang="en-IT" dirty="0">
+                    <a:solidFill>
+                      <a:schemeClr val="bg1">
+                        <a:lumMod val="50000"/>
+                      </a:schemeClr>
+                    </a:solidFill>
+                    <a:latin typeface="Palatino" pitchFamily="2" charset="77"/>
+                    <a:ea typeface="Palatino" pitchFamily="2" charset="77"/>
+                  </a:rPr>
+                  <a:t>Starting buyer valuation </a:t>
+                </a:r>
+                <a:r>
+                  <a:rPr lang="en-IT" i="1" dirty="0">
+                    <a:solidFill>
+                      <a:schemeClr val="bg1">
+                        <a:lumMod val="50000"/>
+                      </a:schemeClr>
+                    </a:solidFill>
+                    <a:latin typeface="Palatino" pitchFamily="2" charset="77"/>
+                    <a:ea typeface="Palatino" pitchFamily="2" charset="77"/>
+                  </a:rPr>
+                  <a:t>v</a:t>
+                </a:r>
+                <a:r>
+                  <a:rPr lang="en-IT" i="1" baseline="-25000" dirty="0">
+                    <a:solidFill>
+                      <a:schemeClr val="bg1">
+                        <a:lumMod val="50000"/>
+                      </a:schemeClr>
+                    </a:solidFill>
+                    <a:latin typeface="Palatino" pitchFamily="2" charset="77"/>
+                    <a:ea typeface="Palatino" pitchFamily="2" charset="77"/>
+                  </a:rPr>
+                  <a:t>start</a:t>
+                </a:r>
+                <a:r>
+                  <a:rPr lang="en-IT" i="1" dirty="0">
+                    <a:solidFill>
+                      <a:schemeClr val="bg1">
+                        <a:lumMod val="50000"/>
+                      </a:schemeClr>
+                    </a:solidFill>
+                    <a:latin typeface="Palatino" pitchFamily="2" charset="77"/>
+                    <a:ea typeface="Palatino" pitchFamily="2" charset="77"/>
+                  </a:rPr>
+                  <a:t> = 5.00€</a:t>
+                </a:r>
+              </a:p>
+              <a:p>
+                <a:r>
+                  <a:rPr lang="en-IT" dirty="0">
+                    <a:solidFill>
+                      <a:schemeClr val="bg1">
+                        <a:lumMod val="50000"/>
+                      </a:schemeClr>
+                    </a:solidFill>
+                    <a:latin typeface="Palatino" pitchFamily="2" charset="77"/>
+                    <a:ea typeface="Palatino" pitchFamily="2" charset="77"/>
+                  </a:rPr>
+                  <a:t>Single product production cost </a:t>
+                </a:r>
+                <a:r>
+                  <a:rPr lang="en-IT" i="1" dirty="0">
+                    <a:solidFill>
+                      <a:schemeClr val="bg1">
+                        <a:lumMod val="50000"/>
+                      </a:schemeClr>
+                    </a:solidFill>
+                    <a:latin typeface="Palatino" pitchFamily="2" charset="77"/>
+                    <a:ea typeface="Palatino" pitchFamily="2" charset="77"/>
+                  </a:rPr>
+                  <a:t>c = 2.00€</a:t>
+                </a:r>
+                <a:endParaRPr lang="en-IT" dirty="0">
+                  <a:latin typeface="Palatino" pitchFamily="2" charset="77"/>
+                  <a:ea typeface="Palatino" pitchFamily="2" charset="77"/>
+                </a:endParaRPr>
+              </a:p>
+              <a:p>
+                <a:endParaRPr lang="en-IT" dirty="0">
+                  <a:latin typeface="Palatino" pitchFamily="2" charset="77"/>
+                  <a:ea typeface="Palatino" pitchFamily="2" charset="77"/>
+                </a:endParaRPr>
+              </a:p>
+              <a:p>
+                <a:pPr>
+                  <a:spcAft>
+                    <a:spcPts val="1200"/>
+                  </a:spcAft>
+                </a:pPr>
+                <a:r>
+                  <a:rPr lang="en-IT" sz="2400" dirty="0">
+                    <a:latin typeface="Palatino" pitchFamily="2" charset="77"/>
+                    <a:ea typeface="Palatino" pitchFamily="2" charset="77"/>
+                  </a:rPr>
+                  <a:t>Parameters setting</a:t>
+                </a:r>
+                <a:endParaRPr lang="en-IT" sz="2000" dirty="0">
+                  <a:latin typeface="Palatino" pitchFamily="2" charset="77"/>
+                  <a:ea typeface="Palatino" pitchFamily="2" charset="77"/>
+                </a:endParaRPr>
+              </a:p>
+              <a:p>
+                <a:r>
+                  <a:rPr lang="en-IT" i="1" dirty="0">
+                    <a:solidFill>
+                      <a:schemeClr val="bg1">
+                        <a:lumMod val="50000"/>
+                      </a:schemeClr>
+                    </a:solidFill>
+                    <a:latin typeface="Palatino" pitchFamily="2" charset="77"/>
+                    <a:ea typeface="Palatino" pitchFamily="2" charset="77"/>
+                  </a:rPr>
+                  <a:t>T = 20000</a:t>
+                </a:r>
+              </a:p>
+              <a:p>
+                <a:r>
+                  <a:rPr lang="en-IT" i="1" dirty="0">
+                    <a:solidFill>
+                      <a:schemeClr val="bg1">
+                        <a:lumMod val="50000"/>
+                      </a:schemeClr>
+                    </a:solidFill>
+                    <a:latin typeface="Palatino" pitchFamily="2" charset="77"/>
+                    <a:ea typeface="Palatino" pitchFamily="2" charset="77"/>
+                  </a:rPr>
+                  <a:t>N = 3</a:t>
+                </a:r>
+              </a:p>
+              <a:p>
+                <a:r>
+                  <a:rPr lang="en-GB" i="1" dirty="0">
+                    <a:solidFill>
+                      <a:schemeClr val="bg1">
+                        <a:lumMod val="50000"/>
+                      </a:schemeClr>
+                    </a:solidFill>
+                    <a:latin typeface="Palatino" pitchFamily="2" charset="77"/>
+                    <a:ea typeface="Palatino" pitchFamily="2" charset="77"/>
+                  </a:rPr>
+                  <a:t>P</a:t>
+                </a:r>
+                <a:r>
+                  <a:rPr lang="en-GB" i="1" baseline="-25000" dirty="0">
+                    <a:solidFill>
+                      <a:schemeClr val="bg1">
+                        <a:lumMod val="50000"/>
+                      </a:schemeClr>
+                    </a:solidFill>
+                    <a:latin typeface="Palatino" pitchFamily="2" charset="77"/>
+                    <a:ea typeface="Palatino" pitchFamily="2" charset="77"/>
+                  </a:rPr>
+                  <a:t>i</a:t>
+                </a:r>
+                <a:r>
+                  <a:rPr lang="en-GB" i="1" dirty="0">
+                    <a:solidFill>
+                      <a:schemeClr val="bg1">
+                        <a:lumMod val="50000"/>
+                      </a:schemeClr>
+                    </a:solidFill>
+                    <a:latin typeface="Palatino" pitchFamily="2" charset="77"/>
+                    <a:ea typeface="Palatino" pitchFamily="2" charset="77"/>
+                  </a:rPr>
+                  <a:t> =</a:t>
+                </a:r>
+                <a:r>
+                  <a:rPr lang="en-GB" dirty="0">
+                    <a:solidFill>
+                      <a:schemeClr val="bg1">
+                        <a:lumMod val="50000"/>
+                      </a:schemeClr>
+                    </a:solidFill>
+                    <a:latin typeface="Palatino" pitchFamily="2" charset="77"/>
+                    <a:ea typeface="Palatino" pitchFamily="2" charset="77"/>
+                  </a:rPr>
+                  <a:t> { x</a:t>
+                </a:r>
+                <a:r>
+                  <a:rPr lang="en-GB" baseline="-25000" dirty="0">
+                    <a:solidFill>
+                      <a:schemeClr val="bg1">
+                        <a:lumMod val="50000"/>
+                      </a:schemeClr>
+                    </a:solidFill>
+                    <a:latin typeface="Palatino" pitchFamily="2" charset="77"/>
+                    <a:ea typeface="Palatino" pitchFamily="2" charset="77"/>
+                  </a:rPr>
+                  <a:t>1</a:t>
+                </a:r>
+                <a:r>
+                  <a:rPr lang="en-GB" dirty="0">
+                    <a:solidFill>
+                      <a:schemeClr val="bg1">
+                        <a:lumMod val="50000"/>
+                      </a:schemeClr>
+                    </a:solidFill>
+                    <a:latin typeface="Palatino" pitchFamily="2" charset="77"/>
+                    <a:ea typeface="Palatino" pitchFamily="2" charset="77"/>
+                  </a:rPr>
+                  <a:t>​, …, x</a:t>
+                </a:r>
+                <a:r>
+                  <a:rPr lang="en-GB" baseline="-25000" dirty="0">
+                    <a:solidFill>
+                      <a:schemeClr val="bg1">
+                        <a:lumMod val="50000"/>
+                      </a:schemeClr>
+                    </a:solidFill>
+                    <a:latin typeface="Palatino" pitchFamily="2" charset="77"/>
+                    <a:ea typeface="Palatino" pitchFamily="2" charset="77"/>
+                  </a:rPr>
+                  <a:t>k </a:t>
+                </a:r>
+                <a:r>
+                  <a:rPr lang="en-GB" dirty="0">
+                    <a:solidFill>
+                      <a:schemeClr val="bg1">
+                        <a:lumMod val="50000"/>
+                      </a:schemeClr>
+                    </a:solidFill>
+                    <a:latin typeface="Palatino" pitchFamily="2" charset="77"/>
+                    <a:ea typeface="Palatino" pitchFamily="2" charset="77"/>
+                  </a:rPr>
+                  <a:t>​} ⊂ </a:t>
+                </a:r>
+                <a14:m>
+                  <m:oMath xmlns:m="http://schemas.openxmlformats.org/officeDocument/2006/math">
+                    <m:r>
+                      <a:rPr lang="en-GB" i="1" dirty="0">
+                        <a:solidFill>
+                          <a:schemeClr val="bg1">
+                            <a:lumMod val="50000"/>
+                          </a:schemeClr>
+                        </a:solidFill>
+                        <a:latin typeface="Cambria Math" panose="02040503050406030204" pitchFamily="18" charset="0"/>
+                        <a:ea typeface="Cambria Math" panose="02040503050406030204" pitchFamily="18" charset="0"/>
+                      </a:rPr>
+                      <m:t>ℝ</m:t>
+                    </m:r>
+                  </m:oMath>
+                </a14:m>
+                <a:r>
+                  <a:rPr lang="en-GB" dirty="0">
+                    <a:solidFill>
+                      <a:schemeClr val="bg1">
+                        <a:lumMod val="50000"/>
+                      </a:schemeClr>
+                    </a:solidFill>
+                    <a:latin typeface="Palatino" pitchFamily="2" charset="77"/>
+                    <a:ea typeface="Palatino" pitchFamily="2" charset="77"/>
+                  </a:rPr>
+                  <a:t> set of K eq. spaced points in [0, 2 </a:t>
+                </a:r>
+                <a14:m>
+                  <m:oMath xmlns:m="http://schemas.openxmlformats.org/officeDocument/2006/math">
+                    <m:r>
+                      <a:rPr lang="en-GB" i="1">
+                        <a:solidFill>
+                          <a:schemeClr val="bg1">
+                            <a:lumMod val="50000"/>
+                          </a:schemeClr>
+                        </a:solidFill>
+                        <a:latin typeface="Cambria Math" panose="02040503050406030204" pitchFamily="18" charset="0"/>
+                        <a:ea typeface="Cambria Math" panose="02040503050406030204" pitchFamily="18" charset="0"/>
+                      </a:rPr>
+                      <m:t>∙</m:t>
+                    </m:r>
+                  </m:oMath>
+                </a14:m>
+                <a:r>
+                  <a:rPr lang="en-GB" dirty="0">
+                    <a:solidFill>
+                      <a:schemeClr val="bg1">
+                        <a:lumMod val="50000"/>
+                      </a:schemeClr>
+                    </a:solidFill>
+                    <a:latin typeface="Palatino" pitchFamily="2" charset="77"/>
+                    <a:ea typeface="Palatino" pitchFamily="2" charset="77"/>
+                  </a:rPr>
+                  <a:t> </a:t>
+                </a:r>
+                <a:r>
+                  <a:rPr lang="en-GB" dirty="0" err="1">
+                    <a:solidFill>
+                      <a:schemeClr val="bg1">
+                        <a:lumMod val="50000"/>
+                      </a:schemeClr>
+                    </a:solidFill>
+                    <a:latin typeface="Palatino" pitchFamily="2" charset="77"/>
+                    <a:ea typeface="Palatino" pitchFamily="2" charset="77"/>
+                  </a:rPr>
+                  <a:t>values</a:t>
+                </a:r>
+                <a:r>
+                  <a:rPr lang="en-GB" baseline="-25000" dirty="0" err="1">
+                    <a:solidFill>
+                      <a:schemeClr val="bg1">
+                        <a:lumMod val="50000"/>
+                      </a:schemeClr>
+                    </a:solidFill>
+                    <a:latin typeface="Palatino" pitchFamily="2" charset="77"/>
+                    <a:ea typeface="Palatino" pitchFamily="2" charset="77"/>
+                  </a:rPr>
+                  <a:t>i</a:t>
+                </a:r>
+                <a:r>
+                  <a:rPr lang="en-GB" dirty="0">
+                    <a:solidFill>
+                      <a:schemeClr val="bg1">
+                        <a:lumMod val="50000"/>
+                      </a:schemeClr>
+                    </a:solidFill>
+                    <a:latin typeface="Palatino" pitchFamily="2" charset="77"/>
+                    <a:ea typeface="Palatino" pitchFamily="2" charset="77"/>
+                  </a:rPr>
+                  <a:t>]</a:t>
+                </a:r>
+                <a:endParaRPr lang="en-GB" sz="1400" i="1" dirty="0">
+                  <a:solidFill>
+                    <a:schemeClr val="bg1">
+                      <a:lumMod val="50000"/>
+                    </a:schemeClr>
+                  </a:solidFill>
+                  <a:latin typeface="Palatino" pitchFamily="2" charset="77"/>
+                  <a:ea typeface="Palatino" pitchFamily="2" charset="77"/>
+                </a:endParaRPr>
+              </a:p>
+              <a:p>
+                <a:r>
+                  <a:rPr lang="en-IT" i="1" dirty="0">
+                    <a:solidFill>
+                      <a:schemeClr val="bg1">
+                        <a:lumMod val="50000"/>
+                      </a:schemeClr>
+                    </a:solidFill>
+                    <a:latin typeface="Palatino" pitchFamily="2" charset="77"/>
+                    <a:ea typeface="Palatino" pitchFamily="2" charset="77"/>
+                  </a:rPr>
+                  <a:t>K = </a:t>
+                </a:r>
+                <a14:m>
+                  <m:oMath xmlns:m="http://schemas.openxmlformats.org/officeDocument/2006/math">
+                    <m:r>
+                      <a:rPr lang="it-IT" i="1">
+                        <a:solidFill>
+                          <a:schemeClr val="bg1">
+                            <a:lumMod val="50000"/>
+                          </a:schemeClr>
+                        </a:solidFill>
+                        <a:latin typeface="Cambria Math" panose="02040503050406030204" pitchFamily="18" charset="0"/>
+                        <a:ea typeface="Palatino" pitchFamily="2" charset="77"/>
+                      </a:rPr>
+                      <m:t>| </m:t>
+                    </m:r>
+                    <m:r>
+                      <a:rPr lang="it-IT" i="1">
+                        <a:solidFill>
+                          <a:schemeClr val="bg1">
+                            <a:lumMod val="50000"/>
+                          </a:schemeClr>
+                        </a:solidFill>
+                        <a:latin typeface="Cambria Math" panose="02040503050406030204" pitchFamily="18" charset="0"/>
+                        <a:ea typeface="Palatino" pitchFamily="2" charset="77"/>
+                      </a:rPr>
+                      <m:t>𝑃</m:t>
+                    </m:r>
+                    <m:r>
+                      <a:rPr lang="it-IT" i="1">
+                        <a:solidFill>
+                          <a:schemeClr val="bg1">
+                            <a:lumMod val="50000"/>
+                          </a:schemeClr>
+                        </a:solidFill>
+                        <a:latin typeface="Cambria Math" panose="02040503050406030204" pitchFamily="18" charset="0"/>
+                        <a:ea typeface="Palatino" pitchFamily="2" charset="77"/>
+                      </a:rPr>
+                      <m:t> |</m:t>
+                    </m:r>
+                  </m:oMath>
+                </a14:m>
+                <a:r>
+                  <a:rPr lang="en-IT" i="1" dirty="0">
+                    <a:solidFill>
+                      <a:schemeClr val="bg1">
+                        <a:lumMod val="50000"/>
+                      </a:schemeClr>
+                    </a:solidFill>
+                    <a:latin typeface="Palatino" pitchFamily="2" charset="77"/>
+                    <a:ea typeface="Palatino" pitchFamily="2" charset="77"/>
+                  </a:rPr>
+                  <a:t> = 4</a:t>
+                </a:r>
+              </a:p>
+              <a:p>
+                <a:r>
+                  <a:rPr lang="it-IT" i="1" dirty="0">
+                    <a:solidFill>
+                      <a:schemeClr val="bg1">
+                        <a:lumMod val="50000"/>
+                      </a:schemeClr>
+                    </a:solidFill>
+                    <a:latin typeface="Palatino" pitchFamily="2" charset="77"/>
+                    <a:ea typeface="Palatino" pitchFamily="2" charset="77"/>
+                  </a:rPr>
+                  <a:t>B = </a:t>
+                </a:r>
+                <a:r>
+                  <a:rPr lang="en-GB" i="1" dirty="0">
+                    <a:solidFill>
+                      <a:schemeClr val="bg1">
+                        <a:lumMod val="50000"/>
+                      </a:schemeClr>
+                    </a:solidFill>
+                    <a:latin typeface="Palatino" pitchFamily="2" charset="77"/>
+                    <a:ea typeface="Palatino" pitchFamily="2" charset="77"/>
+                  </a:rPr>
+                  <a:t>120000 </a:t>
+                </a:r>
+                <a14:m>
+                  <m:oMath xmlns:m="http://schemas.openxmlformats.org/officeDocument/2006/math">
+                    <m:r>
+                      <a:rPr lang="en-GB" i="1">
+                        <a:solidFill>
+                          <a:schemeClr val="bg1">
+                            <a:lumMod val="50000"/>
+                          </a:schemeClr>
+                        </a:solidFill>
+                        <a:latin typeface="Cambria Math" panose="02040503050406030204" pitchFamily="18" charset="0"/>
+                        <a:ea typeface="Cambria Math" panose="02040503050406030204" pitchFamily="18" charset="0"/>
+                      </a:rPr>
+                      <m:t>∙</m:t>
+                    </m:r>
+                    <m:r>
+                      <a:rPr lang="it-IT" i="1">
+                        <a:solidFill>
+                          <a:schemeClr val="bg1">
+                            <a:lumMod val="50000"/>
+                          </a:schemeClr>
+                        </a:solidFill>
+                        <a:latin typeface="Cambria Math" panose="02040503050406030204" pitchFamily="18" charset="0"/>
+                        <a:ea typeface="Cambria Math" panose="02040503050406030204" pitchFamily="18" charset="0"/>
+                      </a:rPr>
+                      <m:t> </m:t>
+                    </m:r>
+                  </m:oMath>
+                </a14:m>
+                <a:r>
+                  <a:rPr lang="en-GB" i="1" dirty="0">
+                    <a:solidFill>
+                      <a:schemeClr val="bg1">
+                        <a:lumMod val="50000"/>
+                      </a:schemeClr>
+                    </a:solidFill>
+                    <a:latin typeface="Palatino" pitchFamily="2" charset="77"/>
+                    <a:ea typeface="Palatino" pitchFamily="2" charset="77"/>
+                  </a:rPr>
+                  <a:t>N</a:t>
+                </a:r>
+                <a:endParaRPr lang="en-IT" i="1" dirty="0">
+                  <a:solidFill>
+                    <a:schemeClr val="bg1">
+                      <a:lumMod val="50000"/>
+                    </a:schemeClr>
+                  </a:solidFill>
+                  <a:latin typeface="Palatino" pitchFamily="2" charset="77"/>
+                  <a:ea typeface="Palatino" pitchFamily="2" charset="77"/>
+                </a:endParaRPr>
+              </a:p>
+            </p:txBody>
+          </p:sp>
+        </mc:Choice>
+        <mc:Fallback xmlns="">
+          <p:sp>
+            <p:nvSpPr>
+              <p:cNvPr id="5" name="TextBox 4">
+                <a:extLst>
+                  <a:ext uri="{FF2B5EF4-FFF2-40B4-BE49-F238E27FC236}">
+                    <a16:creationId xmlns:a16="http://schemas.microsoft.com/office/drawing/2014/main" id="{5125D1CD-AEB8-9BCC-1515-9ACF36E79B77}"/>
+                  </a:ext>
+                </a:extLst>
+              </p:cNvPr>
+              <p:cNvSpPr txBox="1">
+                <a:spLocks noRot="1" noChangeAspect="1" noMove="1" noResize="1" noEditPoints="1" noAdjustHandles="1" noChangeArrowheads="1" noChangeShapeType="1" noTextEdit="1"/>
+              </p:cNvSpPr>
+              <p:nvPr/>
+            </p:nvSpPr>
+            <p:spPr>
+              <a:xfrm>
+                <a:off x="838200" y="1690688"/>
+                <a:ext cx="10786242" cy="3354765"/>
+              </a:xfrm>
+              <a:prstGeom prst="rect">
+                <a:avLst/>
+              </a:prstGeom>
+              <a:blipFill>
+                <a:blip r:embed="rId3"/>
+                <a:stretch>
+                  <a:fillRect l="-941" t="-1128" b="-1504"/>
+                </a:stretch>
+              </a:blipFill>
+            </p:spPr>
+            <p:txBody>
+              <a:bodyPr/>
+              <a:lstStyle/>
+              <a:p>
+                <a:r>
+                  <a:rPr lang="en-IT">
+                    <a:noFill/>
+                  </a:rPr>
+                  <a:t> </a:t>
+                </a:r>
+              </a:p>
+            </p:txBody>
+          </p:sp>
+        </mc:Fallback>
+      </mc:AlternateContent>
+    </p:spTree>
+    <p:extLst>
+      <p:ext uri="{BB962C8B-B14F-4D97-AF65-F5344CB8AC3E}">
+        <p14:creationId xmlns:p14="http://schemas.microsoft.com/office/powerpoint/2010/main" val="2921740741"/>
+      </p:ext>
+    </p:extLst>
+  </p:cSld>
+  <p:clrMapOvr>
+    <a:masterClrMapping/>
+  </p:clrMapOvr>
+</p:sld>
+</file>
+
+<file path=ppt/slides/slide42.xml><?xml version="1.0" encoding="utf-8"?>
+<p:sld xmlns:a="http://schemas.openxmlformats.org/drawingml/2006/main" xmlns:r="http://schemas.openxmlformats.org/officeDocument/2006/relationships" xmlns:p="http://schemas.openxmlformats.org/presentationml/2006/main">
+  <p:cSld>
+    <p:spTree>
+      <p:nvGrpSpPr>
+        <p:cNvPr id="1" name="">
+          <a:extLst>
+            <a:ext uri="{FF2B5EF4-FFF2-40B4-BE49-F238E27FC236}">
+              <a16:creationId xmlns:a16="http://schemas.microsoft.com/office/drawing/2014/main" id="{04685E78-D4F7-7016-4F74-2D55EF40C4C9}"/>
+            </a:ext>
+          </a:extLst>
+        </p:cNvPr>
+        <p:cNvGrpSpPr/>
+        <p:nvPr/>
+      </p:nvGrpSpPr>
+      <p:grpSpPr>
+        <a:xfrm>
+          <a:off x="0" y="0"/>
+          <a:ext cx="0" cy="0"/>
+          <a:chOff x="0" y="0"/>
+          <a:chExt cx="0" cy="0"/>
+        </a:xfrm>
+      </p:grpSpPr>
+      <p:sp>
+        <p:nvSpPr>
+          <p:cNvPr id="2" name="Title 1">
+            <a:extLst>
+              <a:ext uri="{FF2B5EF4-FFF2-40B4-BE49-F238E27FC236}">
+                <a16:creationId xmlns:a16="http://schemas.microsoft.com/office/drawing/2014/main" id="{F5038649-FC76-B03C-DDDD-EA4B855348FA}"/>
+              </a:ext>
+            </a:extLst>
+          </p:cNvPr>
+          <p:cNvSpPr>
+            <a:spLocks noGrp="1"/>
+          </p:cNvSpPr>
+          <p:nvPr>
+            <p:ph type="title"/>
+          </p:nvPr>
+        </p:nvSpPr>
+        <p:spPr/>
+        <p:txBody>
+          <a:bodyPr/>
+          <a:lstStyle/>
+          <a:p>
+            <a:r>
+              <a:rPr lang="en-IT" dirty="0">
+                <a:latin typeface="Palatino" pitchFamily="2" charset="77"/>
+                <a:ea typeface="Palatino" pitchFamily="2" charset="77"/>
+              </a:rPr>
+              <a:t>Environment</a:t>
+            </a:r>
+          </a:p>
+        </p:txBody>
+      </p:sp>
+      <mc:AlternateContent xmlns:mc="http://schemas.openxmlformats.org/markup-compatibility/2006" xmlns:a14="http://schemas.microsoft.com/office/drawing/2010/main">
+        <mc:Choice Requires="a14">
+          <p:sp>
+            <p:nvSpPr>
+              <p:cNvPr id="5" name="TextBox 4">
+                <a:extLst>
+                  <a:ext uri="{FF2B5EF4-FFF2-40B4-BE49-F238E27FC236}">
+                    <a16:creationId xmlns:a16="http://schemas.microsoft.com/office/drawing/2014/main" id="{E448A6DC-6136-002A-F10A-143D4CC71DAF}"/>
+                  </a:ext>
+                </a:extLst>
+              </p:cNvPr>
+              <p:cNvSpPr txBox="1"/>
+              <p:nvPr/>
+            </p:nvSpPr>
+            <p:spPr>
+              <a:xfrm>
+                <a:off x="838200" y="1690688"/>
+                <a:ext cx="10786242" cy="1798634"/>
+              </a:xfrm>
+              <a:prstGeom prst="rect">
+                <a:avLst/>
+              </a:prstGeom>
+              <a:noFill/>
+            </p:spPr>
+            <p:txBody>
+              <a:bodyPr wrap="square" rtlCol="0">
+                <a:spAutoFit/>
+              </a:bodyPr>
+              <a:lstStyle/>
+              <a:p>
+                <a:pPr>
+                  <a:spcAft>
+                    <a:spcPts val="1200"/>
+                  </a:spcAft>
+                </a:pPr>
+                <a:r>
+                  <a:rPr lang="en-IT" sz="2400" dirty="0">
+                    <a:latin typeface="Palatino" pitchFamily="2" charset="77"/>
+                    <a:ea typeface="Palatino" pitchFamily="2" charset="77"/>
+                  </a:rPr>
+                  <a:t>Assumptions</a:t>
+                </a:r>
+                <a:endParaRPr lang="en-IT" sz="2000" dirty="0">
+                  <a:latin typeface="Palatino" pitchFamily="2" charset="77"/>
+                  <a:ea typeface="Palatino" pitchFamily="2" charset="77"/>
+                </a:endParaRPr>
+              </a:p>
+              <a:p>
+                <a:r>
+                  <a:rPr lang="en-IT" dirty="0">
+                    <a:solidFill>
+                      <a:schemeClr val="bg1">
+                        <a:lumMod val="50000"/>
+                      </a:schemeClr>
+                    </a:solidFill>
+                    <a:latin typeface="Palatino" pitchFamily="2" charset="77"/>
+                    <a:ea typeface="Palatino" pitchFamily="2" charset="77"/>
+                  </a:rPr>
+                  <a:t>There exist </a:t>
+                </a:r>
+                <a:r>
+                  <a:rPr lang="en-IT" i="1" dirty="0">
+                    <a:solidFill>
+                      <a:schemeClr val="bg1">
+                        <a:lumMod val="50000"/>
+                      </a:schemeClr>
+                    </a:solidFill>
+                    <a:latin typeface="Palatino" pitchFamily="2" charset="77"/>
+                    <a:ea typeface="Palatino" pitchFamily="2" charset="77"/>
+                  </a:rPr>
+                  <a:t>50</a:t>
+                </a:r>
+                <a:r>
+                  <a:rPr lang="en-IT" dirty="0">
+                    <a:solidFill>
+                      <a:schemeClr val="bg1">
+                        <a:lumMod val="50000"/>
+                      </a:schemeClr>
+                    </a:solidFill>
+                    <a:latin typeface="Palatino" pitchFamily="2" charset="77"/>
+                    <a:ea typeface="Palatino" pitchFamily="2" charset="77"/>
+                  </a:rPr>
+                  <a:t> </a:t>
+                </a:r>
+                <a:r>
+                  <a:rPr lang="en-IT" i="1" dirty="0">
+                    <a:solidFill>
+                      <a:schemeClr val="bg1">
+                        <a:lumMod val="50000"/>
+                      </a:schemeClr>
+                    </a:solidFill>
+                    <a:latin typeface="Palatino" pitchFamily="2" charset="77"/>
+                    <a:ea typeface="Palatino" pitchFamily="2" charset="77"/>
+                  </a:rPr>
+                  <a:t>buyers</a:t>
+                </a:r>
+                <a:r>
+                  <a:rPr lang="en-IT" dirty="0">
+                    <a:solidFill>
+                      <a:schemeClr val="bg1">
+                        <a:lumMod val="50000"/>
+                      </a:schemeClr>
+                    </a:solidFill>
+                    <a:latin typeface="Palatino" pitchFamily="2" charset="77"/>
+                    <a:ea typeface="Palatino" pitchFamily="2" charset="77"/>
+                  </a:rPr>
+                  <a:t> with valuation </a:t>
+                </a:r>
+                <a:r>
+                  <a:rPr lang="en-IT" i="1" dirty="0">
+                    <a:solidFill>
+                      <a:schemeClr val="bg1">
+                        <a:lumMod val="50000"/>
+                      </a:schemeClr>
+                    </a:solidFill>
+                    <a:latin typeface="Palatino" pitchFamily="2" charset="77"/>
+                    <a:ea typeface="Palatino" pitchFamily="2" charset="77"/>
+                  </a:rPr>
+                  <a:t>v</a:t>
+                </a:r>
+                <a:r>
+                  <a:rPr lang="en-IT" i="1" baseline="-25000" dirty="0">
+                    <a:solidFill>
+                      <a:schemeClr val="bg1">
+                        <a:lumMod val="50000"/>
+                      </a:schemeClr>
+                    </a:solidFill>
+                    <a:latin typeface="Palatino" pitchFamily="2" charset="77"/>
+                    <a:ea typeface="Palatino" pitchFamily="2" charset="77"/>
+                  </a:rPr>
+                  <a:t>t,i</a:t>
+                </a:r>
+                <a:r>
+                  <a:rPr lang="en-IT" i="1" dirty="0">
+                    <a:solidFill>
+                      <a:schemeClr val="bg1">
+                        <a:lumMod val="50000"/>
+                      </a:schemeClr>
+                    </a:solidFill>
+                    <a:latin typeface="Palatino" pitchFamily="2" charset="77"/>
+                    <a:ea typeface="Palatino" pitchFamily="2" charset="77"/>
+                  </a:rPr>
+                  <a:t> </a:t>
+                </a:r>
+                <a14:m>
+                  <m:oMath xmlns:m="http://schemas.openxmlformats.org/officeDocument/2006/math">
+                    <m:r>
+                      <m:rPr>
+                        <m:nor/>
+                      </m:rPr>
+                      <a:rPr lang="en-GB" smtClean="0">
+                        <a:solidFill>
+                          <a:schemeClr val="bg1">
+                            <a:lumMod val="50000"/>
+                          </a:schemeClr>
+                        </a:solidFill>
+                        <a:latin typeface="Palatino" pitchFamily="2" charset="77"/>
+                        <a:ea typeface="Palatino" pitchFamily="2" charset="77"/>
+                      </a:rPr>
+                      <m:t>∼</m:t>
+                    </m:r>
+                    <m:r>
+                      <m:rPr>
+                        <m:nor/>
+                      </m:rPr>
+                      <a:rPr lang="it-IT" b="0" i="0" smtClean="0">
+                        <a:solidFill>
+                          <a:schemeClr val="bg1">
+                            <a:lumMod val="50000"/>
+                          </a:schemeClr>
+                        </a:solidFill>
+                        <a:latin typeface="Palatino" pitchFamily="2" charset="77"/>
+                        <a:ea typeface="Palatino" pitchFamily="2" charset="77"/>
+                      </a:rPr>
+                      <m:t> </m:t>
+                    </m:r>
+                    <m:r>
+                      <m:rPr>
+                        <m:nor/>
+                      </m:rPr>
+                      <a:rPr lang="it-IT" b="0" i="0" smtClean="0">
+                        <a:solidFill>
+                          <a:schemeClr val="bg1">
+                            <a:lumMod val="50000"/>
+                          </a:schemeClr>
+                        </a:solidFill>
+                        <a:latin typeface="Palatino" pitchFamily="2" charset="77"/>
+                        <a:ea typeface="Palatino" pitchFamily="2" charset="77"/>
+                      </a:rPr>
+                      <m:t>N</m:t>
+                    </m:r>
+                    <m:r>
+                      <m:rPr>
+                        <m:nor/>
+                      </m:rPr>
+                      <a:rPr lang="en-GB" smtClean="0">
+                        <a:solidFill>
+                          <a:schemeClr val="bg1">
+                            <a:lumMod val="50000"/>
+                          </a:schemeClr>
+                        </a:solidFill>
+                        <a:latin typeface="Palatino" pitchFamily="2" charset="77"/>
+                        <a:ea typeface="Palatino" pitchFamily="2" charset="77"/>
+                      </a:rPr>
+                      <m:t>(</m:t>
+                    </m:r>
+                    <m:r>
+                      <m:rPr>
+                        <m:nor/>
+                      </m:rPr>
+                      <a:rPr lang="en-GB" smtClean="0">
+                        <a:solidFill>
+                          <a:schemeClr val="bg1">
+                            <a:lumMod val="50000"/>
+                          </a:schemeClr>
+                        </a:solidFill>
+                        <a:latin typeface="Palatino" pitchFamily="2" charset="77"/>
+                        <a:ea typeface="Palatino" pitchFamily="2" charset="77"/>
+                      </a:rPr>
+                      <m:t>v</m:t>
+                    </m:r>
+                    <m:r>
+                      <m:rPr>
+                        <m:nor/>
+                      </m:rPr>
+                      <a:rPr lang="it-IT" b="0" i="0" baseline="-25000" smtClean="0">
+                        <a:solidFill>
+                          <a:schemeClr val="bg1">
+                            <a:lumMod val="50000"/>
+                          </a:schemeClr>
+                        </a:solidFill>
+                        <a:latin typeface="Palatino" pitchFamily="2" charset="77"/>
+                        <a:ea typeface="Palatino" pitchFamily="2" charset="77"/>
+                      </a:rPr>
+                      <m:t>i</m:t>
+                    </m:r>
+                    <m:r>
+                      <m:rPr>
+                        <m:nor/>
+                      </m:rPr>
+                      <a:rPr lang="it-IT" b="0" i="0" smtClean="0">
+                        <a:solidFill>
+                          <a:schemeClr val="bg1">
+                            <a:lumMod val="50000"/>
+                          </a:schemeClr>
+                        </a:solidFill>
+                        <a:latin typeface="Palatino" pitchFamily="2" charset="77"/>
+                        <a:ea typeface="Palatino" pitchFamily="2" charset="77"/>
+                      </a:rPr>
+                      <m:t> </m:t>
+                    </m:r>
+                    <m:r>
+                      <m:rPr>
+                        <m:nor/>
+                      </m:rPr>
+                      <a:rPr lang="en-GB" smtClean="0">
+                        <a:solidFill>
+                          <a:schemeClr val="bg1">
+                            <a:lumMod val="50000"/>
+                          </a:schemeClr>
+                        </a:solidFill>
+                        <a:latin typeface="Palatino" pitchFamily="2" charset="77"/>
+                        <a:ea typeface="Palatino" pitchFamily="2" charset="77"/>
+                      </a:rPr>
+                      <m:t>+</m:t>
+                    </m:r>
+                    <m:r>
+                      <m:rPr>
+                        <m:nor/>
+                      </m:rPr>
+                      <a:rPr lang="it-IT" b="0" i="0" smtClean="0">
+                        <a:solidFill>
+                          <a:schemeClr val="bg1">
+                            <a:lumMod val="50000"/>
+                          </a:schemeClr>
+                        </a:solidFill>
+                        <a:latin typeface="Palatino" pitchFamily="2" charset="77"/>
+                        <a:ea typeface="Palatino" pitchFamily="2" charset="77"/>
+                      </a:rPr>
+                      <m:t> </m:t>
+                    </m:r>
+                    <m:r>
+                      <m:rPr>
+                        <m:nor/>
+                      </m:rPr>
+                      <a:rPr lang="en-GB" smtClean="0">
+                        <a:solidFill>
+                          <a:schemeClr val="bg1">
+                            <a:lumMod val="50000"/>
+                          </a:schemeClr>
+                        </a:solidFill>
+                        <a:latin typeface="Palatino" pitchFamily="2" charset="77"/>
+                        <a:ea typeface="Palatino" pitchFamily="2" charset="77"/>
+                      </a:rPr>
+                      <m:t>A</m:t>
+                    </m:r>
+                    <m:r>
+                      <m:rPr>
+                        <m:nor/>
+                      </m:rPr>
+                      <a:rPr lang="it-IT" b="0" i="0" baseline="-25000" smtClean="0">
+                        <a:solidFill>
+                          <a:schemeClr val="bg1">
+                            <a:lumMod val="50000"/>
+                          </a:schemeClr>
+                        </a:solidFill>
+                        <a:latin typeface="Palatino" pitchFamily="2" charset="77"/>
+                        <a:ea typeface="Palatino" pitchFamily="2" charset="77"/>
+                      </a:rPr>
+                      <m:t>i</m:t>
+                    </m:r>
+                    <m:r>
+                      <m:rPr>
+                        <m:nor/>
+                      </m:rPr>
+                      <a:rPr lang="en-GB" smtClean="0">
+                        <a:solidFill>
+                          <a:schemeClr val="bg1">
+                            <a:lumMod val="50000"/>
+                          </a:schemeClr>
+                        </a:solidFill>
+                        <a:latin typeface="Palatino" pitchFamily="2" charset="77"/>
+                        <a:ea typeface="Palatino" pitchFamily="2" charset="77"/>
+                      </a:rPr>
+                      <m:t>⋅</m:t>
+                    </m:r>
+                    <m:r>
+                      <m:rPr>
+                        <m:nor/>
+                      </m:rPr>
+                      <a:rPr lang="en-GB" smtClean="0">
+                        <a:solidFill>
+                          <a:schemeClr val="bg1">
+                            <a:lumMod val="50000"/>
+                          </a:schemeClr>
+                        </a:solidFill>
+                        <a:latin typeface="Palatino" pitchFamily="2" charset="77"/>
+                        <a:ea typeface="Palatino" pitchFamily="2" charset="77"/>
+                      </a:rPr>
+                      <m:t>sin</m:t>
+                    </m:r>
+                    <m:r>
+                      <m:rPr>
+                        <m:nor/>
+                      </m:rPr>
+                      <a:rPr lang="en-GB" smtClean="0">
+                        <a:solidFill>
+                          <a:schemeClr val="bg1">
+                            <a:lumMod val="50000"/>
+                          </a:schemeClr>
+                        </a:solidFill>
+                        <a:latin typeface="Palatino" pitchFamily="2" charset="77"/>
+                        <a:ea typeface="Palatino" pitchFamily="2" charset="77"/>
+                      </a:rPr>
+                      <m:t>(</m:t>
+                    </m:r>
+                    <m:f>
+                      <m:fPr>
+                        <m:ctrlPr>
+                          <a:rPr lang="en-GB" i="1" smtClean="0">
+                            <a:solidFill>
+                              <a:schemeClr val="bg1">
+                                <a:lumMod val="50000"/>
+                              </a:schemeClr>
+                            </a:solidFill>
+                            <a:latin typeface="Cambria Math" panose="02040503050406030204" pitchFamily="18" charset="0"/>
+                          </a:rPr>
+                        </m:ctrlPr>
+                      </m:fPr>
+                      <m:num>
+                        <m:r>
+                          <m:rPr>
+                            <m:nor/>
+                          </m:rPr>
+                          <a:rPr lang="it-IT">
+                            <a:solidFill>
+                              <a:schemeClr val="bg1">
+                                <a:lumMod val="50000"/>
+                              </a:schemeClr>
+                            </a:solidFill>
+                            <a:latin typeface="Palatino" pitchFamily="2" charset="77"/>
+                            <a:ea typeface="Palatino" pitchFamily="2" charset="77"/>
+                          </a:rPr>
+                          <m:t>2</m:t>
+                        </m:r>
+                        <m:r>
+                          <m:rPr>
+                            <m:nor/>
+                          </m:rPr>
+                          <a:rPr lang="el-GR">
+                            <a:solidFill>
+                              <a:schemeClr val="bg1">
+                                <a:lumMod val="50000"/>
+                              </a:schemeClr>
+                            </a:solidFill>
+                            <a:latin typeface="Palatino" pitchFamily="2" charset="77"/>
+                            <a:ea typeface="Palatino" pitchFamily="2" charset="77"/>
+                          </a:rPr>
+                          <m:t>π</m:t>
+                        </m:r>
+                        <m:r>
+                          <m:rPr>
+                            <m:nor/>
+                          </m:rPr>
+                          <a:rPr lang="en-GB">
+                            <a:solidFill>
+                              <a:schemeClr val="bg1">
+                                <a:lumMod val="50000"/>
+                              </a:schemeClr>
+                            </a:solidFill>
+                            <a:latin typeface="Palatino" pitchFamily="2" charset="77"/>
+                            <a:ea typeface="Palatino" pitchFamily="2" charset="77"/>
+                          </a:rPr>
+                          <m:t>t</m:t>
+                        </m:r>
+                      </m:num>
+                      <m:den>
+                        <m:r>
+                          <a:rPr lang="it-IT" b="0" i="1" smtClean="0">
+                            <a:solidFill>
+                              <a:schemeClr val="bg1">
+                                <a:lumMod val="50000"/>
+                              </a:schemeClr>
+                            </a:solidFill>
+                            <a:latin typeface="Cambria Math" panose="02040503050406030204" pitchFamily="18" charset="0"/>
+                          </a:rPr>
+                          <m:t>𝑃</m:t>
+                        </m:r>
+                        <m:r>
+                          <m:rPr>
+                            <m:sty m:val="p"/>
+                          </m:rPr>
+                          <a:rPr lang="it-IT" b="0" i="0" baseline="-25000" smtClean="0">
+                            <a:solidFill>
+                              <a:schemeClr val="bg1">
+                                <a:lumMod val="50000"/>
+                              </a:schemeClr>
+                            </a:solidFill>
+                            <a:latin typeface="Cambria Math" panose="02040503050406030204" pitchFamily="18" charset="0"/>
+                          </a:rPr>
+                          <m:t>i</m:t>
+                        </m:r>
+                      </m:den>
+                    </m:f>
+                    <m:r>
+                      <m:rPr>
+                        <m:nor/>
+                      </m:rPr>
+                      <a:rPr lang="en-GB" smtClean="0">
+                        <a:solidFill>
+                          <a:schemeClr val="bg1">
+                            <a:lumMod val="50000"/>
+                          </a:schemeClr>
+                        </a:solidFill>
+                        <a:latin typeface="Palatino" pitchFamily="2" charset="77"/>
+                        <a:ea typeface="Palatino" pitchFamily="2" charset="77"/>
+                      </a:rPr>
+                      <m:t>​</m:t>
+                    </m:r>
+                    <m:r>
+                      <m:rPr>
+                        <m:nor/>
+                      </m:rPr>
+                      <a:rPr lang="en-GB">
+                        <a:solidFill>
+                          <a:schemeClr val="bg1">
+                            <a:lumMod val="50000"/>
+                          </a:schemeClr>
+                        </a:solidFill>
+                        <a:latin typeface="Palatino" pitchFamily="2" charset="77"/>
+                        <a:ea typeface="Palatino" pitchFamily="2" charset="77"/>
+                      </a:rPr>
+                      <m:t>),</m:t>
+                    </m:r>
+                    <m:r>
+                      <m:rPr>
+                        <m:nor/>
+                      </m:rPr>
+                      <a:rPr lang="it-IT" b="0" i="0" smtClean="0">
+                        <a:solidFill>
+                          <a:schemeClr val="bg1">
+                            <a:lumMod val="50000"/>
+                          </a:schemeClr>
+                        </a:solidFill>
+                        <a:latin typeface="Palatino" pitchFamily="2" charset="77"/>
+                        <a:ea typeface="Palatino" pitchFamily="2" charset="77"/>
+                      </a:rPr>
+                      <m:t> </m:t>
+                    </m:r>
+                    <m:r>
+                      <m:rPr>
+                        <m:nor/>
+                      </m:rPr>
+                      <a:rPr lang="en-GB">
+                        <a:solidFill>
+                          <a:schemeClr val="bg1">
+                            <a:lumMod val="50000"/>
+                          </a:schemeClr>
+                        </a:solidFill>
+                        <a:latin typeface="Palatino" pitchFamily="2" charset="77"/>
+                        <a:ea typeface="Palatino" pitchFamily="2" charset="77"/>
+                      </a:rPr>
+                      <m:t>1)</m:t>
+                    </m:r>
+                  </m:oMath>
+                </a14:m>
+                <a:r>
+                  <a:rPr lang="en-IT" dirty="0">
+                    <a:solidFill>
+                      <a:schemeClr val="bg1">
+                        <a:lumMod val="50000"/>
+                      </a:schemeClr>
+                    </a:solidFill>
+                    <a:latin typeface="Palatino" pitchFamily="2" charset="77"/>
+                    <a:ea typeface="Palatino" pitchFamily="2" charset="77"/>
+                  </a:rPr>
+                  <a:t> </a:t>
+                </a:r>
+                <a14:m>
+                  <m:oMath xmlns:m="http://schemas.openxmlformats.org/officeDocument/2006/math">
+                    <m:r>
+                      <a:rPr lang="it-IT" sz="1600" b="0" i="0" dirty="0" smtClean="0">
+                        <a:solidFill>
+                          <a:schemeClr val="bg1">
+                            <a:lumMod val="50000"/>
+                          </a:schemeClr>
+                        </a:solidFill>
+                        <a:latin typeface="Cambria Math" panose="02040503050406030204" pitchFamily="18" charset="0"/>
+                        <a:ea typeface="Cambria Math" panose="02040503050406030204" pitchFamily="18" charset="0"/>
+                      </a:rPr>
+                      <m:t> </m:t>
+                    </m:r>
+                    <m:r>
+                      <a:rPr lang="en-IT" sz="1600" i="1" dirty="0" smtClean="0">
+                        <a:solidFill>
+                          <a:schemeClr val="bg1">
+                            <a:lumMod val="50000"/>
+                          </a:schemeClr>
+                        </a:solidFill>
+                        <a:latin typeface="Cambria Math" panose="02040503050406030204" pitchFamily="18" charset="0"/>
+                        <a:ea typeface="Cambria Math" panose="02040503050406030204" pitchFamily="18" charset="0"/>
+                      </a:rPr>
+                      <m:t>∀</m:t>
+                    </m:r>
+                  </m:oMath>
+                </a14:m>
+                <a:r>
+                  <a:rPr lang="en-GB" sz="1600" dirty="0">
+                    <a:solidFill>
+                      <a:schemeClr val="bg1">
+                        <a:lumMod val="50000"/>
+                      </a:schemeClr>
+                    </a:solidFill>
+                    <a:latin typeface="Palatino" pitchFamily="2" charset="77"/>
+                    <a:ea typeface="Palatino" pitchFamily="2" charset="77"/>
+                  </a:rPr>
+                  <a:t>i = 1, …, N</a:t>
+                </a:r>
+              </a:p>
+              <a:p>
+                <a:endParaRPr lang="en-GB" sz="1600" dirty="0">
+                  <a:solidFill>
+                    <a:schemeClr val="bg1">
+                      <a:lumMod val="50000"/>
+                    </a:schemeClr>
+                  </a:solidFill>
+                  <a:latin typeface="Palatino" pitchFamily="2" charset="77"/>
+                  <a:ea typeface="Palatino" pitchFamily="2" charset="77"/>
+                </a:endParaRPr>
+              </a:p>
+              <a:p>
+                <a:r>
+                  <a:rPr lang="en-GB" sz="1400" dirty="0">
+                    <a:solidFill>
+                      <a:schemeClr val="bg1">
+                        <a:lumMod val="50000"/>
+                      </a:schemeClr>
+                    </a:solidFill>
+                    <a:latin typeface="Palatino" pitchFamily="2" charset="77"/>
+                    <a:ea typeface="Palatino" pitchFamily="2" charset="77"/>
+                  </a:rPr>
+                  <a:t>Where A</a:t>
+                </a:r>
+                <a:r>
+                  <a:rPr lang="en-GB" sz="1400" baseline="-25000" dirty="0">
+                    <a:solidFill>
+                      <a:schemeClr val="bg1">
+                        <a:lumMod val="50000"/>
+                      </a:schemeClr>
+                    </a:solidFill>
+                    <a:latin typeface="Palatino" pitchFamily="2" charset="77"/>
+                    <a:ea typeface="Palatino" pitchFamily="2" charset="77"/>
+                  </a:rPr>
+                  <a:t>1</a:t>
+                </a:r>
+                <a:r>
+                  <a:rPr lang="en-GB" sz="1400" dirty="0">
+                    <a:solidFill>
+                      <a:schemeClr val="bg1">
+                        <a:lumMod val="50000"/>
+                      </a:schemeClr>
+                    </a:solidFill>
+                    <a:latin typeface="Palatino" pitchFamily="2" charset="77"/>
+                    <a:ea typeface="Palatino" pitchFamily="2" charset="77"/>
+                  </a:rPr>
+                  <a:t> = 2.0, P</a:t>
+                </a:r>
+                <a:r>
+                  <a:rPr lang="en-GB" sz="1400" baseline="-25000" dirty="0">
+                    <a:solidFill>
+                      <a:schemeClr val="bg1">
+                        <a:lumMod val="50000"/>
+                      </a:schemeClr>
+                    </a:solidFill>
+                    <a:latin typeface="Palatino" pitchFamily="2" charset="77"/>
+                    <a:ea typeface="Palatino" pitchFamily="2" charset="77"/>
+                  </a:rPr>
+                  <a:t>1</a:t>
+                </a:r>
+                <a:r>
+                  <a:rPr lang="en-GB" sz="1400" dirty="0">
+                    <a:solidFill>
+                      <a:schemeClr val="bg1">
+                        <a:lumMod val="50000"/>
+                      </a:schemeClr>
+                    </a:solidFill>
+                    <a:latin typeface="Palatino" pitchFamily="2" charset="77"/>
+                    <a:ea typeface="Palatino" pitchFamily="2" charset="77"/>
+                  </a:rPr>
+                  <a:t> = 1000, A</a:t>
+                </a:r>
+                <a:r>
+                  <a:rPr lang="en-GB" sz="1400" baseline="-25000" dirty="0">
+                    <a:solidFill>
+                      <a:schemeClr val="bg1">
+                        <a:lumMod val="50000"/>
+                      </a:schemeClr>
+                    </a:solidFill>
+                    <a:latin typeface="Palatino" pitchFamily="2" charset="77"/>
+                    <a:ea typeface="Palatino" pitchFamily="2" charset="77"/>
+                  </a:rPr>
+                  <a:t>2</a:t>
+                </a:r>
+                <a:r>
+                  <a:rPr lang="en-GB" sz="1400" dirty="0">
+                    <a:solidFill>
+                      <a:schemeClr val="bg1">
+                        <a:lumMod val="50000"/>
+                      </a:schemeClr>
+                    </a:solidFill>
+                    <a:latin typeface="Palatino" pitchFamily="2" charset="77"/>
+                    <a:ea typeface="Palatino" pitchFamily="2" charset="77"/>
+                  </a:rPr>
+                  <a:t> = 1.5 and P</a:t>
+                </a:r>
+                <a:r>
+                  <a:rPr lang="en-GB" sz="1400" baseline="-25000" dirty="0">
+                    <a:solidFill>
+                      <a:schemeClr val="bg1">
+                        <a:lumMod val="50000"/>
+                      </a:schemeClr>
+                    </a:solidFill>
+                    <a:latin typeface="Palatino" pitchFamily="2" charset="77"/>
+                    <a:ea typeface="Palatino" pitchFamily="2" charset="77"/>
+                  </a:rPr>
+                  <a:t>2</a:t>
+                </a:r>
+                <a:r>
+                  <a:rPr lang="en-GB" sz="1400" dirty="0">
+                    <a:solidFill>
+                      <a:schemeClr val="bg1">
+                        <a:lumMod val="50000"/>
+                      </a:schemeClr>
+                    </a:solidFill>
+                    <a:latin typeface="Palatino" pitchFamily="2" charset="77"/>
+                    <a:ea typeface="Palatino" pitchFamily="2" charset="77"/>
+                  </a:rPr>
+                  <a:t> = 1500, A</a:t>
+                </a:r>
+                <a:r>
+                  <a:rPr lang="en-GB" sz="1400" baseline="-25000" dirty="0">
+                    <a:solidFill>
+                      <a:schemeClr val="bg1">
+                        <a:lumMod val="50000"/>
+                      </a:schemeClr>
+                    </a:solidFill>
+                    <a:latin typeface="Palatino" pitchFamily="2" charset="77"/>
+                    <a:ea typeface="Palatino" pitchFamily="2" charset="77"/>
+                  </a:rPr>
+                  <a:t>3</a:t>
+                </a:r>
+                <a:r>
+                  <a:rPr lang="en-GB" sz="1400" dirty="0">
+                    <a:solidFill>
+                      <a:schemeClr val="bg1">
+                        <a:lumMod val="50000"/>
+                      </a:schemeClr>
+                    </a:solidFill>
+                    <a:latin typeface="Palatino" pitchFamily="2" charset="77"/>
+                    <a:ea typeface="Palatino" pitchFamily="2" charset="77"/>
+                  </a:rPr>
+                  <a:t> = 1.0 and P</a:t>
+                </a:r>
+                <a:r>
+                  <a:rPr lang="en-GB" sz="1400" baseline="-25000" dirty="0">
+                    <a:solidFill>
+                      <a:schemeClr val="bg1">
+                        <a:lumMod val="50000"/>
+                      </a:schemeClr>
+                    </a:solidFill>
+                    <a:latin typeface="Palatino" pitchFamily="2" charset="77"/>
+                    <a:ea typeface="Palatino" pitchFamily="2" charset="77"/>
+                  </a:rPr>
+                  <a:t>3</a:t>
+                </a:r>
+                <a:r>
+                  <a:rPr lang="en-GB" sz="1400" dirty="0">
+                    <a:solidFill>
+                      <a:schemeClr val="bg1">
+                        <a:lumMod val="50000"/>
+                      </a:schemeClr>
+                    </a:solidFill>
+                    <a:latin typeface="Palatino" pitchFamily="2" charset="77"/>
+                    <a:ea typeface="Palatino" pitchFamily="2" charset="77"/>
+                  </a:rPr>
+                  <a:t> = 800</a:t>
+                </a:r>
+                <a:endParaRPr lang="en-IT" sz="1400" dirty="0">
+                  <a:solidFill>
+                    <a:schemeClr val="bg1">
+                      <a:lumMod val="50000"/>
+                    </a:schemeClr>
+                  </a:solidFill>
+                  <a:latin typeface="Palatino" pitchFamily="2" charset="77"/>
+                  <a:ea typeface="Palatino" pitchFamily="2" charset="77"/>
+                </a:endParaRPr>
+              </a:p>
+              <a:p>
+                <a:endParaRPr lang="en-IT" dirty="0">
+                  <a:solidFill>
+                    <a:schemeClr val="bg1">
+                      <a:lumMod val="50000"/>
+                    </a:schemeClr>
+                  </a:solidFill>
+                  <a:latin typeface="Palatino" pitchFamily="2" charset="77"/>
+                  <a:ea typeface="Palatino" pitchFamily="2" charset="77"/>
+                </a:endParaRPr>
+              </a:p>
+            </p:txBody>
+          </p:sp>
+        </mc:Choice>
+        <mc:Fallback xmlns="">
+          <p:sp>
+            <p:nvSpPr>
+              <p:cNvPr id="5" name="TextBox 4">
+                <a:extLst>
+                  <a:ext uri="{FF2B5EF4-FFF2-40B4-BE49-F238E27FC236}">
+                    <a16:creationId xmlns:a16="http://schemas.microsoft.com/office/drawing/2014/main" id="{E448A6DC-6136-002A-F10A-143D4CC71DAF}"/>
+                  </a:ext>
+                </a:extLst>
+              </p:cNvPr>
+              <p:cNvSpPr txBox="1">
+                <a:spLocks noRot="1" noChangeAspect="1" noMove="1" noResize="1" noEditPoints="1" noAdjustHandles="1" noChangeArrowheads="1" noChangeShapeType="1" noTextEdit="1"/>
+              </p:cNvSpPr>
+              <p:nvPr/>
+            </p:nvSpPr>
+            <p:spPr>
+              <a:xfrm>
+                <a:off x="838200" y="1690688"/>
+                <a:ext cx="10786242" cy="1798634"/>
+              </a:xfrm>
+              <a:prstGeom prst="rect">
+                <a:avLst/>
+              </a:prstGeom>
+              <a:blipFill>
+                <a:blip r:embed="rId3"/>
+                <a:stretch>
+                  <a:fillRect l="-941" t="-2098"/>
+                </a:stretch>
+              </a:blipFill>
+            </p:spPr>
+            <p:txBody>
+              <a:bodyPr/>
+              <a:lstStyle/>
+              <a:p>
+                <a:r>
+                  <a:rPr lang="en-IT">
+                    <a:noFill/>
+                  </a:rPr>
+                  <a:t> </a:t>
+                </a:r>
+              </a:p>
+            </p:txBody>
+          </p:sp>
+        </mc:Fallback>
+      </mc:AlternateContent>
+    </p:spTree>
+    <p:extLst>
+      <p:ext uri="{BB962C8B-B14F-4D97-AF65-F5344CB8AC3E}">
+        <p14:creationId xmlns:p14="http://schemas.microsoft.com/office/powerpoint/2010/main" val="2514337143"/>
+      </p:ext>
+    </p:extLst>
+  </p:cSld>
+  <p:clrMapOvr>
+    <a:masterClrMapping/>
+  </p:clrMapOvr>
+</p:sld>
+</file>
+
+<file path=ppt/slides/slide43.xml><?xml version="1.0" encoding="utf-8"?>
+<p:sld xmlns:a="http://schemas.openxmlformats.org/drawingml/2006/main" xmlns:r="http://schemas.openxmlformats.org/officeDocument/2006/relationships" xmlns:p="http://schemas.openxmlformats.org/presentationml/2006/main">
+  <p:cSld>
+    <p:spTree>
+      <p:nvGrpSpPr>
+        <p:cNvPr id="1" name="">
+          <a:extLst>
+            <a:ext uri="{FF2B5EF4-FFF2-40B4-BE49-F238E27FC236}">
+              <a16:creationId xmlns:a16="http://schemas.microsoft.com/office/drawing/2014/main" id="{9D25C7BF-55B0-D1DB-CC54-E84C34F5F271}"/>
+            </a:ext>
+          </a:extLst>
+        </p:cNvPr>
+        <p:cNvGrpSpPr/>
+        <p:nvPr/>
+      </p:nvGrpSpPr>
+      <p:grpSpPr>
+        <a:xfrm>
+          <a:off x="0" y="0"/>
+          <a:ext cx="0" cy="0"/>
+          <a:chOff x="0" y="0"/>
+          <a:chExt cx="0" cy="0"/>
+        </a:xfrm>
+      </p:grpSpPr>
+      <p:sp>
+        <p:nvSpPr>
+          <p:cNvPr id="2" name="Title 1">
+            <a:extLst>
+              <a:ext uri="{FF2B5EF4-FFF2-40B4-BE49-F238E27FC236}">
+                <a16:creationId xmlns:a16="http://schemas.microsoft.com/office/drawing/2014/main" id="{61DC636B-B77B-802D-0619-FC109BED5FBA}"/>
+              </a:ext>
+            </a:extLst>
+          </p:cNvPr>
+          <p:cNvSpPr>
+            <a:spLocks noGrp="1"/>
+          </p:cNvSpPr>
+          <p:nvPr>
+            <p:ph type="title"/>
+          </p:nvPr>
+        </p:nvSpPr>
+        <p:spPr>
+          <a:xfrm>
+            <a:off x="838200" y="587633"/>
+            <a:ext cx="10515600" cy="1325563"/>
+          </a:xfrm>
+        </p:spPr>
+        <p:txBody>
+          <a:bodyPr/>
+          <a:lstStyle/>
+          <a:p>
+            <a:pPr algn="ctr"/>
+            <a:r>
+              <a:rPr lang="en-IT" sz="5400" dirty="0">
+                <a:latin typeface="Palatino" pitchFamily="2" charset="77"/>
+                <a:ea typeface="Palatino" pitchFamily="2" charset="77"/>
+              </a:rPr>
+              <a:t>Environment</a:t>
+            </a:r>
+            <a:endParaRPr lang="en-IT" dirty="0">
+              <a:latin typeface="Palatino" pitchFamily="2" charset="77"/>
+              <a:ea typeface="Palatino" pitchFamily="2" charset="77"/>
+            </a:endParaRPr>
+          </a:p>
+        </p:txBody>
+      </p:sp>
+      <p:pic>
+        <p:nvPicPr>
+          <p:cNvPr id="3" name="Picture 2">
+            <a:extLst>
+              <a:ext uri="{FF2B5EF4-FFF2-40B4-BE49-F238E27FC236}">
+                <a16:creationId xmlns:a16="http://schemas.microsoft.com/office/drawing/2014/main" id="{46838BAC-BB1D-2BE3-F05E-F15B9B6B96BA}"/>
+              </a:ext>
+            </a:extLst>
+          </p:cNvPr>
+          <p:cNvPicPr>
+            <a:picLocks noChangeAspect="1"/>
+          </p:cNvPicPr>
+          <p:nvPr/>
+        </p:nvPicPr>
+        <p:blipFill>
+          <a:blip r:embed="rId2"/>
+          <a:stretch>
+            <a:fillRect/>
+          </a:stretch>
+        </p:blipFill>
+        <p:spPr>
+          <a:xfrm>
+            <a:off x="635346" y="2536456"/>
+            <a:ext cx="10921307" cy="2996327"/>
+          </a:xfrm>
+          <a:prstGeom prst="rect">
+            <a:avLst/>
+          </a:prstGeom>
+        </p:spPr>
+      </p:pic>
+    </p:spTree>
+    <p:extLst>
+      <p:ext uri="{BB962C8B-B14F-4D97-AF65-F5344CB8AC3E}">
+        <p14:creationId xmlns:p14="http://schemas.microsoft.com/office/powerpoint/2010/main" val="577499228"/>
+      </p:ext>
+    </p:extLst>
+  </p:cSld>
+  <p:clrMapOvr>
+    <a:masterClrMapping/>
+  </p:clrMapOvr>
+</p:sld>
+</file>
+
+<file path=ppt/slides/slide44.xml><?xml version="1.0" encoding="utf-8"?>
+<p:sld xmlns:a="http://schemas.openxmlformats.org/drawingml/2006/main" xmlns:r="http://schemas.openxmlformats.org/officeDocument/2006/relationships" xmlns:p="http://schemas.openxmlformats.org/presentationml/2006/main">
+  <p:cSld>
+    <p:spTree>
+      <p:nvGrpSpPr>
+        <p:cNvPr id="1" name="">
+          <a:extLst>
+            <a:ext uri="{FF2B5EF4-FFF2-40B4-BE49-F238E27FC236}">
+              <a16:creationId xmlns:a16="http://schemas.microsoft.com/office/drawing/2014/main" id="{B95EF509-9339-2947-1F42-177E9E5A5ACA}"/>
+            </a:ext>
+          </a:extLst>
+        </p:cNvPr>
+        <p:cNvGrpSpPr/>
+        <p:nvPr/>
+      </p:nvGrpSpPr>
+      <p:grpSpPr>
+        <a:xfrm>
+          <a:off x="0" y="0"/>
+          <a:ext cx="0" cy="0"/>
+          <a:chOff x="0" y="0"/>
+          <a:chExt cx="0" cy="0"/>
+        </a:xfrm>
+      </p:grpSpPr>
+      <p:sp>
+        <p:nvSpPr>
+          <p:cNvPr id="2" name="Title 1">
+            <a:extLst>
+              <a:ext uri="{FF2B5EF4-FFF2-40B4-BE49-F238E27FC236}">
+                <a16:creationId xmlns:a16="http://schemas.microsoft.com/office/drawing/2014/main" id="{DCF2FC34-D682-B15B-80D0-45F3C0A8C59C}"/>
+              </a:ext>
+            </a:extLst>
+          </p:cNvPr>
+          <p:cNvSpPr>
+            <a:spLocks noGrp="1"/>
+          </p:cNvSpPr>
+          <p:nvPr>
+            <p:ph type="title"/>
+          </p:nvPr>
+        </p:nvSpPr>
+        <p:spPr/>
+        <p:txBody>
+          <a:bodyPr/>
+          <a:lstStyle/>
+          <a:p>
+            <a:r>
+              <a:rPr lang="en-IT" dirty="0">
+                <a:latin typeface="Palatino" pitchFamily="2" charset="77"/>
+                <a:ea typeface="Palatino" pitchFamily="2" charset="77"/>
+              </a:rPr>
+              <a:t>Strategy</a:t>
+            </a:r>
+          </a:p>
+        </p:txBody>
+      </p:sp>
+      <mc:AlternateContent xmlns:mc="http://schemas.openxmlformats.org/markup-compatibility/2006" xmlns:a14="http://schemas.microsoft.com/office/drawing/2010/main">
+        <mc:Choice Requires="a14">
+          <p:sp>
+            <p:nvSpPr>
+              <p:cNvPr id="3" name="Content Placeholder 2">
+                <a:extLst>
+                  <a:ext uri="{FF2B5EF4-FFF2-40B4-BE49-F238E27FC236}">
+                    <a16:creationId xmlns:a16="http://schemas.microsoft.com/office/drawing/2014/main" id="{5E04518C-7C05-D1F1-1073-F7B3A7FD2DE0}"/>
+                  </a:ext>
+                </a:extLst>
+              </p:cNvPr>
+              <p:cNvSpPr>
+                <a:spLocks noGrp="1"/>
+              </p:cNvSpPr>
+              <p:nvPr>
+                <p:ph idx="1"/>
+              </p:nvPr>
+            </p:nvSpPr>
+            <p:spPr>
+              <a:xfrm>
+                <a:off x="838200" y="1668323"/>
+                <a:ext cx="10515600" cy="3426192"/>
+              </a:xfrm>
+            </p:spPr>
+            <p:txBody>
+              <a:bodyPr>
+                <a:noAutofit/>
+              </a:bodyPr>
+              <a:lstStyle/>
+              <a:p>
+                <a:pPr marL="0" indent="0">
+                  <a:spcBef>
+                    <a:spcPts val="0"/>
+                  </a:spcBef>
+                  <a:spcAft>
+                    <a:spcPts val="1200"/>
+                  </a:spcAft>
+                  <a:buNone/>
+                </a:pPr>
+                <a:r>
+                  <a:rPr lang="en-GB" sz="2400" dirty="0">
+                    <a:latin typeface="Palatino" pitchFamily="2" charset="77"/>
+                    <a:ea typeface="Palatino" pitchFamily="2" charset="77"/>
+                  </a:rPr>
+                  <a:t>Idea</a:t>
+                </a:r>
+              </a:p>
+              <a:p>
+                <a:pPr marL="0" indent="0">
+                  <a:spcBef>
+                    <a:spcPts val="0"/>
+                  </a:spcBef>
+                  <a:spcAft>
+                    <a:spcPts val="1200"/>
+                  </a:spcAft>
+                  <a:buNone/>
+                </a:pPr>
+                <a:r>
+                  <a:rPr lang="en-GB" sz="1800" dirty="0">
+                    <a:solidFill>
+                      <a:schemeClr val="bg1">
+                        <a:lumMod val="50000"/>
+                      </a:schemeClr>
+                    </a:solidFill>
+                    <a:latin typeface="Palatino" pitchFamily="2" charset="77"/>
+                    <a:ea typeface="Palatino" pitchFamily="2" charset="77"/>
+                  </a:rPr>
+                  <a:t>We simply </a:t>
+                </a:r>
+                <a:r>
+                  <a:rPr lang="en-GB" sz="1800" i="1" dirty="0">
+                    <a:solidFill>
+                      <a:schemeClr val="bg1">
+                        <a:lumMod val="50000"/>
+                      </a:schemeClr>
+                    </a:solidFill>
+                    <a:latin typeface="Palatino" pitchFamily="2" charset="77"/>
+                    <a:ea typeface="Palatino" pitchFamily="2" charset="77"/>
+                  </a:rPr>
+                  <a:t>extend</a:t>
+                </a:r>
+                <a:r>
+                  <a:rPr lang="en-GB" sz="1800" dirty="0">
+                    <a:solidFill>
+                      <a:schemeClr val="bg1">
+                        <a:lumMod val="50000"/>
+                      </a:schemeClr>
+                    </a:solidFill>
+                    <a:latin typeface="Palatino" pitchFamily="2" charset="77"/>
+                    <a:ea typeface="Palatino" pitchFamily="2" charset="77"/>
+                  </a:rPr>
+                  <a:t> our primal-dual pricing strategy to a </a:t>
+                </a:r>
+                <a:r>
+                  <a:rPr lang="en-GB" sz="1800" i="1" dirty="0">
+                    <a:solidFill>
+                      <a:schemeClr val="bg1">
+                        <a:lumMod val="50000"/>
+                      </a:schemeClr>
+                    </a:solidFill>
+                    <a:latin typeface="Palatino" pitchFamily="2" charset="77"/>
+                    <a:ea typeface="Palatino" pitchFamily="2" charset="77"/>
+                  </a:rPr>
+                  <a:t>multi-product</a:t>
+                </a:r>
+                <a:r>
+                  <a:rPr lang="en-GB" sz="1800" dirty="0">
+                    <a:solidFill>
+                      <a:schemeClr val="bg1">
+                        <a:lumMod val="50000"/>
+                      </a:schemeClr>
+                    </a:solidFill>
+                    <a:latin typeface="Palatino" pitchFamily="2" charset="77"/>
+                    <a:ea typeface="Palatino" pitchFamily="2" charset="77"/>
+                  </a:rPr>
+                  <a:t> setting under highly non-stationary demand</a:t>
+                </a:r>
+              </a:p>
+              <a:p>
+                <a:pPr marL="0" indent="0">
+                  <a:spcBef>
+                    <a:spcPts val="0"/>
+                  </a:spcBef>
+                  <a:spcAft>
+                    <a:spcPts val="1200"/>
+                  </a:spcAft>
+                  <a:buNone/>
+                </a:pPr>
+                <a:r>
+                  <a:rPr lang="en-GB" sz="1800" dirty="0">
+                    <a:solidFill>
+                      <a:schemeClr val="bg1">
+                        <a:lumMod val="50000"/>
+                      </a:schemeClr>
+                    </a:solidFill>
+                    <a:latin typeface="Palatino" pitchFamily="2" charset="77"/>
+                    <a:ea typeface="Palatino" pitchFamily="2" charset="77"/>
+                  </a:rPr>
+                  <a:t>The primal regret minimizer - instead of exploring the arms - receives by the framework a reward which is penalized by the dual component, for each </a:t>
+                </a:r>
+                <a:r>
+                  <a:rPr lang="en-GB" sz="1800" i="1" dirty="0">
+                    <a:solidFill>
+                      <a:schemeClr val="bg1">
+                        <a:lumMod val="50000"/>
+                      </a:schemeClr>
+                    </a:solidFill>
+                    <a:latin typeface="Palatino" pitchFamily="2" charset="77"/>
+                    <a:ea typeface="Palatino" pitchFamily="2" charset="77"/>
+                  </a:rPr>
+                  <a:t>superarm</a:t>
+                </a:r>
+              </a:p>
+              <a:p>
+                <a:pPr marL="0" indent="0">
+                  <a:spcBef>
+                    <a:spcPts val="0"/>
+                  </a:spcBef>
+                  <a:spcAft>
+                    <a:spcPts val="1800"/>
+                  </a:spcAft>
+                  <a:buNone/>
+                </a:pPr>
+                <a:r>
+                  <a:rPr lang="en-GB" sz="1800" dirty="0">
+                    <a:solidFill>
+                      <a:schemeClr val="bg1">
+                        <a:lumMod val="50000"/>
+                      </a:schemeClr>
+                    </a:solidFill>
+                    <a:latin typeface="Palatino" pitchFamily="2" charset="77"/>
+                    <a:ea typeface="Palatino" pitchFamily="2" charset="77"/>
+                  </a:rPr>
+                  <a:t>The Lagrangian function is indeed </a:t>
+                </a:r>
+                <a14:m>
+                  <m:oMath xmlns:m="http://schemas.openxmlformats.org/officeDocument/2006/math">
+                    <m:r>
+                      <a:rPr lang="en-GB" sz="1800" i="1" dirty="0" smtClean="0">
+                        <a:solidFill>
+                          <a:schemeClr val="bg1">
+                            <a:lumMod val="50000"/>
+                          </a:schemeClr>
+                        </a:solidFill>
+                        <a:latin typeface="Cambria Math" panose="02040503050406030204" pitchFamily="18" charset="0"/>
+                        <a:ea typeface="Cambria Math" panose="02040503050406030204" pitchFamily="18" charset="0"/>
+                      </a:rPr>
+                      <m:t>ℒ</m:t>
+                    </m:r>
+                    <m:r>
+                      <a:rPr lang="it-IT" sz="1800" b="0" i="1" baseline="-25000" dirty="0" smtClean="0">
+                        <a:solidFill>
+                          <a:schemeClr val="bg1">
+                            <a:lumMod val="50000"/>
+                          </a:schemeClr>
+                        </a:solidFill>
+                        <a:latin typeface="Cambria Math" panose="02040503050406030204" pitchFamily="18" charset="0"/>
+                        <a:ea typeface="Palatino" pitchFamily="2" charset="77"/>
+                      </a:rPr>
+                      <m:t>𝑠</m:t>
+                    </m:r>
+                    <m:r>
+                      <a:rPr lang="it-IT" sz="1800" b="0" i="1" dirty="0" smtClean="0">
+                        <a:solidFill>
+                          <a:schemeClr val="bg1">
+                            <a:lumMod val="50000"/>
+                          </a:schemeClr>
+                        </a:solidFill>
+                        <a:latin typeface="Cambria Math" panose="02040503050406030204" pitchFamily="18" charset="0"/>
+                        <a:ea typeface="Palatino" pitchFamily="2" charset="77"/>
+                      </a:rPr>
+                      <m:t>(</m:t>
+                    </m:r>
+                    <m:r>
+                      <a:rPr lang="it-IT" sz="1800" b="0" i="1" dirty="0" smtClean="0">
+                        <a:solidFill>
+                          <a:schemeClr val="bg1">
+                            <a:lumMod val="50000"/>
+                          </a:schemeClr>
+                        </a:solidFill>
+                        <a:latin typeface="Cambria Math" panose="02040503050406030204" pitchFamily="18" charset="0"/>
+                        <a:ea typeface="Palatino" pitchFamily="2" charset="77"/>
+                      </a:rPr>
+                      <m:t>𝑡</m:t>
+                    </m:r>
+                    <m:r>
+                      <a:rPr lang="it-IT" sz="1800" b="0" i="1" dirty="0" smtClean="0">
+                        <a:solidFill>
+                          <a:schemeClr val="bg1">
+                            <a:lumMod val="50000"/>
+                          </a:schemeClr>
+                        </a:solidFill>
+                        <a:latin typeface="Cambria Math" panose="02040503050406030204" pitchFamily="18" charset="0"/>
+                        <a:ea typeface="Palatino" pitchFamily="2" charset="77"/>
+                      </a:rPr>
+                      <m:t>)= </m:t>
+                    </m:r>
+                    <m:nary>
+                      <m:naryPr>
+                        <m:chr m:val="∑"/>
+                        <m:ctrlPr>
+                          <a:rPr lang="en-GB" sz="1800" i="1" smtClean="0">
+                            <a:solidFill>
+                              <a:schemeClr val="bg1">
+                                <a:lumMod val="50000"/>
+                              </a:schemeClr>
+                            </a:solidFill>
+                            <a:latin typeface="Cambria Math" panose="02040503050406030204" pitchFamily="18" charset="0"/>
+                            <a:ea typeface="Palatino" pitchFamily="2" charset="77"/>
+                          </a:rPr>
+                        </m:ctrlPr>
+                      </m:naryPr>
+                      <m:sub>
+                        <m:r>
+                          <m:rPr>
+                            <m:brk m:alnAt="23"/>
+                          </m:rPr>
+                          <a:rPr lang="it-IT" sz="1800" b="0" i="1" smtClean="0">
+                            <a:solidFill>
+                              <a:schemeClr val="bg1">
+                                <a:lumMod val="50000"/>
+                              </a:schemeClr>
+                            </a:solidFill>
+                            <a:latin typeface="Cambria Math" panose="02040503050406030204" pitchFamily="18" charset="0"/>
+                            <a:ea typeface="Palatino" pitchFamily="2" charset="77"/>
+                          </a:rPr>
+                          <m:t>𝑎</m:t>
+                        </m:r>
+                        <m:r>
+                          <a:rPr lang="it-IT" sz="1800" b="0" i="1" smtClean="0">
+                            <a:solidFill>
+                              <a:schemeClr val="bg1">
+                                <a:lumMod val="50000"/>
+                              </a:schemeClr>
+                            </a:solidFill>
+                            <a:latin typeface="Cambria Math" panose="02040503050406030204" pitchFamily="18" charset="0"/>
+                            <a:ea typeface="Cambria Math" panose="02040503050406030204" pitchFamily="18" charset="0"/>
+                          </a:rPr>
+                          <m:t>∈</m:t>
+                        </m:r>
+                        <m:r>
+                          <a:rPr lang="it-IT" sz="1800" b="0" i="1" smtClean="0">
+                            <a:solidFill>
+                              <a:schemeClr val="bg1">
+                                <a:lumMod val="50000"/>
+                              </a:schemeClr>
+                            </a:solidFill>
+                            <a:latin typeface="Cambria Math" panose="02040503050406030204" pitchFamily="18" charset="0"/>
+                            <a:ea typeface="Cambria Math" panose="02040503050406030204" pitchFamily="18" charset="0"/>
+                          </a:rPr>
+                          <m:t>𝑆</m:t>
+                        </m:r>
+                      </m:sub>
+                      <m:sup>
+                        <m:r>
+                          <a:rPr lang="it-IT" sz="1800" b="0" i="1" smtClean="0">
+                            <a:solidFill>
+                              <a:schemeClr val="bg1">
+                                <a:lumMod val="50000"/>
+                              </a:schemeClr>
+                            </a:solidFill>
+                            <a:latin typeface="Cambria Math" panose="02040503050406030204" pitchFamily="18" charset="0"/>
+                            <a:ea typeface="Palatino" pitchFamily="2" charset="77"/>
+                          </a:rPr>
+                          <m:t>𝑆</m:t>
+                        </m:r>
+                      </m:sup>
+                      <m:e>
+                        <m:r>
+                          <a:rPr lang="it-IT" sz="1800" b="0" i="1" smtClean="0">
+                            <a:solidFill>
+                              <a:schemeClr val="bg1">
+                                <a:lumMod val="50000"/>
+                              </a:schemeClr>
+                            </a:solidFill>
+                            <a:latin typeface="Cambria Math" panose="02040503050406030204" pitchFamily="18" charset="0"/>
+                            <a:ea typeface="Palatino" pitchFamily="2" charset="77"/>
+                          </a:rPr>
+                          <m:t>[</m:t>
+                        </m:r>
+                        <m:r>
+                          <a:rPr lang="it-IT" sz="1800" b="0" i="1" smtClean="0">
+                            <a:solidFill>
+                              <a:schemeClr val="bg1">
+                                <a:lumMod val="50000"/>
+                              </a:schemeClr>
+                            </a:solidFill>
+                            <a:latin typeface="Cambria Math" panose="02040503050406030204" pitchFamily="18" charset="0"/>
+                            <a:ea typeface="Palatino" pitchFamily="2" charset="77"/>
+                          </a:rPr>
+                          <m:t>𝑟</m:t>
+                        </m:r>
+                      </m:e>
+                    </m:nary>
+                    <m:r>
+                      <a:rPr lang="it-IT" sz="1800" b="0" i="1" baseline="-25000" smtClean="0">
+                        <a:solidFill>
+                          <a:schemeClr val="bg1">
+                            <a:lumMod val="50000"/>
+                          </a:schemeClr>
+                        </a:solidFill>
+                        <a:latin typeface="Cambria Math" panose="02040503050406030204" pitchFamily="18" charset="0"/>
+                        <a:ea typeface="Palatino" pitchFamily="2" charset="77"/>
+                      </a:rPr>
+                      <m:t>𝑎</m:t>
+                    </m:r>
+                    <m:r>
+                      <a:rPr lang="it-IT" sz="1800" b="0" i="0" smtClean="0">
+                        <a:solidFill>
+                          <a:schemeClr val="bg1">
+                            <a:lumMod val="50000"/>
+                          </a:schemeClr>
+                        </a:solidFill>
+                        <a:latin typeface="Cambria Math" panose="02040503050406030204" pitchFamily="18" charset="0"/>
+                        <a:ea typeface="Palatino" pitchFamily="2" charset="77"/>
+                      </a:rPr>
+                      <m:t>(</m:t>
+                    </m:r>
+                    <m:r>
+                      <m:rPr>
+                        <m:sty m:val="p"/>
+                      </m:rPr>
+                      <a:rPr lang="it-IT" sz="1800" b="0" i="0" smtClean="0">
+                        <a:solidFill>
+                          <a:schemeClr val="bg1">
+                            <a:lumMod val="50000"/>
+                          </a:schemeClr>
+                        </a:solidFill>
+                        <a:latin typeface="Cambria Math" panose="02040503050406030204" pitchFamily="18" charset="0"/>
+                        <a:ea typeface="Palatino" pitchFamily="2" charset="77"/>
+                      </a:rPr>
+                      <m:t>t</m:t>
+                    </m:r>
+                    <m:r>
+                      <a:rPr lang="it-IT" sz="1800" b="0" i="0" smtClean="0">
+                        <a:solidFill>
+                          <a:schemeClr val="bg1">
+                            <a:lumMod val="50000"/>
+                          </a:schemeClr>
+                        </a:solidFill>
+                        <a:latin typeface="Cambria Math" panose="02040503050406030204" pitchFamily="18" charset="0"/>
+                        <a:ea typeface="Palatino" pitchFamily="2" charset="77"/>
+                      </a:rPr>
+                      <m:t>)] − </m:t>
+                    </m:r>
+                    <m:r>
+                      <m:rPr>
+                        <m:sty m:val="p"/>
+                      </m:rPr>
+                      <a:rPr lang="en-GB" sz="1800" dirty="0">
+                        <a:solidFill>
+                          <a:schemeClr val="bg1">
+                            <a:lumMod val="50000"/>
+                          </a:schemeClr>
+                        </a:solidFill>
+                        <a:latin typeface="Cambria Math" panose="02040503050406030204" pitchFamily="18" charset="0"/>
+                        <a:ea typeface="Palatino" pitchFamily="2" charset="77"/>
+                      </a:rPr>
+                      <m:t>λ</m:t>
+                    </m:r>
+                    <m:r>
+                      <m:rPr>
+                        <m:sty m:val="p"/>
+                      </m:rPr>
+                      <a:rPr lang="it-IT" sz="1800" b="0" i="0" baseline="-25000" dirty="0" smtClean="0">
+                        <a:solidFill>
+                          <a:schemeClr val="bg1">
+                            <a:lumMod val="50000"/>
+                          </a:schemeClr>
+                        </a:solidFill>
+                        <a:latin typeface="Cambria Math" panose="02040503050406030204" pitchFamily="18" charset="0"/>
+                        <a:ea typeface="Palatino" pitchFamily="2" charset="77"/>
+                      </a:rPr>
+                      <m:t>t</m:t>
+                    </m:r>
+                    <m:r>
+                      <a:rPr lang="it-IT" sz="1800" b="0" i="1" dirty="0" smtClean="0">
+                        <a:solidFill>
+                          <a:schemeClr val="bg1">
+                            <a:lumMod val="50000"/>
+                          </a:schemeClr>
+                        </a:solidFill>
+                        <a:latin typeface="Cambria Math" panose="02040503050406030204" pitchFamily="18" charset="0"/>
+                        <a:ea typeface="Cambria Math" panose="02040503050406030204" pitchFamily="18" charset="0"/>
+                      </a:rPr>
+                      <m:t>∙(</m:t>
+                    </m:r>
+                    <m:nary>
+                      <m:naryPr>
+                        <m:chr m:val="∑"/>
+                        <m:ctrlPr>
+                          <a:rPr lang="en-GB" sz="1800" i="1">
+                            <a:solidFill>
+                              <a:schemeClr val="bg1">
+                                <a:lumMod val="50000"/>
+                              </a:schemeClr>
+                            </a:solidFill>
+                            <a:latin typeface="Cambria Math" panose="02040503050406030204" pitchFamily="18" charset="0"/>
+                            <a:ea typeface="Palatino" pitchFamily="2" charset="77"/>
+                          </a:rPr>
+                        </m:ctrlPr>
+                      </m:naryPr>
+                      <m:sub>
+                        <m:r>
+                          <m:rPr>
+                            <m:brk m:alnAt="23"/>
+                          </m:rPr>
+                          <a:rPr lang="it-IT" sz="1800" i="1">
+                            <a:solidFill>
+                              <a:schemeClr val="bg1">
+                                <a:lumMod val="50000"/>
+                              </a:schemeClr>
+                            </a:solidFill>
+                            <a:latin typeface="Cambria Math" panose="02040503050406030204" pitchFamily="18" charset="0"/>
+                            <a:ea typeface="Palatino" pitchFamily="2" charset="77"/>
+                          </a:rPr>
+                          <m:t>𝑎</m:t>
+                        </m:r>
+                        <m:r>
+                          <a:rPr lang="it-IT" sz="1800" i="1">
+                            <a:solidFill>
+                              <a:schemeClr val="bg1">
+                                <a:lumMod val="50000"/>
+                              </a:schemeClr>
+                            </a:solidFill>
+                            <a:latin typeface="Cambria Math" panose="02040503050406030204" pitchFamily="18" charset="0"/>
+                            <a:ea typeface="Cambria Math" panose="02040503050406030204" pitchFamily="18" charset="0"/>
+                          </a:rPr>
+                          <m:t>∈</m:t>
+                        </m:r>
+                        <m:r>
+                          <a:rPr lang="it-IT" sz="1800" i="1">
+                            <a:solidFill>
+                              <a:schemeClr val="bg1">
+                                <a:lumMod val="50000"/>
+                              </a:schemeClr>
+                            </a:solidFill>
+                            <a:latin typeface="Cambria Math" panose="02040503050406030204" pitchFamily="18" charset="0"/>
+                            <a:ea typeface="Cambria Math" panose="02040503050406030204" pitchFamily="18" charset="0"/>
+                          </a:rPr>
+                          <m:t>𝑆</m:t>
+                        </m:r>
+                      </m:sub>
+                      <m:sup>
+                        <m:r>
+                          <a:rPr lang="it-IT" sz="1800" i="1">
+                            <a:solidFill>
+                              <a:schemeClr val="bg1">
+                                <a:lumMod val="50000"/>
+                              </a:schemeClr>
+                            </a:solidFill>
+                            <a:latin typeface="Cambria Math" panose="02040503050406030204" pitchFamily="18" charset="0"/>
+                            <a:ea typeface="Palatino" pitchFamily="2" charset="77"/>
+                          </a:rPr>
+                          <m:t>𝑆</m:t>
+                        </m:r>
+                      </m:sup>
+                      <m:e>
+                        <m:r>
+                          <a:rPr lang="it-IT" sz="1800" b="0" i="1" smtClean="0">
+                            <a:solidFill>
+                              <a:schemeClr val="bg1">
+                                <a:lumMod val="50000"/>
+                              </a:schemeClr>
+                            </a:solidFill>
+                            <a:latin typeface="Cambria Math" panose="02040503050406030204" pitchFamily="18" charset="0"/>
+                            <a:ea typeface="Palatino" pitchFamily="2" charset="77"/>
+                          </a:rPr>
+                          <m:t>[</m:t>
+                        </m:r>
+                        <m:r>
+                          <a:rPr lang="it-IT" sz="1800" b="0" i="1" smtClean="0">
+                            <a:solidFill>
+                              <a:schemeClr val="bg1">
+                                <a:lumMod val="50000"/>
+                              </a:schemeClr>
+                            </a:solidFill>
+                            <a:latin typeface="Cambria Math" panose="02040503050406030204" pitchFamily="18" charset="0"/>
+                            <a:ea typeface="Palatino" pitchFamily="2" charset="77"/>
+                          </a:rPr>
+                          <m:t>𝑐</m:t>
+                        </m:r>
+                      </m:e>
+                    </m:nary>
+                    <m:r>
+                      <a:rPr lang="it-IT" sz="1800" i="1" baseline="-25000">
+                        <a:solidFill>
+                          <a:schemeClr val="bg1">
+                            <a:lumMod val="50000"/>
+                          </a:schemeClr>
+                        </a:solidFill>
+                        <a:latin typeface="Cambria Math" panose="02040503050406030204" pitchFamily="18" charset="0"/>
+                        <a:ea typeface="Palatino" pitchFamily="2" charset="77"/>
+                      </a:rPr>
+                      <m:t>𝑎</m:t>
+                    </m:r>
+                    <m:r>
+                      <a:rPr lang="it-IT" sz="1800">
+                        <a:solidFill>
+                          <a:schemeClr val="bg1">
+                            <a:lumMod val="50000"/>
+                          </a:schemeClr>
+                        </a:solidFill>
+                        <a:latin typeface="Cambria Math" panose="02040503050406030204" pitchFamily="18" charset="0"/>
+                        <a:ea typeface="Palatino" pitchFamily="2" charset="77"/>
+                      </a:rPr>
+                      <m:t>(</m:t>
+                    </m:r>
+                    <m:r>
+                      <m:rPr>
+                        <m:sty m:val="p"/>
+                      </m:rPr>
+                      <a:rPr lang="it-IT" sz="1800">
+                        <a:solidFill>
+                          <a:schemeClr val="bg1">
+                            <a:lumMod val="50000"/>
+                          </a:schemeClr>
+                        </a:solidFill>
+                        <a:latin typeface="Cambria Math" panose="02040503050406030204" pitchFamily="18" charset="0"/>
+                        <a:ea typeface="Palatino" pitchFamily="2" charset="77"/>
+                      </a:rPr>
+                      <m:t>t</m:t>
+                    </m:r>
+                    <m:r>
+                      <a:rPr lang="it-IT" sz="1800">
+                        <a:solidFill>
+                          <a:schemeClr val="bg1">
+                            <a:lumMod val="50000"/>
+                          </a:schemeClr>
+                        </a:solidFill>
+                        <a:latin typeface="Cambria Math" panose="02040503050406030204" pitchFamily="18" charset="0"/>
+                        <a:ea typeface="Palatino" pitchFamily="2" charset="77"/>
+                      </a:rPr>
+                      <m:t>)</m:t>
+                    </m:r>
+                  </m:oMath>
+                </a14:m>
+                <a:r>
+                  <a:rPr lang="en-GB" sz="1600" dirty="0">
+                    <a:solidFill>
+                      <a:schemeClr val="bg1">
+                        <a:lumMod val="50000"/>
+                      </a:schemeClr>
+                    </a:solidFill>
+                    <a:latin typeface="Palatino" pitchFamily="2" charset="77"/>
+                    <a:ea typeface="Palatino" pitchFamily="2" charset="77"/>
+                  </a:rPr>
+                  <a:t>] </a:t>
+                </a:r>
+                <a14:m>
+                  <m:oMath xmlns:m="http://schemas.openxmlformats.org/officeDocument/2006/math">
+                    <m:r>
+                      <a:rPr lang="it-IT" sz="1600">
+                        <a:solidFill>
+                          <a:schemeClr val="bg1">
+                            <a:lumMod val="50000"/>
+                          </a:schemeClr>
+                        </a:solidFill>
+                        <a:latin typeface="Cambria Math" panose="02040503050406030204" pitchFamily="18" charset="0"/>
+                        <a:ea typeface="Palatino" pitchFamily="2" charset="77"/>
+                      </a:rPr>
+                      <m:t>−</m:t>
+                    </m:r>
+                  </m:oMath>
+                </a14:m>
+                <a:r>
+                  <a:rPr lang="en-GB" sz="1600" dirty="0">
+                    <a:solidFill>
+                      <a:schemeClr val="bg1">
+                        <a:lumMod val="50000"/>
+                      </a:schemeClr>
+                    </a:solidFill>
+                    <a:latin typeface="Palatino" pitchFamily="2" charset="77"/>
+                    <a:ea typeface="Palatino" pitchFamily="2" charset="77"/>
+                  </a:rPr>
+                  <a:t> </a:t>
+                </a:r>
+                <a14:m>
+                  <m:oMath xmlns:m="http://schemas.openxmlformats.org/officeDocument/2006/math">
+                    <m:r>
+                      <a:rPr lang="en-GB" sz="1600" i="1" smtClean="0">
+                        <a:solidFill>
+                          <a:schemeClr val="bg1">
+                            <a:lumMod val="50000"/>
+                          </a:schemeClr>
+                        </a:solidFill>
+                        <a:latin typeface="Cambria Math" panose="02040503050406030204" pitchFamily="18" charset="0"/>
+                        <a:ea typeface="Cambria Math" panose="02040503050406030204" pitchFamily="18" charset="0"/>
+                      </a:rPr>
+                      <m:t>𝜌</m:t>
+                    </m:r>
+                  </m:oMath>
+                </a14:m>
+                <a:r>
+                  <a:rPr lang="en-GB" sz="1600" dirty="0">
+                    <a:solidFill>
+                      <a:schemeClr val="bg1">
+                        <a:lumMod val="50000"/>
+                      </a:schemeClr>
+                    </a:solidFill>
+                    <a:latin typeface="Palatino" pitchFamily="2" charset="77"/>
+                    <a:ea typeface="Palatino" pitchFamily="2" charset="77"/>
+                  </a:rPr>
+                  <a:t>)</a:t>
+                </a:r>
+              </a:p>
+              <a:p>
+                <a:pPr marL="0" indent="0">
+                  <a:spcBef>
+                    <a:spcPts val="0"/>
+                  </a:spcBef>
+                  <a:spcAft>
+                    <a:spcPts val="1200"/>
+                  </a:spcAft>
+                  <a:buNone/>
+                </a:pPr>
+                <a:r>
+                  <a:rPr lang="en-GB" sz="1800" dirty="0">
+                    <a:solidFill>
+                      <a:schemeClr val="bg1">
+                        <a:lumMod val="50000"/>
+                      </a:schemeClr>
+                    </a:solidFill>
+                    <a:latin typeface="Palatino" pitchFamily="2" charset="77"/>
+                    <a:ea typeface="Palatino" pitchFamily="2" charset="77"/>
+                  </a:rPr>
+                  <a:t>We enforce that </a:t>
+                </a:r>
+                <a:r>
+                  <a:rPr lang="en-GB" sz="1800" i="1" dirty="0">
+                    <a:solidFill>
+                      <a:schemeClr val="bg1">
+                        <a:lumMod val="50000"/>
+                      </a:schemeClr>
+                    </a:solidFill>
+                    <a:latin typeface="Palatino" pitchFamily="2" charset="77"/>
+                    <a:ea typeface="Palatino" pitchFamily="2" charset="77"/>
+                  </a:rPr>
+                  <a:t>every arm should be played at least once</a:t>
+                </a:r>
+                <a:r>
+                  <a:rPr lang="en-GB" sz="1800" dirty="0">
+                    <a:solidFill>
+                      <a:schemeClr val="bg1">
+                        <a:lumMod val="50000"/>
+                      </a:schemeClr>
+                    </a:solidFill>
+                    <a:latin typeface="Palatino" pitchFamily="2" charset="77"/>
+                    <a:ea typeface="Palatino" pitchFamily="2" charset="77"/>
+                  </a:rPr>
+                  <a:t> in the first </a:t>
+                </a:r>
+                <a14:m>
+                  <m:oMath xmlns:m="http://schemas.openxmlformats.org/officeDocument/2006/math">
+                    <m:r>
+                      <m:rPr>
+                        <m:sty m:val="p"/>
+                      </m:rPr>
+                      <a:rPr lang="it-IT" sz="1800" b="0" i="0" dirty="0" smtClean="0">
+                        <a:solidFill>
+                          <a:schemeClr val="bg1">
+                            <a:lumMod val="50000"/>
+                          </a:schemeClr>
+                        </a:solidFill>
+                        <a:latin typeface="Cambria Math" panose="02040503050406030204" pitchFamily="18" charset="0"/>
+                        <a:ea typeface="Cambria Math" panose="02040503050406030204" pitchFamily="18" charset="0"/>
+                      </a:rPr>
+                      <m:t>K</m:t>
+                    </m:r>
+                    <m:r>
+                      <a:rPr lang="it-IT" sz="1800" i="1" dirty="0">
+                        <a:solidFill>
+                          <a:schemeClr val="bg1">
+                            <a:lumMod val="50000"/>
+                          </a:schemeClr>
+                        </a:solidFill>
+                        <a:latin typeface="Cambria Math" panose="02040503050406030204" pitchFamily="18" charset="0"/>
+                        <a:ea typeface="Cambria Math" panose="02040503050406030204" pitchFamily="18" charset="0"/>
+                      </a:rPr>
+                      <m:t>∙</m:t>
+                    </m:r>
+                    <m:r>
+                      <a:rPr lang="it-IT" sz="1800" b="0" i="1" dirty="0" smtClean="0">
+                        <a:solidFill>
+                          <a:schemeClr val="bg1">
+                            <a:lumMod val="50000"/>
+                          </a:schemeClr>
+                        </a:solidFill>
+                        <a:latin typeface="Cambria Math" panose="02040503050406030204" pitchFamily="18" charset="0"/>
+                        <a:ea typeface="Cambria Math" panose="02040503050406030204" pitchFamily="18" charset="0"/>
+                      </a:rPr>
+                      <m:t>𝑁</m:t>
+                    </m:r>
+                    <m:r>
+                      <a:rPr lang="it-IT" sz="1800" b="0" i="0" dirty="0" smtClean="0">
+                        <a:solidFill>
+                          <a:schemeClr val="bg1">
+                            <a:lumMod val="50000"/>
+                          </a:schemeClr>
+                        </a:solidFill>
+                        <a:latin typeface="Cambria Math" panose="02040503050406030204" pitchFamily="18" charset="0"/>
+                        <a:ea typeface="Cambria Math" panose="02040503050406030204" pitchFamily="18" charset="0"/>
+                      </a:rPr>
+                      <m:t> </m:t>
+                    </m:r>
+                  </m:oMath>
+                </a14:m>
+                <a:r>
+                  <a:rPr lang="en-GB" sz="1800" dirty="0">
+                    <a:solidFill>
+                      <a:schemeClr val="bg1">
+                        <a:lumMod val="50000"/>
+                      </a:schemeClr>
+                    </a:solidFill>
+                    <a:latin typeface="Palatino" pitchFamily="2" charset="77"/>
+                    <a:ea typeface="Palatino" pitchFamily="2" charset="77"/>
+                  </a:rPr>
+                  <a:t>rounds</a:t>
+                </a:r>
+                <a:endParaRPr lang="en-GB" sz="2000" dirty="0">
+                  <a:solidFill>
+                    <a:schemeClr val="bg1">
+                      <a:lumMod val="50000"/>
+                    </a:schemeClr>
+                  </a:solidFill>
+                  <a:latin typeface="Palatino" pitchFamily="2" charset="77"/>
+                  <a:ea typeface="Palatino" pitchFamily="2" charset="77"/>
+                </a:endParaRPr>
+              </a:p>
+            </p:txBody>
+          </p:sp>
+        </mc:Choice>
+        <mc:Fallback xmlns="">
+          <p:sp>
+            <p:nvSpPr>
+              <p:cNvPr id="3" name="Content Placeholder 2">
+                <a:extLst>
+                  <a:ext uri="{FF2B5EF4-FFF2-40B4-BE49-F238E27FC236}">
+                    <a16:creationId xmlns:a16="http://schemas.microsoft.com/office/drawing/2014/main" id="{5E04518C-7C05-D1F1-1073-F7B3A7FD2DE0}"/>
+                  </a:ext>
+                </a:extLst>
+              </p:cNvPr>
+              <p:cNvSpPr>
+                <a:spLocks noGrp="1" noRot="1" noChangeAspect="1" noMove="1" noResize="1" noEditPoints="1" noAdjustHandles="1" noChangeArrowheads="1" noChangeShapeType="1" noTextEdit="1"/>
+              </p:cNvSpPr>
+              <p:nvPr>
+                <p:ph idx="1"/>
+              </p:nvPr>
+            </p:nvSpPr>
+            <p:spPr>
+              <a:xfrm>
+                <a:off x="838200" y="1668323"/>
+                <a:ext cx="10515600" cy="3426192"/>
+              </a:xfrm>
+              <a:blipFill>
+                <a:blip r:embed="rId2"/>
+                <a:stretch>
+                  <a:fillRect l="-965" t="-2583"/>
+                </a:stretch>
+              </a:blipFill>
+            </p:spPr>
+            <p:txBody>
+              <a:bodyPr/>
+              <a:lstStyle/>
+              <a:p>
+                <a:r>
+                  <a:rPr lang="en-IT">
+                    <a:noFill/>
+                  </a:rPr>
+                  <a:t> </a:t>
+                </a:r>
+              </a:p>
+            </p:txBody>
+          </p:sp>
+        </mc:Fallback>
+      </mc:AlternateContent>
+    </p:spTree>
+    <p:extLst>
+      <p:ext uri="{BB962C8B-B14F-4D97-AF65-F5344CB8AC3E}">
+        <p14:creationId xmlns:p14="http://schemas.microsoft.com/office/powerpoint/2010/main" val="3453070474"/>
+      </p:ext>
+    </p:extLst>
+  </p:cSld>
+  <p:clrMapOvr>
+    <a:masterClrMapping/>
+  </p:clrMapOvr>
+</p:sld>
+</file>
+
+<file path=ppt/slides/slide45.xml><?xml version="1.0" encoding="utf-8"?>
+<p:sld xmlns:a="http://schemas.openxmlformats.org/drawingml/2006/main" xmlns:r="http://schemas.openxmlformats.org/officeDocument/2006/relationships" xmlns:p="http://schemas.openxmlformats.org/presentationml/2006/main">
+  <p:cSld>
+    <p:spTree>
+      <p:nvGrpSpPr>
+        <p:cNvPr id="1" name="">
+          <a:extLst>
+            <a:ext uri="{FF2B5EF4-FFF2-40B4-BE49-F238E27FC236}">
+              <a16:creationId xmlns:a16="http://schemas.microsoft.com/office/drawing/2014/main" id="{EBA4497E-F667-E889-8381-43CB5D951DD4}"/>
+            </a:ext>
+          </a:extLst>
+        </p:cNvPr>
+        <p:cNvGrpSpPr/>
+        <p:nvPr/>
+      </p:nvGrpSpPr>
+      <p:grpSpPr>
+        <a:xfrm>
+          <a:off x="0" y="0"/>
+          <a:ext cx="0" cy="0"/>
+          <a:chOff x="0" y="0"/>
+          <a:chExt cx="0" cy="0"/>
+        </a:xfrm>
+      </p:grpSpPr>
+      <p:sp>
+        <p:nvSpPr>
+          <p:cNvPr id="2" name="Title 1">
+            <a:extLst>
+              <a:ext uri="{FF2B5EF4-FFF2-40B4-BE49-F238E27FC236}">
+                <a16:creationId xmlns:a16="http://schemas.microsoft.com/office/drawing/2014/main" id="{030C0865-14A1-3FB3-7C82-5A951D18967D}"/>
+              </a:ext>
+            </a:extLst>
+          </p:cNvPr>
+          <p:cNvSpPr>
+            <a:spLocks noGrp="1"/>
+          </p:cNvSpPr>
+          <p:nvPr>
+            <p:ph type="title"/>
+          </p:nvPr>
+        </p:nvSpPr>
+        <p:spPr/>
+        <p:txBody>
+          <a:bodyPr/>
+          <a:lstStyle/>
+          <a:p>
+            <a:r>
+              <a:rPr lang="en-IT" dirty="0">
+                <a:latin typeface="Palatino" pitchFamily="2" charset="77"/>
+                <a:ea typeface="Palatino" pitchFamily="2" charset="77"/>
+              </a:rPr>
+              <a:t>Budget</a:t>
+            </a:r>
+          </a:p>
+        </p:txBody>
+      </p:sp>
+      <p:sp>
+        <p:nvSpPr>
+          <p:cNvPr id="3" name="Content Placeholder 2">
+            <a:extLst>
+              <a:ext uri="{FF2B5EF4-FFF2-40B4-BE49-F238E27FC236}">
+                <a16:creationId xmlns:a16="http://schemas.microsoft.com/office/drawing/2014/main" id="{E64E63E4-4A33-FE1D-F50C-DA4DAFD0BF9B}"/>
+              </a:ext>
+            </a:extLst>
+          </p:cNvPr>
+          <p:cNvSpPr>
+            <a:spLocks noGrp="1"/>
+          </p:cNvSpPr>
+          <p:nvPr>
+            <p:ph idx="1"/>
+          </p:nvPr>
+        </p:nvSpPr>
+        <p:spPr>
+          <a:xfrm>
+            <a:off x="838200" y="1668323"/>
+            <a:ext cx="10515600" cy="3426192"/>
+          </a:xfrm>
+        </p:spPr>
+        <p:txBody>
+          <a:bodyPr>
+            <a:noAutofit/>
+          </a:bodyPr>
+          <a:lstStyle/>
+          <a:p>
+            <a:pPr marL="0" indent="0">
+              <a:spcBef>
+                <a:spcPts val="0"/>
+              </a:spcBef>
+              <a:spcAft>
+                <a:spcPts val="1200"/>
+              </a:spcAft>
+              <a:buNone/>
+            </a:pPr>
+            <a:r>
+              <a:rPr lang="it-IT" sz="2400" dirty="0" err="1">
+                <a:latin typeface="Palatino" pitchFamily="2" charset="77"/>
+                <a:ea typeface="Palatino" pitchFamily="2" charset="77"/>
+              </a:rPr>
+              <a:t>Behaviour</a:t>
+            </a:r>
+            <a:endParaRPr lang="it-IT" sz="2400" dirty="0">
+              <a:latin typeface="Palatino" pitchFamily="2" charset="77"/>
+              <a:ea typeface="Palatino" pitchFamily="2" charset="77"/>
+            </a:endParaRPr>
+          </a:p>
+          <a:p>
+            <a:pPr marL="0" indent="0">
+              <a:spcBef>
+                <a:spcPts val="0"/>
+              </a:spcBef>
+              <a:spcAft>
+                <a:spcPts val="1200"/>
+              </a:spcAft>
+              <a:buNone/>
+            </a:pPr>
+            <a:r>
+              <a:rPr lang="it-IT" sz="1800" dirty="0">
+                <a:solidFill>
+                  <a:schemeClr val="bg1">
+                    <a:lumMod val="50000"/>
+                  </a:schemeClr>
+                </a:solidFill>
+                <a:latin typeface="Palatino" pitchFamily="2" charset="77"/>
+                <a:ea typeface="Palatino" pitchFamily="2" charset="77"/>
+              </a:rPr>
+              <a:t>The </a:t>
+            </a:r>
+            <a:r>
+              <a:rPr lang="it-IT" sz="1800" dirty="0" err="1">
+                <a:solidFill>
+                  <a:schemeClr val="bg1">
+                    <a:lumMod val="50000"/>
+                  </a:schemeClr>
+                </a:solidFill>
+                <a:latin typeface="Palatino" pitchFamily="2" charset="77"/>
+                <a:ea typeface="Palatino" pitchFamily="2" charset="77"/>
+              </a:rPr>
+              <a:t>algorithm</a:t>
+            </a:r>
+            <a:r>
+              <a:rPr lang="it-IT" sz="1800" dirty="0">
+                <a:solidFill>
+                  <a:schemeClr val="bg1">
+                    <a:lumMod val="50000"/>
+                  </a:schemeClr>
+                </a:solidFill>
+                <a:latin typeface="Palatino" pitchFamily="2" charset="77"/>
+                <a:ea typeface="Palatino" pitchFamily="2" charset="77"/>
+              </a:rPr>
+              <a:t> </a:t>
+            </a:r>
+            <a:r>
+              <a:rPr lang="it-IT" sz="1800" dirty="0" err="1">
+                <a:solidFill>
+                  <a:schemeClr val="bg1">
+                    <a:lumMod val="50000"/>
+                  </a:schemeClr>
+                </a:solidFill>
+                <a:latin typeface="Palatino" pitchFamily="2" charset="77"/>
+                <a:ea typeface="Palatino" pitchFamily="2" charset="77"/>
+              </a:rPr>
+              <a:t>behaviour</a:t>
+            </a:r>
+            <a:r>
+              <a:rPr lang="it-IT" sz="1800" dirty="0">
+                <a:solidFill>
+                  <a:schemeClr val="bg1">
+                    <a:lumMod val="50000"/>
+                  </a:schemeClr>
+                </a:solidFill>
+                <a:latin typeface="Palatino" pitchFamily="2" charset="77"/>
+                <a:ea typeface="Palatino" pitchFamily="2" charset="77"/>
+              </a:rPr>
+              <a:t> </a:t>
+            </a:r>
+            <a:r>
+              <a:rPr lang="it-IT" sz="1800" dirty="0" err="1">
+                <a:solidFill>
+                  <a:schemeClr val="bg1">
+                    <a:lumMod val="50000"/>
+                  </a:schemeClr>
+                </a:solidFill>
+                <a:latin typeface="Palatino" pitchFamily="2" charset="77"/>
+                <a:ea typeface="Palatino" pitchFamily="2" charset="77"/>
+              </a:rPr>
+              <a:t>was</a:t>
+            </a:r>
+            <a:r>
+              <a:rPr lang="it-IT" sz="1800" dirty="0">
+                <a:solidFill>
+                  <a:schemeClr val="bg1">
+                    <a:lumMod val="50000"/>
+                  </a:schemeClr>
+                </a:solidFill>
+                <a:latin typeface="Palatino" pitchFamily="2" charset="77"/>
+                <a:ea typeface="Palatino" pitchFamily="2" charset="77"/>
+              </a:rPr>
+              <a:t> </a:t>
+            </a:r>
+            <a:r>
+              <a:rPr lang="it-IT" sz="1800" i="1" dirty="0">
+                <a:solidFill>
+                  <a:schemeClr val="bg1">
+                    <a:lumMod val="50000"/>
+                  </a:schemeClr>
+                </a:solidFill>
+                <a:latin typeface="Palatino" pitchFamily="2" charset="77"/>
+                <a:ea typeface="Palatino" pitchFamily="2" charset="77"/>
+              </a:rPr>
+              <a:t>in </a:t>
+            </a:r>
+            <a:r>
+              <a:rPr lang="it-IT" sz="1800" i="1" dirty="0" err="1">
+                <a:solidFill>
+                  <a:schemeClr val="bg1">
+                    <a:lumMod val="50000"/>
+                  </a:schemeClr>
+                </a:solidFill>
+                <a:latin typeface="Palatino" pitchFamily="2" charset="77"/>
+                <a:ea typeface="Palatino" pitchFamily="2" charset="77"/>
+              </a:rPr>
+              <a:t>every</a:t>
+            </a:r>
+            <a:r>
+              <a:rPr lang="it-IT" sz="1800" i="1" dirty="0">
+                <a:solidFill>
+                  <a:schemeClr val="bg1">
+                    <a:lumMod val="50000"/>
+                  </a:schemeClr>
+                </a:solidFill>
+                <a:latin typeface="Palatino" pitchFamily="2" charset="77"/>
+                <a:ea typeface="Palatino" pitchFamily="2" charset="77"/>
+              </a:rPr>
+              <a:t> way </a:t>
+            </a:r>
+            <a:r>
+              <a:rPr lang="it-IT" sz="1800" i="1" dirty="0" err="1">
+                <a:solidFill>
+                  <a:schemeClr val="bg1">
+                    <a:lumMod val="50000"/>
+                  </a:schemeClr>
+                </a:solidFill>
+                <a:latin typeface="Palatino" pitchFamily="2" charset="77"/>
+                <a:ea typeface="Palatino" pitchFamily="2" charset="77"/>
+              </a:rPr>
+              <a:t>equivalent</a:t>
+            </a:r>
+            <a:r>
+              <a:rPr lang="it-IT" sz="1800" i="1" dirty="0">
+                <a:solidFill>
+                  <a:schemeClr val="bg1">
+                    <a:lumMod val="50000"/>
+                  </a:schemeClr>
+                </a:solidFill>
+                <a:latin typeface="Palatino" pitchFamily="2" charset="77"/>
+                <a:ea typeface="Palatino" pitchFamily="2" charset="77"/>
+              </a:rPr>
+              <a:t> </a:t>
+            </a:r>
+            <a:r>
+              <a:rPr lang="it-IT" sz="1800" dirty="0">
+                <a:solidFill>
+                  <a:schemeClr val="bg1">
+                    <a:lumMod val="50000"/>
+                  </a:schemeClr>
+                </a:solidFill>
+                <a:latin typeface="Palatino" pitchFamily="2" charset="77"/>
+                <a:ea typeface="Palatino" pitchFamily="2" charset="77"/>
+              </a:rPr>
+              <a:t>to the single product case</a:t>
+            </a:r>
+            <a:endParaRPr lang="en-GB" sz="1800" dirty="0">
+              <a:solidFill>
+                <a:schemeClr val="bg1">
+                  <a:lumMod val="50000"/>
+                </a:schemeClr>
+              </a:solidFill>
+              <a:latin typeface="Palatino" pitchFamily="2" charset="77"/>
+              <a:ea typeface="Palatino" pitchFamily="2" charset="77"/>
+            </a:endParaRPr>
+          </a:p>
+        </p:txBody>
+      </p:sp>
+      <p:pic>
+        <p:nvPicPr>
+          <p:cNvPr id="6" name="Picture 5">
+            <a:extLst>
+              <a:ext uri="{FF2B5EF4-FFF2-40B4-BE49-F238E27FC236}">
+                <a16:creationId xmlns:a16="http://schemas.microsoft.com/office/drawing/2014/main" id="{3F008B26-349C-949C-082B-162504D6148B}"/>
+              </a:ext>
+            </a:extLst>
+          </p:cNvPr>
+          <p:cNvPicPr>
+            <a:picLocks noChangeAspect="1"/>
+          </p:cNvPicPr>
+          <p:nvPr/>
+        </p:nvPicPr>
+        <p:blipFill>
+          <a:blip r:embed="rId2"/>
+          <a:stretch>
+            <a:fillRect/>
+          </a:stretch>
+        </p:blipFill>
+        <p:spPr>
+          <a:xfrm>
+            <a:off x="838200" y="2993886"/>
+            <a:ext cx="5645526" cy="2642826"/>
+          </a:xfrm>
+          <a:prstGeom prst="rect">
+            <a:avLst/>
+          </a:prstGeom>
+        </p:spPr>
+      </p:pic>
+      <p:pic>
+        <p:nvPicPr>
+          <p:cNvPr id="7" name="Picture 6">
+            <a:extLst>
+              <a:ext uri="{FF2B5EF4-FFF2-40B4-BE49-F238E27FC236}">
+                <a16:creationId xmlns:a16="http://schemas.microsoft.com/office/drawing/2014/main" id="{7419FBB5-58C1-E5D5-D59A-956AF45B9B1C}"/>
+              </a:ext>
+            </a:extLst>
+          </p:cNvPr>
+          <p:cNvPicPr>
+            <a:picLocks noChangeAspect="1"/>
+          </p:cNvPicPr>
+          <p:nvPr/>
+        </p:nvPicPr>
+        <p:blipFill>
+          <a:blip r:embed="rId3"/>
+          <a:stretch>
+            <a:fillRect/>
+          </a:stretch>
+        </p:blipFill>
+        <p:spPr>
+          <a:xfrm>
+            <a:off x="6525888" y="2943947"/>
+            <a:ext cx="4841966" cy="2642826"/>
+          </a:xfrm>
+          <a:prstGeom prst="rect">
+            <a:avLst/>
+          </a:prstGeom>
+        </p:spPr>
+      </p:pic>
+    </p:spTree>
+    <p:extLst>
+      <p:ext uri="{BB962C8B-B14F-4D97-AF65-F5344CB8AC3E}">
+        <p14:creationId xmlns:p14="http://schemas.microsoft.com/office/powerpoint/2010/main" val="313778861"/>
+      </p:ext>
+    </p:extLst>
+  </p:cSld>
+  <p:clrMapOvr>
+    <a:masterClrMapping/>
+  </p:clrMapOvr>
+</p:sld>
+</file>
+
+<file path=ppt/slides/slide46.xml><?xml version="1.0" encoding="utf-8"?>
+<p:sld xmlns:a="http://schemas.openxmlformats.org/drawingml/2006/main" xmlns:r="http://schemas.openxmlformats.org/officeDocument/2006/relationships" xmlns:p="http://schemas.openxmlformats.org/presentationml/2006/main">
+  <p:cSld>
+    <p:spTree>
+      <p:nvGrpSpPr>
+        <p:cNvPr id="1" name="">
+          <a:extLst>
+            <a:ext uri="{FF2B5EF4-FFF2-40B4-BE49-F238E27FC236}">
+              <a16:creationId xmlns:a16="http://schemas.microsoft.com/office/drawing/2014/main" id="{E855316B-656C-16C9-74B9-ACE7B993BB62}"/>
+            </a:ext>
+          </a:extLst>
+        </p:cNvPr>
+        <p:cNvGrpSpPr/>
+        <p:nvPr/>
+      </p:nvGrpSpPr>
+      <p:grpSpPr>
+        <a:xfrm>
+          <a:off x="0" y="0"/>
+          <a:ext cx="0" cy="0"/>
+          <a:chOff x="0" y="0"/>
+          <a:chExt cx="0" cy="0"/>
+        </a:xfrm>
+      </p:grpSpPr>
+      <p:sp>
+        <p:nvSpPr>
+          <p:cNvPr id="2" name="Title 1">
+            <a:extLst>
+              <a:ext uri="{FF2B5EF4-FFF2-40B4-BE49-F238E27FC236}">
+                <a16:creationId xmlns:a16="http://schemas.microsoft.com/office/drawing/2014/main" id="{4F7253B4-490C-9CC7-F3E6-DAB8802B7977}"/>
+              </a:ext>
+            </a:extLst>
+          </p:cNvPr>
+          <p:cNvSpPr>
+            <a:spLocks noGrp="1"/>
+          </p:cNvSpPr>
+          <p:nvPr>
+            <p:ph type="title"/>
+          </p:nvPr>
+        </p:nvSpPr>
+        <p:spPr/>
+        <p:txBody>
+          <a:bodyPr/>
+          <a:lstStyle/>
+          <a:p>
+            <a:r>
+              <a:rPr lang="en-IT" dirty="0">
+                <a:latin typeface="Palatino" pitchFamily="2" charset="77"/>
+                <a:ea typeface="Palatino" pitchFamily="2" charset="77"/>
+              </a:rPr>
+              <a:t>Performance Analysis</a:t>
+            </a:r>
+          </a:p>
+        </p:txBody>
+      </p:sp>
+      <p:sp>
+        <p:nvSpPr>
+          <p:cNvPr id="3" name="Content Placeholder 2">
+            <a:extLst>
+              <a:ext uri="{FF2B5EF4-FFF2-40B4-BE49-F238E27FC236}">
+                <a16:creationId xmlns:a16="http://schemas.microsoft.com/office/drawing/2014/main" id="{414E8413-C568-4275-C18B-E66666771090}"/>
+              </a:ext>
+            </a:extLst>
+          </p:cNvPr>
+          <p:cNvSpPr>
+            <a:spLocks noGrp="1"/>
+          </p:cNvSpPr>
+          <p:nvPr>
+            <p:ph idx="1"/>
+          </p:nvPr>
+        </p:nvSpPr>
+        <p:spPr>
+          <a:xfrm>
+            <a:off x="838200" y="1668323"/>
+            <a:ext cx="5059017" cy="2753206"/>
+          </a:xfrm>
+        </p:spPr>
+        <p:txBody>
+          <a:bodyPr>
+            <a:noAutofit/>
+          </a:bodyPr>
+          <a:lstStyle/>
+          <a:p>
+            <a:pPr marL="0" indent="0">
+              <a:spcBef>
+                <a:spcPts val="0"/>
+              </a:spcBef>
+              <a:spcAft>
+                <a:spcPts val="1200"/>
+              </a:spcAft>
+              <a:buNone/>
+            </a:pPr>
+            <a:r>
+              <a:rPr lang="en-IT" sz="2400" dirty="0">
+                <a:latin typeface="Palatino" pitchFamily="2" charset="77"/>
+                <a:ea typeface="Palatino" pitchFamily="2" charset="77"/>
+              </a:rPr>
+              <a:t>Clairvoyants</a:t>
+            </a:r>
+          </a:p>
+          <a:p>
+            <a:pPr marL="0" indent="0">
+              <a:spcBef>
+                <a:spcPts val="0"/>
+              </a:spcBef>
+              <a:buNone/>
+            </a:pPr>
+            <a:r>
+              <a:rPr lang="en-GB" sz="1600" i="1" dirty="0">
+                <a:latin typeface="Palatino" pitchFamily="2" charset="77"/>
+                <a:ea typeface="Palatino" pitchFamily="2" charset="77"/>
+              </a:rPr>
+              <a:t>The “Budget-aware Fixed-price Clairvoyant”</a:t>
+            </a:r>
+            <a:br>
+              <a:rPr lang="en-GB" sz="1600" dirty="0">
+                <a:solidFill>
+                  <a:schemeClr val="bg1">
+                    <a:lumMod val="50000"/>
+                  </a:schemeClr>
+                </a:solidFill>
+                <a:latin typeface="Palatino" pitchFamily="2" charset="77"/>
+                <a:ea typeface="Palatino" pitchFamily="2" charset="77"/>
+              </a:rPr>
+            </a:br>
+            <a:r>
+              <a:rPr lang="en-GB" sz="1400" dirty="0">
+                <a:solidFill>
+                  <a:schemeClr val="bg1">
+                    <a:lumMod val="50000"/>
+                  </a:schemeClr>
+                </a:solidFill>
+                <a:latin typeface="Palatino" pitchFamily="2" charset="77"/>
+                <a:ea typeface="Palatino" pitchFamily="2" charset="77"/>
+              </a:rPr>
+              <a:t>Best static superarm: [7.50, 9.00, 8.25]</a:t>
+            </a:r>
+          </a:p>
+          <a:p>
+            <a:pPr marL="0" indent="0">
+              <a:spcBef>
+                <a:spcPts val="0"/>
+              </a:spcBef>
+              <a:spcAft>
+                <a:spcPts val="1200"/>
+              </a:spcAft>
+              <a:buNone/>
+            </a:pPr>
+            <a:r>
+              <a:rPr lang="en-GB" sz="1400" dirty="0">
+                <a:solidFill>
+                  <a:schemeClr val="bg1">
+                    <a:lumMod val="50000"/>
+                  </a:schemeClr>
+                </a:solidFill>
+                <a:latin typeface="Palatino" pitchFamily="2" charset="77"/>
+                <a:ea typeface="Palatino" pitchFamily="2" charset="77"/>
+              </a:rPr>
+              <a:t>Total expected reward: 261.7K</a:t>
+            </a:r>
+          </a:p>
+          <a:p>
+            <a:pPr marL="0" indent="0">
+              <a:spcBef>
+                <a:spcPts val="0"/>
+              </a:spcBef>
+              <a:spcAft>
+                <a:spcPts val="1200"/>
+              </a:spcAft>
+              <a:buNone/>
+            </a:pPr>
+            <a:r>
+              <a:rPr lang="en-GB" sz="1600" i="1" dirty="0">
+                <a:latin typeface="Palatino" pitchFamily="2" charset="77"/>
+                <a:ea typeface="Palatino" pitchFamily="2" charset="77"/>
+              </a:rPr>
+              <a:t>The “Budget-unaware Overpower Clairvoyant”</a:t>
+            </a:r>
+            <a:br>
+              <a:rPr lang="en-GB" sz="1600" dirty="0">
+                <a:latin typeface="Palatino" pitchFamily="2" charset="77"/>
+                <a:ea typeface="Palatino" pitchFamily="2" charset="77"/>
+              </a:rPr>
+            </a:br>
+            <a:r>
+              <a:rPr lang="en-GB" sz="1400" dirty="0">
+                <a:solidFill>
+                  <a:schemeClr val="bg1">
+                    <a:lumMod val="50000"/>
+                  </a:schemeClr>
+                </a:solidFill>
+                <a:latin typeface="Palatino" pitchFamily="2" charset="77"/>
+                <a:ea typeface="Palatino" pitchFamily="2" charset="77"/>
+              </a:rPr>
+              <a:t>Total expected reward: 4.77M</a:t>
+            </a:r>
+          </a:p>
+          <a:p>
+            <a:pPr marL="0" indent="0">
+              <a:spcBef>
+                <a:spcPts val="0"/>
+              </a:spcBef>
+              <a:buNone/>
+            </a:pPr>
+            <a:r>
+              <a:rPr lang="en-GB" sz="1600" i="1" dirty="0">
+                <a:latin typeface="Palatino" pitchFamily="2" charset="77"/>
+                <a:ea typeface="Palatino" pitchFamily="2" charset="77"/>
+              </a:rPr>
+              <a:t>The “Static-assupmtion Fixed-price Clairvoyant”</a:t>
+            </a:r>
+            <a:br>
+              <a:rPr lang="en-GB" sz="1600" dirty="0">
+                <a:latin typeface="Palatino" pitchFamily="2" charset="77"/>
+                <a:ea typeface="Palatino" pitchFamily="2" charset="77"/>
+              </a:rPr>
+            </a:br>
+            <a:r>
+              <a:rPr lang="en-GB" sz="1400" dirty="0">
+                <a:solidFill>
+                  <a:schemeClr val="bg1">
+                    <a:lumMod val="50000"/>
+                  </a:schemeClr>
+                </a:solidFill>
+                <a:latin typeface="Palatino" pitchFamily="2" charset="77"/>
+                <a:ea typeface="Palatino" pitchFamily="2" charset="77"/>
+              </a:rPr>
+              <a:t>Best static superarm: [5.33, 6.42, 8.25]</a:t>
+            </a:r>
+          </a:p>
+          <a:p>
+            <a:pPr marL="0" indent="0">
+              <a:spcBef>
+                <a:spcPts val="0"/>
+              </a:spcBef>
+              <a:spcAft>
+                <a:spcPts val="1200"/>
+              </a:spcAft>
+              <a:buNone/>
+            </a:pPr>
+            <a:r>
+              <a:rPr lang="en-GB" sz="1400" dirty="0">
+                <a:solidFill>
+                  <a:schemeClr val="bg1">
+                    <a:lumMod val="50000"/>
+                  </a:schemeClr>
+                </a:solidFill>
+                <a:latin typeface="Palatino" pitchFamily="2" charset="77"/>
+                <a:ea typeface="Palatino" pitchFamily="2" charset="77"/>
+              </a:rPr>
+              <a:t>Total expected reward: 210.6K</a:t>
+            </a:r>
+          </a:p>
+          <a:p>
+            <a:pPr marL="0" indent="0">
+              <a:spcBef>
+                <a:spcPts val="0"/>
+              </a:spcBef>
+              <a:buNone/>
+            </a:pPr>
+            <a:endParaRPr lang="en-GB" sz="1600" dirty="0">
+              <a:solidFill>
+                <a:schemeClr val="bg1">
+                  <a:lumMod val="50000"/>
+                </a:schemeClr>
+              </a:solidFill>
+              <a:latin typeface="Palatino" pitchFamily="2" charset="77"/>
+              <a:ea typeface="Palatino" pitchFamily="2" charset="77"/>
+            </a:endParaRPr>
+          </a:p>
+          <a:p>
+            <a:pPr marL="0" indent="0">
+              <a:spcBef>
+                <a:spcPts val="0"/>
+              </a:spcBef>
+              <a:buNone/>
+            </a:pPr>
+            <a:endParaRPr lang="en-GB" sz="1600" dirty="0">
+              <a:solidFill>
+                <a:schemeClr val="bg1">
+                  <a:lumMod val="50000"/>
+                </a:schemeClr>
+              </a:solidFill>
+              <a:latin typeface="Palatino" pitchFamily="2" charset="77"/>
+              <a:ea typeface="Palatino" pitchFamily="2" charset="77"/>
+            </a:endParaRPr>
+          </a:p>
+          <a:p>
+            <a:pPr marL="0" indent="0">
+              <a:spcBef>
+                <a:spcPts val="0"/>
+              </a:spcBef>
+              <a:buNone/>
+            </a:pPr>
+            <a:endParaRPr lang="en-GB" sz="1600" dirty="0">
+              <a:solidFill>
+                <a:schemeClr val="bg1">
+                  <a:lumMod val="50000"/>
+                </a:schemeClr>
+              </a:solidFill>
+              <a:latin typeface="Palatino" pitchFamily="2" charset="77"/>
+              <a:ea typeface="Palatino" pitchFamily="2" charset="77"/>
+            </a:endParaRPr>
+          </a:p>
+        </p:txBody>
+      </p:sp>
+      <p:sp>
+        <p:nvSpPr>
+          <p:cNvPr id="7" name="TextBox 6">
+            <a:extLst>
+              <a:ext uri="{FF2B5EF4-FFF2-40B4-BE49-F238E27FC236}">
+                <a16:creationId xmlns:a16="http://schemas.microsoft.com/office/drawing/2014/main" id="{ED6B9EB3-7E08-C2E5-3940-72D360FBDE4A}"/>
+              </a:ext>
+            </a:extLst>
+          </p:cNvPr>
+          <p:cNvSpPr txBox="1"/>
+          <p:nvPr/>
+        </p:nvSpPr>
+        <p:spPr>
+          <a:xfrm>
+            <a:off x="838199" y="4553883"/>
+            <a:ext cx="5655365" cy="1292662"/>
+          </a:xfrm>
+          <a:prstGeom prst="rect">
+            <a:avLst/>
+          </a:prstGeom>
+          <a:noFill/>
+        </p:spPr>
+        <p:txBody>
+          <a:bodyPr wrap="square" rtlCol="0">
+            <a:spAutoFit/>
+          </a:bodyPr>
+          <a:lstStyle/>
+          <a:p>
+            <a:pPr>
+              <a:spcAft>
+                <a:spcPts val="1200"/>
+              </a:spcAft>
+            </a:pPr>
+            <a:r>
+              <a:rPr lang="en-IT" sz="2400" dirty="0">
+                <a:latin typeface="Palatino" pitchFamily="2" charset="77"/>
+                <a:ea typeface="Palatino" pitchFamily="2" charset="77"/>
+              </a:rPr>
+              <a:t>Regret</a:t>
+            </a:r>
+          </a:p>
+          <a:p>
+            <a:pPr>
+              <a:spcAft>
+                <a:spcPts val="1200"/>
+              </a:spcAft>
+            </a:pPr>
+            <a:r>
+              <a:rPr lang="en-GB" sz="1600" dirty="0">
+                <a:solidFill>
+                  <a:schemeClr val="bg1">
+                    <a:lumMod val="50000"/>
+                  </a:schemeClr>
+                </a:solidFill>
+                <a:latin typeface="Palatino" pitchFamily="2" charset="77"/>
+                <a:ea typeface="Palatino" pitchFamily="2" charset="77"/>
+              </a:rPr>
+              <a:t>We obtain similar results to the single product case </a:t>
+            </a:r>
+            <a:endParaRPr lang="en-GB" sz="1600" i="1" dirty="0">
+              <a:solidFill>
+                <a:schemeClr val="bg1">
+                  <a:lumMod val="50000"/>
+                </a:schemeClr>
+              </a:solidFill>
+              <a:latin typeface="Palatino" pitchFamily="2" charset="77"/>
+              <a:ea typeface="Palatino" pitchFamily="2" charset="77"/>
+            </a:endParaRPr>
+          </a:p>
+          <a:p>
+            <a:endParaRPr lang="en-IT" dirty="0"/>
+          </a:p>
+        </p:txBody>
+      </p:sp>
+      <p:pic>
+        <p:nvPicPr>
+          <p:cNvPr id="4" name="Picture 3">
+            <a:extLst>
+              <a:ext uri="{FF2B5EF4-FFF2-40B4-BE49-F238E27FC236}">
+                <a16:creationId xmlns:a16="http://schemas.microsoft.com/office/drawing/2014/main" id="{00A8A0CE-2DF0-9196-E36B-3D10D34D6410}"/>
+              </a:ext>
+            </a:extLst>
+          </p:cNvPr>
+          <p:cNvPicPr>
+            <a:picLocks noChangeAspect="1"/>
+          </p:cNvPicPr>
+          <p:nvPr/>
+        </p:nvPicPr>
+        <p:blipFill>
+          <a:blip r:embed="rId2"/>
+          <a:srcRect r="66384"/>
+          <a:stretch>
+            <a:fillRect/>
+          </a:stretch>
+        </p:blipFill>
+        <p:spPr>
+          <a:xfrm>
+            <a:off x="6353872" y="2211206"/>
+            <a:ext cx="2914342" cy="2753206"/>
+          </a:xfrm>
+          <a:prstGeom prst="rect">
+            <a:avLst/>
+          </a:prstGeom>
+        </p:spPr>
+      </p:pic>
+      <p:pic>
+        <p:nvPicPr>
+          <p:cNvPr id="5" name="Picture 4">
+            <a:extLst>
+              <a:ext uri="{FF2B5EF4-FFF2-40B4-BE49-F238E27FC236}">
+                <a16:creationId xmlns:a16="http://schemas.microsoft.com/office/drawing/2014/main" id="{E97EA801-580F-9141-2975-45E8F842CE62}"/>
+              </a:ext>
+            </a:extLst>
+          </p:cNvPr>
+          <p:cNvPicPr>
+            <a:picLocks noChangeAspect="1"/>
+          </p:cNvPicPr>
+          <p:nvPr/>
+        </p:nvPicPr>
+        <p:blipFill>
+          <a:blip r:embed="rId2"/>
+          <a:srcRect l="36838" r="32380"/>
+          <a:stretch>
+            <a:fillRect/>
+          </a:stretch>
+        </p:blipFill>
+        <p:spPr>
+          <a:xfrm>
+            <a:off x="9268215" y="1154575"/>
+            <a:ext cx="2392472" cy="2468262"/>
+          </a:xfrm>
+          <a:prstGeom prst="rect">
+            <a:avLst/>
+          </a:prstGeom>
+        </p:spPr>
+      </p:pic>
+      <p:pic>
+        <p:nvPicPr>
+          <p:cNvPr id="6" name="Picture 5">
+            <a:extLst>
+              <a:ext uri="{FF2B5EF4-FFF2-40B4-BE49-F238E27FC236}">
+                <a16:creationId xmlns:a16="http://schemas.microsoft.com/office/drawing/2014/main" id="{265CD28B-ADB6-6F34-8542-81873E82CDED}"/>
+              </a:ext>
+            </a:extLst>
+          </p:cNvPr>
+          <p:cNvPicPr>
+            <a:picLocks noChangeAspect="1"/>
+          </p:cNvPicPr>
+          <p:nvPr/>
+        </p:nvPicPr>
+        <p:blipFill>
+          <a:blip r:embed="rId2"/>
+          <a:srcRect l="69218"/>
+          <a:stretch>
+            <a:fillRect/>
+          </a:stretch>
+        </p:blipFill>
+        <p:spPr>
+          <a:xfrm>
+            <a:off x="9210802" y="3491471"/>
+            <a:ext cx="2392473" cy="2468262"/>
+          </a:xfrm>
+          <a:prstGeom prst="rect">
+            <a:avLst/>
+          </a:prstGeom>
+        </p:spPr>
+      </p:pic>
+    </p:spTree>
+    <p:extLst>
+      <p:ext uri="{BB962C8B-B14F-4D97-AF65-F5344CB8AC3E}">
+        <p14:creationId xmlns:p14="http://schemas.microsoft.com/office/powerpoint/2010/main" val="3932946349"/>
+      </p:ext>
+    </p:extLst>
+  </p:cSld>
+  <p:clrMapOvr>
+    <a:masterClrMapping/>
+  </p:clrMapOvr>
+</p:sld>
+</file>
+
+<file path=ppt/slides/slide47.xml><?xml version="1.0" encoding="utf-8"?>
+<p:sld xmlns:a="http://schemas.openxmlformats.org/drawingml/2006/main" xmlns:r="http://schemas.openxmlformats.org/officeDocument/2006/relationships" xmlns:p="http://schemas.openxmlformats.org/presentationml/2006/main">
+  <p:cSld>
+    <p:spTree>
+      <p:nvGrpSpPr>
+        <p:cNvPr id="1" name="">
+          <a:extLst>
+            <a:ext uri="{FF2B5EF4-FFF2-40B4-BE49-F238E27FC236}">
+              <a16:creationId xmlns:a16="http://schemas.microsoft.com/office/drawing/2014/main" id="{08174765-541B-EF11-B551-B89FE9493CB2}"/>
+            </a:ext>
+          </a:extLst>
+        </p:cNvPr>
+        <p:cNvGrpSpPr/>
+        <p:nvPr/>
+      </p:nvGrpSpPr>
+      <p:grpSpPr>
+        <a:xfrm>
+          <a:off x="0" y="0"/>
+          <a:ext cx="0" cy="0"/>
+          <a:chOff x="0" y="0"/>
+          <a:chExt cx="0" cy="0"/>
+        </a:xfrm>
+      </p:grpSpPr>
+      <p:sp>
+        <p:nvSpPr>
+          <p:cNvPr id="2" name="Title 1">
+            <a:extLst>
+              <a:ext uri="{FF2B5EF4-FFF2-40B4-BE49-F238E27FC236}">
+                <a16:creationId xmlns:a16="http://schemas.microsoft.com/office/drawing/2014/main" id="{C3B5404E-9C10-6618-F783-82BB1C3F3756}"/>
+              </a:ext>
+            </a:extLst>
+          </p:cNvPr>
+          <p:cNvSpPr>
+            <a:spLocks noGrp="1"/>
+          </p:cNvSpPr>
+          <p:nvPr>
+            <p:ph type="title"/>
+          </p:nvPr>
+        </p:nvSpPr>
+        <p:spPr/>
+        <p:txBody>
+          <a:bodyPr/>
+          <a:lstStyle/>
+          <a:p>
+            <a:r>
+              <a:rPr lang="en-IT" dirty="0">
+                <a:latin typeface="Palatino" pitchFamily="2" charset="77"/>
+                <a:ea typeface="Palatino" pitchFamily="2" charset="77"/>
+              </a:rPr>
+              <a:t>Performance Analysis</a:t>
+            </a:r>
+          </a:p>
+        </p:txBody>
+      </p:sp>
+      <p:sp>
+        <p:nvSpPr>
+          <p:cNvPr id="3" name="Content Placeholder 2">
+            <a:extLst>
+              <a:ext uri="{FF2B5EF4-FFF2-40B4-BE49-F238E27FC236}">
+                <a16:creationId xmlns:a16="http://schemas.microsoft.com/office/drawing/2014/main" id="{91FE2890-F52D-7B2A-059B-20140DAB231B}"/>
+              </a:ext>
+            </a:extLst>
+          </p:cNvPr>
+          <p:cNvSpPr>
+            <a:spLocks noGrp="1"/>
+          </p:cNvSpPr>
+          <p:nvPr>
+            <p:ph idx="1"/>
+          </p:nvPr>
+        </p:nvSpPr>
+        <p:spPr>
+          <a:xfrm>
+            <a:off x="838201" y="1668322"/>
+            <a:ext cx="4481944" cy="4111155"/>
+          </a:xfrm>
+        </p:spPr>
+        <p:txBody>
+          <a:bodyPr>
+            <a:noAutofit/>
+          </a:bodyPr>
+          <a:lstStyle/>
+          <a:p>
+            <a:pPr marL="0" indent="0">
+              <a:spcBef>
+                <a:spcPts val="0"/>
+              </a:spcBef>
+              <a:spcAft>
+                <a:spcPts val="1200"/>
+              </a:spcAft>
+              <a:buNone/>
+            </a:pPr>
+            <a:r>
+              <a:rPr lang="it-IT" sz="2400" dirty="0">
+                <a:latin typeface="Palatino" pitchFamily="2" charset="77"/>
+                <a:ea typeface="Palatino" pitchFamily="2" charset="77"/>
+              </a:rPr>
+              <a:t>One last observation</a:t>
+            </a:r>
+            <a:endParaRPr lang="en-GB" sz="1400" dirty="0">
+              <a:solidFill>
+                <a:schemeClr val="bg1">
+                  <a:lumMod val="50000"/>
+                </a:schemeClr>
+              </a:solidFill>
+              <a:latin typeface="Palatino" pitchFamily="2" charset="77"/>
+              <a:ea typeface="Palatino" pitchFamily="2" charset="77"/>
+            </a:endParaRPr>
+          </a:p>
+          <a:p>
+            <a:pPr marL="0" indent="0">
+              <a:spcBef>
+                <a:spcPts val="0"/>
+              </a:spcBef>
+              <a:spcAft>
+                <a:spcPts val="1800"/>
+              </a:spcAft>
+              <a:buNone/>
+            </a:pPr>
+            <a:r>
+              <a:rPr lang="en-GB" sz="1800" dirty="0">
+                <a:solidFill>
+                  <a:schemeClr val="bg1">
+                    <a:lumMod val="50000"/>
+                  </a:schemeClr>
+                </a:solidFill>
+                <a:latin typeface="Palatino" pitchFamily="2" charset="77"/>
+                <a:ea typeface="Palatino" pitchFamily="2" charset="77"/>
+              </a:rPr>
+              <a:t>We just would like to highlight that our algorithm appears to follow this pattern:</a:t>
+            </a:r>
+          </a:p>
+          <a:p>
+            <a:pPr marL="342900" indent="-342900">
+              <a:spcBef>
+                <a:spcPts val="0"/>
+              </a:spcBef>
+              <a:spcAft>
+                <a:spcPts val="1200"/>
+              </a:spcAft>
+              <a:buAutoNum type="arabicPeriod"/>
+            </a:pPr>
+            <a:r>
+              <a:rPr lang="en-GB" sz="1600" i="1" dirty="0">
+                <a:solidFill>
+                  <a:schemeClr val="bg1">
+                    <a:lumMod val="50000"/>
+                  </a:schemeClr>
+                </a:solidFill>
+                <a:latin typeface="Palatino" pitchFamily="2" charset="77"/>
+                <a:ea typeface="Palatino" pitchFamily="2" charset="77"/>
+              </a:rPr>
+              <a:t>Starts</a:t>
+            </a:r>
+            <a:r>
+              <a:rPr lang="en-GB" sz="1600" dirty="0">
+                <a:solidFill>
+                  <a:schemeClr val="bg1">
+                    <a:lumMod val="50000"/>
+                  </a:schemeClr>
+                </a:solidFill>
+                <a:latin typeface="Palatino" pitchFamily="2" charset="77"/>
+                <a:ea typeface="Palatino" pitchFamily="2" charset="77"/>
+              </a:rPr>
+              <a:t> by playing arms with </a:t>
+            </a:r>
+            <a:r>
+              <a:rPr lang="en-GB" sz="1600" i="1" dirty="0">
+                <a:solidFill>
+                  <a:schemeClr val="bg1">
+                    <a:lumMod val="50000"/>
+                  </a:schemeClr>
+                </a:solidFill>
+                <a:latin typeface="Palatino" pitchFamily="2" charset="77"/>
+                <a:ea typeface="Palatino" pitchFamily="2" charset="77"/>
+              </a:rPr>
+              <a:t>highest average reward</a:t>
+            </a:r>
+            <a:r>
+              <a:rPr lang="en-GB" sz="1600" dirty="0">
+                <a:solidFill>
+                  <a:schemeClr val="bg1">
+                    <a:lumMod val="50000"/>
+                  </a:schemeClr>
+                </a:solidFill>
+                <a:latin typeface="Palatino" pitchFamily="2" charset="77"/>
+                <a:ea typeface="Palatino" pitchFamily="2" charset="77"/>
+              </a:rPr>
+              <a:t> quite enough</a:t>
+            </a:r>
+          </a:p>
+          <a:p>
+            <a:pPr marL="342900" indent="-342900">
+              <a:spcBef>
+                <a:spcPts val="0"/>
+              </a:spcBef>
+              <a:spcAft>
+                <a:spcPts val="1200"/>
+              </a:spcAft>
+              <a:buAutoNum type="arabicPeriod"/>
+            </a:pPr>
+            <a:r>
+              <a:rPr lang="en-GB" sz="1600" dirty="0">
+                <a:solidFill>
+                  <a:schemeClr val="bg1">
+                    <a:lumMod val="50000"/>
+                  </a:schemeClr>
+                </a:solidFill>
+                <a:latin typeface="Palatino" pitchFamily="2" charset="77"/>
+                <a:ea typeface="Palatino" pitchFamily="2" charset="77"/>
+              </a:rPr>
+              <a:t>Observes a spike by lambda to quickly penalize such arms </a:t>
+            </a:r>
+          </a:p>
+          <a:p>
+            <a:pPr marL="342900" indent="-342900">
+              <a:spcBef>
+                <a:spcPts val="0"/>
+              </a:spcBef>
+              <a:spcAft>
+                <a:spcPts val="1200"/>
+              </a:spcAft>
+              <a:buAutoNum type="arabicPeriod"/>
+            </a:pPr>
+            <a:r>
+              <a:rPr lang="en-GB" sz="1600" dirty="0">
+                <a:solidFill>
+                  <a:schemeClr val="bg1">
+                    <a:lumMod val="50000"/>
+                  </a:schemeClr>
+                </a:solidFill>
+                <a:latin typeface="Palatino" pitchFamily="2" charset="77"/>
+                <a:ea typeface="Palatino" pitchFamily="2" charset="77"/>
+              </a:rPr>
+              <a:t>Keeps playing arms which guarantee good budget management (with </a:t>
+            </a:r>
+            <a:r>
+              <a:rPr lang="en-GB" sz="1600" i="1" dirty="0">
+                <a:solidFill>
+                  <a:schemeClr val="bg1">
+                    <a:lumMod val="50000"/>
+                  </a:schemeClr>
+                </a:solidFill>
+                <a:latin typeface="Palatino" pitchFamily="2" charset="77"/>
+                <a:ea typeface="Palatino" pitchFamily="2" charset="77"/>
+              </a:rPr>
+              <a:t>higher per-buyer profit</a:t>
+            </a:r>
+            <a:r>
+              <a:rPr lang="en-GB" sz="1600" dirty="0">
+                <a:solidFill>
+                  <a:schemeClr val="bg1">
+                    <a:lumMod val="50000"/>
+                  </a:schemeClr>
+                </a:solidFill>
+                <a:latin typeface="Palatino" pitchFamily="2" charset="77"/>
+                <a:ea typeface="Palatino" pitchFamily="2" charset="77"/>
+              </a:rPr>
+              <a:t>)</a:t>
+            </a:r>
+          </a:p>
+          <a:p>
+            <a:pPr marL="342900" indent="-342900">
+              <a:spcBef>
+                <a:spcPts val="0"/>
+              </a:spcBef>
+              <a:spcAft>
+                <a:spcPts val="1200"/>
+              </a:spcAft>
+              <a:buAutoNum type="arabicPeriod"/>
+            </a:pPr>
+            <a:r>
+              <a:rPr lang="en-GB" sz="1600" i="1" dirty="0">
+                <a:solidFill>
+                  <a:schemeClr val="bg1">
+                    <a:lumMod val="50000"/>
+                  </a:schemeClr>
+                </a:solidFill>
+                <a:latin typeface="Palatino" pitchFamily="2" charset="77"/>
+                <a:ea typeface="Palatino" pitchFamily="2" charset="77"/>
+              </a:rPr>
+              <a:t>Eventually</a:t>
+            </a:r>
+            <a:r>
+              <a:rPr lang="en-GB" sz="1600" dirty="0">
+                <a:solidFill>
+                  <a:schemeClr val="bg1">
+                    <a:lumMod val="50000"/>
+                  </a:schemeClr>
+                </a:solidFill>
+                <a:latin typeface="Palatino" pitchFamily="2" charset="77"/>
+                <a:ea typeface="Palatino" pitchFamily="2" charset="77"/>
+              </a:rPr>
+              <a:t> gives a chance to the best arms by the end of the rounds</a:t>
+            </a:r>
+          </a:p>
+          <a:p>
+            <a:pPr marL="0" indent="0">
+              <a:spcBef>
+                <a:spcPts val="0"/>
+              </a:spcBef>
+              <a:spcAft>
+                <a:spcPts val="1200"/>
+              </a:spcAft>
+              <a:buNone/>
+            </a:pPr>
+            <a:r>
+              <a:rPr lang="en-GB" sz="1200" dirty="0">
+                <a:solidFill>
+                  <a:schemeClr val="bg1">
+                    <a:lumMod val="50000"/>
+                  </a:schemeClr>
+                </a:solidFill>
+                <a:latin typeface="Palatino" pitchFamily="2" charset="77"/>
+                <a:ea typeface="Palatino" pitchFamily="2" charset="77"/>
+              </a:rPr>
+              <a:t>Hint: We plotted the three arms with highest average reward at the end of the simulation</a:t>
+            </a:r>
+          </a:p>
+          <a:p>
+            <a:pPr marL="0" indent="0">
+              <a:spcBef>
+                <a:spcPts val="0"/>
+              </a:spcBef>
+              <a:buNone/>
+            </a:pPr>
+            <a:endParaRPr lang="en-GB" sz="1600" dirty="0">
+              <a:solidFill>
+                <a:schemeClr val="bg1">
+                  <a:lumMod val="50000"/>
+                </a:schemeClr>
+              </a:solidFill>
+              <a:latin typeface="Palatino" pitchFamily="2" charset="77"/>
+              <a:ea typeface="Palatino" pitchFamily="2" charset="77"/>
+            </a:endParaRPr>
+          </a:p>
+          <a:p>
+            <a:pPr marL="0" indent="0">
+              <a:spcBef>
+                <a:spcPts val="0"/>
+              </a:spcBef>
+              <a:buNone/>
+            </a:pPr>
+            <a:endParaRPr lang="en-GB" sz="1600" dirty="0">
+              <a:solidFill>
+                <a:schemeClr val="bg1">
+                  <a:lumMod val="50000"/>
+                </a:schemeClr>
+              </a:solidFill>
+              <a:latin typeface="Palatino" pitchFamily="2" charset="77"/>
+              <a:ea typeface="Palatino" pitchFamily="2" charset="77"/>
+            </a:endParaRPr>
+          </a:p>
+        </p:txBody>
+      </p:sp>
+      <p:pic>
+        <p:nvPicPr>
+          <p:cNvPr id="9" name="Picture 8">
+            <a:extLst>
+              <a:ext uri="{FF2B5EF4-FFF2-40B4-BE49-F238E27FC236}">
+                <a16:creationId xmlns:a16="http://schemas.microsoft.com/office/drawing/2014/main" id="{98E2EDE2-DDD2-033B-7368-407B24A66725}"/>
+              </a:ext>
+            </a:extLst>
+          </p:cNvPr>
+          <p:cNvPicPr>
+            <a:picLocks noChangeAspect="1"/>
+          </p:cNvPicPr>
+          <p:nvPr/>
+        </p:nvPicPr>
+        <p:blipFill>
+          <a:blip r:embed="rId2"/>
+          <a:stretch>
+            <a:fillRect/>
+          </a:stretch>
+        </p:blipFill>
+        <p:spPr>
+          <a:xfrm>
+            <a:off x="6009059" y="1698128"/>
+            <a:ext cx="5613981" cy="2351483"/>
+          </a:xfrm>
+          <a:prstGeom prst="rect">
+            <a:avLst/>
+          </a:prstGeom>
+        </p:spPr>
+      </p:pic>
+      <p:pic>
+        <p:nvPicPr>
+          <p:cNvPr id="4" name="Picture 3">
+            <a:extLst>
+              <a:ext uri="{FF2B5EF4-FFF2-40B4-BE49-F238E27FC236}">
+                <a16:creationId xmlns:a16="http://schemas.microsoft.com/office/drawing/2014/main" id="{9E545ABE-EADC-B229-32FC-9FB753DF08BE}"/>
+              </a:ext>
+            </a:extLst>
+          </p:cNvPr>
+          <p:cNvPicPr>
+            <a:picLocks noChangeAspect="1"/>
+          </p:cNvPicPr>
+          <p:nvPr/>
+        </p:nvPicPr>
+        <p:blipFill>
+          <a:blip r:embed="rId3"/>
+          <a:stretch>
+            <a:fillRect/>
+          </a:stretch>
+        </p:blipFill>
+        <p:spPr>
+          <a:xfrm>
+            <a:off x="6003814" y="4049611"/>
+            <a:ext cx="5613981" cy="2176856"/>
+          </a:xfrm>
+          <a:prstGeom prst="rect">
+            <a:avLst/>
+          </a:prstGeom>
+        </p:spPr>
+      </p:pic>
+    </p:spTree>
+    <p:extLst>
+      <p:ext uri="{BB962C8B-B14F-4D97-AF65-F5344CB8AC3E}">
+        <p14:creationId xmlns:p14="http://schemas.microsoft.com/office/powerpoint/2010/main" val="2511455938"/>
+      </p:ext>
+    </p:extLst>
+  </p:cSld>
+  <p:clrMapOvr>
+    <a:masterClrMapping/>
+  </p:clrMapOvr>
+</p:sld>
+</file>
+
+<file path=ppt/slides/slide48.xml><?xml version="1.0" encoding="utf-8"?>
+<p:sld xmlns:a="http://schemas.openxmlformats.org/drawingml/2006/main" xmlns:r="http://schemas.openxmlformats.org/officeDocument/2006/relationships" xmlns:p="http://schemas.openxmlformats.org/presentationml/2006/main">
+  <p:cSld>
+    <p:spTree>
+      <p:nvGrpSpPr>
+        <p:cNvPr id="1" name="">
+          <a:extLst>
+            <a:ext uri="{FF2B5EF4-FFF2-40B4-BE49-F238E27FC236}">
+              <a16:creationId xmlns:a16="http://schemas.microsoft.com/office/drawing/2014/main" id="{FAD02C68-A5DB-52C6-6D11-4FEEA6F45D34}"/>
+            </a:ext>
+          </a:extLst>
+        </p:cNvPr>
+        <p:cNvGrpSpPr/>
+        <p:nvPr/>
+      </p:nvGrpSpPr>
+      <p:grpSpPr>
+        <a:xfrm>
+          <a:off x="0" y="0"/>
+          <a:ext cx="0" cy="0"/>
+          <a:chOff x="0" y="0"/>
+          <a:chExt cx="0" cy="0"/>
+        </a:xfrm>
+      </p:grpSpPr>
+      <p:sp>
+        <p:nvSpPr>
+          <p:cNvPr id="2" name="Title 1">
+            <a:extLst>
+              <a:ext uri="{FF2B5EF4-FFF2-40B4-BE49-F238E27FC236}">
+                <a16:creationId xmlns:a16="http://schemas.microsoft.com/office/drawing/2014/main" id="{415ED9ED-C83D-7625-C550-53986E93907D}"/>
+              </a:ext>
+            </a:extLst>
+          </p:cNvPr>
+          <p:cNvSpPr>
+            <a:spLocks noGrp="1"/>
+          </p:cNvSpPr>
+          <p:nvPr>
+            <p:ph type="title"/>
+          </p:nvPr>
+        </p:nvSpPr>
+        <p:spPr/>
+        <p:txBody>
+          <a:bodyPr/>
+          <a:lstStyle/>
+          <a:p>
+            <a:r>
+              <a:rPr lang="en-IT" dirty="0">
+                <a:latin typeface="Palatino" pitchFamily="2" charset="77"/>
+                <a:ea typeface="Palatino" pitchFamily="2" charset="77"/>
+              </a:rPr>
+              <a:t>Requirement 5</a:t>
+            </a:r>
+          </a:p>
+        </p:txBody>
+      </p:sp>
+      <p:sp>
+        <p:nvSpPr>
+          <p:cNvPr id="3" name="Text Placeholder 2">
+            <a:extLst>
+              <a:ext uri="{FF2B5EF4-FFF2-40B4-BE49-F238E27FC236}">
+                <a16:creationId xmlns:a16="http://schemas.microsoft.com/office/drawing/2014/main" id="{18770853-C70D-1FD1-3061-472B1DA52C71}"/>
+              </a:ext>
+            </a:extLst>
+          </p:cNvPr>
+          <p:cNvSpPr>
+            <a:spLocks noGrp="1"/>
+          </p:cNvSpPr>
+          <p:nvPr>
+            <p:ph type="body" idx="1"/>
+          </p:nvPr>
+        </p:nvSpPr>
+        <p:spPr>
+          <a:xfrm>
+            <a:off x="831850" y="4799670"/>
+            <a:ext cx="10515600" cy="1500187"/>
+          </a:xfrm>
+        </p:spPr>
+        <p:txBody>
+          <a:bodyPr/>
+          <a:lstStyle/>
+          <a:p>
+            <a:r>
+              <a:rPr lang="en-IT" dirty="0">
+                <a:solidFill>
+                  <a:schemeClr val="bg1">
+                    <a:lumMod val="50000"/>
+                  </a:schemeClr>
+                </a:solidFill>
+                <a:latin typeface="Palatino" pitchFamily="2" charset="77"/>
+                <a:ea typeface="Palatino" pitchFamily="2" charset="77"/>
+              </a:rPr>
+              <a:t>Multiple product </a:t>
+            </a:r>
+            <a:r>
+              <a:rPr lang="en-IT">
+                <a:solidFill>
+                  <a:schemeClr val="bg1">
+                    <a:lumMod val="50000"/>
+                  </a:schemeClr>
+                </a:solidFill>
+                <a:latin typeface="Palatino" pitchFamily="2" charset="77"/>
+                <a:ea typeface="Palatino" pitchFamily="2" charset="77"/>
+              </a:rPr>
+              <a:t>with slightly </a:t>
+            </a:r>
+            <a:r>
+              <a:rPr lang="en-IT" dirty="0">
+                <a:solidFill>
+                  <a:schemeClr val="bg1">
+                    <a:lumMod val="50000"/>
+                  </a:schemeClr>
+                </a:solidFill>
+                <a:latin typeface="Palatino" pitchFamily="2" charset="77"/>
+                <a:ea typeface="Palatino" pitchFamily="2" charset="77"/>
+              </a:rPr>
+              <a:t>non-stationary environment</a:t>
+            </a:r>
+          </a:p>
+        </p:txBody>
+      </p:sp>
+    </p:spTree>
+    <p:extLst>
+      <p:ext uri="{BB962C8B-B14F-4D97-AF65-F5344CB8AC3E}">
+        <p14:creationId xmlns:p14="http://schemas.microsoft.com/office/powerpoint/2010/main" val="3713515012"/>
       </p:ext>
     </p:extLst>
   </p:cSld>
